--- a/docs/React.pptx
+++ b/docs/React.pptx
@@ -5,7 +5,7 @@
     <p:sldMasterId id="2147483660" r:id="rId4"/>
   </p:sldMasterIdLst>
   <p:notesMasterIdLst>
-    <p:notesMasterId r:id="rId15"/>
+    <p:notesMasterId r:id="rId21"/>
   </p:notesMasterIdLst>
   <p:sldIdLst>
     <p:sldId id="264" r:id="rId5"/>
@@ -18,6 +18,12 @@
     <p:sldId id="319" r:id="rId12"/>
     <p:sldId id="321" r:id="rId13"/>
     <p:sldId id="320" r:id="rId14"/>
+    <p:sldId id="322" r:id="rId15"/>
+    <p:sldId id="323" r:id="rId16"/>
+    <p:sldId id="324" r:id="rId17"/>
+    <p:sldId id="325" r:id="rId18"/>
+    <p:sldId id="326" r:id="rId19"/>
+    <p:sldId id="327" r:id="rId20"/>
   </p:sldIdLst>
   <p:sldSz cx="12192000" cy="6858000"/>
   <p:notesSz cx="6858000" cy="9144000"/>
@@ -5074,6 +5080,679 @@
     <p:extLst>
       <p:ext uri="{BB962C8B-B14F-4D97-AF65-F5344CB8AC3E}">
         <p14:creationId xmlns:p14="http://schemas.microsoft.com/office/powerpoint/2010/main" val="1520609110"/>
+      </p:ext>
+    </p:extLst>
+  </p:cSld>
+  <p:clrMapOvr>
+    <a:masterClrMapping/>
+  </p:clrMapOvr>
+</p:sld>
+</file>
+
+<file path=ppt/slides/slide11.xml><?xml version="1.0" encoding="utf-8"?>
+<p:sld xmlns:a="http://schemas.openxmlformats.org/drawingml/2006/main" xmlns:r="http://schemas.openxmlformats.org/officeDocument/2006/relationships" xmlns:p="http://schemas.openxmlformats.org/presentationml/2006/main">
+  <p:cSld>
+    <p:spTree>
+      <p:nvGrpSpPr>
+        <p:cNvPr id="1" name=""/>
+        <p:cNvGrpSpPr/>
+        <p:nvPr/>
+      </p:nvGrpSpPr>
+      <p:grpSpPr>
+        <a:xfrm>
+          <a:off x="0" y="0"/>
+          <a:ext cx="0" cy="0"/>
+          <a:chOff x="0" y="0"/>
+          <a:chExt cx="0" cy="0"/>
+        </a:xfrm>
+      </p:grpSpPr>
+      <p:sp>
+        <p:nvSpPr>
+          <p:cNvPr id="2" name="Title 1">
+            <a:extLst>
+              <a:ext uri="{FF2B5EF4-FFF2-40B4-BE49-F238E27FC236}">
+                <a16:creationId xmlns:a16="http://schemas.microsoft.com/office/drawing/2014/main" id="{8A56E29C-09F7-B711-591E-BDC97066A449}"/>
+              </a:ext>
+            </a:extLst>
+          </p:cNvPr>
+          <p:cNvSpPr>
+            <a:spLocks noGrp="1"/>
+          </p:cNvSpPr>
+          <p:nvPr>
+            <p:ph type="title"/>
+          </p:nvPr>
+        </p:nvSpPr>
+        <p:spPr/>
+        <p:txBody>
+          <a:bodyPr/>
+          <a:lstStyle/>
+          <a:p>
+            <a:r>
+              <a:rPr lang="en-US" dirty="0"/>
+              <a:t>Page</a:t>
+            </a:r>
+          </a:p>
+        </p:txBody>
+      </p:sp>
+      <p:sp>
+        <p:nvSpPr>
+          <p:cNvPr id="3" name="Content Placeholder 2">
+            <a:extLst>
+              <a:ext uri="{FF2B5EF4-FFF2-40B4-BE49-F238E27FC236}">
+                <a16:creationId xmlns:a16="http://schemas.microsoft.com/office/drawing/2014/main" id="{4D96329F-70CA-D930-B844-FB5264890AD1}"/>
+              </a:ext>
+            </a:extLst>
+          </p:cNvPr>
+          <p:cNvSpPr>
+            <a:spLocks noGrp="1"/>
+          </p:cNvSpPr>
+          <p:nvPr>
+            <p:ph idx="1"/>
+          </p:nvPr>
+        </p:nvSpPr>
+        <p:spPr/>
+        <p:txBody>
+          <a:bodyPr/>
+          <a:lstStyle/>
+          <a:p>
+            <a:r>
+              <a:rPr lang="en-US" dirty="0"/>
+              <a:t>Its component but should not be reusable </a:t>
+            </a:r>
+          </a:p>
+        </p:txBody>
+      </p:sp>
+    </p:spTree>
+    <p:extLst>
+      <p:ext uri="{BB962C8B-B14F-4D97-AF65-F5344CB8AC3E}">
+        <p14:creationId xmlns:p14="http://schemas.microsoft.com/office/powerpoint/2010/main" val="1059163381"/>
+      </p:ext>
+    </p:extLst>
+  </p:cSld>
+  <p:clrMapOvr>
+    <a:masterClrMapping/>
+  </p:clrMapOvr>
+</p:sld>
+</file>
+
+<file path=ppt/slides/slide12.xml><?xml version="1.0" encoding="utf-8"?>
+<p:sld xmlns:a="http://schemas.openxmlformats.org/drawingml/2006/main" xmlns:r="http://schemas.openxmlformats.org/officeDocument/2006/relationships" xmlns:p="http://schemas.openxmlformats.org/presentationml/2006/main">
+  <p:cSld>
+    <p:spTree>
+      <p:nvGrpSpPr>
+        <p:cNvPr id="1" name=""/>
+        <p:cNvGrpSpPr/>
+        <p:nvPr/>
+      </p:nvGrpSpPr>
+      <p:grpSpPr>
+        <a:xfrm>
+          <a:off x="0" y="0"/>
+          <a:ext cx="0" cy="0"/>
+          <a:chOff x="0" y="0"/>
+          <a:chExt cx="0" cy="0"/>
+        </a:xfrm>
+      </p:grpSpPr>
+      <p:sp>
+        <p:nvSpPr>
+          <p:cNvPr id="2" name="Title 1">
+            <a:extLst>
+              <a:ext uri="{FF2B5EF4-FFF2-40B4-BE49-F238E27FC236}">
+                <a16:creationId xmlns:a16="http://schemas.microsoft.com/office/drawing/2014/main" id="{8A56E29C-09F7-B711-591E-BDC97066A449}"/>
+              </a:ext>
+            </a:extLst>
+          </p:cNvPr>
+          <p:cNvSpPr>
+            <a:spLocks noGrp="1"/>
+          </p:cNvSpPr>
+          <p:nvPr>
+            <p:ph type="title"/>
+          </p:nvPr>
+        </p:nvSpPr>
+        <p:spPr/>
+        <p:txBody>
+          <a:bodyPr/>
+          <a:lstStyle/>
+          <a:p>
+            <a:r>
+              <a:rPr lang="en-US" dirty="0"/>
+              <a:t>VDOM</a:t>
+            </a:r>
+          </a:p>
+        </p:txBody>
+      </p:sp>
+      <p:sp>
+        <p:nvSpPr>
+          <p:cNvPr id="3" name="Content Placeholder 2">
+            <a:extLst>
+              <a:ext uri="{FF2B5EF4-FFF2-40B4-BE49-F238E27FC236}">
+                <a16:creationId xmlns:a16="http://schemas.microsoft.com/office/drawing/2014/main" id="{4D96329F-70CA-D930-B844-FB5264890AD1}"/>
+              </a:ext>
+            </a:extLst>
+          </p:cNvPr>
+          <p:cNvSpPr>
+            <a:spLocks noGrp="1"/>
+          </p:cNvSpPr>
+          <p:nvPr>
+            <p:ph idx="1"/>
+          </p:nvPr>
+        </p:nvSpPr>
+        <p:spPr/>
+        <p:txBody>
+          <a:bodyPr/>
+          <a:lstStyle/>
+          <a:p>
+            <a:r>
+              <a:rPr lang="en-US" dirty="0"/>
+              <a:t>https://reactjs.org/docs/faq-internals.html</a:t>
+            </a:r>
+          </a:p>
+        </p:txBody>
+      </p:sp>
+    </p:spTree>
+    <p:extLst>
+      <p:ext uri="{BB962C8B-B14F-4D97-AF65-F5344CB8AC3E}">
+        <p14:creationId xmlns:p14="http://schemas.microsoft.com/office/powerpoint/2010/main" val="924546075"/>
+      </p:ext>
+    </p:extLst>
+  </p:cSld>
+  <p:clrMapOvr>
+    <a:masterClrMapping/>
+  </p:clrMapOvr>
+</p:sld>
+</file>
+
+<file path=ppt/slides/slide13.xml><?xml version="1.0" encoding="utf-8"?>
+<p:sld xmlns:a="http://schemas.openxmlformats.org/drawingml/2006/main" xmlns:r="http://schemas.openxmlformats.org/officeDocument/2006/relationships" xmlns:p="http://schemas.openxmlformats.org/presentationml/2006/main">
+  <p:cSld>
+    <p:spTree>
+      <p:nvGrpSpPr>
+        <p:cNvPr id="1" name=""/>
+        <p:cNvGrpSpPr/>
+        <p:nvPr/>
+      </p:nvGrpSpPr>
+      <p:grpSpPr>
+        <a:xfrm>
+          <a:off x="0" y="0"/>
+          <a:ext cx="0" cy="0"/>
+          <a:chOff x="0" y="0"/>
+          <a:chExt cx="0" cy="0"/>
+        </a:xfrm>
+      </p:grpSpPr>
+      <p:sp>
+        <p:nvSpPr>
+          <p:cNvPr id="2" name="Title 1">
+            <a:extLst>
+              <a:ext uri="{FF2B5EF4-FFF2-40B4-BE49-F238E27FC236}">
+                <a16:creationId xmlns:a16="http://schemas.microsoft.com/office/drawing/2014/main" id="{8A56E29C-09F7-B711-591E-BDC97066A449}"/>
+              </a:ext>
+            </a:extLst>
+          </p:cNvPr>
+          <p:cNvSpPr>
+            <a:spLocks noGrp="1"/>
+          </p:cNvSpPr>
+          <p:nvPr>
+            <p:ph type="title"/>
+          </p:nvPr>
+        </p:nvSpPr>
+        <p:spPr/>
+        <p:txBody>
+          <a:bodyPr/>
+          <a:lstStyle/>
+          <a:p>
+            <a:r>
+              <a:rPr lang="en-US" dirty="0" err="1"/>
+              <a:t>useState</a:t>
+            </a:r>
+            <a:endParaRPr lang="en-US" dirty="0"/>
+          </a:p>
+        </p:txBody>
+      </p:sp>
+      <p:sp>
+        <p:nvSpPr>
+          <p:cNvPr id="3" name="Content Placeholder 2">
+            <a:extLst>
+              <a:ext uri="{FF2B5EF4-FFF2-40B4-BE49-F238E27FC236}">
+                <a16:creationId xmlns:a16="http://schemas.microsoft.com/office/drawing/2014/main" id="{4D96329F-70CA-D930-B844-FB5264890AD1}"/>
+              </a:ext>
+            </a:extLst>
+          </p:cNvPr>
+          <p:cNvSpPr>
+            <a:spLocks noGrp="1"/>
+          </p:cNvSpPr>
+          <p:nvPr>
+            <p:ph idx="1"/>
+          </p:nvPr>
+        </p:nvSpPr>
+        <p:spPr/>
+        <p:txBody>
+          <a:bodyPr>
+            <a:normAutofit/>
+          </a:bodyPr>
+          <a:lstStyle/>
+          <a:p>
+            <a:r>
+              <a:rPr lang="en-US" sz="1800" dirty="0" err="1"/>
+              <a:t>useState</a:t>
+            </a:r>
+            <a:r>
+              <a:rPr lang="en-US" sz="1800" dirty="0"/>
+              <a:t> is hook</a:t>
+            </a:r>
+          </a:p>
+          <a:p>
+            <a:r>
+              <a:rPr lang="en-US" sz="1800" dirty="0" err="1"/>
+              <a:t>useState</a:t>
+            </a:r>
+            <a:r>
+              <a:rPr lang="en-US" sz="1800" dirty="0"/>
+              <a:t> is function that accepts initial value and will return array with 2 items</a:t>
+            </a:r>
+          </a:p>
+          <a:p>
+            <a:r>
+              <a:rPr lang="en-US" sz="1800" dirty="0"/>
+              <a:t>Item1 is the value of the state</a:t>
+            </a:r>
+          </a:p>
+          <a:p>
+            <a:r>
+              <a:rPr lang="en-US" sz="1800" dirty="0"/>
+              <a:t>Item2 is function to update the value of the state</a:t>
+            </a:r>
+          </a:p>
+          <a:p>
+            <a:r>
+              <a:rPr lang="en-US" sz="1800" dirty="0" err="1"/>
+              <a:t>useState</a:t>
+            </a:r>
+            <a:r>
+              <a:rPr lang="en-US" sz="1800" dirty="0"/>
+              <a:t> must be declared at the top of the function</a:t>
+            </a:r>
+          </a:p>
+          <a:p>
+            <a:endParaRPr lang="en-US" sz="1800" dirty="0"/>
+          </a:p>
+          <a:p>
+            <a:r>
+              <a:rPr lang="en-US" sz="1800" dirty="0"/>
+              <a:t>Example:</a:t>
+            </a:r>
+          </a:p>
+          <a:p>
+            <a:r>
+              <a:rPr lang="en-US" sz="1800" dirty="0"/>
+              <a:t>const [email, </a:t>
+            </a:r>
+            <a:r>
+              <a:rPr lang="en-US" sz="1800" dirty="0" err="1"/>
+              <a:t>setEmail</a:t>
+            </a:r>
+            <a:r>
+              <a:rPr lang="en-US" sz="1800" dirty="0"/>
+              <a:t>] = </a:t>
+            </a:r>
+            <a:r>
+              <a:rPr lang="en-US" sz="1800" dirty="0" err="1"/>
+              <a:t>useState</a:t>
+            </a:r>
+            <a:r>
+              <a:rPr lang="en-US" sz="1800" dirty="0"/>
+              <a:t>("");</a:t>
+            </a:r>
+          </a:p>
+        </p:txBody>
+      </p:sp>
+    </p:spTree>
+    <p:extLst>
+      <p:ext uri="{BB962C8B-B14F-4D97-AF65-F5344CB8AC3E}">
+        <p14:creationId xmlns:p14="http://schemas.microsoft.com/office/powerpoint/2010/main" val="673482173"/>
+      </p:ext>
+    </p:extLst>
+  </p:cSld>
+  <p:clrMapOvr>
+    <a:masterClrMapping/>
+  </p:clrMapOvr>
+</p:sld>
+</file>
+
+<file path=ppt/slides/slide14.xml><?xml version="1.0" encoding="utf-8"?>
+<p:sld xmlns:a="http://schemas.openxmlformats.org/drawingml/2006/main" xmlns:r="http://schemas.openxmlformats.org/officeDocument/2006/relationships" xmlns:p="http://schemas.openxmlformats.org/presentationml/2006/main">
+  <p:cSld>
+    <p:spTree>
+      <p:nvGrpSpPr>
+        <p:cNvPr id="1" name=""/>
+        <p:cNvGrpSpPr/>
+        <p:nvPr/>
+      </p:nvGrpSpPr>
+      <p:grpSpPr>
+        <a:xfrm>
+          <a:off x="0" y="0"/>
+          <a:ext cx="0" cy="0"/>
+          <a:chOff x="0" y="0"/>
+          <a:chExt cx="0" cy="0"/>
+        </a:xfrm>
+      </p:grpSpPr>
+      <p:sp>
+        <p:nvSpPr>
+          <p:cNvPr id="2" name="Title 1">
+            <a:extLst>
+              <a:ext uri="{FF2B5EF4-FFF2-40B4-BE49-F238E27FC236}">
+                <a16:creationId xmlns:a16="http://schemas.microsoft.com/office/drawing/2014/main" id="{8A56E29C-09F7-B711-591E-BDC97066A449}"/>
+              </a:ext>
+            </a:extLst>
+          </p:cNvPr>
+          <p:cNvSpPr>
+            <a:spLocks noGrp="1"/>
+          </p:cNvSpPr>
+          <p:nvPr>
+            <p:ph type="title"/>
+          </p:nvPr>
+        </p:nvSpPr>
+        <p:spPr/>
+        <p:txBody>
+          <a:bodyPr/>
+          <a:lstStyle/>
+          <a:p>
+            <a:r>
+              <a:rPr lang="en-US" dirty="0"/>
+              <a:t>JS </a:t>
+            </a:r>
+            <a:r>
+              <a:rPr lang="en-US" dirty="0" err="1"/>
+              <a:t>falsy</a:t>
+            </a:r>
+            <a:endParaRPr lang="en-US" dirty="0"/>
+          </a:p>
+        </p:txBody>
+      </p:sp>
+      <p:sp>
+        <p:nvSpPr>
+          <p:cNvPr id="3" name="Content Placeholder 2">
+            <a:extLst>
+              <a:ext uri="{FF2B5EF4-FFF2-40B4-BE49-F238E27FC236}">
+                <a16:creationId xmlns:a16="http://schemas.microsoft.com/office/drawing/2014/main" id="{4D96329F-70CA-D930-B844-FB5264890AD1}"/>
+              </a:ext>
+            </a:extLst>
+          </p:cNvPr>
+          <p:cNvSpPr>
+            <a:spLocks noGrp="1"/>
+          </p:cNvSpPr>
+          <p:nvPr>
+            <p:ph idx="1"/>
+          </p:nvPr>
+        </p:nvSpPr>
+        <p:spPr/>
+        <p:txBody>
+          <a:bodyPr>
+            <a:normAutofit/>
+          </a:bodyPr>
+          <a:lstStyle/>
+          <a:p>
+            <a:r>
+              <a:rPr lang="en-US" sz="1800" dirty="0"/>
+              <a:t>0</a:t>
+            </a:r>
+          </a:p>
+          <a:p>
+            <a:r>
+              <a:rPr lang="en-US" sz="1800" dirty="0"/>
+              <a:t>False</a:t>
+            </a:r>
+          </a:p>
+          <a:p>
+            <a:r>
+              <a:rPr lang="en-US" sz="1800" dirty="0"/>
+              <a:t>Null</a:t>
+            </a:r>
+          </a:p>
+          <a:p>
+            <a:r>
+              <a:rPr lang="en-US" sz="1800" dirty="0"/>
+              <a:t>Undefined</a:t>
+            </a:r>
+          </a:p>
+          <a:p>
+            <a:r>
+              <a:rPr lang="en-US" sz="1800" dirty="0"/>
+              <a:t>“”</a:t>
+            </a:r>
+          </a:p>
+        </p:txBody>
+      </p:sp>
+    </p:spTree>
+    <p:extLst>
+      <p:ext uri="{BB962C8B-B14F-4D97-AF65-F5344CB8AC3E}">
+        <p14:creationId xmlns:p14="http://schemas.microsoft.com/office/powerpoint/2010/main" val="655966843"/>
+      </p:ext>
+    </p:extLst>
+  </p:cSld>
+  <p:clrMapOvr>
+    <a:masterClrMapping/>
+  </p:clrMapOvr>
+</p:sld>
+</file>
+
+<file path=ppt/slides/slide15.xml><?xml version="1.0" encoding="utf-8"?>
+<p:sld xmlns:a="http://schemas.openxmlformats.org/drawingml/2006/main" xmlns:r="http://schemas.openxmlformats.org/officeDocument/2006/relationships" xmlns:p="http://schemas.openxmlformats.org/presentationml/2006/main">
+  <p:cSld>
+    <p:spTree>
+      <p:nvGrpSpPr>
+        <p:cNvPr id="1" name=""/>
+        <p:cNvGrpSpPr/>
+        <p:nvPr/>
+      </p:nvGrpSpPr>
+      <p:grpSpPr>
+        <a:xfrm>
+          <a:off x="0" y="0"/>
+          <a:ext cx="0" cy="0"/>
+          <a:chOff x="0" y="0"/>
+          <a:chExt cx="0" cy="0"/>
+        </a:xfrm>
+      </p:grpSpPr>
+      <p:sp>
+        <p:nvSpPr>
+          <p:cNvPr id="2" name="Title 1">
+            <a:extLst>
+              <a:ext uri="{FF2B5EF4-FFF2-40B4-BE49-F238E27FC236}">
+                <a16:creationId xmlns:a16="http://schemas.microsoft.com/office/drawing/2014/main" id="{8A56E29C-09F7-B711-591E-BDC97066A449}"/>
+              </a:ext>
+            </a:extLst>
+          </p:cNvPr>
+          <p:cNvSpPr>
+            <a:spLocks noGrp="1"/>
+          </p:cNvSpPr>
+          <p:nvPr>
+            <p:ph type="title"/>
+          </p:nvPr>
+        </p:nvSpPr>
+        <p:spPr/>
+        <p:txBody>
+          <a:bodyPr/>
+          <a:lstStyle/>
+          <a:p>
+            <a:r>
+              <a:rPr lang="en-US" dirty="0"/>
+              <a:t>TK</a:t>
+            </a:r>
+          </a:p>
+        </p:txBody>
+      </p:sp>
+      <p:sp>
+        <p:nvSpPr>
+          <p:cNvPr id="3" name="Content Placeholder 2">
+            <a:extLst>
+              <a:ext uri="{FF2B5EF4-FFF2-40B4-BE49-F238E27FC236}">
+                <a16:creationId xmlns:a16="http://schemas.microsoft.com/office/drawing/2014/main" id="{4D96329F-70CA-D930-B844-FB5264890AD1}"/>
+              </a:ext>
+            </a:extLst>
+          </p:cNvPr>
+          <p:cNvSpPr>
+            <a:spLocks noGrp="1"/>
+          </p:cNvSpPr>
+          <p:nvPr>
+            <p:ph idx="1"/>
+          </p:nvPr>
+        </p:nvSpPr>
+        <p:spPr/>
+        <p:txBody>
+          <a:bodyPr>
+            <a:normAutofit/>
+          </a:bodyPr>
+          <a:lstStyle/>
+          <a:p>
+            <a:r>
+              <a:rPr lang="en-US" sz="1800" dirty="0"/>
+              <a:t>In the login form create msg under password that will say</a:t>
+            </a:r>
+          </a:p>
+          <a:p>
+            <a:r>
+              <a:rPr lang="en-US" sz="1800" dirty="0"/>
+              <a:t>Please provide password with at least 6 characters</a:t>
+            </a:r>
+          </a:p>
+          <a:p>
+            <a:r>
+              <a:rPr lang="en-US" sz="1800" dirty="0"/>
+              <a:t>When the user will create password with at least 6 characters the msg will </a:t>
+            </a:r>
+            <a:r>
+              <a:rPr lang="en-US" sz="1800" dirty="0" err="1"/>
+              <a:t>disapear</a:t>
+            </a:r>
+            <a:endParaRPr lang="en-US" sz="1800" dirty="0"/>
+          </a:p>
+        </p:txBody>
+      </p:sp>
+    </p:spTree>
+    <p:extLst>
+      <p:ext uri="{BB962C8B-B14F-4D97-AF65-F5344CB8AC3E}">
+        <p14:creationId xmlns:p14="http://schemas.microsoft.com/office/powerpoint/2010/main" val="2813236543"/>
+      </p:ext>
+    </p:extLst>
+  </p:cSld>
+  <p:clrMapOvr>
+    <a:masterClrMapping/>
+  </p:clrMapOvr>
+</p:sld>
+</file>
+
+<file path=ppt/slides/slide16.xml><?xml version="1.0" encoding="utf-8"?>
+<p:sld xmlns:a="http://schemas.openxmlformats.org/drawingml/2006/main" xmlns:r="http://schemas.openxmlformats.org/officeDocument/2006/relationships" xmlns:p="http://schemas.openxmlformats.org/presentationml/2006/main">
+  <p:cSld>
+    <p:spTree>
+      <p:nvGrpSpPr>
+        <p:cNvPr id="1" name=""/>
+        <p:cNvGrpSpPr/>
+        <p:nvPr/>
+      </p:nvGrpSpPr>
+      <p:grpSpPr>
+        <a:xfrm>
+          <a:off x="0" y="0"/>
+          <a:ext cx="0" cy="0"/>
+          <a:chOff x="0" y="0"/>
+          <a:chExt cx="0" cy="0"/>
+        </a:xfrm>
+      </p:grpSpPr>
+      <p:sp>
+        <p:nvSpPr>
+          <p:cNvPr id="2" name="Title 1">
+            <a:extLst>
+              <a:ext uri="{FF2B5EF4-FFF2-40B4-BE49-F238E27FC236}">
+                <a16:creationId xmlns:a16="http://schemas.microsoft.com/office/drawing/2014/main" id="{8A56E29C-09F7-B711-591E-BDC97066A449}"/>
+              </a:ext>
+            </a:extLst>
+          </p:cNvPr>
+          <p:cNvSpPr>
+            <a:spLocks noGrp="1"/>
+          </p:cNvSpPr>
+          <p:nvPr>
+            <p:ph type="title"/>
+          </p:nvPr>
+        </p:nvSpPr>
+        <p:spPr/>
+        <p:txBody>
+          <a:bodyPr/>
+          <a:lstStyle/>
+          <a:p>
+            <a:r>
+              <a:rPr lang="en-US" dirty="0"/>
+              <a:t>Form</a:t>
+            </a:r>
+          </a:p>
+        </p:txBody>
+      </p:sp>
+      <p:sp>
+        <p:nvSpPr>
+          <p:cNvPr id="3" name="Content Placeholder 2">
+            <a:extLst>
+              <a:ext uri="{FF2B5EF4-FFF2-40B4-BE49-F238E27FC236}">
+                <a16:creationId xmlns:a16="http://schemas.microsoft.com/office/drawing/2014/main" id="{4D96329F-70CA-D930-B844-FB5264890AD1}"/>
+              </a:ext>
+            </a:extLst>
+          </p:cNvPr>
+          <p:cNvSpPr>
+            <a:spLocks noGrp="1"/>
+          </p:cNvSpPr>
+          <p:nvPr>
+            <p:ph idx="1"/>
+          </p:nvPr>
+        </p:nvSpPr>
+        <p:spPr/>
+        <p:txBody>
+          <a:bodyPr>
+            <a:normAutofit/>
+          </a:bodyPr>
+          <a:lstStyle/>
+          <a:p>
+            <a:r>
+              <a:rPr lang="en-US" sz="1800" dirty="0"/>
+              <a:t>To prevent refresh when using form we will use </a:t>
+            </a:r>
+            <a:r>
+              <a:rPr lang="en-US" sz="1800" dirty="0" err="1"/>
+              <a:t>onSubmit</a:t>
+            </a:r>
+            <a:r>
+              <a:rPr lang="en-US" sz="1800" dirty="0"/>
+              <a:t> and then we will pass function</a:t>
+            </a:r>
+          </a:p>
+          <a:p>
+            <a:r>
+              <a:rPr lang="en-US" sz="1800" dirty="0"/>
+              <a:t>In the function we will accept one argument </a:t>
+            </a:r>
+            <a:r>
+              <a:rPr lang="en-US" sz="1800" dirty="0" err="1"/>
+              <a:t>ev</a:t>
+            </a:r>
+            <a:endParaRPr lang="en-US" sz="1800" dirty="0"/>
+          </a:p>
+          <a:p>
+            <a:r>
+              <a:rPr lang="en-US" sz="1800" dirty="0"/>
+              <a:t>And we will do this:</a:t>
+            </a:r>
+          </a:p>
+          <a:p>
+            <a:r>
+              <a:rPr lang="en-US" sz="1800" dirty="0" err="1"/>
+              <a:t>ev.preventDefault</a:t>
+            </a:r>
+            <a:r>
+              <a:rPr lang="en-US" sz="1800" dirty="0"/>
+              <a:t>()</a:t>
+            </a:r>
+          </a:p>
+        </p:txBody>
+      </p:sp>
+    </p:spTree>
+    <p:extLst>
+      <p:ext uri="{BB962C8B-B14F-4D97-AF65-F5344CB8AC3E}">
+        <p14:creationId xmlns:p14="http://schemas.microsoft.com/office/powerpoint/2010/main" val="2610689059"/>
       </p:ext>
     </p:extLst>
   </p:cSld>
@@ -7032,12 +7711,12 @@
 </file>
 
 <file path=customXml/item1.xml><?xml version="1.0" encoding="utf-8"?>
-<p:properties xmlns:p="http://schemas.microsoft.com/office/2006/metadata/properties" xmlns:xsi="http://www.w3.org/2001/XMLSchema-instance" xmlns:pc="http://schemas.microsoft.com/office/infopath/2007/PartnerControls">
-  <documentManagement>
-    <Status xmlns="71af3243-3dd4-4a8d-8c0d-dd76da1f02a5">Not started</Status>
-    <MediaServiceKeyPoints xmlns="71af3243-3dd4-4a8d-8c0d-dd76da1f02a5" xsi:nil="true"/>
-  </documentManagement>
-</p:properties>
+<?mso-contentType ?>
+<FormTemplates xmlns="http://schemas.microsoft.com/sharepoint/v3/contenttype/forms">
+  <Display>DocumentLibraryForm</Display>
+  <Edit>DocumentLibraryForm</Edit>
+  <New>DocumentLibraryForm</New>
+</FormTemplates>
 </file>
 
 <file path=customXml/item2.xml><?xml version="1.0" encoding="utf-8"?>
@@ -7262,20 +7941,18 @@
 </file>
 
 <file path=customXml/item3.xml><?xml version="1.0" encoding="utf-8"?>
-<?mso-contentType ?>
-<FormTemplates xmlns="http://schemas.microsoft.com/sharepoint/v3/contenttype/forms">
-  <Display>DocumentLibraryForm</Display>
-  <Edit>DocumentLibraryForm</Edit>
-  <New>DocumentLibraryForm</New>
-</FormTemplates>
+<p:properties xmlns:p="http://schemas.microsoft.com/office/2006/metadata/properties" xmlns:xsi="http://www.w3.org/2001/XMLSchema-instance" xmlns:pc="http://schemas.microsoft.com/office/infopath/2007/PartnerControls">
+  <documentManagement>
+    <Status xmlns="71af3243-3dd4-4a8d-8c0d-dd76da1f02a5">Not started</Status>
+    <MediaServiceKeyPoints xmlns="71af3243-3dd4-4a8d-8c0d-dd76da1f02a5" xsi:nil="true"/>
+  </documentManagement>
+</p:properties>
 </file>
 
 <file path=customXml/itemProps1.xml><?xml version="1.0" encoding="utf-8"?>
-<ds:datastoreItem xmlns:ds="http://schemas.openxmlformats.org/officeDocument/2006/customXml" ds:itemID="{946BCBFB-BBC7-42F1-95CD-058E172363A0}">
+<ds:datastoreItem xmlns:ds="http://schemas.openxmlformats.org/officeDocument/2006/customXml" ds:itemID="{1259D436-C82E-43E0-8A01-53DF9CED6032}">
   <ds:schemaRefs>
-    <ds:schemaRef ds:uri="http://schemas.microsoft.com/office/2006/metadata/properties"/>
-    <ds:schemaRef ds:uri="http://schemas.microsoft.com/office/infopath/2007/PartnerControls"/>
-    <ds:schemaRef ds:uri="71af3243-3dd4-4a8d-8c0d-dd76da1f02a5"/>
+    <ds:schemaRef ds:uri="http://schemas.microsoft.com/sharepoint/v3/contenttype/forms"/>
   </ds:schemaRefs>
 </ds:datastoreItem>
 </file>
@@ -7300,9 +7977,11 @@
 </file>
 
 <file path=customXml/itemProps3.xml><?xml version="1.0" encoding="utf-8"?>
-<ds:datastoreItem xmlns:ds="http://schemas.openxmlformats.org/officeDocument/2006/customXml" ds:itemID="{1259D436-C82E-43E0-8A01-53DF9CED6032}">
+<ds:datastoreItem xmlns:ds="http://schemas.openxmlformats.org/officeDocument/2006/customXml" ds:itemID="{946BCBFB-BBC7-42F1-95CD-058E172363A0}">
   <ds:schemaRefs>
-    <ds:schemaRef ds:uri="http://schemas.microsoft.com/sharepoint/v3/contenttype/forms"/>
+    <ds:schemaRef ds:uri="http://schemas.microsoft.com/office/2006/metadata/properties"/>
+    <ds:schemaRef ds:uri="http://schemas.microsoft.com/office/infopath/2007/PartnerControls"/>
+    <ds:schemaRef ds:uri="71af3243-3dd4-4a8d-8c0d-dd76da1f02a5"/>
   </ds:schemaRefs>
 </ds:datastoreItem>
 </file>
--- a/docs/React.pptx
+++ b/docs/React.pptx
@@ -5853,20 +5853,14 @@
                 <a:ea typeface="Calibri" panose="020F0502020204030204" pitchFamily="34" charset="0"/>
                 <a:cs typeface="Arial" panose="020B0604020202020204" pitchFamily="34" charset="0"/>
               </a:rPr>
-              <a:t>music</a:t>
+              <a:t>music </a:t>
             </a:r>
             <a:r>
               <a:rPr lang="en-US" sz="1800" dirty="0">
                 <a:effectLst/>
-                <a:latin typeface="Calibri" panose="020F0502020204030204" pitchFamily="34" charset="0"/>
-                <a:ea typeface="Calibri" panose="020F0502020204030204" pitchFamily="34" charset="0"/>
-                <a:cs typeface="Arial" panose="020B0604020202020204" pitchFamily="34" charset="0"/>
-              </a:rPr>
-              <a:t> </a:t>
-            </a:r>
-            <a:r>
-              <a:rPr lang="en-US" sz="1800" dirty="0">
-                <a:effectLst/>
+                <a:highlight>
+                  <a:srgbClr val="FFFF00"/>
+                </a:highlight>
                 <a:latin typeface="Segoe UI Emoji" panose="020B0502040204020203" pitchFamily="34" charset="0"/>
                 <a:ea typeface="Calibri" panose="020F0502020204030204" pitchFamily="34" charset="0"/>
                 <a:cs typeface="Arial" panose="020B0604020202020204" pitchFamily="34" charset="0"/>
@@ -5876,6 +5870,9 @@
             </a:r>
             <a:endParaRPr lang="en-US" sz="1800" dirty="0">
               <a:effectLst/>
+              <a:highlight>
+                <a:srgbClr val="FFFF00"/>
+              </a:highlight>
               <a:latin typeface="Calibri" panose="020F0502020204030204" pitchFamily="34" charset="0"/>
               <a:ea typeface="Calibri" panose="020F0502020204030204" pitchFamily="34" charset="0"/>
               <a:cs typeface="Arial" panose="020B0604020202020204" pitchFamily="34" charset="0"/>
@@ -5907,12 +5904,6 @@
               </a:rPr>
               <a:t>names</a:t>
             </a:r>
-            <a:endParaRPr lang="en-US" sz="1800" dirty="0">
-              <a:effectLst/>
-              <a:latin typeface="Calibri" panose="020F0502020204030204" pitchFamily="34" charset="0"/>
-              <a:ea typeface="Calibri" panose="020F0502020204030204" pitchFamily="34" charset="0"/>
-              <a:cs typeface="Arial" panose="020B0604020202020204" pitchFamily="34" charset="0"/>
-            </a:endParaRPr>
           </a:p>
           <a:p>
             <a:pPr marL="342900" marR="0" lvl="0" indent="-342900">
@@ -5952,12 +5943,6 @@
               </a:rPr>
               <a:t> refresher</a:t>
             </a:r>
-            <a:endParaRPr lang="en-US" sz="1800" dirty="0">
-              <a:effectLst/>
-              <a:latin typeface="Calibri" panose="020F0502020204030204" pitchFamily="34" charset="0"/>
-              <a:ea typeface="Calibri" panose="020F0502020204030204" pitchFamily="34" charset="0"/>
-              <a:cs typeface="Arial" panose="020B0604020202020204" pitchFamily="34" charset="0"/>
-            </a:endParaRPr>
           </a:p>
           <a:p>
             <a:pPr marL="342900" marR="0" lvl="0" indent="-342900">
@@ -5985,12 +5970,6 @@
               </a:rPr>
               <a:t>how to create react project</a:t>
             </a:r>
-            <a:endParaRPr lang="en-US" sz="1800" dirty="0">
-              <a:effectLst/>
-              <a:latin typeface="Calibri" panose="020F0502020204030204" pitchFamily="34" charset="0"/>
-              <a:ea typeface="Calibri" panose="020F0502020204030204" pitchFamily="34" charset="0"/>
-              <a:cs typeface="Arial" panose="020B0604020202020204" pitchFamily="34" charset="0"/>
-            </a:endParaRPr>
           </a:p>
           <a:p>
             <a:pPr marL="342900" marR="0" lvl="0" indent="-342900">
@@ -6161,11 +6140,67 @@
             <a:r>
               <a:rPr lang="en-US" sz="1800" dirty="0">
                 <a:effectLst/>
+                <a:highlight>
+                  <a:srgbClr val="FFFF00"/>
+                </a:highlight>
                 <a:latin typeface="Calibri" panose="020F0502020204030204" pitchFamily="34" charset="0"/>
                 <a:ea typeface="Calibri" panose="020F0502020204030204" pitchFamily="34" charset="0"/>
                 <a:cs typeface="Arial" panose="020B0604020202020204" pitchFamily="34" charset="0"/>
               </a:rPr>
-              <a:t>state</a:t>
+              <a:t>State</a:t>
+            </a:r>
+          </a:p>
+          <a:p>
+            <a:pPr marL="342900" marR="0" lvl="0" indent="-342900">
+              <a:lnSpc>
+                <a:spcPct val="107000"/>
+              </a:lnSpc>
+              <a:spcBef>
+                <a:spcPts val="0"/>
+              </a:spcBef>
+              <a:spcAft>
+                <a:spcPts val="800"/>
+              </a:spcAft>
+              <a:buFont typeface="+mj-lt"/>
+              <a:buAutoNum type="arabicParenR"/>
+            </a:pPr>
+            <a:r>
+              <a:rPr lang="en-US" sz="1800" dirty="0">
+                <a:highlight>
+                  <a:srgbClr val="FFFF00"/>
+                </a:highlight>
+                <a:latin typeface="Calibri" panose="020F0502020204030204" pitchFamily="34" charset="0"/>
+                <a:ea typeface="Calibri" panose="020F0502020204030204" pitchFamily="34" charset="0"/>
+                <a:cs typeface="Arial" panose="020B0604020202020204" pitchFamily="34" charset="0"/>
+              </a:rPr>
+              <a:t>Form</a:t>
+            </a:r>
+          </a:p>
+          <a:p>
+            <a:pPr marL="342900" marR="0" lvl="0" indent="-342900">
+              <a:lnSpc>
+                <a:spcPct val="107000"/>
+              </a:lnSpc>
+              <a:spcBef>
+                <a:spcPts val="0"/>
+              </a:spcBef>
+              <a:spcAft>
+                <a:spcPts val="800"/>
+              </a:spcAft>
+              <a:buFont typeface="+mj-lt"/>
+              <a:buAutoNum type="arabicParenR"/>
+            </a:pPr>
+            <a:r>
+              <a:rPr lang="en-US" sz="1800" dirty="0">
+                <a:effectLst/>
+                <a:highlight>
+                  <a:srgbClr val="FFFF00"/>
+                </a:highlight>
+                <a:latin typeface="Calibri" panose="020F0502020204030204" pitchFamily="34" charset="0"/>
+                <a:ea typeface="Calibri" panose="020F0502020204030204" pitchFamily="34" charset="0"/>
+                <a:cs typeface="Arial" panose="020B0604020202020204" pitchFamily="34" charset="0"/>
+              </a:rPr>
+              <a:t>condition</a:t>
             </a:r>
           </a:p>
         </p:txBody>
@@ -7711,12 +7746,12 @@
 </file>
 
 <file path=customXml/item1.xml><?xml version="1.0" encoding="utf-8"?>
-<?mso-contentType ?>
-<FormTemplates xmlns="http://schemas.microsoft.com/sharepoint/v3/contenttype/forms">
-  <Display>DocumentLibraryForm</Display>
-  <Edit>DocumentLibraryForm</Edit>
-  <New>DocumentLibraryForm</New>
-</FormTemplates>
+<p:properties xmlns:p="http://schemas.microsoft.com/office/2006/metadata/properties" xmlns:xsi="http://www.w3.org/2001/XMLSchema-instance" xmlns:pc="http://schemas.microsoft.com/office/infopath/2007/PartnerControls">
+  <documentManagement>
+    <Status xmlns="71af3243-3dd4-4a8d-8c0d-dd76da1f02a5">Not started</Status>
+    <MediaServiceKeyPoints xmlns="71af3243-3dd4-4a8d-8c0d-dd76da1f02a5" xsi:nil="true"/>
+  </documentManagement>
+</p:properties>
 </file>
 
 <file path=customXml/item2.xml><?xml version="1.0" encoding="utf-8"?>
@@ -7941,18 +7976,20 @@
 </file>
 
 <file path=customXml/item3.xml><?xml version="1.0" encoding="utf-8"?>
-<p:properties xmlns:p="http://schemas.microsoft.com/office/2006/metadata/properties" xmlns:xsi="http://www.w3.org/2001/XMLSchema-instance" xmlns:pc="http://schemas.microsoft.com/office/infopath/2007/PartnerControls">
-  <documentManagement>
-    <Status xmlns="71af3243-3dd4-4a8d-8c0d-dd76da1f02a5">Not started</Status>
-    <MediaServiceKeyPoints xmlns="71af3243-3dd4-4a8d-8c0d-dd76da1f02a5" xsi:nil="true"/>
-  </documentManagement>
-</p:properties>
+<?mso-contentType ?>
+<FormTemplates xmlns="http://schemas.microsoft.com/sharepoint/v3/contenttype/forms">
+  <Display>DocumentLibraryForm</Display>
+  <Edit>DocumentLibraryForm</Edit>
+  <New>DocumentLibraryForm</New>
+</FormTemplates>
 </file>
 
 <file path=customXml/itemProps1.xml><?xml version="1.0" encoding="utf-8"?>
-<ds:datastoreItem xmlns:ds="http://schemas.openxmlformats.org/officeDocument/2006/customXml" ds:itemID="{1259D436-C82E-43E0-8A01-53DF9CED6032}">
+<ds:datastoreItem xmlns:ds="http://schemas.openxmlformats.org/officeDocument/2006/customXml" ds:itemID="{946BCBFB-BBC7-42F1-95CD-058E172363A0}">
   <ds:schemaRefs>
-    <ds:schemaRef ds:uri="http://schemas.microsoft.com/sharepoint/v3/contenttype/forms"/>
+    <ds:schemaRef ds:uri="http://schemas.microsoft.com/office/2006/metadata/properties"/>
+    <ds:schemaRef ds:uri="http://schemas.microsoft.com/office/infopath/2007/PartnerControls"/>
+    <ds:schemaRef ds:uri="71af3243-3dd4-4a8d-8c0d-dd76da1f02a5"/>
   </ds:schemaRefs>
 </ds:datastoreItem>
 </file>
@@ -7977,11 +8014,9 @@
 </file>
 
 <file path=customXml/itemProps3.xml><?xml version="1.0" encoding="utf-8"?>
-<ds:datastoreItem xmlns:ds="http://schemas.openxmlformats.org/officeDocument/2006/customXml" ds:itemID="{946BCBFB-BBC7-42F1-95CD-058E172363A0}">
+<ds:datastoreItem xmlns:ds="http://schemas.openxmlformats.org/officeDocument/2006/customXml" ds:itemID="{1259D436-C82E-43E0-8A01-53DF9CED6032}">
   <ds:schemaRefs>
-    <ds:schemaRef ds:uri="http://schemas.microsoft.com/office/2006/metadata/properties"/>
-    <ds:schemaRef ds:uri="http://schemas.microsoft.com/office/infopath/2007/PartnerControls"/>
-    <ds:schemaRef ds:uri="71af3243-3dd4-4a8d-8c0d-dd76da1f02a5"/>
+    <ds:schemaRef ds:uri="http://schemas.microsoft.com/sharepoint/v3/contenttype/forms"/>
   </ds:schemaRefs>
 </ds:datastoreItem>
 </file>
--- a/docs/React.pptx
+++ b/docs/React.pptx
@@ -5,7 +5,7 @@
     <p:sldMasterId id="2147483660" r:id="rId4"/>
   </p:sldMasterIdLst>
   <p:notesMasterIdLst>
-    <p:notesMasterId r:id="rId21"/>
+    <p:notesMasterId r:id="rId22"/>
   </p:notesMasterIdLst>
   <p:sldIdLst>
     <p:sldId id="264" r:id="rId5"/>
@@ -24,6 +24,7 @@
     <p:sldId id="325" r:id="rId18"/>
     <p:sldId id="326" r:id="rId19"/>
     <p:sldId id="327" r:id="rId20"/>
+    <p:sldId id="328" r:id="rId21"/>
   </p:sldIdLst>
   <p:sldSz cx="12192000" cy="6858000"/>
   <p:notesSz cx="6858000" cy="9144000"/>
@@ -212,7 +213,7 @@
           <a:p>
             <a:fld id="{CC6DBDFE-DD3D-4291-A404-1B97A83A6EA8}" type="datetimeFigureOut">
               <a:rPr lang="en-US" smtClean="0"/>
-              <a:t>20/06/2022</a:t>
+              <a:t>22/06/2022</a:t>
             </a:fld>
             <a:endParaRPr lang="en-US" dirty="0"/>
           </a:p>
@@ -1092,7 +1093,7 @@
           <a:p>
             <a:fld id="{EA0C0817-A112-4847-8014-A94B7D2A4EA3}" type="datetime1">
               <a:rPr lang="en-US" smtClean="0"/>
-              <a:t>20/06/2022</a:t>
+              <a:t>22/06/2022</a:t>
             </a:fld>
             <a:endParaRPr lang="en-US" dirty="0"/>
           </a:p>
@@ -1294,7 +1295,7 @@
           <a:p>
             <a:fld id="{7332B432-ACDA-4023-A761-2BAB76577B62}" type="datetime1">
               <a:rPr lang="en-US" smtClean="0"/>
-              <a:t>20/06/2022</a:t>
+              <a:t>22/06/2022</a:t>
             </a:fld>
             <a:endParaRPr lang="en-US" dirty="0"/>
           </a:p>
@@ -1893,7 +1894,7 @@
           <a:p>
             <a:fld id="{D9C646AA-F36E-4540-911D-FFFC0A0EF24A}" type="datetime1">
               <a:rPr lang="en-US" smtClean="0"/>
-              <a:t>20/06/2022</a:t>
+              <a:t>22/06/2022</a:t>
             </a:fld>
             <a:endParaRPr lang="en-US" dirty="0"/>
           </a:p>
@@ -2213,7 +2214,7 @@
           <a:p>
             <a:fld id="{69186D26-FA5F-4637-B602-B7C2DC34CFD4}" type="datetime1">
               <a:rPr lang="en-US" smtClean="0"/>
-              <a:t>20/06/2022</a:t>
+              <a:t>22/06/2022</a:t>
             </a:fld>
             <a:endParaRPr lang="en-US" dirty="0"/>
           </a:p>
@@ -2650,7 +2651,7 @@
           <a:p>
             <a:fld id="{8A7F15D8-96D1-4781-BC50-CA8A088B2FE4}" type="datetime1">
               <a:rPr lang="en-US" smtClean="0"/>
-              <a:t>20/06/2022</a:t>
+              <a:t>22/06/2022</a:t>
             </a:fld>
             <a:endParaRPr lang="en-US" dirty="0"/>
           </a:p>
@@ -2768,7 +2769,7 @@
           <a:p>
             <a:fld id="{F9A96C99-B8F8-4528-BD05-0E16E943DC09}" type="datetime1">
               <a:rPr lang="en-US" smtClean="0"/>
-              <a:t>20/06/2022</a:t>
+              <a:t>22/06/2022</a:t>
             </a:fld>
             <a:endParaRPr lang="en-US" dirty="0"/>
           </a:p>
@@ -2863,7 +2864,7 @@
           <a:p>
             <a:fld id="{03636942-C211-4B28-8DBD-C953E00AF71B}" type="datetime1">
               <a:rPr lang="en-US" smtClean="0"/>
-              <a:t>20/06/2022</a:t>
+              <a:t>22/06/2022</a:t>
             </a:fld>
             <a:endParaRPr lang="en-US" dirty="0"/>
           </a:p>
@@ -3280,7 +3281,7 @@
           <a:p>
             <a:fld id="{7E8D12A6-918A-48BD-8CB9-CA713993B0EA}" type="datetime1">
               <a:rPr lang="en-US" smtClean="0"/>
-              <a:t>20/06/2022</a:t>
+              <a:t>22/06/2022</a:t>
             </a:fld>
             <a:endParaRPr lang="en-US" dirty="0"/>
           </a:p>
@@ -3542,7 +3543,7 @@
             <a:fld id="{E778CE86-875F-4587-BCF6-FA054AFC0D53}" type="datetime1">
               <a:rPr lang="en-US" smtClean="0"/>
               <a:pPr/>
-              <a:t>20/06/2022</a:t>
+              <a:t>22/06/2022</a:t>
             </a:fld>
             <a:endParaRPr lang="en-US" dirty="0"/>
           </a:p>
@@ -4058,7 +4059,7 @@
           <a:p>
             <a:fld id="{F6FA2B21-3FCD-4721-B95C-427943F61125}" type="datetime1">
               <a:rPr lang="en-US" smtClean="0"/>
-              <a:t>20/06/2022</a:t>
+              <a:t>22/06/2022</a:t>
             </a:fld>
             <a:endParaRPr lang="en-US" dirty="0"/>
           </a:p>
@@ -5762,6 +5763,143 @@
 </p:sld>
 </file>
 
+<file path=ppt/slides/slide17.xml><?xml version="1.0" encoding="utf-8"?>
+<p:sld xmlns:a="http://schemas.openxmlformats.org/drawingml/2006/main" xmlns:r="http://schemas.openxmlformats.org/officeDocument/2006/relationships" xmlns:p="http://schemas.openxmlformats.org/presentationml/2006/main">
+  <p:cSld>
+    <p:spTree>
+      <p:nvGrpSpPr>
+        <p:cNvPr id="1" name=""/>
+        <p:cNvGrpSpPr/>
+        <p:nvPr/>
+      </p:nvGrpSpPr>
+      <p:grpSpPr>
+        <a:xfrm>
+          <a:off x="0" y="0"/>
+          <a:ext cx="0" cy="0"/>
+          <a:chOff x="0" y="0"/>
+          <a:chExt cx="0" cy="0"/>
+        </a:xfrm>
+      </p:grpSpPr>
+      <p:sp>
+        <p:nvSpPr>
+          <p:cNvPr id="2" name="Title 1">
+            <a:extLst>
+              <a:ext uri="{FF2B5EF4-FFF2-40B4-BE49-F238E27FC236}">
+                <a16:creationId xmlns:a16="http://schemas.microsoft.com/office/drawing/2014/main" id="{8A56E29C-09F7-B711-591E-BDC97066A449}"/>
+              </a:ext>
+            </a:extLst>
+          </p:cNvPr>
+          <p:cNvSpPr>
+            <a:spLocks noGrp="1"/>
+          </p:cNvSpPr>
+          <p:nvPr>
+            <p:ph type="title"/>
+          </p:nvPr>
+        </p:nvSpPr>
+        <p:spPr/>
+        <p:txBody>
+          <a:bodyPr/>
+          <a:lstStyle/>
+          <a:p>
+            <a:r>
+              <a:rPr lang="en-US" dirty="0"/>
+              <a:t>22/06/2022</a:t>
+            </a:r>
+          </a:p>
+        </p:txBody>
+      </p:sp>
+      <p:sp>
+        <p:nvSpPr>
+          <p:cNvPr id="3" name="Content Placeholder 2">
+            <a:extLst>
+              <a:ext uri="{FF2B5EF4-FFF2-40B4-BE49-F238E27FC236}">
+                <a16:creationId xmlns:a16="http://schemas.microsoft.com/office/drawing/2014/main" id="{4D96329F-70CA-D930-B844-FB5264890AD1}"/>
+              </a:ext>
+            </a:extLst>
+          </p:cNvPr>
+          <p:cNvSpPr>
+            <a:spLocks noGrp="1"/>
+          </p:cNvSpPr>
+          <p:nvPr>
+            <p:ph idx="1"/>
+          </p:nvPr>
+        </p:nvSpPr>
+        <p:spPr/>
+        <p:txBody>
+          <a:bodyPr>
+            <a:normAutofit/>
+          </a:bodyPr>
+          <a:lstStyle/>
+          <a:p>
+            <a:r>
+              <a:rPr lang="en-US" sz="1800" dirty="0" err="1">
+                <a:highlight>
+                  <a:srgbClr val="FFFF00"/>
+                </a:highlight>
+              </a:rPr>
+              <a:t>Shemot</a:t>
+            </a:r>
+            <a:endParaRPr lang="en-US" sz="1800" dirty="0">
+              <a:highlight>
+                <a:srgbClr val="FFFF00"/>
+              </a:highlight>
+            </a:endParaRPr>
+          </a:p>
+          <a:p>
+            <a:r>
+              <a:rPr lang="en-US" sz="1800" dirty="0" err="1">
+                <a:highlight>
+                  <a:srgbClr val="FFFF00"/>
+                </a:highlight>
+              </a:rPr>
+              <a:t>Hw</a:t>
+            </a:r>
+            <a:endParaRPr lang="en-US" sz="1800" dirty="0">
+              <a:highlight>
+                <a:srgbClr val="FFFF00"/>
+              </a:highlight>
+            </a:endParaRPr>
+          </a:p>
+          <a:p>
+            <a:r>
+              <a:rPr lang="en-US" sz="1800" dirty="0"/>
+              <a:t>Map</a:t>
+            </a:r>
+          </a:p>
+          <a:p>
+            <a:r>
+              <a:rPr lang="en-US" sz="1800" dirty="0"/>
+              <a:t>Filter</a:t>
+            </a:r>
+          </a:p>
+          <a:p>
+            <a:r>
+              <a:rPr lang="en-US" sz="1800" dirty="0"/>
+              <a:t>Father child communication</a:t>
+            </a:r>
+          </a:p>
+          <a:p>
+            <a:r>
+              <a:rPr lang="en-US" sz="1800" dirty="0" err="1"/>
+              <a:t>useEffect</a:t>
+            </a:r>
+            <a:endParaRPr lang="en-US" sz="1800" dirty="0"/>
+          </a:p>
+        </p:txBody>
+      </p:sp>
+    </p:spTree>
+    <p:extLst>
+      <p:ext uri="{BB962C8B-B14F-4D97-AF65-F5344CB8AC3E}">
+        <p14:creationId xmlns:p14="http://schemas.microsoft.com/office/powerpoint/2010/main" val="4151106679"/>
+      </p:ext>
+    </p:extLst>
+  </p:cSld>
+  <p:clrMapOvr>
+    <a:masterClrMapping/>
+  </p:clrMapOvr>
+</p:sld>
+</file>
+
 <file path=ppt/slides/slide2.xml><?xml version="1.0" encoding="utf-8"?>
 <p:sld xmlns:a="http://schemas.openxmlformats.org/drawingml/2006/main" xmlns:r="http://schemas.openxmlformats.org/officeDocument/2006/relationships" xmlns:p="http://schemas.openxmlformats.org/presentationml/2006/main">
   <p:cSld>
@@ -6570,6 +6708,20 @@
             <a:r>
               <a:rPr lang="en-US" sz="2000" dirty="0" err="1"/>
               <a:t>className</a:t>
+            </a:r>
+            <a:endParaRPr lang="en-US" sz="2000" dirty="0"/>
+          </a:p>
+          <a:p>
+            <a:endParaRPr lang="en-US" sz="2000" dirty="0"/>
+          </a:p>
+          <a:p>
+            <a:r>
+              <a:rPr lang="en-US" sz="2000" dirty="0"/>
+              <a:t>We can execute only </a:t>
+            </a:r>
+            <a:r>
+              <a:rPr lang="en-US" sz="2000"/>
+              <a:t>one command</a:t>
             </a:r>
             <a:endParaRPr lang="en-US" sz="2000" dirty="0"/>
           </a:p>
@@ -7746,12 +7898,12 @@
 </file>
 
 <file path=customXml/item1.xml><?xml version="1.0" encoding="utf-8"?>
-<p:properties xmlns:p="http://schemas.microsoft.com/office/2006/metadata/properties" xmlns:xsi="http://www.w3.org/2001/XMLSchema-instance" xmlns:pc="http://schemas.microsoft.com/office/infopath/2007/PartnerControls">
-  <documentManagement>
-    <Status xmlns="71af3243-3dd4-4a8d-8c0d-dd76da1f02a5">Not started</Status>
-    <MediaServiceKeyPoints xmlns="71af3243-3dd4-4a8d-8c0d-dd76da1f02a5" xsi:nil="true"/>
-  </documentManagement>
-</p:properties>
+<?mso-contentType ?>
+<FormTemplates xmlns="http://schemas.microsoft.com/sharepoint/v3/contenttype/forms">
+  <Display>DocumentLibraryForm</Display>
+  <Edit>DocumentLibraryForm</Edit>
+  <New>DocumentLibraryForm</New>
+</FormTemplates>
 </file>
 
 <file path=customXml/item2.xml><?xml version="1.0" encoding="utf-8"?>
@@ -7976,20 +8128,18 @@
 </file>
 
 <file path=customXml/item3.xml><?xml version="1.0" encoding="utf-8"?>
-<?mso-contentType ?>
-<FormTemplates xmlns="http://schemas.microsoft.com/sharepoint/v3/contenttype/forms">
-  <Display>DocumentLibraryForm</Display>
-  <Edit>DocumentLibraryForm</Edit>
-  <New>DocumentLibraryForm</New>
-</FormTemplates>
+<p:properties xmlns:p="http://schemas.microsoft.com/office/2006/metadata/properties" xmlns:xsi="http://www.w3.org/2001/XMLSchema-instance" xmlns:pc="http://schemas.microsoft.com/office/infopath/2007/PartnerControls">
+  <documentManagement>
+    <Status xmlns="71af3243-3dd4-4a8d-8c0d-dd76da1f02a5">Not started</Status>
+    <MediaServiceKeyPoints xmlns="71af3243-3dd4-4a8d-8c0d-dd76da1f02a5" xsi:nil="true"/>
+  </documentManagement>
+</p:properties>
 </file>
 
 <file path=customXml/itemProps1.xml><?xml version="1.0" encoding="utf-8"?>
-<ds:datastoreItem xmlns:ds="http://schemas.openxmlformats.org/officeDocument/2006/customXml" ds:itemID="{946BCBFB-BBC7-42F1-95CD-058E172363A0}">
+<ds:datastoreItem xmlns:ds="http://schemas.openxmlformats.org/officeDocument/2006/customXml" ds:itemID="{1259D436-C82E-43E0-8A01-53DF9CED6032}">
   <ds:schemaRefs>
-    <ds:schemaRef ds:uri="http://schemas.microsoft.com/office/2006/metadata/properties"/>
-    <ds:schemaRef ds:uri="http://schemas.microsoft.com/office/infopath/2007/PartnerControls"/>
-    <ds:schemaRef ds:uri="71af3243-3dd4-4a8d-8c0d-dd76da1f02a5"/>
+    <ds:schemaRef ds:uri="http://schemas.microsoft.com/sharepoint/v3/contenttype/forms"/>
   </ds:schemaRefs>
 </ds:datastoreItem>
 </file>
@@ -8014,9 +8164,11 @@
 </file>
 
 <file path=customXml/itemProps3.xml><?xml version="1.0" encoding="utf-8"?>
-<ds:datastoreItem xmlns:ds="http://schemas.openxmlformats.org/officeDocument/2006/customXml" ds:itemID="{1259D436-C82E-43E0-8A01-53DF9CED6032}">
+<ds:datastoreItem xmlns:ds="http://schemas.openxmlformats.org/officeDocument/2006/customXml" ds:itemID="{946BCBFB-BBC7-42F1-95CD-058E172363A0}">
   <ds:schemaRefs>
-    <ds:schemaRef ds:uri="http://schemas.microsoft.com/sharepoint/v3/contenttype/forms"/>
+    <ds:schemaRef ds:uri="http://schemas.microsoft.com/office/2006/metadata/properties"/>
+    <ds:schemaRef ds:uri="http://schemas.microsoft.com/office/infopath/2007/PartnerControls"/>
+    <ds:schemaRef ds:uri="71af3243-3dd4-4a8d-8c0d-dd76da1f02a5"/>
   </ds:schemaRefs>
 </ds:datastoreItem>
 </file>
--- a/docs/React.pptx
+++ b/docs/React.pptx
@@ -5,7 +5,7 @@
     <p:sldMasterId id="2147483660" r:id="rId4"/>
   </p:sldMasterIdLst>
   <p:notesMasterIdLst>
-    <p:notesMasterId r:id="rId22"/>
+    <p:notesMasterId r:id="rId28"/>
   </p:notesMasterIdLst>
   <p:sldIdLst>
     <p:sldId id="264" r:id="rId5"/>
@@ -25,6 +25,12 @@
     <p:sldId id="326" r:id="rId19"/>
     <p:sldId id="327" r:id="rId20"/>
     <p:sldId id="328" r:id="rId21"/>
+    <p:sldId id="329" r:id="rId22"/>
+    <p:sldId id="330" r:id="rId23"/>
+    <p:sldId id="331" r:id="rId24"/>
+    <p:sldId id="332" r:id="rId25"/>
+    <p:sldId id="333" r:id="rId26"/>
+    <p:sldId id="334" r:id="rId27"/>
   </p:sldIdLst>
   <p:sldSz cx="12192000" cy="6858000"/>
   <p:notesSz cx="6858000" cy="9144000"/>
@@ -5862,7 +5868,11 @@
           </a:p>
           <a:p>
             <a:r>
-              <a:rPr lang="en-US" sz="1800" dirty="0"/>
+              <a:rPr lang="en-US" sz="1800" dirty="0">
+                <a:highlight>
+                  <a:srgbClr val="FFFF00"/>
+                </a:highlight>
+              </a:rPr>
               <a:t>Map</a:t>
             </a:r>
           </a:p>
@@ -5877,6 +5887,13 @@
               <a:rPr lang="en-US" sz="1800" dirty="0"/>
               <a:t>Father child communication</a:t>
             </a:r>
+          </a:p>
+          <a:p>
+            <a:r>
+              <a:rPr lang="en-US" sz="1800" dirty="0" err="1"/>
+              <a:t>fontawsome</a:t>
+            </a:r>
+            <a:endParaRPr lang="en-US" sz="1800" dirty="0"/>
           </a:p>
           <a:p>
             <a:r>
@@ -5891,6 +5908,199 @@
     <p:extLst>
       <p:ext uri="{BB962C8B-B14F-4D97-AF65-F5344CB8AC3E}">
         <p14:creationId xmlns:p14="http://schemas.microsoft.com/office/powerpoint/2010/main" val="4151106679"/>
+      </p:ext>
+    </p:extLst>
+  </p:cSld>
+  <p:clrMapOvr>
+    <a:masterClrMapping/>
+  </p:clrMapOvr>
+</p:sld>
+</file>
+
+<file path=ppt/slides/slide18.xml><?xml version="1.0" encoding="utf-8"?>
+<p:sld xmlns:a="http://schemas.openxmlformats.org/drawingml/2006/main" xmlns:r="http://schemas.openxmlformats.org/officeDocument/2006/relationships" xmlns:p="http://schemas.openxmlformats.org/presentationml/2006/main">
+  <p:cSld>
+    <p:spTree>
+      <p:nvGrpSpPr>
+        <p:cNvPr id="1" name=""/>
+        <p:cNvGrpSpPr/>
+        <p:nvPr/>
+      </p:nvGrpSpPr>
+      <p:grpSpPr>
+        <a:xfrm>
+          <a:off x="0" y="0"/>
+          <a:ext cx="0" cy="0"/>
+          <a:chOff x="0" y="0"/>
+          <a:chExt cx="0" cy="0"/>
+        </a:xfrm>
+      </p:grpSpPr>
+      <p:sp>
+        <p:nvSpPr>
+          <p:cNvPr id="2" name="Title 1">
+            <a:extLst>
+              <a:ext uri="{FF2B5EF4-FFF2-40B4-BE49-F238E27FC236}">
+                <a16:creationId xmlns:a16="http://schemas.microsoft.com/office/drawing/2014/main" id="{8A56E29C-09F7-B711-591E-BDC97066A449}"/>
+              </a:ext>
+            </a:extLst>
+          </p:cNvPr>
+          <p:cNvSpPr>
+            <a:spLocks noGrp="1"/>
+          </p:cNvSpPr>
+          <p:nvPr>
+            <p:ph type="title"/>
+          </p:nvPr>
+        </p:nvSpPr>
+        <p:spPr/>
+        <p:txBody>
+          <a:bodyPr/>
+          <a:lstStyle/>
+          <a:p>
+            <a:r>
+              <a:rPr lang="en-US" dirty="0"/>
+              <a:t>Map</a:t>
+            </a:r>
+          </a:p>
+        </p:txBody>
+      </p:sp>
+      <p:sp>
+        <p:nvSpPr>
+          <p:cNvPr id="3" name="Content Placeholder 2">
+            <a:extLst>
+              <a:ext uri="{FF2B5EF4-FFF2-40B4-BE49-F238E27FC236}">
+                <a16:creationId xmlns:a16="http://schemas.microsoft.com/office/drawing/2014/main" id="{4D96329F-70CA-D930-B844-FB5264890AD1}"/>
+              </a:ext>
+            </a:extLst>
+          </p:cNvPr>
+          <p:cNvSpPr>
+            <a:spLocks noGrp="1"/>
+          </p:cNvSpPr>
+          <p:nvPr>
+            <p:ph idx="1"/>
+          </p:nvPr>
+        </p:nvSpPr>
+        <p:spPr/>
+        <p:txBody>
+          <a:bodyPr>
+            <a:normAutofit/>
+          </a:bodyPr>
+          <a:lstStyle/>
+          <a:p>
+            <a:r>
+              <a:rPr lang="en-US" sz="1800" dirty="0"/>
+              <a:t>We will use map like we did with *</a:t>
+            </a:r>
+            <a:r>
+              <a:rPr lang="en-US" sz="1800" dirty="0" err="1"/>
+              <a:t>ngFor</a:t>
+            </a:r>
+            <a:r>
+              <a:rPr lang="en-US" sz="1800" dirty="0"/>
+              <a:t> in angular</a:t>
+            </a:r>
+          </a:p>
+          <a:p>
+            <a:endParaRPr lang="en-US" sz="1800" dirty="0"/>
+          </a:p>
+          <a:p>
+            <a:r>
+              <a:rPr lang="en-US" sz="1800" dirty="0"/>
+              <a:t>Map will create brand new array with the html tags and data from array</a:t>
+            </a:r>
+          </a:p>
+        </p:txBody>
+      </p:sp>
+    </p:spTree>
+    <p:extLst>
+      <p:ext uri="{BB962C8B-B14F-4D97-AF65-F5344CB8AC3E}">
+        <p14:creationId xmlns:p14="http://schemas.microsoft.com/office/powerpoint/2010/main" val="397634933"/>
+      </p:ext>
+    </p:extLst>
+  </p:cSld>
+  <p:clrMapOvr>
+    <a:masterClrMapping/>
+  </p:clrMapOvr>
+</p:sld>
+</file>
+
+<file path=ppt/slides/slide19.xml><?xml version="1.0" encoding="utf-8"?>
+<p:sld xmlns:a="http://schemas.openxmlformats.org/drawingml/2006/main" xmlns:r="http://schemas.openxmlformats.org/officeDocument/2006/relationships" xmlns:p="http://schemas.openxmlformats.org/presentationml/2006/main">
+  <p:cSld>
+    <p:spTree>
+      <p:nvGrpSpPr>
+        <p:cNvPr id="1" name=""/>
+        <p:cNvGrpSpPr/>
+        <p:nvPr/>
+      </p:nvGrpSpPr>
+      <p:grpSpPr>
+        <a:xfrm>
+          <a:off x="0" y="0"/>
+          <a:ext cx="0" cy="0"/>
+          <a:chOff x="0" y="0"/>
+          <a:chExt cx="0" cy="0"/>
+        </a:xfrm>
+      </p:grpSpPr>
+      <p:sp>
+        <p:nvSpPr>
+          <p:cNvPr id="2" name="Title 1">
+            <a:extLst>
+              <a:ext uri="{FF2B5EF4-FFF2-40B4-BE49-F238E27FC236}">
+                <a16:creationId xmlns:a16="http://schemas.microsoft.com/office/drawing/2014/main" id="{8A56E29C-09F7-B711-591E-BDC97066A449}"/>
+              </a:ext>
+            </a:extLst>
+          </p:cNvPr>
+          <p:cNvSpPr>
+            <a:spLocks noGrp="1"/>
+          </p:cNvSpPr>
+          <p:nvPr>
+            <p:ph type="title"/>
+          </p:nvPr>
+        </p:nvSpPr>
+        <p:spPr/>
+        <p:txBody>
+          <a:bodyPr/>
+          <a:lstStyle/>
+          <a:p>
+            <a:r>
+              <a:rPr lang="en-US" dirty="0"/>
+              <a:t>TK</a:t>
+            </a:r>
+          </a:p>
+        </p:txBody>
+      </p:sp>
+      <p:sp>
+        <p:nvSpPr>
+          <p:cNvPr id="3" name="Content Placeholder 2">
+            <a:extLst>
+              <a:ext uri="{FF2B5EF4-FFF2-40B4-BE49-F238E27FC236}">
+                <a16:creationId xmlns:a16="http://schemas.microsoft.com/office/drawing/2014/main" id="{4D96329F-70CA-D930-B844-FB5264890AD1}"/>
+              </a:ext>
+            </a:extLst>
+          </p:cNvPr>
+          <p:cNvSpPr>
+            <a:spLocks noGrp="1"/>
+          </p:cNvSpPr>
+          <p:nvPr>
+            <p:ph idx="1"/>
+          </p:nvPr>
+        </p:nvSpPr>
+        <p:spPr/>
+        <p:txBody>
+          <a:bodyPr>
+            <a:normAutofit/>
+          </a:bodyPr>
+          <a:lstStyle/>
+          <a:p>
+            <a:r>
+              <a:rPr lang="en-US" sz="1800" dirty="0"/>
+              <a:t>Create new page that will display list of users from array </a:t>
+            </a:r>
+          </a:p>
+        </p:txBody>
+      </p:sp>
+    </p:spTree>
+    <p:extLst>
+      <p:ext uri="{BB962C8B-B14F-4D97-AF65-F5344CB8AC3E}">
+        <p14:creationId xmlns:p14="http://schemas.microsoft.com/office/powerpoint/2010/main" val="1389960933"/>
       </p:ext>
     </p:extLst>
   </p:cSld>
@@ -6347,6 +6557,627 @@
     <p:extLst>
       <p:ext uri="{BB962C8B-B14F-4D97-AF65-F5344CB8AC3E}">
         <p14:creationId xmlns:p14="http://schemas.microsoft.com/office/powerpoint/2010/main" val="1596067556"/>
+      </p:ext>
+    </p:extLst>
+  </p:cSld>
+  <p:clrMapOvr>
+    <a:masterClrMapping/>
+  </p:clrMapOvr>
+</p:sld>
+</file>
+
+<file path=ppt/slides/slide20.xml><?xml version="1.0" encoding="utf-8"?>
+<p:sld xmlns:a="http://schemas.openxmlformats.org/drawingml/2006/main" xmlns:r="http://schemas.openxmlformats.org/officeDocument/2006/relationships" xmlns:p="http://schemas.openxmlformats.org/presentationml/2006/main">
+  <p:cSld>
+    <p:spTree>
+      <p:nvGrpSpPr>
+        <p:cNvPr id="1" name=""/>
+        <p:cNvGrpSpPr/>
+        <p:nvPr/>
+      </p:nvGrpSpPr>
+      <p:grpSpPr>
+        <a:xfrm>
+          <a:off x="0" y="0"/>
+          <a:ext cx="0" cy="0"/>
+          <a:chOff x="0" y="0"/>
+          <a:chExt cx="0" cy="0"/>
+        </a:xfrm>
+      </p:grpSpPr>
+      <p:sp>
+        <p:nvSpPr>
+          <p:cNvPr id="2" name="Title 1">
+            <a:extLst>
+              <a:ext uri="{FF2B5EF4-FFF2-40B4-BE49-F238E27FC236}">
+                <a16:creationId xmlns:a16="http://schemas.microsoft.com/office/drawing/2014/main" id="{8A56E29C-09F7-B711-591E-BDC97066A449}"/>
+              </a:ext>
+            </a:extLst>
+          </p:cNvPr>
+          <p:cNvSpPr>
+            <a:spLocks noGrp="1"/>
+          </p:cNvSpPr>
+          <p:nvPr>
+            <p:ph type="title"/>
+          </p:nvPr>
+        </p:nvSpPr>
+        <p:spPr/>
+        <p:txBody>
+          <a:bodyPr/>
+          <a:lstStyle/>
+          <a:p>
+            <a:r>
+              <a:rPr lang="en-US" dirty="0"/>
+              <a:t>Map</a:t>
+            </a:r>
+          </a:p>
+        </p:txBody>
+      </p:sp>
+      <p:sp>
+        <p:nvSpPr>
+          <p:cNvPr id="3" name="Content Placeholder 2">
+            <a:extLst>
+              <a:ext uri="{FF2B5EF4-FFF2-40B4-BE49-F238E27FC236}">
+                <a16:creationId xmlns:a16="http://schemas.microsoft.com/office/drawing/2014/main" id="{4D96329F-70CA-D930-B844-FB5264890AD1}"/>
+              </a:ext>
+            </a:extLst>
+          </p:cNvPr>
+          <p:cNvSpPr>
+            <a:spLocks noGrp="1"/>
+          </p:cNvSpPr>
+          <p:nvPr>
+            <p:ph idx="1"/>
+          </p:nvPr>
+        </p:nvSpPr>
+        <p:spPr/>
+        <p:txBody>
+          <a:bodyPr>
+            <a:normAutofit/>
+          </a:bodyPr>
+          <a:lstStyle/>
+          <a:p>
+            <a:r>
+              <a:rPr lang="en-US" sz="1800" dirty="0"/>
+              <a:t>We will use map like we did with *</a:t>
+            </a:r>
+            <a:r>
+              <a:rPr lang="en-US" sz="1800" dirty="0" err="1"/>
+              <a:t>ngFor</a:t>
+            </a:r>
+            <a:r>
+              <a:rPr lang="en-US" sz="1800" dirty="0"/>
+              <a:t> in angular</a:t>
+            </a:r>
+          </a:p>
+          <a:p>
+            <a:endParaRPr lang="en-US" sz="1800" dirty="0"/>
+          </a:p>
+          <a:p>
+            <a:r>
+              <a:rPr lang="en-US" sz="1800" dirty="0"/>
+              <a:t>Map will create brand new array with the html tags and data from array</a:t>
+            </a:r>
+          </a:p>
+        </p:txBody>
+      </p:sp>
+    </p:spTree>
+    <p:extLst>
+      <p:ext uri="{BB962C8B-B14F-4D97-AF65-F5344CB8AC3E}">
+        <p14:creationId xmlns:p14="http://schemas.microsoft.com/office/powerpoint/2010/main" val="2178590128"/>
+      </p:ext>
+    </p:extLst>
+  </p:cSld>
+  <p:clrMapOvr>
+    <a:masterClrMapping/>
+  </p:clrMapOvr>
+</p:sld>
+</file>
+
+<file path=ppt/slides/slide21.xml><?xml version="1.0" encoding="utf-8"?>
+<p:sld xmlns:a="http://schemas.openxmlformats.org/drawingml/2006/main" xmlns:r="http://schemas.openxmlformats.org/officeDocument/2006/relationships" xmlns:p="http://schemas.openxmlformats.org/presentationml/2006/main">
+  <p:cSld>
+    <p:spTree>
+      <p:nvGrpSpPr>
+        <p:cNvPr id="1" name=""/>
+        <p:cNvGrpSpPr/>
+        <p:nvPr/>
+      </p:nvGrpSpPr>
+      <p:grpSpPr>
+        <a:xfrm>
+          <a:off x="0" y="0"/>
+          <a:ext cx="0" cy="0"/>
+          <a:chOff x="0" y="0"/>
+          <a:chExt cx="0" cy="0"/>
+        </a:xfrm>
+      </p:grpSpPr>
+      <p:sp>
+        <p:nvSpPr>
+          <p:cNvPr id="2" name="Title 1">
+            <a:extLst>
+              <a:ext uri="{FF2B5EF4-FFF2-40B4-BE49-F238E27FC236}">
+                <a16:creationId xmlns:a16="http://schemas.microsoft.com/office/drawing/2014/main" id="{8A56E29C-09F7-B711-591E-BDC97066A449}"/>
+              </a:ext>
+            </a:extLst>
+          </p:cNvPr>
+          <p:cNvSpPr>
+            <a:spLocks noGrp="1"/>
+          </p:cNvSpPr>
+          <p:nvPr>
+            <p:ph type="title"/>
+          </p:nvPr>
+        </p:nvSpPr>
+        <p:spPr/>
+        <p:txBody>
+          <a:bodyPr/>
+          <a:lstStyle/>
+          <a:p>
+            <a:r>
+              <a:rPr lang="en-US" dirty="0"/>
+              <a:t>Father child com</a:t>
+            </a:r>
+          </a:p>
+        </p:txBody>
+      </p:sp>
+      <p:sp>
+        <p:nvSpPr>
+          <p:cNvPr id="3" name="Content Placeholder 2">
+            <a:extLst>
+              <a:ext uri="{FF2B5EF4-FFF2-40B4-BE49-F238E27FC236}">
+                <a16:creationId xmlns:a16="http://schemas.microsoft.com/office/drawing/2014/main" id="{4D96329F-70CA-D930-B844-FB5264890AD1}"/>
+              </a:ext>
+            </a:extLst>
+          </p:cNvPr>
+          <p:cNvSpPr>
+            <a:spLocks noGrp="1"/>
+          </p:cNvSpPr>
+          <p:nvPr>
+            <p:ph idx="1"/>
+          </p:nvPr>
+        </p:nvSpPr>
+        <p:spPr/>
+        <p:txBody>
+          <a:bodyPr>
+            <a:normAutofit/>
+          </a:bodyPr>
+          <a:lstStyle/>
+          <a:p>
+            <a:r>
+              <a:rPr lang="en-US" sz="1800" dirty="0"/>
+              <a:t>We will use map like we did with *</a:t>
+            </a:r>
+            <a:r>
+              <a:rPr lang="en-US" sz="1800" dirty="0" err="1"/>
+              <a:t>ngFor</a:t>
+            </a:r>
+            <a:r>
+              <a:rPr lang="en-US" sz="1800" dirty="0"/>
+              <a:t> in angular</a:t>
+            </a:r>
+          </a:p>
+          <a:p>
+            <a:endParaRPr lang="en-US" sz="1800" dirty="0"/>
+          </a:p>
+          <a:p>
+            <a:r>
+              <a:rPr lang="en-US" sz="1800" dirty="0"/>
+              <a:t>Map will create brand new array with the html tags and data from array</a:t>
+            </a:r>
+          </a:p>
+        </p:txBody>
+      </p:sp>
+    </p:spTree>
+    <p:extLst>
+      <p:ext uri="{BB962C8B-B14F-4D97-AF65-F5344CB8AC3E}">
+        <p14:creationId xmlns:p14="http://schemas.microsoft.com/office/powerpoint/2010/main" val="2331915230"/>
+      </p:ext>
+    </p:extLst>
+  </p:cSld>
+  <p:clrMapOvr>
+    <a:masterClrMapping/>
+  </p:clrMapOvr>
+</p:sld>
+</file>
+
+<file path=ppt/slides/slide22.xml><?xml version="1.0" encoding="utf-8"?>
+<p:sld xmlns:a="http://schemas.openxmlformats.org/drawingml/2006/main" xmlns:r="http://schemas.openxmlformats.org/officeDocument/2006/relationships" xmlns:p="http://schemas.openxmlformats.org/presentationml/2006/main">
+  <p:cSld>
+    <p:spTree>
+      <p:nvGrpSpPr>
+        <p:cNvPr id="1" name=""/>
+        <p:cNvGrpSpPr/>
+        <p:nvPr/>
+      </p:nvGrpSpPr>
+      <p:grpSpPr>
+        <a:xfrm>
+          <a:off x="0" y="0"/>
+          <a:ext cx="0" cy="0"/>
+          <a:chOff x="0" y="0"/>
+          <a:chExt cx="0" cy="0"/>
+        </a:xfrm>
+      </p:grpSpPr>
+      <p:sp>
+        <p:nvSpPr>
+          <p:cNvPr id="2" name="Title 1">
+            <a:extLst>
+              <a:ext uri="{FF2B5EF4-FFF2-40B4-BE49-F238E27FC236}">
+                <a16:creationId xmlns:a16="http://schemas.microsoft.com/office/drawing/2014/main" id="{8A56E29C-09F7-B711-591E-BDC97066A449}"/>
+              </a:ext>
+            </a:extLst>
+          </p:cNvPr>
+          <p:cNvSpPr>
+            <a:spLocks noGrp="1"/>
+          </p:cNvSpPr>
+          <p:nvPr>
+            <p:ph type="title"/>
+          </p:nvPr>
+        </p:nvSpPr>
+        <p:spPr/>
+        <p:txBody>
+          <a:bodyPr/>
+          <a:lstStyle/>
+          <a:p>
+            <a:r>
+              <a:rPr lang="en-US" dirty="0" err="1">
+                <a:highlight>
+                  <a:srgbClr val="FFFF00"/>
+                </a:highlight>
+              </a:rPr>
+              <a:t>F</a:t>
+            </a:r>
+            <a:r>
+              <a:rPr lang="en-US" dirty="0" err="1"/>
+              <a:t>ont</a:t>
+            </a:r>
+            <a:r>
+              <a:rPr lang="en-US" dirty="0" err="1">
+                <a:highlight>
+                  <a:srgbClr val="FFFF00"/>
+                </a:highlight>
+              </a:rPr>
+              <a:t>a</a:t>
+            </a:r>
+            <a:r>
+              <a:rPr lang="en-US" dirty="0" err="1"/>
+              <a:t>wsome</a:t>
+            </a:r>
+            <a:endParaRPr lang="en-US" dirty="0"/>
+          </a:p>
+        </p:txBody>
+      </p:sp>
+      <p:sp>
+        <p:nvSpPr>
+          <p:cNvPr id="3" name="Content Placeholder 2">
+            <a:extLst>
+              <a:ext uri="{FF2B5EF4-FFF2-40B4-BE49-F238E27FC236}">
+                <a16:creationId xmlns:a16="http://schemas.microsoft.com/office/drawing/2014/main" id="{4D96329F-70CA-D930-B844-FB5264890AD1}"/>
+              </a:ext>
+            </a:extLst>
+          </p:cNvPr>
+          <p:cNvSpPr>
+            <a:spLocks noGrp="1"/>
+          </p:cNvSpPr>
+          <p:nvPr>
+            <p:ph idx="1"/>
+          </p:nvPr>
+        </p:nvSpPr>
+        <p:spPr/>
+        <p:txBody>
+          <a:bodyPr>
+            <a:normAutofit/>
+          </a:bodyPr>
+          <a:lstStyle/>
+          <a:p>
+            <a:r>
+              <a:rPr lang="en-US" sz="1800" dirty="0"/>
+              <a:t>To add </a:t>
+            </a:r>
+            <a:r>
+              <a:rPr lang="en-US" sz="1800" dirty="0">
+                <a:highlight>
+                  <a:srgbClr val="FFFF00"/>
+                </a:highlight>
+              </a:rPr>
+              <a:t>fa</a:t>
+            </a:r>
+            <a:r>
+              <a:rPr lang="en-US" sz="1800" dirty="0"/>
+              <a:t> to our project please follow the instructions in the link:</a:t>
+            </a:r>
+          </a:p>
+          <a:p>
+            <a:r>
+              <a:rPr lang="en-US" sz="1800" dirty="0">
+                <a:hlinkClick r:id="rId2"/>
+              </a:rPr>
+              <a:t>https://fontawesome.com/docs/web/use-with/react/</a:t>
+            </a:r>
+            <a:endParaRPr lang="en-US" sz="1800" dirty="0"/>
+          </a:p>
+          <a:p>
+            <a:endParaRPr lang="en-US" sz="1800" dirty="0"/>
+          </a:p>
+          <a:p>
+            <a:r>
+              <a:rPr lang="en-US" sz="1800" dirty="0"/>
+              <a:t>To add icon from fa you will need to use the next method:</a:t>
+            </a:r>
+          </a:p>
+          <a:p>
+            <a:pPr marL="342900" indent="-342900">
+              <a:buFont typeface="+mj-lt"/>
+              <a:buAutoNum type="arabicPeriod"/>
+            </a:pPr>
+            <a:r>
+              <a:rPr lang="en-US" sz="1800" dirty="0"/>
+              <a:t>Copy the component icon from there website - &lt;</a:t>
+            </a:r>
+            <a:r>
+              <a:rPr lang="en-US" sz="1800" dirty="0" err="1"/>
+              <a:t>FontAwesomeIcon</a:t>
+            </a:r>
+            <a:r>
+              <a:rPr lang="en-US" sz="1800" dirty="0"/>
+              <a:t> icon="fa-solid fa-trash-can" /&gt;</a:t>
+            </a:r>
+          </a:p>
+          <a:p>
+            <a:pPr marL="342900" indent="-342900">
+              <a:buFont typeface="+mj-lt"/>
+              <a:buAutoNum type="arabicPeriod"/>
+            </a:pPr>
+            <a:r>
+              <a:rPr lang="en-US" sz="1800" dirty="0"/>
+              <a:t>Convert the icon from “</a:t>
+            </a:r>
+            <a:r>
+              <a:rPr lang="en-US" sz="1800" dirty="0">
+                <a:highlight>
+                  <a:srgbClr val="00FFFF"/>
+                </a:highlight>
+              </a:rPr>
+              <a:t>fa-solid</a:t>
+            </a:r>
+            <a:r>
+              <a:rPr lang="en-US" sz="1800" dirty="0"/>
+              <a:t> </a:t>
+            </a:r>
+            <a:r>
+              <a:rPr lang="en-US" sz="1800" dirty="0">
+                <a:highlight>
+                  <a:srgbClr val="00FF00"/>
+                </a:highlight>
+              </a:rPr>
+              <a:t>fa-trash-can</a:t>
+            </a:r>
+            <a:r>
+              <a:rPr lang="en-US" sz="1800" dirty="0"/>
+              <a:t>” to “</a:t>
+            </a:r>
+            <a:r>
+              <a:rPr lang="en-US" sz="1800" dirty="0" err="1"/>
+              <a:t>faTrashCan</a:t>
+            </a:r>
+            <a:r>
+              <a:rPr lang="en-US" sz="1800" dirty="0"/>
+              <a:t>” in the import like so - import { </a:t>
+            </a:r>
+            <a:r>
+              <a:rPr lang="en-US" sz="1800" dirty="0" err="1">
+                <a:highlight>
+                  <a:srgbClr val="00FF00"/>
+                </a:highlight>
+              </a:rPr>
+              <a:t>faTrashCan</a:t>
+            </a:r>
+            <a:r>
+              <a:rPr lang="en-US" sz="1800" dirty="0"/>
+              <a:t> } from "@</a:t>
+            </a:r>
+            <a:r>
+              <a:rPr lang="en-US" sz="1800" dirty="0" err="1"/>
+              <a:t>fortawesome</a:t>
+            </a:r>
+            <a:r>
+              <a:rPr lang="en-US" sz="1800" dirty="0"/>
+              <a:t>/free-</a:t>
+            </a:r>
+            <a:r>
+              <a:rPr lang="en-US" sz="1800" dirty="0">
+                <a:highlight>
+                  <a:srgbClr val="00FFFF"/>
+                </a:highlight>
+              </a:rPr>
+              <a:t>solid</a:t>
+            </a:r>
+            <a:r>
+              <a:rPr lang="en-US" sz="1800" dirty="0"/>
+              <a:t>-</a:t>
+            </a:r>
+            <a:r>
+              <a:rPr lang="en-US" sz="1800" dirty="0" err="1"/>
+              <a:t>svg</a:t>
+            </a:r>
+            <a:r>
+              <a:rPr lang="en-US" sz="1800" dirty="0"/>
+              <a:t>-icons";</a:t>
+            </a:r>
+          </a:p>
+          <a:p>
+            <a:pPr marL="342900" indent="-342900">
+              <a:buFont typeface="+mj-lt"/>
+              <a:buAutoNum type="arabicPeriod"/>
+            </a:pPr>
+            <a:r>
+              <a:rPr lang="en-US" sz="1800" dirty="0"/>
+              <a:t>Make sure that you import from the right module</a:t>
+            </a:r>
+          </a:p>
+          <a:p>
+            <a:pPr marL="342900" indent="-342900">
+              <a:buFont typeface="+mj-lt"/>
+              <a:buAutoNum type="arabicPeriod"/>
+            </a:pPr>
+            <a:endParaRPr lang="en-US" sz="1800" dirty="0"/>
+          </a:p>
+        </p:txBody>
+      </p:sp>
+    </p:spTree>
+    <p:extLst>
+      <p:ext uri="{BB962C8B-B14F-4D97-AF65-F5344CB8AC3E}">
+        <p14:creationId xmlns:p14="http://schemas.microsoft.com/office/powerpoint/2010/main" val="4225105353"/>
+      </p:ext>
+    </p:extLst>
+  </p:cSld>
+  <p:clrMapOvr>
+    <a:masterClrMapping/>
+  </p:clrMapOvr>
+</p:sld>
+</file>
+
+<file path=ppt/slides/slide23.xml><?xml version="1.0" encoding="utf-8"?>
+<p:sld xmlns:a="http://schemas.openxmlformats.org/drawingml/2006/main" xmlns:r="http://schemas.openxmlformats.org/officeDocument/2006/relationships" xmlns:p="http://schemas.openxmlformats.org/presentationml/2006/main">
+  <p:cSld>
+    <p:spTree>
+      <p:nvGrpSpPr>
+        <p:cNvPr id="1" name=""/>
+        <p:cNvGrpSpPr/>
+        <p:nvPr/>
+      </p:nvGrpSpPr>
+      <p:grpSpPr>
+        <a:xfrm>
+          <a:off x="0" y="0"/>
+          <a:ext cx="0" cy="0"/>
+          <a:chOff x="0" y="0"/>
+          <a:chExt cx="0" cy="0"/>
+        </a:xfrm>
+      </p:grpSpPr>
+      <p:sp>
+        <p:nvSpPr>
+          <p:cNvPr id="2" name="Title 1">
+            <a:extLst>
+              <a:ext uri="{FF2B5EF4-FFF2-40B4-BE49-F238E27FC236}">
+                <a16:creationId xmlns:a16="http://schemas.microsoft.com/office/drawing/2014/main" id="{8A56E29C-09F7-B711-591E-BDC97066A449}"/>
+              </a:ext>
+            </a:extLst>
+          </p:cNvPr>
+          <p:cNvSpPr>
+            <a:spLocks noGrp="1"/>
+          </p:cNvSpPr>
+          <p:nvPr>
+            <p:ph type="title"/>
+          </p:nvPr>
+        </p:nvSpPr>
+        <p:spPr/>
+        <p:txBody>
+          <a:bodyPr/>
+          <a:lstStyle/>
+          <a:p>
+            <a:r>
+              <a:rPr lang="en-US" dirty="0" err="1"/>
+              <a:t>Lodash</a:t>
+            </a:r>
+            <a:r>
+              <a:rPr lang="en-US" dirty="0"/>
+              <a:t> - </a:t>
+            </a:r>
+            <a:r>
+              <a:rPr lang="en-US" dirty="0" err="1"/>
+              <a:t>cloneDeep</a:t>
+            </a:r>
+            <a:endParaRPr lang="en-US" dirty="0"/>
+          </a:p>
+        </p:txBody>
+      </p:sp>
+      <p:sp>
+        <p:nvSpPr>
+          <p:cNvPr id="3" name="Content Placeholder 2">
+            <a:extLst>
+              <a:ext uri="{FF2B5EF4-FFF2-40B4-BE49-F238E27FC236}">
+                <a16:creationId xmlns:a16="http://schemas.microsoft.com/office/drawing/2014/main" id="{4D96329F-70CA-D930-B844-FB5264890AD1}"/>
+              </a:ext>
+            </a:extLst>
+          </p:cNvPr>
+          <p:cNvSpPr>
+            <a:spLocks noGrp="1"/>
+          </p:cNvSpPr>
+          <p:nvPr>
+            <p:ph idx="1"/>
+          </p:nvPr>
+        </p:nvSpPr>
+        <p:spPr/>
+        <p:txBody>
+          <a:bodyPr>
+            <a:normAutofit/>
+          </a:bodyPr>
+          <a:lstStyle/>
+          <a:p>
+            <a:r>
+              <a:rPr lang="en-US" sz="1800" dirty="0"/>
+              <a:t>Install </a:t>
+            </a:r>
+            <a:r>
+              <a:rPr lang="en-US" sz="1800" dirty="0" err="1"/>
+              <a:t>lodash</a:t>
+            </a:r>
+            <a:r>
+              <a:rPr lang="en-US" sz="1800" dirty="0"/>
+              <a:t> using </a:t>
+            </a:r>
+            <a:r>
+              <a:rPr lang="en-US" sz="1800"/>
+              <a:t>this command: </a:t>
+            </a:r>
+            <a:r>
+              <a:rPr lang="en-US" sz="1800" dirty="0" err="1"/>
+              <a:t>npm</a:t>
+            </a:r>
+            <a:r>
+              <a:rPr lang="en-US" sz="1800" dirty="0"/>
+              <a:t> </a:t>
+            </a:r>
+            <a:r>
+              <a:rPr lang="en-US" sz="1800" dirty="0" err="1"/>
+              <a:t>i</a:t>
+            </a:r>
+            <a:r>
+              <a:rPr lang="en-US" sz="1800" dirty="0"/>
+              <a:t> </a:t>
+            </a:r>
+            <a:r>
+              <a:rPr lang="en-US" sz="1800" dirty="0" err="1"/>
+              <a:t>lodash</a:t>
+            </a:r>
+            <a:endParaRPr lang="en-US" sz="1800" dirty="0"/>
+          </a:p>
+          <a:p>
+            <a:endParaRPr lang="en-US" sz="1800" dirty="0"/>
+          </a:p>
+          <a:p>
+            <a:r>
+              <a:rPr lang="en-US" sz="1800" dirty="0"/>
+              <a:t>We will use </a:t>
+            </a:r>
+            <a:r>
+              <a:rPr lang="en-US" sz="1800" dirty="0" err="1"/>
+              <a:t>lodash</a:t>
+            </a:r>
+            <a:r>
+              <a:rPr lang="en-US" sz="1800" dirty="0"/>
+              <a:t> - </a:t>
+            </a:r>
+            <a:r>
+              <a:rPr lang="en-US" sz="1800" dirty="0" err="1"/>
+              <a:t>cloneDeep</a:t>
+            </a:r>
+            <a:r>
+              <a:rPr lang="en-US" sz="1800" dirty="0"/>
+              <a:t> to clone the data from the server and then we will change the array</a:t>
+            </a:r>
+          </a:p>
+        </p:txBody>
+      </p:sp>
+    </p:spTree>
+    <p:extLst>
+      <p:ext uri="{BB962C8B-B14F-4D97-AF65-F5344CB8AC3E}">
+        <p14:creationId xmlns:p14="http://schemas.microsoft.com/office/powerpoint/2010/main" val="2336008065"/>
       </p:ext>
     </p:extLst>
   </p:cSld>
@@ -6717,13 +7548,8 @@
           <a:p>
             <a:r>
               <a:rPr lang="en-US" sz="2000" dirty="0"/>
-              <a:t>We can execute only </a:t>
-            </a:r>
-            <a:r>
-              <a:rPr lang="en-US" sz="2000"/>
-              <a:t>one command</a:t>
-            </a:r>
-            <a:endParaRPr lang="en-US" sz="2000" dirty="0"/>
+              <a:t>We can execute only one command</a:t>
+            </a:r>
           </a:p>
           <a:p>
             <a:pPr marL="0" indent="0">

--- a/docs/React.pptx
+++ b/docs/React.pptx
@@ -5,7 +5,7 @@
     <p:sldMasterId id="2147483660" r:id="rId4"/>
   </p:sldMasterIdLst>
   <p:notesMasterIdLst>
-    <p:notesMasterId r:id="rId28"/>
+    <p:notesMasterId r:id="rId29"/>
   </p:notesMasterIdLst>
   <p:sldIdLst>
     <p:sldId id="264" r:id="rId5"/>
@@ -31,6 +31,7 @@
     <p:sldId id="332" r:id="rId25"/>
     <p:sldId id="333" r:id="rId26"/>
     <p:sldId id="334" r:id="rId27"/>
+    <p:sldId id="335" r:id="rId28"/>
   </p:sldIdLst>
   <p:sldSz cx="12192000" cy="6858000"/>
   <p:notesSz cx="6858000" cy="9144000"/>
@@ -5878,22 +5879,53 @@
           </a:p>
           <a:p>
             <a:r>
-              <a:rPr lang="en-US" sz="1800" dirty="0"/>
+              <a:rPr lang="en-US" sz="1800" dirty="0">
+                <a:highlight>
+                  <a:srgbClr val="FFFF00"/>
+                </a:highlight>
+              </a:rPr>
               <a:t>Filter</a:t>
             </a:r>
           </a:p>
           <a:p>
             <a:r>
-              <a:rPr lang="en-US" sz="1800" dirty="0"/>
+              <a:rPr lang="en-US" sz="1800" dirty="0">
+                <a:highlight>
+                  <a:srgbClr val="FFFF00"/>
+                </a:highlight>
+              </a:rPr>
               <a:t>Father child communication</a:t>
             </a:r>
           </a:p>
           <a:p>
             <a:r>
-              <a:rPr lang="en-US" sz="1800" dirty="0" err="1"/>
-              <a:t>fontawsome</a:t>
-            </a:r>
-            <a:endParaRPr lang="en-US" sz="1800" dirty="0"/>
+              <a:rPr lang="en-US" sz="1800" dirty="0" err="1">
+                <a:highlight>
+                  <a:srgbClr val="FFFF00"/>
+                </a:highlight>
+              </a:rPr>
+              <a:t>Fontawsome</a:t>
+            </a:r>
+            <a:endParaRPr lang="en-US" sz="1800" dirty="0">
+              <a:highlight>
+                <a:srgbClr val="FFFF00"/>
+              </a:highlight>
+            </a:endParaRPr>
+          </a:p>
+          <a:p>
+            <a:r>
+              <a:rPr lang="en-US" sz="1800" dirty="0" err="1">
+                <a:highlight>
+                  <a:srgbClr val="FFFF00"/>
+                </a:highlight>
+              </a:rPr>
+              <a:t>lodash</a:t>
+            </a:r>
+            <a:endParaRPr lang="en-US" sz="1800" dirty="0">
+              <a:highlight>
+                <a:srgbClr val="FFFF00"/>
+              </a:highlight>
+            </a:endParaRPr>
           </a:p>
           <a:p>
             <a:r>
@@ -7119,11 +7151,7 @@
             </a:r>
             <a:r>
               <a:rPr lang="en-US" sz="1800" dirty="0"/>
-              <a:t> using </a:t>
-            </a:r>
-            <a:r>
-              <a:rPr lang="en-US" sz="1800"/>
-              <a:t>this command: </a:t>
+              <a:t> using this command: </a:t>
             </a:r>
             <a:r>
               <a:rPr lang="en-US" sz="1800" dirty="0" err="1"/>
@@ -7178,6 +7206,104 @@
     <p:extLst>
       <p:ext uri="{BB962C8B-B14F-4D97-AF65-F5344CB8AC3E}">
         <p14:creationId xmlns:p14="http://schemas.microsoft.com/office/powerpoint/2010/main" val="2336008065"/>
+      </p:ext>
+    </p:extLst>
+  </p:cSld>
+  <p:clrMapOvr>
+    <a:masterClrMapping/>
+  </p:clrMapOvr>
+</p:sld>
+</file>
+
+<file path=ppt/slides/slide24.xml><?xml version="1.0" encoding="utf-8"?>
+<p:sld xmlns:a="http://schemas.openxmlformats.org/drawingml/2006/main" xmlns:r="http://schemas.openxmlformats.org/officeDocument/2006/relationships" xmlns:p="http://schemas.openxmlformats.org/presentationml/2006/main">
+  <p:cSld>
+    <p:spTree>
+      <p:nvGrpSpPr>
+        <p:cNvPr id="1" name=""/>
+        <p:cNvGrpSpPr/>
+        <p:nvPr/>
+      </p:nvGrpSpPr>
+      <p:grpSpPr>
+        <a:xfrm>
+          <a:off x="0" y="0"/>
+          <a:ext cx="0" cy="0"/>
+          <a:chOff x="0" y="0"/>
+          <a:chExt cx="0" cy="0"/>
+        </a:xfrm>
+      </p:grpSpPr>
+      <p:sp>
+        <p:nvSpPr>
+          <p:cNvPr id="2" name="Title 1">
+            <a:extLst>
+              <a:ext uri="{FF2B5EF4-FFF2-40B4-BE49-F238E27FC236}">
+                <a16:creationId xmlns:a16="http://schemas.microsoft.com/office/drawing/2014/main" id="{8A56E29C-09F7-B711-591E-BDC97066A449}"/>
+              </a:ext>
+            </a:extLst>
+          </p:cNvPr>
+          <p:cNvSpPr>
+            <a:spLocks noGrp="1"/>
+          </p:cNvSpPr>
+          <p:nvPr>
+            <p:ph type="title"/>
+          </p:nvPr>
+        </p:nvSpPr>
+        <p:spPr/>
+        <p:txBody>
+          <a:bodyPr/>
+          <a:lstStyle/>
+          <a:p>
+            <a:r>
+              <a:rPr lang="en-US" dirty="0"/>
+              <a:t>TK</a:t>
+            </a:r>
+          </a:p>
+        </p:txBody>
+      </p:sp>
+      <p:sp>
+        <p:nvSpPr>
+          <p:cNvPr id="3" name="Content Placeholder 2">
+            <a:extLst>
+              <a:ext uri="{FF2B5EF4-FFF2-40B4-BE49-F238E27FC236}">
+                <a16:creationId xmlns:a16="http://schemas.microsoft.com/office/drawing/2014/main" id="{4D96329F-70CA-D930-B844-FB5264890AD1}"/>
+              </a:ext>
+            </a:extLst>
+          </p:cNvPr>
+          <p:cNvSpPr>
+            <a:spLocks noGrp="1"/>
+          </p:cNvSpPr>
+          <p:nvPr>
+            <p:ph idx="1"/>
+          </p:nvPr>
+        </p:nvSpPr>
+        <p:spPr/>
+        <p:txBody>
+          <a:bodyPr>
+            <a:normAutofit/>
+          </a:bodyPr>
+          <a:lstStyle/>
+          <a:p>
+            <a:r>
+              <a:rPr lang="en-US" sz="1800" dirty="0"/>
+              <a:t>Create component </a:t>
+            </a:r>
+            <a:r>
+              <a:rPr lang="en-US" sz="1800"/>
+              <a:t>for reach user</a:t>
+            </a:r>
+          </a:p>
+          <a:p>
+            <a:r>
+              <a:rPr lang="en-US" sz="1800" dirty="0"/>
+              <a:t>When clicking on user it should be deleted</a:t>
+            </a:r>
+          </a:p>
+        </p:txBody>
+      </p:sp>
+    </p:spTree>
+    <p:extLst>
+      <p:ext uri="{BB962C8B-B14F-4D97-AF65-F5344CB8AC3E}">
+        <p14:creationId xmlns:p14="http://schemas.microsoft.com/office/powerpoint/2010/main" val="2872293325"/>
       </p:ext>
     </p:extLst>
   </p:cSld>

--- a/docs/React.pptx
+++ b/docs/React.pptx
@@ -5,7 +5,7 @@
     <p:sldMasterId id="2147483660" r:id="rId4"/>
   </p:sldMasterIdLst>
   <p:notesMasterIdLst>
-    <p:notesMasterId r:id="rId29"/>
+    <p:notesMasterId r:id="rId35"/>
   </p:notesMasterIdLst>
   <p:sldIdLst>
     <p:sldId id="264" r:id="rId5"/>
@@ -32,6 +32,12 @@
     <p:sldId id="333" r:id="rId26"/>
     <p:sldId id="334" r:id="rId27"/>
     <p:sldId id="335" r:id="rId28"/>
+    <p:sldId id="336" r:id="rId29"/>
+    <p:sldId id="337" r:id="rId30"/>
+    <p:sldId id="338" r:id="rId31"/>
+    <p:sldId id="339" r:id="rId32"/>
+    <p:sldId id="340" r:id="rId33"/>
+    <p:sldId id="341" r:id="rId34"/>
   </p:sldIdLst>
   <p:sldSz cx="12192000" cy="6858000"/>
   <p:notesSz cx="6858000" cy="9144000"/>
@@ -220,7 +226,7 @@
           <a:p>
             <a:fld id="{CC6DBDFE-DD3D-4291-A404-1B97A83A6EA8}" type="datetimeFigureOut">
               <a:rPr lang="en-US" smtClean="0"/>
-              <a:t>22/06/2022</a:t>
+              <a:t>27/06/2022</a:t>
             </a:fld>
             <a:endParaRPr lang="en-US" dirty="0"/>
           </a:p>
@@ -1100,7 +1106,7 @@
           <a:p>
             <a:fld id="{EA0C0817-A112-4847-8014-A94B7D2A4EA3}" type="datetime1">
               <a:rPr lang="en-US" smtClean="0"/>
-              <a:t>22/06/2022</a:t>
+              <a:t>27/06/2022</a:t>
             </a:fld>
             <a:endParaRPr lang="en-US" dirty="0"/>
           </a:p>
@@ -1302,7 +1308,7 @@
           <a:p>
             <a:fld id="{7332B432-ACDA-4023-A761-2BAB76577B62}" type="datetime1">
               <a:rPr lang="en-US" smtClean="0"/>
-              <a:t>22/06/2022</a:t>
+              <a:t>27/06/2022</a:t>
             </a:fld>
             <a:endParaRPr lang="en-US" dirty="0"/>
           </a:p>
@@ -1901,7 +1907,7 @@
           <a:p>
             <a:fld id="{D9C646AA-F36E-4540-911D-FFFC0A0EF24A}" type="datetime1">
               <a:rPr lang="en-US" smtClean="0"/>
-              <a:t>22/06/2022</a:t>
+              <a:t>27/06/2022</a:t>
             </a:fld>
             <a:endParaRPr lang="en-US" dirty="0"/>
           </a:p>
@@ -2221,7 +2227,7 @@
           <a:p>
             <a:fld id="{69186D26-FA5F-4637-B602-B7C2DC34CFD4}" type="datetime1">
               <a:rPr lang="en-US" smtClean="0"/>
-              <a:t>22/06/2022</a:t>
+              <a:t>27/06/2022</a:t>
             </a:fld>
             <a:endParaRPr lang="en-US" dirty="0"/>
           </a:p>
@@ -2658,7 +2664,7 @@
           <a:p>
             <a:fld id="{8A7F15D8-96D1-4781-BC50-CA8A088B2FE4}" type="datetime1">
               <a:rPr lang="en-US" smtClean="0"/>
-              <a:t>22/06/2022</a:t>
+              <a:t>27/06/2022</a:t>
             </a:fld>
             <a:endParaRPr lang="en-US" dirty="0"/>
           </a:p>
@@ -2776,7 +2782,7 @@
           <a:p>
             <a:fld id="{F9A96C99-B8F8-4528-BD05-0E16E943DC09}" type="datetime1">
               <a:rPr lang="en-US" smtClean="0"/>
-              <a:t>22/06/2022</a:t>
+              <a:t>27/06/2022</a:t>
             </a:fld>
             <a:endParaRPr lang="en-US" dirty="0"/>
           </a:p>
@@ -2871,7 +2877,7 @@
           <a:p>
             <a:fld id="{03636942-C211-4B28-8DBD-C953E00AF71B}" type="datetime1">
               <a:rPr lang="en-US" smtClean="0"/>
-              <a:t>22/06/2022</a:t>
+              <a:t>27/06/2022</a:t>
             </a:fld>
             <a:endParaRPr lang="en-US" dirty="0"/>
           </a:p>
@@ -3288,7 +3294,7 @@
           <a:p>
             <a:fld id="{7E8D12A6-918A-48BD-8CB9-CA713993B0EA}" type="datetime1">
               <a:rPr lang="en-US" smtClean="0"/>
-              <a:t>22/06/2022</a:t>
+              <a:t>27/06/2022</a:t>
             </a:fld>
             <a:endParaRPr lang="en-US" dirty="0"/>
           </a:p>
@@ -3550,7 +3556,7 @@
             <a:fld id="{E778CE86-875F-4587-BCF6-FA054AFC0D53}" type="datetime1">
               <a:rPr lang="en-US" smtClean="0"/>
               <a:pPr/>
-              <a:t>22/06/2022</a:t>
+              <a:t>27/06/2022</a:t>
             </a:fld>
             <a:endParaRPr lang="en-US" dirty="0"/>
           </a:p>
@@ -4066,7 +4072,7 @@
           <a:p>
             <a:fld id="{F6FA2B21-3FCD-4721-B95C-427943F61125}" type="datetime1">
               <a:rPr lang="en-US" smtClean="0"/>
-              <a:t>22/06/2022</a:t>
+              <a:t>27/06/2022</a:t>
             </a:fld>
             <a:endParaRPr lang="en-US" dirty="0"/>
           </a:p>
@@ -7285,11 +7291,7 @@
           <a:p>
             <a:r>
               <a:rPr lang="en-US" sz="1800" dirty="0"/>
-              <a:t>Create component </a:t>
-            </a:r>
-            <a:r>
-              <a:rPr lang="en-US" sz="1800"/>
-              <a:t>for reach user</a:t>
+              <a:t>Create component for reach user</a:t>
             </a:r>
           </a:p>
           <a:p>
@@ -7304,6 +7306,733 @@
     <p:extLst>
       <p:ext uri="{BB962C8B-B14F-4D97-AF65-F5344CB8AC3E}">
         <p14:creationId xmlns:p14="http://schemas.microsoft.com/office/powerpoint/2010/main" val="2872293325"/>
+      </p:ext>
+    </p:extLst>
+  </p:cSld>
+  <p:clrMapOvr>
+    <a:masterClrMapping/>
+  </p:clrMapOvr>
+</p:sld>
+</file>
+
+<file path=ppt/slides/slide25.xml><?xml version="1.0" encoding="utf-8"?>
+<p:sld xmlns:a="http://schemas.openxmlformats.org/drawingml/2006/main" xmlns:r="http://schemas.openxmlformats.org/officeDocument/2006/relationships" xmlns:p="http://schemas.openxmlformats.org/presentationml/2006/main">
+  <p:cSld>
+    <p:spTree>
+      <p:nvGrpSpPr>
+        <p:cNvPr id="1" name=""/>
+        <p:cNvGrpSpPr/>
+        <p:nvPr/>
+      </p:nvGrpSpPr>
+      <p:grpSpPr>
+        <a:xfrm>
+          <a:off x="0" y="0"/>
+          <a:ext cx="0" cy="0"/>
+          <a:chOff x="0" y="0"/>
+          <a:chExt cx="0" cy="0"/>
+        </a:xfrm>
+      </p:grpSpPr>
+      <p:sp>
+        <p:nvSpPr>
+          <p:cNvPr id="2" name="Title 1">
+            <a:extLst>
+              <a:ext uri="{FF2B5EF4-FFF2-40B4-BE49-F238E27FC236}">
+                <a16:creationId xmlns:a16="http://schemas.microsoft.com/office/drawing/2014/main" id="{8A56E29C-09F7-B711-591E-BDC97066A449}"/>
+              </a:ext>
+            </a:extLst>
+          </p:cNvPr>
+          <p:cNvSpPr>
+            <a:spLocks noGrp="1"/>
+          </p:cNvSpPr>
+          <p:nvPr>
+            <p:ph type="title"/>
+          </p:nvPr>
+        </p:nvSpPr>
+        <p:spPr/>
+        <p:txBody>
+          <a:bodyPr/>
+          <a:lstStyle/>
+          <a:p>
+            <a:r>
+              <a:rPr lang="en-US" dirty="0"/>
+              <a:t>22/06/2022</a:t>
+            </a:r>
+          </a:p>
+        </p:txBody>
+      </p:sp>
+      <p:sp>
+        <p:nvSpPr>
+          <p:cNvPr id="3" name="Content Placeholder 2">
+            <a:extLst>
+              <a:ext uri="{FF2B5EF4-FFF2-40B4-BE49-F238E27FC236}">
+                <a16:creationId xmlns:a16="http://schemas.microsoft.com/office/drawing/2014/main" id="{4D96329F-70CA-D930-B844-FB5264890AD1}"/>
+              </a:ext>
+            </a:extLst>
+          </p:cNvPr>
+          <p:cNvSpPr>
+            <a:spLocks noGrp="1"/>
+          </p:cNvSpPr>
+          <p:nvPr>
+            <p:ph idx="1"/>
+          </p:nvPr>
+        </p:nvSpPr>
+        <p:spPr/>
+        <p:txBody>
+          <a:bodyPr>
+            <a:normAutofit/>
+          </a:bodyPr>
+          <a:lstStyle/>
+          <a:p>
+            <a:r>
+              <a:rPr lang="en-US" sz="1800" dirty="0" err="1">
+                <a:highlight>
+                  <a:srgbClr val="FFFF00"/>
+                </a:highlight>
+              </a:rPr>
+              <a:t>Shemot</a:t>
+            </a:r>
+            <a:endParaRPr lang="en-US" sz="1800" dirty="0">
+              <a:highlight>
+                <a:srgbClr val="FFFF00"/>
+              </a:highlight>
+            </a:endParaRPr>
+          </a:p>
+          <a:p>
+            <a:r>
+              <a:rPr lang="en-US" sz="1800" dirty="0" err="1">
+                <a:highlight>
+                  <a:srgbClr val="FFFF00"/>
+                </a:highlight>
+              </a:rPr>
+              <a:t>Hw</a:t>
+            </a:r>
+            <a:endParaRPr lang="en-US" sz="1800" dirty="0">
+              <a:highlight>
+                <a:srgbClr val="FFFF00"/>
+              </a:highlight>
+            </a:endParaRPr>
+          </a:p>
+          <a:p>
+            <a:r>
+              <a:rPr lang="en-US" sz="1800" dirty="0">
+                <a:highlight>
+                  <a:srgbClr val="FFFF00"/>
+                </a:highlight>
+              </a:rPr>
+              <a:t>refs</a:t>
+            </a:r>
+          </a:p>
+          <a:p>
+            <a:r>
+              <a:rPr lang="en-US" sz="1800" dirty="0" err="1"/>
+              <a:t>useEffect</a:t>
+            </a:r>
+            <a:endParaRPr lang="en-US" sz="1800" dirty="0"/>
+          </a:p>
+          <a:p>
+            <a:r>
+              <a:rPr lang="en-US" sz="1800" dirty="0" err="1"/>
+              <a:t>axios</a:t>
+            </a:r>
+            <a:endParaRPr lang="en-US" sz="1800" dirty="0"/>
+          </a:p>
+        </p:txBody>
+      </p:sp>
+    </p:spTree>
+    <p:extLst>
+      <p:ext uri="{BB962C8B-B14F-4D97-AF65-F5344CB8AC3E}">
+        <p14:creationId xmlns:p14="http://schemas.microsoft.com/office/powerpoint/2010/main" val="3653625772"/>
+      </p:ext>
+    </p:extLst>
+  </p:cSld>
+  <p:clrMapOvr>
+    <a:masterClrMapping/>
+  </p:clrMapOvr>
+</p:sld>
+</file>
+
+<file path=ppt/slides/slide26.xml><?xml version="1.0" encoding="utf-8"?>
+<p:sld xmlns:a="http://schemas.openxmlformats.org/drawingml/2006/main" xmlns:r="http://schemas.openxmlformats.org/officeDocument/2006/relationships" xmlns:p="http://schemas.openxmlformats.org/presentationml/2006/main">
+  <p:cSld>
+    <p:spTree>
+      <p:nvGrpSpPr>
+        <p:cNvPr id="1" name=""/>
+        <p:cNvGrpSpPr/>
+        <p:nvPr/>
+      </p:nvGrpSpPr>
+      <p:grpSpPr>
+        <a:xfrm>
+          <a:off x="0" y="0"/>
+          <a:ext cx="0" cy="0"/>
+          <a:chOff x="0" y="0"/>
+          <a:chExt cx="0" cy="0"/>
+        </a:xfrm>
+      </p:grpSpPr>
+      <p:sp>
+        <p:nvSpPr>
+          <p:cNvPr id="2" name="Title 1">
+            <a:extLst>
+              <a:ext uri="{FF2B5EF4-FFF2-40B4-BE49-F238E27FC236}">
+                <a16:creationId xmlns:a16="http://schemas.microsoft.com/office/drawing/2014/main" id="{8A56E29C-09F7-B711-591E-BDC97066A449}"/>
+              </a:ext>
+            </a:extLst>
+          </p:cNvPr>
+          <p:cNvSpPr>
+            <a:spLocks noGrp="1"/>
+          </p:cNvSpPr>
+          <p:nvPr>
+            <p:ph type="title"/>
+          </p:nvPr>
+        </p:nvSpPr>
+        <p:spPr/>
+        <p:txBody>
+          <a:bodyPr/>
+          <a:lstStyle/>
+          <a:p>
+            <a:r>
+              <a:rPr lang="en-US" dirty="0"/>
+              <a:t>Refs</a:t>
+            </a:r>
+          </a:p>
+        </p:txBody>
+      </p:sp>
+      <p:sp>
+        <p:nvSpPr>
+          <p:cNvPr id="3" name="Content Placeholder 2">
+            <a:extLst>
+              <a:ext uri="{FF2B5EF4-FFF2-40B4-BE49-F238E27FC236}">
+                <a16:creationId xmlns:a16="http://schemas.microsoft.com/office/drawing/2014/main" id="{4D96329F-70CA-D930-B844-FB5264890AD1}"/>
+              </a:ext>
+            </a:extLst>
+          </p:cNvPr>
+          <p:cNvSpPr>
+            <a:spLocks noGrp="1"/>
+          </p:cNvSpPr>
+          <p:nvPr>
+            <p:ph idx="1"/>
+          </p:nvPr>
+        </p:nvSpPr>
+        <p:spPr/>
+        <p:txBody>
+          <a:bodyPr>
+            <a:normAutofit/>
+          </a:bodyPr>
+          <a:lstStyle/>
+          <a:p>
+            <a:r>
+              <a:rPr lang="en-US" sz="1800" dirty="0"/>
+              <a:t>Refs is hook that allows us to controls elements like we did in </a:t>
+            </a:r>
+            <a:r>
+              <a:rPr lang="en-US" sz="1800" dirty="0" err="1"/>
+              <a:t>js</a:t>
+            </a:r>
+            <a:endParaRPr lang="en-US" sz="1800" dirty="0"/>
+          </a:p>
+          <a:p>
+            <a:endParaRPr lang="en-US" sz="1800" dirty="0"/>
+          </a:p>
+          <a:p>
+            <a:r>
+              <a:rPr lang="en-US" sz="1800" dirty="0"/>
+              <a:t>1) import </a:t>
+            </a:r>
+            <a:r>
+              <a:rPr lang="en-US" sz="1800" dirty="0" err="1"/>
+              <a:t>useRef</a:t>
+            </a:r>
+            <a:r>
+              <a:rPr lang="en-US" sz="1800" dirty="0"/>
+              <a:t> from </a:t>
+            </a:r>
+            <a:r>
+              <a:rPr lang="en-US" sz="1800" dirty="0" err="1"/>
+              <a:t>rect</a:t>
+            </a:r>
+            <a:endParaRPr lang="en-US" sz="1800" dirty="0"/>
+          </a:p>
+          <a:p>
+            <a:r>
+              <a:rPr lang="en-US" sz="1800" dirty="0"/>
+              <a:t>2) const </a:t>
+            </a:r>
+            <a:r>
+              <a:rPr lang="en-US" sz="1800" dirty="0" err="1"/>
+              <a:t>itemsDiv</a:t>
+            </a:r>
+            <a:r>
+              <a:rPr lang="en-US" sz="1800" dirty="0"/>
+              <a:t> = </a:t>
+            </a:r>
+            <a:r>
+              <a:rPr lang="en-US" sz="1800" dirty="0" err="1"/>
+              <a:t>useRef</a:t>
+            </a:r>
+            <a:r>
+              <a:rPr lang="en-US" sz="1800" dirty="0"/>
+              <a:t>();</a:t>
+            </a:r>
+          </a:p>
+          <a:p>
+            <a:r>
+              <a:rPr lang="en-US" sz="1800" dirty="0"/>
+              <a:t>3) in the element that we want to control add </a:t>
+            </a:r>
+          </a:p>
+          <a:p>
+            <a:pPr marL="0" indent="0">
+              <a:buNone/>
+            </a:pPr>
+            <a:r>
+              <a:rPr lang="en-US" sz="1800" dirty="0"/>
+              <a:t>&lt;div </a:t>
+            </a:r>
+            <a:r>
+              <a:rPr lang="en-US" sz="1800" dirty="0" err="1"/>
+              <a:t>className</a:t>
+            </a:r>
+            <a:r>
+              <a:rPr lang="en-US" sz="1800" dirty="0"/>
+              <a:t>="items-wrapper-</a:t>
+            </a:r>
+            <a:r>
+              <a:rPr lang="en-US" sz="1800" dirty="0" err="1"/>
+              <a:t>imgs</a:t>
+            </a:r>
+            <a:r>
+              <a:rPr lang="en-US" sz="1800" dirty="0"/>
+              <a:t>" </a:t>
+            </a:r>
+            <a:r>
+              <a:rPr lang="en-US" sz="1800" dirty="0">
+                <a:highlight>
+                  <a:srgbClr val="FFFF00"/>
+                </a:highlight>
+              </a:rPr>
+              <a:t>ref={</a:t>
+            </a:r>
+            <a:r>
+              <a:rPr lang="en-US" sz="1800" dirty="0" err="1">
+                <a:highlight>
+                  <a:srgbClr val="FFFF00"/>
+                </a:highlight>
+              </a:rPr>
+              <a:t>itemsDiv</a:t>
+            </a:r>
+            <a:r>
+              <a:rPr lang="en-US" sz="1800" dirty="0">
+                <a:highlight>
+                  <a:srgbClr val="FFFF00"/>
+                </a:highlight>
+              </a:rPr>
+              <a:t>}</a:t>
+            </a:r>
+            <a:r>
+              <a:rPr lang="en-US" sz="1800" dirty="0"/>
+              <a:t>&gt;</a:t>
+            </a:r>
+          </a:p>
+        </p:txBody>
+      </p:sp>
+    </p:spTree>
+    <p:extLst>
+      <p:ext uri="{BB962C8B-B14F-4D97-AF65-F5344CB8AC3E}">
+        <p14:creationId xmlns:p14="http://schemas.microsoft.com/office/powerpoint/2010/main" val="1738377692"/>
+      </p:ext>
+    </p:extLst>
+  </p:cSld>
+  <p:clrMapOvr>
+    <a:masterClrMapping/>
+  </p:clrMapOvr>
+</p:sld>
+</file>
+
+<file path=ppt/slides/slide27.xml><?xml version="1.0" encoding="utf-8"?>
+<p:sld xmlns:a="http://schemas.openxmlformats.org/drawingml/2006/main" xmlns:r="http://schemas.openxmlformats.org/officeDocument/2006/relationships" xmlns:p="http://schemas.openxmlformats.org/presentationml/2006/main">
+  <p:cSld>
+    <p:spTree>
+      <p:nvGrpSpPr>
+        <p:cNvPr id="1" name=""/>
+        <p:cNvGrpSpPr/>
+        <p:nvPr/>
+      </p:nvGrpSpPr>
+      <p:grpSpPr>
+        <a:xfrm>
+          <a:off x="0" y="0"/>
+          <a:ext cx="0" cy="0"/>
+          <a:chOff x="0" y="0"/>
+          <a:chExt cx="0" cy="0"/>
+        </a:xfrm>
+      </p:grpSpPr>
+      <p:sp>
+        <p:nvSpPr>
+          <p:cNvPr id="2" name="Title 1">
+            <a:extLst>
+              <a:ext uri="{FF2B5EF4-FFF2-40B4-BE49-F238E27FC236}">
+                <a16:creationId xmlns:a16="http://schemas.microsoft.com/office/drawing/2014/main" id="{8A56E29C-09F7-B711-591E-BDC97066A449}"/>
+              </a:ext>
+            </a:extLst>
+          </p:cNvPr>
+          <p:cNvSpPr>
+            <a:spLocks noGrp="1"/>
+          </p:cNvSpPr>
+          <p:nvPr>
+            <p:ph type="title"/>
+          </p:nvPr>
+        </p:nvSpPr>
+        <p:spPr/>
+        <p:txBody>
+          <a:bodyPr/>
+          <a:lstStyle/>
+          <a:p>
+            <a:r>
+              <a:rPr lang="en-US" dirty="0"/>
+              <a:t>Client </a:t>
+            </a:r>
+            <a:r>
+              <a:rPr lang="en-US" dirty="0">
+                <a:sym typeface="Wingdings" panose="05000000000000000000" pitchFamily="2" charset="2"/>
+              </a:rPr>
+              <a:t> Server</a:t>
+            </a:r>
+            <a:endParaRPr lang="en-US" dirty="0"/>
+          </a:p>
+        </p:txBody>
+      </p:sp>
+      <p:pic>
+        <p:nvPicPr>
+          <p:cNvPr id="5" name="Content Placeholder 4">
+            <a:extLst>
+              <a:ext uri="{FF2B5EF4-FFF2-40B4-BE49-F238E27FC236}">
+                <a16:creationId xmlns:a16="http://schemas.microsoft.com/office/drawing/2014/main" id="{88764FB6-1987-6002-0DF1-904894A9237A}"/>
+              </a:ext>
+            </a:extLst>
+          </p:cNvPr>
+          <p:cNvPicPr>
+            <a:picLocks noGrp="1" noChangeAspect="1"/>
+          </p:cNvPicPr>
+          <p:nvPr>
+            <p:ph idx="1"/>
+          </p:nvPr>
+        </p:nvPicPr>
+        <p:blipFill>
+          <a:blip r:embed="rId2"/>
+          <a:stretch>
+            <a:fillRect/>
+          </a:stretch>
+        </p:blipFill>
+        <p:spPr>
+          <a:xfrm>
+            <a:off x="1209427" y="2103438"/>
+            <a:ext cx="9773146" cy="3849687"/>
+          </a:xfrm>
+        </p:spPr>
+      </p:pic>
+    </p:spTree>
+    <p:extLst>
+      <p:ext uri="{BB962C8B-B14F-4D97-AF65-F5344CB8AC3E}">
+        <p14:creationId xmlns:p14="http://schemas.microsoft.com/office/powerpoint/2010/main" val="775424960"/>
+      </p:ext>
+    </p:extLst>
+  </p:cSld>
+  <p:clrMapOvr>
+    <a:masterClrMapping/>
+  </p:clrMapOvr>
+</p:sld>
+</file>
+
+<file path=ppt/slides/slide28.xml><?xml version="1.0" encoding="utf-8"?>
+<p:sld xmlns:a="http://schemas.openxmlformats.org/drawingml/2006/main" xmlns:r="http://schemas.openxmlformats.org/officeDocument/2006/relationships" xmlns:p="http://schemas.openxmlformats.org/presentationml/2006/main">
+  <p:cSld>
+    <p:spTree>
+      <p:nvGrpSpPr>
+        <p:cNvPr id="1" name=""/>
+        <p:cNvGrpSpPr/>
+        <p:nvPr/>
+      </p:nvGrpSpPr>
+      <p:grpSpPr>
+        <a:xfrm>
+          <a:off x="0" y="0"/>
+          <a:ext cx="0" cy="0"/>
+          <a:chOff x="0" y="0"/>
+          <a:chExt cx="0" cy="0"/>
+        </a:xfrm>
+      </p:grpSpPr>
+      <p:sp>
+        <p:nvSpPr>
+          <p:cNvPr id="2" name="Title 1">
+            <a:extLst>
+              <a:ext uri="{FF2B5EF4-FFF2-40B4-BE49-F238E27FC236}">
+                <a16:creationId xmlns:a16="http://schemas.microsoft.com/office/drawing/2014/main" id="{8A56E29C-09F7-B711-591E-BDC97066A449}"/>
+              </a:ext>
+            </a:extLst>
+          </p:cNvPr>
+          <p:cNvSpPr>
+            <a:spLocks noGrp="1"/>
+          </p:cNvSpPr>
+          <p:nvPr>
+            <p:ph type="title"/>
+          </p:nvPr>
+        </p:nvSpPr>
+        <p:spPr/>
+        <p:txBody>
+          <a:bodyPr/>
+          <a:lstStyle/>
+          <a:p>
+            <a:r>
+              <a:rPr lang="en-US" dirty="0" err="1"/>
+              <a:t>Axios</a:t>
+            </a:r>
+            <a:r>
+              <a:rPr lang="en-US" dirty="0"/>
+              <a:t> – why?</a:t>
+            </a:r>
+          </a:p>
+        </p:txBody>
+      </p:sp>
+      <p:sp>
+        <p:nvSpPr>
+          <p:cNvPr id="3" name="Content Placeholder 2">
+            <a:extLst>
+              <a:ext uri="{FF2B5EF4-FFF2-40B4-BE49-F238E27FC236}">
+                <a16:creationId xmlns:a16="http://schemas.microsoft.com/office/drawing/2014/main" id="{4D96329F-70CA-D930-B844-FB5264890AD1}"/>
+              </a:ext>
+            </a:extLst>
+          </p:cNvPr>
+          <p:cNvSpPr>
+            <a:spLocks noGrp="1"/>
+          </p:cNvSpPr>
+          <p:nvPr>
+            <p:ph idx="1"/>
+          </p:nvPr>
+        </p:nvSpPr>
+        <p:spPr/>
+        <p:txBody>
+          <a:bodyPr>
+            <a:normAutofit/>
+          </a:bodyPr>
+          <a:lstStyle/>
+          <a:p>
+            <a:r>
+              <a:rPr lang="en-US" sz="1800" dirty="0"/>
+              <a:t>    Make </a:t>
+            </a:r>
+            <a:r>
+              <a:rPr lang="en-US" sz="1800" dirty="0" err="1"/>
+              <a:t>XMLHttpRequests</a:t>
+            </a:r>
+            <a:r>
+              <a:rPr lang="en-US" sz="1800" dirty="0"/>
+              <a:t> from the browser</a:t>
+            </a:r>
+          </a:p>
+          <a:p>
+            <a:r>
+              <a:rPr lang="en-US" sz="1800" dirty="0"/>
+              <a:t>    Make http requests from node.js</a:t>
+            </a:r>
+          </a:p>
+          <a:p>
+            <a:r>
+              <a:rPr lang="en-US" sz="1800" dirty="0"/>
+              <a:t>    Supports the Promise API</a:t>
+            </a:r>
+          </a:p>
+          <a:p>
+            <a:r>
+              <a:rPr lang="en-US" sz="1800" dirty="0"/>
+              <a:t>    Intercept request and response</a:t>
+            </a:r>
+          </a:p>
+          <a:p>
+            <a:r>
+              <a:rPr lang="en-US" sz="1800" dirty="0"/>
+              <a:t>    Transform request and response data</a:t>
+            </a:r>
+          </a:p>
+          <a:p>
+            <a:r>
+              <a:rPr lang="en-US" sz="1800" dirty="0"/>
+              <a:t>    Cancel requests</a:t>
+            </a:r>
+          </a:p>
+          <a:p>
+            <a:r>
+              <a:rPr lang="en-US" sz="1800" dirty="0"/>
+              <a:t>    Automatic transforms for JSON data</a:t>
+            </a:r>
+          </a:p>
+          <a:p>
+            <a:r>
+              <a:rPr lang="en-US" sz="1800" dirty="0"/>
+              <a:t>    Client side support for protecting against XSRF</a:t>
+            </a:r>
+          </a:p>
+        </p:txBody>
+      </p:sp>
+    </p:spTree>
+    <p:extLst>
+      <p:ext uri="{BB962C8B-B14F-4D97-AF65-F5344CB8AC3E}">
+        <p14:creationId xmlns:p14="http://schemas.microsoft.com/office/powerpoint/2010/main" val="3194857066"/>
+      </p:ext>
+    </p:extLst>
+  </p:cSld>
+  <p:clrMapOvr>
+    <a:masterClrMapping/>
+  </p:clrMapOvr>
+</p:sld>
+</file>
+
+<file path=ppt/slides/slide29.xml><?xml version="1.0" encoding="utf-8"?>
+<p:sld xmlns:a="http://schemas.openxmlformats.org/drawingml/2006/main" xmlns:r="http://schemas.openxmlformats.org/officeDocument/2006/relationships" xmlns:p="http://schemas.openxmlformats.org/presentationml/2006/main">
+  <p:cSld>
+    <p:spTree>
+      <p:nvGrpSpPr>
+        <p:cNvPr id="1" name=""/>
+        <p:cNvGrpSpPr/>
+        <p:nvPr/>
+      </p:nvGrpSpPr>
+      <p:grpSpPr>
+        <a:xfrm>
+          <a:off x="0" y="0"/>
+          <a:ext cx="0" cy="0"/>
+          <a:chOff x="0" y="0"/>
+          <a:chExt cx="0" cy="0"/>
+        </a:xfrm>
+      </p:grpSpPr>
+      <p:sp>
+        <p:nvSpPr>
+          <p:cNvPr id="2" name="Title 1">
+            <a:extLst>
+              <a:ext uri="{FF2B5EF4-FFF2-40B4-BE49-F238E27FC236}">
+                <a16:creationId xmlns:a16="http://schemas.microsoft.com/office/drawing/2014/main" id="{8A56E29C-09F7-B711-591E-BDC97066A449}"/>
+              </a:ext>
+            </a:extLst>
+          </p:cNvPr>
+          <p:cNvSpPr>
+            <a:spLocks noGrp="1"/>
+          </p:cNvSpPr>
+          <p:nvPr>
+            <p:ph type="title"/>
+          </p:nvPr>
+        </p:nvSpPr>
+        <p:spPr/>
+        <p:txBody>
+          <a:bodyPr/>
+          <a:lstStyle/>
+          <a:p>
+            <a:r>
+              <a:rPr lang="en-US" dirty="0" err="1"/>
+              <a:t>Axios</a:t>
+            </a:r>
+            <a:r>
+              <a:rPr lang="en-US" dirty="0"/>
+              <a:t> – React</a:t>
+            </a:r>
+          </a:p>
+        </p:txBody>
+      </p:sp>
+      <p:sp>
+        <p:nvSpPr>
+          <p:cNvPr id="3" name="Content Placeholder 2">
+            <a:extLst>
+              <a:ext uri="{FF2B5EF4-FFF2-40B4-BE49-F238E27FC236}">
+                <a16:creationId xmlns:a16="http://schemas.microsoft.com/office/drawing/2014/main" id="{4D96329F-70CA-D930-B844-FB5264890AD1}"/>
+              </a:ext>
+            </a:extLst>
+          </p:cNvPr>
+          <p:cNvSpPr>
+            <a:spLocks noGrp="1"/>
+          </p:cNvSpPr>
+          <p:nvPr>
+            <p:ph idx="1"/>
+          </p:nvPr>
+        </p:nvSpPr>
+        <p:spPr/>
+        <p:txBody>
+          <a:bodyPr>
+            <a:normAutofit/>
+          </a:bodyPr>
+          <a:lstStyle/>
+          <a:p>
+            <a:r>
+              <a:rPr lang="en-US" sz="1800" dirty="0"/>
+              <a:t>First we need to install </a:t>
+            </a:r>
+            <a:r>
+              <a:rPr lang="en-US" sz="1800" dirty="0" err="1"/>
+              <a:t>axios</a:t>
+            </a:r>
+            <a:endParaRPr lang="en-US" sz="1800" dirty="0"/>
+          </a:p>
+          <a:p>
+            <a:r>
+              <a:rPr lang="en-US" sz="1800" dirty="0" err="1"/>
+              <a:t>npm</a:t>
+            </a:r>
+            <a:r>
+              <a:rPr lang="en-US" sz="1800" dirty="0"/>
+              <a:t> </a:t>
+            </a:r>
+            <a:r>
+              <a:rPr lang="en-US" sz="1800" dirty="0" err="1"/>
+              <a:t>i</a:t>
+            </a:r>
+            <a:r>
+              <a:rPr lang="en-US" sz="1800" dirty="0"/>
+              <a:t> </a:t>
+            </a:r>
+            <a:r>
+              <a:rPr lang="en-US" sz="1800" dirty="0" err="1"/>
+              <a:t>axios</a:t>
+            </a:r>
+            <a:endParaRPr lang="en-US" sz="1800" dirty="0"/>
+          </a:p>
+          <a:p>
+            <a:endParaRPr lang="en-US" sz="1800" dirty="0"/>
+          </a:p>
+          <a:p>
+            <a:r>
+              <a:rPr lang="en-US" sz="1800" dirty="0"/>
+              <a:t>then we need to import </a:t>
+            </a:r>
+            <a:r>
+              <a:rPr lang="en-US" sz="1800" dirty="0" err="1"/>
+              <a:t>axios</a:t>
+            </a:r>
+            <a:r>
+              <a:rPr lang="en-US" sz="1800" dirty="0"/>
+              <a:t> to our component</a:t>
+            </a:r>
+          </a:p>
+          <a:p>
+            <a:r>
+              <a:rPr lang="en-US" sz="1800" dirty="0"/>
+              <a:t>import </a:t>
+            </a:r>
+            <a:r>
+              <a:rPr lang="en-US" sz="1800" dirty="0" err="1"/>
+              <a:t>axios</a:t>
+            </a:r>
+            <a:r>
+              <a:rPr lang="en-US" sz="1800" dirty="0"/>
+              <a:t> from "</a:t>
+            </a:r>
+            <a:r>
+              <a:rPr lang="en-US" sz="1800" dirty="0" err="1"/>
+              <a:t>axios</a:t>
+            </a:r>
+            <a:r>
+              <a:rPr lang="en-US" sz="1800" dirty="0"/>
+              <a:t>";</a:t>
+            </a:r>
+          </a:p>
+        </p:txBody>
+      </p:sp>
+    </p:spTree>
+    <p:extLst>
+      <p:ext uri="{BB962C8B-B14F-4D97-AF65-F5344CB8AC3E}">
+        <p14:creationId xmlns:p14="http://schemas.microsoft.com/office/powerpoint/2010/main" val="2892325302"/>
       </p:ext>
     </p:extLst>
   </p:cSld>
@@ -7428,6 +8157,171 @@
     <p:extLst>
       <p:ext uri="{BB962C8B-B14F-4D97-AF65-F5344CB8AC3E}">
         <p14:creationId xmlns:p14="http://schemas.microsoft.com/office/powerpoint/2010/main" val="3087205449"/>
+      </p:ext>
+    </p:extLst>
+  </p:cSld>
+  <p:clrMapOvr>
+    <a:masterClrMapping/>
+  </p:clrMapOvr>
+</p:sld>
+</file>
+
+<file path=ppt/slides/slide30.xml><?xml version="1.0" encoding="utf-8"?>
+<p:sld xmlns:a="http://schemas.openxmlformats.org/drawingml/2006/main" xmlns:r="http://schemas.openxmlformats.org/officeDocument/2006/relationships" xmlns:p="http://schemas.openxmlformats.org/presentationml/2006/main">
+  <p:cSld>
+    <p:spTree>
+      <p:nvGrpSpPr>
+        <p:cNvPr id="1" name=""/>
+        <p:cNvGrpSpPr/>
+        <p:nvPr/>
+      </p:nvGrpSpPr>
+      <p:grpSpPr>
+        <a:xfrm>
+          <a:off x="0" y="0"/>
+          <a:ext cx="0" cy="0"/>
+          <a:chOff x="0" y="0"/>
+          <a:chExt cx="0" cy="0"/>
+        </a:xfrm>
+      </p:grpSpPr>
+      <p:sp>
+        <p:nvSpPr>
+          <p:cNvPr id="2" name="Title 1">
+            <a:extLst>
+              <a:ext uri="{FF2B5EF4-FFF2-40B4-BE49-F238E27FC236}">
+                <a16:creationId xmlns:a16="http://schemas.microsoft.com/office/drawing/2014/main" id="{8A56E29C-09F7-B711-591E-BDC97066A449}"/>
+              </a:ext>
+            </a:extLst>
+          </p:cNvPr>
+          <p:cNvSpPr>
+            <a:spLocks noGrp="1"/>
+          </p:cNvSpPr>
+          <p:nvPr>
+            <p:ph type="title"/>
+          </p:nvPr>
+        </p:nvSpPr>
+        <p:spPr/>
+        <p:txBody>
+          <a:bodyPr/>
+          <a:lstStyle/>
+          <a:p>
+            <a:r>
+              <a:rPr lang="en-US" dirty="0" err="1"/>
+              <a:t>Axios</a:t>
+            </a:r>
+            <a:r>
+              <a:rPr lang="en-US" dirty="0"/>
+              <a:t> – get</a:t>
+            </a:r>
+          </a:p>
+        </p:txBody>
+      </p:sp>
+      <p:sp>
+        <p:nvSpPr>
+          <p:cNvPr id="3" name="Content Placeholder 2">
+            <a:extLst>
+              <a:ext uri="{FF2B5EF4-FFF2-40B4-BE49-F238E27FC236}">
+                <a16:creationId xmlns:a16="http://schemas.microsoft.com/office/drawing/2014/main" id="{4D96329F-70CA-D930-B844-FB5264890AD1}"/>
+              </a:ext>
+            </a:extLst>
+          </p:cNvPr>
+          <p:cNvSpPr>
+            <a:spLocks noGrp="1"/>
+          </p:cNvSpPr>
+          <p:nvPr>
+            <p:ph idx="1"/>
+          </p:nvPr>
+        </p:nvSpPr>
+        <p:spPr/>
+        <p:txBody>
+          <a:bodyPr>
+            <a:normAutofit/>
+          </a:bodyPr>
+          <a:lstStyle/>
+          <a:p>
+            <a:r>
+              <a:rPr lang="en-US" sz="1800" dirty="0"/>
+              <a:t>send get request</a:t>
+            </a:r>
+          </a:p>
+          <a:p>
+            <a:r>
+              <a:rPr lang="en-US" sz="1800" dirty="0" err="1"/>
+              <a:t>axios</a:t>
+            </a:r>
+            <a:endParaRPr lang="en-US" sz="1800" dirty="0"/>
+          </a:p>
+          <a:p>
+            <a:r>
+              <a:rPr lang="en-US" sz="1800" dirty="0"/>
+              <a:t>      .</a:t>
+            </a:r>
+            <a:r>
+              <a:rPr lang="en-US" sz="1800" dirty="0">
+                <a:highlight>
+                  <a:srgbClr val="FFFF00"/>
+                </a:highlight>
+              </a:rPr>
+              <a:t>get</a:t>
+            </a:r>
+            <a:r>
+              <a:rPr lang="en-US" sz="1800" dirty="0"/>
+              <a:t>("https://jsonplaceholder.typicode.com/posts")</a:t>
+            </a:r>
+          </a:p>
+          <a:p>
+            <a:r>
+              <a:rPr lang="en-US" sz="1800" dirty="0"/>
+              <a:t>      .then((data) =&gt; {</a:t>
+            </a:r>
+          </a:p>
+          <a:p>
+            <a:r>
+              <a:rPr lang="en-US" sz="1800" dirty="0"/>
+              <a:t>        console.log("data from </a:t>
+            </a:r>
+            <a:r>
+              <a:rPr lang="en-US" sz="1800" dirty="0" err="1"/>
+              <a:t>axios</a:t>
+            </a:r>
+            <a:r>
+              <a:rPr lang="en-US" sz="1800" dirty="0"/>
+              <a:t>", </a:t>
+            </a:r>
+            <a:r>
+              <a:rPr lang="en-US" sz="1800" dirty="0" err="1"/>
+              <a:t>data.data</a:t>
+            </a:r>
+            <a:r>
+              <a:rPr lang="en-US" sz="1800" dirty="0"/>
+              <a:t>);</a:t>
+            </a:r>
+          </a:p>
+          <a:p>
+            <a:r>
+              <a:rPr lang="en-US" sz="1800" dirty="0"/>
+              <a:t>      })</a:t>
+            </a:r>
+          </a:p>
+          <a:p>
+            <a:r>
+              <a:rPr lang="en-US" sz="1800" dirty="0"/>
+              <a:t>      .catch((err) =&gt; console.log("</a:t>
+            </a:r>
+            <a:r>
+              <a:rPr lang="en-US" sz="1800" dirty="0" err="1"/>
+              <a:t>errr</a:t>
+            </a:r>
+            <a:r>
+              <a:rPr lang="en-US" sz="1800" dirty="0"/>
+              <a:t>", err));</a:t>
+            </a:r>
+          </a:p>
+        </p:txBody>
+      </p:sp>
+    </p:spTree>
+    <p:extLst>
+      <p:ext uri="{BB962C8B-B14F-4D97-AF65-F5344CB8AC3E}">
+        <p14:creationId xmlns:p14="http://schemas.microsoft.com/office/powerpoint/2010/main" val="4271854919"/>
       </p:ext>
     </p:extLst>
   </p:cSld>
@@ -8859,6 +9753,15 @@
 </file>
 
 <file path=customXml/item2.xml><?xml version="1.0" encoding="utf-8"?>
+<p:properties xmlns:p="http://schemas.microsoft.com/office/2006/metadata/properties" xmlns:xsi="http://www.w3.org/2001/XMLSchema-instance" xmlns:pc="http://schemas.microsoft.com/office/infopath/2007/PartnerControls">
+  <documentManagement>
+    <Status xmlns="71af3243-3dd4-4a8d-8c0d-dd76da1f02a5">Not started</Status>
+    <MediaServiceKeyPoints xmlns="71af3243-3dd4-4a8d-8c0d-dd76da1f02a5" xsi:nil="true"/>
+  </documentManagement>
+</p:properties>
+</file>
+
+<file path=customXml/item3.xml><?xml version="1.0" encoding="utf-8"?>
 <ct:contentTypeSchema xmlns:ct="http://schemas.microsoft.com/office/2006/metadata/contentType" xmlns:ma="http://schemas.microsoft.com/office/2006/metadata/properties/metaAttributes" ct:_="" ma:_="" ma:contentTypeName="Document" ma:contentTypeID="0x01010079F111ED35F8CC479449609E8A0923A6" ma:contentTypeVersion="12" ma:contentTypeDescription="Create a new document." ma:contentTypeScope="" ma:versionID="a410dd7f93c95333ffa1b60ed6adedd1">
   <xsd:schema xmlns:xsd="http://www.w3.org/2001/XMLSchema" xmlns:xs="http://www.w3.org/2001/XMLSchema" xmlns:p="http://schemas.microsoft.com/office/2006/metadata/properties" xmlns:ns2="71af3243-3dd4-4a8d-8c0d-dd76da1f02a5" xmlns:ns3="16c05727-aa75-4e4a-9b5f-8a80a1165891" targetNamespace="http://schemas.microsoft.com/office/2006/metadata/properties" ma:root="true" ma:fieldsID="a936d9baba76aa3866493feff160faab" ns2:_="" ns3:_="">
     <xsd:import namespace="71af3243-3dd4-4a8d-8c0d-dd76da1f02a5"/>
@@ -9079,15 +9982,6 @@
 </ct:contentTypeSchema>
 </file>
 
-<file path=customXml/item3.xml><?xml version="1.0" encoding="utf-8"?>
-<p:properties xmlns:p="http://schemas.microsoft.com/office/2006/metadata/properties" xmlns:xsi="http://www.w3.org/2001/XMLSchema-instance" xmlns:pc="http://schemas.microsoft.com/office/infopath/2007/PartnerControls">
-  <documentManagement>
-    <Status xmlns="71af3243-3dd4-4a8d-8c0d-dd76da1f02a5">Not started</Status>
-    <MediaServiceKeyPoints xmlns="71af3243-3dd4-4a8d-8c0d-dd76da1f02a5" xsi:nil="true"/>
-  </documentManagement>
-</p:properties>
-</file>
-
 <file path=customXml/itemProps1.xml><?xml version="1.0" encoding="utf-8"?>
 <ds:datastoreItem xmlns:ds="http://schemas.openxmlformats.org/officeDocument/2006/customXml" ds:itemID="{1259D436-C82E-43E0-8A01-53DF9CED6032}">
   <ds:schemaRefs>
@@ -9097,6 +9991,16 @@
 </file>
 
 <file path=customXml/itemProps2.xml><?xml version="1.0" encoding="utf-8"?>
+<ds:datastoreItem xmlns:ds="http://schemas.openxmlformats.org/officeDocument/2006/customXml" ds:itemID="{946BCBFB-BBC7-42F1-95CD-058E172363A0}">
+  <ds:schemaRefs>
+    <ds:schemaRef ds:uri="http://schemas.microsoft.com/office/2006/metadata/properties"/>
+    <ds:schemaRef ds:uri="http://schemas.microsoft.com/office/infopath/2007/PartnerControls"/>
+    <ds:schemaRef ds:uri="71af3243-3dd4-4a8d-8c0d-dd76da1f02a5"/>
+  </ds:schemaRefs>
+</ds:datastoreItem>
+</file>
+
+<file path=customXml/itemProps3.xml><?xml version="1.0" encoding="utf-8"?>
 <ds:datastoreItem xmlns:ds="http://schemas.openxmlformats.org/officeDocument/2006/customXml" ds:itemID="{1F91CDEB-92ED-41DC-BF33-2916A7687628}">
   <ds:schemaRefs>
     <ds:schemaRef ds:uri="http://schemas.microsoft.com/office/2006/metadata/contentType"/>
@@ -9113,14 +10017,4 @@
     <ds:schemaRef ds:uri="http://schemas.microsoft.com/internal/obd"/>
   </ds:schemaRefs>
 </ds:datastoreItem>
-</file>
-
-<file path=customXml/itemProps3.xml><?xml version="1.0" encoding="utf-8"?>
-<ds:datastoreItem xmlns:ds="http://schemas.openxmlformats.org/officeDocument/2006/customXml" ds:itemID="{946BCBFB-BBC7-42F1-95CD-058E172363A0}">
-  <ds:schemaRefs>
-    <ds:schemaRef ds:uri="http://schemas.microsoft.com/office/2006/metadata/properties"/>
-    <ds:schemaRef ds:uri="http://schemas.microsoft.com/office/infopath/2007/PartnerControls"/>
-    <ds:schemaRef ds:uri="71af3243-3dd4-4a8d-8c0d-dd76da1f02a5"/>
-  </ds:schemaRefs>
-</ds:datastoreItem>
 </file>
--- a/docs/React.pptx
+++ b/docs/React.pptx
@@ -5,7 +5,7 @@
     <p:sldMasterId id="2147483660" r:id="rId4"/>
   </p:sldMasterIdLst>
   <p:notesMasterIdLst>
-    <p:notesMasterId r:id="rId35"/>
+    <p:notesMasterId r:id="rId37"/>
   </p:notesMasterIdLst>
   <p:sldIdLst>
     <p:sldId id="264" r:id="rId5"/>
@@ -38,6 +38,8 @@
     <p:sldId id="339" r:id="rId32"/>
     <p:sldId id="340" r:id="rId33"/>
     <p:sldId id="341" r:id="rId34"/>
+    <p:sldId id="342" r:id="rId35"/>
+    <p:sldId id="343" r:id="rId36"/>
   </p:sldIdLst>
   <p:sldSz cx="12192000" cy="6858000"/>
   <p:notesSz cx="6858000" cy="9144000"/>
@@ -226,7 +228,7 @@
           <a:p>
             <a:fld id="{CC6DBDFE-DD3D-4291-A404-1B97A83A6EA8}" type="datetimeFigureOut">
               <a:rPr lang="en-US" smtClean="0"/>
-              <a:t>27/06/2022</a:t>
+              <a:t>29/06/2022</a:t>
             </a:fld>
             <a:endParaRPr lang="en-US" dirty="0"/>
           </a:p>
@@ -1106,7 +1108,7 @@
           <a:p>
             <a:fld id="{EA0C0817-A112-4847-8014-A94B7D2A4EA3}" type="datetime1">
               <a:rPr lang="en-US" smtClean="0"/>
-              <a:t>27/06/2022</a:t>
+              <a:t>29/06/2022</a:t>
             </a:fld>
             <a:endParaRPr lang="en-US" dirty="0"/>
           </a:p>
@@ -1308,7 +1310,7 @@
           <a:p>
             <a:fld id="{7332B432-ACDA-4023-A761-2BAB76577B62}" type="datetime1">
               <a:rPr lang="en-US" smtClean="0"/>
-              <a:t>27/06/2022</a:t>
+              <a:t>29/06/2022</a:t>
             </a:fld>
             <a:endParaRPr lang="en-US" dirty="0"/>
           </a:p>
@@ -1907,7 +1909,7 @@
           <a:p>
             <a:fld id="{D9C646AA-F36E-4540-911D-FFFC0A0EF24A}" type="datetime1">
               <a:rPr lang="en-US" smtClean="0"/>
-              <a:t>27/06/2022</a:t>
+              <a:t>29/06/2022</a:t>
             </a:fld>
             <a:endParaRPr lang="en-US" dirty="0"/>
           </a:p>
@@ -2227,7 +2229,7 @@
           <a:p>
             <a:fld id="{69186D26-FA5F-4637-B602-B7C2DC34CFD4}" type="datetime1">
               <a:rPr lang="en-US" smtClean="0"/>
-              <a:t>27/06/2022</a:t>
+              <a:t>29/06/2022</a:t>
             </a:fld>
             <a:endParaRPr lang="en-US" dirty="0"/>
           </a:p>
@@ -2664,7 +2666,7 @@
           <a:p>
             <a:fld id="{8A7F15D8-96D1-4781-BC50-CA8A088B2FE4}" type="datetime1">
               <a:rPr lang="en-US" smtClean="0"/>
-              <a:t>27/06/2022</a:t>
+              <a:t>29/06/2022</a:t>
             </a:fld>
             <a:endParaRPr lang="en-US" dirty="0"/>
           </a:p>
@@ -2782,7 +2784,7 @@
           <a:p>
             <a:fld id="{F9A96C99-B8F8-4528-BD05-0E16E943DC09}" type="datetime1">
               <a:rPr lang="en-US" smtClean="0"/>
-              <a:t>27/06/2022</a:t>
+              <a:t>29/06/2022</a:t>
             </a:fld>
             <a:endParaRPr lang="en-US" dirty="0"/>
           </a:p>
@@ -2877,7 +2879,7 @@
           <a:p>
             <a:fld id="{03636942-C211-4B28-8DBD-C953E00AF71B}" type="datetime1">
               <a:rPr lang="en-US" smtClean="0"/>
-              <a:t>27/06/2022</a:t>
+              <a:t>29/06/2022</a:t>
             </a:fld>
             <a:endParaRPr lang="en-US" dirty="0"/>
           </a:p>
@@ -3294,7 +3296,7 @@
           <a:p>
             <a:fld id="{7E8D12A6-918A-48BD-8CB9-CA713993B0EA}" type="datetime1">
               <a:rPr lang="en-US" smtClean="0"/>
-              <a:t>27/06/2022</a:t>
+              <a:t>29/06/2022</a:t>
             </a:fld>
             <a:endParaRPr lang="en-US" dirty="0"/>
           </a:p>
@@ -3556,7 +3558,7 @@
             <a:fld id="{E778CE86-875F-4587-BCF6-FA054AFC0D53}" type="datetime1">
               <a:rPr lang="en-US" smtClean="0"/>
               <a:pPr/>
-              <a:t>27/06/2022</a:t>
+              <a:t>29/06/2022</a:t>
             </a:fld>
             <a:endParaRPr lang="en-US" dirty="0"/>
           </a:p>
@@ -4072,7 +4074,7 @@
           <a:p>
             <a:fld id="{F6FA2B21-3FCD-4721-B95C-427943F61125}" type="datetime1">
               <a:rPr lang="en-US" smtClean="0"/>
-              <a:t>27/06/2022</a:t>
+              <a:t>29/06/2022</a:t>
             </a:fld>
             <a:endParaRPr lang="en-US" dirty="0"/>
           </a:p>
@@ -8322,6 +8324,202 @@
     <p:extLst>
       <p:ext uri="{BB962C8B-B14F-4D97-AF65-F5344CB8AC3E}">
         <p14:creationId xmlns:p14="http://schemas.microsoft.com/office/powerpoint/2010/main" val="4271854919"/>
+      </p:ext>
+    </p:extLst>
+  </p:cSld>
+  <p:clrMapOvr>
+    <a:masterClrMapping/>
+  </p:clrMapOvr>
+</p:sld>
+</file>
+
+<file path=ppt/slides/slide31.xml><?xml version="1.0" encoding="utf-8"?>
+<p:sld xmlns:a="http://schemas.openxmlformats.org/drawingml/2006/main" xmlns:r="http://schemas.openxmlformats.org/officeDocument/2006/relationships" xmlns:p="http://schemas.openxmlformats.org/presentationml/2006/main">
+  <p:cSld>
+    <p:spTree>
+      <p:nvGrpSpPr>
+        <p:cNvPr id="1" name=""/>
+        <p:cNvGrpSpPr/>
+        <p:nvPr/>
+      </p:nvGrpSpPr>
+      <p:grpSpPr>
+        <a:xfrm>
+          <a:off x="0" y="0"/>
+          <a:ext cx="0" cy="0"/>
+          <a:chOff x="0" y="0"/>
+          <a:chExt cx="0" cy="0"/>
+        </a:xfrm>
+      </p:grpSpPr>
+      <p:sp>
+        <p:nvSpPr>
+          <p:cNvPr id="2" name="Title 1">
+            <a:extLst>
+              <a:ext uri="{FF2B5EF4-FFF2-40B4-BE49-F238E27FC236}">
+                <a16:creationId xmlns:a16="http://schemas.microsoft.com/office/drawing/2014/main" id="{8A56E29C-09F7-B711-591E-BDC97066A449}"/>
+              </a:ext>
+            </a:extLst>
+          </p:cNvPr>
+          <p:cNvSpPr>
+            <a:spLocks noGrp="1"/>
+          </p:cNvSpPr>
+          <p:nvPr>
+            <p:ph type="title"/>
+          </p:nvPr>
+        </p:nvSpPr>
+        <p:spPr/>
+        <p:txBody>
+          <a:bodyPr/>
+          <a:lstStyle/>
+          <a:p>
+            <a:r>
+              <a:rPr lang="en-US" dirty="0"/>
+              <a:t>HW</a:t>
+            </a:r>
+          </a:p>
+        </p:txBody>
+      </p:sp>
+      <p:sp>
+        <p:nvSpPr>
+          <p:cNvPr id="3" name="Content Placeholder 2">
+            <a:extLst>
+              <a:ext uri="{FF2B5EF4-FFF2-40B4-BE49-F238E27FC236}">
+                <a16:creationId xmlns:a16="http://schemas.microsoft.com/office/drawing/2014/main" id="{4D96329F-70CA-D930-B844-FB5264890AD1}"/>
+              </a:ext>
+            </a:extLst>
+          </p:cNvPr>
+          <p:cNvSpPr>
+            <a:spLocks noGrp="1"/>
+          </p:cNvSpPr>
+          <p:nvPr>
+            <p:ph idx="1"/>
+          </p:nvPr>
+        </p:nvSpPr>
+        <p:spPr/>
+        <p:txBody>
+          <a:bodyPr>
+            <a:normAutofit/>
+          </a:bodyPr>
+          <a:lstStyle/>
+          <a:p>
+            <a:r>
+              <a:rPr lang="en-US" sz="1800" dirty="0"/>
+              <a:t>create login with </a:t>
+            </a:r>
+            <a:r>
+              <a:rPr lang="en-US" sz="1800"/>
+              <a:t>axios</a:t>
+            </a:r>
+            <a:endParaRPr lang="en-US" sz="1800" dirty="0"/>
+          </a:p>
+        </p:txBody>
+      </p:sp>
+    </p:spTree>
+    <p:extLst>
+      <p:ext uri="{BB962C8B-B14F-4D97-AF65-F5344CB8AC3E}">
+        <p14:creationId xmlns:p14="http://schemas.microsoft.com/office/powerpoint/2010/main" val="1894372643"/>
+      </p:ext>
+    </p:extLst>
+  </p:cSld>
+  <p:clrMapOvr>
+    <a:masterClrMapping/>
+  </p:clrMapOvr>
+</p:sld>
+</file>
+
+<file path=ppt/slides/slide32.xml><?xml version="1.0" encoding="utf-8"?>
+<p:sld xmlns:a="http://schemas.openxmlformats.org/drawingml/2006/main" xmlns:r="http://schemas.openxmlformats.org/officeDocument/2006/relationships" xmlns:p="http://schemas.openxmlformats.org/presentationml/2006/main">
+  <p:cSld>
+    <p:spTree>
+      <p:nvGrpSpPr>
+        <p:cNvPr id="1" name=""/>
+        <p:cNvGrpSpPr/>
+        <p:nvPr/>
+      </p:nvGrpSpPr>
+      <p:grpSpPr>
+        <a:xfrm>
+          <a:off x="0" y="0"/>
+          <a:ext cx="0" cy="0"/>
+          <a:chOff x="0" y="0"/>
+          <a:chExt cx="0" cy="0"/>
+        </a:xfrm>
+      </p:grpSpPr>
+      <p:sp>
+        <p:nvSpPr>
+          <p:cNvPr id="2" name="Title 1">
+            <a:extLst>
+              <a:ext uri="{FF2B5EF4-FFF2-40B4-BE49-F238E27FC236}">
+                <a16:creationId xmlns:a16="http://schemas.microsoft.com/office/drawing/2014/main" id="{8A56E29C-09F7-B711-591E-BDC97066A449}"/>
+              </a:ext>
+            </a:extLst>
+          </p:cNvPr>
+          <p:cNvSpPr>
+            <a:spLocks noGrp="1"/>
+          </p:cNvSpPr>
+          <p:nvPr>
+            <p:ph type="title"/>
+          </p:nvPr>
+        </p:nvSpPr>
+        <p:spPr/>
+        <p:txBody>
+          <a:bodyPr/>
+          <a:lstStyle/>
+          <a:p>
+            <a:r>
+              <a:rPr lang="en-US" dirty="0"/>
+              <a:t>29/06/2022</a:t>
+            </a:r>
+          </a:p>
+        </p:txBody>
+      </p:sp>
+      <p:sp>
+        <p:nvSpPr>
+          <p:cNvPr id="3" name="Content Placeholder 2">
+            <a:extLst>
+              <a:ext uri="{FF2B5EF4-FFF2-40B4-BE49-F238E27FC236}">
+                <a16:creationId xmlns:a16="http://schemas.microsoft.com/office/drawing/2014/main" id="{4D96329F-70CA-D930-B844-FB5264890AD1}"/>
+              </a:ext>
+            </a:extLst>
+          </p:cNvPr>
+          <p:cNvSpPr>
+            <a:spLocks noGrp="1"/>
+          </p:cNvSpPr>
+          <p:nvPr>
+            <p:ph idx="1"/>
+          </p:nvPr>
+        </p:nvSpPr>
+        <p:spPr/>
+        <p:txBody>
+          <a:bodyPr>
+            <a:normAutofit/>
+          </a:bodyPr>
+          <a:lstStyle/>
+          <a:p>
+            <a:r>
+              <a:rPr lang="en-US" sz="1800" dirty="0" err="1"/>
+              <a:t>hw</a:t>
+            </a:r>
+            <a:endParaRPr lang="en-US" sz="1800" dirty="0"/>
+          </a:p>
+          <a:p>
+            <a:r>
+              <a:rPr lang="en-US" sz="1800" dirty="0" err="1"/>
+              <a:t>axios</a:t>
+            </a:r>
+            <a:endParaRPr lang="en-US" sz="1800" dirty="0"/>
+          </a:p>
+          <a:p>
+            <a:r>
+              <a:rPr lang="en-US" sz="1800" dirty="0" err="1"/>
+              <a:t>joi</a:t>
+            </a:r>
+            <a:endParaRPr lang="en-US" sz="1800" dirty="0"/>
+          </a:p>
+        </p:txBody>
+      </p:sp>
+    </p:spTree>
+    <p:extLst>
+      <p:ext uri="{BB962C8B-B14F-4D97-AF65-F5344CB8AC3E}">
+        <p14:creationId xmlns:p14="http://schemas.microsoft.com/office/powerpoint/2010/main" val="1142904699"/>
       </p:ext>
     </p:extLst>
   </p:cSld>
@@ -9753,15 +9951,6 @@
 </file>
 
 <file path=customXml/item2.xml><?xml version="1.0" encoding="utf-8"?>
-<p:properties xmlns:p="http://schemas.microsoft.com/office/2006/metadata/properties" xmlns:xsi="http://www.w3.org/2001/XMLSchema-instance" xmlns:pc="http://schemas.microsoft.com/office/infopath/2007/PartnerControls">
-  <documentManagement>
-    <Status xmlns="71af3243-3dd4-4a8d-8c0d-dd76da1f02a5">Not started</Status>
-    <MediaServiceKeyPoints xmlns="71af3243-3dd4-4a8d-8c0d-dd76da1f02a5" xsi:nil="true"/>
-  </documentManagement>
-</p:properties>
-</file>
-
-<file path=customXml/item3.xml><?xml version="1.0" encoding="utf-8"?>
 <ct:contentTypeSchema xmlns:ct="http://schemas.microsoft.com/office/2006/metadata/contentType" xmlns:ma="http://schemas.microsoft.com/office/2006/metadata/properties/metaAttributes" ct:_="" ma:_="" ma:contentTypeName="Document" ma:contentTypeID="0x01010079F111ED35F8CC479449609E8A0923A6" ma:contentTypeVersion="12" ma:contentTypeDescription="Create a new document." ma:contentTypeScope="" ma:versionID="a410dd7f93c95333ffa1b60ed6adedd1">
   <xsd:schema xmlns:xsd="http://www.w3.org/2001/XMLSchema" xmlns:xs="http://www.w3.org/2001/XMLSchema" xmlns:p="http://schemas.microsoft.com/office/2006/metadata/properties" xmlns:ns2="71af3243-3dd4-4a8d-8c0d-dd76da1f02a5" xmlns:ns3="16c05727-aa75-4e4a-9b5f-8a80a1165891" targetNamespace="http://schemas.microsoft.com/office/2006/metadata/properties" ma:root="true" ma:fieldsID="a936d9baba76aa3866493feff160faab" ns2:_="" ns3:_="">
     <xsd:import namespace="71af3243-3dd4-4a8d-8c0d-dd76da1f02a5"/>
@@ -9982,6 +10171,15 @@
 </ct:contentTypeSchema>
 </file>
 
+<file path=customXml/item3.xml><?xml version="1.0" encoding="utf-8"?>
+<p:properties xmlns:p="http://schemas.microsoft.com/office/2006/metadata/properties" xmlns:xsi="http://www.w3.org/2001/XMLSchema-instance" xmlns:pc="http://schemas.microsoft.com/office/infopath/2007/PartnerControls">
+  <documentManagement>
+    <Status xmlns="71af3243-3dd4-4a8d-8c0d-dd76da1f02a5">Not started</Status>
+    <MediaServiceKeyPoints xmlns="71af3243-3dd4-4a8d-8c0d-dd76da1f02a5" xsi:nil="true"/>
+  </documentManagement>
+</p:properties>
+</file>
+
 <file path=customXml/itemProps1.xml><?xml version="1.0" encoding="utf-8"?>
 <ds:datastoreItem xmlns:ds="http://schemas.openxmlformats.org/officeDocument/2006/customXml" ds:itemID="{1259D436-C82E-43E0-8A01-53DF9CED6032}">
   <ds:schemaRefs>
@@ -9991,16 +10189,6 @@
 </file>
 
 <file path=customXml/itemProps2.xml><?xml version="1.0" encoding="utf-8"?>
-<ds:datastoreItem xmlns:ds="http://schemas.openxmlformats.org/officeDocument/2006/customXml" ds:itemID="{946BCBFB-BBC7-42F1-95CD-058E172363A0}">
-  <ds:schemaRefs>
-    <ds:schemaRef ds:uri="http://schemas.microsoft.com/office/2006/metadata/properties"/>
-    <ds:schemaRef ds:uri="http://schemas.microsoft.com/office/infopath/2007/PartnerControls"/>
-    <ds:schemaRef ds:uri="71af3243-3dd4-4a8d-8c0d-dd76da1f02a5"/>
-  </ds:schemaRefs>
-</ds:datastoreItem>
-</file>
-
-<file path=customXml/itemProps3.xml><?xml version="1.0" encoding="utf-8"?>
 <ds:datastoreItem xmlns:ds="http://schemas.openxmlformats.org/officeDocument/2006/customXml" ds:itemID="{1F91CDEB-92ED-41DC-BF33-2916A7687628}">
   <ds:schemaRefs>
     <ds:schemaRef ds:uri="http://schemas.microsoft.com/office/2006/metadata/contentType"/>
@@ -10017,4 +10205,14 @@
     <ds:schemaRef ds:uri="http://schemas.microsoft.com/internal/obd"/>
   </ds:schemaRefs>
 </ds:datastoreItem>
+</file>
+
+<file path=customXml/itemProps3.xml><?xml version="1.0" encoding="utf-8"?>
+<ds:datastoreItem xmlns:ds="http://schemas.openxmlformats.org/officeDocument/2006/customXml" ds:itemID="{946BCBFB-BBC7-42F1-95CD-058E172363A0}">
+  <ds:schemaRefs>
+    <ds:schemaRef ds:uri="http://schemas.microsoft.com/office/2006/metadata/properties"/>
+    <ds:schemaRef ds:uri="http://schemas.microsoft.com/office/infopath/2007/PartnerControls"/>
+    <ds:schemaRef ds:uri="71af3243-3dd4-4a8d-8c0d-dd76da1f02a5"/>
+  </ds:schemaRefs>
+</ds:datastoreItem>
 </file>
--- a/docs/React.pptx
+++ b/docs/React.pptx
@@ -5,7 +5,7 @@
     <p:sldMasterId id="2147483660" r:id="rId4"/>
   </p:sldMasterIdLst>
   <p:notesMasterIdLst>
-    <p:notesMasterId r:id="rId37"/>
+    <p:notesMasterId r:id="rId41"/>
   </p:notesMasterIdLst>
   <p:sldIdLst>
     <p:sldId id="264" r:id="rId5"/>
@@ -40,6 +40,10 @@
     <p:sldId id="341" r:id="rId34"/>
     <p:sldId id="342" r:id="rId35"/>
     <p:sldId id="343" r:id="rId36"/>
+    <p:sldId id="344" r:id="rId37"/>
+    <p:sldId id="345" r:id="rId38"/>
+    <p:sldId id="346" r:id="rId39"/>
+    <p:sldId id="347" r:id="rId40"/>
   </p:sldIdLst>
   <p:sldSz cx="12192000" cy="6858000"/>
   <p:notesSz cx="6858000" cy="9144000"/>
@@ -8520,6 +8524,638 @@
     <p:extLst>
       <p:ext uri="{BB962C8B-B14F-4D97-AF65-F5344CB8AC3E}">
         <p14:creationId xmlns:p14="http://schemas.microsoft.com/office/powerpoint/2010/main" val="1142904699"/>
+      </p:ext>
+    </p:extLst>
+  </p:cSld>
+  <p:clrMapOvr>
+    <a:masterClrMapping/>
+  </p:clrMapOvr>
+</p:sld>
+</file>
+
+<file path=ppt/slides/slide33.xml><?xml version="1.0" encoding="utf-8"?>
+<p:sld xmlns:a="http://schemas.openxmlformats.org/drawingml/2006/main" xmlns:r="http://schemas.openxmlformats.org/officeDocument/2006/relationships" xmlns:p="http://schemas.openxmlformats.org/presentationml/2006/main">
+  <p:cSld>
+    <p:spTree>
+      <p:nvGrpSpPr>
+        <p:cNvPr id="1" name=""/>
+        <p:cNvGrpSpPr/>
+        <p:nvPr/>
+      </p:nvGrpSpPr>
+      <p:grpSpPr>
+        <a:xfrm>
+          <a:off x="0" y="0"/>
+          <a:ext cx="0" cy="0"/>
+          <a:chOff x="0" y="0"/>
+          <a:chExt cx="0" cy="0"/>
+        </a:xfrm>
+      </p:grpSpPr>
+      <p:sp>
+        <p:nvSpPr>
+          <p:cNvPr id="2" name="Title 1">
+            <a:extLst>
+              <a:ext uri="{FF2B5EF4-FFF2-40B4-BE49-F238E27FC236}">
+                <a16:creationId xmlns:a16="http://schemas.microsoft.com/office/drawing/2014/main" id="{8A56E29C-09F7-B711-591E-BDC97066A449}"/>
+              </a:ext>
+            </a:extLst>
+          </p:cNvPr>
+          <p:cNvSpPr>
+            <a:spLocks noGrp="1"/>
+          </p:cNvSpPr>
+          <p:nvPr>
+            <p:ph type="title"/>
+          </p:nvPr>
+        </p:nvSpPr>
+        <p:spPr/>
+        <p:txBody>
+          <a:bodyPr/>
+          <a:lstStyle/>
+          <a:p>
+            <a:r>
+              <a:rPr lang="en-US" dirty="0" err="1"/>
+              <a:t>LocalStorage</a:t>
+            </a:r>
+            <a:endParaRPr lang="en-US" dirty="0"/>
+          </a:p>
+        </p:txBody>
+      </p:sp>
+      <p:sp>
+        <p:nvSpPr>
+          <p:cNvPr id="3" name="Content Placeholder 2">
+            <a:extLst>
+              <a:ext uri="{FF2B5EF4-FFF2-40B4-BE49-F238E27FC236}">
+                <a16:creationId xmlns:a16="http://schemas.microsoft.com/office/drawing/2014/main" id="{4D96329F-70CA-D930-B844-FB5264890AD1}"/>
+              </a:ext>
+            </a:extLst>
+          </p:cNvPr>
+          <p:cNvSpPr>
+            <a:spLocks noGrp="1"/>
+          </p:cNvSpPr>
+          <p:nvPr>
+            <p:ph idx="1"/>
+          </p:nvPr>
+        </p:nvSpPr>
+        <p:spPr/>
+        <p:txBody>
+          <a:bodyPr>
+            <a:normAutofit/>
+          </a:bodyPr>
+          <a:lstStyle/>
+          <a:p>
+            <a:r>
+              <a:rPr lang="en-US" sz="1800" dirty="0" err="1"/>
+              <a:t>localStorage</a:t>
+            </a:r>
+            <a:r>
+              <a:rPr lang="en-US" sz="1800" dirty="0"/>
+              <a:t> is building in mini database in the browser</a:t>
+            </a:r>
+          </a:p>
+          <a:p>
+            <a:r>
+              <a:rPr lang="en-US" sz="1800" dirty="0"/>
+              <a:t>can save only string!</a:t>
+            </a:r>
+          </a:p>
+          <a:p>
+            <a:endParaRPr lang="en-US" sz="1800" dirty="0"/>
+          </a:p>
+          <a:p>
+            <a:r>
+              <a:rPr lang="en-US" sz="1800" dirty="0"/>
+              <a:t>to store new record use this command</a:t>
+            </a:r>
+          </a:p>
+          <a:p>
+            <a:r>
+              <a:rPr lang="nl-NL" sz="1800" dirty="0"/>
+              <a:t>localStorage.setItem(“key", “value”);</a:t>
+            </a:r>
+            <a:endParaRPr lang="en-US" sz="1800" dirty="0"/>
+          </a:p>
+        </p:txBody>
+      </p:sp>
+    </p:spTree>
+    <p:extLst>
+      <p:ext uri="{BB962C8B-B14F-4D97-AF65-F5344CB8AC3E}">
+        <p14:creationId xmlns:p14="http://schemas.microsoft.com/office/powerpoint/2010/main" val="2471302677"/>
+      </p:ext>
+    </p:extLst>
+  </p:cSld>
+  <p:clrMapOvr>
+    <a:masterClrMapping/>
+  </p:clrMapOvr>
+</p:sld>
+</file>
+
+<file path=ppt/slides/slide34.xml><?xml version="1.0" encoding="utf-8"?>
+<p:sld xmlns:a="http://schemas.openxmlformats.org/drawingml/2006/main" xmlns:r="http://schemas.openxmlformats.org/officeDocument/2006/relationships" xmlns:p="http://schemas.openxmlformats.org/presentationml/2006/main">
+  <p:cSld>
+    <p:spTree>
+      <p:nvGrpSpPr>
+        <p:cNvPr id="1" name=""/>
+        <p:cNvGrpSpPr/>
+        <p:nvPr/>
+      </p:nvGrpSpPr>
+      <p:grpSpPr>
+        <a:xfrm>
+          <a:off x="0" y="0"/>
+          <a:ext cx="0" cy="0"/>
+          <a:chOff x="0" y="0"/>
+          <a:chExt cx="0" cy="0"/>
+        </a:xfrm>
+      </p:grpSpPr>
+      <p:sp>
+        <p:nvSpPr>
+          <p:cNvPr id="2" name="Title 1">
+            <a:extLst>
+              <a:ext uri="{FF2B5EF4-FFF2-40B4-BE49-F238E27FC236}">
+                <a16:creationId xmlns:a16="http://schemas.microsoft.com/office/drawing/2014/main" id="{8A56E29C-09F7-B711-591E-BDC97066A449}"/>
+              </a:ext>
+            </a:extLst>
+          </p:cNvPr>
+          <p:cNvSpPr>
+            <a:spLocks noGrp="1"/>
+          </p:cNvSpPr>
+          <p:nvPr>
+            <p:ph type="title"/>
+          </p:nvPr>
+        </p:nvSpPr>
+        <p:spPr/>
+        <p:txBody>
+          <a:bodyPr/>
+          <a:lstStyle/>
+          <a:p>
+            <a:r>
+              <a:rPr lang="en-US" dirty="0" err="1"/>
+              <a:t>axios</a:t>
+            </a:r>
+            <a:r>
+              <a:rPr lang="en-US" dirty="0"/>
+              <a:t> - </a:t>
+            </a:r>
+            <a:r>
+              <a:rPr lang="en-US" dirty="0" err="1"/>
+              <a:t>baseUrl</a:t>
+            </a:r>
+            <a:endParaRPr lang="en-US" dirty="0"/>
+          </a:p>
+        </p:txBody>
+      </p:sp>
+      <p:sp>
+        <p:nvSpPr>
+          <p:cNvPr id="3" name="Content Placeholder 2">
+            <a:extLst>
+              <a:ext uri="{FF2B5EF4-FFF2-40B4-BE49-F238E27FC236}">
+                <a16:creationId xmlns:a16="http://schemas.microsoft.com/office/drawing/2014/main" id="{4D96329F-70CA-D930-B844-FB5264890AD1}"/>
+              </a:ext>
+            </a:extLst>
+          </p:cNvPr>
+          <p:cNvSpPr>
+            <a:spLocks noGrp="1"/>
+          </p:cNvSpPr>
+          <p:nvPr>
+            <p:ph idx="1"/>
+          </p:nvPr>
+        </p:nvSpPr>
+        <p:spPr/>
+        <p:txBody>
+          <a:bodyPr>
+            <a:normAutofit/>
+          </a:bodyPr>
+          <a:lstStyle/>
+          <a:p>
+            <a:r>
+              <a:rPr lang="en-US" sz="1800" dirty="0" err="1"/>
+              <a:t>axios</a:t>
+            </a:r>
+            <a:r>
+              <a:rPr lang="en-US" sz="1800" dirty="0"/>
+              <a:t> gives us the option to add base </a:t>
+            </a:r>
+            <a:r>
+              <a:rPr lang="en-US" sz="1800" dirty="0" err="1"/>
+              <a:t>url</a:t>
+            </a:r>
+            <a:endParaRPr lang="en-US" sz="1800" dirty="0"/>
+          </a:p>
+          <a:p>
+            <a:endParaRPr lang="en-US" sz="1800" dirty="0"/>
+          </a:p>
+          <a:p>
+            <a:r>
+              <a:rPr lang="en-US" sz="1800" dirty="0"/>
+              <a:t>in index.js file</a:t>
+            </a:r>
+          </a:p>
+          <a:p>
+            <a:endParaRPr lang="en-US" sz="1800" dirty="0"/>
+          </a:p>
+          <a:p>
+            <a:r>
+              <a:rPr lang="en-US" sz="1800" dirty="0"/>
+              <a:t>import </a:t>
+            </a:r>
+            <a:r>
+              <a:rPr lang="en-US" sz="1800" dirty="0" err="1"/>
+              <a:t>axios</a:t>
+            </a:r>
+            <a:r>
+              <a:rPr lang="en-US" sz="1800" dirty="0"/>
+              <a:t> from "</a:t>
+            </a:r>
+            <a:r>
+              <a:rPr lang="en-US" sz="1800" dirty="0" err="1"/>
+              <a:t>axios</a:t>
+            </a:r>
+            <a:r>
+              <a:rPr lang="en-US" sz="1800" dirty="0"/>
+              <a:t>";</a:t>
+            </a:r>
+          </a:p>
+          <a:p>
+            <a:endParaRPr lang="en-US" sz="1800" dirty="0"/>
+          </a:p>
+          <a:p>
+            <a:r>
+              <a:rPr lang="en-US" sz="1800" dirty="0"/>
+              <a:t>//add this </a:t>
+            </a:r>
+            <a:r>
+              <a:rPr lang="en-US" sz="1800" dirty="0" err="1"/>
+              <a:t>url</a:t>
+            </a:r>
+            <a:r>
+              <a:rPr lang="en-US" sz="1800" dirty="0"/>
+              <a:t> before every </a:t>
+            </a:r>
+            <a:r>
+              <a:rPr lang="en-US" sz="1800" dirty="0" err="1"/>
+              <a:t>axios</a:t>
+            </a:r>
+            <a:r>
+              <a:rPr lang="en-US" sz="1800" dirty="0"/>
+              <a:t> request</a:t>
+            </a:r>
+          </a:p>
+          <a:p>
+            <a:r>
+              <a:rPr lang="en-US" sz="1800" dirty="0"/>
+              <a:t>//if the </a:t>
+            </a:r>
+            <a:r>
+              <a:rPr lang="en-US" sz="1800" dirty="0" err="1"/>
+              <a:t>url</a:t>
+            </a:r>
+            <a:r>
+              <a:rPr lang="en-US" sz="1800" dirty="0"/>
+              <a:t> is relative - then </a:t>
+            </a:r>
+            <a:r>
+              <a:rPr lang="en-US" sz="1800" dirty="0" err="1"/>
+              <a:t>axios</a:t>
+            </a:r>
+            <a:r>
+              <a:rPr lang="en-US" sz="1800" dirty="0"/>
+              <a:t> will ignore this </a:t>
+            </a:r>
+            <a:r>
+              <a:rPr lang="en-US" sz="1800" dirty="0" err="1"/>
+              <a:t>url</a:t>
+            </a:r>
+            <a:endParaRPr lang="en-US" sz="1800" dirty="0"/>
+          </a:p>
+          <a:p>
+            <a:r>
+              <a:rPr lang="en-US" sz="1800" dirty="0" err="1"/>
+              <a:t>axios.defaults.baseURL</a:t>
+            </a:r>
+            <a:r>
+              <a:rPr lang="en-US" sz="1800" dirty="0"/>
+              <a:t> = "http://localhost:3001/</a:t>
+            </a:r>
+            <a:r>
+              <a:rPr lang="en-US" sz="1800" dirty="0" err="1"/>
+              <a:t>api</a:t>
+            </a:r>
+            <a:r>
+              <a:rPr lang="en-US" sz="1800" dirty="0"/>
+              <a:t>";</a:t>
+            </a:r>
+          </a:p>
+        </p:txBody>
+      </p:sp>
+    </p:spTree>
+    <p:extLst>
+      <p:ext uri="{BB962C8B-B14F-4D97-AF65-F5344CB8AC3E}">
+        <p14:creationId xmlns:p14="http://schemas.microsoft.com/office/powerpoint/2010/main" val="1883709554"/>
+      </p:ext>
+    </p:extLst>
+  </p:cSld>
+  <p:clrMapOvr>
+    <a:masterClrMapping/>
+  </p:clrMapOvr>
+</p:sld>
+</file>
+
+<file path=ppt/slides/slide35.xml><?xml version="1.0" encoding="utf-8"?>
+<p:sld xmlns:a="http://schemas.openxmlformats.org/drawingml/2006/main" xmlns:r="http://schemas.openxmlformats.org/officeDocument/2006/relationships" xmlns:p="http://schemas.openxmlformats.org/presentationml/2006/main">
+  <p:cSld>
+    <p:spTree>
+      <p:nvGrpSpPr>
+        <p:cNvPr id="1" name=""/>
+        <p:cNvGrpSpPr/>
+        <p:nvPr/>
+      </p:nvGrpSpPr>
+      <p:grpSpPr>
+        <a:xfrm>
+          <a:off x="0" y="0"/>
+          <a:ext cx="0" cy="0"/>
+          <a:chOff x="0" y="0"/>
+          <a:chExt cx="0" cy="0"/>
+        </a:xfrm>
+      </p:grpSpPr>
+      <p:sp>
+        <p:nvSpPr>
+          <p:cNvPr id="2" name="Title 1">
+            <a:extLst>
+              <a:ext uri="{FF2B5EF4-FFF2-40B4-BE49-F238E27FC236}">
+                <a16:creationId xmlns:a16="http://schemas.microsoft.com/office/drawing/2014/main" id="{8A56E29C-09F7-B711-591E-BDC97066A449}"/>
+              </a:ext>
+            </a:extLst>
+          </p:cNvPr>
+          <p:cNvSpPr>
+            <a:spLocks noGrp="1"/>
+          </p:cNvSpPr>
+          <p:nvPr>
+            <p:ph type="title"/>
+          </p:nvPr>
+        </p:nvSpPr>
+        <p:spPr/>
+        <p:txBody>
+          <a:bodyPr/>
+          <a:lstStyle/>
+          <a:p>
+            <a:r>
+              <a:rPr lang="en-US" dirty="0" err="1"/>
+              <a:t>axios</a:t>
+            </a:r>
+            <a:r>
+              <a:rPr lang="en-US" dirty="0"/>
+              <a:t> - interceptors</a:t>
+            </a:r>
+          </a:p>
+        </p:txBody>
+      </p:sp>
+      <p:sp>
+        <p:nvSpPr>
+          <p:cNvPr id="3" name="Content Placeholder 2">
+            <a:extLst>
+              <a:ext uri="{FF2B5EF4-FFF2-40B4-BE49-F238E27FC236}">
+                <a16:creationId xmlns:a16="http://schemas.microsoft.com/office/drawing/2014/main" id="{4D96329F-70CA-D930-B844-FB5264890AD1}"/>
+              </a:ext>
+            </a:extLst>
+          </p:cNvPr>
+          <p:cNvSpPr>
+            <a:spLocks noGrp="1"/>
+          </p:cNvSpPr>
+          <p:nvPr>
+            <p:ph idx="1"/>
+          </p:nvPr>
+        </p:nvSpPr>
+        <p:spPr/>
+        <p:txBody>
+          <a:bodyPr>
+            <a:normAutofit/>
+          </a:bodyPr>
+          <a:lstStyle/>
+          <a:p>
+            <a:r>
+              <a:rPr lang="en-US" sz="1800" dirty="0" err="1"/>
+              <a:t>axios</a:t>
+            </a:r>
+            <a:r>
+              <a:rPr lang="en-US" sz="1800" dirty="0"/>
+              <a:t> gives us the option to add information to the request</a:t>
+            </a:r>
+          </a:p>
+          <a:p>
+            <a:endParaRPr lang="en-US" sz="1800" dirty="0"/>
+          </a:p>
+          <a:p>
+            <a:r>
+              <a:rPr lang="en-US" sz="1800" dirty="0"/>
+              <a:t>in index.js file</a:t>
+            </a:r>
+          </a:p>
+          <a:p>
+            <a:endParaRPr lang="en-US" sz="1800" dirty="0"/>
+          </a:p>
+          <a:p>
+            <a:r>
+              <a:rPr lang="en-US" sz="1800" dirty="0"/>
+              <a:t>import </a:t>
+            </a:r>
+            <a:r>
+              <a:rPr lang="en-US" sz="1800" dirty="0" err="1"/>
+              <a:t>axios</a:t>
+            </a:r>
+            <a:r>
+              <a:rPr lang="en-US" sz="1800" dirty="0"/>
+              <a:t> from "</a:t>
+            </a:r>
+            <a:r>
+              <a:rPr lang="en-US" sz="1800" dirty="0" err="1"/>
+              <a:t>axios</a:t>
+            </a:r>
+            <a:r>
+              <a:rPr lang="en-US" sz="1800" dirty="0"/>
+              <a:t>";</a:t>
+            </a:r>
+          </a:p>
+          <a:p>
+            <a:endParaRPr lang="en-US" sz="1800" dirty="0"/>
+          </a:p>
+          <a:p>
+            <a:r>
+              <a:rPr lang="en-US" sz="1800" dirty="0"/>
+              <a:t>then</a:t>
+            </a:r>
+          </a:p>
+        </p:txBody>
+      </p:sp>
+    </p:spTree>
+    <p:extLst>
+      <p:ext uri="{BB962C8B-B14F-4D97-AF65-F5344CB8AC3E}">
+        <p14:creationId xmlns:p14="http://schemas.microsoft.com/office/powerpoint/2010/main" val="2654279483"/>
+      </p:ext>
+    </p:extLst>
+  </p:cSld>
+  <p:clrMapOvr>
+    <a:masterClrMapping/>
+  </p:clrMapOvr>
+</p:sld>
+</file>
+
+<file path=ppt/slides/slide36.xml><?xml version="1.0" encoding="utf-8"?>
+<p:sld xmlns:a="http://schemas.openxmlformats.org/drawingml/2006/main" xmlns:r="http://schemas.openxmlformats.org/officeDocument/2006/relationships" xmlns:p="http://schemas.openxmlformats.org/presentationml/2006/main">
+  <p:cSld>
+    <p:spTree>
+      <p:nvGrpSpPr>
+        <p:cNvPr id="1" name=""/>
+        <p:cNvGrpSpPr/>
+        <p:nvPr/>
+      </p:nvGrpSpPr>
+      <p:grpSpPr>
+        <a:xfrm>
+          <a:off x="0" y="0"/>
+          <a:ext cx="0" cy="0"/>
+          <a:chOff x="0" y="0"/>
+          <a:chExt cx="0" cy="0"/>
+        </a:xfrm>
+      </p:grpSpPr>
+      <p:sp>
+        <p:nvSpPr>
+          <p:cNvPr id="2" name="Title 1">
+            <a:extLst>
+              <a:ext uri="{FF2B5EF4-FFF2-40B4-BE49-F238E27FC236}">
+                <a16:creationId xmlns:a16="http://schemas.microsoft.com/office/drawing/2014/main" id="{8A56E29C-09F7-B711-591E-BDC97066A449}"/>
+              </a:ext>
+            </a:extLst>
+          </p:cNvPr>
+          <p:cNvSpPr>
+            <a:spLocks noGrp="1"/>
+          </p:cNvSpPr>
+          <p:nvPr>
+            <p:ph type="title"/>
+          </p:nvPr>
+        </p:nvSpPr>
+        <p:spPr/>
+        <p:txBody>
+          <a:bodyPr/>
+          <a:lstStyle/>
+          <a:p>
+            <a:r>
+              <a:rPr lang="en-US" dirty="0" err="1"/>
+              <a:t>axios</a:t>
+            </a:r>
+            <a:r>
+              <a:rPr lang="en-US" dirty="0"/>
+              <a:t> - interceptors</a:t>
+            </a:r>
+          </a:p>
+        </p:txBody>
+      </p:sp>
+      <p:sp>
+        <p:nvSpPr>
+          <p:cNvPr id="3" name="Content Placeholder 2">
+            <a:extLst>
+              <a:ext uri="{FF2B5EF4-FFF2-40B4-BE49-F238E27FC236}">
+                <a16:creationId xmlns:a16="http://schemas.microsoft.com/office/drawing/2014/main" id="{4D96329F-70CA-D930-B844-FB5264890AD1}"/>
+              </a:ext>
+            </a:extLst>
+          </p:cNvPr>
+          <p:cNvSpPr>
+            <a:spLocks noGrp="1"/>
+          </p:cNvSpPr>
+          <p:nvPr>
+            <p:ph idx="1"/>
+          </p:nvPr>
+        </p:nvSpPr>
+        <p:spPr/>
+        <p:txBody>
+          <a:bodyPr>
+            <a:normAutofit/>
+          </a:bodyPr>
+          <a:lstStyle/>
+          <a:p>
+            <a:r>
+              <a:rPr lang="en-US" sz="1800" dirty="0" err="1"/>
+              <a:t>axios.interceptors.request.use</a:t>
+            </a:r>
+            <a:r>
+              <a:rPr lang="en-US" sz="1800" dirty="0"/>
+              <a:t>((config) =&gt; {</a:t>
+            </a:r>
+          </a:p>
+          <a:p>
+            <a:r>
+              <a:rPr lang="en-US" sz="1800" dirty="0"/>
+              <a:t>  const token = </a:t>
+            </a:r>
+            <a:r>
+              <a:rPr lang="en-US" sz="1800" dirty="0" err="1"/>
+              <a:t>localStorage.getItem</a:t>
+            </a:r>
+            <a:r>
+              <a:rPr lang="en-US" sz="1800" dirty="0"/>
+              <a:t>("token");</a:t>
+            </a:r>
+          </a:p>
+          <a:p>
+            <a:r>
+              <a:rPr lang="en-US" sz="1800" dirty="0"/>
+              <a:t>  if (token) {</a:t>
+            </a:r>
+          </a:p>
+          <a:p>
+            <a:r>
+              <a:rPr lang="en-US" sz="1800" dirty="0"/>
+              <a:t>    //if token saved in </a:t>
+            </a:r>
+            <a:r>
+              <a:rPr lang="en-US" sz="1800" dirty="0" err="1"/>
+              <a:t>localStorage</a:t>
+            </a:r>
+            <a:r>
+              <a:rPr lang="en-US" sz="1800" dirty="0"/>
+              <a:t> then</a:t>
+            </a:r>
+          </a:p>
+          <a:p>
+            <a:r>
+              <a:rPr lang="en-US" sz="1800" dirty="0"/>
+              <a:t>    //I want to add the token to the header of the request</a:t>
+            </a:r>
+          </a:p>
+          <a:p>
+            <a:r>
+              <a:rPr lang="en-US" sz="1800" dirty="0"/>
+              <a:t>    </a:t>
+            </a:r>
+            <a:r>
+              <a:rPr lang="en-US" sz="1800" dirty="0" err="1"/>
+              <a:t>config.headers</a:t>
+            </a:r>
+            <a:r>
+              <a:rPr lang="en-US" sz="1800" dirty="0"/>
+              <a:t>["x-auth-token"] = token;</a:t>
+            </a:r>
+          </a:p>
+          <a:p>
+            <a:r>
+              <a:rPr lang="en-US" sz="1800" dirty="0"/>
+              <a:t>  }</a:t>
+            </a:r>
+          </a:p>
+          <a:p>
+            <a:r>
+              <a:rPr lang="en-US" sz="1800" dirty="0"/>
+              <a:t>  return config;</a:t>
+            </a:r>
+          </a:p>
+          <a:p>
+            <a:r>
+              <a:rPr lang="en-US" sz="1800" dirty="0"/>
+              <a:t>});</a:t>
+            </a:r>
+          </a:p>
+        </p:txBody>
+      </p:sp>
+    </p:spTree>
+    <p:extLst>
+      <p:ext uri="{BB962C8B-B14F-4D97-AF65-F5344CB8AC3E}">
+        <p14:creationId xmlns:p14="http://schemas.microsoft.com/office/powerpoint/2010/main" val="1261499737"/>
       </p:ext>
     </p:extLst>
   </p:cSld>

--- a/docs/React.pptx
+++ b/docs/React.pptx
@@ -8499,24 +8499,59 @@
           <a:lstStyle/>
           <a:p>
             <a:r>
-              <a:rPr lang="en-US" sz="1800" dirty="0" err="1"/>
+              <a:rPr lang="en-US" sz="1800" dirty="0" err="1">
+                <a:highlight>
+                  <a:srgbClr val="FFFF00"/>
+                </a:highlight>
+              </a:rPr>
               <a:t>hw</a:t>
             </a:r>
-            <a:endParaRPr lang="en-US" sz="1800" dirty="0"/>
-          </a:p>
-          <a:p>
-            <a:r>
-              <a:rPr lang="en-US" sz="1800" dirty="0" err="1"/>
+            <a:endParaRPr lang="en-US" sz="1800" dirty="0">
+              <a:highlight>
+                <a:srgbClr val="FFFF00"/>
+              </a:highlight>
+            </a:endParaRPr>
+          </a:p>
+          <a:p>
+            <a:r>
+              <a:rPr lang="en-US" sz="1800" dirty="0" err="1">
+                <a:highlight>
+                  <a:srgbClr val="FFFF00"/>
+                </a:highlight>
+              </a:rPr>
               <a:t>axios</a:t>
             </a:r>
-            <a:endParaRPr lang="en-US" sz="1800" dirty="0"/>
-          </a:p>
-          <a:p>
-            <a:r>
-              <a:rPr lang="en-US" sz="1800" dirty="0" err="1"/>
+            <a:endParaRPr lang="en-US" sz="1800" dirty="0">
+              <a:highlight>
+                <a:srgbClr val="FFFF00"/>
+              </a:highlight>
+            </a:endParaRPr>
+          </a:p>
+          <a:p>
+            <a:r>
+              <a:rPr lang="en-US" sz="1800" dirty="0" err="1">
+                <a:highlight>
+                  <a:srgbClr val="FFFF00"/>
+                </a:highlight>
+              </a:rPr>
               <a:t>joi</a:t>
             </a:r>
-            <a:endParaRPr lang="en-US" sz="1800" dirty="0"/>
+            <a:r>
+              <a:rPr lang="en-US" sz="1800" dirty="0">
+                <a:highlight>
+                  <a:srgbClr val="FFFF00"/>
+                </a:highlight>
+              </a:rPr>
+              <a:t> - </a:t>
+            </a:r>
+            <a:r>
+              <a:rPr lang="en-US" sz="1800" dirty="0">
+                <a:highlight>
+                  <a:srgbClr val="FF0000"/>
+                </a:highlight>
+              </a:rPr>
+              <a:t>messages</a:t>
+            </a:r>
           </a:p>
         </p:txBody>
       </p:sp>

--- a/docs/React.pptx
+++ b/docs/React.pptx
@@ -5,7 +5,7 @@
     <p:sldMasterId id="2147483660" r:id="rId4"/>
   </p:sldMasterIdLst>
   <p:notesMasterIdLst>
-    <p:notesMasterId r:id="rId41"/>
+    <p:notesMasterId r:id="rId44"/>
   </p:notesMasterIdLst>
   <p:sldIdLst>
     <p:sldId id="264" r:id="rId5"/>
@@ -41,9 +41,12 @@
     <p:sldId id="342" r:id="rId35"/>
     <p:sldId id="343" r:id="rId36"/>
     <p:sldId id="344" r:id="rId37"/>
-    <p:sldId id="345" r:id="rId38"/>
-    <p:sldId id="346" r:id="rId39"/>
-    <p:sldId id="347" r:id="rId40"/>
+    <p:sldId id="348" r:id="rId38"/>
+    <p:sldId id="345" r:id="rId39"/>
+    <p:sldId id="346" r:id="rId40"/>
+    <p:sldId id="347" r:id="rId41"/>
+    <p:sldId id="350" r:id="rId42"/>
+    <p:sldId id="349" r:id="rId43"/>
   </p:sldIdLst>
   <p:sldSz cx="12192000" cy="6858000"/>
   <p:notesSz cx="6858000" cy="9144000"/>
@@ -8723,167 +8726,46 @@
           <a:p>
             <a:r>
               <a:rPr lang="en-US" dirty="0" err="1"/>
-              <a:t>axios</a:t>
-            </a:r>
-            <a:r>
-              <a:rPr lang="en-US" dirty="0"/>
-              <a:t> - </a:t>
-            </a:r>
-            <a:r>
-              <a:rPr lang="en-US" dirty="0" err="1"/>
-              <a:t>baseUrl</a:t>
+              <a:t>LocalStorage</a:t>
             </a:r>
             <a:endParaRPr lang="en-US" dirty="0"/>
           </a:p>
         </p:txBody>
       </p:sp>
-      <p:sp>
-        <p:nvSpPr>
-          <p:cNvPr id="3" name="Content Placeholder 2">
+      <p:pic>
+        <p:nvPicPr>
+          <p:cNvPr id="5" name="Picture 4">
             <a:extLst>
               <a:ext uri="{FF2B5EF4-FFF2-40B4-BE49-F238E27FC236}">
-                <a16:creationId xmlns:a16="http://schemas.microsoft.com/office/drawing/2014/main" id="{4D96329F-70CA-D930-B844-FB5264890AD1}"/>
+                <a16:creationId xmlns:a16="http://schemas.microsoft.com/office/drawing/2014/main" id="{72EFAF0A-29D7-99D6-42EA-7E04F1EB90AF}"/>
               </a:ext>
             </a:extLst>
           </p:cNvPr>
-          <p:cNvSpPr>
-            <a:spLocks noGrp="1"/>
-          </p:cNvSpPr>
-          <p:nvPr>
-            <p:ph idx="1"/>
-          </p:nvPr>
-        </p:nvSpPr>
-        <p:spPr/>
-        <p:txBody>
-          <a:bodyPr>
-            <a:normAutofit/>
-          </a:bodyPr>
-          <a:lstStyle/>
-          <a:p>
-            <a:r>
-              <a:rPr lang="en-US" sz="1800" dirty="0" err="1"/>
-              <a:t>axios</a:t>
-            </a:r>
-            <a:r>
-              <a:rPr lang="en-US" sz="1800" dirty="0"/>
-              <a:t> gives us the option to add base </a:t>
-            </a:r>
-            <a:r>
-              <a:rPr lang="en-US" sz="1800" dirty="0" err="1"/>
-              <a:t>url</a:t>
-            </a:r>
-            <a:endParaRPr lang="en-US" sz="1800" dirty="0"/>
-          </a:p>
-          <a:p>
-            <a:endParaRPr lang="en-US" sz="1800" dirty="0"/>
-          </a:p>
-          <a:p>
-            <a:r>
-              <a:rPr lang="en-US" sz="1800" dirty="0"/>
-              <a:t>in index.js file</a:t>
-            </a:r>
-          </a:p>
-          <a:p>
-            <a:endParaRPr lang="en-US" sz="1800" dirty="0"/>
-          </a:p>
-          <a:p>
-            <a:r>
-              <a:rPr lang="en-US" sz="1800" dirty="0"/>
-              <a:t>import </a:t>
-            </a:r>
-            <a:r>
-              <a:rPr lang="en-US" sz="1800" dirty="0" err="1"/>
-              <a:t>axios</a:t>
-            </a:r>
-            <a:r>
-              <a:rPr lang="en-US" sz="1800" dirty="0"/>
-              <a:t> from "</a:t>
-            </a:r>
-            <a:r>
-              <a:rPr lang="en-US" sz="1800" dirty="0" err="1"/>
-              <a:t>axios</a:t>
-            </a:r>
-            <a:r>
-              <a:rPr lang="en-US" sz="1800" dirty="0"/>
-              <a:t>";</a:t>
-            </a:r>
-          </a:p>
-          <a:p>
-            <a:endParaRPr lang="en-US" sz="1800" dirty="0"/>
-          </a:p>
-          <a:p>
-            <a:r>
-              <a:rPr lang="en-US" sz="1800" dirty="0"/>
-              <a:t>//add this </a:t>
-            </a:r>
-            <a:r>
-              <a:rPr lang="en-US" sz="1800" dirty="0" err="1"/>
-              <a:t>url</a:t>
-            </a:r>
-            <a:r>
-              <a:rPr lang="en-US" sz="1800" dirty="0"/>
-              <a:t> before every </a:t>
-            </a:r>
-            <a:r>
-              <a:rPr lang="en-US" sz="1800" dirty="0" err="1"/>
-              <a:t>axios</a:t>
-            </a:r>
-            <a:r>
-              <a:rPr lang="en-US" sz="1800" dirty="0"/>
-              <a:t> request</a:t>
-            </a:r>
-          </a:p>
-          <a:p>
-            <a:r>
-              <a:rPr lang="en-US" sz="1800" dirty="0"/>
-              <a:t>//if the </a:t>
-            </a:r>
-            <a:r>
-              <a:rPr lang="en-US" sz="1800" dirty="0" err="1"/>
-              <a:t>url</a:t>
-            </a:r>
-            <a:r>
-              <a:rPr lang="en-US" sz="1800" dirty="0"/>
-              <a:t> is relative - then </a:t>
-            </a:r>
-            <a:r>
-              <a:rPr lang="en-US" sz="1800" dirty="0" err="1"/>
-              <a:t>axios</a:t>
-            </a:r>
-            <a:r>
-              <a:rPr lang="en-US" sz="1800" dirty="0"/>
-              <a:t> will ignore this </a:t>
-            </a:r>
-            <a:r>
-              <a:rPr lang="en-US" sz="1800" dirty="0" err="1"/>
-              <a:t>url</a:t>
-            </a:r>
-            <a:endParaRPr lang="en-US" sz="1800" dirty="0"/>
-          </a:p>
-          <a:p>
-            <a:r>
-              <a:rPr lang="en-US" sz="1800" dirty="0" err="1"/>
-              <a:t>axios.defaults.baseURL</a:t>
-            </a:r>
-            <a:r>
-              <a:rPr lang="en-US" sz="1800" dirty="0"/>
-              <a:t> = "http://localhost:3001/</a:t>
-            </a:r>
-            <a:r>
-              <a:rPr lang="en-US" sz="1800" dirty="0" err="1"/>
-              <a:t>api</a:t>
-            </a:r>
-            <a:r>
-              <a:rPr lang="en-US" sz="1800" dirty="0"/>
-              <a:t>";</a:t>
-            </a:r>
-          </a:p>
-        </p:txBody>
-      </p:sp>
+          <p:cNvPicPr>
+            <a:picLocks noChangeAspect="1"/>
+          </p:cNvPicPr>
+          <p:nvPr/>
+        </p:nvPicPr>
+        <p:blipFill>
+          <a:blip r:embed="rId2"/>
+          <a:stretch>
+            <a:fillRect/>
+          </a:stretch>
+        </p:blipFill>
+        <p:spPr>
+          <a:xfrm>
+            <a:off x="2919323" y="1813369"/>
+            <a:ext cx="6629400" cy="4429125"/>
+          </a:xfrm>
+          <a:prstGeom prst="rect">
+            <a:avLst/>
+          </a:prstGeom>
+        </p:spPr>
+      </p:pic>
     </p:spTree>
     <p:extLst>
       <p:ext uri="{BB962C8B-B14F-4D97-AF65-F5344CB8AC3E}">
-        <p14:creationId xmlns:p14="http://schemas.microsoft.com/office/powerpoint/2010/main" val="1883709554"/>
+        <p14:creationId xmlns:p14="http://schemas.microsoft.com/office/powerpoint/2010/main" val="738418266"/>
       </p:ext>
     </p:extLst>
   </p:cSld>
@@ -8937,8 +8819,13 @@
             </a:r>
             <a:r>
               <a:rPr lang="en-US" dirty="0"/>
-              <a:t> - interceptors</a:t>
-            </a:r>
+              <a:t> - </a:t>
+            </a:r>
+            <a:r>
+              <a:rPr lang="en-US" dirty="0" err="1"/>
+              <a:t>baseUrl</a:t>
+            </a:r>
+            <a:endParaRPr lang="en-US" dirty="0"/>
           </a:p>
         </p:txBody>
       </p:sp>
@@ -8971,8 +8858,13 @@
             </a:r>
             <a:r>
               <a:rPr lang="en-US" sz="1800" dirty="0"/>
-              <a:t> gives us the option to add information to the request</a:t>
-            </a:r>
+              <a:t> gives us the option to add base </a:t>
+            </a:r>
+            <a:r>
+              <a:rPr lang="en-US" sz="1800" dirty="0" err="1"/>
+              <a:t>url</a:t>
+            </a:r>
+            <a:endParaRPr lang="en-US" sz="1800" dirty="0"/>
           </a:p>
           <a:p>
             <a:endParaRPr lang="en-US" sz="1800" dirty="0"/>
@@ -9014,7 +8906,68 @@
           <a:p>
             <a:r>
               <a:rPr lang="en-US" sz="1800" dirty="0"/>
-              <a:t>then</a:t>
+              <a:t>//add this </a:t>
+            </a:r>
+            <a:r>
+              <a:rPr lang="en-US" sz="1800" dirty="0" err="1"/>
+              <a:t>url</a:t>
+            </a:r>
+            <a:r>
+              <a:rPr lang="en-US" sz="1800" dirty="0"/>
+              <a:t> before every </a:t>
+            </a:r>
+            <a:r>
+              <a:rPr lang="en-US" sz="1800" dirty="0" err="1"/>
+              <a:t>axios</a:t>
+            </a:r>
+            <a:r>
+              <a:rPr lang="en-US" sz="1800" dirty="0"/>
+              <a:t> request</a:t>
+            </a:r>
+          </a:p>
+          <a:p>
+            <a:r>
+              <a:rPr lang="en-US" sz="1800" dirty="0"/>
+              <a:t>//if the </a:t>
+            </a:r>
+            <a:r>
+              <a:rPr lang="en-US" sz="1800" dirty="0" err="1"/>
+              <a:t>url</a:t>
+            </a:r>
+            <a:r>
+              <a:rPr lang="en-US" sz="1800" dirty="0"/>
+              <a:t> is relative - then </a:t>
+            </a:r>
+            <a:r>
+              <a:rPr lang="en-US" sz="1800" dirty="0" err="1"/>
+              <a:t>axios</a:t>
+            </a:r>
+            <a:r>
+              <a:rPr lang="en-US" sz="1800" dirty="0"/>
+              <a:t> will ignore this </a:t>
+            </a:r>
+            <a:r>
+              <a:rPr lang="en-US" sz="1800" dirty="0" err="1"/>
+              <a:t>url</a:t>
+            </a:r>
+            <a:endParaRPr lang="en-US" sz="1800" dirty="0"/>
+          </a:p>
+          <a:p>
+            <a:r>
+              <a:rPr lang="en-US" sz="1800" dirty="0" err="1"/>
+              <a:t>axios.defaults.baseURL</a:t>
+            </a:r>
+            <a:r>
+              <a:rPr lang="en-US" sz="1800" dirty="0"/>
+              <a:t> = "http://localhost:3001/</a:t>
+            </a:r>
+            <a:r>
+              <a:rPr lang="en-US" sz="1800" dirty="0" err="1"/>
+              <a:t>api</a:t>
+            </a:r>
+            <a:r>
+              <a:rPr lang="en-US" sz="1800" dirty="0"/>
+              <a:t>";</a:t>
             </a:r>
           </a:p>
         </p:txBody>
@@ -9022,7 +8975,7 @@
     </p:spTree>
     <p:extLst>
       <p:ext uri="{BB962C8B-B14F-4D97-AF65-F5344CB8AC3E}">
-        <p14:creationId xmlns:p14="http://schemas.microsoft.com/office/powerpoint/2010/main" val="2654279483"/>
+        <p14:creationId xmlns:p14="http://schemas.microsoft.com/office/powerpoint/2010/main" val="1883709554"/>
       </p:ext>
     </p:extLst>
   </p:cSld>
@@ -9106,6 +9059,145 @@
           <a:p>
             <a:r>
               <a:rPr lang="en-US" sz="1800" dirty="0" err="1"/>
+              <a:t>axios</a:t>
+            </a:r>
+            <a:r>
+              <a:rPr lang="en-US" sz="1800" dirty="0"/>
+              <a:t> gives us the option to add information to the request</a:t>
+            </a:r>
+          </a:p>
+          <a:p>
+            <a:endParaRPr lang="en-US" sz="1800" dirty="0"/>
+          </a:p>
+          <a:p>
+            <a:r>
+              <a:rPr lang="en-US" sz="1800" dirty="0"/>
+              <a:t>in index.js file</a:t>
+            </a:r>
+          </a:p>
+          <a:p>
+            <a:endParaRPr lang="en-US" sz="1800" dirty="0"/>
+          </a:p>
+          <a:p>
+            <a:r>
+              <a:rPr lang="en-US" sz="1800" dirty="0"/>
+              <a:t>import </a:t>
+            </a:r>
+            <a:r>
+              <a:rPr lang="en-US" sz="1800" dirty="0" err="1"/>
+              <a:t>axios</a:t>
+            </a:r>
+            <a:r>
+              <a:rPr lang="en-US" sz="1800" dirty="0"/>
+              <a:t> from "</a:t>
+            </a:r>
+            <a:r>
+              <a:rPr lang="en-US" sz="1800" dirty="0" err="1"/>
+              <a:t>axios</a:t>
+            </a:r>
+            <a:r>
+              <a:rPr lang="en-US" sz="1800" dirty="0"/>
+              <a:t>";</a:t>
+            </a:r>
+          </a:p>
+          <a:p>
+            <a:endParaRPr lang="en-US" sz="1800" dirty="0"/>
+          </a:p>
+          <a:p>
+            <a:r>
+              <a:rPr lang="en-US" sz="1800" dirty="0"/>
+              <a:t>then</a:t>
+            </a:r>
+          </a:p>
+        </p:txBody>
+      </p:sp>
+    </p:spTree>
+    <p:extLst>
+      <p:ext uri="{BB962C8B-B14F-4D97-AF65-F5344CB8AC3E}">
+        <p14:creationId xmlns:p14="http://schemas.microsoft.com/office/powerpoint/2010/main" val="2654279483"/>
+      </p:ext>
+    </p:extLst>
+  </p:cSld>
+  <p:clrMapOvr>
+    <a:masterClrMapping/>
+  </p:clrMapOvr>
+</p:sld>
+</file>
+
+<file path=ppt/slides/slide37.xml><?xml version="1.0" encoding="utf-8"?>
+<p:sld xmlns:a="http://schemas.openxmlformats.org/drawingml/2006/main" xmlns:r="http://schemas.openxmlformats.org/officeDocument/2006/relationships" xmlns:p="http://schemas.openxmlformats.org/presentationml/2006/main">
+  <p:cSld>
+    <p:spTree>
+      <p:nvGrpSpPr>
+        <p:cNvPr id="1" name=""/>
+        <p:cNvGrpSpPr/>
+        <p:nvPr/>
+      </p:nvGrpSpPr>
+      <p:grpSpPr>
+        <a:xfrm>
+          <a:off x="0" y="0"/>
+          <a:ext cx="0" cy="0"/>
+          <a:chOff x="0" y="0"/>
+          <a:chExt cx="0" cy="0"/>
+        </a:xfrm>
+      </p:grpSpPr>
+      <p:sp>
+        <p:nvSpPr>
+          <p:cNvPr id="2" name="Title 1">
+            <a:extLst>
+              <a:ext uri="{FF2B5EF4-FFF2-40B4-BE49-F238E27FC236}">
+                <a16:creationId xmlns:a16="http://schemas.microsoft.com/office/drawing/2014/main" id="{8A56E29C-09F7-B711-591E-BDC97066A449}"/>
+              </a:ext>
+            </a:extLst>
+          </p:cNvPr>
+          <p:cNvSpPr>
+            <a:spLocks noGrp="1"/>
+          </p:cNvSpPr>
+          <p:nvPr>
+            <p:ph type="title"/>
+          </p:nvPr>
+        </p:nvSpPr>
+        <p:spPr/>
+        <p:txBody>
+          <a:bodyPr/>
+          <a:lstStyle/>
+          <a:p>
+            <a:r>
+              <a:rPr lang="en-US" dirty="0" err="1"/>
+              <a:t>axios</a:t>
+            </a:r>
+            <a:r>
+              <a:rPr lang="en-US" dirty="0"/>
+              <a:t> - interceptors</a:t>
+            </a:r>
+          </a:p>
+        </p:txBody>
+      </p:sp>
+      <p:sp>
+        <p:nvSpPr>
+          <p:cNvPr id="3" name="Content Placeholder 2">
+            <a:extLst>
+              <a:ext uri="{FF2B5EF4-FFF2-40B4-BE49-F238E27FC236}">
+                <a16:creationId xmlns:a16="http://schemas.microsoft.com/office/drawing/2014/main" id="{4D96329F-70CA-D930-B844-FB5264890AD1}"/>
+              </a:ext>
+            </a:extLst>
+          </p:cNvPr>
+          <p:cNvSpPr>
+            <a:spLocks noGrp="1"/>
+          </p:cNvSpPr>
+          <p:nvPr>
+            <p:ph idx="1"/>
+          </p:nvPr>
+        </p:nvSpPr>
+        <p:spPr/>
+        <p:txBody>
+          <a:bodyPr>
+            <a:normAutofit/>
+          </a:bodyPr>
+          <a:lstStyle/>
+          <a:p>
+            <a:r>
+              <a:rPr lang="en-US" sz="1800" dirty="0" err="1"/>
               <a:t>axios.interceptors.request.use</a:t>
             </a:r>
             <a:r>
@@ -9191,6 +9283,315 @@
     <p:extLst>
       <p:ext uri="{BB962C8B-B14F-4D97-AF65-F5344CB8AC3E}">
         <p14:creationId xmlns:p14="http://schemas.microsoft.com/office/powerpoint/2010/main" val="1261499737"/>
+      </p:ext>
+    </p:extLst>
+  </p:cSld>
+  <p:clrMapOvr>
+    <a:masterClrMapping/>
+  </p:clrMapOvr>
+</p:sld>
+</file>
+
+<file path=ppt/slides/slide38.xml><?xml version="1.0" encoding="utf-8"?>
+<p:sld xmlns:a="http://schemas.openxmlformats.org/drawingml/2006/main" xmlns:r="http://schemas.openxmlformats.org/officeDocument/2006/relationships" xmlns:p="http://schemas.openxmlformats.org/presentationml/2006/main">
+  <p:cSld>
+    <p:spTree>
+      <p:nvGrpSpPr>
+        <p:cNvPr id="1" name=""/>
+        <p:cNvGrpSpPr/>
+        <p:nvPr/>
+      </p:nvGrpSpPr>
+      <p:grpSpPr>
+        <a:xfrm>
+          <a:off x="0" y="0"/>
+          <a:ext cx="0" cy="0"/>
+          <a:chOff x="0" y="0"/>
+          <a:chExt cx="0" cy="0"/>
+        </a:xfrm>
+      </p:grpSpPr>
+      <p:sp>
+        <p:nvSpPr>
+          <p:cNvPr id="2" name="Title 1">
+            <a:extLst>
+              <a:ext uri="{FF2B5EF4-FFF2-40B4-BE49-F238E27FC236}">
+                <a16:creationId xmlns:a16="http://schemas.microsoft.com/office/drawing/2014/main" id="{8A56E29C-09F7-B711-591E-BDC97066A449}"/>
+              </a:ext>
+            </a:extLst>
+          </p:cNvPr>
+          <p:cNvSpPr>
+            <a:spLocks noGrp="1"/>
+          </p:cNvSpPr>
+          <p:nvPr>
+            <p:ph type="title"/>
+          </p:nvPr>
+        </p:nvSpPr>
+        <p:spPr/>
+        <p:txBody>
+          <a:bodyPr/>
+          <a:lstStyle/>
+          <a:p>
+            <a:r>
+              <a:rPr lang="en-US" dirty="0"/>
+              <a:t>toast</a:t>
+            </a:r>
+          </a:p>
+        </p:txBody>
+      </p:sp>
+      <p:sp>
+        <p:nvSpPr>
+          <p:cNvPr id="3" name="Content Placeholder 2">
+            <a:extLst>
+              <a:ext uri="{FF2B5EF4-FFF2-40B4-BE49-F238E27FC236}">
+                <a16:creationId xmlns:a16="http://schemas.microsoft.com/office/drawing/2014/main" id="{4D96329F-70CA-D930-B844-FB5264890AD1}"/>
+              </a:ext>
+            </a:extLst>
+          </p:cNvPr>
+          <p:cNvSpPr>
+            <a:spLocks noGrp="1"/>
+          </p:cNvSpPr>
+          <p:nvPr>
+            <p:ph idx="1"/>
+          </p:nvPr>
+        </p:nvSpPr>
+        <p:spPr/>
+        <p:txBody>
+          <a:bodyPr>
+            <a:normAutofit/>
+          </a:bodyPr>
+          <a:lstStyle/>
+          <a:p>
+            <a:r>
+              <a:rPr lang="en-US" sz="1800" dirty="0"/>
+              <a:t>better alerts</a:t>
+            </a:r>
+          </a:p>
+        </p:txBody>
+      </p:sp>
+      <p:pic>
+        <p:nvPicPr>
+          <p:cNvPr id="5" name="Picture 4">
+            <a:extLst>
+              <a:ext uri="{FF2B5EF4-FFF2-40B4-BE49-F238E27FC236}">
+                <a16:creationId xmlns:a16="http://schemas.microsoft.com/office/drawing/2014/main" id="{0C63B2F3-73FA-D106-92B8-53285986FC1C}"/>
+              </a:ext>
+            </a:extLst>
+          </p:cNvPr>
+          <p:cNvPicPr>
+            <a:picLocks noChangeAspect="1"/>
+          </p:cNvPicPr>
+          <p:nvPr/>
+        </p:nvPicPr>
+        <p:blipFill>
+          <a:blip r:embed="rId2"/>
+          <a:stretch>
+            <a:fillRect/>
+          </a:stretch>
+        </p:blipFill>
+        <p:spPr>
+          <a:xfrm>
+            <a:off x="6644047" y="2624947"/>
+            <a:ext cx="4200525" cy="952500"/>
+          </a:xfrm>
+          <a:prstGeom prst="rect">
+            <a:avLst/>
+          </a:prstGeom>
+        </p:spPr>
+      </p:pic>
+    </p:spTree>
+    <p:extLst>
+      <p:ext uri="{BB962C8B-B14F-4D97-AF65-F5344CB8AC3E}">
+        <p14:creationId xmlns:p14="http://schemas.microsoft.com/office/powerpoint/2010/main" val="3157567056"/>
+      </p:ext>
+    </p:extLst>
+  </p:cSld>
+  <p:clrMapOvr>
+    <a:masterClrMapping/>
+  </p:clrMapOvr>
+</p:sld>
+</file>
+
+<file path=ppt/slides/slide39.xml><?xml version="1.0" encoding="utf-8"?>
+<p:sld xmlns:a="http://schemas.openxmlformats.org/drawingml/2006/main" xmlns:r="http://schemas.openxmlformats.org/officeDocument/2006/relationships" xmlns:p="http://schemas.openxmlformats.org/presentationml/2006/main">
+  <p:cSld>
+    <p:spTree>
+      <p:nvGrpSpPr>
+        <p:cNvPr id="1" name=""/>
+        <p:cNvGrpSpPr/>
+        <p:nvPr/>
+      </p:nvGrpSpPr>
+      <p:grpSpPr>
+        <a:xfrm>
+          <a:off x="0" y="0"/>
+          <a:ext cx="0" cy="0"/>
+          <a:chOff x="0" y="0"/>
+          <a:chExt cx="0" cy="0"/>
+        </a:xfrm>
+      </p:grpSpPr>
+      <p:sp>
+        <p:nvSpPr>
+          <p:cNvPr id="2" name="Title 1">
+            <a:extLst>
+              <a:ext uri="{FF2B5EF4-FFF2-40B4-BE49-F238E27FC236}">
+                <a16:creationId xmlns:a16="http://schemas.microsoft.com/office/drawing/2014/main" id="{8A56E29C-09F7-B711-591E-BDC97066A449}"/>
+              </a:ext>
+            </a:extLst>
+          </p:cNvPr>
+          <p:cNvSpPr>
+            <a:spLocks noGrp="1"/>
+          </p:cNvSpPr>
+          <p:nvPr>
+            <p:ph type="title"/>
+          </p:nvPr>
+        </p:nvSpPr>
+        <p:spPr/>
+        <p:txBody>
+          <a:bodyPr/>
+          <a:lstStyle/>
+          <a:p>
+            <a:r>
+              <a:rPr lang="en-US" dirty="0"/>
+              <a:t>toast - setup</a:t>
+            </a:r>
+          </a:p>
+        </p:txBody>
+      </p:sp>
+      <p:sp>
+        <p:nvSpPr>
+          <p:cNvPr id="3" name="Content Placeholder 2">
+            <a:extLst>
+              <a:ext uri="{FF2B5EF4-FFF2-40B4-BE49-F238E27FC236}">
+                <a16:creationId xmlns:a16="http://schemas.microsoft.com/office/drawing/2014/main" id="{4D96329F-70CA-D930-B844-FB5264890AD1}"/>
+              </a:ext>
+            </a:extLst>
+          </p:cNvPr>
+          <p:cNvSpPr>
+            <a:spLocks noGrp="1"/>
+          </p:cNvSpPr>
+          <p:nvPr>
+            <p:ph idx="1"/>
+          </p:nvPr>
+        </p:nvSpPr>
+        <p:spPr/>
+        <p:txBody>
+          <a:bodyPr>
+            <a:normAutofit/>
+          </a:bodyPr>
+          <a:lstStyle/>
+          <a:p>
+            <a:r>
+              <a:rPr lang="en-US" sz="1800" dirty="0"/>
+              <a:t>install </a:t>
+            </a:r>
+            <a:r>
+              <a:rPr lang="en-US" sz="1800" dirty="0" err="1"/>
+              <a:t>i</a:t>
+            </a:r>
+            <a:r>
+              <a:rPr lang="en-US" sz="1800" dirty="0"/>
+              <a:t> react-</a:t>
+            </a:r>
+            <a:r>
+              <a:rPr lang="en-US" sz="1800" dirty="0" err="1"/>
+              <a:t>toastify</a:t>
+            </a:r>
+            <a:endParaRPr lang="en-US" sz="1800" dirty="0"/>
+          </a:p>
+          <a:p>
+            <a:endParaRPr lang="en-US" sz="1800" dirty="0"/>
+          </a:p>
+          <a:p>
+            <a:r>
+              <a:rPr lang="en-US" sz="1800" dirty="0"/>
+              <a:t>index.js</a:t>
+            </a:r>
+          </a:p>
+          <a:p>
+            <a:r>
+              <a:rPr lang="en-US" sz="1800" dirty="0"/>
+              <a:t>/* </a:t>
+            </a:r>
+            <a:r>
+              <a:rPr lang="en-US" sz="1800" dirty="0" err="1"/>
+              <a:t>toastify</a:t>
+            </a:r>
+            <a:r>
+              <a:rPr lang="en-US" sz="1800" dirty="0"/>
+              <a:t> */</a:t>
+            </a:r>
+          </a:p>
+          <a:p>
+            <a:r>
+              <a:rPr lang="en-US" sz="1800" dirty="0"/>
+              <a:t>import "react-</a:t>
+            </a:r>
+            <a:r>
+              <a:rPr lang="en-US" sz="1800" dirty="0" err="1"/>
+              <a:t>toastify</a:t>
+            </a:r>
+            <a:r>
+              <a:rPr lang="en-US" sz="1800" dirty="0"/>
+              <a:t>/</a:t>
+            </a:r>
+            <a:r>
+              <a:rPr lang="en-US" sz="1800" dirty="0" err="1"/>
+              <a:t>dist</a:t>
+            </a:r>
+            <a:r>
+              <a:rPr lang="en-US" sz="1800" dirty="0"/>
+              <a:t>/ReactToastify.css";</a:t>
+            </a:r>
+          </a:p>
+          <a:p>
+            <a:endParaRPr lang="en-US" sz="1800" dirty="0"/>
+          </a:p>
+          <a:p>
+            <a:r>
+              <a:rPr lang="en-US" sz="1800" dirty="0"/>
+              <a:t>app.js</a:t>
+            </a:r>
+          </a:p>
+          <a:p>
+            <a:r>
+              <a:rPr lang="en-US" sz="1800" dirty="0"/>
+              <a:t>import { </a:t>
+            </a:r>
+            <a:r>
+              <a:rPr lang="en-US" sz="1800" dirty="0" err="1"/>
+              <a:t>ToastContainer</a:t>
+            </a:r>
+            <a:r>
+              <a:rPr lang="en-US" sz="1800" dirty="0"/>
+              <a:t> } from "react-</a:t>
+            </a:r>
+            <a:r>
+              <a:rPr lang="en-US" sz="1800" dirty="0" err="1"/>
+              <a:t>toastify</a:t>
+            </a:r>
+            <a:r>
+              <a:rPr lang="en-US" sz="1800" dirty="0"/>
+              <a:t>";</a:t>
+            </a:r>
+          </a:p>
+          <a:p>
+            <a:r>
+              <a:rPr lang="en-US" sz="1800" dirty="0"/>
+              <a:t>&lt;</a:t>
+            </a:r>
+            <a:r>
+              <a:rPr lang="en-US" sz="1800" dirty="0" err="1"/>
+              <a:t>ToastContainer</a:t>
+            </a:r>
+            <a:r>
+              <a:rPr lang="en-US" sz="1800" dirty="0"/>
+              <a:t> /&gt;</a:t>
+            </a:r>
+          </a:p>
+        </p:txBody>
+      </p:sp>
+    </p:spTree>
+    <p:extLst>
+      <p:ext uri="{BB962C8B-B14F-4D97-AF65-F5344CB8AC3E}">
+        <p14:creationId xmlns:p14="http://schemas.microsoft.com/office/powerpoint/2010/main" val="6541563"/>
       </p:ext>
     </p:extLst>
   </p:cSld>

--- a/docs/React.pptx
+++ b/docs/React.pptx
@@ -5,7 +5,7 @@
     <p:sldMasterId id="2147483660" r:id="rId4"/>
   </p:sldMasterIdLst>
   <p:notesMasterIdLst>
-    <p:notesMasterId r:id="rId44"/>
+    <p:notesMasterId r:id="rId45"/>
   </p:notesMasterIdLst>
   <p:sldIdLst>
     <p:sldId id="264" r:id="rId5"/>
@@ -47,6 +47,7 @@
     <p:sldId id="347" r:id="rId41"/>
     <p:sldId id="350" r:id="rId42"/>
     <p:sldId id="349" r:id="rId43"/>
+    <p:sldId id="351" r:id="rId44"/>
   </p:sldIdLst>
   <p:sldSz cx="12192000" cy="6858000"/>
   <p:notesSz cx="6858000" cy="9144000"/>
@@ -9715,6 +9716,99 @@
     <p:extLst>
       <p:ext uri="{BB962C8B-B14F-4D97-AF65-F5344CB8AC3E}">
         <p14:creationId xmlns:p14="http://schemas.microsoft.com/office/powerpoint/2010/main" val="3266187385"/>
+      </p:ext>
+    </p:extLst>
+  </p:cSld>
+  <p:clrMapOvr>
+    <a:masterClrMapping/>
+  </p:clrMapOvr>
+</p:sld>
+</file>
+
+<file path=ppt/slides/slide40.xml><?xml version="1.0" encoding="utf-8"?>
+<p:sld xmlns:a="http://schemas.openxmlformats.org/drawingml/2006/main" xmlns:r="http://schemas.openxmlformats.org/officeDocument/2006/relationships" xmlns:p="http://schemas.openxmlformats.org/presentationml/2006/main">
+  <p:cSld>
+    <p:spTree>
+      <p:nvGrpSpPr>
+        <p:cNvPr id="1" name=""/>
+        <p:cNvGrpSpPr/>
+        <p:nvPr/>
+      </p:nvGrpSpPr>
+      <p:grpSpPr>
+        <a:xfrm>
+          <a:off x="0" y="0"/>
+          <a:ext cx="0" cy="0"/>
+          <a:chOff x="0" y="0"/>
+          <a:chExt cx="0" cy="0"/>
+        </a:xfrm>
+      </p:grpSpPr>
+      <p:sp>
+        <p:nvSpPr>
+          <p:cNvPr id="2" name="Title 1">
+            <a:extLst>
+              <a:ext uri="{FF2B5EF4-FFF2-40B4-BE49-F238E27FC236}">
+                <a16:creationId xmlns:a16="http://schemas.microsoft.com/office/drawing/2014/main" id="{8A56E29C-09F7-B711-591E-BDC97066A449}"/>
+              </a:ext>
+            </a:extLst>
+          </p:cNvPr>
+          <p:cNvSpPr>
+            <a:spLocks noGrp="1"/>
+          </p:cNvSpPr>
+          <p:nvPr>
+            <p:ph type="title"/>
+          </p:nvPr>
+        </p:nvSpPr>
+        <p:spPr/>
+        <p:txBody>
+          <a:bodyPr/>
+          <a:lstStyle/>
+          <a:p>
+            <a:r>
+              <a:rPr lang="en-US" dirty="0"/>
+              <a:t>HW</a:t>
+            </a:r>
+          </a:p>
+        </p:txBody>
+      </p:sp>
+      <p:sp>
+        <p:nvSpPr>
+          <p:cNvPr id="3" name="Content Placeholder 2">
+            <a:extLst>
+              <a:ext uri="{FF2B5EF4-FFF2-40B4-BE49-F238E27FC236}">
+                <a16:creationId xmlns:a16="http://schemas.microsoft.com/office/drawing/2014/main" id="{4D96329F-70CA-D930-B844-FB5264890AD1}"/>
+              </a:ext>
+            </a:extLst>
+          </p:cNvPr>
+          <p:cNvSpPr>
+            <a:spLocks noGrp="1"/>
+          </p:cNvSpPr>
+          <p:nvPr>
+            <p:ph idx="1"/>
+          </p:nvPr>
+        </p:nvSpPr>
+        <p:spPr/>
+        <p:txBody>
+          <a:bodyPr>
+            <a:normAutofit/>
+          </a:bodyPr>
+          <a:lstStyle/>
+          <a:p>
+            <a:r>
+              <a:rPr lang="en-US" sz="1800" dirty="0"/>
+              <a:t>create page </a:t>
+            </a:r>
+            <a:r>
+              <a:rPr lang="en-US" sz="1800"/>
+              <a:t>to display cards</a:t>
+            </a:r>
+            <a:endParaRPr lang="en-US" sz="1800" dirty="0"/>
+          </a:p>
+        </p:txBody>
+      </p:sp>
+    </p:spTree>
+    <p:extLst>
+      <p:ext uri="{BB962C8B-B14F-4D97-AF65-F5344CB8AC3E}">
+        <p14:creationId xmlns:p14="http://schemas.microsoft.com/office/powerpoint/2010/main" val="1180472159"/>
       </p:ext>
     </p:extLst>
   </p:cSld>

--- a/docs/React.pptx
+++ b/docs/React.pptx
@@ -5,7 +5,7 @@
     <p:sldMasterId id="2147483660" r:id="rId4"/>
   </p:sldMasterIdLst>
   <p:notesMasterIdLst>
-    <p:notesMasterId r:id="rId45"/>
+    <p:notesMasterId r:id="rId46"/>
   </p:notesMasterIdLst>
   <p:sldIdLst>
     <p:sldId id="264" r:id="rId5"/>
@@ -48,6 +48,7 @@
     <p:sldId id="350" r:id="rId42"/>
     <p:sldId id="349" r:id="rId43"/>
     <p:sldId id="351" r:id="rId44"/>
+    <p:sldId id="352" r:id="rId45"/>
   </p:sldIdLst>
   <p:sldSz cx="12192000" cy="6858000"/>
   <p:notesSz cx="6858000" cy="9144000"/>
@@ -236,7 +237,7 @@
           <a:p>
             <a:fld id="{CC6DBDFE-DD3D-4291-A404-1B97A83A6EA8}" type="datetimeFigureOut">
               <a:rPr lang="en-US" smtClean="0"/>
-              <a:t>29/06/2022</a:t>
+              <a:t>04/07/2022</a:t>
             </a:fld>
             <a:endParaRPr lang="en-US" dirty="0"/>
           </a:p>
@@ -1116,7 +1117,7 @@
           <a:p>
             <a:fld id="{EA0C0817-A112-4847-8014-A94B7D2A4EA3}" type="datetime1">
               <a:rPr lang="en-US" smtClean="0"/>
-              <a:t>29/06/2022</a:t>
+              <a:t>04/07/2022</a:t>
             </a:fld>
             <a:endParaRPr lang="en-US" dirty="0"/>
           </a:p>
@@ -1318,7 +1319,7 @@
           <a:p>
             <a:fld id="{7332B432-ACDA-4023-A761-2BAB76577B62}" type="datetime1">
               <a:rPr lang="en-US" smtClean="0"/>
-              <a:t>29/06/2022</a:t>
+              <a:t>04/07/2022</a:t>
             </a:fld>
             <a:endParaRPr lang="en-US" dirty="0"/>
           </a:p>
@@ -1917,7 +1918,7 @@
           <a:p>
             <a:fld id="{D9C646AA-F36E-4540-911D-FFFC0A0EF24A}" type="datetime1">
               <a:rPr lang="en-US" smtClean="0"/>
-              <a:t>29/06/2022</a:t>
+              <a:t>04/07/2022</a:t>
             </a:fld>
             <a:endParaRPr lang="en-US" dirty="0"/>
           </a:p>
@@ -2237,7 +2238,7 @@
           <a:p>
             <a:fld id="{69186D26-FA5F-4637-B602-B7C2DC34CFD4}" type="datetime1">
               <a:rPr lang="en-US" smtClean="0"/>
-              <a:t>29/06/2022</a:t>
+              <a:t>04/07/2022</a:t>
             </a:fld>
             <a:endParaRPr lang="en-US" dirty="0"/>
           </a:p>
@@ -2674,7 +2675,7 @@
           <a:p>
             <a:fld id="{8A7F15D8-96D1-4781-BC50-CA8A088B2FE4}" type="datetime1">
               <a:rPr lang="en-US" smtClean="0"/>
-              <a:t>29/06/2022</a:t>
+              <a:t>04/07/2022</a:t>
             </a:fld>
             <a:endParaRPr lang="en-US" dirty="0"/>
           </a:p>
@@ -2792,7 +2793,7 @@
           <a:p>
             <a:fld id="{F9A96C99-B8F8-4528-BD05-0E16E943DC09}" type="datetime1">
               <a:rPr lang="en-US" smtClean="0"/>
-              <a:t>29/06/2022</a:t>
+              <a:t>04/07/2022</a:t>
             </a:fld>
             <a:endParaRPr lang="en-US" dirty="0"/>
           </a:p>
@@ -2887,7 +2888,7 @@
           <a:p>
             <a:fld id="{03636942-C211-4B28-8DBD-C953E00AF71B}" type="datetime1">
               <a:rPr lang="en-US" smtClean="0"/>
-              <a:t>29/06/2022</a:t>
+              <a:t>04/07/2022</a:t>
             </a:fld>
             <a:endParaRPr lang="en-US" dirty="0"/>
           </a:p>
@@ -3304,7 +3305,7 @@
           <a:p>
             <a:fld id="{7E8D12A6-918A-48BD-8CB9-CA713993B0EA}" type="datetime1">
               <a:rPr lang="en-US" smtClean="0"/>
-              <a:t>29/06/2022</a:t>
+              <a:t>04/07/2022</a:t>
             </a:fld>
             <a:endParaRPr lang="en-US" dirty="0"/>
           </a:p>
@@ -3566,7 +3567,7 @@
             <a:fld id="{E778CE86-875F-4587-BCF6-FA054AFC0D53}" type="datetime1">
               <a:rPr lang="en-US" smtClean="0"/>
               <a:pPr/>
-              <a:t>29/06/2022</a:t>
+              <a:t>04/07/2022</a:t>
             </a:fld>
             <a:endParaRPr lang="en-US" dirty="0"/>
           </a:p>
@@ -4082,7 +4083,7 @@
           <a:p>
             <a:fld id="{F6FA2B21-3FCD-4721-B95C-427943F61125}" type="datetime1">
               <a:rPr lang="en-US" smtClean="0"/>
-              <a:t>29/06/2022</a:t>
+              <a:t>04/07/2022</a:t>
             </a:fld>
             <a:endParaRPr lang="en-US" dirty="0"/>
           </a:p>
@@ -9809,6 +9810,172 @@
     <p:extLst>
       <p:ext uri="{BB962C8B-B14F-4D97-AF65-F5344CB8AC3E}">
         <p14:creationId xmlns:p14="http://schemas.microsoft.com/office/powerpoint/2010/main" val="1180472159"/>
+      </p:ext>
+    </p:extLst>
+  </p:cSld>
+  <p:clrMapOvr>
+    <a:masterClrMapping/>
+  </p:clrMapOvr>
+</p:sld>
+</file>
+
+<file path=ppt/slides/slide41.xml><?xml version="1.0" encoding="utf-8"?>
+<p:sld xmlns:a="http://schemas.openxmlformats.org/drawingml/2006/main" xmlns:r="http://schemas.openxmlformats.org/officeDocument/2006/relationships" xmlns:p="http://schemas.openxmlformats.org/presentationml/2006/main">
+  <p:cSld>
+    <p:spTree>
+      <p:nvGrpSpPr>
+        <p:cNvPr id="1" name=""/>
+        <p:cNvGrpSpPr/>
+        <p:nvPr/>
+      </p:nvGrpSpPr>
+      <p:grpSpPr>
+        <a:xfrm>
+          <a:off x="0" y="0"/>
+          <a:ext cx="0" cy="0"/>
+          <a:chOff x="0" y="0"/>
+          <a:chExt cx="0" cy="0"/>
+        </a:xfrm>
+      </p:grpSpPr>
+      <p:sp>
+        <p:nvSpPr>
+          <p:cNvPr id="2" name="Title 1">
+            <a:extLst>
+              <a:ext uri="{FF2B5EF4-FFF2-40B4-BE49-F238E27FC236}">
+                <a16:creationId xmlns:a16="http://schemas.microsoft.com/office/drawing/2014/main" id="{8A56E29C-09F7-B711-591E-BDC97066A449}"/>
+              </a:ext>
+            </a:extLst>
+          </p:cNvPr>
+          <p:cNvSpPr>
+            <a:spLocks noGrp="1"/>
+          </p:cNvSpPr>
+          <p:nvPr>
+            <p:ph type="title"/>
+          </p:nvPr>
+        </p:nvSpPr>
+        <p:spPr/>
+        <p:txBody>
+          <a:bodyPr/>
+          <a:lstStyle/>
+          <a:p>
+            <a:r>
+              <a:rPr lang="en-US" dirty="0"/>
+              <a:t>04/07/2022</a:t>
+            </a:r>
+          </a:p>
+        </p:txBody>
+      </p:sp>
+      <p:sp>
+        <p:nvSpPr>
+          <p:cNvPr id="3" name="Content Placeholder 2">
+            <a:extLst>
+              <a:ext uri="{FF2B5EF4-FFF2-40B4-BE49-F238E27FC236}">
+                <a16:creationId xmlns:a16="http://schemas.microsoft.com/office/drawing/2014/main" id="{4D96329F-70CA-D930-B844-FB5264890AD1}"/>
+              </a:ext>
+            </a:extLst>
+          </p:cNvPr>
+          <p:cNvSpPr>
+            <a:spLocks noGrp="1"/>
+          </p:cNvSpPr>
+          <p:nvPr>
+            <p:ph idx="1"/>
+          </p:nvPr>
+        </p:nvSpPr>
+        <p:spPr/>
+        <p:txBody>
+          <a:bodyPr>
+            <a:normAutofit/>
+          </a:bodyPr>
+          <a:lstStyle/>
+          <a:p>
+            <a:pPr marL="342900" marR="0" lvl="0" indent="-342900" rtl="0">
+              <a:lnSpc>
+                <a:spcPct val="107000"/>
+              </a:lnSpc>
+              <a:spcBef>
+                <a:spcPts val="0"/>
+              </a:spcBef>
+              <a:spcAft>
+                <a:spcPts val="0"/>
+              </a:spcAft>
+              <a:buFont typeface="+mj-lt"/>
+              <a:buAutoNum type="arabicParenR"/>
+            </a:pPr>
+            <a:r>
+              <a:rPr lang="en-US" sz="1800" dirty="0" err="1">
+                <a:effectLst/>
+                <a:latin typeface="Calibri" panose="020F0502020204030204" pitchFamily="34" charset="0"/>
+                <a:ea typeface="Calibri" panose="020F0502020204030204" pitchFamily="34" charset="0"/>
+                <a:cs typeface="Arial" panose="020B0604020202020204" pitchFamily="34" charset="0"/>
+              </a:rPr>
+              <a:t>hw</a:t>
+            </a:r>
+            <a:endParaRPr lang="en-US" sz="1800" dirty="0">
+              <a:effectLst/>
+              <a:latin typeface="Calibri" panose="020F0502020204030204" pitchFamily="34" charset="0"/>
+              <a:ea typeface="Calibri" panose="020F0502020204030204" pitchFamily="34" charset="0"/>
+              <a:cs typeface="Arial" panose="020B0604020202020204" pitchFamily="34" charset="0"/>
+            </a:endParaRPr>
+          </a:p>
+          <a:p>
+            <a:pPr marL="342900" marR="0" lvl="0" indent="-342900">
+              <a:lnSpc>
+                <a:spcPct val="107000"/>
+              </a:lnSpc>
+              <a:spcBef>
+                <a:spcPts val="0"/>
+              </a:spcBef>
+              <a:spcAft>
+                <a:spcPts val="0"/>
+              </a:spcAft>
+              <a:buFont typeface="+mj-lt"/>
+              <a:buAutoNum type="arabicParenR"/>
+            </a:pPr>
+            <a:r>
+              <a:rPr lang="en-US" sz="1800" dirty="0" err="1">
+                <a:effectLst/>
+                <a:latin typeface="Calibri" panose="020F0502020204030204" pitchFamily="34" charset="0"/>
+                <a:ea typeface="Calibri" panose="020F0502020204030204" pitchFamily="34" charset="0"/>
+                <a:cs typeface="Arial" panose="020B0604020202020204" pitchFamily="34" charset="0"/>
+              </a:rPr>
+              <a:t>useEffect</a:t>
+            </a:r>
+            <a:endParaRPr lang="en-US" sz="1800" dirty="0">
+              <a:effectLst/>
+              <a:latin typeface="Calibri" panose="020F0502020204030204" pitchFamily="34" charset="0"/>
+              <a:ea typeface="Calibri" panose="020F0502020204030204" pitchFamily="34" charset="0"/>
+              <a:cs typeface="Arial" panose="020B0604020202020204" pitchFamily="34" charset="0"/>
+            </a:endParaRPr>
+          </a:p>
+          <a:p>
+            <a:pPr marL="342900" marR="0" lvl="0" indent="-342900">
+              <a:lnSpc>
+                <a:spcPct val="107000"/>
+              </a:lnSpc>
+              <a:spcBef>
+                <a:spcPts val="0"/>
+              </a:spcBef>
+              <a:spcAft>
+                <a:spcPts val="800"/>
+              </a:spcAft>
+              <a:buFont typeface="+mj-lt"/>
+              <a:buAutoNum type="arabicParenR"/>
+            </a:pPr>
+            <a:r>
+              <a:rPr lang="en-US" sz="1800">
+                <a:effectLst/>
+                <a:latin typeface="Calibri" panose="020F0502020204030204" pitchFamily="34" charset="0"/>
+                <a:ea typeface="Calibri" panose="020F0502020204030204" pitchFamily="34" charset="0"/>
+                <a:cs typeface="Arial" panose="020B0604020202020204" pitchFamily="34" charset="0"/>
+              </a:rPr>
+              <a:t>redux</a:t>
+            </a:r>
+          </a:p>
+        </p:txBody>
+      </p:sp>
+    </p:spTree>
+    <p:extLst>
+      <p:ext uri="{BB962C8B-B14F-4D97-AF65-F5344CB8AC3E}">
+        <p14:creationId xmlns:p14="http://schemas.microsoft.com/office/powerpoint/2010/main" val="881673556"/>
       </p:ext>
     </p:extLst>
   </p:cSld>
@@ -11108,6 +11275,15 @@
 </file>
 
 <file path=customXml/item1.xml><?xml version="1.0" encoding="utf-8"?>
+<p:properties xmlns:p="http://schemas.microsoft.com/office/2006/metadata/properties" xmlns:xsi="http://www.w3.org/2001/XMLSchema-instance" xmlns:pc="http://schemas.microsoft.com/office/infopath/2007/PartnerControls">
+  <documentManagement>
+    <Status xmlns="71af3243-3dd4-4a8d-8c0d-dd76da1f02a5">Not started</Status>
+    <MediaServiceKeyPoints xmlns="71af3243-3dd4-4a8d-8c0d-dd76da1f02a5" xsi:nil="true"/>
+  </documentManagement>
+</p:properties>
+</file>
+
+<file path=customXml/item2.xml><?xml version="1.0" encoding="utf-8"?>
 <?mso-contentType ?>
 <FormTemplates xmlns="http://schemas.microsoft.com/sharepoint/v3/contenttype/forms">
   <Display>DocumentLibraryForm</Display>
@@ -11116,7 +11292,7 @@
 </FormTemplates>
 </file>
 
-<file path=customXml/item2.xml><?xml version="1.0" encoding="utf-8"?>
+<file path=customXml/item3.xml><?xml version="1.0" encoding="utf-8"?>
 <ct:contentTypeSchema xmlns:ct="http://schemas.microsoft.com/office/2006/metadata/contentType" xmlns:ma="http://schemas.microsoft.com/office/2006/metadata/properties/metaAttributes" ct:_="" ma:_="" ma:contentTypeName="Document" ma:contentTypeID="0x01010079F111ED35F8CC479449609E8A0923A6" ma:contentTypeVersion="12" ma:contentTypeDescription="Create a new document." ma:contentTypeScope="" ma:versionID="a410dd7f93c95333ffa1b60ed6adedd1">
   <xsd:schema xmlns:xsd="http://www.w3.org/2001/XMLSchema" xmlns:xs="http://www.w3.org/2001/XMLSchema" xmlns:p="http://schemas.microsoft.com/office/2006/metadata/properties" xmlns:ns2="71af3243-3dd4-4a8d-8c0d-dd76da1f02a5" xmlns:ns3="16c05727-aa75-4e4a-9b5f-8a80a1165891" targetNamespace="http://schemas.microsoft.com/office/2006/metadata/properties" ma:root="true" ma:fieldsID="a936d9baba76aa3866493feff160faab" ns2:_="" ns3:_="">
     <xsd:import namespace="71af3243-3dd4-4a8d-8c0d-dd76da1f02a5"/>
@@ -11337,16 +11513,17 @@
 </ct:contentTypeSchema>
 </file>
 
-<file path=customXml/item3.xml><?xml version="1.0" encoding="utf-8"?>
-<p:properties xmlns:p="http://schemas.microsoft.com/office/2006/metadata/properties" xmlns:xsi="http://www.w3.org/2001/XMLSchema-instance" xmlns:pc="http://schemas.microsoft.com/office/infopath/2007/PartnerControls">
-  <documentManagement>
-    <Status xmlns="71af3243-3dd4-4a8d-8c0d-dd76da1f02a5">Not started</Status>
-    <MediaServiceKeyPoints xmlns="71af3243-3dd4-4a8d-8c0d-dd76da1f02a5" xsi:nil="true"/>
-  </documentManagement>
-</p:properties>
+<file path=customXml/itemProps1.xml><?xml version="1.0" encoding="utf-8"?>
+<ds:datastoreItem xmlns:ds="http://schemas.openxmlformats.org/officeDocument/2006/customXml" ds:itemID="{946BCBFB-BBC7-42F1-95CD-058E172363A0}">
+  <ds:schemaRefs>
+    <ds:schemaRef ds:uri="http://schemas.microsoft.com/office/2006/metadata/properties"/>
+    <ds:schemaRef ds:uri="http://schemas.microsoft.com/office/infopath/2007/PartnerControls"/>
+    <ds:schemaRef ds:uri="71af3243-3dd4-4a8d-8c0d-dd76da1f02a5"/>
+  </ds:schemaRefs>
+</ds:datastoreItem>
 </file>
 
-<file path=customXml/itemProps1.xml><?xml version="1.0" encoding="utf-8"?>
+<file path=customXml/itemProps2.xml><?xml version="1.0" encoding="utf-8"?>
 <ds:datastoreItem xmlns:ds="http://schemas.openxmlformats.org/officeDocument/2006/customXml" ds:itemID="{1259D436-C82E-43E0-8A01-53DF9CED6032}">
   <ds:schemaRefs>
     <ds:schemaRef ds:uri="http://schemas.microsoft.com/sharepoint/v3/contenttype/forms"/>
@@ -11354,7 +11531,7 @@
 </ds:datastoreItem>
 </file>
 
-<file path=customXml/itemProps2.xml><?xml version="1.0" encoding="utf-8"?>
+<file path=customXml/itemProps3.xml><?xml version="1.0" encoding="utf-8"?>
 <ds:datastoreItem xmlns:ds="http://schemas.openxmlformats.org/officeDocument/2006/customXml" ds:itemID="{1F91CDEB-92ED-41DC-BF33-2916A7687628}">
   <ds:schemaRefs>
     <ds:schemaRef ds:uri="http://schemas.microsoft.com/office/2006/metadata/contentType"/>
@@ -11371,14 +11548,4 @@
     <ds:schemaRef ds:uri="http://schemas.microsoft.com/internal/obd"/>
   </ds:schemaRefs>
 </ds:datastoreItem>
-</file>
-
-<file path=customXml/itemProps3.xml><?xml version="1.0" encoding="utf-8"?>
-<ds:datastoreItem xmlns:ds="http://schemas.openxmlformats.org/officeDocument/2006/customXml" ds:itemID="{946BCBFB-BBC7-42F1-95CD-058E172363A0}">
-  <ds:schemaRefs>
-    <ds:schemaRef ds:uri="http://schemas.microsoft.com/office/2006/metadata/properties"/>
-    <ds:schemaRef ds:uri="http://schemas.microsoft.com/office/infopath/2007/PartnerControls"/>
-    <ds:schemaRef ds:uri="71af3243-3dd4-4a8d-8c0d-dd76da1f02a5"/>
-  </ds:schemaRefs>
-</ds:datastoreItem>
 </file>
--- a/docs/React.pptx
+++ b/docs/React.pptx
@@ -5,7 +5,7 @@
     <p:sldMasterId id="2147483660" r:id="rId4"/>
   </p:sldMasterIdLst>
   <p:notesMasterIdLst>
-    <p:notesMasterId r:id="rId46"/>
+    <p:notesMasterId r:id="rId47"/>
   </p:notesMasterIdLst>
   <p:sldIdLst>
     <p:sldId id="264" r:id="rId5"/>
@@ -49,6 +49,7 @@
     <p:sldId id="349" r:id="rId43"/>
     <p:sldId id="351" r:id="rId44"/>
     <p:sldId id="352" r:id="rId45"/>
+    <p:sldId id="353" r:id="rId46"/>
   </p:sldIdLst>
   <p:sldSz cx="12192000" cy="6858000"/>
   <p:notesSz cx="6858000" cy="9144000"/>
@@ -9796,13 +9797,8 @@
           <a:p>
             <a:r>
               <a:rPr lang="en-US" sz="1800" dirty="0"/>
-              <a:t>create page </a:t>
-            </a:r>
-            <a:r>
-              <a:rPr lang="en-US" sz="1800"/>
-              <a:t>to display cards</a:t>
-            </a:r>
-            <a:endParaRPr lang="en-US" sz="1800" dirty="0"/>
+              <a:t>create page to display cards</a:t>
+            </a:r>
           </a:p>
         </p:txBody>
       </p:sp>
@@ -9903,6 +9899,9 @@
             <a:r>
               <a:rPr lang="en-US" sz="1800" dirty="0" err="1">
                 <a:effectLst/>
+                <a:highlight>
+                  <a:srgbClr val="FFFF00"/>
+                </a:highlight>
                 <a:latin typeface="Calibri" panose="020F0502020204030204" pitchFamily="34" charset="0"/>
                 <a:ea typeface="Calibri" panose="020F0502020204030204" pitchFamily="34" charset="0"/>
                 <a:cs typeface="Arial" panose="020B0604020202020204" pitchFamily="34" charset="0"/>
@@ -9911,6 +9910,9 @@
             </a:r>
             <a:endParaRPr lang="en-US" sz="1800" dirty="0">
               <a:effectLst/>
+              <a:highlight>
+                <a:srgbClr val="FFFF00"/>
+              </a:highlight>
               <a:latin typeface="Calibri" panose="020F0502020204030204" pitchFamily="34" charset="0"/>
               <a:ea typeface="Calibri" panose="020F0502020204030204" pitchFamily="34" charset="0"/>
               <a:cs typeface="Arial" panose="020B0604020202020204" pitchFamily="34" charset="0"/>
@@ -9961,21 +9963,342 @@
               <a:buAutoNum type="arabicParenR"/>
             </a:pPr>
             <a:r>
+              <a:rPr lang="en-US" sz="1800" dirty="0">
+                <a:effectLst/>
+                <a:latin typeface="Calibri" panose="020F0502020204030204" pitchFamily="34" charset="0"/>
+                <a:ea typeface="Calibri" panose="020F0502020204030204" pitchFamily="34" charset="0"/>
+                <a:cs typeface="Arial" panose="020B0604020202020204" pitchFamily="34" charset="0"/>
+              </a:rPr>
+              <a:t>redux</a:t>
+            </a:r>
+          </a:p>
+        </p:txBody>
+      </p:sp>
+    </p:spTree>
+    <p:extLst>
+      <p:ext uri="{BB962C8B-B14F-4D97-AF65-F5344CB8AC3E}">
+        <p14:creationId xmlns:p14="http://schemas.microsoft.com/office/powerpoint/2010/main" val="881673556"/>
+      </p:ext>
+    </p:extLst>
+  </p:cSld>
+  <p:clrMapOvr>
+    <a:masterClrMapping/>
+  </p:clrMapOvr>
+</p:sld>
+</file>
+
+<file path=ppt/slides/slide42.xml><?xml version="1.0" encoding="utf-8"?>
+<p:sld xmlns:a="http://schemas.openxmlformats.org/drawingml/2006/main" xmlns:r="http://schemas.openxmlformats.org/officeDocument/2006/relationships" xmlns:p="http://schemas.openxmlformats.org/presentationml/2006/main">
+  <p:cSld>
+    <p:spTree>
+      <p:nvGrpSpPr>
+        <p:cNvPr id="1" name=""/>
+        <p:cNvGrpSpPr/>
+        <p:nvPr/>
+      </p:nvGrpSpPr>
+      <p:grpSpPr>
+        <a:xfrm>
+          <a:off x="0" y="0"/>
+          <a:ext cx="0" cy="0"/>
+          <a:chOff x="0" y="0"/>
+          <a:chExt cx="0" cy="0"/>
+        </a:xfrm>
+      </p:grpSpPr>
+      <p:sp>
+        <p:nvSpPr>
+          <p:cNvPr id="2" name="Title 1">
+            <a:extLst>
+              <a:ext uri="{FF2B5EF4-FFF2-40B4-BE49-F238E27FC236}">
+                <a16:creationId xmlns:a16="http://schemas.microsoft.com/office/drawing/2014/main" id="{8A56E29C-09F7-B711-591E-BDC97066A449}"/>
+              </a:ext>
+            </a:extLst>
+          </p:cNvPr>
+          <p:cNvSpPr>
+            <a:spLocks noGrp="1"/>
+          </p:cNvSpPr>
+          <p:nvPr>
+            <p:ph type="title"/>
+          </p:nvPr>
+        </p:nvSpPr>
+        <p:spPr/>
+        <p:txBody>
+          <a:bodyPr/>
+          <a:lstStyle/>
+          <a:p>
+            <a:r>
+              <a:rPr lang="en-US" dirty="0" err="1"/>
+              <a:t>useEffect</a:t>
+            </a:r>
+            <a:endParaRPr lang="en-US" dirty="0"/>
+          </a:p>
+        </p:txBody>
+      </p:sp>
+      <p:sp>
+        <p:nvSpPr>
+          <p:cNvPr id="3" name="Content Placeholder 2">
+            <a:extLst>
+              <a:ext uri="{FF2B5EF4-FFF2-40B4-BE49-F238E27FC236}">
+                <a16:creationId xmlns:a16="http://schemas.microsoft.com/office/drawing/2014/main" id="{4D96329F-70CA-D930-B844-FB5264890AD1}"/>
+              </a:ext>
+            </a:extLst>
+          </p:cNvPr>
+          <p:cNvSpPr>
+            <a:spLocks noGrp="1"/>
+          </p:cNvSpPr>
+          <p:nvPr>
+            <p:ph idx="1"/>
+          </p:nvPr>
+        </p:nvSpPr>
+        <p:spPr/>
+        <p:txBody>
+          <a:bodyPr>
+            <a:normAutofit/>
+          </a:bodyPr>
+          <a:lstStyle/>
+          <a:p>
+            <a:pPr marL="0" marR="0" lvl="0" indent="0" rtl="0">
+              <a:lnSpc>
+                <a:spcPct val="107000"/>
+              </a:lnSpc>
+              <a:spcBef>
+                <a:spcPts val="0"/>
+              </a:spcBef>
+              <a:spcAft>
+                <a:spcPts val="0"/>
+              </a:spcAft>
+              <a:buNone/>
+            </a:pPr>
+            <a:r>
+              <a:rPr lang="en-US" sz="1800" dirty="0" err="1">
+                <a:effectLst/>
+                <a:latin typeface="Calibri" panose="020F0502020204030204" pitchFamily="34" charset="0"/>
+                <a:ea typeface="Calibri" panose="020F0502020204030204" pitchFamily="34" charset="0"/>
+                <a:cs typeface="Arial" panose="020B0604020202020204" pitchFamily="34" charset="0"/>
+              </a:rPr>
+              <a:t>useEffect</a:t>
+            </a:r>
+            <a:r>
+              <a:rPr lang="en-US" sz="1800" dirty="0">
+                <a:effectLst/>
+                <a:latin typeface="Calibri" panose="020F0502020204030204" pitchFamily="34" charset="0"/>
+                <a:ea typeface="Calibri" panose="020F0502020204030204" pitchFamily="34" charset="0"/>
+                <a:cs typeface="Arial" panose="020B0604020202020204" pitchFamily="34" charset="0"/>
+              </a:rPr>
+              <a:t> it a hook that wait for changes in </a:t>
+            </a:r>
+            <a:r>
+              <a:rPr lang="en-US" sz="1800" dirty="0">
+                <a:effectLst/>
+                <a:highlight>
+                  <a:srgbClr val="FFFF00"/>
+                </a:highlight>
+                <a:latin typeface="Calibri" panose="020F0502020204030204" pitchFamily="34" charset="0"/>
+                <a:ea typeface="Calibri" panose="020F0502020204030204" pitchFamily="34" charset="0"/>
+                <a:cs typeface="Arial" panose="020B0604020202020204" pitchFamily="34" charset="0"/>
+              </a:rPr>
+              <a:t>dependency array</a:t>
+            </a:r>
+            <a:r>
+              <a:rPr lang="en-US" sz="1800" dirty="0">
+                <a:effectLst/>
+                <a:latin typeface="Calibri" panose="020F0502020204030204" pitchFamily="34" charset="0"/>
+                <a:ea typeface="Calibri" panose="020F0502020204030204" pitchFamily="34" charset="0"/>
+                <a:cs typeface="Arial" panose="020B0604020202020204" pitchFamily="34" charset="0"/>
+              </a:rPr>
+              <a:t>.</a:t>
+            </a:r>
+          </a:p>
+          <a:p>
+            <a:pPr marL="0" marR="0" lvl="0" indent="0" rtl="0">
+              <a:lnSpc>
+                <a:spcPct val="107000"/>
+              </a:lnSpc>
+              <a:spcBef>
+                <a:spcPts val="0"/>
+              </a:spcBef>
+              <a:spcAft>
+                <a:spcPts val="0"/>
+              </a:spcAft>
+              <a:buNone/>
+            </a:pPr>
+            <a:r>
+              <a:rPr lang="en-US" sz="1800" dirty="0" err="1">
+                <a:latin typeface="Calibri" panose="020F0502020204030204" pitchFamily="34" charset="0"/>
+                <a:ea typeface="Calibri" panose="020F0502020204030204" pitchFamily="34" charset="0"/>
+                <a:cs typeface="Arial" panose="020B0604020202020204" pitchFamily="34" charset="0"/>
+              </a:rPr>
+              <a:t>useEffect</a:t>
+            </a:r>
+            <a:r>
+              <a:rPr lang="en-US" sz="1800" dirty="0">
+                <a:latin typeface="Calibri" panose="020F0502020204030204" pitchFamily="34" charset="0"/>
+                <a:ea typeface="Calibri" panose="020F0502020204030204" pitchFamily="34" charset="0"/>
+                <a:cs typeface="Arial" panose="020B0604020202020204" pitchFamily="34" charset="0"/>
+              </a:rPr>
+              <a:t>(()=&gt;{}, </a:t>
+            </a:r>
+            <a:r>
+              <a:rPr lang="en-US" sz="1800" dirty="0">
+                <a:highlight>
+                  <a:srgbClr val="FFFF00"/>
+                </a:highlight>
+                <a:latin typeface="Calibri" panose="020F0502020204030204" pitchFamily="34" charset="0"/>
+                <a:ea typeface="Calibri" panose="020F0502020204030204" pitchFamily="34" charset="0"/>
+                <a:cs typeface="Arial" panose="020B0604020202020204" pitchFamily="34" charset="0"/>
+              </a:rPr>
+              <a:t>[variable]</a:t>
+            </a:r>
+            <a:r>
+              <a:rPr lang="en-US" sz="1800" dirty="0">
+                <a:latin typeface="Calibri" panose="020F0502020204030204" pitchFamily="34" charset="0"/>
+                <a:ea typeface="Calibri" panose="020F0502020204030204" pitchFamily="34" charset="0"/>
+                <a:cs typeface="Arial" panose="020B0604020202020204" pitchFamily="34" charset="0"/>
+              </a:rPr>
+              <a:t>)</a:t>
+            </a:r>
+          </a:p>
+          <a:p>
+            <a:pPr marL="0" marR="0" lvl="0" indent="0" rtl="0">
+              <a:lnSpc>
+                <a:spcPct val="107000"/>
+              </a:lnSpc>
+              <a:spcBef>
+                <a:spcPts val="0"/>
+              </a:spcBef>
+              <a:spcAft>
+                <a:spcPts val="0"/>
+              </a:spcAft>
+              <a:buNone/>
+            </a:pPr>
+            <a:endParaRPr lang="en-US" sz="1800" dirty="0">
+              <a:effectLst/>
+              <a:latin typeface="Calibri" panose="020F0502020204030204" pitchFamily="34" charset="0"/>
+              <a:ea typeface="Calibri" panose="020F0502020204030204" pitchFamily="34" charset="0"/>
+              <a:cs typeface="Arial" panose="020B0604020202020204" pitchFamily="34" charset="0"/>
+            </a:endParaRPr>
+          </a:p>
+          <a:p>
+            <a:pPr marL="0" marR="0" lvl="0" indent="0" rtl="0">
+              <a:lnSpc>
+                <a:spcPct val="107000"/>
+              </a:lnSpc>
+              <a:spcBef>
+                <a:spcPts val="0"/>
+              </a:spcBef>
+              <a:spcAft>
+                <a:spcPts val="0"/>
+              </a:spcAft>
+              <a:buNone/>
+            </a:pPr>
+            <a:r>
+              <a:rPr lang="en-US" sz="1800" dirty="0">
+                <a:latin typeface="Calibri" panose="020F0502020204030204" pitchFamily="34" charset="0"/>
+                <a:ea typeface="Calibri" panose="020F0502020204030204" pitchFamily="34" charset="0"/>
+                <a:cs typeface="Arial" panose="020B0604020202020204" pitchFamily="34" charset="0"/>
+              </a:rPr>
+              <a:t>when variable will change then </a:t>
+            </a:r>
+            <a:r>
+              <a:rPr lang="en-US" sz="1800" dirty="0" err="1">
+                <a:latin typeface="Calibri" panose="020F0502020204030204" pitchFamily="34" charset="0"/>
+                <a:ea typeface="Calibri" panose="020F0502020204030204" pitchFamily="34" charset="0"/>
+                <a:cs typeface="Arial" panose="020B0604020202020204" pitchFamily="34" charset="0"/>
+              </a:rPr>
+              <a:t>useEffect</a:t>
+            </a:r>
+            <a:r>
+              <a:rPr lang="en-US" sz="1800" dirty="0">
+                <a:latin typeface="Calibri" panose="020F0502020204030204" pitchFamily="34" charset="0"/>
+                <a:ea typeface="Calibri" panose="020F0502020204030204" pitchFamily="34" charset="0"/>
+                <a:cs typeface="Arial" panose="020B0604020202020204" pitchFamily="34" charset="0"/>
+              </a:rPr>
+              <a:t> will call the inner function</a:t>
+            </a:r>
+          </a:p>
+          <a:p>
+            <a:pPr marL="0" marR="0" lvl="0" indent="0" rtl="0">
+              <a:lnSpc>
+                <a:spcPct val="107000"/>
+              </a:lnSpc>
+              <a:spcBef>
+                <a:spcPts val="0"/>
+              </a:spcBef>
+              <a:spcAft>
+                <a:spcPts val="0"/>
+              </a:spcAft>
+              <a:buNone/>
+            </a:pPr>
+            <a:endParaRPr lang="en-US" sz="1800" dirty="0">
+              <a:effectLst/>
+              <a:latin typeface="Calibri" panose="020F0502020204030204" pitchFamily="34" charset="0"/>
+              <a:ea typeface="Calibri" panose="020F0502020204030204" pitchFamily="34" charset="0"/>
+              <a:cs typeface="Arial" panose="020B0604020202020204" pitchFamily="34" charset="0"/>
+            </a:endParaRPr>
+          </a:p>
+          <a:p>
+            <a:pPr marL="0" marR="0" lvl="0" indent="0" rtl="0">
+              <a:lnSpc>
+                <a:spcPct val="107000"/>
+              </a:lnSpc>
+              <a:spcBef>
+                <a:spcPts val="0"/>
+              </a:spcBef>
+              <a:spcAft>
+                <a:spcPts val="0"/>
+              </a:spcAft>
+              <a:buNone/>
+            </a:pPr>
+            <a:r>
+              <a:rPr lang="en-US" sz="1800" dirty="0">
+                <a:latin typeface="Calibri" panose="020F0502020204030204" pitchFamily="34" charset="0"/>
+                <a:ea typeface="Calibri" panose="020F0502020204030204" pitchFamily="34" charset="0"/>
+                <a:cs typeface="Arial" panose="020B0604020202020204" pitchFamily="34" charset="0"/>
+              </a:rPr>
+              <a:t>!note if the </a:t>
+            </a:r>
+            <a:r>
+              <a:rPr lang="en-US" sz="1800" dirty="0">
+                <a:effectLst/>
+                <a:highlight>
+                  <a:srgbClr val="FFFF00"/>
+                </a:highlight>
+                <a:latin typeface="Calibri" panose="020F0502020204030204" pitchFamily="34" charset="0"/>
+                <a:ea typeface="Calibri" panose="020F0502020204030204" pitchFamily="34" charset="0"/>
+                <a:cs typeface="Arial" panose="020B0604020202020204" pitchFamily="34" charset="0"/>
+              </a:rPr>
+              <a:t>dependency array</a:t>
+            </a:r>
+            <a:r>
+              <a:rPr lang="en-US" sz="1800" dirty="0">
+                <a:effectLst/>
+                <a:latin typeface="Calibri" panose="020F0502020204030204" pitchFamily="34" charset="0"/>
+                <a:ea typeface="Calibri" panose="020F0502020204030204" pitchFamily="34" charset="0"/>
+                <a:cs typeface="Arial" panose="020B0604020202020204" pitchFamily="34" charset="0"/>
+              </a:rPr>
+              <a:t> is empty then it </a:t>
+            </a:r>
+            <a:r>
               <a:rPr lang="en-US" sz="1800">
                 <a:effectLst/>
                 <a:latin typeface="Calibri" panose="020F0502020204030204" pitchFamily="34" charset="0"/>
                 <a:ea typeface="Calibri" panose="020F0502020204030204" pitchFamily="34" charset="0"/>
                 <a:cs typeface="Arial" panose="020B0604020202020204" pitchFamily="34" charset="0"/>
               </a:rPr>
-              <a:t>redux</a:t>
-            </a:r>
+              <a:t>will run only once</a:t>
+            </a:r>
+            <a:endParaRPr lang="en-US" sz="1800" dirty="0">
+              <a:effectLst/>
+              <a:latin typeface="Calibri" panose="020F0502020204030204" pitchFamily="34" charset="0"/>
+              <a:ea typeface="Calibri" panose="020F0502020204030204" pitchFamily="34" charset="0"/>
+              <a:cs typeface="Arial" panose="020B0604020202020204" pitchFamily="34" charset="0"/>
+            </a:endParaRPr>
           </a:p>
         </p:txBody>
       </p:sp>
     </p:spTree>
     <p:extLst>
       <p:ext uri="{BB962C8B-B14F-4D97-AF65-F5344CB8AC3E}">
-        <p14:creationId xmlns:p14="http://schemas.microsoft.com/office/powerpoint/2010/main" val="881673556"/>
+        <p14:creationId xmlns:p14="http://schemas.microsoft.com/office/powerpoint/2010/main" val="3623219397"/>
       </p:ext>
     </p:extLst>
   </p:cSld>

--- a/docs/React.pptx
+++ b/docs/React.pptx
@@ -5,7 +5,7 @@
     <p:sldMasterId id="2147483660" r:id="rId4"/>
   </p:sldMasterIdLst>
   <p:notesMasterIdLst>
-    <p:notesMasterId r:id="rId47"/>
+    <p:notesMasterId r:id="rId48"/>
   </p:notesMasterIdLst>
   <p:sldIdLst>
     <p:sldId id="264" r:id="rId5"/>
@@ -50,6 +50,7 @@
     <p:sldId id="351" r:id="rId44"/>
     <p:sldId id="352" r:id="rId45"/>
     <p:sldId id="353" r:id="rId46"/>
+    <p:sldId id="354" r:id="rId47"/>
   </p:sldIdLst>
   <p:sldSz cx="12192000" cy="6858000"/>
   <p:notesSz cx="6858000" cy="9144000"/>
@@ -10275,23 +10276,8 @@
                 <a:ea typeface="Calibri" panose="020F0502020204030204" pitchFamily="34" charset="0"/>
                 <a:cs typeface="Arial" panose="020B0604020202020204" pitchFamily="34" charset="0"/>
               </a:rPr>
-              <a:t> is empty then it </a:t>
-            </a:r>
-            <a:r>
-              <a:rPr lang="en-US" sz="1800">
-                <a:effectLst/>
-                <a:latin typeface="Calibri" panose="020F0502020204030204" pitchFamily="34" charset="0"/>
-                <a:ea typeface="Calibri" panose="020F0502020204030204" pitchFamily="34" charset="0"/>
-                <a:cs typeface="Arial" panose="020B0604020202020204" pitchFamily="34" charset="0"/>
-              </a:rPr>
-              <a:t>will run only once</a:t>
-            </a:r>
-            <a:endParaRPr lang="en-US" sz="1800" dirty="0">
-              <a:effectLst/>
-              <a:latin typeface="Calibri" panose="020F0502020204030204" pitchFamily="34" charset="0"/>
-              <a:ea typeface="Calibri" panose="020F0502020204030204" pitchFamily="34" charset="0"/>
-              <a:cs typeface="Arial" panose="020B0604020202020204" pitchFamily="34" charset="0"/>
-            </a:endParaRPr>
+              <a:t> is empty then it will run only once</a:t>
+            </a:r>
           </a:p>
         </p:txBody>
       </p:sp>
@@ -10299,6 +10285,117 @@
     <p:extLst>
       <p:ext uri="{BB962C8B-B14F-4D97-AF65-F5344CB8AC3E}">
         <p14:creationId xmlns:p14="http://schemas.microsoft.com/office/powerpoint/2010/main" val="3623219397"/>
+      </p:ext>
+    </p:extLst>
+  </p:cSld>
+  <p:clrMapOvr>
+    <a:masterClrMapping/>
+  </p:clrMapOvr>
+</p:sld>
+</file>
+
+<file path=ppt/slides/slide43.xml><?xml version="1.0" encoding="utf-8"?>
+<p:sld xmlns:a="http://schemas.openxmlformats.org/drawingml/2006/main" xmlns:r="http://schemas.openxmlformats.org/officeDocument/2006/relationships" xmlns:p="http://schemas.openxmlformats.org/presentationml/2006/main">
+  <p:cSld>
+    <p:spTree>
+      <p:nvGrpSpPr>
+        <p:cNvPr id="1" name=""/>
+        <p:cNvGrpSpPr/>
+        <p:nvPr/>
+      </p:nvGrpSpPr>
+      <p:grpSpPr>
+        <a:xfrm>
+          <a:off x="0" y="0"/>
+          <a:ext cx="0" cy="0"/>
+          <a:chOff x="0" y="0"/>
+          <a:chExt cx="0" cy="0"/>
+        </a:xfrm>
+      </p:grpSpPr>
+      <p:sp>
+        <p:nvSpPr>
+          <p:cNvPr id="2" name="Title 1">
+            <a:extLst>
+              <a:ext uri="{FF2B5EF4-FFF2-40B4-BE49-F238E27FC236}">
+                <a16:creationId xmlns:a16="http://schemas.microsoft.com/office/drawing/2014/main" id="{6D0614FB-4E4D-BC2B-59E4-2CD35FA534DF}"/>
+              </a:ext>
+            </a:extLst>
+          </p:cNvPr>
+          <p:cNvSpPr>
+            <a:spLocks noGrp="1"/>
+          </p:cNvSpPr>
+          <p:nvPr>
+            <p:ph type="title"/>
+          </p:nvPr>
+        </p:nvSpPr>
+        <p:spPr/>
+        <p:txBody>
+          <a:bodyPr/>
+          <a:lstStyle/>
+          <a:p>
+            <a:r>
+              <a:rPr lang="en-US" dirty="0"/>
+              <a:t>TK</a:t>
+            </a:r>
+          </a:p>
+        </p:txBody>
+      </p:sp>
+      <p:sp>
+        <p:nvSpPr>
+          <p:cNvPr id="3" name="Content Placeholder 2">
+            <a:extLst>
+              <a:ext uri="{FF2B5EF4-FFF2-40B4-BE49-F238E27FC236}">
+                <a16:creationId xmlns:a16="http://schemas.microsoft.com/office/drawing/2014/main" id="{80367F04-E0E7-C0EA-4356-032FA2198561}"/>
+              </a:ext>
+            </a:extLst>
+          </p:cNvPr>
+          <p:cNvSpPr>
+            <a:spLocks noGrp="1"/>
+          </p:cNvSpPr>
+          <p:nvPr>
+            <p:ph idx="1"/>
+          </p:nvPr>
+        </p:nvSpPr>
+        <p:spPr/>
+        <p:txBody>
+          <a:bodyPr/>
+          <a:lstStyle/>
+          <a:p>
+            <a:r>
+              <a:rPr lang="en-US" dirty="0"/>
+              <a:t>create input and </a:t>
+            </a:r>
+            <a:r>
+              <a:rPr lang="en-US" dirty="0" err="1"/>
+              <a:t>btn</a:t>
+            </a:r>
+            <a:endParaRPr lang="en-US" dirty="0"/>
+          </a:p>
+          <a:p>
+            <a:r>
+              <a:rPr lang="en-US" dirty="0"/>
+              <a:t>when input has more then 3 chars then the </a:t>
+            </a:r>
+            <a:r>
+              <a:rPr lang="en-US" dirty="0" err="1"/>
+              <a:t>btn</a:t>
+            </a:r>
+            <a:r>
+              <a:rPr lang="en-US" dirty="0"/>
+              <a:t> will be displayed</a:t>
+            </a:r>
+          </a:p>
+          <a:p>
+            <a:r>
+              <a:rPr lang="en-US" dirty="0"/>
+              <a:t>use USEEFFECT</a:t>
+            </a:r>
+          </a:p>
+        </p:txBody>
+      </p:sp>
+    </p:spTree>
+    <p:extLst>
+      <p:ext uri="{BB962C8B-B14F-4D97-AF65-F5344CB8AC3E}">
+        <p14:creationId xmlns:p14="http://schemas.microsoft.com/office/powerpoint/2010/main" val="236089455"/>
       </p:ext>
     </p:extLst>
   </p:cSld>

--- a/docs/React.pptx
+++ b/docs/React.pptx
@@ -9936,6 +9936,9 @@
             <a:r>
               <a:rPr lang="en-US" sz="1800" dirty="0" err="1">
                 <a:effectLst/>
+                <a:highlight>
+                  <a:srgbClr val="FFFF00"/>
+                </a:highlight>
                 <a:latin typeface="Calibri" panose="020F0502020204030204" pitchFamily="34" charset="0"/>
                 <a:ea typeface="Calibri" panose="020F0502020204030204" pitchFamily="34" charset="0"/>
                 <a:cs typeface="Arial" panose="020B0604020202020204" pitchFamily="34" charset="0"/>
@@ -9943,6 +9946,110 @@
               <a:t>useEffect</a:t>
             </a:r>
             <a:endParaRPr lang="en-US" sz="1800" dirty="0">
+              <a:highlight>
+                <a:srgbClr val="FFFF00"/>
+              </a:highlight>
+              <a:latin typeface="Calibri" panose="020F0502020204030204" pitchFamily="34" charset="0"/>
+              <a:ea typeface="Calibri" panose="020F0502020204030204" pitchFamily="34" charset="0"/>
+              <a:cs typeface="Arial" panose="020B0604020202020204" pitchFamily="34" charset="0"/>
+            </a:endParaRPr>
+          </a:p>
+          <a:p>
+            <a:pPr marL="342900" marR="0" lvl="0" indent="-342900">
+              <a:lnSpc>
+                <a:spcPct val="107000"/>
+              </a:lnSpc>
+              <a:spcBef>
+                <a:spcPts val="0"/>
+              </a:spcBef>
+              <a:spcAft>
+                <a:spcPts val="0"/>
+              </a:spcAft>
+              <a:buFont typeface="+mj-lt"/>
+              <a:buAutoNum type="arabicParenR"/>
+            </a:pPr>
+            <a:r>
+              <a:rPr lang="en-US" sz="1600" dirty="0">
+                <a:effectLst/>
+                <a:latin typeface="Calibri" panose="020F0502020204030204" pitchFamily="34" charset="0"/>
+                <a:ea typeface="Calibri" panose="020F0502020204030204" pitchFamily="34" charset="0"/>
+                <a:cs typeface="Arial" panose="020B0604020202020204" pitchFamily="34" charset="0"/>
+              </a:rPr>
+              <a:t>cards panel</a:t>
+            </a:r>
+          </a:p>
+          <a:p>
+            <a:pPr marL="617220" lvl="1" indent="-342900">
+              <a:lnSpc>
+                <a:spcPct val="107000"/>
+              </a:lnSpc>
+              <a:spcBef>
+                <a:spcPts val="0"/>
+              </a:spcBef>
+              <a:buFont typeface="+mj-lt"/>
+              <a:buAutoNum type="arabicParenR"/>
+            </a:pPr>
+            <a:r>
+              <a:rPr lang="en-US" sz="1400" dirty="0">
+                <a:highlight>
+                  <a:srgbClr val="FFFF00"/>
+                </a:highlight>
+                <a:latin typeface="Calibri" panose="020F0502020204030204" pitchFamily="34" charset="0"/>
+                <a:ea typeface="Calibri" panose="020F0502020204030204" pitchFamily="34" charset="0"/>
+                <a:cs typeface="Arial" panose="020B0604020202020204" pitchFamily="34" charset="0"/>
+              </a:rPr>
+              <a:t>get</a:t>
+            </a:r>
+            <a:endParaRPr lang="en-US" sz="1400" dirty="0">
+              <a:effectLst/>
+              <a:highlight>
+                <a:srgbClr val="FFFF00"/>
+              </a:highlight>
+              <a:latin typeface="Calibri" panose="020F0502020204030204" pitchFamily="34" charset="0"/>
+              <a:ea typeface="Calibri" panose="020F0502020204030204" pitchFamily="34" charset="0"/>
+              <a:cs typeface="Arial" panose="020B0604020202020204" pitchFamily="34" charset="0"/>
+            </a:endParaRPr>
+          </a:p>
+          <a:p>
+            <a:pPr marL="617220" lvl="1" indent="-342900">
+              <a:lnSpc>
+                <a:spcPct val="107000"/>
+              </a:lnSpc>
+              <a:spcBef>
+                <a:spcPts val="0"/>
+              </a:spcBef>
+              <a:buFont typeface="+mj-lt"/>
+              <a:buAutoNum type="arabicParenR"/>
+            </a:pPr>
+            <a:r>
+              <a:rPr lang="en-US" sz="1400" dirty="0">
+                <a:latin typeface="Calibri" panose="020F0502020204030204" pitchFamily="34" charset="0"/>
+                <a:ea typeface="Calibri" panose="020F0502020204030204" pitchFamily="34" charset="0"/>
+                <a:cs typeface="Arial" panose="020B0604020202020204" pitchFamily="34" charset="0"/>
+              </a:rPr>
+              <a:t>edit</a:t>
+            </a:r>
+          </a:p>
+          <a:p>
+            <a:pPr marL="617220" lvl="1" indent="-342900">
+              <a:lnSpc>
+                <a:spcPct val="107000"/>
+              </a:lnSpc>
+              <a:spcBef>
+                <a:spcPts val="0"/>
+              </a:spcBef>
+              <a:buFont typeface="+mj-lt"/>
+              <a:buAutoNum type="arabicParenR"/>
+            </a:pPr>
+            <a:r>
+              <a:rPr lang="en-US" sz="1400" dirty="0">
+                <a:latin typeface="Calibri" panose="020F0502020204030204" pitchFamily="34" charset="0"/>
+                <a:ea typeface="Calibri" panose="020F0502020204030204" pitchFamily="34" charset="0"/>
+                <a:cs typeface="Arial" panose="020B0604020202020204" pitchFamily="34" charset="0"/>
+              </a:rPr>
+              <a:t>delete</a:t>
+            </a:r>
+            <a:endParaRPr lang="en-US" sz="1400" dirty="0">
               <a:effectLst/>
               <a:latin typeface="Calibri" panose="020F0502020204030204" pitchFamily="34" charset="0"/>
               <a:ea typeface="Calibri" panose="020F0502020204030204" pitchFamily="34" charset="0"/>

--- a/docs/React.pptx
+++ b/docs/React.pptx
@@ -5,7 +5,7 @@
     <p:sldMasterId id="2147483660" r:id="rId4"/>
   </p:sldMasterIdLst>
   <p:notesMasterIdLst>
-    <p:notesMasterId r:id="rId48"/>
+    <p:notesMasterId r:id="rId49"/>
   </p:notesMasterIdLst>
   <p:sldIdLst>
     <p:sldId id="264" r:id="rId5"/>
@@ -51,6 +51,7 @@
     <p:sldId id="352" r:id="rId45"/>
     <p:sldId id="353" r:id="rId46"/>
     <p:sldId id="354" r:id="rId47"/>
+    <p:sldId id="355" r:id="rId48"/>
   </p:sldIdLst>
   <p:sldSz cx="12192000" cy="6858000"/>
   <p:notesSz cx="6858000" cy="9144000"/>
@@ -10043,6 +10044,9 @@
             </a:pPr>
             <a:r>
               <a:rPr lang="en-US" sz="1400" dirty="0">
+                <a:highlight>
+                  <a:srgbClr val="00FF00"/>
+                </a:highlight>
                 <a:latin typeface="Calibri" panose="020F0502020204030204" pitchFamily="34" charset="0"/>
                 <a:ea typeface="Calibri" panose="020F0502020204030204" pitchFamily="34" charset="0"/>
                 <a:cs typeface="Arial" panose="020B0604020202020204" pitchFamily="34" charset="0"/>
@@ -10051,6 +10055,9 @@
             </a:r>
             <a:endParaRPr lang="en-US" sz="1400" dirty="0">
               <a:effectLst/>
+              <a:highlight>
+                <a:srgbClr val="00FF00"/>
+              </a:highlight>
               <a:latin typeface="Calibri" panose="020F0502020204030204" pitchFamily="34" charset="0"/>
               <a:ea typeface="Calibri" panose="020F0502020204030204" pitchFamily="34" charset="0"/>
               <a:cs typeface="Arial" panose="020B0604020202020204" pitchFamily="34" charset="0"/>
@@ -10503,6 +10510,99 @@
     <p:extLst>
       <p:ext uri="{BB962C8B-B14F-4D97-AF65-F5344CB8AC3E}">
         <p14:creationId xmlns:p14="http://schemas.microsoft.com/office/powerpoint/2010/main" val="236089455"/>
+      </p:ext>
+    </p:extLst>
+  </p:cSld>
+  <p:clrMapOvr>
+    <a:masterClrMapping/>
+  </p:clrMapOvr>
+</p:sld>
+</file>
+
+<file path=ppt/slides/slide44.xml><?xml version="1.0" encoding="utf-8"?>
+<p:sld xmlns:a="http://schemas.openxmlformats.org/drawingml/2006/main" xmlns:r="http://schemas.openxmlformats.org/officeDocument/2006/relationships" xmlns:p="http://schemas.openxmlformats.org/presentationml/2006/main">
+  <p:cSld>
+    <p:spTree>
+      <p:nvGrpSpPr>
+        <p:cNvPr id="1" name=""/>
+        <p:cNvGrpSpPr/>
+        <p:nvPr/>
+      </p:nvGrpSpPr>
+      <p:grpSpPr>
+        <a:xfrm>
+          <a:off x="0" y="0"/>
+          <a:ext cx="0" cy="0"/>
+          <a:chOff x="0" y="0"/>
+          <a:chExt cx="0" cy="0"/>
+        </a:xfrm>
+      </p:grpSpPr>
+      <p:sp>
+        <p:nvSpPr>
+          <p:cNvPr id="2" name="Title 1">
+            <a:extLst>
+              <a:ext uri="{FF2B5EF4-FFF2-40B4-BE49-F238E27FC236}">
+                <a16:creationId xmlns:a16="http://schemas.microsoft.com/office/drawing/2014/main" id="{8A56E29C-09F7-B711-591E-BDC97066A449}"/>
+              </a:ext>
+            </a:extLst>
+          </p:cNvPr>
+          <p:cNvSpPr>
+            <a:spLocks noGrp="1"/>
+          </p:cNvSpPr>
+          <p:nvPr>
+            <p:ph type="title"/>
+          </p:nvPr>
+        </p:nvSpPr>
+        <p:spPr/>
+        <p:txBody>
+          <a:bodyPr/>
+          <a:lstStyle/>
+          <a:p>
+            <a:r>
+              <a:rPr lang="en-US" dirty="0"/>
+              <a:t>HW</a:t>
+            </a:r>
+          </a:p>
+        </p:txBody>
+      </p:sp>
+      <p:sp>
+        <p:nvSpPr>
+          <p:cNvPr id="3" name="Content Placeholder 2">
+            <a:extLst>
+              <a:ext uri="{FF2B5EF4-FFF2-40B4-BE49-F238E27FC236}">
+                <a16:creationId xmlns:a16="http://schemas.microsoft.com/office/drawing/2014/main" id="{4D96329F-70CA-D930-B844-FB5264890AD1}"/>
+              </a:ext>
+            </a:extLst>
+          </p:cNvPr>
+          <p:cNvSpPr>
+            <a:spLocks noGrp="1"/>
+          </p:cNvSpPr>
+          <p:nvPr>
+            <p:ph idx="1"/>
+          </p:nvPr>
+        </p:nvSpPr>
+        <p:spPr/>
+        <p:txBody>
+          <a:bodyPr>
+            <a:normAutofit/>
+          </a:bodyPr>
+          <a:lstStyle/>
+          <a:p>
+            <a:r>
+              <a:rPr lang="en-US" sz="1800" dirty="0"/>
+              <a:t>create edit </a:t>
+            </a:r>
+            <a:r>
+              <a:rPr lang="en-US" sz="1800"/>
+              <a:t>card popup</a:t>
+            </a:r>
+            <a:endParaRPr lang="en-US" sz="1800" dirty="0"/>
+          </a:p>
+        </p:txBody>
+      </p:sp>
+    </p:spTree>
+    <p:extLst>
+      <p:ext uri="{BB962C8B-B14F-4D97-AF65-F5344CB8AC3E}">
+        <p14:creationId xmlns:p14="http://schemas.microsoft.com/office/powerpoint/2010/main" val="1478011774"/>
       </p:ext>
     </p:extLst>
   </p:cSld>

--- a/docs/React.pptx
+++ b/docs/React.pptx
@@ -5,7 +5,7 @@
     <p:sldMasterId id="2147483660" r:id="rId4"/>
   </p:sldMasterIdLst>
   <p:notesMasterIdLst>
-    <p:notesMasterId r:id="rId49"/>
+    <p:notesMasterId r:id="rId52"/>
   </p:notesMasterIdLst>
   <p:sldIdLst>
     <p:sldId id="264" r:id="rId5"/>
@@ -52,6 +52,9 @@
     <p:sldId id="353" r:id="rId46"/>
     <p:sldId id="354" r:id="rId47"/>
     <p:sldId id="355" r:id="rId48"/>
+    <p:sldId id="356" r:id="rId49"/>
+    <p:sldId id="357" r:id="rId50"/>
+    <p:sldId id="359" r:id="rId51"/>
   </p:sldIdLst>
   <p:sldSz cx="12192000" cy="6858000"/>
   <p:notesSz cx="6858000" cy="9144000"/>
@@ -240,7 +243,7 @@
           <a:p>
             <a:fld id="{CC6DBDFE-DD3D-4291-A404-1B97A83A6EA8}" type="datetimeFigureOut">
               <a:rPr lang="en-US" smtClean="0"/>
-              <a:t>04/07/2022</a:t>
+              <a:t>06/07/2022</a:t>
             </a:fld>
             <a:endParaRPr lang="en-US" dirty="0"/>
           </a:p>
@@ -1120,7 +1123,7 @@
           <a:p>
             <a:fld id="{EA0C0817-A112-4847-8014-A94B7D2A4EA3}" type="datetime1">
               <a:rPr lang="en-US" smtClean="0"/>
-              <a:t>04/07/2022</a:t>
+              <a:t>06/07/2022</a:t>
             </a:fld>
             <a:endParaRPr lang="en-US" dirty="0"/>
           </a:p>
@@ -1322,7 +1325,7 @@
           <a:p>
             <a:fld id="{7332B432-ACDA-4023-A761-2BAB76577B62}" type="datetime1">
               <a:rPr lang="en-US" smtClean="0"/>
-              <a:t>04/07/2022</a:t>
+              <a:t>06/07/2022</a:t>
             </a:fld>
             <a:endParaRPr lang="en-US" dirty="0"/>
           </a:p>
@@ -1921,7 +1924,7 @@
           <a:p>
             <a:fld id="{D9C646AA-F36E-4540-911D-FFFC0A0EF24A}" type="datetime1">
               <a:rPr lang="en-US" smtClean="0"/>
-              <a:t>04/07/2022</a:t>
+              <a:t>06/07/2022</a:t>
             </a:fld>
             <a:endParaRPr lang="en-US" dirty="0"/>
           </a:p>
@@ -2241,7 +2244,7 @@
           <a:p>
             <a:fld id="{69186D26-FA5F-4637-B602-B7C2DC34CFD4}" type="datetime1">
               <a:rPr lang="en-US" smtClean="0"/>
-              <a:t>04/07/2022</a:t>
+              <a:t>06/07/2022</a:t>
             </a:fld>
             <a:endParaRPr lang="en-US" dirty="0"/>
           </a:p>
@@ -2678,7 +2681,7 @@
           <a:p>
             <a:fld id="{8A7F15D8-96D1-4781-BC50-CA8A088B2FE4}" type="datetime1">
               <a:rPr lang="en-US" smtClean="0"/>
-              <a:t>04/07/2022</a:t>
+              <a:t>06/07/2022</a:t>
             </a:fld>
             <a:endParaRPr lang="en-US" dirty="0"/>
           </a:p>
@@ -2796,7 +2799,7 @@
           <a:p>
             <a:fld id="{F9A96C99-B8F8-4528-BD05-0E16E943DC09}" type="datetime1">
               <a:rPr lang="en-US" smtClean="0"/>
-              <a:t>04/07/2022</a:t>
+              <a:t>06/07/2022</a:t>
             </a:fld>
             <a:endParaRPr lang="en-US" dirty="0"/>
           </a:p>
@@ -2891,7 +2894,7 @@
           <a:p>
             <a:fld id="{03636942-C211-4B28-8DBD-C953E00AF71B}" type="datetime1">
               <a:rPr lang="en-US" smtClean="0"/>
-              <a:t>04/07/2022</a:t>
+              <a:t>06/07/2022</a:t>
             </a:fld>
             <a:endParaRPr lang="en-US" dirty="0"/>
           </a:p>
@@ -3308,7 +3311,7 @@
           <a:p>
             <a:fld id="{7E8D12A6-918A-48BD-8CB9-CA713993B0EA}" type="datetime1">
               <a:rPr lang="en-US" smtClean="0"/>
-              <a:t>04/07/2022</a:t>
+              <a:t>06/07/2022</a:t>
             </a:fld>
             <a:endParaRPr lang="en-US" dirty="0"/>
           </a:p>
@@ -3570,7 +3573,7 @@
             <a:fld id="{E778CE86-875F-4587-BCF6-FA054AFC0D53}" type="datetime1">
               <a:rPr lang="en-US" smtClean="0"/>
               <a:pPr/>
-              <a:t>04/07/2022</a:t>
+              <a:t>06/07/2022</a:t>
             </a:fld>
             <a:endParaRPr lang="en-US" dirty="0"/>
           </a:p>
@@ -4086,7 +4089,7 @@
           <a:p>
             <a:fld id="{F6FA2B21-3FCD-4721-B95C-427943F61125}" type="datetime1">
               <a:rPr lang="en-US" smtClean="0"/>
-              <a:t>04/07/2022</a:t>
+              <a:t>06/07/2022</a:t>
             </a:fld>
             <a:endParaRPr lang="en-US" dirty="0"/>
           </a:p>
@@ -10045,7 +10048,7 @@
             <a:r>
               <a:rPr lang="en-US" sz="1400" dirty="0">
                 <a:highlight>
-                  <a:srgbClr val="00FF00"/>
+                  <a:srgbClr val="FFFF00"/>
                 </a:highlight>
                 <a:latin typeface="Calibri" panose="020F0502020204030204" pitchFamily="34" charset="0"/>
                 <a:ea typeface="Calibri" panose="020F0502020204030204" pitchFamily="34" charset="0"/>
@@ -10056,7 +10059,7 @@
             <a:endParaRPr lang="en-US" sz="1400" dirty="0">
               <a:effectLst/>
               <a:highlight>
-                <a:srgbClr val="00FF00"/>
+                <a:srgbClr val="FFFF00"/>
               </a:highlight>
               <a:latin typeface="Calibri" panose="020F0502020204030204" pitchFamily="34" charset="0"/>
               <a:ea typeface="Calibri" panose="020F0502020204030204" pitchFamily="34" charset="0"/>
@@ -10589,13 +10592,8 @@
           <a:p>
             <a:r>
               <a:rPr lang="en-US" sz="1800" dirty="0"/>
-              <a:t>create edit </a:t>
-            </a:r>
-            <a:r>
-              <a:rPr lang="en-US" sz="1800"/>
-              <a:t>card popup</a:t>
-            </a:r>
-            <a:endParaRPr lang="en-US" sz="1800" dirty="0"/>
+              <a:t>create edit card popup</a:t>
+            </a:r>
           </a:p>
         </p:txBody>
       </p:sp>
@@ -10603,6 +10601,540 @@
     <p:extLst>
       <p:ext uri="{BB962C8B-B14F-4D97-AF65-F5344CB8AC3E}">
         <p14:creationId xmlns:p14="http://schemas.microsoft.com/office/powerpoint/2010/main" val="1478011774"/>
+      </p:ext>
+    </p:extLst>
+  </p:cSld>
+  <p:clrMapOvr>
+    <a:masterClrMapping/>
+  </p:clrMapOvr>
+</p:sld>
+</file>
+
+<file path=ppt/slides/slide45.xml><?xml version="1.0" encoding="utf-8"?>
+<p:sld xmlns:a="http://schemas.openxmlformats.org/drawingml/2006/main" xmlns:r="http://schemas.openxmlformats.org/officeDocument/2006/relationships" xmlns:p="http://schemas.openxmlformats.org/presentationml/2006/main">
+  <p:cSld>
+    <p:spTree>
+      <p:nvGrpSpPr>
+        <p:cNvPr id="1" name=""/>
+        <p:cNvGrpSpPr/>
+        <p:nvPr/>
+      </p:nvGrpSpPr>
+      <p:grpSpPr>
+        <a:xfrm>
+          <a:off x="0" y="0"/>
+          <a:ext cx="0" cy="0"/>
+          <a:chOff x="0" y="0"/>
+          <a:chExt cx="0" cy="0"/>
+        </a:xfrm>
+      </p:grpSpPr>
+      <p:sp>
+        <p:nvSpPr>
+          <p:cNvPr id="2" name="Title 1">
+            <a:extLst>
+              <a:ext uri="{FF2B5EF4-FFF2-40B4-BE49-F238E27FC236}">
+                <a16:creationId xmlns:a16="http://schemas.microsoft.com/office/drawing/2014/main" id="{8A56E29C-09F7-B711-591E-BDC97066A449}"/>
+              </a:ext>
+            </a:extLst>
+          </p:cNvPr>
+          <p:cNvSpPr>
+            <a:spLocks noGrp="1"/>
+          </p:cNvSpPr>
+          <p:nvPr>
+            <p:ph type="title"/>
+          </p:nvPr>
+        </p:nvSpPr>
+        <p:spPr/>
+        <p:txBody>
+          <a:bodyPr/>
+          <a:lstStyle/>
+          <a:p>
+            <a:r>
+              <a:rPr lang="en-US" dirty="0"/>
+              <a:t>06/07/2022</a:t>
+            </a:r>
+          </a:p>
+        </p:txBody>
+      </p:sp>
+      <p:sp>
+        <p:nvSpPr>
+          <p:cNvPr id="3" name="Content Placeholder 2">
+            <a:extLst>
+              <a:ext uri="{FF2B5EF4-FFF2-40B4-BE49-F238E27FC236}">
+                <a16:creationId xmlns:a16="http://schemas.microsoft.com/office/drawing/2014/main" id="{4D96329F-70CA-D930-B844-FB5264890AD1}"/>
+              </a:ext>
+            </a:extLst>
+          </p:cNvPr>
+          <p:cNvSpPr>
+            <a:spLocks noGrp="1"/>
+          </p:cNvSpPr>
+          <p:nvPr>
+            <p:ph idx="1"/>
+          </p:nvPr>
+        </p:nvSpPr>
+        <p:spPr/>
+        <p:txBody>
+          <a:bodyPr>
+            <a:normAutofit/>
+          </a:bodyPr>
+          <a:lstStyle/>
+          <a:p>
+            <a:pPr marL="342900" marR="0" lvl="0" indent="-342900">
+              <a:lnSpc>
+                <a:spcPct val="107000"/>
+              </a:lnSpc>
+              <a:spcBef>
+                <a:spcPts val="0"/>
+              </a:spcBef>
+              <a:spcAft>
+                <a:spcPts val="0"/>
+              </a:spcAft>
+              <a:buFont typeface="+mj-lt"/>
+              <a:buAutoNum type="arabicParenR"/>
+            </a:pPr>
+            <a:r>
+              <a:rPr lang="en-US" sz="1800" dirty="0">
+                <a:effectLst/>
+                <a:latin typeface="Calibri" panose="020F0502020204030204" pitchFamily="34" charset="0"/>
+                <a:ea typeface="Calibri" panose="020F0502020204030204" pitchFamily="34" charset="0"/>
+                <a:cs typeface="Arial" panose="020B0604020202020204" pitchFamily="34" charset="0"/>
+              </a:rPr>
+              <a:t>cards panel</a:t>
+            </a:r>
+          </a:p>
+          <a:p>
+            <a:pPr marL="617220" lvl="1" indent="-342900">
+              <a:lnSpc>
+                <a:spcPct val="107000"/>
+              </a:lnSpc>
+              <a:spcBef>
+                <a:spcPts val="0"/>
+              </a:spcBef>
+              <a:buFont typeface="+mj-lt"/>
+              <a:buAutoNum type="arabicParenR"/>
+            </a:pPr>
+            <a:r>
+              <a:rPr lang="en-US" sz="1800" dirty="0">
+                <a:highlight>
+                  <a:srgbClr val="FFFF00"/>
+                </a:highlight>
+                <a:latin typeface="Calibri" panose="020F0502020204030204" pitchFamily="34" charset="0"/>
+                <a:ea typeface="Calibri" panose="020F0502020204030204" pitchFamily="34" charset="0"/>
+                <a:cs typeface="Arial" panose="020B0604020202020204" pitchFamily="34" charset="0"/>
+              </a:rPr>
+              <a:t>get</a:t>
+            </a:r>
+            <a:endParaRPr lang="en-US" sz="1800" dirty="0">
+              <a:effectLst/>
+              <a:highlight>
+                <a:srgbClr val="FFFF00"/>
+              </a:highlight>
+              <a:latin typeface="Calibri" panose="020F0502020204030204" pitchFamily="34" charset="0"/>
+              <a:ea typeface="Calibri" panose="020F0502020204030204" pitchFamily="34" charset="0"/>
+              <a:cs typeface="Arial" panose="020B0604020202020204" pitchFamily="34" charset="0"/>
+            </a:endParaRPr>
+          </a:p>
+          <a:p>
+            <a:pPr marL="617220" lvl="1" indent="-342900">
+              <a:lnSpc>
+                <a:spcPct val="107000"/>
+              </a:lnSpc>
+              <a:spcBef>
+                <a:spcPts val="0"/>
+              </a:spcBef>
+              <a:buFont typeface="+mj-lt"/>
+              <a:buAutoNum type="arabicParenR"/>
+            </a:pPr>
+            <a:r>
+              <a:rPr lang="en-US" sz="1800" dirty="0">
+                <a:latin typeface="Calibri" panose="020F0502020204030204" pitchFamily="34" charset="0"/>
+                <a:ea typeface="Calibri" panose="020F0502020204030204" pitchFamily="34" charset="0"/>
+                <a:cs typeface="Arial" panose="020B0604020202020204" pitchFamily="34" charset="0"/>
+              </a:rPr>
+              <a:t>edit</a:t>
+            </a:r>
+          </a:p>
+          <a:p>
+            <a:pPr marL="617220" lvl="1" indent="-342900">
+              <a:lnSpc>
+                <a:spcPct val="107000"/>
+              </a:lnSpc>
+              <a:spcBef>
+                <a:spcPts val="0"/>
+              </a:spcBef>
+              <a:buFont typeface="+mj-lt"/>
+              <a:buAutoNum type="arabicParenR"/>
+            </a:pPr>
+            <a:r>
+              <a:rPr lang="en-US" sz="1800" dirty="0">
+                <a:highlight>
+                  <a:srgbClr val="FFFF00"/>
+                </a:highlight>
+                <a:latin typeface="Calibri" panose="020F0502020204030204" pitchFamily="34" charset="0"/>
+                <a:ea typeface="Calibri" panose="020F0502020204030204" pitchFamily="34" charset="0"/>
+                <a:cs typeface="Arial" panose="020B0604020202020204" pitchFamily="34" charset="0"/>
+              </a:rPr>
+              <a:t>delete</a:t>
+            </a:r>
+            <a:endParaRPr lang="en-US" sz="1800" dirty="0">
+              <a:effectLst/>
+              <a:highlight>
+                <a:srgbClr val="FFFF00"/>
+              </a:highlight>
+              <a:latin typeface="Calibri" panose="020F0502020204030204" pitchFamily="34" charset="0"/>
+              <a:ea typeface="Calibri" panose="020F0502020204030204" pitchFamily="34" charset="0"/>
+              <a:cs typeface="Arial" panose="020B0604020202020204" pitchFamily="34" charset="0"/>
+            </a:endParaRPr>
+          </a:p>
+          <a:p>
+            <a:pPr marL="342900" marR="0" lvl="0" indent="-342900">
+              <a:lnSpc>
+                <a:spcPct val="107000"/>
+              </a:lnSpc>
+              <a:spcBef>
+                <a:spcPts val="0"/>
+              </a:spcBef>
+              <a:spcAft>
+                <a:spcPts val="800"/>
+              </a:spcAft>
+              <a:buFont typeface="+mj-lt"/>
+              <a:buAutoNum type="arabicParenR"/>
+            </a:pPr>
+            <a:r>
+              <a:rPr lang="en-US" sz="1800" dirty="0">
+                <a:effectLst/>
+                <a:latin typeface="Calibri" panose="020F0502020204030204" pitchFamily="34" charset="0"/>
+                <a:ea typeface="Calibri" panose="020F0502020204030204" pitchFamily="34" charset="0"/>
+                <a:cs typeface="Arial" panose="020B0604020202020204" pitchFamily="34" charset="0"/>
+              </a:rPr>
+              <a:t>redux</a:t>
+            </a:r>
+          </a:p>
+          <a:p>
+            <a:pPr marL="342900" marR="0" lvl="0" indent="-342900">
+              <a:lnSpc>
+                <a:spcPct val="107000"/>
+              </a:lnSpc>
+              <a:spcBef>
+                <a:spcPts val="0"/>
+              </a:spcBef>
+              <a:spcAft>
+                <a:spcPts val="800"/>
+              </a:spcAft>
+              <a:buFont typeface="+mj-lt"/>
+              <a:buAutoNum type="arabicParenR"/>
+            </a:pPr>
+            <a:r>
+              <a:rPr lang="en-US" sz="1800" dirty="0">
+                <a:latin typeface="Calibri" panose="020F0502020204030204" pitchFamily="34" charset="0"/>
+                <a:ea typeface="Calibri" panose="020F0502020204030204" pitchFamily="34" charset="0"/>
+                <a:cs typeface="Arial" panose="020B0604020202020204" pitchFamily="34" charset="0"/>
+              </a:rPr>
+              <a:t>router</a:t>
+            </a:r>
+            <a:endParaRPr lang="en-US" sz="1800" dirty="0">
+              <a:effectLst/>
+              <a:latin typeface="Calibri" panose="020F0502020204030204" pitchFamily="34" charset="0"/>
+              <a:ea typeface="Calibri" panose="020F0502020204030204" pitchFamily="34" charset="0"/>
+              <a:cs typeface="Arial" panose="020B0604020202020204" pitchFamily="34" charset="0"/>
+            </a:endParaRPr>
+          </a:p>
+        </p:txBody>
+      </p:sp>
+    </p:spTree>
+    <p:extLst>
+      <p:ext uri="{BB962C8B-B14F-4D97-AF65-F5344CB8AC3E}">
+        <p14:creationId xmlns:p14="http://schemas.microsoft.com/office/powerpoint/2010/main" val="1245813316"/>
+      </p:ext>
+    </p:extLst>
+  </p:cSld>
+  <p:clrMapOvr>
+    <a:masterClrMapping/>
+  </p:clrMapOvr>
+</p:sld>
+</file>
+
+<file path=ppt/slides/slide46.xml><?xml version="1.0" encoding="utf-8"?>
+<p:sld xmlns:a="http://schemas.openxmlformats.org/drawingml/2006/main" xmlns:r="http://schemas.openxmlformats.org/officeDocument/2006/relationships" xmlns:p="http://schemas.openxmlformats.org/presentationml/2006/main">
+  <p:cSld>
+    <p:spTree>
+      <p:nvGrpSpPr>
+        <p:cNvPr id="1" name=""/>
+        <p:cNvGrpSpPr/>
+        <p:nvPr/>
+      </p:nvGrpSpPr>
+      <p:grpSpPr>
+        <a:xfrm>
+          <a:off x="0" y="0"/>
+          <a:ext cx="0" cy="0"/>
+          <a:chOff x="0" y="0"/>
+          <a:chExt cx="0" cy="0"/>
+        </a:xfrm>
+      </p:grpSpPr>
+      <p:sp>
+        <p:nvSpPr>
+          <p:cNvPr id="2" name="Title 1">
+            <a:extLst>
+              <a:ext uri="{FF2B5EF4-FFF2-40B4-BE49-F238E27FC236}">
+                <a16:creationId xmlns:a16="http://schemas.microsoft.com/office/drawing/2014/main" id="{8A56E29C-09F7-B711-591E-BDC97066A449}"/>
+              </a:ext>
+            </a:extLst>
+          </p:cNvPr>
+          <p:cNvSpPr>
+            <a:spLocks noGrp="1"/>
+          </p:cNvSpPr>
+          <p:nvPr>
+            <p:ph type="title"/>
+          </p:nvPr>
+        </p:nvSpPr>
+        <p:spPr/>
+        <p:txBody>
+          <a:bodyPr/>
+          <a:lstStyle/>
+          <a:p>
+            <a:r>
+              <a:rPr lang="en-US" dirty="0"/>
+              <a:t>Edit card</a:t>
+            </a:r>
+          </a:p>
+        </p:txBody>
+      </p:sp>
+      <p:sp>
+        <p:nvSpPr>
+          <p:cNvPr id="6" name="TextBox 5">
+            <a:extLst>
+              <a:ext uri="{FF2B5EF4-FFF2-40B4-BE49-F238E27FC236}">
+                <a16:creationId xmlns:a16="http://schemas.microsoft.com/office/drawing/2014/main" id="{8A24CC2A-EC69-3227-1175-6F17AB89B922}"/>
+              </a:ext>
+            </a:extLst>
+          </p:cNvPr>
+          <p:cNvSpPr txBox="1"/>
+          <p:nvPr/>
+        </p:nvSpPr>
+        <p:spPr>
+          <a:xfrm>
+            <a:off x="733245" y="2014194"/>
+            <a:ext cx="2286000" cy="3970318"/>
+          </a:xfrm>
+          <a:prstGeom prst="rect">
+            <a:avLst/>
+          </a:prstGeom>
+          <a:noFill/>
+        </p:spPr>
+        <p:txBody>
+          <a:bodyPr wrap="square" rtlCol="0">
+            <a:spAutoFit/>
+          </a:bodyPr>
+          <a:lstStyle/>
+          <a:p>
+            <a:pPr marL="342900" indent="-342900">
+              <a:buAutoNum type="arabicParenR"/>
+            </a:pPr>
+            <a:r>
+              <a:rPr lang="en-US" dirty="0"/>
+              <a:t>react create array of cards</a:t>
+            </a:r>
+          </a:p>
+          <a:p>
+            <a:pPr marL="342900" indent="-342900">
+              <a:buAutoNum type="arabicParenR"/>
+            </a:pPr>
+            <a:r>
+              <a:rPr lang="en-US" dirty="0"/>
+              <a:t>when user select card to edit – react send the id to the dashboard (parent)</a:t>
+            </a:r>
+          </a:p>
+          <a:p>
+            <a:pPr marL="342900" indent="-342900">
+              <a:buAutoNum type="arabicParenR"/>
+            </a:pPr>
+            <a:r>
+              <a:rPr lang="en-US" dirty="0"/>
+              <a:t>dashboard (parent) send the selected card date to the edit popup (component)</a:t>
+            </a:r>
+          </a:p>
+        </p:txBody>
+      </p:sp>
+      <p:pic>
+        <p:nvPicPr>
+          <p:cNvPr id="10" name="Picture 9">
+            <a:extLst>
+              <a:ext uri="{FF2B5EF4-FFF2-40B4-BE49-F238E27FC236}">
+                <a16:creationId xmlns:a16="http://schemas.microsoft.com/office/drawing/2014/main" id="{4996E011-6DD2-1313-EBA5-EE37141C162E}"/>
+              </a:ext>
+            </a:extLst>
+          </p:cNvPr>
+          <p:cNvPicPr>
+            <a:picLocks noChangeAspect="1"/>
+          </p:cNvPicPr>
+          <p:nvPr/>
+        </p:nvPicPr>
+        <p:blipFill>
+          <a:blip r:embed="rId2"/>
+          <a:stretch>
+            <a:fillRect/>
+          </a:stretch>
+        </p:blipFill>
+        <p:spPr>
+          <a:xfrm>
+            <a:off x="3252158" y="2014194"/>
+            <a:ext cx="8405004" cy="3944309"/>
+          </a:xfrm>
+          <a:prstGeom prst="rect">
+            <a:avLst/>
+          </a:prstGeom>
+        </p:spPr>
+      </p:pic>
+    </p:spTree>
+    <p:extLst>
+      <p:ext uri="{BB962C8B-B14F-4D97-AF65-F5344CB8AC3E}">
+        <p14:creationId xmlns:p14="http://schemas.microsoft.com/office/powerpoint/2010/main" val="683838526"/>
+      </p:ext>
+    </p:extLst>
+  </p:cSld>
+  <p:clrMapOvr>
+    <a:masterClrMapping/>
+  </p:clrMapOvr>
+</p:sld>
+</file>
+
+<file path=ppt/slides/slide47.xml><?xml version="1.0" encoding="utf-8"?>
+<p:sld xmlns:a="http://schemas.openxmlformats.org/drawingml/2006/main" xmlns:r="http://schemas.openxmlformats.org/officeDocument/2006/relationships" xmlns:p="http://schemas.openxmlformats.org/presentationml/2006/main">
+  <p:cSld>
+    <p:spTree>
+      <p:nvGrpSpPr>
+        <p:cNvPr id="1" name=""/>
+        <p:cNvGrpSpPr/>
+        <p:nvPr/>
+      </p:nvGrpSpPr>
+      <p:grpSpPr>
+        <a:xfrm>
+          <a:off x="0" y="0"/>
+          <a:ext cx="0" cy="0"/>
+          <a:chOff x="0" y="0"/>
+          <a:chExt cx="0" cy="0"/>
+        </a:xfrm>
+      </p:grpSpPr>
+      <p:sp>
+        <p:nvSpPr>
+          <p:cNvPr id="2" name="Title 1">
+            <a:extLst>
+              <a:ext uri="{FF2B5EF4-FFF2-40B4-BE49-F238E27FC236}">
+                <a16:creationId xmlns:a16="http://schemas.microsoft.com/office/drawing/2014/main" id="{8A56E29C-09F7-B711-591E-BDC97066A449}"/>
+              </a:ext>
+            </a:extLst>
+          </p:cNvPr>
+          <p:cNvSpPr>
+            <a:spLocks noGrp="1"/>
+          </p:cNvSpPr>
+          <p:nvPr>
+            <p:ph type="title"/>
+          </p:nvPr>
+        </p:nvSpPr>
+        <p:spPr/>
+        <p:txBody>
+          <a:bodyPr/>
+          <a:lstStyle/>
+          <a:p>
+            <a:r>
+              <a:rPr lang="en-US" dirty="0"/>
+              <a:t>Edit card</a:t>
+            </a:r>
+          </a:p>
+        </p:txBody>
+      </p:sp>
+      <p:sp>
+        <p:nvSpPr>
+          <p:cNvPr id="6" name="TextBox 5">
+            <a:extLst>
+              <a:ext uri="{FF2B5EF4-FFF2-40B4-BE49-F238E27FC236}">
+                <a16:creationId xmlns:a16="http://schemas.microsoft.com/office/drawing/2014/main" id="{8A24CC2A-EC69-3227-1175-6F17AB89B922}"/>
+              </a:ext>
+            </a:extLst>
+          </p:cNvPr>
+          <p:cNvSpPr txBox="1"/>
+          <p:nvPr/>
+        </p:nvSpPr>
+        <p:spPr>
+          <a:xfrm>
+            <a:off x="733245" y="2014194"/>
+            <a:ext cx="2286000" cy="4524315"/>
+          </a:xfrm>
+          <a:prstGeom prst="rect">
+            <a:avLst/>
+          </a:prstGeom>
+          <a:noFill/>
+        </p:spPr>
+        <p:txBody>
+          <a:bodyPr wrap="square" rtlCol="0">
+            <a:spAutoFit/>
+          </a:bodyPr>
+          <a:lstStyle/>
+          <a:p>
+            <a:pPr marL="342900" indent="-342900">
+              <a:buFont typeface="+mj-lt"/>
+              <a:buAutoNum type="arabicParenR" startAt="4"/>
+            </a:pPr>
+            <a:r>
+              <a:rPr lang="en-US" dirty="0"/>
+              <a:t>user edit the data and the popup send the edited data to the dashboard page (parent)</a:t>
+            </a:r>
+          </a:p>
+          <a:p>
+            <a:pPr marL="342900" indent="-342900">
+              <a:buFont typeface="+mj-lt"/>
+              <a:buAutoNum type="arabicParenR" startAt="4"/>
+            </a:pPr>
+            <a:r>
+              <a:rPr lang="en-US" dirty="0"/>
+              <a:t>dashboard (parent) send the data to the server and wait for the response</a:t>
+            </a:r>
+          </a:p>
+          <a:p>
+            <a:pPr marL="342900" indent="-342900">
+              <a:buFont typeface="+mj-lt"/>
+              <a:buAutoNum type="arabicParenR" startAt="4"/>
+            </a:pPr>
+            <a:r>
+              <a:rPr lang="en-US" dirty="0"/>
+              <a:t>after dashboard got ok response react will recreate the cards</a:t>
+            </a:r>
+          </a:p>
+        </p:txBody>
+      </p:sp>
+      <p:pic>
+        <p:nvPicPr>
+          <p:cNvPr id="10" name="Picture 9">
+            <a:extLst>
+              <a:ext uri="{FF2B5EF4-FFF2-40B4-BE49-F238E27FC236}">
+                <a16:creationId xmlns:a16="http://schemas.microsoft.com/office/drawing/2014/main" id="{4996E011-6DD2-1313-EBA5-EE37141C162E}"/>
+              </a:ext>
+            </a:extLst>
+          </p:cNvPr>
+          <p:cNvPicPr>
+            <a:picLocks noChangeAspect="1"/>
+          </p:cNvPicPr>
+          <p:nvPr/>
+        </p:nvPicPr>
+        <p:blipFill>
+          <a:blip r:embed="rId2"/>
+          <a:stretch>
+            <a:fillRect/>
+          </a:stretch>
+        </p:blipFill>
+        <p:spPr>
+          <a:xfrm>
+            <a:off x="3252158" y="2014194"/>
+            <a:ext cx="8405004" cy="3944309"/>
+          </a:xfrm>
+          <a:prstGeom prst="rect">
+            <a:avLst/>
+          </a:prstGeom>
+        </p:spPr>
+      </p:pic>
+    </p:spTree>
+    <p:extLst>
+      <p:ext uri="{BB962C8B-B14F-4D97-AF65-F5344CB8AC3E}">
+        <p14:creationId xmlns:p14="http://schemas.microsoft.com/office/powerpoint/2010/main" val="4285821809"/>
       </p:ext>
     </p:extLst>
   </p:cSld>
@@ -11902,24 +12434,6 @@
 </file>
 
 <file path=customXml/item1.xml><?xml version="1.0" encoding="utf-8"?>
-<p:properties xmlns:p="http://schemas.microsoft.com/office/2006/metadata/properties" xmlns:xsi="http://www.w3.org/2001/XMLSchema-instance" xmlns:pc="http://schemas.microsoft.com/office/infopath/2007/PartnerControls">
-  <documentManagement>
-    <Status xmlns="71af3243-3dd4-4a8d-8c0d-dd76da1f02a5">Not started</Status>
-    <MediaServiceKeyPoints xmlns="71af3243-3dd4-4a8d-8c0d-dd76da1f02a5" xsi:nil="true"/>
-  </documentManagement>
-</p:properties>
-</file>
-
-<file path=customXml/item2.xml><?xml version="1.0" encoding="utf-8"?>
-<?mso-contentType ?>
-<FormTemplates xmlns="http://schemas.microsoft.com/sharepoint/v3/contenttype/forms">
-  <Display>DocumentLibraryForm</Display>
-  <Edit>DocumentLibraryForm</Edit>
-  <New>DocumentLibraryForm</New>
-</FormTemplates>
-</file>
-
-<file path=customXml/item3.xml><?xml version="1.0" encoding="utf-8"?>
 <ct:contentTypeSchema xmlns:ct="http://schemas.microsoft.com/office/2006/metadata/contentType" xmlns:ma="http://schemas.microsoft.com/office/2006/metadata/properties/metaAttributes" ct:_="" ma:_="" ma:contentTypeName="Document" ma:contentTypeID="0x01010079F111ED35F8CC479449609E8A0923A6" ma:contentTypeVersion="12" ma:contentTypeDescription="Create a new document." ma:contentTypeScope="" ma:versionID="a410dd7f93c95333ffa1b60ed6adedd1">
   <xsd:schema xmlns:xsd="http://www.w3.org/2001/XMLSchema" xmlns:xs="http://www.w3.org/2001/XMLSchema" xmlns:p="http://schemas.microsoft.com/office/2006/metadata/properties" xmlns:ns2="71af3243-3dd4-4a8d-8c0d-dd76da1f02a5" xmlns:ns3="16c05727-aa75-4e4a-9b5f-8a80a1165891" targetNamespace="http://schemas.microsoft.com/office/2006/metadata/properties" ma:root="true" ma:fieldsID="a936d9baba76aa3866493feff160faab" ns2:_="" ns3:_="">
     <xsd:import namespace="71af3243-3dd4-4a8d-8c0d-dd76da1f02a5"/>
@@ -12140,25 +12654,25 @@
 </ct:contentTypeSchema>
 </file>
 
-<file path=customXml/itemProps1.xml><?xml version="1.0" encoding="utf-8"?>
-<ds:datastoreItem xmlns:ds="http://schemas.openxmlformats.org/officeDocument/2006/customXml" ds:itemID="{946BCBFB-BBC7-42F1-95CD-058E172363A0}">
-  <ds:schemaRefs>
-    <ds:schemaRef ds:uri="http://schemas.microsoft.com/office/2006/metadata/properties"/>
-    <ds:schemaRef ds:uri="http://schemas.microsoft.com/office/infopath/2007/PartnerControls"/>
-    <ds:schemaRef ds:uri="71af3243-3dd4-4a8d-8c0d-dd76da1f02a5"/>
-  </ds:schemaRefs>
-</ds:datastoreItem>
+<file path=customXml/item2.xml><?xml version="1.0" encoding="utf-8"?>
+<p:properties xmlns:p="http://schemas.microsoft.com/office/2006/metadata/properties" xmlns:xsi="http://www.w3.org/2001/XMLSchema-instance" xmlns:pc="http://schemas.microsoft.com/office/infopath/2007/PartnerControls">
+  <documentManagement>
+    <Status xmlns="71af3243-3dd4-4a8d-8c0d-dd76da1f02a5">Not started</Status>
+    <MediaServiceKeyPoints xmlns="71af3243-3dd4-4a8d-8c0d-dd76da1f02a5" xsi:nil="true"/>
+  </documentManagement>
+</p:properties>
 </file>
 
-<file path=customXml/itemProps2.xml><?xml version="1.0" encoding="utf-8"?>
-<ds:datastoreItem xmlns:ds="http://schemas.openxmlformats.org/officeDocument/2006/customXml" ds:itemID="{1259D436-C82E-43E0-8A01-53DF9CED6032}">
-  <ds:schemaRefs>
-    <ds:schemaRef ds:uri="http://schemas.microsoft.com/sharepoint/v3/contenttype/forms"/>
-  </ds:schemaRefs>
-</ds:datastoreItem>
+<file path=customXml/item3.xml><?xml version="1.0" encoding="utf-8"?>
+<?mso-contentType ?>
+<FormTemplates xmlns="http://schemas.microsoft.com/sharepoint/v3/contenttype/forms">
+  <Display>DocumentLibraryForm</Display>
+  <Edit>DocumentLibraryForm</Edit>
+  <New>DocumentLibraryForm</New>
+</FormTemplates>
 </file>
 
-<file path=customXml/itemProps3.xml><?xml version="1.0" encoding="utf-8"?>
+<file path=customXml/itemProps1.xml><?xml version="1.0" encoding="utf-8"?>
 <ds:datastoreItem xmlns:ds="http://schemas.openxmlformats.org/officeDocument/2006/customXml" ds:itemID="{1F91CDEB-92ED-41DC-BF33-2916A7687628}">
   <ds:schemaRefs>
     <ds:schemaRef ds:uri="http://schemas.microsoft.com/office/2006/metadata/contentType"/>
@@ -12175,4 +12689,22 @@
     <ds:schemaRef ds:uri="http://schemas.microsoft.com/internal/obd"/>
   </ds:schemaRefs>
 </ds:datastoreItem>
+</file>
+
+<file path=customXml/itemProps2.xml><?xml version="1.0" encoding="utf-8"?>
+<ds:datastoreItem xmlns:ds="http://schemas.openxmlformats.org/officeDocument/2006/customXml" ds:itemID="{946BCBFB-BBC7-42F1-95CD-058E172363A0}">
+  <ds:schemaRefs>
+    <ds:schemaRef ds:uri="http://schemas.microsoft.com/office/2006/metadata/properties"/>
+    <ds:schemaRef ds:uri="http://schemas.microsoft.com/office/infopath/2007/PartnerControls"/>
+    <ds:schemaRef ds:uri="71af3243-3dd4-4a8d-8c0d-dd76da1f02a5"/>
+  </ds:schemaRefs>
+</ds:datastoreItem>
+</file>
+
+<file path=customXml/itemProps3.xml><?xml version="1.0" encoding="utf-8"?>
+<ds:datastoreItem xmlns:ds="http://schemas.openxmlformats.org/officeDocument/2006/customXml" ds:itemID="{1259D436-C82E-43E0-8A01-53DF9CED6032}">
+  <ds:schemaRefs>
+    <ds:schemaRef ds:uri="http://schemas.microsoft.com/sharepoint/v3/contenttype/forms"/>
+  </ds:schemaRefs>
+</ds:datastoreItem>
 </file>
--- a/docs/React.pptx
+++ b/docs/React.pptx
@@ -5,7 +5,7 @@
     <p:sldMasterId id="2147483660" r:id="rId4"/>
   </p:sldMasterIdLst>
   <p:notesMasterIdLst>
-    <p:notesMasterId r:id="rId52"/>
+    <p:notesMasterId r:id="rId53"/>
   </p:notesMasterIdLst>
   <p:sldIdLst>
     <p:sldId id="264" r:id="rId5"/>
@@ -55,6 +55,7 @@
     <p:sldId id="356" r:id="rId49"/>
     <p:sldId id="357" r:id="rId50"/>
     <p:sldId id="359" r:id="rId51"/>
+    <p:sldId id="360" r:id="rId52"/>
   </p:sldIdLst>
   <p:sldSz cx="12192000" cy="6858000"/>
   <p:notesSz cx="6858000" cy="9144000"/>
@@ -11135,6 +11136,319 @@
     <p:extLst>
       <p:ext uri="{BB962C8B-B14F-4D97-AF65-F5344CB8AC3E}">
         <p14:creationId xmlns:p14="http://schemas.microsoft.com/office/powerpoint/2010/main" val="4285821809"/>
+      </p:ext>
+    </p:extLst>
+  </p:cSld>
+  <p:clrMapOvr>
+    <a:masterClrMapping/>
+  </p:clrMapOvr>
+</p:sld>
+</file>
+
+<file path=ppt/slides/slide48.xml><?xml version="1.0" encoding="utf-8"?>
+<p:sld xmlns:a="http://schemas.openxmlformats.org/drawingml/2006/main" xmlns:r="http://schemas.openxmlformats.org/officeDocument/2006/relationships" xmlns:p="http://schemas.openxmlformats.org/presentationml/2006/main">
+  <p:cSld>
+    <p:spTree>
+      <p:nvGrpSpPr>
+        <p:cNvPr id="1" name=""/>
+        <p:cNvGrpSpPr/>
+        <p:nvPr/>
+      </p:nvGrpSpPr>
+      <p:grpSpPr>
+        <a:xfrm>
+          <a:off x="0" y="0"/>
+          <a:ext cx="0" cy="0"/>
+          <a:chOff x="0" y="0"/>
+          <a:chExt cx="0" cy="0"/>
+        </a:xfrm>
+      </p:grpSpPr>
+      <p:sp>
+        <p:nvSpPr>
+          <p:cNvPr id="2" name="Title 1">
+            <a:extLst>
+              <a:ext uri="{FF2B5EF4-FFF2-40B4-BE49-F238E27FC236}">
+                <a16:creationId xmlns:a16="http://schemas.microsoft.com/office/drawing/2014/main" id="{8A56E29C-09F7-B711-591E-BDC97066A449}"/>
+              </a:ext>
+            </a:extLst>
+          </p:cNvPr>
+          <p:cNvSpPr>
+            <a:spLocks noGrp="1"/>
+          </p:cNvSpPr>
+          <p:nvPr>
+            <p:ph type="title"/>
+          </p:nvPr>
+        </p:nvSpPr>
+        <p:spPr/>
+        <p:txBody>
+          <a:bodyPr/>
+          <a:lstStyle/>
+          <a:p>
+            <a:r>
+              <a:rPr lang="en-US" dirty="0"/>
+              <a:t>bubbling - problem</a:t>
+            </a:r>
+          </a:p>
+        </p:txBody>
+      </p:sp>
+      <p:sp>
+        <p:nvSpPr>
+          <p:cNvPr id="3" name="Content Placeholder 2">
+            <a:extLst>
+              <a:ext uri="{FF2B5EF4-FFF2-40B4-BE49-F238E27FC236}">
+                <a16:creationId xmlns:a16="http://schemas.microsoft.com/office/drawing/2014/main" id="{4D96329F-70CA-D930-B844-FB5264890AD1}"/>
+              </a:ext>
+            </a:extLst>
+          </p:cNvPr>
+          <p:cNvSpPr>
+            <a:spLocks noGrp="1"/>
+          </p:cNvSpPr>
+          <p:nvPr>
+            <p:ph idx="1"/>
+          </p:nvPr>
+        </p:nvSpPr>
+        <p:spPr/>
+        <p:txBody>
+          <a:bodyPr>
+            <a:normAutofit lnSpcReduction="10000"/>
+          </a:bodyPr>
+          <a:lstStyle/>
+          <a:p>
+            <a:r>
+              <a:rPr lang="en-US" sz="2000" b="0" i="1" dirty="0">
+                <a:solidFill>
+                  <a:srgbClr val="848BBD"/>
+                </a:solidFill>
+                <a:effectLst/>
+                <a:latin typeface="Consolas" panose="020B0609020204030204" pitchFamily="49" charset="0"/>
+              </a:rPr>
+              <a:t>    because we use onclick of the div (parent)</a:t>
+            </a:r>
+            <a:endParaRPr lang="en-US" sz="2000" b="0" dirty="0">
+              <a:solidFill>
+                <a:srgbClr val="BBBBBB"/>
+              </a:solidFill>
+              <a:effectLst/>
+              <a:latin typeface="Consolas" panose="020B0609020204030204" pitchFamily="49" charset="0"/>
+            </a:endParaRPr>
+          </a:p>
+          <a:p>
+            <a:r>
+              <a:rPr lang="en-US" sz="2000" b="0" i="1" dirty="0">
+                <a:solidFill>
+                  <a:srgbClr val="848BBD"/>
+                </a:solidFill>
+                <a:effectLst/>
+                <a:latin typeface="Consolas" panose="020B0609020204030204" pitchFamily="49" charset="0"/>
+              </a:rPr>
+              <a:t>    when we click on elms inside this div</a:t>
+            </a:r>
+            <a:endParaRPr lang="en-US" sz="2000" b="0" dirty="0">
+              <a:solidFill>
+                <a:srgbClr val="BBBBBB"/>
+              </a:solidFill>
+              <a:effectLst/>
+              <a:latin typeface="Consolas" panose="020B0609020204030204" pitchFamily="49" charset="0"/>
+            </a:endParaRPr>
+          </a:p>
+          <a:p>
+            <a:r>
+              <a:rPr lang="en-US" sz="2000" b="0" i="1" dirty="0">
+                <a:solidFill>
+                  <a:srgbClr val="848BBD"/>
+                </a:solidFill>
+                <a:effectLst/>
+                <a:latin typeface="Consolas" panose="020B0609020204030204" pitchFamily="49" charset="0"/>
+              </a:rPr>
+              <a:t>    </a:t>
+            </a:r>
+            <a:r>
+              <a:rPr lang="en-US" sz="2000" b="0" i="1" dirty="0" err="1">
+                <a:solidFill>
+                  <a:srgbClr val="848BBD"/>
+                </a:solidFill>
+                <a:effectLst/>
+                <a:latin typeface="Consolas" panose="020B0609020204030204" pitchFamily="49" charset="0"/>
+              </a:rPr>
+              <a:t>js</a:t>
+            </a:r>
+            <a:r>
+              <a:rPr lang="en-US" sz="2000" b="0" i="1" dirty="0">
+                <a:solidFill>
+                  <a:srgbClr val="848BBD"/>
+                </a:solidFill>
+                <a:effectLst/>
+                <a:latin typeface="Consolas" panose="020B0609020204030204" pitchFamily="49" charset="0"/>
+              </a:rPr>
+              <a:t> activates the onclick of the div (parent)</a:t>
+            </a:r>
+            <a:endParaRPr lang="en-US" sz="2000" b="0" dirty="0">
+              <a:solidFill>
+                <a:srgbClr val="BBBBBB"/>
+              </a:solidFill>
+              <a:effectLst/>
+              <a:latin typeface="Consolas" panose="020B0609020204030204" pitchFamily="49" charset="0"/>
+            </a:endParaRPr>
+          </a:p>
+          <a:p>
+            <a:r>
+              <a:rPr lang="en-US" sz="2000" b="0" i="1" dirty="0">
+                <a:solidFill>
+                  <a:srgbClr val="848BBD"/>
+                </a:solidFill>
+                <a:effectLst/>
+                <a:latin typeface="Consolas" panose="020B0609020204030204" pitchFamily="49" charset="0"/>
+              </a:rPr>
+              <a:t>    as well, this cause a bug because each time</a:t>
+            </a:r>
+            <a:endParaRPr lang="en-US" sz="2000" b="0" dirty="0">
+              <a:solidFill>
+                <a:srgbClr val="BBBBBB"/>
+              </a:solidFill>
+              <a:effectLst/>
+              <a:latin typeface="Consolas" panose="020B0609020204030204" pitchFamily="49" charset="0"/>
+            </a:endParaRPr>
+          </a:p>
+          <a:p>
+            <a:r>
+              <a:rPr lang="en-US" sz="2000" b="0" i="1" dirty="0">
+                <a:solidFill>
+                  <a:srgbClr val="848BBD"/>
+                </a:solidFill>
+                <a:effectLst/>
+                <a:latin typeface="Consolas" panose="020B0609020204030204" pitchFamily="49" charset="0"/>
+              </a:rPr>
+              <a:t>    we will press on anything inside the form</a:t>
+            </a:r>
+            <a:endParaRPr lang="en-US" sz="2000" b="0" dirty="0">
+              <a:solidFill>
+                <a:srgbClr val="BBBBBB"/>
+              </a:solidFill>
+              <a:effectLst/>
+              <a:latin typeface="Consolas" panose="020B0609020204030204" pitchFamily="49" charset="0"/>
+            </a:endParaRPr>
+          </a:p>
+          <a:p>
+            <a:r>
+              <a:rPr lang="en-US" sz="2000" b="0" i="1" dirty="0">
+                <a:solidFill>
+                  <a:srgbClr val="848BBD"/>
+                </a:solidFill>
+                <a:effectLst/>
+                <a:latin typeface="Consolas" panose="020B0609020204030204" pitchFamily="49" charset="0"/>
+              </a:rPr>
+              <a:t>    it will hide the popup.</a:t>
+            </a:r>
+            <a:endParaRPr lang="en-US" sz="2000" b="0" dirty="0">
+              <a:solidFill>
+                <a:srgbClr val="BBBBBB"/>
+              </a:solidFill>
+              <a:effectLst/>
+              <a:latin typeface="Consolas" panose="020B0609020204030204" pitchFamily="49" charset="0"/>
+            </a:endParaRPr>
+          </a:p>
+          <a:p>
+            <a:r>
+              <a:rPr lang="en-US" sz="2000" b="0" i="1" dirty="0">
+                <a:solidFill>
+                  <a:srgbClr val="848BBD"/>
+                </a:solidFill>
+                <a:effectLst/>
+                <a:latin typeface="Consolas" panose="020B0609020204030204" pitchFamily="49" charset="0"/>
+              </a:rPr>
+              <a:t>    to stop this we must use onclick of the from</a:t>
+            </a:r>
+            <a:endParaRPr lang="en-US" sz="2000" b="0" dirty="0">
+              <a:solidFill>
+                <a:srgbClr val="BBBBBB"/>
+              </a:solidFill>
+              <a:effectLst/>
+              <a:latin typeface="Consolas" panose="020B0609020204030204" pitchFamily="49" charset="0"/>
+            </a:endParaRPr>
+          </a:p>
+          <a:p>
+            <a:r>
+              <a:rPr lang="en-US" sz="2000" b="0" i="1" dirty="0">
+                <a:solidFill>
+                  <a:srgbClr val="848BBD"/>
+                </a:solidFill>
+                <a:effectLst/>
+                <a:latin typeface="Consolas" panose="020B0609020204030204" pitchFamily="49" charset="0"/>
+              </a:rPr>
+              <a:t>    and use </a:t>
+            </a:r>
+            <a:r>
+              <a:rPr lang="en-US" sz="2000" b="0" i="1" dirty="0" err="1">
+                <a:solidFill>
+                  <a:srgbClr val="848BBD"/>
+                </a:solidFill>
+                <a:effectLst/>
+                <a:latin typeface="Consolas" panose="020B0609020204030204" pitchFamily="49" charset="0"/>
+              </a:rPr>
+              <a:t>ev.stopPropagation</a:t>
+            </a:r>
+            <a:r>
+              <a:rPr lang="en-US" sz="2000" b="0" i="1" dirty="0">
+                <a:solidFill>
+                  <a:srgbClr val="848BBD"/>
+                </a:solidFill>
+                <a:effectLst/>
+                <a:latin typeface="Consolas" panose="020B0609020204030204" pitchFamily="49" charset="0"/>
+              </a:rPr>
+              <a:t>(); command to tell</a:t>
+            </a:r>
+            <a:endParaRPr lang="en-US" sz="2000" b="0" dirty="0">
+              <a:solidFill>
+                <a:srgbClr val="BBBBBB"/>
+              </a:solidFill>
+              <a:effectLst/>
+              <a:latin typeface="Consolas" panose="020B0609020204030204" pitchFamily="49" charset="0"/>
+            </a:endParaRPr>
+          </a:p>
+          <a:p>
+            <a:r>
+              <a:rPr lang="en-US" sz="2000" b="0" i="1" dirty="0">
+                <a:solidFill>
+                  <a:srgbClr val="848BBD"/>
+                </a:solidFill>
+                <a:effectLst/>
+                <a:latin typeface="Consolas" panose="020B0609020204030204" pitchFamily="49" charset="0"/>
+              </a:rPr>
+              <a:t>    </a:t>
+            </a:r>
+            <a:r>
+              <a:rPr lang="en-US" sz="2000" b="0" i="1" dirty="0" err="1">
+                <a:solidFill>
+                  <a:srgbClr val="848BBD"/>
+                </a:solidFill>
+                <a:effectLst/>
+                <a:latin typeface="Consolas" panose="020B0609020204030204" pitchFamily="49" charset="0"/>
+              </a:rPr>
+              <a:t>js</a:t>
+            </a:r>
+            <a:r>
+              <a:rPr lang="en-US" sz="2000" b="0" i="1" dirty="0">
+                <a:solidFill>
+                  <a:srgbClr val="848BBD"/>
+                </a:solidFill>
+                <a:effectLst/>
+                <a:latin typeface="Consolas" panose="020B0609020204030204" pitchFamily="49" charset="0"/>
+              </a:rPr>
+              <a:t> don't use onclick of the div (parent)</a:t>
+            </a:r>
+            <a:endParaRPr lang="en-US" sz="2000" b="0" dirty="0">
+              <a:solidFill>
+                <a:srgbClr val="BBBBBB"/>
+              </a:solidFill>
+              <a:effectLst/>
+              <a:latin typeface="Consolas" panose="020B0609020204030204" pitchFamily="49" charset="0"/>
+            </a:endParaRPr>
+          </a:p>
+        </p:txBody>
+      </p:sp>
+    </p:spTree>
+    <p:extLst>
+      <p:ext uri="{BB962C8B-B14F-4D97-AF65-F5344CB8AC3E}">
+        <p14:creationId xmlns:p14="http://schemas.microsoft.com/office/powerpoint/2010/main" val="2868801317"/>
       </p:ext>
     </p:extLst>
   </p:cSld>

--- a/docs/React.pptx
+++ b/docs/React.pptx
@@ -5,7 +5,7 @@
     <p:sldMasterId id="2147483660" r:id="rId4"/>
   </p:sldMasterIdLst>
   <p:notesMasterIdLst>
-    <p:notesMasterId r:id="rId53"/>
+    <p:notesMasterId r:id="rId54"/>
   </p:notesMasterIdLst>
   <p:sldIdLst>
     <p:sldId id="264" r:id="rId5"/>
@@ -56,6 +56,7 @@
     <p:sldId id="357" r:id="rId50"/>
     <p:sldId id="359" r:id="rId51"/>
     <p:sldId id="360" r:id="rId52"/>
+    <p:sldId id="361" r:id="rId53"/>
   </p:sldIdLst>
   <p:sldSz cx="12192000" cy="6858000"/>
   <p:notesSz cx="6858000" cy="9144000"/>
@@ -11449,6 +11450,139 @@
     <p:extLst>
       <p:ext uri="{BB962C8B-B14F-4D97-AF65-F5344CB8AC3E}">
         <p14:creationId xmlns:p14="http://schemas.microsoft.com/office/powerpoint/2010/main" val="2868801317"/>
+      </p:ext>
+    </p:extLst>
+  </p:cSld>
+  <p:clrMapOvr>
+    <a:masterClrMapping/>
+  </p:clrMapOvr>
+</p:sld>
+</file>
+
+<file path=ppt/slides/slide49.xml><?xml version="1.0" encoding="utf-8"?>
+<p:sld xmlns:a="http://schemas.openxmlformats.org/drawingml/2006/main" xmlns:r="http://schemas.openxmlformats.org/officeDocument/2006/relationships" xmlns:p="http://schemas.openxmlformats.org/presentationml/2006/main">
+  <p:cSld>
+    <p:spTree>
+      <p:nvGrpSpPr>
+        <p:cNvPr id="1" name=""/>
+        <p:cNvGrpSpPr/>
+        <p:nvPr/>
+      </p:nvGrpSpPr>
+      <p:grpSpPr>
+        <a:xfrm>
+          <a:off x="0" y="0"/>
+          <a:ext cx="0" cy="0"/>
+          <a:chOff x="0" y="0"/>
+          <a:chExt cx="0" cy="0"/>
+        </a:xfrm>
+      </p:grpSpPr>
+      <p:sp>
+        <p:nvSpPr>
+          <p:cNvPr id="2" name="Title 1">
+            <a:extLst>
+              <a:ext uri="{FF2B5EF4-FFF2-40B4-BE49-F238E27FC236}">
+                <a16:creationId xmlns:a16="http://schemas.microsoft.com/office/drawing/2014/main" id="{78E8ABDA-916E-AB3F-5616-E014AEDD3C2A}"/>
+              </a:ext>
+            </a:extLst>
+          </p:cNvPr>
+          <p:cNvSpPr>
+            <a:spLocks noGrp="1"/>
+          </p:cNvSpPr>
+          <p:nvPr>
+            <p:ph type="title"/>
+          </p:nvPr>
+        </p:nvSpPr>
+        <p:spPr/>
+        <p:txBody>
+          <a:bodyPr/>
+          <a:lstStyle/>
+          <a:p>
+            <a:r>
+              <a:rPr lang="en-US" dirty="0"/>
+              <a:t>redux</a:t>
+            </a:r>
+          </a:p>
+        </p:txBody>
+      </p:sp>
+      <p:sp>
+        <p:nvSpPr>
+          <p:cNvPr id="3" name="Content Placeholder 2">
+            <a:extLst>
+              <a:ext uri="{FF2B5EF4-FFF2-40B4-BE49-F238E27FC236}">
+                <a16:creationId xmlns:a16="http://schemas.microsoft.com/office/drawing/2014/main" id="{4766888F-D215-2EE0-FF2C-6CEA4A1C33B0}"/>
+              </a:ext>
+            </a:extLst>
+          </p:cNvPr>
+          <p:cNvSpPr>
+            <a:spLocks noGrp="1"/>
+          </p:cNvSpPr>
+          <p:nvPr>
+            <p:ph idx="1"/>
+          </p:nvPr>
+        </p:nvSpPr>
+        <p:spPr/>
+        <p:txBody>
+          <a:bodyPr/>
+          <a:lstStyle/>
+          <a:p>
+            <a:r>
+              <a:rPr lang="en-US" dirty="0"/>
+              <a:t>come to solve a big problem with passing data between components/pages</a:t>
+            </a:r>
+          </a:p>
+          <a:p>
+            <a:r>
+              <a:rPr lang="en-US" dirty="0"/>
+              <a:t>by creating global state accessible from all the components</a:t>
+            </a:r>
+            <a:r>
+              <a:rPr lang="en-US"/>
+              <a:t>/pages</a:t>
+            </a:r>
+            <a:endParaRPr lang="en-US" dirty="0"/>
+          </a:p>
+          <a:p>
+            <a:endParaRPr lang="en-US" dirty="0"/>
+          </a:p>
+          <a:p>
+            <a:r>
+              <a:rPr lang="en-US" dirty="0"/>
+              <a:t>to install redux use this commands</a:t>
+            </a:r>
+          </a:p>
+          <a:p>
+            <a:endParaRPr lang="en-US" dirty="0"/>
+          </a:p>
+          <a:p>
+            <a:r>
+              <a:rPr lang="en-US" dirty="0" err="1"/>
+              <a:t>npm</a:t>
+            </a:r>
+            <a:r>
+              <a:rPr lang="en-US" dirty="0"/>
+              <a:t> </a:t>
+            </a:r>
+            <a:r>
+              <a:rPr lang="en-US" dirty="0" err="1"/>
+              <a:t>i</a:t>
+            </a:r>
+            <a:r>
+              <a:rPr lang="en-US" dirty="0"/>
+              <a:t> redux react-redux @reduxjs/toolkit</a:t>
+            </a:r>
+          </a:p>
+          <a:p>
+            <a:endParaRPr lang="en-US" dirty="0"/>
+          </a:p>
+          <a:p>
+            <a:endParaRPr lang="en-US" dirty="0"/>
+          </a:p>
+        </p:txBody>
+      </p:sp>
+    </p:spTree>
+    <p:extLst>
+      <p:ext uri="{BB962C8B-B14F-4D97-AF65-F5344CB8AC3E}">
+        <p14:creationId xmlns:p14="http://schemas.microsoft.com/office/powerpoint/2010/main" val="2442028270"/>
       </p:ext>
     </p:extLst>
   </p:cSld>

--- a/docs/React.pptx
+++ b/docs/React.pptx
@@ -5,7 +5,7 @@
     <p:sldMasterId id="2147483660" r:id="rId4"/>
   </p:sldMasterIdLst>
   <p:notesMasterIdLst>
-    <p:notesMasterId r:id="rId54"/>
+    <p:notesMasterId r:id="rId56"/>
   </p:notesMasterIdLst>
   <p:sldIdLst>
     <p:sldId id="264" r:id="rId5"/>
@@ -57,6 +57,8 @@
     <p:sldId id="359" r:id="rId51"/>
     <p:sldId id="360" r:id="rId52"/>
     <p:sldId id="361" r:id="rId53"/>
+    <p:sldId id="362" r:id="rId54"/>
+    <p:sldId id="363" r:id="rId55"/>
   </p:sldIdLst>
   <p:sldSz cx="12192000" cy="6858000"/>
   <p:notesSz cx="6858000" cy="9144000"/>
@@ -11533,13 +11535,8 @@
           <a:p>
             <a:r>
               <a:rPr lang="en-US" dirty="0"/>
-              <a:t>by creating global state accessible from all the components</a:t>
-            </a:r>
-            <a:r>
-              <a:rPr lang="en-US"/>
-              <a:t>/pages</a:t>
-            </a:r>
-            <a:endParaRPr lang="en-US" dirty="0"/>
+              <a:t>by creating global state accessible from all the components/pages</a:t>
+            </a:r>
           </a:p>
           <a:p>
             <a:endParaRPr lang="en-US" dirty="0"/>
@@ -11721,6 +11718,180 @@
     <p:extLst>
       <p:ext uri="{BB962C8B-B14F-4D97-AF65-F5344CB8AC3E}">
         <p14:creationId xmlns:p14="http://schemas.microsoft.com/office/powerpoint/2010/main" val="1725300505"/>
+      </p:ext>
+    </p:extLst>
+  </p:cSld>
+  <p:clrMapOvr>
+    <a:masterClrMapping/>
+  </p:clrMapOvr>
+</p:sld>
+</file>
+
+<file path=ppt/slides/slide50.xml><?xml version="1.0" encoding="utf-8"?>
+<p:sld xmlns:a="http://schemas.openxmlformats.org/drawingml/2006/main" xmlns:r="http://schemas.openxmlformats.org/officeDocument/2006/relationships" xmlns:p="http://schemas.openxmlformats.org/presentationml/2006/main">
+  <p:cSld>
+    <p:spTree>
+      <p:nvGrpSpPr>
+        <p:cNvPr id="1" name=""/>
+        <p:cNvGrpSpPr/>
+        <p:nvPr/>
+      </p:nvGrpSpPr>
+      <p:grpSpPr>
+        <a:xfrm>
+          <a:off x="0" y="0"/>
+          <a:ext cx="0" cy="0"/>
+          <a:chOff x="0" y="0"/>
+          <a:chExt cx="0" cy="0"/>
+        </a:xfrm>
+      </p:grpSpPr>
+      <p:sp>
+        <p:nvSpPr>
+          <p:cNvPr id="2" name="Title 1">
+            <a:extLst>
+              <a:ext uri="{FF2B5EF4-FFF2-40B4-BE49-F238E27FC236}">
+                <a16:creationId xmlns:a16="http://schemas.microsoft.com/office/drawing/2014/main" id="{78E8ABDA-916E-AB3F-5616-E014AEDD3C2A}"/>
+              </a:ext>
+            </a:extLst>
+          </p:cNvPr>
+          <p:cNvSpPr>
+            <a:spLocks noGrp="1"/>
+          </p:cNvSpPr>
+          <p:nvPr>
+            <p:ph type="title"/>
+          </p:nvPr>
+        </p:nvSpPr>
+        <p:spPr/>
+        <p:txBody>
+          <a:bodyPr/>
+          <a:lstStyle/>
+          <a:p>
+            <a:r>
+              <a:rPr lang="en-US" dirty="0"/>
+              <a:t>redux setup</a:t>
+            </a:r>
+          </a:p>
+        </p:txBody>
+      </p:sp>
+      <p:sp>
+        <p:nvSpPr>
+          <p:cNvPr id="3" name="Content Placeholder 2">
+            <a:extLst>
+              <a:ext uri="{FF2B5EF4-FFF2-40B4-BE49-F238E27FC236}">
+                <a16:creationId xmlns:a16="http://schemas.microsoft.com/office/drawing/2014/main" id="{4766888F-D215-2EE0-FF2C-6CEA4A1C33B0}"/>
+              </a:ext>
+            </a:extLst>
+          </p:cNvPr>
+          <p:cNvSpPr>
+            <a:spLocks noGrp="1"/>
+          </p:cNvSpPr>
+          <p:nvPr>
+            <p:ph idx="1"/>
+          </p:nvPr>
+        </p:nvSpPr>
+        <p:spPr/>
+        <p:txBody>
+          <a:bodyPr/>
+          <a:lstStyle/>
+          <a:p>
+            <a:endParaRPr lang="en-US" dirty="0"/>
+          </a:p>
+          <a:p>
+            <a:endParaRPr lang="en-US" dirty="0"/>
+          </a:p>
+        </p:txBody>
+      </p:sp>
+    </p:spTree>
+    <p:extLst>
+      <p:ext uri="{BB962C8B-B14F-4D97-AF65-F5344CB8AC3E}">
+        <p14:creationId xmlns:p14="http://schemas.microsoft.com/office/powerpoint/2010/main" val="7597072"/>
+      </p:ext>
+    </p:extLst>
+  </p:cSld>
+  <p:clrMapOvr>
+    <a:masterClrMapping/>
+  </p:clrMapOvr>
+</p:sld>
+</file>
+
+<file path=ppt/slides/slide51.xml><?xml version="1.0" encoding="utf-8"?>
+<p:sld xmlns:a="http://schemas.openxmlformats.org/drawingml/2006/main" xmlns:r="http://schemas.openxmlformats.org/officeDocument/2006/relationships" xmlns:p="http://schemas.openxmlformats.org/presentationml/2006/main">
+  <p:cSld>
+    <p:spTree>
+      <p:nvGrpSpPr>
+        <p:cNvPr id="1" name=""/>
+        <p:cNvGrpSpPr/>
+        <p:nvPr/>
+      </p:nvGrpSpPr>
+      <p:grpSpPr>
+        <a:xfrm>
+          <a:off x="0" y="0"/>
+          <a:ext cx="0" cy="0"/>
+          <a:chOff x="0" y="0"/>
+          <a:chExt cx="0" cy="0"/>
+        </a:xfrm>
+      </p:grpSpPr>
+      <p:sp>
+        <p:nvSpPr>
+          <p:cNvPr id="2" name="Title 1">
+            <a:extLst>
+              <a:ext uri="{FF2B5EF4-FFF2-40B4-BE49-F238E27FC236}">
+                <a16:creationId xmlns:a16="http://schemas.microsoft.com/office/drawing/2014/main" id="{8A56E29C-09F7-B711-591E-BDC97066A449}"/>
+              </a:ext>
+            </a:extLst>
+          </p:cNvPr>
+          <p:cNvSpPr>
+            <a:spLocks noGrp="1"/>
+          </p:cNvSpPr>
+          <p:nvPr>
+            <p:ph type="title"/>
+          </p:nvPr>
+        </p:nvSpPr>
+        <p:spPr/>
+        <p:txBody>
+          <a:bodyPr/>
+          <a:lstStyle/>
+          <a:p>
+            <a:r>
+              <a:rPr lang="en-US" dirty="0"/>
+              <a:t>HW</a:t>
+            </a:r>
+          </a:p>
+        </p:txBody>
+      </p:sp>
+      <p:sp>
+        <p:nvSpPr>
+          <p:cNvPr id="3" name="Content Placeholder 2">
+            <a:extLst>
+              <a:ext uri="{FF2B5EF4-FFF2-40B4-BE49-F238E27FC236}">
+                <a16:creationId xmlns:a16="http://schemas.microsoft.com/office/drawing/2014/main" id="{4D96329F-70CA-D930-B844-FB5264890AD1}"/>
+              </a:ext>
+            </a:extLst>
+          </p:cNvPr>
+          <p:cNvSpPr>
+            <a:spLocks noGrp="1"/>
+          </p:cNvSpPr>
+          <p:nvPr>
+            <p:ph idx="1"/>
+          </p:nvPr>
+        </p:nvSpPr>
+        <p:spPr/>
+        <p:txBody>
+          <a:bodyPr>
+            <a:normAutofit/>
+          </a:bodyPr>
+          <a:lstStyle/>
+          <a:p>
+            <a:r>
+              <a:rPr lang="en-US" sz="1800" dirty="0"/>
+              <a:t>create edit card popup</a:t>
+            </a:r>
+          </a:p>
+        </p:txBody>
+      </p:sp>
+    </p:spTree>
+    <p:extLst>
+      <p:ext uri="{BB962C8B-B14F-4D97-AF65-F5344CB8AC3E}">
+        <p14:creationId xmlns:p14="http://schemas.microsoft.com/office/powerpoint/2010/main" val="2345773700"/>
       </p:ext>
     </p:extLst>
   </p:cSld>

--- a/docs/React.pptx
+++ b/docs/React.pptx
@@ -5,7 +5,7 @@
     <p:sldMasterId id="2147483660" r:id="rId4"/>
   </p:sldMasterIdLst>
   <p:notesMasterIdLst>
-    <p:notesMasterId r:id="rId56"/>
+    <p:notesMasterId r:id="rId60"/>
   </p:notesMasterIdLst>
   <p:sldIdLst>
     <p:sldId id="264" r:id="rId5"/>
@@ -57,8 +57,12 @@
     <p:sldId id="359" r:id="rId51"/>
     <p:sldId id="360" r:id="rId52"/>
     <p:sldId id="361" r:id="rId53"/>
-    <p:sldId id="362" r:id="rId54"/>
+    <p:sldId id="365" r:id="rId54"/>
     <p:sldId id="363" r:id="rId55"/>
+    <p:sldId id="364" r:id="rId56"/>
+    <p:sldId id="366" r:id="rId57"/>
+    <p:sldId id="362" r:id="rId58"/>
+    <p:sldId id="367" r:id="rId59"/>
   </p:sldIdLst>
   <p:sldSz cx="12192000" cy="6858000"/>
   <p:notesSz cx="6858000" cy="9144000"/>
@@ -247,7 +251,7 @@
           <a:p>
             <a:fld id="{CC6DBDFE-DD3D-4291-A404-1B97A83A6EA8}" type="datetimeFigureOut">
               <a:rPr lang="en-US" smtClean="0"/>
-              <a:t>06/07/2022</a:t>
+              <a:t>11/07/2022</a:t>
             </a:fld>
             <a:endParaRPr lang="en-US" dirty="0"/>
           </a:p>
@@ -1127,7 +1131,7 @@
           <a:p>
             <a:fld id="{EA0C0817-A112-4847-8014-A94B7D2A4EA3}" type="datetime1">
               <a:rPr lang="en-US" smtClean="0"/>
-              <a:t>06/07/2022</a:t>
+              <a:t>11/07/2022</a:t>
             </a:fld>
             <a:endParaRPr lang="en-US" dirty="0"/>
           </a:p>
@@ -1329,7 +1333,7 @@
           <a:p>
             <a:fld id="{7332B432-ACDA-4023-A761-2BAB76577B62}" type="datetime1">
               <a:rPr lang="en-US" smtClean="0"/>
-              <a:t>06/07/2022</a:t>
+              <a:t>11/07/2022</a:t>
             </a:fld>
             <a:endParaRPr lang="en-US" dirty="0"/>
           </a:p>
@@ -1928,7 +1932,7 @@
           <a:p>
             <a:fld id="{D9C646AA-F36E-4540-911D-FFFC0A0EF24A}" type="datetime1">
               <a:rPr lang="en-US" smtClean="0"/>
-              <a:t>06/07/2022</a:t>
+              <a:t>11/07/2022</a:t>
             </a:fld>
             <a:endParaRPr lang="en-US" dirty="0"/>
           </a:p>
@@ -2248,7 +2252,7 @@
           <a:p>
             <a:fld id="{69186D26-FA5F-4637-B602-B7C2DC34CFD4}" type="datetime1">
               <a:rPr lang="en-US" smtClean="0"/>
-              <a:t>06/07/2022</a:t>
+              <a:t>11/07/2022</a:t>
             </a:fld>
             <a:endParaRPr lang="en-US" dirty="0"/>
           </a:p>
@@ -2685,7 +2689,7 @@
           <a:p>
             <a:fld id="{8A7F15D8-96D1-4781-BC50-CA8A088B2FE4}" type="datetime1">
               <a:rPr lang="en-US" smtClean="0"/>
-              <a:t>06/07/2022</a:t>
+              <a:t>11/07/2022</a:t>
             </a:fld>
             <a:endParaRPr lang="en-US" dirty="0"/>
           </a:p>
@@ -2803,7 +2807,7 @@
           <a:p>
             <a:fld id="{F9A96C99-B8F8-4528-BD05-0E16E943DC09}" type="datetime1">
               <a:rPr lang="en-US" smtClean="0"/>
-              <a:t>06/07/2022</a:t>
+              <a:t>11/07/2022</a:t>
             </a:fld>
             <a:endParaRPr lang="en-US" dirty="0"/>
           </a:p>
@@ -2898,7 +2902,7 @@
           <a:p>
             <a:fld id="{03636942-C211-4B28-8DBD-C953E00AF71B}" type="datetime1">
               <a:rPr lang="en-US" smtClean="0"/>
-              <a:t>06/07/2022</a:t>
+              <a:t>11/07/2022</a:t>
             </a:fld>
             <a:endParaRPr lang="en-US" dirty="0"/>
           </a:p>
@@ -3315,7 +3319,7 @@
           <a:p>
             <a:fld id="{7E8D12A6-918A-48BD-8CB9-CA713993B0EA}" type="datetime1">
               <a:rPr lang="en-US" smtClean="0"/>
-              <a:t>06/07/2022</a:t>
+              <a:t>11/07/2022</a:t>
             </a:fld>
             <a:endParaRPr lang="en-US" dirty="0"/>
           </a:p>
@@ -3577,7 +3581,7 @@
             <a:fld id="{E778CE86-875F-4587-BCF6-FA054AFC0D53}" type="datetime1">
               <a:rPr lang="en-US" smtClean="0"/>
               <a:pPr/>
-              <a:t>06/07/2022</a:t>
+              <a:t>11/07/2022</a:t>
             </a:fld>
             <a:endParaRPr lang="en-US" dirty="0"/>
           </a:p>
@@ -4093,7 +4097,7 @@
           <a:p>
             <a:fld id="{F6FA2B21-3FCD-4721-B95C-427943F61125}" type="datetime1">
               <a:rPr lang="en-US" smtClean="0"/>
-              <a:t>06/07/2022</a:t>
+              <a:t>11/07/2022</a:t>
             </a:fld>
             <a:endParaRPr lang="en-US" dirty="0"/>
           </a:p>
@@ -10750,6 +10754,9 @@
             </a:pPr>
             <a:r>
               <a:rPr lang="en-US" sz="1800" dirty="0">
+                <a:highlight>
+                  <a:srgbClr val="FFFF00"/>
+                </a:highlight>
                 <a:latin typeface="Calibri" panose="020F0502020204030204" pitchFamily="34" charset="0"/>
                 <a:ea typeface="Calibri" panose="020F0502020204030204" pitchFamily="34" charset="0"/>
                 <a:cs typeface="Arial" panose="020B0604020202020204" pitchFamily="34" charset="0"/>
@@ -11767,7 +11774,7 @@
           <a:p>
             <a:r>
               <a:rPr lang="en-US" dirty="0"/>
-              <a:t>redux setup</a:t>
+              <a:t>redux</a:t>
             </a:r>
           </a:p>
         </p:txBody>
@@ -11800,10 +11807,40 @@
           </a:p>
         </p:txBody>
       </p:sp>
+      <p:pic>
+        <p:nvPicPr>
+          <p:cNvPr id="5" name="Picture 4">
+            <a:extLst>
+              <a:ext uri="{FF2B5EF4-FFF2-40B4-BE49-F238E27FC236}">
+                <a16:creationId xmlns:a16="http://schemas.microsoft.com/office/drawing/2014/main" id="{8C56A0B5-2778-BEF5-3BEE-A21896FCAFBC}"/>
+              </a:ext>
+            </a:extLst>
+          </p:cNvPr>
+          <p:cNvPicPr>
+            <a:picLocks noChangeAspect="1"/>
+          </p:cNvPicPr>
+          <p:nvPr/>
+        </p:nvPicPr>
+        <p:blipFill>
+          <a:blip r:embed="rId2"/>
+          <a:stretch>
+            <a:fillRect/>
+          </a:stretch>
+        </p:blipFill>
+        <p:spPr>
+          <a:xfrm>
+            <a:off x="2771954" y="1155938"/>
+            <a:ext cx="8787443" cy="4942937"/>
+          </a:xfrm>
+          <a:prstGeom prst="rect">
+            <a:avLst/>
+          </a:prstGeom>
+        </p:spPr>
+      </p:pic>
     </p:spTree>
     <p:extLst>
       <p:ext uri="{BB962C8B-B14F-4D97-AF65-F5344CB8AC3E}">
-        <p14:creationId xmlns:p14="http://schemas.microsoft.com/office/powerpoint/2010/main" val="7597072"/>
+        <p14:creationId xmlns:p14="http://schemas.microsoft.com/office/powerpoint/2010/main" val="2366200324"/>
       </p:ext>
     </p:extLst>
   </p:cSld>
@@ -11892,6 +11929,588 @@
     <p:extLst>
       <p:ext uri="{BB962C8B-B14F-4D97-AF65-F5344CB8AC3E}">
         <p14:creationId xmlns:p14="http://schemas.microsoft.com/office/powerpoint/2010/main" val="2345773700"/>
+      </p:ext>
+    </p:extLst>
+  </p:cSld>
+  <p:clrMapOvr>
+    <a:masterClrMapping/>
+  </p:clrMapOvr>
+</p:sld>
+</file>
+
+<file path=ppt/slides/slide52.xml><?xml version="1.0" encoding="utf-8"?>
+<p:sld xmlns:a="http://schemas.openxmlformats.org/drawingml/2006/main" xmlns:r="http://schemas.openxmlformats.org/officeDocument/2006/relationships" xmlns:p="http://schemas.openxmlformats.org/presentationml/2006/main">
+  <p:cSld>
+    <p:spTree>
+      <p:nvGrpSpPr>
+        <p:cNvPr id="1" name=""/>
+        <p:cNvGrpSpPr/>
+        <p:nvPr/>
+      </p:nvGrpSpPr>
+      <p:grpSpPr>
+        <a:xfrm>
+          <a:off x="0" y="0"/>
+          <a:ext cx="0" cy="0"/>
+          <a:chOff x="0" y="0"/>
+          <a:chExt cx="0" cy="0"/>
+        </a:xfrm>
+      </p:grpSpPr>
+      <p:sp>
+        <p:nvSpPr>
+          <p:cNvPr id="2" name="Title 1">
+            <a:extLst>
+              <a:ext uri="{FF2B5EF4-FFF2-40B4-BE49-F238E27FC236}">
+                <a16:creationId xmlns:a16="http://schemas.microsoft.com/office/drawing/2014/main" id="{8A56E29C-09F7-B711-591E-BDC97066A449}"/>
+              </a:ext>
+            </a:extLst>
+          </p:cNvPr>
+          <p:cNvSpPr>
+            <a:spLocks noGrp="1"/>
+          </p:cNvSpPr>
+          <p:nvPr>
+            <p:ph type="title"/>
+          </p:nvPr>
+        </p:nvSpPr>
+        <p:spPr/>
+        <p:txBody>
+          <a:bodyPr/>
+          <a:lstStyle/>
+          <a:p>
+            <a:r>
+              <a:rPr lang="en-US" dirty="0"/>
+              <a:t>11/07/2022</a:t>
+            </a:r>
+          </a:p>
+        </p:txBody>
+      </p:sp>
+      <p:sp>
+        <p:nvSpPr>
+          <p:cNvPr id="3" name="Content Placeholder 2">
+            <a:extLst>
+              <a:ext uri="{FF2B5EF4-FFF2-40B4-BE49-F238E27FC236}">
+                <a16:creationId xmlns:a16="http://schemas.microsoft.com/office/drawing/2014/main" id="{4D96329F-70CA-D930-B844-FB5264890AD1}"/>
+              </a:ext>
+            </a:extLst>
+          </p:cNvPr>
+          <p:cNvSpPr>
+            <a:spLocks noGrp="1"/>
+          </p:cNvSpPr>
+          <p:nvPr>
+            <p:ph idx="1"/>
+          </p:nvPr>
+        </p:nvSpPr>
+        <p:spPr/>
+        <p:txBody>
+          <a:bodyPr>
+            <a:normAutofit/>
+          </a:bodyPr>
+          <a:lstStyle/>
+          <a:p>
+            <a:pPr marL="342900" marR="0" lvl="0" indent="-342900">
+              <a:lnSpc>
+                <a:spcPct val="107000"/>
+              </a:lnSpc>
+              <a:spcBef>
+                <a:spcPts val="0"/>
+              </a:spcBef>
+              <a:spcAft>
+                <a:spcPts val="800"/>
+              </a:spcAft>
+              <a:buFont typeface="+mj-lt"/>
+              <a:buAutoNum type="arabicParenR"/>
+            </a:pPr>
+            <a:r>
+              <a:rPr lang="en-US" sz="1800" dirty="0">
+                <a:effectLst/>
+                <a:latin typeface="Calibri" panose="020F0502020204030204" pitchFamily="34" charset="0"/>
+                <a:ea typeface="Calibri" panose="020F0502020204030204" pitchFamily="34" charset="0"/>
+                <a:cs typeface="Arial" panose="020B0604020202020204" pitchFamily="34" charset="0"/>
+              </a:rPr>
+              <a:t>redux</a:t>
+            </a:r>
+          </a:p>
+          <a:p>
+            <a:pPr marL="342900" marR="0" lvl="0" indent="-342900">
+              <a:lnSpc>
+                <a:spcPct val="107000"/>
+              </a:lnSpc>
+              <a:spcBef>
+                <a:spcPts val="0"/>
+              </a:spcBef>
+              <a:spcAft>
+                <a:spcPts val="800"/>
+              </a:spcAft>
+              <a:buFont typeface="+mj-lt"/>
+              <a:buAutoNum type="arabicParenR"/>
+            </a:pPr>
+            <a:r>
+              <a:rPr lang="en-US" sz="1800" dirty="0">
+                <a:latin typeface="Calibri" panose="020F0502020204030204" pitchFamily="34" charset="0"/>
+                <a:ea typeface="Calibri" panose="020F0502020204030204" pitchFamily="34" charset="0"/>
+                <a:cs typeface="Arial" panose="020B0604020202020204" pitchFamily="34" charset="0"/>
+              </a:rPr>
+              <a:t>router</a:t>
+            </a:r>
+            <a:endParaRPr lang="en-US" sz="1800" dirty="0">
+              <a:effectLst/>
+              <a:latin typeface="Calibri" panose="020F0502020204030204" pitchFamily="34" charset="0"/>
+              <a:ea typeface="Calibri" panose="020F0502020204030204" pitchFamily="34" charset="0"/>
+              <a:cs typeface="Arial" panose="020B0604020202020204" pitchFamily="34" charset="0"/>
+            </a:endParaRPr>
+          </a:p>
+        </p:txBody>
+      </p:sp>
+    </p:spTree>
+    <p:extLst>
+      <p:ext uri="{BB962C8B-B14F-4D97-AF65-F5344CB8AC3E}">
+        <p14:creationId xmlns:p14="http://schemas.microsoft.com/office/powerpoint/2010/main" val="1137192420"/>
+      </p:ext>
+    </p:extLst>
+  </p:cSld>
+  <p:clrMapOvr>
+    <a:masterClrMapping/>
+  </p:clrMapOvr>
+</p:sld>
+</file>
+
+<file path=ppt/slides/slide53.xml><?xml version="1.0" encoding="utf-8"?>
+<p:sld xmlns:a="http://schemas.openxmlformats.org/drawingml/2006/main" xmlns:r="http://schemas.openxmlformats.org/officeDocument/2006/relationships" xmlns:p="http://schemas.openxmlformats.org/presentationml/2006/main">
+  <p:cSld>
+    <p:spTree>
+      <p:nvGrpSpPr>
+        <p:cNvPr id="1" name=""/>
+        <p:cNvGrpSpPr/>
+        <p:nvPr/>
+      </p:nvGrpSpPr>
+      <p:grpSpPr>
+        <a:xfrm>
+          <a:off x="0" y="0"/>
+          <a:ext cx="0" cy="0"/>
+          <a:chOff x="0" y="0"/>
+          <a:chExt cx="0" cy="0"/>
+        </a:xfrm>
+      </p:grpSpPr>
+      <p:sp>
+        <p:nvSpPr>
+          <p:cNvPr id="2" name="Title 1">
+            <a:extLst>
+              <a:ext uri="{FF2B5EF4-FFF2-40B4-BE49-F238E27FC236}">
+                <a16:creationId xmlns:a16="http://schemas.microsoft.com/office/drawing/2014/main" id="{8A56E29C-09F7-B711-591E-BDC97066A449}"/>
+              </a:ext>
+            </a:extLst>
+          </p:cNvPr>
+          <p:cNvSpPr>
+            <a:spLocks noGrp="1"/>
+          </p:cNvSpPr>
+          <p:nvPr>
+            <p:ph type="title"/>
+          </p:nvPr>
+        </p:nvSpPr>
+        <p:spPr/>
+        <p:txBody>
+          <a:bodyPr/>
+          <a:lstStyle/>
+          <a:p>
+            <a:r>
+              <a:rPr lang="en-US" dirty="0"/>
+              <a:t>TK</a:t>
+            </a:r>
+          </a:p>
+        </p:txBody>
+      </p:sp>
+      <p:sp>
+        <p:nvSpPr>
+          <p:cNvPr id="3" name="Content Placeholder 2">
+            <a:extLst>
+              <a:ext uri="{FF2B5EF4-FFF2-40B4-BE49-F238E27FC236}">
+                <a16:creationId xmlns:a16="http://schemas.microsoft.com/office/drawing/2014/main" id="{4D96329F-70CA-D930-B844-FB5264890AD1}"/>
+              </a:ext>
+            </a:extLst>
+          </p:cNvPr>
+          <p:cNvSpPr>
+            <a:spLocks noGrp="1"/>
+          </p:cNvSpPr>
+          <p:nvPr>
+            <p:ph idx="1"/>
+          </p:nvPr>
+        </p:nvSpPr>
+        <p:spPr/>
+        <p:txBody>
+          <a:bodyPr>
+            <a:normAutofit/>
+          </a:bodyPr>
+          <a:lstStyle/>
+          <a:p>
+            <a:r>
+              <a:rPr lang="en-US" sz="1800" dirty="0"/>
+              <a:t>create redux slice that will store date</a:t>
+            </a:r>
+          </a:p>
+        </p:txBody>
+      </p:sp>
+    </p:spTree>
+    <p:extLst>
+      <p:ext uri="{BB962C8B-B14F-4D97-AF65-F5344CB8AC3E}">
+        <p14:creationId xmlns:p14="http://schemas.microsoft.com/office/powerpoint/2010/main" val="178917785"/>
+      </p:ext>
+    </p:extLst>
+  </p:cSld>
+  <p:clrMapOvr>
+    <a:masterClrMapping/>
+  </p:clrMapOvr>
+</p:sld>
+</file>
+
+<file path=ppt/slides/slide54.xml><?xml version="1.0" encoding="utf-8"?>
+<p:sld xmlns:a="http://schemas.openxmlformats.org/drawingml/2006/main" xmlns:r="http://schemas.openxmlformats.org/officeDocument/2006/relationships" xmlns:p="http://schemas.openxmlformats.org/presentationml/2006/main">
+  <p:cSld>
+    <p:spTree>
+      <p:nvGrpSpPr>
+        <p:cNvPr id="1" name=""/>
+        <p:cNvGrpSpPr/>
+        <p:nvPr/>
+      </p:nvGrpSpPr>
+      <p:grpSpPr>
+        <a:xfrm>
+          <a:off x="0" y="0"/>
+          <a:ext cx="0" cy="0"/>
+          <a:chOff x="0" y="0"/>
+          <a:chExt cx="0" cy="0"/>
+        </a:xfrm>
+      </p:grpSpPr>
+      <p:sp>
+        <p:nvSpPr>
+          <p:cNvPr id="2" name="Title 1">
+            <a:extLst>
+              <a:ext uri="{FF2B5EF4-FFF2-40B4-BE49-F238E27FC236}">
+                <a16:creationId xmlns:a16="http://schemas.microsoft.com/office/drawing/2014/main" id="{78E8ABDA-916E-AB3F-5616-E014AEDD3C2A}"/>
+              </a:ext>
+            </a:extLst>
+          </p:cNvPr>
+          <p:cNvSpPr>
+            <a:spLocks noGrp="1"/>
+          </p:cNvSpPr>
+          <p:nvPr>
+            <p:ph type="title"/>
+          </p:nvPr>
+        </p:nvSpPr>
+        <p:spPr/>
+        <p:txBody>
+          <a:bodyPr/>
+          <a:lstStyle/>
+          <a:p>
+            <a:r>
+              <a:rPr lang="en-US" dirty="0"/>
+              <a:t>redux - </a:t>
+            </a:r>
+            <a:r>
+              <a:rPr lang="en-US" dirty="0" err="1"/>
+              <a:t>useSelector</a:t>
+            </a:r>
+            <a:endParaRPr lang="en-US" dirty="0"/>
+          </a:p>
+        </p:txBody>
+      </p:sp>
+      <p:sp>
+        <p:nvSpPr>
+          <p:cNvPr id="3" name="Content Placeholder 2">
+            <a:extLst>
+              <a:ext uri="{FF2B5EF4-FFF2-40B4-BE49-F238E27FC236}">
+                <a16:creationId xmlns:a16="http://schemas.microsoft.com/office/drawing/2014/main" id="{4766888F-D215-2EE0-FF2C-6CEA4A1C33B0}"/>
+              </a:ext>
+            </a:extLst>
+          </p:cNvPr>
+          <p:cNvSpPr>
+            <a:spLocks noGrp="1"/>
+          </p:cNvSpPr>
+          <p:nvPr>
+            <p:ph idx="1"/>
+          </p:nvPr>
+        </p:nvSpPr>
+        <p:spPr/>
+        <p:txBody>
+          <a:bodyPr/>
+          <a:lstStyle/>
+          <a:p>
+            <a:endParaRPr lang="en-US" dirty="0"/>
+          </a:p>
+          <a:p>
+            <a:r>
+              <a:rPr lang="en-US" dirty="0" err="1"/>
+              <a:t>useSelector</a:t>
+            </a:r>
+            <a:r>
+              <a:rPr lang="en-US" dirty="0"/>
+              <a:t> is a hook that allows us to get state from redux and use it in our components</a:t>
+            </a:r>
+          </a:p>
+          <a:p>
+            <a:endParaRPr lang="en-US" dirty="0"/>
+          </a:p>
+          <a:p>
+            <a:r>
+              <a:rPr lang="en-US" dirty="0"/>
+              <a:t>import { </a:t>
+            </a:r>
+            <a:r>
+              <a:rPr lang="en-US" dirty="0" err="1"/>
+              <a:t>useSelector</a:t>
+            </a:r>
+            <a:r>
+              <a:rPr lang="en-US" dirty="0"/>
+              <a:t> } from "react-redux";</a:t>
+            </a:r>
+          </a:p>
+          <a:p>
+            <a:r>
+              <a:rPr lang="en-US" dirty="0"/>
+              <a:t>const </a:t>
+            </a:r>
+            <a:r>
+              <a:rPr lang="en-US" dirty="0" err="1"/>
+              <a:t>loggedIn</a:t>
+            </a:r>
+            <a:r>
+              <a:rPr lang="en-US" dirty="0"/>
+              <a:t> = </a:t>
+            </a:r>
+            <a:r>
+              <a:rPr lang="en-US" dirty="0" err="1"/>
+              <a:t>useSelector</a:t>
+            </a:r>
+            <a:r>
+              <a:rPr lang="en-US" dirty="0"/>
+              <a:t>((state) =&gt; </a:t>
+            </a:r>
+            <a:r>
+              <a:rPr lang="en-US" dirty="0" err="1"/>
+              <a:t>state.auth.loggedIn</a:t>
+            </a:r>
+            <a:r>
+              <a:rPr lang="en-US" dirty="0"/>
+              <a:t>);</a:t>
+            </a:r>
+          </a:p>
+          <a:p>
+            <a:endParaRPr lang="en-US" dirty="0"/>
+          </a:p>
+          <a:p>
+            <a:r>
+              <a:rPr lang="en-US" dirty="0" err="1"/>
+              <a:t>loggedIn</a:t>
+            </a:r>
+            <a:r>
+              <a:rPr lang="en-US" dirty="0"/>
+              <a:t> ? "</a:t>
+            </a:r>
+            <a:r>
+              <a:rPr lang="en-US" dirty="0" err="1"/>
+              <a:t>bg</a:t>
+            </a:r>
+            <a:r>
+              <a:rPr lang="en-US" dirty="0"/>
+              <a:t>-success" : "</a:t>
+            </a:r>
+            <a:r>
+              <a:rPr lang="en-US" dirty="0" err="1"/>
+              <a:t>bg</a:t>
+            </a:r>
+            <a:r>
+              <a:rPr lang="en-US" dirty="0"/>
+              <a:t>-danger"</a:t>
+            </a:r>
+          </a:p>
+        </p:txBody>
+      </p:sp>
+    </p:spTree>
+    <p:extLst>
+      <p:ext uri="{BB962C8B-B14F-4D97-AF65-F5344CB8AC3E}">
+        <p14:creationId xmlns:p14="http://schemas.microsoft.com/office/powerpoint/2010/main" val="7597072"/>
+      </p:ext>
+    </p:extLst>
+  </p:cSld>
+  <p:clrMapOvr>
+    <a:masterClrMapping/>
+  </p:clrMapOvr>
+</p:sld>
+</file>
+
+<file path=ppt/slides/slide55.xml><?xml version="1.0" encoding="utf-8"?>
+<p:sld xmlns:a="http://schemas.openxmlformats.org/drawingml/2006/main" xmlns:r="http://schemas.openxmlformats.org/officeDocument/2006/relationships" xmlns:p="http://schemas.openxmlformats.org/presentationml/2006/main">
+  <p:cSld>
+    <p:spTree>
+      <p:nvGrpSpPr>
+        <p:cNvPr id="1" name=""/>
+        <p:cNvGrpSpPr/>
+        <p:nvPr/>
+      </p:nvGrpSpPr>
+      <p:grpSpPr>
+        <a:xfrm>
+          <a:off x="0" y="0"/>
+          <a:ext cx="0" cy="0"/>
+          <a:chOff x="0" y="0"/>
+          <a:chExt cx="0" cy="0"/>
+        </a:xfrm>
+      </p:grpSpPr>
+      <p:sp>
+        <p:nvSpPr>
+          <p:cNvPr id="2" name="Title 1">
+            <a:extLst>
+              <a:ext uri="{FF2B5EF4-FFF2-40B4-BE49-F238E27FC236}">
+                <a16:creationId xmlns:a16="http://schemas.microsoft.com/office/drawing/2014/main" id="{78E8ABDA-916E-AB3F-5616-E014AEDD3C2A}"/>
+              </a:ext>
+            </a:extLst>
+          </p:cNvPr>
+          <p:cNvSpPr>
+            <a:spLocks noGrp="1"/>
+          </p:cNvSpPr>
+          <p:nvPr>
+            <p:ph type="title"/>
+          </p:nvPr>
+        </p:nvSpPr>
+        <p:spPr/>
+        <p:txBody>
+          <a:bodyPr/>
+          <a:lstStyle/>
+          <a:p>
+            <a:r>
+              <a:rPr lang="en-US" b="1" dirty="0" err="1"/>
+              <a:t>jwt</a:t>
+            </a:r>
+            <a:r>
+              <a:rPr lang="en-US" b="1" dirty="0"/>
+              <a:t>-decode</a:t>
+            </a:r>
+          </a:p>
+        </p:txBody>
+      </p:sp>
+      <p:sp>
+        <p:nvSpPr>
+          <p:cNvPr id="3" name="Content Placeholder 2">
+            <a:extLst>
+              <a:ext uri="{FF2B5EF4-FFF2-40B4-BE49-F238E27FC236}">
+                <a16:creationId xmlns:a16="http://schemas.microsoft.com/office/drawing/2014/main" id="{4766888F-D215-2EE0-FF2C-6CEA4A1C33B0}"/>
+              </a:ext>
+            </a:extLst>
+          </p:cNvPr>
+          <p:cNvSpPr>
+            <a:spLocks noGrp="1"/>
+          </p:cNvSpPr>
+          <p:nvPr>
+            <p:ph idx="1"/>
+          </p:nvPr>
+        </p:nvSpPr>
+        <p:spPr/>
+        <p:txBody>
+          <a:bodyPr>
+            <a:normAutofit/>
+          </a:bodyPr>
+          <a:lstStyle/>
+          <a:p>
+            <a:r>
+              <a:rPr lang="en-US" dirty="0" err="1"/>
+              <a:t>jwt</a:t>
+            </a:r>
+            <a:r>
+              <a:rPr lang="en-US" dirty="0"/>
+              <a:t>-decode its an </a:t>
+            </a:r>
+            <a:r>
+              <a:rPr lang="en-US" dirty="0" err="1"/>
+              <a:t>npm</a:t>
+            </a:r>
+            <a:r>
+              <a:rPr lang="en-US" dirty="0"/>
+              <a:t> package that allows us to get data stored in </a:t>
+            </a:r>
+            <a:r>
+              <a:rPr lang="en-US" dirty="0" err="1"/>
+              <a:t>jwt</a:t>
+            </a:r>
+            <a:r>
+              <a:rPr lang="en-US" dirty="0"/>
+              <a:t> token</a:t>
+            </a:r>
+          </a:p>
+          <a:p>
+            <a:endParaRPr lang="en-US" dirty="0"/>
+          </a:p>
+          <a:p>
+            <a:r>
+              <a:rPr lang="en-US" dirty="0"/>
+              <a:t>to install the package we will use </a:t>
+            </a:r>
+          </a:p>
+          <a:p>
+            <a:r>
+              <a:rPr lang="en-US" dirty="0" err="1"/>
+              <a:t>npm</a:t>
+            </a:r>
+            <a:r>
+              <a:rPr lang="en-US" dirty="0"/>
+              <a:t> </a:t>
+            </a:r>
+            <a:r>
+              <a:rPr lang="en-US" dirty="0" err="1"/>
+              <a:t>i</a:t>
+            </a:r>
+            <a:r>
+              <a:rPr lang="en-US" dirty="0"/>
+              <a:t> </a:t>
+            </a:r>
+            <a:r>
+              <a:rPr lang="en-US" dirty="0" err="1"/>
+              <a:t>jwt</a:t>
+            </a:r>
+            <a:r>
+              <a:rPr lang="en-US" dirty="0"/>
+              <a:t>-decode</a:t>
+            </a:r>
+          </a:p>
+          <a:p>
+            <a:endParaRPr lang="en-US" dirty="0"/>
+          </a:p>
+          <a:p>
+            <a:r>
+              <a:rPr lang="en-US" dirty="0"/>
+              <a:t>to use it:</a:t>
+            </a:r>
+          </a:p>
+          <a:p>
+            <a:r>
+              <a:rPr lang="nl-NL" dirty="0"/>
+              <a:t>import jwt_decode from "jwt-decode";</a:t>
+            </a:r>
+          </a:p>
+          <a:p>
+            <a:r>
+              <a:rPr lang="nl-NL"/>
+              <a:t>let </a:t>
+            </a:r>
+            <a:r>
+              <a:rPr lang="nl-NL" dirty="0"/>
+              <a:t>decoded = jwt_decode(token);</a:t>
+            </a:r>
+          </a:p>
+          <a:p>
+            <a:r>
+              <a:rPr lang="nl-NL" dirty="0"/>
+              <a:t> </a:t>
+            </a:r>
+          </a:p>
+          <a:p>
+            <a:r>
+              <a:rPr lang="nl-NL" dirty="0"/>
+              <a:t>console.log(decoded);</a:t>
+            </a:r>
+            <a:endParaRPr lang="en-US" dirty="0"/>
+          </a:p>
+        </p:txBody>
+      </p:sp>
+    </p:spTree>
+    <p:extLst>
+      <p:ext uri="{BB962C8B-B14F-4D97-AF65-F5344CB8AC3E}">
+        <p14:creationId xmlns:p14="http://schemas.microsoft.com/office/powerpoint/2010/main" val="1257734113"/>
       </p:ext>
     </p:extLst>
   </p:cSld>
@@ -13053,6 +13672,15 @@
 </file>
 
 <file path=customXml/item1.xml><?xml version="1.0" encoding="utf-8"?>
+<?mso-contentType ?>
+<FormTemplates xmlns="http://schemas.microsoft.com/sharepoint/v3/contenttype/forms">
+  <Display>DocumentLibraryForm</Display>
+  <Edit>DocumentLibraryForm</Edit>
+  <New>DocumentLibraryForm</New>
+</FormTemplates>
+</file>
+
+<file path=customXml/item2.xml><?xml version="1.0" encoding="utf-8"?>
 <ct:contentTypeSchema xmlns:ct="http://schemas.microsoft.com/office/2006/metadata/contentType" xmlns:ma="http://schemas.microsoft.com/office/2006/metadata/properties/metaAttributes" ct:_="" ma:_="" ma:contentTypeName="Document" ma:contentTypeID="0x01010079F111ED35F8CC479449609E8A0923A6" ma:contentTypeVersion="12" ma:contentTypeDescription="Create a new document." ma:contentTypeScope="" ma:versionID="a410dd7f93c95333ffa1b60ed6adedd1">
   <xsd:schema xmlns:xsd="http://www.w3.org/2001/XMLSchema" xmlns:xs="http://www.w3.org/2001/XMLSchema" xmlns:p="http://schemas.microsoft.com/office/2006/metadata/properties" xmlns:ns2="71af3243-3dd4-4a8d-8c0d-dd76da1f02a5" xmlns:ns3="16c05727-aa75-4e4a-9b5f-8a80a1165891" targetNamespace="http://schemas.microsoft.com/office/2006/metadata/properties" ma:root="true" ma:fieldsID="a936d9baba76aa3866493feff160faab" ns2:_="" ns3:_="">
     <xsd:import namespace="71af3243-3dd4-4a8d-8c0d-dd76da1f02a5"/>
@@ -13273,7 +13901,7 @@
 </ct:contentTypeSchema>
 </file>
 
-<file path=customXml/item2.xml><?xml version="1.0" encoding="utf-8"?>
+<file path=customXml/item3.xml><?xml version="1.0" encoding="utf-8"?>
 <p:properties xmlns:p="http://schemas.microsoft.com/office/2006/metadata/properties" xmlns:xsi="http://www.w3.org/2001/XMLSchema-instance" xmlns:pc="http://schemas.microsoft.com/office/infopath/2007/PartnerControls">
   <documentManagement>
     <Status xmlns="71af3243-3dd4-4a8d-8c0d-dd76da1f02a5">Not started</Status>
@@ -13282,16 +13910,15 @@
 </p:properties>
 </file>
 
-<file path=customXml/item3.xml><?xml version="1.0" encoding="utf-8"?>
-<?mso-contentType ?>
-<FormTemplates xmlns="http://schemas.microsoft.com/sharepoint/v3/contenttype/forms">
-  <Display>DocumentLibraryForm</Display>
-  <Edit>DocumentLibraryForm</Edit>
-  <New>DocumentLibraryForm</New>
-</FormTemplates>
+<file path=customXml/itemProps1.xml><?xml version="1.0" encoding="utf-8"?>
+<ds:datastoreItem xmlns:ds="http://schemas.openxmlformats.org/officeDocument/2006/customXml" ds:itemID="{1259D436-C82E-43E0-8A01-53DF9CED6032}">
+  <ds:schemaRefs>
+    <ds:schemaRef ds:uri="http://schemas.microsoft.com/sharepoint/v3/contenttype/forms"/>
+  </ds:schemaRefs>
+</ds:datastoreItem>
 </file>
 
-<file path=customXml/itemProps1.xml><?xml version="1.0" encoding="utf-8"?>
+<file path=customXml/itemProps2.xml><?xml version="1.0" encoding="utf-8"?>
 <ds:datastoreItem xmlns:ds="http://schemas.openxmlformats.org/officeDocument/2006/customXml" ds:itemID="{1F91CDEB-92ED-41DC-BF33-2916A7687628}">
   <ds:schemaRefs>
     <ds:schemaRef ds:uri="http://schemas.microsoft.com/office/2006/metadata/contentType"/>
@@ -13310,7 +13937,7 @@
 </ds:datastoreItem>
 </file>
 
-<file path=customXml/itemProps2.xml><?xml version="1.0" encoding="utf-8"?>
+<file path=customXml/itemProps3.xml><?xml version="1.0" encoding="utf-8"?>
 <ds:datastoreItem xmlns:ds="http://schemas.openxmlformats.org/officeDocument/2006/customXml" ds:itemID="{946BCBFB-BBC7-42F1-95CD-058E172363A0}">
   <ds:schemaRefs>
     <ds:schemaRef ds:uri="http://schemas.microsoft.com/office/2006/metadata/properties"/>
@@ -13318,12 +13945,4 @@
     <ds:schemaRef ds:uri="71af3243-3dd4-4a8d-8c0d-dd76da1f02a5"/>
   </ds:schemaRefs>
 </ds:datastoreItem>
-</file>
-
-<file path=customXml/itemProps3.xml><?xml version="1.0" encoding="utf-8"?>
-<ds:datastoreItem xmlns:ds="http://schemas.openxmlformats.org/officeDocument/2006/customXml" ds:itemID="{1259D436-C82E-43E0-8A01-53DF9CED6032}">
-  <ds:schemaRefs>
-    <ds:schemaRef ds:uri="http://schemas.microsoft.com/sharepoint/v3/contenttype/forms"/>
-  </ds:schemaRefs>
-</ds:datastoreItem>
 </file>
--- a/docs/React.pptx
+++ b/docs/React.pptx
@@ -5,7 +5,7 @@
     <p:sldMasterId id="2147483660" r:id="rId4"/>
   </p:sldMasterIdLst>
   <p:notesMasterIdLst>
-    <p:notesMasterId r:id="rId60"/>
+    <p:notesMasterId r:id="rId61"/>
   </p:notesMasterIdLst>
   <p:sldIdLst>
     <p:sldId id="264" r:id="rId5"/>
@@ -63,6 +63,7 @@
     <p:sldId id="366" r:id="rId57"/>
     <p:sldId id="362" r:id="rId58"/>
     <p:sldId id="367" r:id="rId59"/>
+    <p:sldId id="368" r:id="rId60"/>
   </p:sldIdLst>
   <p:sldSz cx="12192000" cy="6858000"/>
   <p:notesSz cx="6858000" cy="9144000"/>
@@ -12484,12 +12485,8 @@
           </a:p>
           <a:p>
             <a:r>
-              <a:rPr lang="nl-NL"/>
-              <a:t>let </a:t>
-            </a:r>
-            <a:r>
               <a:rPr lang="nl-NL" dirty="0"/>
-              <a:t>decoded = jwt_decode(token);</a:t>
+              <a:t>let decoded = jwt_decode(token);</a:t>
             </a:r>
           </a:p>
           <a:p>
@@ -12511,6 +12508,148 @@
     <p:extLst>
       <p:ext uri="{BB962C8B-B14F-4D97-AF65-F5344CB8AC3E}">
         <p14:creationId xmlns:p14="http://schemas.microsoft.com/office/powerpoint/2010/main" val="1257734113"/>
+      </p:ext>
+    </p:extLst>
+  </p:cSld>
+  <p:clrMapOvr>
+    <a:masterClrMapping/>
+  </p:clrMapOvr>
+</p:sld>
+</file>
+
+<file path=ppt/slides/slide56.xml><?xml version="1.0" encoding="utf-8"?>
+<p:sld xmlns:a="http://schemas.openxmlformats.org/drawingml/2006/main" xmlns:r="http://schemas.openxmlformats.org/officeDocument/2006/relationships" xmlns:p="http://schemas.openxmlformats.org/presentationml/2006/main">
+  <p:cSld>
+    <p:spTree>
+      <p:nvGrpSpPr>
+        <p:cNvPr id="1" name=""/>
+        <p:cNvGrpSpPr/>
+        <p:nvPr/>
+      </p:nvGrpSpPr>
+      <p:grpSpPr>
+        <a:xfrm>
+          <a:off x="0" y="0"/>
+          <a:ext cx="0" cy="0"/>
+          <a:chOff x="0" y="0"/>
+          <a:chExt cx="0" cy="0"/>
+        </a:xfrm>
+      </p:grpSpPr>
+      <p:sp>
+        <p:nvSpPr>
+          <p:cNvPr id="2" name="Title 1">
+            <a:extLst>
+              <a:ext uri="{FF2B5EF4-FFF2-40B4-BE49-F238E27FC236}">
+                <a16:creationId xmlns:a16="http://schemas.microsoft.com/office/drawing/2014/main" id="{8A56E29C-09F7-B711-591E-BDC97066A449}"/>
+              </a:ext>
+            </a:extLst>
+          </p:cNvPr>
+          <p:cNvSpPr>
+            <a:spLocks noGrp="1"/>
+          </p:cNvSpPr>
+          <p:nvPr>
+            <p:ph type="title"/>
+          </p:nvPr>
+        </p:nvSpPr>
+        <p:spPr/>
+        <p:txBody>
+          <a:bodyPr/>
+          <a:lstStyle/>
+          <a:p>
+            <a:r>
+              <a:rPr lang="en-US" dirty="0"/>
+              <a:t>TK</a:t>
+            </a:r>
+          </a:p>
+        </p:txBody>
+      </p:sp>
+      <p:sp>
+        <p:nvSpPr>
+          <p:cNvPr id="3" name="Content Placeholder 2">
+            <a:extLst>
+              <a:ext uri="{FF2B5EF4-FFF2-40B4-BE49-F238E27FC236}">
+                <a16:creationId xmlns:a16="http://schemas.microsoft.com/office/drawing/2014/main" id="{4D96329F-70CA-D930-B844-FB5264890AD1}"/>
+              </a:ext>
+            </a:extLst>
+          </p:cNvPr>
+          <p:cNvSpPr>
+            <a:spLocks noGrp="1"/>
+          </p:cNvSpPr>
+          <p:nvPr>
+            <p:ph idx="1"/>
+          </p:nvPr>
+        </p:nvSpPr>
+        <p:spPr/>
+        <p:txBody>
+          <a:bodyPr>
+            <a:normAutofit/>
+          </a:bodyPr>
+          <a:lstStyle/>
+          <a:p>
+            <a:r>
+              <a:rPr lang="en-US" sz="1800" dirty="0"/>
+              <a:t>create counter page and display counter page</a:t>
+            </a:r>
+          </a:p>
+          <a:p>
+            <a:r>
+              <a:rPr lang="en-US" sz="1800" dirty="0"/>
+              <a:t>1) counter page:</a:t>
+            </a:r>
+          </a:p>
+          <a:p>
+            <a:pPr lvl="1"/>
+            <a:r>
+              <a:rPr lang="en-US" sz="1600" dirty="0"/>
+              <a:t>input</a:t>
+            </a:r>
+          </a:p>
+          <a:p>
+            <a:pPr lvl="1"/>
+            <a:r>
+              <a:rPr lang="en-US" sz="1600" dirty="0" err="1"/>
+              <a:t>btn</a:t>
+            </a:r>
+            <a:endParaRPr lang="en-US" sz="1600" dirty="0"/>
+          </a:p>
+          <a:p>
+            <a:pPr lvl="1"/>
+            <a:r>
+              <a:rPr lang="en-US" sz="1600" dirty="0"/>
+              <a:t>when user input a number and press on the </a:t>
+            </a:r>
+            <a:r>
+              <a:rPr lang="en-US" sz="1600" dirty="0" err="1"/>
+              <a:t>btn</a:t>
+            </a:r>
+            <a:r>
+              <a:rPr lang="en-US" sz="1600" dirty="0"/>
+              <a:t> it will add the number to redux state</a:t>
+            </a:r>
+          </a:p>
+          <a:p>
+            <a:r>
+              <a:rPr lang="en-US" sz="1800" dirty="0"/>
+              <a:t>2) display counter page:</a:t>
+            </a:r>
+          </a:p>
+          <a:p>
+            <a:pPr lvl="1"/>
+            <a:r>
+              <a:rPr lang="en-US" sz="1600" dirty="0"/>
+              <a:t>it will display in h1 the </a:t>
+            </a:r>
+            <a:r>
+              <a:rPr lang="en-US" sz="1600"/>
+              <a:t>counter value from redux</a:t>
+            </a:r>
+            <a:endParaRPr lang="en-US" sz="1600" dirty="0"/>
+          </a:p>
+        </p:txBody>
+      </p:sp>
+    </p:spTree>
+    <p:extLst>
+      <p:ext uri="{BB962C8B-B14F-4D97-AF65-F5344CB8AC3E}">
+        <p14:creationId xmlns:p14="http://schemas.microsoft.com/office/powerpoint/2010/main" val="31880345"/>
       </p:ext>
     </p:extLst>
   </p:cSld>

--- a/docs/React.pptx
+++ b/docs/React.pptx
@@ -5,7 +5,7 @@
     <p:sldMasterId id="2147483660" r:id="rId4"/>
   </p:sldMasterIdLst>
   <p:notesMasterIdLst>
-    <p:notesMasterId r:id="rId61"/>
+    <p:notesMasterId r:id="rId66"/>
   </p:notesMasterIdLst>
   <p:sldIdLst>
     <p:sldId id="264" r:id="rId5"/>
@@ -64,6 +64,11 @@
     <p:sldId id="362" r:id="rId58"/>
     <p:sldId id="367" r:id="rId59"/>
     <p:sldId id="368" r:id="rId60"/>
+    <p:sldId id="369" r:id="rId61"/>
+    <p:sldId id="370" r:id="rId62"/>
+    <p:sldId id="371" r:id="rId63"/>
+    <p:sldId id="372" r:id="rId64"/>
+    <p:sldId id="373" r:id="rId65"/>
   </p:sldIdLst>
   <p:sldSz cx="12192000" cy="6858000"/>
   <p:notesSz cx="6858000" cy="9144000"/>
@@ -12636,13 +12641,8 @@
             <a:pPr lvl="1"/>
             <a:r>
               <a:rPr lang="en-US" sz="1600" dirty="0"/>
-              <a:t>it will display in h1 the </a:t>
-            </a:r>
-            <a:r>
-              <a:rPr lang="en-US" sz="1600"/>
-              <a:t>counter value from redux</a:t>
-            </a:r>
-            <a:endParaRPr lang="en-US" sz="1600" dirty="0"/>
+              <a:t>it will display in h1 the counter value from redux</a:t>
+            </a:r>
           </a:p>
         </p:txBody>
       </p:sp>
@@ -12650,6 +12650,529 @@
     <p:extLst>
       <p:ext uri="{BB962C8B-B14F-4D97-AF65-F5344CB8AC3E}">
         <p14:creationId xmlns:p14="http://schemas.microsoft.com/office/powerpoint/2010/main" val="31880345"/>
+      </p:ext>
+    </p:extLst>
+  </p:cSld>
+  <p:clrMapOvr>
+    <a:masterClrMapping/>
+  </p:clrMapOvr>
+</p:sld>
+</file>
+
+<file path=ppt/slides/slide57.xml><?xml version="1.0" encoding="utf-8"?>
+<p:sld xmlns:a="http://schemas.openxmlformats.org/drawingml/2006/main" xmlns:r="http://schemas.openxmlformats.org/officeDocument/2006/relationships" xmlns:p="http://schemas.openxmlformats.org/presentationml/2006/main">
+  <p:cSld>
+    <p:spTree>
+      <p:nvGrpSpPr>
+        <p:cNvPr id="1" name=""/>
+        <p:cNvGrpSpPr/>
+        <p:nvPr/>
+      </p:nvGrpSpPr>
+      <p:grpSpPr>
+        <a:xfrm>
+          <a:off x="0" y="0"/>
+          <a:ext cx="0" cy="0"/>
+          <a:chOff x="0" y="0"/>
+          <a:chExt cx="0" cy="0"/>
+        </a:xfrm>
+      </p:grpSpPr>
+      <p:sp>
+        <p:nvSpPr>
+          <p:cNvPr id="2" name="Title 1">
+            <a:extLst>
+              <a:ext uri="{FF2B5EF4-FFF2-40B4-BE49-F238E27FC236}">
+                <a16:creationId xmlns:a16="http://schemas.microsoft.com/office/drawing/2014/main" id="{8A56E29C-09F7-B711-591E-BDC97066A449}"/>
+              </a:ext>
+            </a:extLst>
+          </p:cNvPr>
+          <p:cNvSpPr>
+            <a:spLocks noGrp="1"/>
+          </p:cNvSpPr>
+          <p:nvPr>
+            <p:ph type="title"/>
+          </p:nvPr>
+        </p:nvSpPr>
+        <p:spPr/>
+        <p:txBody>
+          <a:bodyPr/>
+          <a:lstStyle/>
+          <a:p>
+            <a:r>
+              <a:rPr lang="en-US" dirty="0"/>
+              <a:t>React router </a:t>
+            </a:r>
+            <a:r>
+              <a:rPr lang="en-US" dirty="0" err="1"/>
+              <a:t>dom</a:t>
+            </a:r>
+            <a:endParaRPr lang="en-US" dirty="0"/>
+          </a:p>
+        </p:txBody>
+      </p:sp>
+      <p:sp>
+        <p:nvSpPr>
+          <p:cNvPr id="3" name="Content Placeholder 2">
+            <a:extLst>
+              <a:ext uri="{FF2B5EF4-FFF2-40B4-BE49-F238E27FC236}">
+                <a16:creationId xmlns:a16="http://schemas.microsoft.com/office/drawing/2014/main" id="{4D96329F-70CA-D930-B844-FB5264890AD1}"/>
+              </a:ext>
+            </a:extLst>
+          </p:cNvPr>
+          <p:cNvSpPr>
+            <a:spLocks noGrp="1"/>
+          </p:cNvSpPr>
+          <p:nvPr>
+            <p:ph idx="1"/>
+          </p:nvPr>
+        </p:nvSpPr>
+        <p:spPr/>
+        <p:txBody>
+          <a:bodyPr>
+            <a:normAutofit/>
+          </a:bodyPr>
+          <a:lstStyle/>
+          <a:p>
+            <a:r>
+              <a:rPr lang="en-US" sz="1800" dirty="0" err="1"/>
+              <a:t>rrd</a:t>
+            </a:r>
+            <a:r>
+              <a:rPr lang="en-US" sz="1800" dirty="0"/>
+              <a:t> is package that allows us to separate our project to pages</a:t>
+            </a:r>
+          </a:p>
+          <a:p>
+            <a:r>
+              <a:rPr lang="en-US" sz="1600" dirty="0"/>
+              <a:t>in our course we will use v5</a:t>
+            </a:r>
+          </a:p>
+          <a:p>
+            <a:endParaRPr lang="en-US" sz="1600" dirty="0"/>
+          </a:p>
+          <a:p>
+            <a:r>
+              <a:rPr lang="en-US" sz="1600" dirty="0"/>
+              <a:t>install: </a:t>
+            </a:r>
+            <a:r>
+              <a:rPr lang="en-US" sz="1600" dirty="0" err="1"/>
+              <a:t>npm</a:t>
+            </a:r>
+            <a:r>
+              <a:rPr lang="en-US" sz="1600" dirty="0"/>
+              <a:t> </a:t>
+            </a:r>
+            <a:r>
+              <a:rPr lang="en-US" sz="1600" dirty="0" err="1"/>
+              <a:t>i</a:t>
+            </a:r>
+            <a:r>
+              <a:rPr lang="en-US" sz="1600" dirty="0"/>
+              <a:t> react-router-dom@5</a:t>
+            </a:r>
+          </a:p>
+          <a:p>
+            <a:endParaRPr lang="en-US" sz="1600" dirty="0"/>
+          </a:p>
+          <a:p>
+            <a:r>
+              <a:rPr lang="en-US" sz="1600" dirty="0"/>
+              <a:t>index.js:</a:t>
+            </a:r>
+          </a:p>
+          <a:p>
+            <a:r>
+              <a:rPr lang="en-US" sz="1800" dirty="0"/>
+              <a:t>import { </a:t>
+            </a:r>
+            <a:r>
+              <a:rPr lang="en-US" sz="1800" dirty="0" err="1"/>
+              <a:t>BrowserRouter</a:t>
+            </a:r>
+            <a:r>
+              <a:rPr lang="en-US" sz="1800" dirty="0"/>
+              <a:t> } from "react-router-</a:t>
+            </a:r>
+            <a:r>
+              <a:rPr lang="en-US" sz="1800" dirty="0" err="1"/>
+              <a:t>dom</a:t>
+            </a:r>
+            <a:r>
+              <a:rPr lang="en-US" sz="1800" dirty="0"/>
+              <a:t>";</a:t>
+            </a:r>
+          </a:p>
+          <a:p>
+            <a:r>
+              <a:rPr lang="en-US" sz="1800" dirty="0"/>
+              <a:t>….</a:t>
+            </a:r>
+          </a:p>
+        </p:txBody>
+      </p:sp>
+    </p:spTree>
+    <p:extLst>
+      <p:ext uri="{BB962C8B-B14F-4D97-AF65-F5344CB8AC3E}">
+        <p14:creationId xmlns:p14="http://schemas.microsoft.com/office/powerpoint/2010/main" val="2988597490"/>
+      </p:ext>
+    </p:extLst>
+  </p:cSld>
+  <p:clrMapOvr>
+    <a:masterClrMapping/>
+  </p:clrMapOvr>
+</p:sld>
+</file>
+
+<file path=ppt/slides/slide58.xml><?xml version="1.0" encoding="utf-8"?>
+<p:sld xmlns:a="http://schemas.openxmlformats.org/drawingml/2006/main" xmlns:r="http://schemas.openxmlformats.org/officeDocument/2006/relationships" xmlns:p="http://schemas.openxmlformats.org/presentationml/2006/main">
+  <p:cSld>
+    <p:spTree>
+      <p:nvGrpSpPr>
+        <p:cNvPr id="1" name=""/>
+        <p:cNvGrpSpPr/>
+        <p:nvPr/>
+      </p:nvGrpSpPr>
+      <p:grpSpPr>
+        <a:xfrm>
+          <a:off x="0" y="0"/>
+          <a:ext cx="0" cy="0"/>
+          <a:chOff x="0" y="0"/>
+          <a:chExt cx="0" cy="0"/>
+        </a:xfrm>
+      </p:grpSpPr>
+      <p:sp>
+        <p:nvSpPr>
+          <p:cNvPr id="2" name="Title 1">
+            <a:extLst>
+              <a:ext uri="{FF2B5EF4-FFF2-40B4-BE49-F238E27FC236}">
+                <a16:creationId xmlns:a16="http://schemas.microsoft.com/office/drawing/2014/main" id="{8A56E29C-09F7-B711-591E-BDC97066A449}"/>
+              </a:ext>
+            </a:extLst>
+          </p:cNvPr>
+          <p:cNvSpPr>
+            <a:spLocks noGrp="1"/>
+          </p:cNvSpPr>
+          <p:nvPr>
+            <p:ph type="title"/>
+          </p:nvPr>
+        </p:nvSpPr>
+        <p:spPr/>
+        <p:txBody>
+          <a:bodyPr/>
+          <a:lstStyle/>
+          <a:p>
+            <a:r>
+              <a:rPr lang="en-US" dirty="0"/>
+              <a:t>React router </a:t>
+            </a:r>
+            <a:r>
+              <a:rPr lang="en-US" dirty="0" err="1"/>
+              <a:t>dom</a:t>
+            </a:r>
+            <a:endParaRPr lang="en-US" dirty="0"/>
+          </a:p>
+        </p:txBody>
+      </p:sp>
+      <p:sp>
+        <p:nvSpPr>
+          <p:cNvPr id="3" name="Content Placeholder 2">
+            <a:extLst>
+              <a:ext uri="{FF2B5EF4-FFF2-40B4-BE49-F238E27FC236}">
+                <a16:creationId xmlns:a16="http://schemas.microsoft.com/office/drawing/2014/main" id="{4D96329F-70CA-D930-B844-FB5264890AD1}"/>
+              </a:ext>
+            </a:extLst>
+          </p:cNvPr>
+          <p:cNvSpPr>
+            <a:spLocks noGrp="1"/>
+          </p:cNvSpPr>
+          <p:nvPr>
+            <p:ph idx="1"/>
+          </p:nvPr>
+        </p:nvSpPr>
+        <p:spPr/>
+        <p:txBody>
+          <a:bodyPr>
+            <a:normAutofit/>
+          </a:bodyPr>
+          <a:lstStyle/>
+          <a:p>
+            <a:r>
+              <a:rPr lang="en-US" sz="1800" dirty="0"/>
+              <a:t>in index.js setup the browser router to allow </a:t>
+            </a:r>
+            <a:r>
+              <a:rPr lang="en-US" sz="1800" dirty="0" err="1"/>
+              <a:t>rrd</a:t>
+            </a:r>
+            <a:r>
+              <a:rPr lang="en-US" sz="1800" dirty="0"/>
+              <a:t> to split the project in to pages</a:t>
+            </a:r>
+          </a:p>
+          <a:p>
+            <a:r>
+              <a:rPr lang="en-US" sz="1800" dirty="0"/>
+              <a:t>&lt;Provider store={store}&gt;</a:t>
+            </a:r>
+          </a:p>
+          <a:p>
+            <a:r>
+              <a:rPr lang="en-US" sz="1800" dirty="0"/>
+              <a:t>      &lt;</a:t>
+            </a:r>
+            <a:r>
+              <a:rPr lang="en-US" sz="1800" dirty="0" err="1"/>
+              <a:t>BrowserRouter</a:t>
+            </a:r>
+            <a:r>
+              <a:rPr lang="en-US" sz="1800" dirty="0"/>
+              <a:t>&gt;</a:t>
+            </a:r>
+          </a:p>
+          <a:p>
+            <a:r>
+              <a:rPr lang="en-US" sz="1800" dirty="0"/>
+              <a:t>        &lt;App /&gt;</a:t>
+            </a:r>
+          </a:p>
+          <a:p>
+            <a:r>
+              <a:rPr lang="en-US" sz="1800" dirty="0"/>
+              <a:t>      &lt;/</a:t>
+            </a:r>
+            <a:r>
+              <a:rPr lang="en-US" sz="1800" dirty="0" err="1"/>
+              <a:t>BrowserRouter</a:t>
+            </a:r>
+            <a:r>
+              <a:rPr lang="en-US" sz="1800" dirty="0"/>
+              <a:t>&gt;</a:t>
+            </a:r>
+          </a:p>
+          <a:p>
+            <a:r>
+              <a:rPr lang="en-US" sz="1800" dirty="0"/>
+              <a:t>    &lt;/Provider&gt;</a:t>
+            </a:r>
+          </a:p>
+        </p:txBody>
+      </p:sp>
+    </p:spTree>
+    <p:extLst>
+      <p:ext uri="{BB962C8B-B14F-4D97-AF65-F5344CB8AC3E}">
+        <p14:creationId xmlns:p14="http://schemas.microsoft.com/office/powerpoint/2010/main" val="505769909"/>
+      </p:ext>
+    </p:extLst>
+  </p:cSld>
+  <p:clrMapOvr>
+    <a:masterClrMapping/>
+  </p:clrMapOvr>
+</p:sld>
+</file>
+
+<file path=ppt/slides/slide59.xml><?xml version="1.0" encoding="utf-8"?>
+<p:sld xmlns:a="http://schemas.openxmlformats.org/drawingml/2006/main" xmlns:r="http://schemas.openxmlformats.org/officeDocument/2006/relationships" xmlns:p="http://schemas.openxmlformats.org/presentationml/2006/main">
+  <p:cSld>
+    <p:spTree>
+      <p:nvGrpSpPr>
+        <p:cNvPr id="1" name=""/>
+        <p:cNvGrpSpPr/>
+        <p:nvPr/>
+      </p:nvGrpSpPr>
+      <p:grpSpPr>
+        <a:xfrm>
+          <a:off x="0" y="0"/>
+          <a:ext cx="0" cy="0"/>
+          <a:chOff x="0" y="0"/>
+          <a:chExt cx="0" cy="0"/>
+        </a:xfrm>
+      </p:grpSpPr>
+      <p:sp>
+        <p:nvSpPr>
+          <p:cNvPr id="2" name="Title 1">
+            <a:extLst>
+              <a:ext uri="{FF2B5EF4-FFF2-40B4-BE49-F238E27FC236}">
+                <a16:creationId xmlns:a16="http://schemas.microsoft.com/office/drawing/2014/main" id="{8A56E29C-09F7-B711-591E-BDC97066A449}"/>
+              </a:ext>
+            </a:extLst>
+          </p:cNvPr>
+          <p:cNvSpPr>
+            <a:spLocks noGrp="1"/>
+          </p:cNvSpPr>
+          <p:nvPr>
+            <p:ph type="title"/>
+          </p:nvPr>
+        </p:nvSpPr>
+        <p:spPr/>
+        <p:txBody>
+          <a:bodyPr/>
+          <a:lstStyle/>
+          <a:p>
+            <a:r>
+              <a:rPr lang="en-US" dirty="0"/>
+              <a:t>React router </a:t>
+            </a:r>
+            <a:r>
+              <a:rPr lang="en-US" dirty="0" err="1"/>
+              <a:t>dom</a:t>
+            </a:r>
+            <a:endParaRPr lang="en-US" dirty="0"/>
+          </a:p>
+        </p:txBody>
+      </p:sp>
+      <p:sp>
+        <p:nvSpPr>
+          <p:cNvPr id="3" name="Content Placeholder 2">
+            <a:extLst>
+              <a:ext uri="{FF2B5EF4-FFF2-40B4-BE49-F238E27FC236}">
+                <a16:creationId xmlns:a16="http://schemas.microsoft.com/office/drawing/2014/main" id="{4D96329F-70CA-D930-B844-FB5264890AD1}"/>
+              </a:ext>
+            </a:extLst>
+          </p:cNvPr>
+          <p:cNvSpPr>
+            <a:spLocks noGrp="1"/>
+          </p:cNvSpPr>
+          <p:nvPr>
+            <p:ph idx="1"/>
+          </p:nvPr>
+        </p:nvSpPr>
+        <p:spPr/>
+        <p:txBody>
+          <a:bodyPr>
+            <a:normAutofit fontScale="62500" lnSpcReduction="20000"/>
+          </a:bodyPr>
+          <a:lstStyle/>
+          <a:p>
+            <a:r>
+              <a:rPr lang="en-US" sz="1800" dirty="0"/>
+              <a:t>Route component that comes with </a:t>
+            </a:r>
+            <a:r>
+              <a:rPr lang="en-US" sz="1800" dirty="0" err="1"/>
+              <a:t>rrd</a:t>
+            </a:r>
+            <a:r>
+              <a:rPr lang="en-US" sz="1800" dirty="0"/>
+              <a:t> allow as to create routes</a:t>
+            </a:r>
+          </a:p>
+          <a:p>
+            <a:r>
+              <a:rPr lang="en-US" sz="1800" dirty="0"/>
+              <a:t>&lt;div </a:t>
+            </a:r>
+            <a:r>
+              <a:rPr lang="en-US" sz="1800" dirty="0" err="1"/>
+              <a:t>className</a:t>
+            </a:r>
+            <a:r>
+              <a:rPr lang="en-US" sz="1800" dirty="0"/>
+              <a:t>="container"&gt;</a:t>
+            </a:r>
+          </a:p>
+          <a:p>
+            <a:r>
+              <a:rPr lang="en-US" sz="1800" dirty="0"/>
+              <a:t>&lt;Switch&gt;</a:t>
+            </a:r>
+          </a:p>
+          <a:p>
+            <a:r>
+              <a:rPr lang="en-US" sz="1800" dirty="0"/>
+              <a:t>        &lt;Route path="/"&gt;</a:t>
+            </a:r>
+          </a:p>
+          <a:p>
+            <a:r>
+              <a:rPr lang="en-US" sz="1800" dirty="0"/>
+              <a:t>          &lt;</a:t>
+            </a:r>
+            <a:r>
+              <a:rPr lang="en-US" sz="1800" dirty="0" err="1"/>
+              <a:t>HomePage</a:t>
+            </a:r>
+            <a:r>
+              <a:rPr lang="en-US" sz="1800" dirty="0"/>
+              <a:t> /&gt;</a:t>
+            </a:r>
+          </a:p>
+          <a:p>
+            <a:r>
+              <a:rPr lang="en-US" sz="1800" dirty="0"/>
+              <a:t>        &lt;/Route&gt;</a:t>
+            </a:r>
+          </a:p>
+          <a:p>
+            <a:r>
+              <a:rPr lang="en-US" sz="1800" dirty="0"/>
+              <a:t>        &lt;Route path="/login"&gt;</a:t>
+            </a:r>
+          </a:p>
+          <a:p>
+            <a:r>
+              <a:rPr lang="en-US" sz="1800" dirty="0"/>
+              <a:t>          &lt;</a:t>
+            </a:r>
+            <a:r>
+              <a:rPr lang="en-US" sz="1800" dirty="0" err="1"/>
+              <a:t>LoginPage</a:t>
+            </a:r>
+            <a:r>
+              <a:rPr lang="en-US" sz="1800" dirty="0"/>
+              <a:t> /&gt;</a:t>
+            </a:r>
+          </a:p>
+          <a:p>
+            <a:r>
+              <a:rPr lang="en-US" sz="1800" dirty="0"/>
+              <a:t>        &lt;/Route&gt;</a:t>
+            </a:r>
+          </a:p>
+          <a:p>
+            <a:r>
+              <a:rPr lang="en-US" sz="1800" dirty="0"/>
+              <a:t>        &lt;Route path="/register"&gt;</a:t>
+            </a:r>
+          </a:p>
+          <a:p>
+            <a:r>
+              <a:rPr lang="en-US" sz="1800" dirty="0"/>
+              <a:t>          &lt;</a:t>
+            </a:r>
+            <a:r>
+              <a:rPr lang="en-US" sz="1800" dirty="0" err="1"/>
+              <a:t>RegisterPage</a:t>
+            </a:r>
+            <a:r>
+              <a:rPr lang="en-US" sz="1800" dirty="0"/>
+              <a:t> /&gt;</a:t>
+            </a:r>
+          </a:p>
+          <a:p>
+            <a:r>
+              <a:rPr lang="en-US" sz="1800" dirty="0"/>
+              <a:t>        &lt;/Route&gt;</a:t>
+            </a:r>
+          </a:p>
+          <a:p>
+            <a:r>
+              <a:rPr lang="en-US" sz="1800" dirty="0"/>
+              <a:t>      &lt;/Switch&gt;</a:t>
+            </a:r>
+          </a:p>
+          <a:p>
+            <a:r>
+              <a:rPr lang="en-US" sz="1800" dirty="0"/>
+              <a:t>    &lt;/div&gt;</a:t>
+            </a:r>
+          </a:p>
+        </p:txBody>
+      </p:sp>
+    </p:spTree>
+    <p:extLst>
+      <p:ext uri="{BB962C8B-B14F-4D97-AF65-F5344CB8AC3E}">
+        <p14:creationId xmlns:p14="http://schemas.microsoft.com/office/powerpoint/2010/main" val="2669829318"/>
       </p:ext>
     </p:extLst>
   </p:cSld>
@@ -12758,6 +13281,241 @@
     <p:extLst>
       <p:ext uri="{BB962C8B-B14F-4D97-AF65-F5344CB8AC3E}">
         <p14:creationId xmlns:p14="http://schemas.microsoft.com/office/powerpoint/2010/main" val="2861264614"/>
+      </p:ext>
+    </p:extLst>
+  </p:cSld>
+  <p:clrMapOvr>
+    <a:masterClrMapping/>
+  </p:clrMapOvr>
+</p:sld>
+</file>
+
+<file path=ppt/slides/slide60.xml><?xml version="1.0" encoding="utf-8"?>
+<p:sld xmlns:a="http://schemas.openxmlformats.org/drawingml/2006/main" xmlns:r="http://schemas.openxmlformats.org/officeDocument/2006/relationships" xmlns:p="http://schemas.openxmlformats.org/presentationml/2006/main">
+  <p:cSld>
+    <p:spTree>
+      <p:nvGrpSpPr>
+        <p:cNvPr id="1" name=""/>
+        <p:cNvGrpSpPr/>
+        <p:nvPr/>
+      </p:nvGrpSpPr>
+      <p:grpSpPr>
+        <a:xfrm>
+          <a:off x="0" y="0"/>
+          <a:ext cx="0" cy="0"/>
+          <a:chOff x="0" y="0"/>
+          <a:chExt cx="0" cy="0"/>
+        </a:xfrm>
+      </p:grpSpPr>
+      <p:sp>
+        <p:nvSpPr>
+          <p:cNvPr id="2" name="Title 1">
+            <a:extLst>
+              <a:ext uri="{FF2B5EF4-FFF2-40B4-BE49-F238E27FC236}">
+                <a16:creationId xmlns:a16="http://schemas.microsoft.com/office/drawing/2014/main" id="{8A56E29C-09F7-B711-591E-BDC97066A449}"/>
+              </a:ext>
+            </a:extLst>
+          </p:cNvPr>
+          <p:cNvSpPr>
+            <a:spLocks noGrp="1"/>
+          </p:cNvSpPr>
+          <p:nvPr>
+            <p:ph type="title"/>
+          </p:nvPr>
+        </p:nvSpPr>
+        <p:spPr/>
+        <p:txBody>
+          <a:bodyPr/>
+          <a:lstStyle/>
+          <a:p>
+            <a:r>
+              <a:rPr lang="en-US" dirty="0"/>
+              <a:t>React router </a:t>
+            </a:r>
+            <a:r>
+              <a:rPr lang="en-US" dirty="0" err="1"/>
+              <a:t>dom</a:t>
+            </a:r>
+            <a:r>
+              <a:rPr lang="en-US" dirty="0"/>
+              <a:t> - Link</a:t>
+            </a:r>
+          </a:p>
+        </p:txBody>
+      </p:sp>
+      <p:sp>
+        <p:nvSpPr>
+          <p:cNvPr id="3" name="Content Placeholder 2">
+            <a:extLst>
+              <a:ext uri="{FF2B5EF4-FFF2-40B4-BE49-F238E27FC236}">
+                <a16:creationId xmlns:a16="http://schemas.microsoft.com/office/drawing/2014/main" id="{4D96329F-70CA-D930-B844-FB5264890AD1}"/>
+              </a:ext>
+            </a:extLst>
+          </p:cNvPr>
+          <p:cNvSpPr>
+            <a:spLocks noGrp="1"/>
+          </p:cNvSpPr>
+          <p:nvPr>
+            <p:ph idx="1"/>
+          </p:nvPr>
+        </p:nvSpPr>
+        <p:spPr/>
+        <p:txBody>
+          <a:bodyPr>
+            <a:normAutofit/>
+          </a:bodyPr>
+          <a:lstStyle/>
+          <a:p>
+            <a:r>
+              <a:rPr lang="en-US" sz="1800" dirty="0"/>
+              <a:t>link component will replace a tag</a:t>
+            </a:r>
+          </a:p>
+          <a:p>
+            <a:r>
+              <a:rPr lang="en-US" sz="1800" dirty="0"/>
+              <a:t>when we use a tag to navigate in our website it will refresh the page which will cause to clear everything we store in JavaScript and redux</a:t>
+            </a:r>
+          </a:p>
+          <a:p>
+            <a:r>
+              <a:rPr lang="en-US" sz="1800" dirty="0"/>
+              <a:t>link will navigate in our website without refresh</a:t>
+            </a:r>
+          </a:p>
+          <a:p>
+            <a:endParaRPr lang="en-US" sz="1800" dirty="0"/>
+          </a:p>
+          <a:p>
+            <a:r>
+              <a:rPr lang="en-US" sz="1800" dirty="0"/>
+              <a:t>&lt;Link to=“/home” &gt;home &lt;/Link&gt;</a:t>
+            </a:r>
+          </a:p>
+        </p:txBody>
+      </p:sp>
+    </p:spTree>
+    <p:extLst>
+      <p:ext uri="{BB962C8B-B14F-4D97-AF65-F5344CB8AC3E}">
+        <p14:creationId xmlns:p14="http://schemas.microsoft.com/office/powerpoint/2010/main" val="3764742802"/>
+      </p:ext>
+    </p:extLst>
+  </p:cSld>
+  <p:clrMapOvr>
+    <a:masterClrMapping/>
+  </p:clrMapOvr>
+</p:sld>
+</file>
+
+<file path=ppt/slides/slide61.xml><?xml version="1.0" encoding="utf-8"?>
+<p:sld xmlns:a="http://schemas.openxmlformats.org/drawingml/2006/main" xmlns:r="http://schemas.openxmlformats.org/officeDocument/2006/relationships" xmlns:p="http://schemas.openxmlformats.org/presentationml/2006/main">
+  <p:cSld>
+    <p:spTree>
+      <p:nvGrpSpPr>
+        <p:cNvPr id="1" name=""/>
+        <p:cNvGrpSpPr/>
+        <p:nvPr/>
+      </p:nvGrpSpPr>
+      <p:grpSpPr>
+        <a:xfrm>
+          <a:off x="0" y="0"/>
+          <a:ext cx="0" cy="0"/>
+          <a:chOff x="0" y="0"/>
+          <a:chExt cx="0" cy="0"/>
+        </a:xfrm>
+      </p:grpSpPr>
+      <p:sp>
+        <p:nvSpPr>
+          <p:cNvPr id="2" name="Title 1">
+            <a:extLst>
+              <a:ext uri="{FF2B5EF4-FFF2-40B4-BE49-F238E27FC236}">
+                <a16:creationId xmlns:a16="http://schemas.microsoft.com/office/drawing/2014/main" id="{8A56E29C-09F7-B711-591E-BDC97066A449}"/>
+              </a:ext>
+            </a:extLst>
+          </p:cNvPr>
+          <p:cNvSpPr>
+            <a:spLocks noGrp="1"/>
+          </p:cNvSpPr>
+          <p:nvPr>
+            <p:ph type="title"/>
+          </p:nvPr>
+        </p:nvSpPr>
+        <p:spPr/>
+        <p:txBody>
+          <a:bodyPr/>
+          <a:lstStyle/>
+          <a:p>
+            <a:r>
+              <a:rPr lang="en-US" dirty="0"/>
+              <a:t>React router </a:t>
+            </a:r>
+            <a:r>
+              <a:rPr lang="en-US" dirty="0" err="1"/>
+              <a:t>dom</a:t>
+            </a:r>
+            <a:r>
+              <a:rPr lang="en-US" dirty="0"/>
+              <a:t> - </a:t>
+            </a:r>
+            <a:r>
+              <a:rPr lang="en-US" dirty="0" err="1"/>
+              <a:t>NavLink</a:t>
+            </a:r>
+            <a:endParaRPr lang="en-US" dirty="0"/>
+          </a:p>
+        </p:txBody>
+      </p:sp>
+      <p:sp>
+        <p:nvSpPr>
+          <p:cNvPr id="3" name="Content Placeholder 2">
+            <a:extLst>
+              <a:ext uri="{FF2B5EF4-FFF2-40B4-BE49-F238E27FC236}">
+                <a16:creationId xmlns:a16="http://schemas.microsoft.com/office/drawing/2014/main" id="{4D96329F-70CA-D930-B844-FB5264890AD1}"/>
+              </a:ext>
+            </a:extLst>
+          </p:cNvPr>
+          <p:cNvSpPr>
+            <a:spLocks noGrp="1"/>
+          </p:cNvSpPr>
+          <p:nvPr>
+            <p:ph idx="1"/>
+          </p:nvPr>
+        </p:nvSpPr>
+        <p:spPr/>
+        <p:txBody>
+          <a:bodyPr>
+            <a:normAutofit/>
+          </a:bodyPr>
+          <a:lstStyle/>
+          <a:p>
+            <a:r>
+              <a:rPr lang="en-US" sz="1800" dirty="0"/>
+              <a:t>same as Link but when react detect that the URL is the same as defined in </a:t>
+            </a:r>
+            <a:r>
+              <a:rPr lang="en-US" sz="1800" dirty="0" err="1"/>
+              <a:t>NavLink</a:t>
+            </a:r>
+            <a:r>
+              <a:rPr lang="en-US" sz="1800" dirty="0"/>
+              <a:t> it will add active class</a:t>
+            </a:r>
+          </a:p>
+          <a:p>
+            <a:endParaRPr lang="en-US" sz="1800" dirty="0"/>
+          </a:p>
+          <a:p>
+            <a:r>
+              <a:rPr lang="en-US" sz="1800" dirty="0"/>
+              <a:t>&lt;Link to=“/home” &gt;home &lt;/Link&gt;</a:t>
+            </a:r>
+          </a:p>
+        </p:txBody>
+      </p:sp>
+    </p:spTree>
+    <p:extLst>
+      <p:ext uri="{BB962C8B-B14F-4D97-AF65-F5344CB8AC3E}">
+        <p14:creationId xmlns:p14="http://schemas.microsoft.com/office/powerpoint/2010/main" val="2982890873"/>
       </p:ext>
     </p:extLst>
   </p:cSld>

--- a/docs/React.pptx
+++ b/docs/React.pptx
@@ -5,7 +5,7 @@
     <p:sldMasterId id="2147483660" r:id="rId4"/>
   </p:sldMasterIdLst>
   <p:notesMasterIdLst>
-    <p:notesMasterId r:id="rId66"/>
+    <p:notesMasterId r:id="rId67"/>
   </p:notesMasterIdLst>
   <p:sldIdLst>
     <p:sldId id="264" r:id="rId5"/>
@@ -69,6 +69,7 @@
     <p:sldId id="371" r:id="rId63"/>
     <p:sldId id="372" r:id="rId64"/>
     <p:sldId id="373" r:id="rId65"/>
+    <p:sldId id="374" r:id="rId66"/>
   </p:sldIdLst>
   <p:sldSz cx="12192000" cy="6858000"/>
   <p:notesSz cx="6858000" cy="9144000"/>
@@ -13516,6 +13517,99 @@
     <p:extLst>
       <p:ext uri="{BB962C8B-B14F-4D97-AF65-F5344CB8AC3E}">
         <p14:creationId xmlns:p14="http://schemas.microsoft.com/office/powerpoint/2010/main" val="2982890873"/>
+      </p:ext>
+    </p:extLst>
+  </p:cSld>
+  <p:clrMapOvr>
+    <a:masterClrMapping/>
+  </p:clrMapOvr>
+</p:sld>
+</file>
+
+<file path=ppt/slides/slide62.xml><?xml version="1.0" encoding="utf-8"?>
+<p:sld xmlns:a="http://schemas.openxmlformats.org/drawingml/2006/main" xmlns:r="http://schemas.openxmlformats.org/officeDocument/2006/relationships" xmlns:p="http://schemas.openxmlformats.org/presentationml/2006/main">
+  <p:cSld>
+    <p:spTree>
+      <p:nvGrpSpPr>
+        <p:cNvPr id="1" name=""/>
+        <p:cNvGrpSpPr/>
+        <p:nvPr/>
+      </p:nvGrpSpPr>
+      <p:grpSpPr>
+        <a:xfrm>
+          <a:off x="0" y="0"/>
+          <a:ext cx="0" cy="0"/>
+          <a:chOff x="0" y="0"/>
+          <a:chExt cx="0" cy="0"/>
+        </a:xfrm>
+      </p:grpSpPr>
+      <p:sp>
+        <p:nvSpPr>
+          <p:cNvPr id="2" name="Title 1">
+            <a:extLst>
+              <a:ext uri="{FF2B5EF4-FFF2-40B4-BE49-F238E27FC236}">
+                <a16:creationId xmlns:a16="http://schemas.microsoft.com/office/drawing/2014/main" id="{8A56E29C-09F7-B711-591E-BDC97066A449}"/>
+              </a:ext>
+            </a:extLst>
+          </p:cNvPr>
+          <p:cNvSpPr>
+            <a:spLocks noGrp="1"/>
+          </p:cNvSpPr>
+          <p:nvPr>
+            <p:ph type="title"/>
+          </p:nvPr>
+        </p:nvSpPr>
+        <p:spPr/>
+        <p:txBody>
+          <a:bodyPr/>
+          <a:lstStyle/>
+          <a:p>
+            <a:r>
+              <a:rPr lang="en-US" dirty="0"/>
+              <a:t>HW</a:t>
+            </a:r>
+          </a:p>
+        </p:txBody>
+      </p:sp>
+      <p:sp>
+        <p:nvSpPr>
+          <p:cNvPr id="3" name="Content Placeholder 2">
+            <a:extLst>
+              <a:ext uri="{FF2B5EF4-FFF2-40B4-BE49-F238E27FC236}">
+                <a16:creationId xmlns:a16="http://schemas.microsoft.com/office/drawing/2014/main" id="{4D96329F-70CA-D930-B844-FB5264890AD1}"/>
+              </a:ext>
+            </a:extLst>
+          </p:cNvPr>
+          <p:cNvSpPr>
+            <a:spLocks noGrp="1"/>
+          </p:cNvSpPr>
+          <p:nvPr>
+            <p:ph idx="1"/>
+          </p:nvPr>
+        </p:nvSpPr>
+        <p:spPr/>
+        <p:txBody>
+          <a:bodyPr>
+            <a:normAutofit/>
+          </a:bodyPr>
+          <a:lstStyle/>
+          <a:p>
+            <a:r>
+              <a:rPr lang="en-US" sz="1800" dirty="0"/>
+              <a:t>create new project with dashboard, login page, use redux and react router </a:t>
+            </a:r>
+            <a:r>
+              <a:rPr lang="en-US" sz="1800" dirty="0" err="1"/>
+              <a:t>dom</a:t>
+            </a:r>
+            <a:endParaRPr lang="en-US" sz="1800" dirty="0"/>
+          </a:p>
+        </p:txBody>
+      </p:sp>
+    </p:spTree>
+    <p:extLst>
+      <p:ext uri="{BB962C8B-B14F-4D97-AF65-F5344CB8AC3E}">
+        <p14:creationId xmlns:p14="http://schemas.microsoft.com/office/powerpoint/2010/main" val="1615059727"/>
       </p:ext>
     </p:extLst>
   </p:cSld>

--- a/docs/React.pptx
+++ b/docs/React.pptx
@@ -5,7 +5,7 @@
     <p:sldMasterId id="2147483660" r:id="rId4"/>
   </p:sldMasterIdLst>
   <p:notesMasterIdLst>
-    <p:notesMasterId r:id="rId67"/>
+    <p:notesMasterId r:id="rId69"/>
   </p:notesMasterIdLst>
   <p:sldIdLst>
     <p:sldId id="264" r:id="rId5"/>
@@ -70,6 +70,8 @@
     <p:sldId id="372" r:id="rId64"/>
     <p:sldId id="373" r:id="rId65"/>
     <p:sldId id="374" r:id="rId66"/>
+    <p:sldId id="375" r:id="rId67"/>
+    <p:sldId id="376" r:id="rId68"/>
   </p:sldIdLst>
   <p:sldSz cx="12192000" cy="6858000"/>
   <p:notesSz cx="6858000" cy="9144000"/>
@@ -258,7 +260,7 @@
           <a:p>
             <a:fld id="{CC6DBDFE-DD3D-4291-A404-1B97A83A6EA8}" type="datetimeFigureOut">
               <a:rPr lang="en-US" smtClean="0"/>
-              <a:t>11/07/2022</a:t>
+              <a:t>18/07/2022</a:t>
             </a:fld>
             <a:endParaRPr lang="en-US" dirty="0"/>
           </a:p>
@@ -1138,7 +1140,7 @@
           <a:p>
             <a:fld id="{EA0C0817-A112-4847-8014-A94B7D2A4EA3}" type="datetime1">
               <a:rPr lang="en-US" smtClean="0"/>
-              <a:t>11/07/2022</a:t>
+              <a:t>18/07/2022</a:t>
             </a:fld>
             <a:endParaRPr lang="en-US" dirty="0"/>
           </a:p>
@@ -1340,7 +1342,7 @@
           <a:p>
             <a:fld id="{7332B432-ACDA-4023-A761-2BAB76577B62}" type="datetime1">
               <a:rPr lang="en-US" smtClean="0"/>
-              <a:t>11/07/2022</a:t>
+              <a:t>18/07/2022</a:t>
             </a:fld>
             <a:endParaRPr lang="en-US" dirty="0"/>
           </a:p>
@@ -1939,7 +1941,7 @@
           <a:p>
             <a:fld id="{D9C646AA-F36E-4540-911D-FFFC0A0EF24A}" type="datetime1">
               <a:rPr lang="en-US" smtClean="0"/>
-              <a:t>11/07/2022</a:t>
+              <a:t>18/07/2022</a:t>
             </a:fld>
             <a:endParaRPr lang="en-US" dirty="0"/>
           </a:p>
@@ -2259,7 +2261,7 @@
           <a:p>
             <a:fld id="{69186D26-FA5F-4637-B602-B7C2DC34CFD4}" type="datetime1">
               <a:rPr lang="en-US" smtClean="0"/>
-              <a:t>11/07/2022</a:t>
+              <a:t>18/07/2022</a:t>
             </a:fld>
             <a:endParaRPr lang="en-US" dirty="0"/>
           </a:p>
@@ -2696,7 +2698,7 @@
           <a:p>
             <a:fld id="{8A7F15D8-96D1-4781-BC50-CA8A088B2FE4}" type="datetime1">
               <a:rPr lang="en-US" smtClean="0"/>
-              <a:t>11/07/2022</a:t>
+              <a:t>18/07/2022</a:t>
             </a:fld>
             <a:endParaRPr lang="en-US" dirty="0"/>
           </a:p>
@@ -2814,7 +2816,7 @@
           <a:p>
             <a:fld id="{F9A96C99-B8F8-4528-BD05-0E16E943DC09}" type="datetime1">
               <a:rPr lang="en-US" smtClean="0"/>
-              <a:t>11/07/2022</a:t>
+              <a:t>18/07/2022</a:t>
             </a:fld>
             <a:endParaRPr lang="en-US" dirty="0"/>
           </a:p>
@@ -2909,7 +2911,7 @@
           <a:p>
             <a:fld id="{03636942-C211-4B28-8DBD-C953E00AF71B}" type="datetime1">
               <a:rPr lang="en-US" smtClean="0"/>
-              <a:t>11/07/2022</a:t>
+              <a:t>18/07/2022</a:t>
             </a:fld>
             <a:endParaRPr lang="en-US" dirty="0"/>
           </a:p>
@@ -3326,7 +3328,7 @@
           <a:p>
             <a:fld id="{7E8D12A6-918A-48BD-8CB9-CA713993B0EA}" type="datetime1">
               <a:rPr lang="en-US" smtClean="0"/>
-              <a:t>11/07/2022</a:t>
+              <a:t>18/07/2022</a:t>
             </a:fld>
             <a:endParaRPr lang="en-US" dirty="0"/>
           </a:p>
@@ -3588,7 +3590,7 @@
             <a:fld id="{E778CE86-875F-4587-BCF6-FA054AFC0D53}" type="datetime1">
               <a:rPr lang="en-US" smtClean="0"/>
               <a:pPr/>
-              <a:t>11/07/2022</a:t>
+              <a:t>18/07/2022</a:t>
             </a:fld>
             <a:endParaRPr lang="en-US" dirty="0"/>
           </a:p>
@@ -4104,7 +4106,7 @@
           <a:p>
             <a:fld id="{F6FA2B21-3FCD-4721-B95C-427943F61125}" type="datetime1">
               <a:rPr lang="en-US" smtClean="0"/>
-              <a:t>11/07/2022</a:t>
+              <a:t>18/07/2022</a:t>
             </a:fld>
             <a:endParaRPr lang="en-US" dirty="0"/>
           </a:p>
@@ -13610,6 +13612,258 @@
     <p:extLst>
       <p:ext uri="{BB962C8B-B14F-4D97-AF65-F5344CB8AC3E}">
         <p14:creationId xmlns:p14="http://schemas.microsoft.com/office/powerpoint/2010/main" val="1615059727"/>
+      </p:ext>
+    </p:extLst>
+  </p:cSld>
+  <p:clrMapOvr>
+    <a:masterClrMapping/>
+  </p:clrMapOvr>
+</p:sld>
+</file>
+
+<file path=ppt/slides/slide63.xml><?xml version="1.0" encoding="utf-8"?>
+<p:sld xmlns:a="http://schemas.openxmlformats.org/drawingml/2006/main" xmlns:r="http://schemas.openxmlformats.org/officeDocument/2006/relationships" xmlns:p="http://schemas.openxmlformats.org/presentationml/2006/main">
+  <p:cSld>
+    <p:spTree>
+      <p:nvGrpSpPr>
+        <p:cNvPr id="1" name=""/>
+        <p:cNvGrpSpPr/>
+        <p:nvPr/>
+      </p:nvGrpSpPr>
+      <p:grpSpPr>
+        <a:xfrm>
+          <a:off x="0" y="0"/>
+          <a:ext cx="0" cy="0"/>
+          <a:chOff x="0" y="0"/>
+          <a:chExt cx="0" cy="0"/>
+        </a:xfrm>
+      </p:grpSpPr>
+      <p:sp>
+        <p:nvSpPr>
+          <p:cNvPr id="2" name="Title 1">
+            <a:extLst>
+              <a:ext uri="{FF2B5EF4-FFF2-40B4-BE49-F238E27FC236}">
+                <a16:creationId xmlns:a16="http://schemas.microsoft.com/office/drawing/2014/main" id="{8A56E29C-09F7-B711-591E-BDC97066A449}"/>
+              </a:ext>
+            </a:extLst>
+          </p:cNvPr>
+          <p:cNvSpPr>
+            <a:spLocks noGrp="1"/>
+          </p:cNvSpPr>
+          <p:nvPr>
+            <p:ph type="title"/>
+          </p:nvPr>
+        </p:nvSpPr>
+        <p:spPr/>
+        <p:txBody>
+          <a:bodyPr/>
+          <a:lstStyle/>
+          <a:p>
+            <a:r>
+              <a:rPr lang="en-US" dirty="0"/>
+              <a:t>React router </a:t>
+            </a:r>
+            <a:r>
+              <a:rPr lang="en-US" dirty="0" err="1"/>
+              <a:t>dom</a:t>
+            </a:r>
+            <a:r>
+              <a:rPr lang="en-US" dirty="0"/>
+              <a:t> - navigate</a:t>
+            </a:r>
+          </a:p>
+        </p:txBody>
+      </p:sp>
+      <p:sp>
+        <p:nvSpPr>
+          <p:cNvPr id="3" name="Content Placeholder 2">
+            <a:extLst>
+              <a:ext uri="{FF2B5EF4-FFF2-40B4-BE49-F238E27FC236}">
+                <a16:creationId xmlns:a16="http://schemas.microsoft.com/office/drawing/2014/main" id="{4D96329F-70CA-D930-B844-FB5264890AD1}"/>
+              </a:ext>
+            </a:extLst>
+          </p:cNvPr>
+          <p:cNvSpPr>
+            <a:spLocks noGrp="1"/>
+          </p:cNvSpPr>
+          <p:nvPr>
+            <p:ph idx="1"/>
+          </p:nvPr>
+        </p:nvSpPr>
+        <p:spPr/>
+        <p:txBody>
+          <a:bodyPr>
+            <a:normAutofit/>
+          </a:bodyPr>
+          <a:lstStyle/>
+          <a:p>
+            <a:r>
+              <a:rPr lang="en-US" sz="1800" dirty="0"/>
+              <a:t>To navigate between react pages we will use </a:t>
+            </a:r>
+            <a:r>
+              <a:rPr lang="en-US" sz="1800" dirty="0" err="1"/>
+              <a:t>useHistory</a:t>
+            </a:r>
+            <a:r>
+              <a:rPr lang="en-US" sz="1800" dirty="0"/>
+              <a:t> hook</a:t>
+            </a:r>
+          </a:p>
+          <a:p>
+            <a:endParaRPr lang="en-US" sz="1800" dirty="0"/>
+          </a:p>
+          <a:p>
+            <a:r>
+              <a:rPr lang="en-US" sz="1800" dirty="0"/>
+              <a:t>import { </a:t>
+            </a:r>
+            <a:r>
+              <a:rPr lang="en-US" sz="1800" dirty="0" err="1"/>
+              <a:t>useHistory</a:t>
+            </a:r>
+            <a:r>
+              <a:rPr lang="en-US" sz="1800" dirty="0"/>
+              <a:t> } from "react-router-</a:t>
+            </a:r>
+            <a:r>
+              <a:rPr lang="en-US" sz="1800" dirty="0" err="1"/>
+              <a:t>dom</a:t>
+            </a:r>
+            <a:r>
+              <a:rPr lang="en-US" sz="1800" dirty="0"/>
+              <a:t>";</a:t>
+            </a:r>
+          </a:p>
+          <a:p>
+            <a:endParaRPr lang="en-US" sz="1800" dirty="0"/>
+          </a:p>
+          <a:p>
+            <a:r>
+              <a:rPr lang="en-US" sz="1800" dirty="0"/>
+              <a:t> const history = </a:t>
+            </a:r>
+            <a:r>
+              <a:rPr lang="en-US" sz="1800" dirty="0" err="1"/>
+              <a:t>useHistory</a:t>
+            </a:r>
+            <a:r>
+              <a:rPr lang="en-US" sz="1800" dirty="0"/>
+              <a:t>();</a:t>
+            </a:r>
+          </a:p>
+          <a:p>
+            <a:endParaRPr lang="en-US" sz="1800" dirty="0"/>
+          </a:p>
+          <a:p>
+            <a:r>
+              <a:rPr lang="en-US" sz="1800" dirty="0" err="1"/>
+              <a:t>history.push</a:t>
+            </a:r>
+            <a:r>
+              <a:rPr lang="en-US" sz="1800" dirty="0"/>
+              <a:t>("/dashboard"); //navigate to another page</a:t>
+            </a:r>
+          </a:p>
+        </p:txBody>
+      </p:sp>
+    </p:spTree>
+    <p:extLst>
+      <p:ext uri="{BB962C8B-B14F-4D97-AF65-F5344CB8AC3E}">
+        <p14:creationId xmlns:p14="http://schemas.microsoft.com/office/powerpoint/2010/main" val="451509929"/>
+      </p:ext>
+    </p:extLst>
+  </p:cSld>
+  <p:clrMapOvr>
+    <a:masterClrMapping/>
+  </p:clrMapOvr>
+</p:sld>
+</file>
+
+<file path=ppt/slides/slide64.xml><?xml version="1.0" encoding="utf-8"?>
+<p:sld xmlns:a="http://schemas.openxmlformats.org/drawingml/2006/main" xmlns:r="http://schemas.openxmlformats.org/officeDocument/2006/relationships" xmlns:p="http://schemas.openxmlformats.org/presentationml/2006/main">
+  <p:cSld>
+    <p:spTree>
+      <p:nvGrpSpPr>
+        <p:cNvPr id="1" name=""/>
+        <p:cNvGrpSpPr/>
+        <p:nvPr/>
+      </p:nvGrpSpPr>
+      <p:grpSpPr>
+        <a:xfrm>
+          <a:off x="0" y="0"/>
+          <a:ext cx="0" cy="0"/>
+          <a:chOff x="0" y="0"/>
+          <a:chExt cx="0" cy="0"/>
+        </a:xfrm>
+      </p:grpSpPr>
+      <p:sp>
+        <p:nvSpPr>
+          <p:cNvPr id="2" name="Title 1">
+            <a:extLst>
+              <a:ext uri="{FF2B5EF4-FFF2-40B4-BE49-F238E27FC236}">
+                <a16:creationId xmlns:a16="http://schemas.microsoft.com/office/drawing/2014/main" id="{8A56E29C-09F7-B711-591E-BDC97066A449}"/>
+              </a:ext>
+            </a:extLst>
+          </p:cNvPr>
+          <p:cNvSpPr>
+            <a:spLocks noGrp="1"/>
+          </p:cNvSpPr>
+          <p:nvPr>
+            <p:ph type="title"/>
+          </p:nvPr>
+        </p:nvSpPr>
+        <p:spPr/>
+        <p:txBody>
+          <a:bodyPr/>
+          <a:lstStyle/>
+          <a:p>
+            <a:r>
+              <a:rPr lang="en-US" dirty="0"/>
+              <a:t>TK</a:t>
+            </a:r>
+          </a:p>
+        </p:txBody>
+      </p:sp>
+      <p:sp>
+        <p:nvSpPr>
+          <p:cNvPr id="3" name="Content Placeholder 2">
+            <a:extLst>
+              <a:ext uri="{FF2B5EF4-FFF2-40B4-BE49-F238E27FC236}">
+                <a16:creationId xmlns:a16="http://schemas.microsoft.com/office/drawing/2014/main" id="{4D96329F-70CA-D930-B844-FB5264890AD1}"/>
+              </a:ext>
+            </a:extLst>
+          </p:cNvPr>
+          <p:cNvSpPr>
+            <a:spLocks noGrp="1"/>
+          </p:cNvSpPr>
+          <p:nvPr>
+            <p:ph idx="1"/>
+          </p:nvPr>
+        </p:nvSpPr>
+        <p:spPr/>
+        <p:txBody>
+          <a:bodyPr>
+            <a:normAutofit/>
+          </a:bodyPr>
+          <a:lstStyle/>
+          <a:p>
+            <a:r>
+              <a:rPr lang="en-US" sz="1800" dirty="0"/>
+              <a:t>when user done register navigate to </a:t>
+            </a:r>
+            <a:r>
+              <a:rPr lang="en-US" sz="1800"/>
+              <a:t>login page</a:t>
+            </a:r>
+            <a:endParaRPr lang="en-US" sz="1800" dirty="0"/>
+          </a:p>
+        </p:txBody>
+      </p:sp>
+    </p:spTree>
+    <p:extLst>
+      <p:ext uri="{BB962C8B-B14F-4D97-AF65-F5344CB8AC3E}">
+        <p14:creationId xmlns:p14="http://schemas.microsoft.com/office/powerpoint/2010/main" val="2422672828"/>
       </p:ext>
     </p:extLst>
   </p:cSld>
@@ -14663,6 +14917,15 @@
 </file>
 
 <file path=customXml/item1.xml><?xml version="1.0" encoding="utf-8"?>
+<p:properties xmlns:p="http://schemas.microsoft.com/office/2006/metadata/properties" xmlns:xsi="http://www.w3.org/2001/XMLSchema-instance" xmlns:pc="http://schemas.microsoft.com/office/infopath/2007/PartnerControls">
+  <documentManagement>
+    <Status xmlns="71af3243-3dd4-4a8d-8c0d-dd76da1f02a5">Not started</Status>
+    <MediaServiceKeyPoints xmlns="71af3243-3dd4-4a8d-8c0d-dd76da1f02a5" xsi:nil="true"/>
+  </documentManagement>
+</p:properties>
+</file>
+
+<file path=customXml/item2.xml><?xml version="1.0" encoding="utf-8"?>
 <?mso-contentType ?>
 <FormTemplates xmlns="http://schemas.microsoft.com/sharepoint/v3/contenttype/forms">
   <Display>DocumentLibraryForm</Display>
@@ -14671,7 +14934,7 @@
 </FormTemplates>
 </file>
 
-<file path=customXml/item2.xml><?xml version="1.0" encoding="utf-8"?>
+<file path=customXml/item3.xml><?xml version="1.0" encoding="utf-8"?>
 <ct:contentTypeSchema xmlns:ct="http://schemas.microsoft.com/office/2006/metadata/contentType" xmlns:ma="http://schemas.microsoft.com/office/2006/metadata/properties/metaAttributes" ct:_="" ma:_="" ma:contentTypeName="Document" ma:contentTypeID="0x01010079F111ED35F8CC479449609E8A0923A6" ma:contentTypeVersion="12" ma:contentTypeDescription="Create a new document." ma:contentTypeScope="" ma:versionID="a410dd7f93c95333ffa1b60ed6adedd1">
   <xsd:schema xmlns:xsd="http://www.w3.org/2001/XMLSchema" xmlns:xs="http://www.w3.org/2001/XMLSchema" xmlns:p="http://schemas.microsoft.com/office/2006/metadata/properties" xmlns:ns2="71af3243-3dd4-4a8d-8c0d-dd76da1f02a5" xmlns:ns3="16c05727-aa75-4e4a-9b5f-8a80a1165891" targetNamespace="http://schemas.microsoft.com/office/2006/metadata/properties" ma:root="true" ma:fieldsID="a936d9baba76aa3866493feff160faab" ns2:_="" ns3:_="">
     <xsd:import namespace="71af3243-3dd4-4a8d-8c0d-dd76da1f02a5"/>
@@ -14892,16 +15155,17 @@
 </ct:contentTypeSchema>
 </file>
 
-<file path=customXml/item3.xml><?xml version="1.0" encoding="utf-8"?>
-<p:properties xmlns:p="http://schemas.microsoft.com/office/2006/metadata/properties" xmlns:xsi="http://www.w3.org/2001/XMLSchema-instance" xmlns:pc="http://schemas.microsoft.com/office/infopath/2007/PartnerControls">
-  <documentManagement>
-    <Status xmlns="71af3243-3dd4-4a8d-8c0d-dd76da1f02a5">Not started</Status>
-    <MediaServiceKeyPoints xmlns="71af3243-3dd4-4a8d-8c0d-dd76da1f02a5" xsi:nil="true"/>
-  </documentManagement>
-</p:properties>
+<file path=customXml/itemProps1.xml><?xml version="1.0" encoding="utf-8"?>
+<ds:datastoreItem xmlns:ds="http://schemas.openxmlformats.org/officeDocument/2006/customXml" ds:itemID="{946BCBFB-BBC7-42F1-95CD-058E172363A0}">
+  <ds:schemaRefs>
+    <ds:schemaRef ds:uri="http://schemas.microsoft.com/office/2006/metadata/properties"/>
+    <ds:schemaRef ds:uri="http://schemas.microsoft.com/office/infopath/2007/PartnerControls"/>
+    <ds:schemaRef ds:uri="71af3243-3dd4-4a8d-8c0d-dd76da1f02a5"/>
+  </ds:schemaRefs>
+</ds:datastoreItem>
 </file>
 
-<file path=customXml/itemProps1.xml><?xml version="1.0" encoding="utf-8"?>
+<file path=customXml/itemProps2.xml><?xml version="1.0" encoding="utf-8"?>
 <ds:datastoreItem xmlns:ds="http://schemas.openxmlformats.org/officeDocument/2006/customXml" ds:itemID="{1259D436-C82E-43E0-8A01-53DF9CED6032}">
   <ds:schemaRefs>
     <ds:schemaRef ds:uri="http://schemas.microsoft.com/sharepoint/v3/contenttype/forms"/>
@@ -14909,7 +15173,7 @@
 </ds:datastoreItem>
 </file>
 
-<file path=customXml/itemProps2.xml><?xml version="1.0" encoding="utf-8"?>
+<file path=customXml/itemProps3.xml><?xml version="1.0" encoding="utf-8"?>
 <ds:datastoreItem xmlns:ds="http://schemas.openxmlformats.org/officeDocument/2006/customXml" ds:itemID="{1F91CDEB-92ED-41DC-BF33-2916A7687628}">
   <ds:schemaRefs>
     <ds:schemaRef ds:uri="http://schemas.microsoft.com/office/2006/metadata/contentType"/>
@@ -14926,14 +15190,4 @@
     <ds:schemaRef ds:uri="http://schemas.microsoft.com/internal/obd"/>
   </ds:schemaRefs>
 </ds:datastoreItem>
-</file>
-
-<file path=customXml/itemProps3.xml><?xml version="1.0" encoding="utf-8"?>
-<ds:datastoreItem xmlns:ds="http://schemas.openxmlformats.org/officeDocument/2006/customXml" ds:itemID="{946BCBFB-BBC7-42F1-95CD-058E172363A0}">
-  <ds:schemaRefs>
-    <ds:schemaRef ds:uri="http://schemas.microsoft.com/office/2006/metadata/properties"/>
-    <ds:schemaRef ds:uri="http://schemas.microsoft.com/office/infopath/2007/PartnerControls"/>
-    <ds:schemaRef ds:uri="71af3243-3dd4-4a8d-8c0d-dd76da1f02a5"/>
-  </ds:schemaRefs>
-</ds:datastoreItem>
 </file>
--- a/docs/React.pptx
+++ b/docs/React.pptx
@@ -5,7 +5,7 @@
     <p:sldMasterId id="2147483660" r:id="rId4"/>
   </p:sldMasterIdLst>
   <p:notesMasterIdLst>
-    <p:notesMasterId r:id="rId69"/>
+    <p:notesMasterId r:id="rId70"/>
   </p:notesMasterIdLst>
   <p:sldIdLst>
     <p:sldId id="264" r:id="rId5"/>
@@ -72,6 +72,7 @@
     <p:sldId id="374" r:id="rId66"/>
     <p:sldId id="375" r:id="rId67"/>
     <p:sldId id="376" r:id="rId68"/>
+    <p:sldId id="377" r:id="rId69"/>
   </p:sldIdLst>
   <p:sldSz cx="12192000" cy="6858000"/>
   <p:notesSz cx="6858000" cy="9144000"/>
@@ -13850,13 +13851,8 @@
           <a:p>
             <a:r>
               <a:rPr lang="en-US" sz="1800" dirty="0"/>
-              <a:t>when user done register navigate to </a:t>
-            </a:r>
-            <a:r>
-              <a:rPr lang="en-US" sz="1800"/>
-              <a:t>login page</a:t>
-            </a:r>
-            <a:endParaRPr lang="en-US" sz="1800" dirty="0"/>
+              <a:t>when user done register navigate to login page</a:t>
+            </a:r>
           </a:p>
         </p:txBody>
       </p:sp>
@@ -13864,6 +13860,244 @@
     <p:extLst>
       <p:ext uri="{BB962C8B-B14F-4D97-AF65-F5344CB8AC3E}">
         <p14:creationId xmlns:p14="http://schemas.microsoft.com/office/powerpoint/2010/main" val="2422672828"/>
+      </p:ext>
+    </p:extLst>
+  </p:cSld>
+  <p:clrMapOvr>
+    <a:masterClrMapping/>
+  </p:clrMapOvr>
+</p:sld>
+</file>
+
+<file path=ppt/slides/slide65.xml><?xml version="1.0" encoding="utf-8"?>
+<p:sld xmlns:a="http://schemas.openxmlformats.org/drawingml/2006/main" xmlns:r="http://schemas.openxmlformats.org/officeDocument/2006/relationships" xmlns:p="http://schemas.openxmlformats.org/presentationml/2006/main">
+  <p:cSld>
+    <p:spTree>
+      <p:nvGrpSpPr>
+        <p:cNvPr id="1" name=""/>
+        <p:cNvGrpSpPr/>
+        <p:nvPr/>
+      </p:nvGrpSpPr>
+      <p:grpSpPr>
+        <a:xfrm>
+          <a:off x="0" y="0"/>
+          <a:ext cx="0" cy="0"/>
+          <a:chOff x="0" y="0"/>
+          <a:chExt cx="0" cy="0"/>
+        </a:xfrm>
+      </p:grpSpPr>
+      <p:sp>
+        <p:nvSpPr>
+          <p:cNvPr id="2" name="Title 1">
+            <a:extLst>
+              <a:ext uri="{FF2B5EF4-FFF2-40B4-BE49-F238E27FC236}">
+                <a16:creationId xmlns:a16="http://schemas.microsoft.com/office/drawing/2014/main" id="{8A56E29C-09F7-B711-591E-BDC97066A449}"/>
+              </a:ext>
+            </a:extLst>
+          </p:cNvPr>
+          <p:cNvSpPr>
+            <a:spLocks noGrp="1"/>
+          </p:cNvSpPr>
+          <p:nvPr>
+            <p:ph type="title"/>
+          </p:nvPr>
+        </p:nvSpPr>
+        <p:spPr/>
+        <p:txBody>
+          <a:bodyPr/>
+          <a:lstStyle/>
+          <a:p>
+            <a:r>
+              <a:rPr lang="en-US" dirty="0"/>
+              <a:t>Deploy react to </a:t>
+            </a:r>
+            <a:r>
+              <a:rPr lang="en-US"/>
+              <a:t>nodejs</a:t>
+            </a:r>
+            <a:endParaRPr lang="en-US" dirty="0"/>
+          </a:p>
+        </p:txBody>
+      </p:sp>
+      <p:sp>
+        <p:nvSpPr>
+          <p:cNvPr id="3" name="Content Placeholder 2">
+            <a:extLst>
+              <a:ext uri="{FF2B5EF4-FFF2-40B4-BE49-F238E27FC236}">
+                <a16:creationId xmlns:a16="http://schemas.microsoft.com/office/drawing/2014/main" id="{4D96329F-70CA-D930-B844-FB5264890AD1}"/>
+              </a:ext>
+            </a:extLst>
+          </p:cNvPr>
+          <p:cNvSpPr>
+            <a:spLocks noGrp="1"/>
+          </p:cNvSpPr>
+          <p:nvPr>
+            <p:ph idx="1"/>
+          </p:nvPr>
+        </p:nvSpPr>
+        <p:spPr/>
+        <p:txBody>
+          <a:bodyPr>
+            <a:normAutofit fontScale="92500" lnSpcReduction="20000"/>
+          </a:bodyPr>
+          <a:lstStyle/>
+          <a:p>
+            <a:r>
+              <a:rPr lang="en-US" sz="1800" dirty="0"/>
+              <a:t>when we ready to deploy our website to the server</a:t>
+            </a:r>
+          </a:p>
+          <a:p>
+            <a:r>
+              <a:rPr lang="en-US" sz="1800" dirty="0"/>
+              <a:t>in our case is </a:t>
+            </a:r>
+            <a:r>
+              <a:rPr lang="en-US" sz="1800" dirty="0" err="1"/>
+              <a:t>nodejs</a:t>
+            </a:r>
+            <a:r>
+              <a:rPr lang="en-US" sz="1800" dirty="0"/>
+              <a:t> project</a:t>
+            </a:r>
+          </a:p>
+          <a:p>
+            <a:r>
+              <a:rPr lang="en-US" sz="1800" dirty="0"/>
+              <a:t>run </a:t>
+            </a:r>
+            <a:r>
+              <a:rPr lang="en-US" sz="1800" dirty="0" err="1"/>
+              <a:t>npm</a:t>
+            </a:r>
+            <a:r>
+              <a:rPr lang="en-US" sz="1800" dirty="0"/>
+              <a:t> run build (in react) to create the complied ver.</a:t>
+            </a:r>
+          </a:p>
+          <a:p>
+            <a:r>
+              <a:rPr lang="en-US" sz="1800" dirty="0"/>
+              <a:t>copy the build directory to </a:t>
+            </a:r>
+            <a:r>
+              <a:rPr lang="en-US" sz="1800" dirty="0" err="1"/>
+              <a:t>nodejs</a:t>
+            </a:r>
+            <a:endParaRPr lang="en-US" sz="1800" dirty="0"/>
+          </a:p>
+          <a:p>
+            <a:r>
+              <a:rPr lang="en-US" sz="1800" dirty="0"/>
+              <a:t>in </a:t>
+            </a:r>
+            <a:r>
+              <a:rPr lang="en-US" sz="1800" dirty="0" err="1"/>
+              <a:t>nodejs</a:t>
+            </a:r>
+            <a:r>
+              <a:rPr lang="en-US" sz="1800" dirty="0"/>
+              <a:t> in app.js:</a:t>
+            </a:r>
+          </a:p>
+          <a:p>
+            <a:r>
+              <a:rPr lang="en-US" sz="1800" dirty="0"/>
+              <a:t>const path = require("path");</a:t>
+            </a:r>
+          </a:p>
+          <a:p>
+            <a:r>
+              <a:rPr lang="en-US" sz="1800" dirty="0"/>
+              <a:t>/* react */</a:t>
+            </a:r>
+          </a:p>
+          <a:p>
+            <a:r>
+              <a:rPr lang="en-US" sz="1800" dirty="0" err="1"/>
+              <a:t>app.use</a:t>
+            </a:r>
+            <a:r>
+              <a:rPr lang="en-US" sz="1800" dirty="0"/>
+              <a:t>(</a:t>
+            </a:r>
+            <a:r>
+              <a:rPr lang="en-US" sz="1800" dirty="0" err="1"/>
+              <a:t>express.static</a:t>
+            </a:r>
+            <a:r>
+              <a:rPr lang="en-US" sz="1800" dirty="0"/>
+              <a:t>(</a:t>
+            </a:r>
+            <a:r>
+              <a:rPr lang="en-US" sz="1800" dirty="0" err="1"/>
+              <a:t>path.join</a:t>
+            </a:r>
+            <a:r>
+              <a:rPr lang="en-US" sz="1800" dirty="0"/>
+              <a:t>(__</a:t>
+            </a:r>
+            <a:r>
+              <a:rPr lang="en-US" sz="1800" dirty="0" err="1"/>
+              <a:t>dirname</a:t>
+            </a:r>
+            <a:r>
+              <a:rPr lang="en-US" sz="1800" dirty="0"/>
+              <a:t>, "build")));</a:t>
+            </a:r>
+          </a:p>
+          <a:p>
+            <a:r>
+              <a:rPr lang="en-US" sz="1800" dirty="0" err="1"/>
+              <a:t>app.get</a:t>
+            </a:r>
+            <a:r>
+              <a:rPr lang="en-US" sz="1800" dirty="0"/>
+              <a:t>("*", (req, res) =&gt; {</a:t>
+            </a:r>
+          </a:p>
+          <a:p>
+            <a:r>
+              <a:rPr lang="en-US" sz="1800" dirty="0"/>
+              <a:t>  </a:t>
+            </a:r>
+            <a:r>
+              <a:rPr lang="en-US" sz="1800" dirty="0" err="1"/>
+              <a:t>res.sendFile</a:t>
+            </a:r>
+            <a:r>
+              <a:rPr lang="en-US" sz="1800" dirty="0"/>
+              <a:t>(</a:t>
+            </a:r>
+            <a:r>
+              <a:rPr lang="en-US" sz="1800" dirty="0" err="1"/>
+              <a:t>path.join</a:t>
+            </a:r>
+            <a:r>
+              <a:rPr lang="en-US" sz="1800" dirty="0"/>
+              <a:t>(__</a:t>
+            </a:r>
+            <a:r>
+              <a:rPr lang="en-US" sz="1800" dirty="0" err="1"/>
+              <a:t>dirname</a:t>
+            </a:r>
+            <a:r>
+              <a:rPr lang="en-US" sz="1800" dirty="0"/>
+              <a:t>, "build", "index.html"));</a:t>
+            </a:r>
+          </a:p>
+          <a:p>
+            <a:r>
+              <a:rPr lang="en-US" sz="1800" dirty="0"/>
+              <a:t>});</a:t>
+            </a:r>
+          </a:p>
+        </p:txBody>
+      </p:sp>
+    </p:spTree>
+    <p:extLst>
+      <p:ext uri="{BB962C8B-B14F-4D97-AF65-F5344CB8AC3E}">
+        <p14:creationId xmlns:p14="http://schemas.microsoft.com/office/powerpoint/2010/main" val="3320882087"/>
       </p:ext>
     </p:extLst>
   </p:cSld>

--- a/docs/React.pptx
+++ b/docs/React.pptx
@@ -13912,7 +13912,7 @@
               <a:t>Deploy react to </a:t>
             </a:r>
             <a:r>
-              <a:rPr lang="en-US"/>
+              <a:rPr lang="en-US" dirty="0" err="1"/>
               <a:t>nodejs</a:t>
             </a:r>
             <a:endParaRPr lang="en-US" dirty="0"/>

--- a/docs/React.pptx
+++ b/docs/React.pptx
@@ -5,7 +5,7 @@
     <p:sldMasterId id="2147483660" r:id="rId4"/>
   </p:sldMasterIdLst>
   <p:notesMasterIdLst>
-    <p:notesMasterId r:id="rId70"/>
+    <p:notesMasterId r:id="rId71"/>
   </p:notesMasterIdLst>
   <p:sldIdLst>
     <p:sldId id="264" r:id="rId5"/>
@@ -73,6 +73,7 @@
     <p:sldId id="375" r:id="rId67"/>
     <p:sldId id="376" r:id="rId68"/>
     <p:sldId id="377" r:id="rId69"/>
+    <p:sldId id="378" r:id="rId70"/>
   </p:sldIdLst>
   <p:sldSz cx="12192000" cy="6858000"/>
   <p:notesSz cx="6858000" cy="9144000"/>
@@ -261,7 +262,7 @@
           <a:p>
             <a:fld id="{CC6DBDFE-DD3D-4291-A404-1B97A83A6EA8}" type="datetimeFigureOut">
               <a:rPr lang="en-US" smtClean="0"/>
-              <a:t>18/07/2022</a:t>
+              <a:t>20/07/2022</a:t>
             </a:fld>
             <a:endParaRPr lang="en-US" dirty="0"/>
           </a:p>
@@ -1141,7 +1142,7 @@
           <a:p>
             <a:fld id="{EA0C0817-A112-4847-8014-A94B7D2A4EA3}" type="datetime1">
               <a:rPr lang="en-US" smtClean="0"/>
-              <a:t>18/07/2022</a:t>
+              <a:t>20/07/2022</a:t>
             </a:fld>
             <a:endParaRPr lang="en-US" dirty="0"/>
           </a:p>
@@ -1343,7 +1344,7 @@
           <a:p>
             <a:fld id="{7332B432-ACDA-4023-A761-2BAB76577B62}" type="datetime1">
               <a:rPr lang="en-US" smtClean="0"/>
-              <a:t>18/07/2022</a:t>
+              <a:t>20/07/2022</a:t>
             </a:fld>
             <a:endParaRPr lang="en-US" dirty="0"/>
           </a:p>
@@ -1942,7 +1943,7 @@
           <a:p>
             <a:fld id="{D9C646AA-F36E-4540-911D-FFFC0A0EF24A}" type="datetime1">
               <a:rPr lang="en-US" smtClean="0"/>
-              <a:t>18/07/2022</a:t>
+              <a:t>20/07/2022</a:t>
             </a:fld>
             <a:endParaRPr lang="en-US" dirty="0"/>
           </a:p>
@@ -2262,7 +2263,7 @@
           <a:p>
             <a:fld id="{69186D26-FA5F-4637-B602-B7C2DC34CFD4}" type="datetime1">
               <a:rPr lang="en-US" smtClean="0"/>
-              <a:t>18/07/2022</a:t>
+              <a:t>20/07/2022</a:t>
             </a:fld>
             <a:endParaRPr lang="en-US" dirty="0"/>
           </a:p>
@@ -2699,7 +2700,7 @@
           <a:p>
             <a:fld id="{8A7F15D8-96D1-4781-BC50-CA8A088B2FE4}" type="datetime1">
               <a:rPr lang="en-US" smtClean="0"/>
-              <a:t>18/07/2022</a:t>
+              <a:t>20/07/2022</a:t>
             </a:fld>
             <a:endParaRPr lang="en-US" dirty="0"/>
           </a:p>
@@ -2817,7 +2818,7 @@
           <a:p>
             <a:fld id="{F9A96C99-B8F8-4528-BD05-0E16E943DC09}" type="datetime1">
               <a:rPr lang="en-US" smtClean="0"/>
-              <a:t>18/07/2022</a:t>
+              <a:t>20/07/2022</a:t>
             </a:fld>
             <a:endParaRPr lang="en-US" dirty="0"/>
           </a:p>
@@ -2912,7 +2913,7 @@
           <a:p>
             <a:fld id="{03636942-C211-4B28-8DBD-C953E00AF71B}" type="datetime1">
               <a:rPr lang="en-US" smtClean="0"/>
-              <a:t>18/07/2022</a:t>
+              <a:t>20/07/2022</a:t>
             </a:fld>
             <a:endParaRPr lang="en-US" dirty="0"/>
           </a:p>
@@ -3329,7 +3330,7 @@
           <a:p>
             <a:fld id="{7E8D12A6-918A-48BD-8CB9-CA713993B0EA}" type="datetime1">
               <a:rPr lang="en-US" smtClean="0"/>
-              <a:t>18/07/2022</a:t>
+              <a:t>20/07/2022</a:t>
             </a:fld>
             <a:endParaRPr lang="en-US" dirty="0"/>
           </a:p>
@@ -3591,7 +3592,7 @@
             <a:fld id="{E778CE86-875F-4587-BCF6-FA054AFC0D53}" type="datetime1">
               <a:rPr lang="en-US" smtClean="0"/>
               <a:pPr/>
-              <a:t>18/07/2022</a:t>
+              <a:t>20/07/2022</a:t>
             </a:fld>
             <a:endParaRPr lang="en-US" dirty="0"/>
           </a:p>
@@ -4107,7 +4108,7 @@
           <a:p>
             <a:fld id="{F6FA2B21-3FCD-4721-B95C-427943F61125}" type="datetime1">
               <a:rPr lang="en-US" smtClean="0"/>
-              <a:t>18/07/2022</a:t>
+              <a:t>20/07/2022</a:t>
             </a:fld>
             <a:endParaRPr lang="en-US" dirty="0"/>
           </a:p>
@@ -14098,6 +14099,113 @@
     <p:extLst>
       <p:ext uri="{BB962C8B-B14F-4D97-AF65-F5344CB8AC3E}">
         <p14:creationId xmlns:p14="http://schemas.microsoft.com/office/powerpoint/2010/main" val="3320882087"/>
+      </p:ext>
+    </p:extLst>
+  </p:cSld>
+  <p:clrMapOvr>
+    <a:masterClrMapping/>
+  </p:clrMapOvr>
+</p:sld>
+</file>
+
+<file path=ppt/slides/slide66.xml><?xml version="1.0" encoding="utf-8"?>
+<p:sld xmlns:a="http://schemas.openxmlformats.org/drawingml/2006/main" xmlns:r="http://schemas.openxmlformats.org/officeDocument/2006/relationships" xmlns:p="http://schemas.openxmlformats.org/presentationml/2006/main">
+  <p:cSld>
+    <p:spTree>
+      <p:nvGrpSpPr>
+        <p:cNvPr id="1" name=""/>
+        <p:cNvGrpSpPr/>
+        <p:nvPr/>
+      </p:nvGrpSpPr>
+      <p:grpSpPr>
+        <a:xfrm>
+          <a:off x="0" y="0"/>
+          <a:ext cx="0" cy="0"/>
+          <a:chOff x="0" y="0"/>
+          <a:chExt cx="0" cy="0"/>
+        </a:xfrm>
+      </p:grpSpPr>
+      <p:sp>
+        <p:nvSpPr>
+          <p:cNvPr id="2" name="Title 1">
+            <a:extLst>
+              <a:ext uri="{FF2B5EF4-FFF2-40B4-BE49-F238E27FC236}">
+                <a16:creationId xmlns:a16="http://schemas.microsoft.com/office/drawing/2014/main" id="{8A56E29C-09F7-B711-591E-BDC97066A449}"/>
+              </a:ext>
+            </a:extLst>
+          </p:cNvPr>
+          <p:cNvSpPr>
+            <a:spLocks noGrp="1"/>
+          </p:cNvSpPr>
+          <p:nvPr>
+            <p:ph type="title"/>
+          </p:nvPr>
+        </p:nvSpPr>
+        <p:spPr/>
+        <p:txBody>
+          <a:bodyPr/>
+          <a:lstStyle/>
+          <a:p>
+            <a:r>
+              <a:rPr lang="en-US" dirty="0"/>
+              <a:t>20/07/2022</a:t>
+            </a:r>
+          </a:p>
+        </p:txBody>
+      </p:sp>
+      <p:sp>
+        <p:nvSpPr>
+          <p:cNvPr id="3" name="Content Placeholder 2">
+            <a:extLst>
+              <a:ext uri="{FF2B5EF4-FFF2-40B4-BE49-F238E27FC236}">
+                <a16:creationId xmlns:a16="http://schemas.microsoft.com/office/drawing/2014/main" id="{4D96329F-70CA-D930-B844-FB5264890AD1}"/>
+              </a:ext>
+            </a:extLst>
+          </p:cNvPr>
+          <p:cNvSpPr>
+            <a:spLocks noGrp="1"/>
+          </p:cNvSpPr>
+          <p:nvPr>
+            <p:ph idx="1"/>
+          </p:nvPr>
+        </p:nvSpPr>
+        <p:spPr/>
+        <p:txBody>
+          <a:bodyPr>
+            <a:normAutofit/>
+          </a:bodyPr>
+          <a:lstStyle/>
+          <a:p>
+            <a:r>
+              <a:rPr lang="en-US" sz="1800" dirty="0" err="1"/>
+              <a:t>asama</a:t>
+            </a:r>
+            <a:endParaRPr lang="en-US" sz="1800" dirty="0"/>
+          </a:p>
+          <a:p>
+            <a:r>
+              <a:rPr lang="en-US" sz="1800" dirty="0" err="1"/>
+              <a:t>hazarot</a:t>
+            </a:r>
+            <a:endParaRPr lang="en-US" sz="1800" dirty="0"/>
+          </a:p>
+          <a:p>
+            <a:r>
+              <a:rPr lang="en-US" sz="1800" dirty="0"/>
+              <a:t>react </a:t>
+            </a:r>
+            <a:r>
+              <a:rPr lang="en-US" sz="1800"/>
+              <a:t>ts</a:t>
+            </a:r>
+            <a:endParaRPr lang="en-US" sz="1800" dirty="0"/>
+          </a:p>
+        </p:txBody>
+      </p:sp>
+    </p:spTree>
+    <p:extLst>
+      <p:ext uri="{BB962C8B-B14F-4D97-AF65-F5344CB8AC3E}">
+        <p14:creationId xmlns:p14="http://schemas.microsoft.com/office/powerpoint/2010/main" val="3427568783"/>
       </p:ext>
     </p:extLst>
   </p:cSld>
@@ -15151,24 +15259,6 @@
 </file>
 
 <file path=customXml/item1.xml><?xml version="1.0" encoding="utf-8"?>
-<p:properties xmlns:p="http://schemas.microsoft.com/office/2006/metadata/properties" xmlns:xsi="http://www.w3.org/2001/XMLSchema-instance" xmlns:pc="http://schemas.microsoft.com/office/infopath/2007/PartnerControls">
-  <documentManagement>
-    <Status xmlns="71af3243-3dd4-4a8d-8c0d-dd76da1f02a5">Not started</Status>
-    <MediaServiceKeyPoints xmlns="71af3243-3dd4-4a8d-8c0d-dd76da1f02a5" xsi:nil="true"/>
-  </documentManagement>
-</p:properties>
-</file>
-
-<file path=customXml/item2.xml><?xml version="1.0" encoding="utf-8"?>
-<?mso-contentType ?>
-<FormTemplates xmlns="http://schemas.microsoft.com/sharepoint/v3/contenttype/forms">
-  <Display>DocumentLibraryForm</Display>
-  <Edit>DocumentLibraryForm</Edit>
-  <New>DocumentLibraryForm</New>
-</FormTemplates>
-</file>
-
-<file path=customXml/item3.xml><?xml version="1.0" encoding="utf-8"?>
 <ct:contentTypeSchema xmlns:ct="http://schemas.microsoft.com/office/2006/metadata/contentType" xmlns:ma="http://schemas.microsoft.com/office/2006/metadata/properties/metaAttributes" ct:_="" ma:_="" ma:contentTypeName="Document" ma:contentTypeID="0x01010079F111ED35F8CC479449609E8A0923A6" ma:contentTypeVersion="12" ma:contentTypeDescription="Create a new document." ma:contentTypeScope="" ma:versionID="a410dd7f93c95333ffa1b60ed6adedd1">
   <xsd:schema xmlns:xsd="http://www.w3.org/2001/XMLSchema" xmlns:xs="http://www.w3.org/2001/XMLSchema" xmlns:p="http://schemas.microsoft.com/office/2006/metadata/properties" xmlns:ns2="71af3243-3dd4-4a8d-8c0d-dd76da1f02a5" xmlns:ns3="16c05727-aa75-4e4a-9b5f-8a80a1165891" targetNamespace="http://schemas.microsoft.com/office/2006/metadata/properties" ma:root="true" ma:fieldsID="a936d9baba76aa3866493feff160faab" ns2:_="" ns3:_="">
     <xsd:import namespace="71af3243-3dd4-4a8d-8c0d-dd76da1f02a5"/>
@@ -15389,25 +15479,25 @@
 </ct:contentTypeSchema>
 </file>
 
-<file path=customXml/itemProps1.xml><?xml version="1.0" encoding="utf-8"?>
-<ds:datastoreItem xmlns:ds="http://schemas.openxmlformats.org/officeDocument/2006/customXml" ds:itemID="{946BCBFB-BBC7-42F1-95CD-058E172363A0}">
-  <ds:schemaRefs>
-    <ds:schemaRef ds:uri="http://schemas.microsoft.com/office/2006/metadata/properties"/>
-    <ds:schemaRef ds:uri="http://schemas.microsoft.com/office/infopath/2007/PartnerControls"/>
-    <ds:schemaRef ds:uri="71af3243-3dd4-4a8d-8c0d-dd76da1f02a5"/>
-  </ds:schemaRefs>
-</ds:datastoreItem>
+<file path=customXml/item2.xml><?xml version="1.0" encoding="utf-8"?>
+<p:properties xmlns:p="http://schemas.microsoft.com/office/2006/metadata/properties" xmlns:xsi="http://www.w3.org/2001/XMLSchema-instance" xmlns:pc="http://schemas.microsoft.com/office/infopath/2007/PartnerControls">
+  <documentManagement>
+    <Status xmlns="71af3243-3dd4-4a8d-8c0d-dd76da1f02a5">Not started</Status>
+    <MediaServiceKeyPoints xmlns="71af3243-3dd4-4a8d-8c0d-dd76da1f02a5" xsi:nil="true"/>
+  </documentManagement>
+</p:properties>
 </file>
 
-<file path=customXml/itemProps2.xml><?xml version="1.0" encoding="utf-8"?>
-<ds:datastoreItem xmlns:ds="http://schemas.openxmlformats.org/officeDocument/2006/customXml" ds:itemID="{1259D436-C82E-43E0-8A01-53DF9CED6032}">
-  <ds:schemaRefs>
-    <ds:schemaRef ds:uri="http://schemas.microsoft.com/sharepoint/v3/contenttype/forms"/>
-  </ds:schemaRefs>
-</ds:datastoreItem>
+<file path=customXml/item3.xml><?xml version="1.0" encoding="utf-8"?>
+<?mso-contentType ?>
+<FormTemplates xmlns="http://schemas.microsoft.com/sharepoint/v3/contenttype/forms">
+  <Display>DocumentLibraryForm</Display>
+  <Edit>DocumentLibraryForm</Edit>
+  <New>DocumentLibraryForm</New>
+</FormTemplates>
 </file>
 
-<file path=customXml/itemProps3.xml><?xml version="1.0" encoding="utf-8"?>
+<file path=customXml/itemProps1.xml><?xml version="1.0" encoding="utf-8"?>
 <ds:datastoreItem xmlns:ds="http://schemas.openxmlformats.org/officeDocument/2006/customXml" ds:itemID="{1F91CDEB-92ED-41DC-BF33-2916A7687628}">
   <ds:schemaRefs>
     <ds:schemaRef ds:uri="http://schemas.microsoft.com/office/2006/metadata/contentType"/>
@@ -15424,4 +15514,22 @@
     <ds:schemaRef ds:uri="http://schemas.microsoft.com/internal/obd"/>
   </ds:schemaRefs>
 </ds:datastoreItem>
+</file>
+
+<file path=customXml/itemProps2.xml><?xml version="1.0" encoding="utf-8"?>
+<ds:datastoreItem xmlns:ds="http://schemas.openxmlformats.org/officeDocument/2006/customXml" ds:itemID="{946BCBFB-BBC7-42F1-95CD-058E172363A0}">
+  <ds:schemaRefs>
+    <ds:schemaRef ds:uri="http://schemas.microsoft.com/office/2006/metadata/properties"/>
+    <ds:schemaRef ds:uri="http://schemas.microsoft.com/office/infopath/2007/PartnerControls"/>
+    <ds:schemaRef ds:uri="71af3243-3dd4-4a8d-8c0d-dd76da1f02a5"/>
+  </ds:schemaRefs>
+</ds:datastoreItem>
+</file>
+
+<file path=customXml/itemProps3.xml><?xml version="1.0" encoding="utf-8"?>
+<ds:datastoreItem xmlns:ds="http://schemas.openxmlformats.org/officeDocument/2006/customXml" ds:itemID="{1259D436-C82E-43E0-8A01-53DF9CED6032}">
+  <ds:schemaRefs>
+    <ds:schemaRef ds:uri="http://schemas.microsoft.com/sharepoint/v3/contenttype/forms"/>
+  </ds:schemaRefs>
+</ds:datastoreItem>
 </file>
--- a/docs/React.pptx
+++ b/docs/React.pptx
@@ -5,7 +5,7 @@
     <p:sldMasterId id="2147483660" r:id="rId4"/>
   </p:sldMasterIdLst>
   <p:notesMasterIdLst>
-    <p:notesMasterId r:id="rId71"/>
+    <p:notesMasterId r:id="rId73"/>
   </p:notesMasterIdLst>
   <p:sldIdLst>
     <p:sldId id="264" r:id="rId5"/>
@@ -13,67 +13,69 @@
     <p:sldId id="317" r:id="rId7"/>
     <p:sldId id="313" r:id="rId8"/>
     <p:sldId id="315" r:id="rId9"/>
-    <p:sldId id="316" r:id="rId10"/>
-    <p:sldId id="318" r:id="rId11"/>
-    <p:sldId id="319" r:id="rId12"/>
-    <p:sldId id="321" r:id="rId13"/>
-    <p:sldId id="320" r:id="rId14"/>
-    <p:sldId id="322" r:id="rId15"/>
-    <p:sldId id="323" r:id="rId16"/>
-    <p:sldId id="324" r:id="rId17"/>
-    <p:sldId id="325" r:id="rId18"/>
-    <p:sldId id="326" r:id="rId19"/>
-    <p:sldId id="327" r:id="rId20"/>
-    <p:sldId id="328" r:id="rId21"/>
-    <p:sldId id="329" r:id="rId22"/>
-    <p:sldId id="330" r:id="rId23"/>
-    <p:sldId id="331" r:id="rId24"/>
-    <p:sldId id="332" r:id="rId25"/>
-    <p:sldId id="333" r:id="rId26"/>
-    <p:sldId id="334" r:id="rId27"/>
-    <p:sldId id="335" r:id="rId28"/>
-    <p:sldId id="336" r:id="rId29"/>
-    <p:sldId id="337" r:id="rId30"/>
-    <p:sldId id="338" r:id="rId31"/>
-    <p:sldId id="339" r:id="rId32"/>
-    <p:sldId id="340" r:id="rId33"/>
-    <p:sldId id="341" r:id="rId34"/>
-    <p:sldId id="342" r:id="rId35"/>
-    <p:sldId id="343" r:id="rId36"/>
-    <p:sldId id="344" r:id="rId37"/>
-    <p:sldId id="348" r:id="rId38"/>
-    <p:sldId id="345" r:id="rId39"/>
-    <p:sldId id="346" r:id="rId40"/>
-    <p:sldId id="347" r:id="rId41"/>
-    <p:sldId id="350" r:id="rId42"/>
-    <p:sldId id="349" r:id="rId43"/>
-    <p:sldId id="351" r:id="rId44"/>
-    <p:sldId id="352" r:id="rId45"/>
-    <p:sldId id="353" r:id="rId46"/>
-    <p:sldId id="354" r:id="rId47"/>
-    <p:sldId id="355" r:id="rId48"/>
-    <p:sldId id="356" r:id="rId49"/>
-    <p:sldId id="357" r:id="rId50"/>
-    <p:sldId id="359" r:id="rId51"/>
-    <p:sldId id="360" r:id="rId52"/>
-    <p:sldId id="361" r:id="rId53"/>
-    <p:sldId id="365" r:id="rId54"/>
-    <p:sldId id="363" r:id="rId55"/>
-    <p:sldId id="364" r:id="rId56"/>
-    <p:sldId id="366" r:id="rId57"/>
-    <p:sldId id="362" r:id="rId58"/>
-    <p:sldId id="367" r:id="rId59"/>
-    <p:sldId id="368" r:id="rId60"/>
-    <p:sldId id="369" r:id="rId61"/>
-    <p:sldId id="370" r:id="rId62"/>
-    <p:sldId id="371" r:id="rId63"/>
-    <p:sldId id="372" r:id="rId64"/>
-    <p:sldId id="373" r:id="rId65"/>
-    <p:sldId id="374" r:id="rId66"/>
-    <p:sldId id="375" r:id="rId67"/>
-    <p:sldId id="376" r:id="rId68"/>
-    <p:sldId id="377" r:id="rId69"/>
-    <p:sldId id="378" r:id="rId70"/>
+    <p:sldId id="379" r:id="rId10"/>
+    <p:sldId id="316" r:id="rId11"/>
+    <p:sldId id="318" r:id="rId12"/>
+    <p:sldId id="319" r:id="rId13"/>
+    <p:sldId id="321" r:id="rId14"/>
+    <p:sldId id="320" r:id="rId15"/>
+    <p:sldId id="322" r:id="rId16"/>
+    <p:sldId id="323" r:id="rId17"/>
+    <p:sldId id="324" r:id="rId18"/>
+    <p:sldId id="325" r:id="rId19"/>
+    <p:sldId id="326" r:id="rId20"/>
+    <p:sldId id="327" r:id="rId21"/>
+    <p:sldId id="328" r:id="rId22"/>
+    <p:sldId id="329" r:id="rId23"/>
+    <p:sldId id="330" r:id="rId24"/>
+    <p:sldId id="331" r:id="rId25"/>
+    <p:sldId id="332" r:id="rId26"/>
+    <p:sldId id="333" r:id="rId27"/>
+    <p:sldId id="334" r:id="rId28"/>
+    <p:sldId id="335" r:id="rId29"/>
+    <p:sldId id="336" r:id="rId30"/>
+    <p:sldId id="337" r:id="rId31"/>
+    <p:sldId id="338" r:id="rId32"/>
+    <p:sldId id="339" r:id="rId33"/>
+    <p:sldId id="340" r:id="rId34"/>
+    <p:sldId id="341" r:id="rId35"/>
+    <p:sldId id="342" r:id="rId36"/>
+    <p:sldId id="343" r:id="rId37"/>
+    <p:sldId id="344" r:id="rId38"/>
+    <p:sldId id="348" r:id="rId39"/>
+    <p:sldId id="345" r:id="rId40"/>
+    <p:sldId id="346" r:id="rId41"/>
+    <p:sldId id="347" r:id="rId42"/>
+    <p:sldId id="350" r:id="rId43"/>
+    <p:sldId id="349" r:id="rId44"/>
+    <p:sldId id="351" r:id="rId45"/>
+    <p:sldId id="352" r:id="rId46"/>
+    <p:sldId id="353" r:id="rId47"/>
+    <p:sldId id="354" r:id="rId48"/>
+    <p:sldId id="355" r:id="rId49"/>
+    <p:sldId id="356" r:id="rId50"/>
+    <p:sldId id="357" r:id="rId51"/>
+    <p:sldId id="359" r:id="rId52"/>
+    <p:sldId id="360" r:id="rId53"/>
+    <p:sldId id="361" r:id="rId54"/>
+    <p:sldId id="365" r:id="rId55"/>
+    <p:sldId id="363" r:id="rId56"/>
+    <p:sldId id="364" r:id="rId57"/>
+    <p:sldId id="366" r:id="rId58"/>
+    <p:sldId id="362" r:id="rId59"/>
+    <p:sldId id="367" r:id="rId60"/>
+    <p:sldId id="368" r:id="rId61"/>
+    <p:sldId id="369" r:id="rId62"/>
+    <p:sldId id="370" r:id="rId63"/>
+    <p:sldId id="371" r:id="rId64"/>
+    <p:sldId id="372" r:id="rId65"/>
+    <p:sldId id="373" r:id="rId66"/>
+    <p:sldId id="374" r:id="rId67"/>
+    <p:sldId id="375" r:id="rId68"/>
+    <p:sldId id="376" r:id="rId69"/>
+    <p:sldId id="377" r:id="rId70"/>
+    <p:sldId id="378" r:id="rId71"/>
+    <p:sldId id="380" r:id="rId72"/>
   </p:sldIdLst>
   <p:sldSz cx="12192000" cy="6858000"/>
   <p:notesSz cx="6858000" cy="9144000"/>
@@ -5074,13 +5076,8 @@
           <a:p>
             <a:r>
               <a:rPr lang="en-US" dirty="0"/>
-              <a:t>String </a:t>
-            </a:r>
-            <a:r>
-              <a:rPr lang="en-US" dirty="0" err="1"/>
-              <a:t>interpoulation</a:t>
-            </a:r>
-            <a:endParaRPr lang="en-US" dirty="0"/>
+              <a:t>Component</a:t>
+            </a:r>
           </a:p>
         </p:txBody>
       </p:sp>
@@ -5107,21 +5104,16 @@
           <a:p>
             <a:r>
               <a:rPr lang="en-US" dirty="0"/>
-              <a:t>create variable</a:t>
-            </a:r>
+              <a:t>components should be reusable</a:t>
+            </a:r>
+          </a:p>
+          <a:p>
+            <a:endParaRPr lang="en-US" dirty="0"/>
           </a:p>
           <a:p>
             <a:r>
               <a:rPr lang="en-US" dirty="0"/>
-              <a:t>in the html section of the code we will write {</a:t>
-            </a:r>
-            <a:r>
-              <a:rPr lang="en-US" dirty="0" err="1"/>
-              <a:t>varibaleName</a:t>
-            </a:r>
-            <a:r>
-              <a:rPr lang="en-US" dirty="0"/>
-              <a:t>}</a:t>
+              <a:t>build everything with components so the webapp will be more scalable </a:t>
             </a:r>
           </a:p>
         </p:txBody>
@@ -5129,7 +5121,7 @@
     </p:spTree>
     <p:extLst>
       <p:ext uri="{BB962C8B-B14F-4D97-AF65-F5344CB8AC3E}">
-        <p14:creationId xmlns:p14="http://schemas.microsoft.com/office/powerpoint/2010/main" val="1520609110"/>
+        <p14:creationId xmlns:p14="http://schemas.microsoft.com/office/powerpoint/2010/main" val="2285688007"/>
       </p:ext>
     </p:extLst>
   </p:cSld>
@@ -5161,7 +5153,7 @@
           <p:cNvPr id="2" name="Title 1">
             <a:extLst>
               <a:ext uri="{FF2B5EF4-FFF2-40B4-BE49-F238E27FC236}">
-                <a16:creationId xmlns:a16="http://schemas.microsoft.com/office/drawing/2014/main" id="{8A56E29C-09F7-B711-591E-BDC97066A449}"/>
+                <a16:creationId xmlns:a16="http://schemas.microsoft.com/office/drawing/2014/main" id="{6A3AAEF6-5622-03B2-7ABC-B14B40ECB561}"/>
               </a:ext>
             </a:extLst>
           </p:cNvPr>
@@ -5179,8 +5171,13 @@
           <a:p>
             <a:r>
               <a:rPr lang="en-US" dirty="0"/>
-              <a:t>Page</a:t>
-            </a:r>
+              <a:t>String </a:t>
+            </a:r>
+            <a:r>
+              <a:rPr lang="en-US" dirty="0" err="1"/>
+              <a:t>interpoulation</a:t>
+            </a:r>
+            <a:endParaRPr lang="en-US" dirty="0"/>
           </a:p>
         </p:txBody>
       </p:sp>
@@ -5189,7 +5186,7 @@
           <p:cNvPr id="3" name="Content Placeholder 2">
             <a:extLst>
               <a:ext uri="{FF2B5EF4-FFF2-40B4-BE49-F238E27FC236}">
-                <a16:creationId xmlns:a16="http://schemas.microsoft.com/office/drawing/2014/main" id="{4D96329F-70CA-D930-B844-FB5264890AD1}"/>
+                <a16:creationId xmlns:a16="http://schemas.microsoft.com/office/drawing/2014/main" id="{468948B7-81C3-4B58-A861-91318278E895}"/>
               </a:ext>
             </a:extLst>
           </p:cNvPr>
@@ -5207,7 +5204,21 @@
           <a:p>
             <a:r>
               <a:rPr lang="en-US" dirty="0"/>
-              <a:t>Its component but should not be reusable </a:t>
+              <a:t>create variable</a:t>
+            </a:r>
+          </a:p>
+          <a:p>
+            <a:r>
+              <a:rPr lang="en-US" dirty="0"/>
+              <a:t>in the html section of the code we will write {</a:t>
+            </a:r>
+            <a:r>
+              <a:rPr lang="en-US" dirty="0" err="1"/>
+              <a:t>varibaleName</a:t>
+            </a:r>
+            <a:r>
+              <a:rPr lang="en-US" dirty="0"/>
+              <a:t>}</a:t>
             </a:r>
           </a:p>
         </p:txBody>
@@ -5215,7 +5226,7 @@
     </p:spTree>
     <p:extLst>
       <p:ext uri="{BB962C8B-B14F-4D97-AF65-F5344CB8AC3E}">
-        <p14:creationId xmlns:p14="http://schemas.microsoft.com/office/powerpoint/2010/main" val="1059163381"/>
+        <p14:creationId xmlns:p14="http://schemas.microsoft.com/office/powerpoint/2010/main" val="1520609110"/>
       </p:ext>
     </p:extLst>
   </p:cSld>
@@ -5265,7 +5276,7 @@
           <a:p>
             <a:r>
               <a:rPr lang="en-US" dirty="0"/>
-              <a:t>VDOM</a:t>
+              <a:t>Page</a:t>
             </a:r>
           </a:p>
         </p:txBody>
@@ -5293,7 +5304,7 @@
           <a:p>
             <a:r>
               <a:rPr lang="en-US" dirty="0"/>
-              <a:t>https://reactjs.org/docs/faq-internals.html</a:t>
+              <a:t>Its component but should not be reusable </a:t>
             </a:r>
           </a:p>
         </p:txBody>
@@ -5301,7 +5312,7 @@
     </p:spTree>
     <p:extLst>
       <p:ext uri="{BB962C8B-B14F-4D97-AF65-F5344CB8AC3E}">
-        <p14:creationId xmlns:p14="http://schemas.microsoft.com/office/powerpoint/2010/main" val="924546075"/>
+        <p14:creationId xmlns:p14="http://schemas.microsoft.com/office/powerpoint/2010/main" val="1059163381"/>
       </p:ext>
     </p:extLst>
   </p:cSld>
@@ -5350,10 +5361,9 @@
           <a:lstStyle/>
           <a:p>
             <a:r>
-              <a:rPr lang="en-US" dirty="0" err="1"/>
-              <a:t>useState</a:t>
-            </a:r>
-            <a:endParaRPr lang="en-US" dirty="0"/>
+              <a:rPr lang="en-US" dirty="0"/>
+              <a:t>VDOM</a:t>
+            </a:r>
           </a:p>
         </p:txBody>
       </p:sp>
@@ -5375,81 +5385,12 @@
         </p:nvSpPr>
         <p:spPr/>
         <p:txBody>
-          <a:bodyPr>
-            <a:normAutofit/>
-          </a:bodyPr>
-          <a:lstStyle/>
-          <a:p>
-            <a:r>
-              <a:rPr lang="en-US" sz="1800" dirty="0" err="1"/>
-              <a:t>useState</a:t>
-            </a:r>
-            <a:r>
-              <a:rPr lang="en-US" sz="1800" dirty="0"/>
-              <a:t> is hook</a:t>
-            </a:r>
-          </a:p>
-          <a:p>
-            <a:r>
-              <a:rPr lang="en-US" sz="1800" dirty="0" err="1"/>
-              <a:t>useState</a:t>
-            </a:r>
-            <a:r>
-              <a:rPr lang="en-US" sz="1800" dirty="0"/>
-              <a:t> is function that accepts initial value and will return array with 2 items</a:t>
-            </a:r>
-          </a:p>
-          <a:p>
-            <a:r>
-              <a:rPr lang="en-US" sz="1800" dirty="0"/>
-              <a:t>Item1 is the value of the state</a:t>
-            </a:r>
-          </a:p>
-          <a:p>
-            <a:r>
-              <a:rPr lang="en-US" sz="1800" dirty="0"/>
-              <a:t>Item2 is function to update the value of the state</a:t>
-            </a:r>
-          </a:p>
-          <a:p>
-            <a:r>
-              <a:rPr lang="en-US" sz="1800" dirty="0" err="1"/>
-              <a:t>useState</a:t>
-            </a:r>
-            <a:r>
-              <a:rPr lang="en-US" sz="1800" dirty="0"/>
-              <a:t> must be declared at the top of the function</a:t>
-            </a:r>
-          </a:p>
-          <a:p>
-            <a:endParaRPr lang="en-US" sz="1800" dirty="0"/>
-          </a:p>
-          <a:p>
-            <a:r>
-              <a:rPr lang="en-US" sz="1800" dirty="0"/>
-              <a:t>Example:</a:t>
-            </a:r>
-          </a:p>
-          <a:p>
-            <a:r>
-              <a:rPr lang="en-US" sz="1800" dirty="0"/>
-              <a:t>const [email, </a:t>
-            </a:r>
-            <a:r>
-              <a:rPr lang="en-US" sz="1800" dirty="0" err="1"/>
-              <a:t>setEmail</a:t>
-            </a:r>
-            <a:r>
-              <a:rPr lang="en-US" sz="1800" dirty="0"/>
-              <a:t>] = </a:t>
-            </a:r>
-            <a:r>
-              <a:rPr lang="en-US" sz="1800" dirty="0" err="1"/>
-              <a:t>useState</a:t>
-            </a:r>
-            <a:r>
-              <a:rPr lang="en-US" sz="1800" dirty="0"/>
-              <a:t>("");</a:t>
+          <a:bodyPr/>
+          <a:lstStyle/>
+          <a:p>
+            <a:r>
+              <a:rPr lang="en-US" dirty="0"/>
+              <a:t>https://reactjs.org/docs/faq-internals.html</a:t>
             </a:r>
           </a:p>
         </p:txBody>
@@ -5457,7 +5398,7 @@
     </p:spTree>
     <p:extLst>
       <p:ext uri="{BB962C8B-B14F-4D97-AF65-F5344CB8AC3E}">
-        <p14:creationId xmlns:p14="http://schemas.microsoft.com/office/powerpoint/2010/main" val="673482173"/>
+        <p14:creationId xmlns:p14="http://schemas.microsoft.com/office/powerpoint/2010/main" val="924546075"/>
       </p:ext>
     </p:extLst>
   </p:cSld>
@@ -5506,12 +5447,8 @@
           <a:lstStyle/>
           <a:p>
             <a:r>
-              <a:rPr lang="en-US" dirty="0"/>
-              <a:t>JS </a:t>
-            </a:r>
-            <a:r>
               <a:rPr lang="en-US" dirty="0" err="1"/>
-              <a:t>falsy</a:t>
+              <a:t>useState</a:t>
             </a:r>
             <a:endParaRPr lang="en-US" dirty="0"/>
           </a:p>
@@ -5541,32 +5478,75 @@
           <a:lstStyle/>
           <a:p>
             <a:r>
-              <a:rPr lang="en-US" sz="1800" dirty="0"/>
-              <a:t>0</a:t>
-            </a:r>
-          </a:p>
-          <a:p>
-            <a:r>
-              <a:rPr lang="en-US" sz="1800" dirty="0"/>
-              <a:t>False</a:t>
-            </a:r>
-          </a:p>
-          <a:p>
-            <a:r>
-              <a:rPr lang="en-US" sz="1800" dirty="0"/>
-              <a:t>Null</a:t>
-            </a:r>
-          </a:p>
-          <a:p>
-            <a:r>
-              <a:rPr lang="en-US" sz="1800" dirty="0"/>
-              <a:t>Undefined</a:t>
-            </a:r>
-          </a:p>
-          <a:p>
-            <a:r>
-              <a:rPr lang="en-US" sz="1800" dirty="0"/>
-              <a:t>“”</a:t>
+              <a:rPr lang="en-US" sz="1800" dirty="0" err="1"/>
+              <a:t>useState</a:t>
+            </a:r>
+            <a:r>
+              <a:rPr lang="en-US" sz="1800" dirty="0"/>
+              <a:t> is hook</a:t>
+            </a:r>
+          </a:p>
+          <a:p>
+            <a:r>
+              <a:rPr lang="en-US" sz="1800" dirty="0" err="1"/>
+              <a:t>useState</a:t>
+            </a:r>
+            <a:r>
+              <a:rPr lang="en-US" sz="1800" dirty="0"/>
+              <a:t> is function that accepts initial value and will return array with 2 items</a:t>
+            </a:r>
+          </a:p>
+          <a:p>
+            <a:r>
+              <a:rPr lang="en-US" sz="1800" dirty="0"/>
+              <a:t>Item1 is the value of the state</a:t>
+            </a:r>
+          </a:p>
+          <a:p>
+            <a:r>
+              <a:rPr lang="en-US" sz="1800" dirty="0"/>
+              <a:t>Item2 is function to update the value of the state</a:t>
+            </a:r>
+          </a:p>
+          <a:p>
+            <a:r>
+              <a:rPr lang="en-US" sz="1800" dirty="0" err="1"/>
+              <a:t>useState</a:t>
+            </a:r>
+            <a:r>
+              <a:rPr lang="en-US" sz="1800" dirty="0"/>
+              <a:t> must be declared at the top of the function</a:t>
+            </a:r>
+          </a:p>
+          <a:p>
+            <a:endParaRPr lang="en-US" sz="1800" dirty="0"/>
+          </a:p>
+          <a:p>
+            <a:r>
+              <a:rPr lang="en-US" sz="1800" dirty="0"/>
+              <a:t>Example:</a:t>
+            </a:r>
+          </a:p>
+          <a:p>
+            <a:r>
+              <a:rPr lang="en-US" sz="1800" dirty="0"/>
+              <a:t>const [email, </a:t>
+            </a:r>
+            <a:r>
+              <a:rPr lang="en-US" sz="1800" dirty="0" err="1"/>
+              <a:t>setEmail</a:t>
+            </a:r>
+            <a:r>
+              <a:rPr lang="en-US" sz="1800" dirty="0"/>
+              <a:t>] = </a:t>
+            </a:r>
+            <a:r>
+              <a:rPr lang="en-US" sz="1800" dirty="0" err="1"/>
+              <a:t>useState</a:t>
+            </a:r>
+            <a:r>
+              <a:rPr lang="en-US" sz="1800" dirty="0"/>
+              <a:t>("");</a:t>
             </a:r>
           </a:p>
         </p:txBody>
@@ -5574,7 +5554,7 @@
     </p:spTree>
     <p:extLst>
       <p:ext uri="{BB962C8B-B14F-4D97-AF65-F5344CB8AC3E}">
-        <p14:creationId xmlns:p14="http://schemas.microsoft.com/office/powerpoint/2010/main" val="655966843"/>
+        <p14:creationId xmlns:p14="http://schemas.microsoft.com/office/powerpoint/2010/main" val="673482173"/>
       </p:ext>
     </p:extLst>
   </p:cSld>
@@ -5624,8 +5604,13 @@
           <a:p>
             <a:r>
               <a:rPr lang="en-US" dirty="0"/>
-              <a:t>TK</a:t>
-            </a:r>
+              <a:t>JS </a:t>
+            </a:r>
+            <a:r>
+              <a:rPr lang="en-US" dirty="0" err="1"/>
+              <a:t>falsy</a:t>
+            </a:r>
+            <a:endParaRPr lang="en-US" dirty="0"/>
           </a:p>
         </p:txBody>
       </p:sp>
@@ -5654,32 +5639,39 @@
           <a:p>
             <a:r>
               <a:rPr lang="en-US" sz="1800" dirty="0"/>
-              <a:t>In the login form create msg under password that will say</a:t>
-            </a:r>
-          </a:p>
-          <a:p>
-            <a:r>
-              <a:rPr lang="en-US" sz="1800" dirty="0"/>
-              <a:t>Please provide password with at least 6 characters</a:t>
-            </a:r>
-          </a:p>
-          <a:p>
-            <a:r>
-              <a:rPr lang="en-US" sz="1800" dirty="0"/>
-              <a:t>When the user will create password with at least 6 characters the msg will </a:t>
-            </a:r>
-            <a:r>
-              <a:rPr lang="en-US" sz="1800" dirty="0" err="1"/>
-              <a:t>disapear</a:t>
-            </a:r>
-            <a:endParaRPr lang="en-US" sz="1800" dirty="0"/>
+              <a:t>0</a:t>
+            </a:r>
+          </a:p>
+          <a:p>
+            <a:r>
+              <a:rPr lang="en-US" sz="1800" dirty="0"/>
+              <a:t>False</a:t>
+            </a:r>
+          </a:p>
+          <a:p>
+            <a:r>
+              <a:rPr lang="en-US" sz="1800" dirty="0"/>
+              <a:t>Null</a:t>
+            </a:r>
+          </a:p>
+          <a:p>
+            <a:r>
+              <a:rPr lang="en-US" sz="1800" dirty="0"/>
+              <a:t>Undefined</a:t>
+            </a:r>
+          </a:p>
+          <a:p>
+            <a:r>
+              <a:rPr lang="en-US" sz="1800" dirty="0"/>
+              <a:t>“”</a:t>
+            </a:r>
           </a:p>
         </p:txBody>
       </p:sp>
     </p:spTree>
     <p:extLst>
       <p:ext uri="{BB962C8B-B14F-4D97-AF65-F5344CB8AC3E}">
-        <p14:creationId xmlns:p14="http://schemas.microsoft.com/office/powerpoint/2010/main" val="2813236543"/>
+        <p14:creationId xmlns:p14="http://schemas.microsoft.com/office/powerpoint/2010/main" val="655966843"/>
       </p:ext>
     </p:extLst>
   </p:cSld>
@@ -5729,7 +5721,7 @@
           <a:p>
             <a:r>
               <a:rPr lang="en-US" dirty="0"/>
-              <a:t>Form</a:t>
+              <a:t>TK</a:t>
             </a:r>
           </a:p>
         </p:txBody>
@@ -5759,50 +5751,32 @@
           <a:p>
             <a:r>
               <a:rPr lang="en-US" sz="1800" dirty="0"/>
-              <a:t>To prevent refresh when using form we will use </a:t>
+              <a:t>In the login form create msg under password that will say</a:t>
+            </a:r>
+          </a:p>
+          <a:p>
+            <a:r>
+              <a:rPr lang="en-US" sz="1800" dirty="0"/>
+              <a:t>Please provide password with at least 6 characters</a:t>
+            </a:r>
+          </a:p>
+          <a:p>
+            <a:r>
+              <a:rPr lang="en-US" sz="1800" dirty="0"/>
+              <a:t>When the user will create password with at least 6 characters the msg will </a:t>
             </a:r>
             <a:r>
               <a:rPr lang="en-US" sz="1800" dirty="0" err="1"/>
-              <a:t>onSubmit</a:t>
-            </a:r>
-            <a:r>
-              <a:rPr lang="en-US" sz="1800" dirty="0"/>
-              <a:t> and then we will pass function</a:t>
-            </a:r>
-          </a:p>
-          <a:p>
-            <a:r>
-              <a:rPr lang="en-US" sz="1800" dirty="0"/>
-              <a:t>In the function we will accept one argument </a:t>
-            </a:r>
-            <a:r>
-              <a:rPr lang="en-US" sz="1800" dirty="0" err="1"/>
-              <a:t>ev</a:t>
+              <a:t>disapear</a:t>
             </a:r>
             <a:endParaRPr lang="en-US" sz="1800" dirty="0"/>
-          </a:p>
-          <a:p>
-            <a:r>
-              <a:rPr lang="en-US" sz="1800" dirty="0"/>
-              <a:t>And we will do this:</a:t>
-            </a:r>
-          </a:p>
-          <a:p>
-            <a:r>
-              <a:rPr lang="en-US" sz="1800" dirty="0" err="1"/>
-              <a:t>ev.preventDefault</a:t>
-            </a:r>
-            <a:r>
-              <a:rPr lang="en-US" sz="1800" dirty="0"/>
-              <a:t>()</a:t>
-            </a:r>
           </a:p>
         </p:txBody>
       </p:sp>
     </p:spTree>
     <p:extLst>
       <p:ext uri="{BB962C8B-B14F-4D97-AF65-F5344CB8AC3E}">
-        <p14:creationId xmlns:p14="http://schemas.microsoft.com/office/powerpoint/2010/main" val="2610689059"/>
+        <p14:creationId xmlns:p14="http://schemas.microsoft.com/office/powerpoint/2010/main" val="2813236543"/>
       </p:ext>
     </p:extLst>
   </p:cSld>
@@ -5852,7 +5826,7 @@
           <a:p>
             <a:r>
               <a:rPr lang="en-US" dirty="0"/>
-              <a:t>22/06/2022</a:t>
+              <a:t>Form</a:t>
             </a:r>
           </a:p>
         </p:txBody>
@@ -5881,107 +5855,51 @@
           <a:lstStyle/>
           <a:p>
             <a:r>
-              <a:rPr lang="en-US" sz="1800" dirty="0" err="1">
-                <a:highlight>
-                  <a:srgbClr val="FFFF00"/>
-                </a:highlight>
-              </a:rPr>
-              <a:t>Shemot</a:t>
-            </a:r>
-            <a:endParaRPr lang="en-US" sz="1800" dirty="0">
-              <a:highlight>
-                <a:srgbClr val="FFFF00"/>
-              </a:highlight>
-            </a:endParaRPr>
-          </a:p>
-          <a:p>
-            <a:r>
-              <a:rPr lang="en-US" sz="1800" dirty="0" err="1">
-                <a:highlight>
-                  <a:srgbClr val="FFFF00"/>
-                </a:highlight>
-              </a:rPr>
-              <a:t>Hw</a:t>
-            </a:r>
-            <a:endParaRPr lang="en-US" sz="1800" dirty="0">
-              <a:highlight>
-                <a:srgbClr val="FFFF00"/>
-              </a:highlight>
-            </a:endParaRPr>
-          </a:p>
-          <a:p>
-            <a:r>
-              <a:rPr lang="en-US" sz="1800" dirty="0">
-                <a:highlight>
-                  <a:srgbClr val="FFFF00"/>
-                </a:highlight>
-              </a:rPr>
-              <a:t>Map</a:t>
-            </a:r>
-          </a:p>
-          <a:p>
-            <a:r>
-              <a:rPr lang="en-US" sz="1800" dirty="0">
-                <a:highlight>
-                  <a:srgbClr val="FFFF00"/>
-                </a:highlight>
-              </a:rPr>
-              <a:t>Filter</a:t>
-            </a:r>
-          </a:p>
-          <a:p>
-            <a:r>
-              <a:rPr lang="en-US" sz="1800" dirty="0">
-                <a:highlight>
-                  <a:srgbClr val="FFFF00"/>
-                </a:highlight>
-              </a:rPr>
-              <a:t>Father child communication</a:t>
-            </a:r>
-          </a:p>
-          <a:p>
-            <a:r>
-              <a:rPr lang="en-US" sz="1800" dirty="0" err="1">
-                <a:highlight>
-                  <a:srgbClr val="FFFF00"/>
-                </a:highlight>
-              </a:rPr>
-              <a:t>Fontawsome</a:t>
-            </a:r>
-            <a:endParaRPr lang="en-US" sz="1800" dirty="0">
-              <a:highlight>
-                <a:srgbClr val="FFFF00"/>
-              </a:highlight>
-            </a:endParaRPr>
-          </a:p>
-          <a:p>
-            <a:r>
-              <a:rPr lang="en-US" sz="1800" dirty="0" err="1">
-                <a:highlight>
-                  <a:srgbClr val="FFFF00"/>
-                </a:highlight>
-              </a:rPr>
-              <a:t>lodash</a:t>
-            </a:r>
-            <a:endParaRPr lang="en-US" sz="1800" dirty="0">
-              <a:highlight>
-                <a:srgbClr val="FFFF00"/>
-              </a:highlight>
-            </a:endParaRPr>
-          </a:p>
-          <a:p>
+              <a:rPr lang="en-US" sz="1800" dirty="0"/>
+              <a:t>To prevent refresh when using form we will use </a:t>
+            </a:r>
             <a:r>
               <a:rPr lang="en-US" sz="1800" dirty="0" err="1"/>
-              <a:t>useEffect</a:t>
+              <a:t>onSubmit</a:t>
+            </a:r>
+            <a:r>
+              <a:rPr lang="en-US" sz="1800" dirty="0"/>
+              <a:t> and then we will pass function</a:t>
+            </a:r>
+          </a:p>
+          <a:p>
+            <a:r>
+              <a:rPr lang="en-US" sz="1800" dirty="0"/>
+              <a:t>In the function we will accept one argument </a:t>
+            </a:r>
+            <a:r>
+              <a:rPr lang="en-US" sz="1800" dirty="0" err="1"/>
+              <a:t>ev</a:t>
             </a:r>
             <a:endParaRPr lang="en-US" sz="1800" dirty="0"/>
+          </a:p>
+          <a:p>
+            <a:r>
+              <a:rPr lang="en-US" sz="1800" dirty="0"/>
+              <a:t>And we will do this:</a:t>
+            </a:r>
+          </a:p>
+          <a:p>
+            <a:r>
+              <a:rPr lang="en-US" sz="1800" dirty="0" err="1"/>
+              <a:t>ev.preventDefault</a:t>
+            </a:r>
+            <a:r>
+              <a:rPr lang="en-US" sz="1800" dirty="0"/>
+              <a:t>()</a:t>
+            </a:r>
           </a:p>
         </p:txBody>
       </p:sp>
     </p:spTree>
     <p:extLst>
       <p:ext uri="{BB962C8B-B14F-4D97-AF65-F5344CB8AC3E}">
-        <p14:creationId xmlns:p14="http://schemas.microsoft.com/office/powerpoint/2010/main" val="4151106679"/>
+        <p14:creationId xmlns:p14="http://schemas.microsoft.com/office/powerpoint/2010/main" val="2610689059"/>
       </p:ext>
     </p:extLst>
   </p:cSld>
@@ -6031,7 +5949,7 @@
           <a:p>
             <a:r>
               <a:rPr lang="en-US" dirty="0"/>
-              <a:t>Map</a:t>
+              <a:t>22/06/2022</a:t>
             </a:r>
           </a:p>
         </p:txBody>
@@ -6060,33 +5978,107 @@
           <a:lstStyle/>
           <a:p>
             <a:r>
-              <a:rPr lang="en-US" sz="1800" dirty="0"/>
-              <a:t>We will use map like we did with *</a:t>
-            </a:r>
+              <a:rPr lang="en-US" sz="1800" dirty="0" err="1">
+                <a:highlight>
+                  <a:srgbClr val="FFFF00"/>
+                </a:highlight>
+              </a:rPr>
+              <a:t>Shemot</a:t>
+            </a:r>
+            <a:endParaRPr lang="en-US" sz="1800" dirty="0">
+              <a:highlight>
+                <a:srgbClr val="FFFF00"/>
+              </a:highlight>
+            </a:endParaRPr>
+          </a:p>
+          <a:p>
+            <a:r>
+              <a:rPr lang="en-US" sz="1800" dirty="0" err="1">
+                <a:highlight>
+                  <a:srgbClr val="FFFF00"/>
+                </a:highlight>
+              </a:rPr>
+              <a:t>Hw</a:t>
+            </a:r>
+            <a:endParaRPr lang="en-US" sz="1800" dirty="0">
+              <a:highlight>
+                <a:srgbClr val="FFFF00"/>
+              </a:highlight>
+            </a:endParaRPr>
+          </a:p>
+          <a:p>
+            <a:r>
+              <a:rPr lang="en-US" sz="1800" dirty="0">
+                <a:highlight>
+                  <a:srgbClr val="FFFF00"/>
+                </a:highlight>
+              </a:rPr>
+              <a:t>Map</a:t>
+            </a:r>
+          </a:p>
+          <a:p>
+            <a:r>
+              <a:rPr lang="en-US" sz="1800" dirty="0">
+                <a:highlight>
+                  <a:srgbClr val="FFFF00"/>
+                </a:highlight>
+              </a:rPr>
+              <a:t>Filter</a:t>
+            </a:r>
+          </a:p>
+          <a:p>
+            <a:r>
+              <a:rPr lang="en-US" sz="1800" dirty="0">
+                <a:highlight>
+                  <a:srgbClr val="FFFF00"/>
+                </a:highlight>
+              </a:rPr>
+              <a:t>Father child communication</a:t>
+            </a:r>
+          </a:p>
+          <a:p>
+            <a:r>
+              <a:rPr lang="en-US" sz="1800" dirty="0" err="1">
+                <a:highlight>
+                  <a:srgbClr val="FFFF00"/>
+                </a:highlight>
+              </a:rPr>
+              <a:t>Fontawsome</a:t>
+            </a:r>
+            <a:endParaRPr lang="en-US" sz="1800" dirty="0">
+              <a:highlight>
+                <a:srgbClr val="FFFF00"/>
+              </a:highlight>
+            </a:endParaRPr>
+          </a:p>
+          <a:p>
+            <a:r>
+              <a:rPr lang="en-US" sz="1800" dirty="0" err="1">
+                <a:highlight>
+                  <a:srgbClr val="FFFF00"/>
+                </a:highlight>
+              </a:rPr>
+              <a:t>lodash</a:t>
+            </a:r>
+            <a:endParaRPr lang="en-US" sz="1800" dirty="0">
+              <a:highlight>
+                <a:srgbClr val="FFFF00"/>
+              </a:highlight>
+            </a:endParaRPr>
+          </a:p>
+          <a:p>
             <a:r>
               <a:rPr lang="en-US" sz="1800" dirty="0" err="1"/>
-              <a:t>ngFor</a:t>
-            </a:r>
-            <a:r>
-              <a:rPr lang="en-US" sz="1800" dirty="0"/>
-              <a:t> in angular</a:t>
-            </a:r>
-          </a:p>
-          <a:p>
+              <a:t>useEffect</a:t>
+            </a:r>
             <a:endParaRPr lang="en-US" sz="1800" dirty="0"/>
-          </a:p>
-          <a:p>
-            <a:r>
-              <a:rPr lang="en-US" sz="1800" dirty="0"/>
-              <a:t>Map will create brand new array with the html tags and data from array</a:t>
-            </a:r>
           </a:p>
         </p:txBody>
       </p:sp>
     </p:spTree>
     <p:extLst>
       <p:ext uri="{BB962C8B-B14F-4D97-AF65-F5344CB8AC3E}">
-        <p14:creationId xmlns:p14="http://schemas.microsoft.com/office/powerpoint/2010/main" val="397634933"/>
+        <p14:creationId xmlns:p14="http://schemas.microsoft.com/office/powerpoint/2010/main" val="4151106679"/>
       </p:ext>
     </p:extLst>
   </p:cSld>
@@ -6136,7 +6128,7 @@
           <a:p>
             <a:r>
               <a:rPr lang="en-US" dirty="0"/>
-              <a:t>TK</a:t>
+              <a:t>Map</a:t>
             </a:r>
           </a:p>
         </p:txBody>
@@ -6166,7 +6158,24 @@
           <a:p>
             <a:r>
               <a:rPr lang="en-US" sz="1800" dirty="0"/>
-              <a:t>Create new page that will display list of users from array </a:t>
+              <a:t>We will use map like we did with *</a:t>
+            </a:r>
+            <a:r>
+              <a:rPr lang="en-US" sz="1800" dirty="0" err="1"/>
+              <a:t>ngFor</a:t>
+            </a:r>
+            <a:r>
+              <a:rPr lang="en-US" sz="1800" dirty="0"/>
+              <a:t> in angular</a:t>
+            </a:r>
+          </a:p>
+          <a:p>
+            <a:endParaRPr lang="en-US" sz="1800" dirty="0"/>
+          </a:p>
+          <a:p>
+            <a:r>
+              <a:rPr lang="en-US" sz="1800" dirty="0"/>
+              <a:t>Map will create brand new array with the html tags and data from array</a:t>
             </a:r>
           </a:p>
         </p:txBody>
@@ -6174,7 +6183,7 @@
     </p:spTree>
     <p:extLst>
       <p:ext uri="{BB962C8B-B14F-4D97-AF65-F5344CB8AC3E}">
-        <p14:creationId xmlns:p14="http://schemas.microsoft.com/office/powerpoint/2010/main" val="1389960933"/>
+        <p14:creationId xmlns:p14="http://schemas.microsoft.com/office/powerpoint/2010/main" val="397634933"/>
       </p:ext>
     </p:extLst>
   </p:cSld>
@@ -6680,7 +6689,7 @@
           <a:p>
             <a:r>
               <a:rPr lang="en-US" dirty="0"/>
-              <a:t>Map</a:t>
+              <a:t>TK</a:t>
             </a:r>
           </a:p>
         </p:txBody>
@@ -6710,24 +6719,7 @@
           <a:p>
             <a:r>
               <a:rPr lang="en-US" sz="1800" dirty="0"/>
-              <a:t>We will use map like we did with *</a:t>
-            </a:r>
-            <a:r>
-              <a:rPr lang="en-US" sz="1800" dirty="0" err="1"/>
-              <a:t>ngFor</a:t>
-            </a:r>
-            <a:r>
-              <a:rPr lang="en-US" sz="1800" dirty="0"/>
-              <a:t> in angular</a:t>
-            </a:r>
-          </a:p>
-          <a:p>
-            <a:endParaRPr lang="en-US" sz="1800" dirty="0"/>
-          </a:p>
-          <a:p>
-            <a:r>
-              <a:rPr lang="en-US" sz="1800" dirty="0"/>
-              <a:t>Map will create brand new array with the html tags and data from array</a:t>
+              <a:t>Create new page that will display list of users from array </a:t>
             </a:r>
           </a:p>
         </p:txBody>
@@ -6735,7 +6727,7 @@
     </p:spTree>
     <p:extLst>
       <p:ext uri="{BB962C8B-B14F-4D97-AF65-F5344CB8AC3E}">
-        <p14:creationId xmlns:p14="http://schemas.microsoft.com/office/powerpoint/2010/main" val="2178590128"/>
+        <p14:creationId xmlns:p14="http://schemas.microsoft.com/office/powerpoint/2010/main" val="1389960933"/>
       </p:ext>
     </p:extLst>
   </p:cSld>
@@ -6785,7 +6777,7 @@
           <a:p>
             <a:r>
               <a:rPr lang="en-US" dirty="0"/>
-              <a:t>Father child com</a:t>
+              <a:t>Map</a:t>
             </a:r>
           </a:p>
         </p:txBody>
@@ -6840,7 +6832,7 @@
     </p:spTree>
     <p:extLst>
       <p:ext uri="{BB962C8B-B14F-4D97-AF65-F5344CB8AC3E}">
-        <p14:creationId xmlns:p14="http://schemas.microsoft.com/office/powerpoint/2010/main" val="2331915230"/>
+        <p14:creationId xmlns:p14="http://schemas.microsoft.com/office/powerpoint/2010/main" val="2178590128"/>
       </p:ext>
     </p:extLst>
   </p:cSld>
@@ -6889,30 +6881,9 @@
           <a:lstStyle/>
           <a:p>
             <a:r>
-              <a:rPr lang="en-US" dirty="0" err="1">
-                <a:highlight>
-                  <a:srgbClr val="FFFF00"/>
-                </a:highlight>
-              </a:rPr>
-              <a:t>F</a:t>
-            </a:r>
-            <a:r>
-              <a:rPr lang="en-US" dirty="0" err="1"/>
-              <a:t>ont</a:t>
-            </a:r>
-            <a:r>
-              <a:rPr lang="en-US" dirty="0" err="1">
-                <a:highlight>
-                  <a:srgbClr val="FFFF00"/>
-                </a:highlight>
-              </a:rPr>
-              <a:t>a</a:t>
-            </a:r>
-            <a:r>
-              <a:rPr lang="en-US" dirty="0" err="1"/>
-              <a:t>wsome</a:t>
-            </a:r>
-            <a:endParaRPr lang="en-US" dirty="0"/>
+              <a:rPr lang="en-US" dirty="0"/>
+              <a:t>Father child com</a:t>
+            </a:r>
           </a:p>
         </p:txBody>
       </p:sp>
@@ -6941,162 +6912,32 @@
           <a:p>
             <a:r>
               <a:rPr lang="en-US" sz="1800" dirty="0"/>
-              <a:t>To add </a:t>
-            </a:r>
-            <a:r>
-              <a:rPr lang="en-US" sz="1800" dirty="0">
-                <a:highlight>
-                  <a:srgbClr val="FFFF00"/>
-                </a:highlight>
-              </a:rPr>
-              <a:t>fa</a:t>
-            </a:r>
-            <a:r>
-              <a:rPr lang="en-US" sz="1800" dirty="0"/>
-              <a:t> to our project please follow the instructions in the link:</a:t>
-            </a:r>
-          </a:p>
-          <a:p>
-            <a:r>
-              <a:rPr lang="en-US" sz="1800" dirty="0">
-                <a:hlinkClick r:id="rId2"/>
-              </a:rPr>
-              <a:t>https://fontawesome.com/docs/web/use-with/react/</a:t>
-            </a:r>
+              <a:t>We will use map like we did with *</a:t>
+            </a:r>
+            <a:r>
+              <a:rPr lang="en-US" sz="1800" dirty="0" err="1"/>
+              <a:t>ngFor</a:t>
+            </a:r>
+            <a:r>
+              <a:rPr lang="en-US" sz="1800" dirty="0"/>
+              <a:t> in angular</a:t>
+            </a:r>
+          </a:p>
+          <a:p>
             <a:endParaRPr lang="en-US" sz="1800" dirty="0"/>
           </a:p>
           <a:p>
-            <a:endParaRPr lang="en-US" sz="1800" dirty="0"/>
-          </a:p>
-          <a:p>
-            <a:r>
-              <a:rPr lang="en-US" sz="1800" dirty="0"/>
-              <a:t>To add icon from fa you will need to use the next method:</a:t>
-            </a:r>
-          </a:p>
-          <a:p>
-            <a:pPr marL="342900" indent="-342900">
-              <a:buFont typeface="+mj-lt"/>
-              <a:buAutoNum type="arabicPeriod"/>
-            </a:pPr>
-            <a:r>
-              <a:rPr lang="en-US" sz="1800" dirty="0"/>
-              <a:t>Copy the component icon from there website - &lt;</a:t>
-            </a:r>
-            <a:r>
-              <a:rPr lang="en-US" sz="1800" dirty="0" err="1"/>
-              <a:t>FontAwesomeIcon</a:t>
-            </a:r>
-            <a:r>
-              <a:rPr lang="en-US" sz="1800" dirty="0"/>
-              <a:t> icon="fa-solid fa-trash-can" /&gt;</a:t>
-            </a:r>
-          </a:p>
-          <a:p>
-            <a:pPr marL="342900" indent="-342900">
-              <a:buFont typeface="+mj-lt"/>
-              <a:buAutoNum type="arabicPeriod"/>
-            </a:pPr>
-            <a:r>
-              <a:rPr lang="en-US" sz="1800" dirty="0"/>
-              <a:t>Convert the icon from “</a:t>
-            </a:r>
-            <a:r>
-              <a:rPr lang="en-US" sz="1800" dirty="0">
-                <a:highlight>
-                  <a:srgbClr val="00FFFF"/>
-                </a:highlight>
-              </a:rPr>
-              <a:t>fa-solid</a:t>
-            </a:r>
-            <a:r>
-              <a:rPr lang="en-US" sz="1800" dirty="0"/>
-              <a:t> </a:t>
-            </a:r>
-            <a:r>
-              <a:rPr lang="en-US" sz="1800" dirty="0">
-                <a:highlight>
-                  <a:srgbClr val="00FF00"/>
-                </a:highlight>
-              </a:rPr>
-              <a:t>fa-trash-can</a:t>
-            </a:r>
-            <a:r>
-              <a:rPr lang="en-US" sz="1800" dirty="0"/>
-              <a:t>” to “</a:t>
-            </a:r>
-            <a:r>
-              <a:rPr lang="en-US" sz="1800" dirty="0" err="1"/>
-              <a:t>faTrashCan</a:t>
-            </a:r>
-            <a:r>
-              <a:rPr lang="en-US" sz="1800" dirty="0"/>
-              <a:t>” in the import like so - import { </a:t>
-            </a:r>
-            <a:r>
-              <a:rPr lang="en-US" sz="1800" dirty="0" err="1">
-                <a:highlight>
-                  <a:srgbClr val="00FF00"/>
-                </a:highlight>
-              </a:rPr>
-              <a:t>faTrashCan</a:t>
-            </a:r>
-            <a:r>
-              <a:rPr lang="en-US" sz="1800" dirty="0"/>
-              <a:t> } from "@</a:t>
-            </a:r>
-            <a:r>
-              <a:rPr lang="en-US" sz="1800" dirty="0" err="1"/>
-              <a:t>fortawesome</a:t>
-            </a:r>
-            <a:r>
-              <a:rPr lang="en-US" sz="1800" dirty="0"/>
-              <a:t>/free-</a:t>
-            </a:r>
-            <a:r>
-              <a:rPr lang="en-US" sz="1800" dirty="0">
-                <a:highlight>
-                  <a:srgbClr val="00FFFF"/>
-                </a:highlight>
-              </a:rPr>
-              <a:t>solid</a:t>
-            </a:r>
-            <a:r>
-              <a:rPr lang="en-US" sz="1800" dirty="0"/>
-              <a:t>-</a:t>
-            </a:r>
-            <a:r>
-              <a:rPr lang="en-US" sz="1800" dirty="0" err="1"/>
-              <a:t>svg</a:t>
-            </a:r>
-            <a:r>
-              <a:rPr lang="en-US" sz="1800" dirty="0"/>
-              <a:t>-icons";</a:t>
-            </a:r>
-          </a:p>
-          <a:p>
-            <a:pPr marL="342900" indent="-342900">
-              <a:buFont typeface="+mj-lt"/>
-              <a:buAutoNum type="arabicPeriod"/>
-            </a:pPr>
-            <a:r>
-              <a:rPr lang="en-US" sz="1800" dirty="0"/>
-              <a:t>Make sure that you import from the right module</a:t>
-            </a:r>
-          </a:p>
-          <a:p>
-            <a:pPr marL="342900" indent="-342900">
-              <a:buFont typeface="+mj-lt"/>
-              <a:buAutoNum type="arabicPeriod"/>
-            </a:pPr>
-            <a:endParaRPr lang="en-US" sz="1800" dirty="0"/>
+            <a:r>
+              <a:rPr lang="en-US" sz="1800" dirty="0"/>
+              <a:t>Map will create brand new array with the html tags and data from array</a:t>
+            </a:r>
           </a:p>
         </p:txBody>
       </p:sp>
     </p:spTree>
     <p:extLst>
       <p:ext uri="{BB962C8B-B14F-4D97-AF65-F5344CB8AC3E}">
-        <p14:creationId xmlns:p14="http://schemas.microsoft.com/office/powerpoint/2010/main" val="4225105353"/>
+        <p14:creationId xmlns:p14="http://schemas.microsoft.com/office/powerpoint/2010/main" val="2331915230"/>
       </p:ext>
     </p:extLst>
   </p:cSld>
@@ -7145,16 +6986,28 @@
           <a:lstStyle/>
           <a:p>
             <a:r>
+              <a:rPr lang="en-US" dirty="0" err="1">
+                <a:highlight>
+                  <a:srgbClr val="FFFF00"/>
+                </a:highlight>
+              </a:rPr>
+              <a:t>F</a:t>
+            </a:r>
+            <a:r>
               <a:rPr lang="en-US" dirty="0" err="1"/>
-              <a:t>Lodash</a:t>
-            </a:r>
-            <a:r>
-              <a:rPr lang="en-US" dirty="0"/>
-              <a:t> - </a:t>
+              <a:t>ont</a:t>
+            </a:r>
+            <a:r>
+              <a:rPr lang="en-US" dirty="0" err="1">
+                <a:highlight>
+                  <a:srgbClr val="FFFF00"/>
+                </a:highlight>
+              </a:rPr>
+              <a:t>a</a:t>
             </a:r>
             <a:r>
               <a:rPr lang="en-US" dirty="0" err="1"/>
-              <a:t>cloneDeep</a:t>
+              <a:t>wsome</a:t>
             </a:r>
             <a:endParaRPr lang="en-US" dirty="0"/>
           </a:p>
@@ -7185,69 +7038,162 @@
           <a:p>
             <a:r>
               <a:rPr lang="en-US" sz="1800" dirty="0"/>
-              <a:t>Install </a:t>
+              <a:t>To add </a:t>
+            </a:r>
+            <a:r>
+              <a:rPr lang="en-US" sz="1800" dirty="0">
+                <a:highlight>
+                  <a:srgbClr val="FFFF00"/>
+                </a:highlight>
+              </a:rPr>
+              <a:t>fa</a:t>
+            </a:r>
+            <a:r>
+              <a:rPr lang="en-US" sz="1800" dirty="0"/>
+              <a:t> to our project please follow the instructions in the link:</a:t>
+            </a:r>
+          </a:p>
+          <a:p>
+            <a:r>
+              <a:rPr lang="en-US" sz="1800" dirty="0">
+                <a:hlinkClick r:id="rId2"/>
+              </a:rPr>
+              <a:t>https://fontawesome.com/docs/web/use-with/react/</a:t>
+            </a:r>
+            <a:endParaRPr lang="en-US" sz="1800" dirty="0"/>
+          </a:p>
+          <a:p>
+            <a:endParaRPr lang="en-US" sz="1800" dirty="0"/>
+          </a:p>
+          <a:p>
+            <a:r>
+              <a:rPr lang="en-US" sz="1800" dirty="0"/>
+              <a:t>To add icon from fa you will need to use the next method:</a:t>
+            </a:r>
+          </a:p>
+          <a:p>
+            <a:pPr marL="342900" indent="-342900">
+              <a:buFont typeface="+mj-lt"/>
+              <a:buAutoNum type="arabicPeriod"/>
+            </a:pPr>
+            <a:r>
+              <a:rPr lang="en-US" sz="1800" dirty="0"/>
+              <a:t>Copy the component icon from there website - &lt;</a:t>
             </a:r>
             <a:r>
               <a:rPr lang="en-US" sz="1800" dirty="0" err="1"/>
-              <a:t>lodash</a:t>
-            </a:r>
-            <a:r>
-              <a:rPr lang="en-US" sz="1800" dirty="0"/>
-              <a:t> using this command: </a:t>
+              <a:t>FontAwesomeIcon</a:t>
+            </a:r>
+            <a:r>
+              <a:rPr lang="en-US" sz="1800" dirty="0"/>
+              <a:t> icon="fa-solid fa-trash-can" /&gt;</a:t>
+            </a:r>
+          </a:p>
+          <a:p>
+            <a:pPr marL="342900" indent="-342900">
+              <a:buFont typeface="+mj-lt"/>
+              <a:buAutoNum type="arabicPeriod"/>
+            </a:pPr>
+            <a:r>
+              <a:rPr lang="en-US" sz="1800" dirty="0"/>
+              <a:t>Convert the icon from “</a:t>
+            </a:r>
+            <a:r>
+              <a:rPr lang="en-US" sz="1800" dirty="0">
+                <a:highlight>
+                  <a:srgbClr val="00FFFF"/>
+                </a:highlight>
+              </a:rPr>
+              <a:t>fa-solid</a:t>
+            </a:r>
+            <a:r>
+              <a:rPr lang="en-US" sz="1800" dirty="0"/>
+              <a:t> </a:t>
+            </a:r>
+            <a:r>
+              <a:rPr lang="en-US" sz="1800" dirty="0">
+                <a:highlight>
+                  <a:srgbClr val="00FF00"/>
+                </a:highlight>
+              </a:rPr>
+              <a:t>fa-trash-can</a:t>
+            </a:r>
+            <a:r>
+              <a:rPr lang="en-US" sz="1800" dirty="0"/>
+              <a:t>” to “</a:t>
             </a:r>
             <a:r>
               <a:rPr lang="en-US" sz="1800" dirty="0" err="1"/>
-              <a:t>npm</a:t>
-            </a:r>
-            <a:r>
-              <a:rPr lang="en-US" sz="1800" dirty="0"/>
-              <a:t> </a:t>
+              <a:t>faTrashCan</a:t>
+            </a:r>
+            <a:r>
+              <a:rPr lang="en-US" sz="1800" dirty="0"/>
+              <a:t>” in the import like so - import { </a:t>
+            </a:r>
+            <a:r>
+              <a:rPr lang="en-US" sz="1800" dirty="0" err="1">
+                <a:highlight>
+                  <a:srgbClr val="00FF00"/>
+                </a:highlight>
+              </a:rPr>
+              <a:t>faTrashCan</a:t>
+            </a:r>
+            <a:r>
+              <a:rPr lang="en-US" sz="1800" dirty="0"/>
+              <a:t> } from "@</a:t>
             </a:r>
             <a:r>
               <a:rPr lang="en-US" sz="1800" dirty="0" err="1"/>
-              <a:t>i</a:t>
-            </a:r>
-            <a:r>
-              <a:rPr lang="en-US" sz="1800" dirty="0"/>
-              <a:t> </a:t>
+              <a:t>fortawesome</a:t>
+            </a:r>
+            <a:r>
+              <a:rPr lang="en-US" sz="1800" dirty="0"/>
+              <a:t>/free-</a:t>
+            </a:r>
+            <a:r>
+              <a:rPr lang="en-US" sz="1800" dirty="0">
+                <a:highlight>
+                  <a:srgbClr val="00FFFF"/>
+                </a:highlight>
+              </a:rPr>
+              <a:t>solid</a:t>
+            </a:r>
+            <a:r>
+              <a:rPr lang="en-US" sz="1800" dirty="0"/>
+              <a:t>-</a:t>
             </a:r>
             <a:r>
               <a:rPr lang="en-US" sz="1800" dirty="0" err="1"/>
-              <a:t>lodash</a:t>
-            </a:r>
+              <a:t>svg</a:t>
+            </a:r>
+            <a:r>
+              <a:rPr lang="en-US" sz="1800" dirty="0"/>
+              <a:t>-icons";</a:t>
+            </a:r>
+          </a:p>
+          <a:p>
+            <a:pPr marL="342900" indent="-342900">
+              <a:buFont typeface="+mj-lt"/>
+              <a:buAutoNum type="arabicPeriod"/>
+            </a:pPr>
+            <a:r>
+              <a:rPr lang="en-US" sz="1800" dirty="0"/>
+              <a:t>Make sure that you import from the right module</a:t>
+            </a:r>
+          </a:p>
+          <a:p>
+            <a:pPr marL="342900" indent="-342900">
+              <a:buFont typeface="+mj-lt"/>
+              <a:buAutoNum type="arabicPeriod"/>
+            </a:pPr>
             <a:endParaRPr lang="en-US" sz="1800" dirty="0"/>
-          </a:p>
-          <a:p>
-            <a:endParaRPr lang="en-US" sz="1800" dirty="0"/>
-          </a:p>
-          <a:p>
-            <a:r>
-              <a:rPr lang="en-US" sz="1800" dirty="0"/>
-              <a:t>We will use </a:t>
-            </a:r>
-            <a:r>
-              <a:rPr lang="en-US" sz="1800" dirty="0" err="1"/>
-              <a:t>lodash</a:t>
-            </a:r>
-            <a:r>
-              <a:rPr lang="en-US" sz="1800" dirty="0"/>
-              <a:t> - </a:t>
-            </a:r>
-            <a:r>
-              <a:rPr lang="en-US" sz="1800" dirty="0" err="1"/>
-              <a:t>cloneDeep</a:t>
-            </a:r>
-            <a:r>
-              <a:rPr lang="en-US" sz="1800" dirty="0"/>
-              <a:t> to clone the data from the server and then we will change the array</a:t>
-            </a:r>
           </a:p>
         </p:txBody>
       </p:sp>
     </p:spTree>
     <p:extLst>
       <p:ext uri="{BB962C8B-B14F-4D97-AF65-F5344CB8AC3E}">
-        <p14:creationId xmlns:p14="http://schemas.microsoft.com/office/powerpoint/2010/main" val="2336008065"/>
+        <p14:creationId xmlns:p14="http://schemas.microsoft.com/office/powerpoint/2010/main" val="4225105353"/>
       </p:ext>
     </p:extLst>
   </p:cSld>
@@ -7296,9 +7242,18 @@
           <a:lstStyle/>
           <a:p>
             <a:r>
+              <a:rPr lang="en-US" dirty="0" err="1"/>
+              <a:t>Lodash</a:t>
+            </a:r>
+            <a:r>
               <a:rPr lang="en-US" dirty="0"/>
-              <a:t>TK</a:t>
-            </a:r>
+              <a:t> - </a:t>
+            </a:r>
+            <a:r>
+              <a:rPr lang="en-US" dirty="0" err="1"/>
+              <a:t>cloneDeep</a:t>
+            </a:r>
+            <a:endParaRPr lang="en-US" dirty="0"/>
           </a:p>
         </p:txBody>
       </p:sp>
@@ -7327,13 +7282,61 @@
           <a:p>
             <a:r>
               <a:rPr lang="en-US" sz="1800" dirty="0"/>
-              <a:t>Create component for reach user</a:t>
-            </a:r>
-          </a:p>
-          <a:p>
-            <a:r>
-              <a:rPr lang="en-US" sz="1800" dirty="0"/>
-              <a:t>When clicking on user it should be deleted</a:t>
+              <a:t>Install </a:t>
+            </a:r>
+            <a:r>
+              <a:rPr lang="en-US" sz="1800" dirty="0" err="1"/>
+              <a:t>lodash</a:t>
+            </a:r>
+            <a:r>
+              <a:rPr lang="en-US" sz="1800" dirty="0"/>
+              <a:t> using this command: </a:t>
+            </a:r>
+            <a:r>
+              <a:rPr lang="en-US" sz="1800" dirty="0" err="1"/>
+              <a:t>npm</a:t>
+            </a:r>
+            <a:r>
+              <a:rPr lang="en-US" sz="1800" dirty="0"/>
+              <a:t> </a:t>
+            </a:r>
+            <a:r>
+              <a:rPr lang="en-US" sz="1800" dirty="0" err="1"/>
+              <a:t>i</a:t>
+            </a:r>
+            <a:r>
+              <a:rPr lang="en-US" sz="1800" dirty="0"/>
+              <a:t> </a:t>
+            </a:r>
+            <a:r>
+              <a:rPr lang="en-US" sz="1800" dirty="0" err="1"/>
+              <a:t>lodash</a:t>
+            </a:r>
+            <a:endParaRPr lang="en-US" sz="1800" dirty="0"/>
+          </a:p>
+          <a:p>
+            <a:endParaRPr lang="en-US" sz="1800" dirty="0"/>
+          </a:p>
+          <a:p>
+            <a:r>
+              <a:rPr lang="en-US" sz="1800" dirty="0"/>
+              <a:t>We will use </a:t>
+            </a:r>
+            <a:r>
+              <a:rPr lang="en-US" sz="1800" dirty="0" err="1"/>
+              <a:t>lodash</a:t>
+            </a:r>
+            <a:r>
+              <a:rPr lang="en-US" sz="1800" dirty="0"/>
+              <a:t> - </a:t>
+            </a:r>
+            <a:r>
+              <a:rPr lang="en-US" sz="1800" dirty="0" err="1"/>
+              <a:t>cloneDeep</a:t>
+            </a:r>
+            <a:r>
+              <a:rPr lang="en-US" sz="1800" dirty="0"/>
+              <a:t> to clone the data from the server and then we will change the array</a:t>
             </a:r>
           </a:p>
         </p:txBody>
@@ -7341,7 +7344,7 @@
     </p:spTree>
     <p:extLst>
       <p:ext uri="{BB962C8B-B14F-4D97-AF65-F5344CB8AC3E}">
-        <p14:creationId xmlns:p14="http://schemas.microsoft.com/office/powerpoint/2010/main" val="2872293325"/>
+        <p14:creationId xmlns:p14="http://schemas.microsoft.com/office/powerpoint/2010/main" val="2336008065"/>
       </p:ext>
     </p:extLst>
   </p:cSld>
@@ -7391,7 +7394,7 @@
           <a:p>
             <a:r>
               <a:rPr lang="en-US" dirty="0"/>
-              <a:t>22/06/2022</a:t>
+              <a:t>TK</a:t>
             </a:r>
           </a:p>
         </p:txBody>
@@ -7420,64 +7423,22 @@
           <a:lstStyle/>
           <a:p>
             <a:r>
-              <a:rPr lang="en-US" sz="1800" dirty="0" err="1">
-                <a:highlight>
-                  <a:srgbClr val="FFFF00"/>
-                </a:highlight>
-              </a:rPr>
-              <a:t>Shemot</a:t>
-            </a:r>
-            <a:endParaRPr lang="en-US" sz="1800" dirty="0">
-              <a:highlight>
-                <a:srgbClr val="FFFF00"/>
-              </a:highlight>
-            </a:endParaRPr>
-          </a:p>
-          <a:p>
-            <a:r>
-              <a:rPr lang="en-US" sz="1800" dirty="0" err="1">
-                <a:highlight>
-                  <a:srgbClr val="FFFF00"/>
-                </a:highlight>
-              </a:rPr>
-              <a:t>Hw</a:t>
-            </a:r>
-            <a:endParaRPr lang="en-US" sz="1800" dirty="0">
-              <a:highlight>
-                <a:srgbClr val="FFFF00"/>
-              </a:highlight>
-            </a:endParaRPr>
-          </a:p>
-          <a:p>
-            <a:r>
-              <a:rPr lang="en-US" sz="1800" dirty="0">
-                <a:highlight>
-                  <a:srgbClr val="FFFF00"/>
-                </a:highlight>
-              </a:rPr>
-              <a:t>refs</a:t>
-            </a:r>
-          </a:p>
-          <a:p>
-            <a:r>
-              <a:rPr lang="en-US" sz="1800" dirty="0" err="1"/>
-              <a:t>useEffect</a:t>
-            </a:r>
-            <a:endParaRPr lang="en-US" sz="1800" dirty="0"/>
-          </a:p>
-          <a:p>
-            <a:r>
-              <a:rPr lang="en-US" sz="1800" dirty="0" err="1"/>
-              <a:t>axios</a:t>
-            </a:r>
-            <a:endParaRPr lang="en-US" sz="1800" dirty="0"/>
+              <a:rPr lang="en-US" sz="1800" dirty="0"/>
+              <a:t>Create component for reach user</a:t>
+            </a:r>
+          </a:p>
+          <a:p>
+            <a:r>
+              <a:rPr lang="en-US" sz="1800" dirty="0"/>
+              <a:t>When clicking on user it should be deleted</a:t>
+            </a:r>
           </a:p>
         </p:txBody>
       </p:sp>
     </p:spTree>
     <p:extLst>
       <p:ext uri="{BB962C8B-B14F-4D97-AF65-F5344CB8AC3E}">
-        <p14:creationId xmlns:p14="http://schemas.microsoft.com/office/powerpoint/2010/main" val="3653625772"/>
+        <p14:creationId xmlns:p14="http://schemas.microsoft.com/office/powerpoint/2010/main" val="2872293325"/>
       </p:ext>
     </p:extLst>
   </p:cSld>
@@ -7527,6 +7488,142 @@
           <a:p>
             <a:r>
               <a:rPr lang="en-US" dirty="0"/>
+              <a:t>22/06/2022</a:t>
+            </a:r>
+          </a:p>
+        </p:txBody>
+      </p:sp>
+      <p:sp>
+        <p:nvSpPr>
+          <p:cNvPr id="3" name="Content Placeholder 2">
+            <a:extLst>
+              <a:ext uri="{FF2B5EF4-FFF2-40B4-BE49-F238E27FC236}">
+                <a16:creationId xmlns:a16="http://schemas.microsoft.com/office/drawing/2014/main" id="{4D96329F-70CA-D930-B844-FB5264890AD1}"/>
+              </a:ext>
+            </a:extLst>
+          </p:cNvPr>
+          <p:cNvSpPr>
+            <a:spLocks noGrp="1"/>
+          </p:cNvSpPr>
+          <p:nvPr>
+            <p:ph idx="1"/>
+          </p:nvPr>
+        </p:nvSpPr>
+        <p:spPr/>
+        <p:txBody>
+          <a:bodyPr>
+            <a:normAutofit/>
+          </a:bodyPr>
+          <a:lstStyle/>
+          <a:p>
+            <a:r>
+              <a:rPr lang="en-US" sz="1800" dirty="0" err="1">
+                <a:highlight>
+                  <a:srgbClr val="FFFF00"/>
+                </a:highlight>
+              </a:rPr>
+              <a:t>Shemot</a:t>
+            </a:r>
+            <a:endParaRPr lang="en-US" sz="1800" dirty="0">
+              <a:highlight>
+                <a:srgbClr val="FFFF00"/>
+              </a:highlight>
+            </a:endParaRPr>
+          </a:p>
+          <a:p>
+            <a:r>
+              <a:rPr lang="en-US" sz="1800" dirty="0" err="1">
+                <a:highlight>
+                  <a:srgbClr val="FFFF00"/>
+                </a:highlight>
+              </a:rPr>
+              <a:t>Hw</a:t>
+            </a:r>
+            <a:endParaRPr lang="en-US" sz="1800" dirty="0">
+              <a:highlight>
+                <a:srgbClr val="FFFF00"/>
+              </a:highlight>
+            </a:endParaRPr>
+          </a:p>
+          <a:p>
+            <a:r>
+              <a:rPr lang="en-US" sz="1800" dirty="0">
+                <a:highlight>
+                  <a:srgbClr val="FFFF00"/>
+                </a:highlight>
+              </a:rPr>
+              <a:t>refs</a:t>
+            </a:r>
+          </a:p>
+          <a:p>
+            <a:r>
+              <a:rPr lang="en-US" sz="1800" dirty="0" err="1"/>
+              <a:t>useEffect</a:t>
+            </a:r>
+            <a:endParaRPr lang="en-US" sz="1800" dirty="0"/>
+          </a:p>
+          <a:p>
+            <a:r>
+              <a:rPr lang="en-US" sz="1800" dirty="0" err="1"/>
+              <a:t>axios</a:t>
+            </a:r>
+            <a:endParaRPr lang="en-US" sz="1800" dirty="0"/>
+          </a:p>
+        </p:txBody>
+      </p:sp>
+    </p:spTree>
+    <p:extLst>
+      <p:ext uri="{BB962C8B-B14F-4D97-AF65-F5344CB8AC3E}">
+        <p14:creationId xmlns:p14="http://schemas.microsoft.com/office/powerpoint/2010/main" val="3653625772"/>
+      </p:ext>
+    </p:extLst>
+  </p:cSld>
+  <p:clrMapOvr>
+    <a:masterClrMapping/>
+  </p:clrMapOvr>
+</p:sld>
+</file>
+
+<file path=ppt/slides/slide27.xml><?xml version="1.0" encoding="utf-8"?>
+<p:sld xmlns:a="http://schemas.openxmlformats.org/drawingml/2006/main" xmlns:r="http://schemas.openxmlformats.org/officeDocument/2006/relationships" xmlns:p="http://schemas.openxmlformats.org/presentationml/2006/main">
+  <p:cSld>
+    <p:spTree>
+      <p:nvGrpSpPr>
+        <p:cNvPr id="1" name=""/>
+        <p:cNvGrpSpPr/>
+        <p:nvPr/>
+      </p:nvGrpSpPr>
+      <p:grpSpPr>
+        <a:xfrm>
+          <a:off x="0" y="0"/>
+          <a:ext cx="0" cy="0"/>
+          <a:chOff x="0" y="0"/>
+          <a:chExt cx="0" cy="0"/>
+        </a:xfrm>
+      </p:grpSpPr>
+      <p:sp>
+        <p:nvSpPr>
+          <p:cNvPr id="2" name="Title 1">
+            <a:extLst>
+              <a:ext uri="{FF2B5EF4-FFF2-40B4-BE49-F238E27FC236}">
+                <a16:creationId xmlns:a16="http://schemas.microsoft.com/office/drawing/2014/main" id="{8A56E29C-09F7-B711-591E-BDC97066A449}"/>
+              </a:ext>
+            </a:extLst>
+          </p:cNvPr>
+          <p:cNvSpPr>
+            <a:spLocks noGrp="1"/>
+          </p:cNvSpPr>
+          <p:nvPr>
+            <p:ph type="title"/>
+          </p:nvPr>
+        </p:nvSpPr>
+        <p:spPr/>
+        <p:txBody>
+          <a:bodyPr/>
+          <a:lstStyle/>
+          <a:p>
+            <a:r>
+              <a:rPr lang="en-US" dirty="0"/>
               <a:t>Refs</a:t>
             </a:r>
           </a:p>
@@ -7683,7 +7780,7 @@
 </p:sld>
 </file>
 
-<file path=ppt/slides/slide27.xml><?xml version="1.0" encoding="utf-8"?>
+<file path=ppt/slides/slide28.xml><?xml version="1.0" encoding="utf-8"?>
 <p:sld xmlns:a="http://schemas.openxmlformats.org/drawingml/2006/main" xmlns:r="http://schemas.openxmlformats.org/officeDocument/2006/relationships" xmlns:p="http://schemas.openxmlformats.org/presentationml/2006/main">
   <p:cSld>
     <p:spTree>
@@ -7777,148 +7874,6 @@
 </p:sld>
 </file>
 
-<file path=ppt/slides/slide28.xml><?xml version="1.0" encoding="utf-8"?>
-<p:sld xmlns:a="http://schemas.openxmlformats.org/drawingml/2006/main" xmlns:r="http://schemas.openxmlformats.org/officeDocument/2006/relationships" xmlns:p="http://schemas.openxmlformats.org/presentationml/2006/main">
-  <p:cSld>
-    <p:spTree>
-      <p:nvGrpSpPr>
-        <p:cNvPr id="1" name=""/>
-        <p:cNvGrpSpPr/>
-        <p:nvPr/>
-      </p:nvGrpSpPr>
-      <p:grpSpPr>
-        <a:xfrm>
-          <a:off x="0" y="0"/>
-          <a:ext cx="0" cy="0"/>
-          <a:chOff x="0" y="0"/>
-          <a:chExt cx="0" cy="0"/>
-        </a:xfrm>
-      </p:grpSpPr>
-      <p:sp>
-        <p:nvSpPr>
-          <p:cNvPr id="2" name="Title 1">
-            <a:extLst>
-              <a:ext uri="{FF2B5EF4-FFF2-40B4-BE49-F238E27FC236}">
-                <a16:creationId xmlns:a16="http://schemas.microsoft.com/office/drawing/2014/main" id="{8A56E29C-09F7-B711-591E-BDC97066A449}"/>
-              </a:ext>
-            </a:extLst>
-          </p:cNvPr>
-          <p:cNvSpPr>
-            <a:spLocks noGrp="1"/>
-          </p:cNvSpPr>
-          <p:nvPr>
-            <p:ph type="title"/>
-          </p:nvPr>
-        </p:nvSpPr>
-        <p:spPr/>
-        <p:txBody>
-          <a:bodyPr/>
-          <a:lstStyle/>
-          <a:p>
-            <a:r>
-              <a:rPr lang="en-US" dirty="0" err="1"/>
-              <a:t>Axios</a:t>
-            </a:r>
-            <a:r>
-              <a:rPr lang="en-US" dirty="0"/>
-              <a:t> – why?</a:t>
-            </a:r>
-          </a:p>
-        </p:txBody>
-      </p:sp>
-      <p:sp>
-        <p:nvSpPr>
-          <p:cNvPr id="3" name="Content Placeholder 2">
-            <a:extLst>
-              <a:ext uri="{FF2B5EF4-FFF2-40B4-BE49-F238E27FC236}">
-                <a16:creationId xmlns:a16="http://schemas.microsoft.com/office/drawing/2014/main" id="{4D96329F-70CA-D930-B844-FB5264890AD1}"/>
-              </a:ext>
-            </a:extLst>
-          </p:cNvPr>
-          <p:cNvSpPr>
-            <a:spLocks noGrp="1"/>
-          </p:cNvSpPr>
-          <p:nvPr>
-            <p:ph idx="1"/>
-          </p:nvPr>
-        </p:nvSpPr>
-        <p:spPr/>
-        <p:txBody>
-          <a:bodyPr>
-            <a:normAutofit/>
-          </a:bodyPr>
-          <a:lstStyle/>
-          <a:p>
-            <a:r>
-              <a:rPr lang="en-US" sz="1800" dirty="0"/>
-              <a:t>    Make </a:t>
-            </a:r>
-            <a:r>
-              <a:rPr lang="en-US" sz="1800" dirty="0" err="1"/>
-              <a:t>XMLHttpRequests</a:t>
-            </a:r>
-            <a:r>
-              <a:rPr lang="en-US" sz="1800" dirty="0"/>
-              <a:t> from the browser</a:t>
-            </a:r>
-          </a:p>
-          <a:p>
-            <a:r>
-              <a:rPr lang="en-US" sz="1800" dirty="0"/>
-              <a:t>    Make http requests from node.js</a:t>
-            </a:r>
-          </a:p>
-          <a:p>
-            <a:r>
-              <a:rPr lang="en-US" sz="1800" dirty="0"/>
-              <a:t>    Supports the Promise API</a:t>
-            </a:r>
-          </a:p>
-          <a:p>
-            <a:r>
-              <a:rPr lang="en-US" sz="1800" dirty="0"/>
-              <a:t>    Intercept request and response</a:t>
-            </a:r>
-          </a:p>
-          <a:p>
-            <a:r>
-              <a:rPr lang="en-US" sz="1800" dirty="0"/>
-              <a:t>    Transform request and response data</a:t>
-            </a:r>
-          </a:p>
-          <a:p>
-            <a:r>
-              <a:rPr lang="en-US" sz="1800" dirty="0"/>
-              <a:t>    Cancel requests</a:t>
-            </a:r>
-          </a:p>
-          <a:p>
-            <a:r>
-              <a:rPr lang="en-US" sz="1800" dirty="0"/>
-              <a:t>    Automatic transforms for JSON data</a:t>
-            </a:r>
-          </a:p>
-          <a:p>
-            <a:r>
-              <a:rPr lang="en-US" sz="1800" dirty="0"/>
-              <a:t>    Client side support for protecting against XSRF</a:t>
-            </a:r>
-          </a:p>
-        </p:txBody>
-      </p:sp>
-    </p:spTree>
-    <p:extLst>
-      <p:ext uri="{BB962C8B-B14F-4D97-AF65-F5344CB8AC3E}">
-        <p14:creationId xmlns:p14="http://schemas.microsoft.com/office/powerpoint/2010/main" val="3194857066"/>
-      </p:ext>
-    </p:extLst>
-  </p:cSld>
-  <p:clrMapOvr>
-    <a:masterClrMapping/>
-  </p:clrMapOvr>
-</p:sld>
-</file>
-
 <file path=ppt/slides/slide29.xml><?xml version="1.0" encoding="utf-8"?>
 <p:sld xmlns:a="http://schemas.openxmlformats.org/drawingml/2006/main" xmlns:r="http://schemas.openxmlformats.org/officeDocument/2006/relationships" xmlns:p="http://schemas.openxmlformats.org/presentationml/2006/main">
   <p:cSld>
@@ -7963,7 +7918,7 @@
             </a:r>
             <a:r>
               <a:rPr lang="en-US" dirty="0"/>
-              <a:t> – React</a:t>
+              <a:t> – why?</a:t>
             </a:r>
           </a:p>
         </p:txBody>
@@ -7993,74 +7948,57 @@
           <a:p>
             <a:r>
               <a:rPr lang="en-US" sz="1800" dirty="0"/>
-              <a:t>First we need to install </a:t>
+              <a:t>    Make </a:t>
             </a:r>
             <a:r>
               <a:rPr lang="en-US" sz="1800" dirty="0" err="1"/>
-              <a:t>axios</a:t>
-            </a:r>
-            <a:endParaRPr lang="en-US" sz="1800" dirty="0"/>
-          </a:p>
-          <a:p>
-            <a:r>
-              <a:rPr lang="en-US" sz="1800" dirty="0" err="1"/>
-              <a:t>npm</a:t>
-            </a:r>
-            <a:r>
-              <a:rPr lang="en-US" sz="1800" dirty="0"/>
-              <a:t> </a:t>
-            </a:r>
-            <a:r>
-              <a:rPr lang="en-US" sz="1800" dirty="0" err="1"/>
-              <a:t>i</a:t>
-            </a:r>
-            <a:r>
-              <a:rPr lang="en-US" sz="1800" dirty="0"/>
-              <a:t> </a:t>
-            </a:r>
-            <a:r>
-              <a:rPr lang="en-US" sz="1800" dirty="0" err="1"/>
-              <a:t>axios</a:t>
-            </a:r>
-            <a:endParaRPr lang="en-US" sz="1800" dirty="0"/>
-          </a:p>
-          <a:p>
-            <a:endParaRPr lang="en-US" sz="1800" dirty="0"/>
-          </a:p>
-          <a:p>
-            <a:r>
-              <a:rPr lang="en-US" sz="1800" dirty="0"/>
-              <a:t>then we need to import </a:t>
-            </a:r>
-            <a:r>
-              <a:rPr lang="en-US" sz="1800" dirty="0" err="1"/>
-              <a:t>axios</a:t>
-            </a:r>
-            <a:r>
-              <a:rPr lang="en-US" sz="1800" dirty="0"/>
-              <a:t> to our component</a:t>
-            </a:r>
-          </a:p>
-          <a:p>
-            <a:r>
-              <a:rPr lang="en-US" sz="1800" dirty="0"/>
-              <a:t>import </a:t>
-            </a:r>
-            <a:r>
-              <a:rPr lang="en-US" sz="1800" dirty="0" err="1"/>
-              <a:t>axios</a:t>
-            </a:r>
-            <a:r>
-              <a:rPr lang="en-US" sz="1800" dirty="0"/>
-              <a:t> from "</a:t>
-            </a:r>
-            <a:r>
-              <a:rPr lang="en-US" sz="1800" dirty="0" err="1"/>
-              <a:t>axios</a:t>
-            </a:r>
-            <a:r>
-              <a:rPr lang="en-US" sz="1800" dirty="0"/>
-              <a:t>";</a:t>
+              <a:t>XMLHttpRequests</a:t>
+            </a:r>
+            <a:r>
+              <a:rPr lang="en-US" sz="1800" dirty="0"/>
+              <a:t> from the browser</a:t>
+            </a:r>
+          </a:p>
+          <a:p>
+            <a:r>
+              <a:rPr lang="en-US" sz="1800" dirty="0"/>
+              <a:t>    Make http requests from node.js</a:t>
+            </a:r>
+          </a:p>
+          <a:p>
+            <a:r>
+              <a:rPr lang="en-US" sz="1800" dirty="0"/>
+              <a:t>    Supports the Promise API</a:t>
+            </a:r>
+          </a:p>
+          <a:p>
+            <a:r>
+              <a:rPr lang="en-US" sz="1800" dirty="0"/>
+              <a:t>    Intercept request and response</a:t>
+            </a:r>
+          </a:p>
+          <a:p>
+            <a:r>
+              <a:rPr lang="en-US" sz="1800" dirty="0"/>
+              <a:t>    Transform request and response data</a:t>
+            </a:r>
+          </a:p>
+          <a:p>
+            <a:r>
+              <a:rPr lang="en-US" sz="1800" dirty="0"/>
+              <a:t>    Cancel requests</a:t>
+            </a:r>
+          </a:p>
+          <a:p>
+            <a:r>
+              <a:rPr lang="en-US" sz="1800" dirty="0"/>
+              <a:t>    Automatic transforms for JSON data</a:t>
+            </a:r>
+          </a:p>
+          <a:p>
+            <a:r>
+              <a:rPr lang="en-US" sz="1800" dirty="0"/>
+              <a:t>    Client side support for protecting against XSRF</a:t>
             </a:r>
           </a:p>
         </p:txBody>
@@ -8068,7 +8006,7 @@
     </p:spTree>
     <p:extLst>
       <p:ext uri="{BB962C8B-B14F-4D97-AF65-F5344CB8AC3E}">
-        <p14:creationId xmlns:p14="http://schemas.microsoft.com/office/powerpoint/2010/main" val="2892325302"/>
+        <p14:creationId xmlns:p14="http://schemas.microsoft.com/office/powerpoint/2010/main" val="3194857066"/>
       </p:ext>
     </p:extLst>
   </p:cSld>
@@ -8246,7 +8184,7 @@
             </a:r>
             <a:r>
               <a:rPr lang="en-US" dirty="0"/>
-              <a:t> – get</a:t>
+              <a:t> – React</a:t>
             </a:r>
           </a:p>
         </p:txBody>
@@ -8276,10 +8214,8 @@
           <a:p>
             <a:r>
               <a:rPr lang="en-US" sz="1800" dirty="0"/>
-              <a:t>send get request</a:t>
-            </a:r>
-          </a:p>
-          <a:p>
+              <a:t>First we need to install </a:t>
+            </a:r>
             <a:r>
               <a:rPr lang="en-US" sz="1800" dirty="0" err="1"/>
               <a:t>axios</a:t>
@@ -8288,68 +8224,64 @@
           </a:p>
           <a:p>
             <a:r>
-              <a:rPr lang="en-US" sz="1800" dirty="0"/>
-              <a:t>      .</a:t>
-            </a:r>
-            <a:r>
-              <a:rPr lang="en-US" sz="1800" dirty="0">
-                <a:highlight>
-                  <a:srgbClr val="FFFF00"/>
-                </a:highlight>
-              </a:rPr>
-              <a:t>get</a:t>
-            </a:r>
-            <a:r>
-              <a:rPr lang="en-US" sz="1800" dirty="0"/>
-              <a:t>("https://jsonplaceholder.typicode.com/posts")</a:t>
-            </a:r>
-          </a:p>
-          <a:p>
-            <a:r>
-              <a:rPr lang="en-US" sz="1800" dirty="0"/>
-              <a:t>      .then((data) =&gt; {</a:t>
-            </a:r>
-          </a:p>
-          <a:p>
-            <a:r>
-              <a:rPr lang="en-US" sz="1800" dirty="0"/>
-              <a:t>        console.log("data from </a:t>
+              <a:rPr lang="en-US" sz="1800" dirty="0" err="1"/>
+              <a:t>npm</a:t>
+            </a:r>
+            <a:r>
+              <a:rPr lang="en-US" sz="1800" dirty="0"/>
+              <a:t> </a:t>
+            </a:r>
+            <a:r>
+              <a:rPr lang="en-US" sz="1800" dirty="0" err="1"/>
+              <a:t>i</a:t>
+            </a:r>
+            <a:r>
+              <a:rPr lang="en-US" sz="1800" dirty="0"/>
+              <a:t> </a:t>
             </a:r>
             <a:r>
               <a:rPr lang="en-US" sz="1800" dirty="0" err="1"/>
               <a:t>axios</a:t>
             </a:r>
-            <a:r>
-              <a:rPr lang="en-US" sz="1800" dirty="0"/>
-              <a:t>", </a:t>
+            <a:endParaRPr lang="en-US" sz="1800" dirty="0"/>
+          </a:p>
+          <a:p>
+            <a:endParaRPr lang="en-US" sz="1800" dirty="0"/>
+          </a:p>
+          <a:p>
+            <a:r>
+              <a:rPr lang="en-US" sz="1800" dirty="0"/>
+              <a:t>then we need to import </a:t>
             </a:r>
             <a:r>
               <a:rPr lang="en-US" sz="1800" dirty="0" err="1"/>
-              <a:t>data.data</a:t>
-            </a:r>
-            <a:r>
-              <a:rPr lang="en-US" sz="1800" dirty="0"/>
-              <a:t>);</a:t>
-            </a:r>
-          </a:p>
-          <a:p>
-            <a:r>
-              <a:rPr lang="en-US" sz="1800" dirty="0"/>
-              <a:t>      })</a:t>
-            </a:r>
-          </a:p>
-          <a:p>
-            <a:r>
-              <a:rPr lang="en-US" sz="1800" dirty="0"/>
-              <a:t>      .catch((err) =&gt; console.log("</a:t>
+              <a:t>axios</a:t>
+            </a:r>
+            <a:r>
+              <a:rPr lang="en-US" sz="1800" dirty="0"/>
+              <a:t> to our component</a:t>
+            </a:r>
+          </a:p>
+          <a:p>
+            <a:r>
+              <a:rPr lang="en-US" sz="1800" dirty="0"/>
+              <a:t>import </a:t>
             </a:r>
             <a:r>
               <a:rPr lang="en-US" sz="1800" dirty="0" err="1"/>
-              <a:t>errr</a:t>
-            </a:r>
-            <a:r>
-              <a:rPr lang="en-US" sz="1800" dirty="0"/>
-              <a:t>", err));</a:t>
+              <a:t>axios</a:t>
+            </a:r>
+            <a:r>
+              <a:rPr lang="en-US" sz="1800" dirty="0"/>
+              <a:t> from "</a:t>
+            </a:r>
+            <a:r>
+              <a:rPr lang="en-US" sz="1800" dirty="0" err="1"/>
+              <a:t>axios</a:t>
+            </a:r>
+            <a:r>
+              <a:rPr lang="en-US" sz="1800" dirty="0"/>
+              <a:t>";</a:t>
             </a:r>
           </a:p>
         </p:txBody>
@@ -8357,7 +8289,7 @@
     </p:spTree>
     <p:extLst>
       <p:ext uri="{BB962C8B-B14F-4D97-AF65-F5344CB8AC3E}">
-        <p14:creationId xmlns:p14="http://schemas.microsoft.com/office/powerpoint/2010/main" val="4271854919"/>
+        <p14:creationId xmlns:p14="http://schemas.microsoft.com/office/powerpoint/2010/main" val="2892325302"/>
       </p:ext>
     </p:extLst>
   </p:cSld>
@@ -8406,8 +8338,12 @@
           <a:lstStyle/>
           <a:p>
             <a:r>
+              <a:rPr lang="en-US" dirty="0" err="1"/>
+              <a:t>Axios</a:t>
+            </a:r>
+            <a:r>
               <a:rPr lang="en-US" dirty="0"/>
-              <a:t>HW</a:t>
+              <a:t> – get</a:t>
             </a:r>
           </a:p>
         </p:txBody>
@@ -8437,20 +8373,88 @@
           <a:p>
             <a:r>
               <a:rPr lang="en-US" sz="1800" dirty="0"/>
-              <a:t>create login with </a:t>
-            </a:r>
-            <a:r>
-              <a:rPr lang="en-US" sz="1800"/>
+              <a:t>send get request</a:t>
+            </a:r>
+          </a:p>
+          <a:p>
+            <a:r>
+              <a:rPr lang="en-US" sz="1800" dirty="0" err="1"/>
               <a:t>axios</a:t>
             </a:r>
             <a:endParaRPr lang="en-US" sz="1800" dirty="0"/>
+          </a:p>
+          <a:p>
+            <a:r>
+              <a:rPr lang="en-US" sz="1800" dirty="0"/>
+              <a:t>      .</a:t>
+            </a:r>
+            <a:r>
+              <a:rPr lang="en-US" sz="1800" dirty="0">
+                <a:highlight>
+                  <a:srgbClr val="FFFF00"/>
+                </a:highlight>
+              </a:rPr>
+              <a:t>get</a:t>
+            </a:r>
+            <a:r>
+              <a:rPr lang="en-US" sz="1800" dirty="0"/>
+              <a:t>("https://jsonplaceholder.typicode.com/posts")</a:t>
+            </a:r>
+          </a:p>
+          <a:p>
+            <a:r>
+              <a:rPr lang="en-US" sz="1800" dirty="0"/>
+              <a:t>      .then((data) =&gt; {</a:t>
+            </a:r>
+          </a:p>
+          <a:p>
+            <a:r>
+              <a:rPr lang="en-US" sz="1800" dirty="0"/>
+              <a:t>        console.log("data from </a:t>
+            </a:r>
+            <a:r>
+              <a:rPr lang="en-US" sz="1800" dirty="0" err="1"/>
+              <a:t>axios</a:t>
+            </a:r>
+            <a:r>
+              <a:rPr lang="en-US" sz="1800" dirty="0"/>
+              <a:t>", </a:t>
+            </a:r>
+            <a:r>
+              <a:rPr lang="en-US" sz="1800" dirty="0" err="1"/>
+              <a:t>data.data</a:t>
+            </a:r>
+            <a:r>
+              <a:rPr lang="en-US" sz="1800" dirty="0"/>
+              <a:t>);</a:t>
+            </a:r>
+          </a:p>
+          <a:p>
+            <a:r>
+              <a:rPr lang="en-US" sz="1800" dirty="0"/>
+              <a:t>      })</a:t>
+            </a:r>
+          </a:p>
+          <a:p>
+            <a:r>
+              <a:rPr lang="en-US" sz="1800" dirty="0"/>
+              <a:t>      .catch((err) =&gt; console.log("</a:t>
+            </a:r>
+            <a:r>
+              <a:rPr lang="en-US" sz="1800" dirty="0" err="1"/>
+              <a:t>errr</a:t>
+            </a:r>
+            <a:r>
+              <a:rPr lang="en-US" sz="1800" dirty="0"/>
+              <a:t>", err));</a:t>
+            </a:r>
           </a:p>
         </p:txBody>
       </p:sp>
     </p:spTree>
     <p:extLst>
       <p:ext uri="{BB962C8B-B14F-4D97-AF65-F5344CB8AC3E}">
-        <p14:creationId xmlns:p14="http://schemas.microsoft.com/office/powerpoint/2010/main" val="1894372643"/>
+        <p14:creationId xmlns:p14="http://schemas.microsoft.com/office/powerpoint/2010/main" val="4271854919"/>
       </p:ext>
     </p:extLst>
   </p:cSld>
@@ -8500,7 +8504,7 @@
           <a:p>
             <a:r>
               <a:rPr lang="en-US" dirty="0"/>
-              <a:t>29/06/2022</a:t>
+              <a:t>HW</a:t>
             </a:r>
           </a:p>
         </p:txBody>
@@ -8529,66 +8533,21 @@
           <a:lstStyle/>
           <a:p>
             <a:r>
-              <a:rPr lang="en-US" sz="1800" dirty="0" err="1">
-                <a:highlight>
-                  <a:srgbClr val="FFFF00"/>
-                </a:highlight>
-              </a:rPr>
-              <a:t>hw</a:t>
-            </a:r>
-            <a:endParaRPr lang="en-US" sz="1800" dirty="0">
-              <a:highlight>
-                <a:srgbClr val="FFFF00"/>
-              </a:highlight>
-            </a:endParaRPr>
-          </a:p>
-          <a:p>
-            <a:r>
-              <a:rPr lang="en-US" sz="1800" dirty="0" err="1">
-                <a:highlight>
-                  <a:srgbClr val="FFFF00"/>
-                </a:highlight>
-              </a:rPr>
+              <a:rPr lang="en-US" sz="1800" dirty="0"/>
+              <a:t>create login with </a:t>
+            </a:r>
+            <a:r>
+              <a:rPr lang="en-US" sz="1800"/>
               <a:t>axios</a:t>
             </a:r>
-            <a:endParaRPr lang="en-US" sz="1800" dirty="0">
-              <a:highlight>
-                <a:srgbClr val="FFFF00"/>
-              </a:highlight>
-            </a:endParaRPr>
-          </a:p>
-          <a:p>
-            <a:r>
-              <a:rPr lang="en-US" sz="1800" dirty="0" err="1">
-                <a:highlight>
-                  <a:srgbClr val="FFFF00"/>
-                </a:highlight>
-              </a:rPr>
-              <a:t>joi</a:t>
-            </a:r>
-            <a:r>
-              <a:rPr lang="en-US" sz="1800" dirty="0">
-                <a:highlight>
-                  <a:srgbClr val="FFFF00"/>
-                </a:highlight>
-              </a:rPr>
-              <a:t> - </a:t>
-            </a:r>
-            <a:r>
-              <a:rPr lang="en-US" sz="1800" dirty="0">
-                <a:highlight>
-                  <a:srgbClr val="FF0000"/>
-                </a:highlight>
-              </a:rPr>
-              <a:t>messages</a:t>
-            </a:r>
+            <a:endParaRPr lang="en-US" sz="1800" dirty="0"/>
           </a:p>
         </p:txBody>
       </p:sp>
     </p:spTree>
     <p:extLst>
       <p:ext uri="{BB962C8B-B14F-4D97-AF65-F5344CB8AC3E}">
-        <p14:creationId xmlns:p14="http://schemas.microsoft.com/office/powerpoint/2010/main" val="1142904699"/>
+        <p14:creationId xmlns:p14="http://schemas.microsoft.com/office/powerpoint/2010/main" val="1894372643"/>
       </p:ext>
     </p:extLst>
   </p:cSld>
@@ -8637,6 +8596,144 @@
           <a:lstStyle/>
           <a:p>
             <a:r>
+              <a:rPr lang="en-US" dirty="0"/>
+              <a:t>29/06/2022</a:t>
+            </a:r>
+          </a:p>
+        </p:txBody>
+      </p:sp>
+      <p:sp>
+        <p:nvSpPr>
+          <p:cNvPr id="3" name="Content Placeholder 2">
+            <a:extLst>
+              <a:ext uri="{FF2B5EF4-FFF2-40B4-BE49-F238E27FC236}">
+                <a16:creationId xmlns:a16="http://schemas.microsoft.com/office/drawing/2014/main" id="{4D96329F-70CA-D930-B844-FB5264890AD1}"/>
+              </a:ext>
+            </a:extLst>
+          </p:cNvPr>
+          <p:cNvSpPr>
+            <a:spLocks noGrp="1"/>
+          </p:cNvSpPr>
+          <p:nvPr>
+            <p:ph idx="1"/>
+          </p:nvPr>
+        </p:nvSpPr>
+        <p:spPr/>
+        <p:txBody>
+          <a:bodyPr>
+            <a:normAutofit/>
+          </a:bodyPr>
+          <a:lstStyle/>
+          <a:p>
+            <a:r>
+              <a:rPr lang="en-US" sz="1800" dirty="0" err="1">
+                <a:highlight>
+                  <a:srgbClr val="FFFF00"/>
+                </a:highlight>
+              </a:rPr>
+              <a:t>hw</a:t>
+            </a:r>
+            <a:endParaRPr lang="en-US" sz="1800" dirty="0">
+              <a:highlight>
+                <a:srgbClr val="FFFF00"/>
+              </a:highlight>
+            </a:endParaRPr>
+          </a:p>
+          <a:p>
+            <a:r>
+              <a:rPr lang="en-US" sz="1800" dirty="0" err="1">
+                <a:highlight>
+                  <a:srgbClr val="FFFF00"/>
+                </a:highlight>
+              </a:rPr>
+              <a:t>axios</a:t>
+            </a:r>
+            <a:endParaRPr lang="en-US" sz="1800" dirty="0">
+              <a:highlight>
+                <a:srgbClr val="FFFF00"/>
+              </a:highlight>
+            </a:endParaRPr>
+          </a:p>
+          <a:p>
+            <a:r>
+              <a:rPr lang="en-US" sz="1800" dirty="0" err="1">
+                <a:highlight>
+                  <a:srgbClr val="FFFF00"/>
+                </a:highlight>
+              </a:rPr>
+              <a:t>joi</a:t>
+            </a:r>
+            <a:r>
+              <a:rPr lang="en-US" sz="1800" dirty="0">
+                <a:highlight>
+                  <a:srgbClr val="FFFF00"/>
+                </a:highlight>
+              </a:rPr>
+              <a:t> - </a:t>
+            </a:r>
+            <a:r>
+              <a:rPr lang="en-US" sz="1800" dirty="0">
+                <a:highlight>
+                  <a:srgbClr val="FF0000"/>
+                </a:highlight>
+              </a:rPr>
+              <a:t>messages</a:t>
+            </a:r>
+          </a:p>
+        </p:txBody>
+      </p:sp>
+    </p:spTree>
+    <p:extLst>
+      <p:ext uri="{BB962C8B-B14F-4D97-AF65-F5344CB8AC3E}">
+        <p14:creationId xmlns:p14="http://schemas.microsoft.com/office/powerpoint/2010/main" val="1142904699"/>
+      </p:ext>
+    </p:extLst>
+  </p:cSld>
+  <p:clrMapOvr>
+    <a:masterClrMapping/>
+  </p:clrMapOvr>
+</p:sld>
+</file>
+
+<file path=ppt/slides/slide34.xml><?xml version="1.0" encoding="utf-8"?>
+<p:sld xmlns:a="http://schemas.openxmlformats.org/drawingml/2006/main" xmlns:r="http://schemas.openxmlformats.org/officeDocument/2006/relationships" xmlns:p="http://schemas.openxmlformats.org/presentationml/2006/main">
+  <p:cSld>
+    <p:spTree>
+      <p:nvGrpSpPr>
+        <p:cNvPr id="1" name=""/>
+        <p:cNvGrpSpPr/>
+        <p:nvPr/>
+      </p:nvGrpSpPr>
+      <p:grpSpPr>
+        <a:xfrm>
+          <a:off x="0" y="0"/>
+          <a:ext cx="0" cy="0"/>
+          <a:chOff x="0" y="0"/>
+          <a:chExt cx="0" cy="0"/>
+        </a:xfrm>
+      </p:grpSpPr>
+      <p:sp>
+        <p:nvSpPr>
+          <p:cNvPr id="2" name="Title 1">
+            <a:extLst>
+              <a:ext uri="{FF2B5EF4-FFF2-40B4-BE49-F238E27FC236}">
+                <a16:creationId xmlns:a16="http://schemas.microsoft.com/office/drawing/2014/main" id="{8A56E29C-09F7-B711-591E-BDC97066A449}"/>
+              </a:ext>
+            </a:extLst>
+          </p:cNvPr>
+          <p:cNvSpPr>
+            <a:spLocks noGrp="1"/>
+          </p:cNvSpPr>
+          <p:nvPr>
+            <p:ph type="title"/>
+          </p:nvPr>
+        </p:nvSpPr>
+        <p:spPr/>
+        <p:txBody>
+          <a:bodyPr/>
+          <a:lstStyle/>
+          <a:p>
+            <a:r>
               <a:rPr lang="en-US" dirty="0" err="1"/>
               <a:t>LocalStorage</a:t>
             </a:r>
@@ -8713,7 +8810,7 @@
 </p:sld>
 </file>
 
-<file path=ppt/slides/slide34.xml><?xml version="1.0" encoding="utf-8"?>
+<file path=ppt/slides/slide35.xml><?xml version="1.0" encoding="utf-8"?>
 <p:sld xmlns:a="http://schemas.openxmlformats.org/drawingml/2006/main" xmlns:r="http://schemas.openxmlformats.org/officeDocument/2006/relationships" xmlns:p="http://schemas.openxmlformats.org/presentationml/2006/main">
   <p:cSld>
     <p:spTree>
@@ -8802,216 +8899,6 @@
 </p:sld>
 </file>
 
-<file path=ppt/slides/slide35.xml><?xml version="1.0" encoding="utf-8"?>
-<p:sld xmlns:a="http://schemas.openxmlformats.org/drawingml/2006/main" xmlns:r="http://schemas.openxmlformats.org/officeDocument/2006/relationships" xmlns:p="http://schemas.openxmlformats.org/presentationml/2006/main">
-  <p:cSld>
-    <p:spTree>
-      <p:nvGrpSpPr>
-        <p:cNvPr id="1" name=""/>
-        <p:cNvGrpSpPr/>
-        <p:nvPr/>
-      </p:nvGrpSpPr>
-      <p:grpSpPr>
-        <a:xfrm>
-          <a:off x="0" y="0"/>
-          <a:ext cx="0" cy="0"/>
-          <a:chOff x="0" y="0"/>
-          <a:chExt cx="0" cy="0"/>
-        </a:xfrm>
-      </p:grpSpPr>
-      <p:sp>
-        <p:nvSpPr>
-          <p:cNvPr id="2" name="Title 1">
-            <a:extLst>
-              <a:ext uri="{FF2B5EF4-FFF2-40B4-BE49-F238E27FC236}">
-                <a16:creationId xmlns:a16="http://schemas.microsoft.com/office/drawing/2014/main" id="{8A56E29C-09F7-B711-591E-BDC97066A449}"/>
-              </a:ext>
-            </a:extLst>
-          </p:cNvPr>
-          <p:cNvSpPr>
-            <a:spLocks noGrp="1"/>
-          </p:cNvSpPr>
-          <p:nvPr>
-            <p:ph type="title"/>
-          </p:nvPr>
-        </p:nvSpPr>
-        <p:spPr/>
-        <p:txBody>
-          <a:bodyPr/>
-          <a:lstStyle/>
-          <a:p>
-            <a:r>
-              <a:rPr lang="en-US" dirty="0" err="1"/>
-              <a:t>axios</a:t>
-            </a:r>
-            <a:r>
-              <a:rPr lang="en-US" dirty="0"/>
-              <a:t> - </a:t>
-            </a:r>
-            <a:r>
-              <a:rPr lang="en-US" dirty="0" err="1"/>
-              <a:t>baseUrl</a:t>
-            </a:r>
-            <a:endParaRPr lang="en-US" dirty="0"/>
-          </a:p>
-        </p:txBody>
-      </p:sp>
-      <p:sp>
-        <p:nvSpPr>
-          <p:cNvPr id="3" name="Content Placeholder 2">
-            <a:extLst>
-              <a:ext uri="{FF2B5EF4-FFF2-40B4-BE49-F238E27FC236}">
-                <a16:creationId xmlns:a16="http://schemas.microsoft.com/office/drawing/2014/main" id="{4D96329F-70CA-D930-B844-FB5264890AD1}"/>
-              </a:ext>
-            </a:extLst>
-          </p:cNvPr>
-          <p:cNvSpPr>
-            <a:spLocks noGrp="1"/>
-          </p:cNvSpPr>
-          <p:nvPr>
-            <p:ph idx="1"/>
-          </p:nvPr>
-        </p:nvSpPr>
-        <p:spPr/>
-        <p:txBody>
-          <a:bodyPr>
-            <a:normAutofit/>
-          </a:bodyPr>
-          <a:lstStyle/>
-          <a:p>
-            <a:r>
-              <a:rPr lang="en-US" sz="1800" dirty="0" err="1"/>
-              <a:t>axios</a:t>
-            </a:r>
-            <a:r>
-              <a:rPr lang="en-US" sz="1800" dirty="0"/>
-              <a:t> gives us the option to add base </a:t>
-            </a:r>
-            <a:r>
-              <a:rPr lang="en-US" sz="1800" dirty="0" err="1"/>
-              <a:t>url</a:t>
-            </a:r>
-            <a:endParaRPr lang="en-US" sz="1800" dirty="0"/>
-          </a:p>
-          <a:p>
-            <a:endParaRPr lang="en-US" sz="1800" dirty="0"/>
-          </a:p>
-          <a:p>
-            <a:r>
-              <a:rPr lang="en-US" sz="1800" dirty="0"/>
-              <a:t>in index.js file</a:t>
-            </a:r>
-          </a:p>
-          <a:p>
-            <a:endParaRPr lang="en-US" sz="1800" dirty="0"/>
-          </a:p>
-          <a:p>
-            <a:r>
-              <a:rPr lang="en-US" sz="1800" dirty="0"/>
-              <a:t>import </a:t>
-            </a:r>
-            <a:r>
-              <a:rPr lang="en-US" sz="1800" dirty="0" err="1"/>
-              <a:t>axios</a:t>
-            </a:r>
-            <a:r>
-              <a:rPr lang="en-US" sz="1800" dirty="0"/>
-              <a:t> from "</a:t>
-            </a:r>
-            <a:r>
-              <a:rPr lang="en-US" sz="1800" dirty="0" err="1"/>
-              <a:t>axios</a:t>
-            </a:r>
-            <a:r>
-              <a:rPr lang="en-US" sz="1800" dirty="0"/>
-              <a:t>";</a:t>
-            </a:r>
-          </a:p>
-          <a:p>
-            <a:endParaRPr lang="en-US" sz="1800" dirty="0"/>
-          </a:p>
-          <a:p>
-            <a:r>
-              <a:rPr lang="en-US" sz="1800" dirty="0"/>
-              <a:t>//add this </a:t>
-            </a:r>
-            <a:r>
-              <a:rPr lang="en-US" sz="1800" dirty="0" err="1"/>
-              <a:t>url</a:t>
-            </a:r>
-            <a:r>
-              <a:rPr lang="en-US" sz="1800" dirty="0"/>
-              <a:t> before every </a:t>
-            </a:r>
-            <a:r>
-              <a:rPr lang="en-US" sz="1800" dirty="0" err="1"/>
-              <a:t>axios</a:t>
-            </a:r>
-            <a:r>
-              <a:rPr lang="en-US" sz="1800" dirty="0"/>
-              <a:t> request</a:t>
-            </a:r>
-          </a:p>
-          <a:p>
-            <a:r>
-              <a:rPr lang="en-US" sz="1800" dirty="0"/>
-              <a:t>//if the </a:t>
-            </a:r>
-            <a:r>
-              <a:rPr lang="en-US" sz="1800" dirty="0" err="1"/>
-              <a:t>url</a:t>
-            </a:r>
-            <a:r>
-              <a:rPr lang="en-US" sz="1800" dirty="0"/>
-              <a:t> is relative - then </a:t>
-            </a:r>
-            <a:r>
-              <a:rPr lang="en-US" sz="1800" dirty="0" err="1"/>
-              <a:t>axios</a:t>
-            </a:r>
-            <a:r>
-              <a:rPr lang="en-US" sz="1800" dirty="0"/>
-              <a:t> will ignore this </a:t>
-            </a:r>
-            <a:r>
-              <a:rPr lang="en-US" sz="1800" dirty="0" err="1"/>
-              <a:t>url</a:t>
-            </a:r>
-            <a:endParaRPr lang="en-US" sz="1800" dirty="0"/>
-          </a:p>
-          <a:p>
-            <a:r>
-              <a:rPr lang="en-US" sz="1800" dirty="0" err="1"/>
-              <a:t>axios.defaults.baseURL</a:t>
-            </a:r>
-            <a:r>
-              <a:rPr lang="en-US" sz="1800" dirty="0"/>
-              <a:t> = "http://localhost:3001/</a:t>
-            </a:r>
-            <a:r>
-              <a:rPr lang="en-US" sz="1800" dirty="0" err="1"/>
-              <a:t>api</a:t>
-            </a:r>
-            <a:r>
-              <a:rPr lang="en-US" sz="1800" dirty="0"/>
-              <a:t>";</a:t>
-            </a:r>
-          </a:p>
-        </p:txBody>
-      </p:sp>
-    </p:spTree>
-    <p:extLst>
-      <p:ext uri="{BB962C8B-B14F-4D97-AF65-F5344CB8AC3E}">
-        <p14:creationId xmlns:p14="http://schemas.microsoft.com/office/powerpoint/2010/main" val="1883709554"/>
-      </p:ext>
-    </p:extLst>
-  </p:cSld>
-  <p:clrMapOvr>
-    <a:masterClrMapping/>
-  </p:clrMapOvr>
-</p:sld>
-</file>
-
 <file path=ppt/slides/slide36.xml><?xml version="1.0" encoding="utf-8"?>
 <p:sld xmlns:a="http://schemas.openxmlformats.org/drawingml/2006/main" xmlns:r="http://schemas.openxmlformats.org/officeDocument/2006/relationships" xmlns:p="http://schemas.openxmlformats.org/presentationml/2006/main">
   <p:cSld>
@@ -9056,8 +8943,13 @@
             </a:r>
             <a:r>
               <a:rPr lang="en-US" dirty="0"/>
-              <a:t> - interceptors</a:t>
-            </a:r>
+              <a:t> - </a:t>
+            </a:r>
+            <a:r>
+              <a:rPr lang="en-US" dirty="0" err="1"/>
+              <a:t>baseUrl</a:t>
+            </a:r>
+            <a:endParaRPr lang="en-US" dirty="0"/>
           </a:p>
         </p:txBody>
       </p:sp>
@@ -9090,8 +8982,13 @@
             </a:r>
             <a:r>
               <a:rPr lang="en-US" sz="1800" dirty="0"/>
-              <a:t> gives us the option to add information to the request</a:t>
-            </a:r>
+              <a:t> gives us the option to add base </a:t>
+            </a:r>
+            <a:r>
+              <a:rPr lang="en-US" sz="1800" dirty="0" err="1"/>
+              <a:t>url</a:t>
+            </a:r>
+            <a:endParaRPr lang="en-US" sz="1800" dirty="0"/>
           </a:p>
           <a:p>
             <a:endParaRPr lang="en-US" sz="1800" dirty="0"/>
@@ -9133,7 +9030,68 @@
           <a:p>
             <a:r>
               <a:rPr lang="en-US" sz="1800" dirty="0"/>
-              <a:t>then</a:t>
+              <a:t>//add this </a:t>
+            </a:r>
+            <a:r>
+              <a:rPr lang="en-US" sz="1800" dirty="0" err="1"/>
+              <a:t>url</a:t>
+            </a:r>
+            <a:r>
+              <a:rPr lang="en-US" sz="1800" dirty="0"/>
+              <a:t> before every </a:t>
+            </a:r>
+            <a:r>
+              <a:rPr lang="en-US" sz="1800" dirty="0" err="1"/>
+              <a:t>axios</a:t>
+            </a:r>
+            <a:r>
+              <a:rPr lang="en-US" sz="1800" dirty="0"/>
+              <a:t> request</a:t>
+            </a:r>
+          </a:p>
+          <a:p>
+            <a:r>
+              <a:rPr lang="en-US" sz="1800" dirty="0"/>
+              <a:t>//if the </a:t>
+            </a:r>
+            <a:r>
+              <a:rPr lang="en-US" sz="1800" dirty="0" err="1"/>
+              <a:t>url</a:t>
+            </a:r>
+            <a:r>
+              <a:rPr lang="en-US" sz="1800" dirty="0"/>
+              <a:t> is relative - then </a:t>
+            </a:r>
+            <a:r>
+              <a:rPr lang="en-US" sz="1800" dirty="0" err="1"/>
+              <a:t>axios</a:t>
+            </a:r>
+            <a:r>
+              <a:rPr lang="en-US" sz="1800" dirty="0"/>
+              <a:t> will ignore this </a:t>
+            </a:r>
+            <a:r>
+              <a:rPr lang="en-US" sz="1800" dirty="0" err="1"/>
+              <a:t>url</a:t>
+            </a:r>
+            <a:endParaRPr lang="en-US" sz="1800" dirty="0"/>
+          </a:p>
+          <a:p>
+            <a:r>
+              <a:rPr lang="en-US" sz="1800" dirty="0" err="1"/>
+              <a:t>axios.defaults.baseURL</a:t>
+            </a:r>
+            <a:r>
+              <a:rPr lang="en-US" sz="1800" dirty="0"/>
+              <a:t> = "http://localhost:3001/</a:t>
+            </a:r>
+            <a:r>
+              <a:rPr lang="en-US" sz="1800" dirty="0" err="1"/>
+              <a:t>api</a:t>
+            </a:r>
+            <a:r>
+              <a:rPr lang="en-US" sz="1800" dirty="0"/>
+              <a:t>";</a:t>
             </a:r>
           </a:p>
         </p:txBody>
@@ -9141,7 +9099,7 @@
     </p:spTree>
     <p:extLst>
       <p:ext uri="{BB962C8B-B14F-4D97-AF65-F5344CB8AC3E}">
-        <p14:creationId xmlns:p14="http://schemas.microsoft.com/office/powerpoint/2010/main" val="2654279483"/>
+        <p14:creationId xmlns:p14="http://schemas.microsoft.com/office/powerpoint/2010/main" val="1883709554"/>
       </p:ext>
     </p:extLst>
   </p:cSld>
@@ -9225,6 +9183,145 @@
           <a:p>
             <a:r>
               <a:rPr lang="en-US" sz="1800" dirty="0" err="1"/>
+              <a:t>axios</a:t>
+            </a:r>
+            <a:r>
+              <a:rPr lang="en-US" sz="1800" dirty="0"/>
+              <a:t> gives us the option to add information to the request</a:t>
+            </a:r>
+          </a:p>
+          <a:p>
+            <a:endParaRPr lang="en-US" sz="1800" dirty="0"/>
+          </a:p>
+          <a:p>
+            <a:r>
+              <a:rPr lang="en-US" sz="1800" dirty="0"/>
+              <a:t>in index.js file</a:t>
+            </a:r>
+          </a:p>
+          <a:p>
+            <a:endParaRPr lang="en-US" sz="1800" dirty="0"/>
+          </a:p>
+          <a:p>
+            <a:r>
+              <a:rPr lang="en-US" sz="1800" dirty="0"/>
+              <a:t>import </a:t>
+            </a:r>
+            <a:r>
+              <a:rPr lang="en-US" sz="1800" dirty="0" err="1"/>
+              <a:t>axios</a:t>
+            </a:r>
+            <a:r>
+              <a:rPr lang="en-US" sz="1800" dirty="0"/>
+              <a:t> from "</a:t>
+            </a:r>
+            <a:r>
+              <a:rPr lang="en-US" sz="1800" dirty="0" err="1"/>
+              <a:t>axios</a:t>
+            </a:r>
+            <a:r>
+              <a:rPr lang="en-US" sz="1800" dirty="0"/>
+              <a:t>";</a:t>
+            </a:r>
+          </a:p>
+          <a:p>
+            <a:endParaRPr lang="en-US" sz="1800" dirty="0"/>
+          </a:p>
+          <a:p>
+            <a:r>
+              <a:rPr lang="en-US" sz="1800" dirty="0"/>
+              <a:t>then</a:t>
+            </a:r>
+          </a:p>
+        </p:txBody>
+      </p:sp>
+    </p:spTree>
+    <p:extLst>
+      <p:ext uri="{BB962C8B-B14F-4D97-AF65-F5344CB8AC3E}">
+        <p14:creationId xmlns:p14="http://schemas.microsoft.com/office/powerpoint/2010/main" val="2654279483"/>
+      </p:ext>
+    </p:extLst>
+  </p:cSld>
+  <p:clrMapOvr>
+    <a:masterClrMapping/>
+  </p:clrMapOvr>
+</p:sld>
+</file>
+
+<file path=ppt/slides/slide38.xml><?xml version="1.0" encoding="utf-8"?>
+<p:sld xmlns:a="http://schemas.openxmlformats.org/drawingml/2006/main" xmlns:r="http://schemas.openxmlformats.org/officeDocument/2006/relationships" xmlns:p="http://schemas.openxmlformats.org/presentationml/2006/main">
+  <p:cSld>
+    <p:spTree>
+      <p:nvGrpSpPr>
+        <p:cNvPr id="1" name=""/>
+        <p:cNvGrpSpPr/>
+        <p:nvPr/>
+      </p:nvGrpSpPr>
+      <p:grpSpPr>
+        <a:xfrm>
+          <a:off x="0" y="0"/>
+          <a:ext cx="0" cy="0"/>
+          <a:chOff x="0" y="0"/>
+          <a:chExt cx="0" cy="0"/>
+        </a:xfrm>
+      </p:grpSpPr>
+      <p:sp>
+        <p:nvSpPr>
+          <p:cNvPr id="2" name="Title 1">
+            <a:extLst>
+              <a:ext uri="{FF2B5EF4-FFF2-40B4-BE49-F238E27FC236}">
+                <a16:creationId xmlns:a16="http://schemas.microsoft.com/office/drawing/2014/main" id="{8A56E29C-09F7-B711-591E-BDC97066A449}"/>
+              </a:ext>
+            </a:extLst>
+          </p:cNvPr>
+          <p:cNvSpPr>
+            <a:spLocks noGrp="1"/>
+          </p:cNvSpPr>
+          <p:nvPr>
+            <p:ph type="title"/>
+          </p:nvPr>
+        </p:nvSpPr>
+        <p:spPr/>
+        <p:txBody>
+          <a:bodyPr/>
+          <a:lstStyle/>
+          <a:p>
+            <a:r>
+              <a:rPr lang="en-US" dirty="0" err="1"/>
+              <a:t>axios</a:t>
+            </a:r>
+            <a:r>
+              <a:rPr lang="en-US" dirty="0"/>
+              <a:t> - interceptors</a:t>
+            </a:r>
+          </a:p>
+        </p:txBody>
+      </p:sp>
+      <p:sp>
+        <p:nvSpPr>
+          <p:cNvPr id="3" name="Content Placeholder 2">
+            <a:extLst>
+              <a:ext uri="{FF2B5EF4-FFF2-40B4-BE49-F238E27FC236}">
+                <a16:creationId xmlns:a16="http://schemas.microsoft.com/office/drawing/2014/main" id="{4D96329F-70CA-D930-B844-FB5264890AD1}"/>
+              </a:ext>
+            </a:extLst>
+          </p:cNvPr>
+          <p:cNvSpPr>
+            <a:spLocks noGrp="1"/>
+          </p:cNvSpPr>
+          <p:nvPr>
+            <p:ph idx="1"/>
+          </p:nvPr>
+        </p:nvSpPr>
+        <p:spPr/>
+        <p:txBody>
+          <a:bodyPr>
+            <a:normAutofit/>
+          </a:bodyPr>
+          <a:lstStyle/>
+          <a:p>
+            <a:r>
+              <a:rPr lang="en-US" sz="1800" dirty="0" err="1"/>
               <a:t>axios.interceptors.request.use</a:t>
             </a:r>
             <a:r>
@@ -9319,7 +9416,7 @@
 </p:sld>
 </file>
 
-<file path=ppt/slides/slide38.xml><?xml version="1.0" encoding="utf-8"?>
+<file path=ppt/slides/slide39.xml><?xml version="1.0" encoding="utf-8"?>
 <p:sld xmlns:a="http://schemas.openxmlformats.org/drawingml/2006/main" xmlns:r="http://schemas.openxmlformats.org/officeDocument/2006/relationships" xmlns:p="http://schemas.openxmlformats.org/presentationml/2006/main">
   <p:cSld>
     <p:spTree>
@@ -9437,197 +9534,6 @@
 </p:sld>
 </file>
 
-<file path=ppt/slides/slide39.xml><?xml version="1.0" encoding="utf-8"?>
-<p:sld xmlns:a="http://schemas.openxmlformats.org/drawingml/2006/main" xmlns:r="http://schemas.openxmlformats.org/officeDocument/2006/relationships" xmlns:p="http://schemas.openxmlformats.org/presentationml/2006/main">
-  <p:cSld>
-    <p:spTree>
-      <p:nvGrpSpPr>
-        <p:cNvPr id="1" name=""/>
-        <p:cNvGrpSpPr/>
-        <p:nvPr/>
-      </p:nvGrpSpPr>
-      <p:grpSpPr>
-        <a:xfrm>
-          <a:off x="0" y="0"/>
-          <a:ext cx="0" cy="0"/>
-          <a:chOff x="0" y="0"/>
-          <a:chExt cx="0" cy="0"/>
-        </a:xfrm>
-      </p:grpSpPr>
-      <p:sp>
-        <p:nvSpPr>
-          <p:cNvPr id="2" name="Title 1">
-            <a:extLst>
-              <a:ext uri="{FF2B5EF4-FFF2-40B4-BE49-F238E27FC236}">
-                <a16:creationId xmlns:a16="http://schemas.microsoft.com/office/drawing/2014/main" id="{8A56E29C-09F7-B711-591E-BDC97066A449}"/>
-              </a:ext>
-            </a:extLst>
-          </p:cNvPr>
-          <p:cNvSpPr>
-            <a:spLocks noGrp="1"/>
-          </p:cNvSpPr>
-          <p:nvPr>
-            <p:ph type="title"/>
-          </p:nvPr>
-        </p:nvSpPr>
-        <p:spPr/>
-        <p:txBody>
-          <a:bodyPr/>
-          <a:lstStyle/>
-          <a:p>
-            <a:r>
-              <a:rPr lang="en-US" dirty="0"/>
-              <a:t>toast - setup</a:t>
-            </a:r>
-          </a:p>
-        </p:txBody>
-      </p:sp>
-      <p:sp>
-        <p:nvSpPr>
-          <p:cNvPr id="3" name="Content Placeholder 2">
-            <a:extLst>
-              <a:ext uri="{FF2B5EF4-FFF2-40B4-BE49-F238E27FC236}">
-                <a16:creationId xmlns:a16="http://schemas.microsoft.com/office/drawing/2014/main" id="{4D96329F-70CA-D930-B844-FB5264890AD1}"/>
-              </a:ext>
-            </a:extLst>
-          </p:cNvPr>
-          <p:cNvSpPr>
-            <a:spLocks noGrp="1"/>
-          </p:cNvSpPr>
-          <p:nvPr>
-            <p:ph idx="1"/>
-          </p:nvPr>
-        </p:nvSpPr>
-        <p:spPr/>
-        <p:txBody>
-          <a:bodyPr>
-            <a:normAutofit/>
-          </a:bodyPr>
-          <a:lstStyle/>
-          <a:p>
-            <a:r>
-              <a:rPr lang="en-US" sz="1800" dirty="0"/>
-              <a:t>install </a:t>
-            </a:r>
-            <a:r>
-              <a:rPr lang="en-US" sz="1800" dirty="0" err="1"/>
-              <a:t>i</a:t>
-            </a:r>
-            <a:r>
-              <a:rPr lang="en-US" sz="1800" dirty="0"/>
-              <a:t> react-</a:t>
-            </a:r>
-            <a:r>
-              <a:rPr lang="en-US" sz="1800" dirty="0" err="1"/>
-              <a:t>toastify</a:t>
-            </a:r>
-            <a:endParaRPr lang="en-US" sz="1800" dirty="0"/>
-          </a:p>
-          <a:p>
-            <a:endParaRPr lang="en-US" sz="1800" dirty="0"/>
-          </a:p>
-          <a:p>
-            <a:r>
-              <a:rPr lang="en-US" sz="1800" dirty="0"/>
-              <a:t>index.js</a:t>
-            </a:r>
-          </a:p>
-          <a:p>
-            <a:r>
-              <a:rPr lang="en-US" sz="1800" dirty="0"/>
-              <a:t>/* </a:t>
-            </a:r>
-            <a:r>
-              <a:rPr lang="en-US" sz="1800" dirty="0" err="1"/>
-              <a:t>toastify</a:t>
-            </a:r>
-            <a:r>
-              <a:rPr lang="en-US" sz="1800" dirty="0"/>
-              <a:t> */</a:t>
-            </a:r>
-          </a:p>
-          <a:p>
-            <a:r>
-              <a:rPr lang="en-US" sz="1800" dirty="0"/>
-              <a:t>import "react-</a:t>
-            </a:r>
-            <a:r>
-              <a:rPr lang="en-US" sz="1800" dirty="0" err="1"/>
-              <a:t>toastify</a:t>
-            </a:r>
-            <a:r>
-              <a:rPr lang="en-US" sz="1800" dirty="0"/>
-              <a:t>/</a:t>
-            </a:r>
-            <a:r>
-              <a:rPr lang="en-US" sz="1800" dirty="0" err="1"/>
-              <a:t>dist</a:t>
-            </a:r>
-            <a:r>
-              <a:rPr lang="en-US" sz="1800" dirty="0"/>
-              <a:t>/ReactToastify.css";</a:t>
-            </a:r>
-          </a:p>
-          <a:p>
-            <a:endParaRPr lang="en-US" sz="1800" dirty="0"/>
-          </a:p>
-          <a:p>
-            <a:r>
-              <a:rPr lang="en-US" sz="1800" dirty="0"/>
-              <a:t>app.js</a:t>
-            </a:r>
-          </a:p>
-          <a:p>
-            <a:r>
-              <a:rPr lang="en-US" sz="1800" dirty="0"/>
-              <a:t>import { </a:t>
-            </a:r>
-            <a:r>
-              <a:rPr lang="en-US" sz="1800" dirty="0" err="1"/>
-              <a:t>ToastContainer</a:t>
-            </a:r>
-            <a:r>
-              <a:rPr lang="en-US" sz="1800" dirty="0"/>
-              <a:t> } from "react-</a:t>
-            </a:r>
-            <a:r>
-              <a:rPr lang="en-US" sz="1800" dirty="0" err="1"/>
-              <a:t>toastify</a:t>
-            </a:r>
-            <a:r>
-              <a:rPr lang="en-US" sz="1800" dirty="0"/>
-              <a:t>";</a:t>
-            </a:r>
-          </a:p>
-          <a:p>
-            <a:r>
-              <a:rPr lang="en-US" sz="1800" dirty="0"/>
-              <a:t>&lt;</a:t>
-            </a:r>
-            <a:r>
-              <a:rPr lang="en-US" sz="1800" dirty="0" err="1"/>
-              <a:t>ToastContainer</a:t>
-            </a:r>
-            <a:r>
-              <a:rPr lang="en-US" sz="1800" dirty="0"/>
-              <a:t> /&gt;</a:t>
-            </a:r>
-          </a:p>
-        </p:txBody>
-      </p:sp>
-    </p:spTree>
-    <p:extLst>
-      <p:ext uri="{BB962C8B-B14F-4D97-AF65-F5344CB8AC3E}">
-        <p14:creationId xmlns:p14="http://schemas.microsoft.com/office/powerpoint/2010/main" val="6541563"/>
-      </p:ext>
-    </p:extLst>
-  </p:cSld>
-  <p:clrMapOvr>
-    <a:masterClrMapping/>
-  </p:clrMapOvr>
-</p:sld>
-</file>
-
 <file path=ppt/slides/slide4.xml><?xml version="1.0" encoding="utf-8"?>
 <p:sld xmlns:a="http://schemas.openxmlformats.org/drawingml/2006/main" xmlns:r="http://schemas.openxmlformats.org/officeDocument/2006/relationships" xmlns:p="http://schemas.openxmlformats.org/presentationml/2006/main">
   <p:cSld>
@@ -9791,7 +9697,7 @@
           <a:p>
             <a:r>
               <a:rPr lang="en-US" dirty="0"/>
-              <a:t>HW</a:t>
+              <a:t>toast - setup</a:t>
             </a:r>
           </a:p>
         </p:txBody>
@@ -9821,7 +9727,110 @@
           <a:p>
             <a:r>
               <a:rPr lang="en-US" sz="1800" dirty="0"/>
-              <a:t>create page to display cards</a:t>
+              <a:t>install </a:t>
+            </a:r>
+            <a:r>
+              <a:rPr lang="en-US" sz="1800" dirty="0" err="1"/>
+              <a:t>i</a:t>
+            </a:r>
+            <a:r>
+              <a:rPr lang="en-US" sz="1800" dirty="0"/>
+              <a:t> react-</a:t>
+            </a:r>
+            <a:r>
+              <a:rPr lang="en-US" sz="1800" dirty="0" err="1"/>
+              <a:t>toastify</a:t>
+            </a:r>
+            <a:endParaRPr lang="en-US" sz="1800" dirty="0"/>
+          </a:p>
+          <a:p>
+            <a:endParaRPr lang="en-US" sz="1800" dirty="0"/>
+          </a:p>
+          <a:p>
+            <a:r>
+              <a:rPr lang="en-US" sz="1800" dirty="0"/>
+              <a:t>index.js</a:t>
+            </a:r>
+          </a:p>
+          <a:p>
+            <a:r>
+              <a:rPr lang="en-US" sz="1800" dirty="0"/>
+              <a:t>/* </a:t>
+            </a:r>
+            <a:r>
+              <a:rPr lang="en-US" sz="1800" dirty="0" err="1"/>
+              <a:t>toastify</a:t>
+            </a:r>
+            <a:r>
+              <a:rPr lang="en-US" sz="1800" dirty="0"/>
+              <a:t> */</a:t>
+            </a:r>
+          </a:p>
+          <a:p>
+            <a:r>
+              <a:rPr lang="en-US" sz="1800" dirty="0"/>
+              <a:t>import "react-</a:t>
+            </a:r>
+            <a:r>
+              <a:rPr lang="en-US" sz="1800" dirty="0" err="1"/>
+              <a:t>toastify</a:t>
+            </a:r>
+            <a:r>
+              <a:rPr lang="en-US" sz="1800" dirty="0"/>
+              <a:t>/</a:t>
+            </a:r>
+            <a:r>
+              <a:rPr lang="en-US" sz="1800" dirty="0" err="1"/>
+              <a:t>dist</a:t>
+            </a:r>
+            <a:r>
+              <a:rPr lang="en-US" sz="1800" dirty="0"/>
+              <a:t>/ReactToastify.css";</a:t>
+            </a:r>
+          </a:p>
+          <a:p>
+            <a:endParaRPr lang="en-US" sz="1800" dirty="0"/>
+          </a:p>
+          <a:p>
+            <a:r>
+              <a:rPr lang="en-US" sz="1800" dirty="0"/>
+              <a:t>app.js</a:t>
+            </a:r>
+          </a:p>
+          <a:p>
+            <a:r>
+              <a:rPr lang="en-US" sz="1800" dirty="0"/>
+              <a:t>import { </a:t>
+            </a:r>
+            <a:r>
+              <a:rPr lang="en-US" sz="1800" dirty="0" err="1"/>
+              <a:t>ToastContainer</a:t>
+            </a:r>
+            <a:r>
+              <a:rPr lang="en-US" sz="1800" dirty="0"/>
+              <a:t> } from "react-</a:t>
+            </a:r>
+            <a:r>
+              <a:rPr lang="en-US" sz="1800" dirty="0" err="1"/>
+              <a:t>toastify</a:t>
+            </a:r>
+            <a:r>
+              <a:rPr lang="en-US" sz="1800" dirty="0"/>
+              <a:t>";</a:t>
+            </a:r>
+          </a:p>
+          <a:p>
+            <a:r>
+              <a:rPr lang="en-US" sz="1800" dirty="0"/>
+              <a:t>&lt;</a:t>
+            </a:r>
+            <a:r>
+              <a:rPr lang="en-US" sz="1800" dirty="0" err="1"/>
+              <a:t>ToastContainer</a:t>
+            </a:r>
+            <a:r>
+              <a:rPr lang="en-US" sz="1800" dirty="0"/>
+              <a:t> /&gt;</a:t>
             </a:r>
           </a:p>
         </p:txBody>
@@ -9829,7 +9838,7 @@
     </p:spTree>
     <p:extLst>
       <p:ext uri="{BB962C8B-B14F-4D97-AF65-F5344CB8AC3E}">
-        <p14:creationId xmlns:p14="http://schemas.microsoft.com/office/powerpoint/2010/main" val="1180472159"/>
+        <p14:creationId xmlns:p14="http://schemas.microsoft.com/office/powerpoint/2010/main" val="6541563"/>
       </p:ext>
     </p:extLst>
   </p:cSld>
@@ -9879,7 +9888,7 @@
           <a:p>
             <a:r>
               <a:rPr lang="en-US" dirty="0"/>
-              <a:t>04/07/2022</a:t>
+              <a:t>HW</a:t>
             </a:r>
           </a:p>
         </p:txBody>
@@ -9907,206 +9916,9 @@
           </a:bodyPr>
           <a:lstStyle/>
           <a:p>
-            <a:pPr marL="342900" marR="0" lvl="0" indent="-342900" rtl="0">
-              <a:lnSpc>
-                <a:spcPct val="107000"/>
-              </a:lnSpc>
-              <a:spcBef>
-                <a:spcPts val="0"/>
-              </a:spcBef>
-              <a:spcAft>
-                <a:spcPts val="0"/>
-              </a:spcAft>
-              <a:buFont typeface="+mj-lt"/>
-              <a:buAutoNum type="arabicParenR"/>
-            </a:pPr>
-            <a:r>
-              <a:rPr lang="en-US" sz="1800" dirty="0" err="1">
-                <a:effectLst/>
-                <a:highlight>
-                  <a:srgbClr val="FFFF00"/>
-                </a:highlight>
-                <a:latin typeface="Calibri" panose="020F0502020204030204" pitchFamily="34" charset="0"/>
-                <a:ea typeface="Calibri" panose="020F0502020204030204" pitchFamily="34" charset="0"/>
-                <a:cs typeface="Arial" panose="020B0604020202020204" pitchFamily="34" charset="0"/>
-              </a:rPr>
-              <a:t>hw</a:t>
-            </a:r>
-            <a:endParaRPr lang="en-US" sz="1800" dirty="0">
-              <a:effectLst/>
-              <a:highlight>
-                <a:srgbClr val="FFFF00"/>
-              </a:highlight>
-              <a:latin typeface="Calibri" panose="020F0502020204030204" pitchFamily="34" charset="0"/>
-              <a:ea typeface="Calibri" panose="020F0502020204030204" pitchFamily="34" charset="0"/>
-              <a:cs typeface="Arial" panose="020B0604020202020204" pitchFamily="34" charset="0"/>
-            </a:endParaRPr>
-          </a:p>
-          <a:p>
-            <a:pPr marL="342900" marR="0" lvl="0" indent="-342900">
-              <a:lnSpc>
-                <a:spcPct val="107000"/>
-              </a:lnSpc>
-              <a:spcBef>
-                <a:spcPts val="0"/>
-              </a:spcBef>
-              <a:spcAft>
-                <a:spcPts val="0"/>
-              </a:spcAft>
-              <a:buFont typeface="+mj-lt"/>
-              <a:buAutoNum type="arabicParenR"/>
-            </a:pPr>
-            <a:r>
-              <a:rPr lang="en-US" sz="1800" dirty="0" err="1">
-                <a:effectLst/>
-                <a:highlight>
-                  <a:srgbClr val="FFFF00"/>
-                </a:highlight>
-                <a:latin typeface="Calibri" panose="020F0502020204030204" pitchFamily="34" charset="0"/>
-                <a:ea typeface="Calibri" panose="020F0502020204030204" pitchFamily="34" charset="0"/>
-                <a:cs typeface="Arial" panose="020B0604020202020204" pitchFamily="34" charset="0"/>
-              </a:rPr>
-              <a:t>useEffect</a:t>
-            </a:r>
-            <a:endParaRPr lang="en-US" sz="1800" dirty="0">
-              <a:highlight>
-                <a:srgbClr val="FFFF00"/>
-              </a:highlight>
-              <a:latin typeface="Calibri" panose="020F0502020204030204" pitchFamily="34" charset="0"/>
-              <a:ea typeface="Calibri" panose="020F0502020204030204" pitchFamily="34" charset="0"/>
-              <a:cs typeface="Arial" panose="020B0604020202020204" pitchFamily="34" charset="0"/>
-            </a:endParaRPr>
-          </a:p>
-          <a:p>
-            <a:pPr marL="342900" marR="0" lvl="0" indent="-342900">
-              <a:lnSpc>
-                <a:spcPct val="107000"/>
-              </a:lnSpc>
-              <a:spcBef>
-                <a:spcPts val="0"/>
-              </a:spcBef>
-              <a:spcAft>
-                <a:spcPts val="0"/>
-              </a:spcAft>
-              <a:buFont typeface="+mj-lt"/>
-              <a:buAutoNum type="arabicParenR"/>
-            </a:pPr>
-            <a:r>
-              <a:rPr lang="en-US" sz="1600" dirty="0">
-                <a:effectLst/>
-                <a:latin typeface="Calibri" panose="020F0502020204030204" pitchFamily="34" charset="0"/>
-                <a:ea typeface="Calibri" panose="020F0502020204030204" pitchFamily="34" charset="0"/>
-                <a:cs typeface="Arial" panose="020B0604020202020204" pitchFamily="34" charset="0"/>
-              </a:rPr>
-              <a:t>cards panel</a:t>
-            </a:r>
-          </a:p>
-          <a:p>
-            <a:pPr marL="617220" lvl="1" indent="-342900">
-              <a:lnSpc>
-                <a:spcPct val="107000"/>
-              </a:lnSpc>
-              <a:spcBef>
-                <a:spcPts val="0"/>
-              </a:spcBef>
-              <a:buFont typeface="+mj-lt"/>
-              <a:buAutoNum type="arabicParenR"/>
-            </a:pPr>
-            <a:r>
-              <a:rPr lang="en-US" sz="1400" dirty="0">
-                <a:highlight>
-                  <a:srgbClr val="FFFF00"/>
-                </a:highlight>
-                <a:latin typeface="Calibri" panose="020F0502020204030204" pitchFamily="34" charset="0"/>
-                <a:ea typeface="Calibri" panose="020F0502020204030204" pitchFamily="34" charset="0"/>
-                <a:cs typeface="Arial" panose="020B0604020202020204" pitchFamily="34" charset="0"/>
-              </a:rPr>
-              <a:t>get</a:t>
-            </a:r>
-            <a:endParaRPr lang="en-US" sz="1400" dirty="0">
-              <a:effectLst/>
-              <a:highlight>
-                <a:srgbClr val="FFFF00"/>
-              </a:highlight>
-              <a:latin typeface="Calibri" panose="020F0502020204030204" pitchFamily="34" charset="0"/>
-              <a:ea typeface="Calibri" panose="020F0502020204030204" pitchFamily="34" charset="0"/>
-              <a:cs typeface="Arial" panose="020B0604020202020204" pitchFamily="34" charset="0"/>
-            </a:endParaRPr>
-          </a:p>
-          <a:p>
-            <a:pPr marL="617220" lvl="1" indent="-342900">
-              <a:lnSpc>
-                <a:spcPct val="107000"/>
-              </a:lnSpc>
-              <a:spcBef>
-                <a:spcPts val="0"/>
-              </a:spcBef>
-              <a:buFont typeface="+mj-lt"/>
-              <a:buAutoNum type="arabicParenR"/>
-            </a:pPr>
-            <a:r>
-              <a:rPr lang="en-US" sz="1400" dirty="0">
-                <a:latin typeface="Calibri" panose="020F0502020204030204" pitchFamily="34" charset="0"/>
-                <a:ea typeface="Calibri" panose="020F0502020204030204" pitchFamily="34" charset="0"/>
-                <a:cs typeface="Arial" panose="020B0604020202020204" pitchFamily="34" charset="0"/>
-              </a:rPr>
-              <a:t>edit</a:t>
-            </a:r>
-          </a:p>
-          <a:p>
-            <a:pPr marL="617220" lvl="1" indent="-342900">
-              <a:lnSpc>
-                <a:spcPct val="107000"/>
-              </a:lnSpc>
-              <a:spcBef>
-                <a:spcPts val="0"/>
-              </a:spcBef>
-              <a:buFont typeface="+mj-lt"/>
-              <a:buAutoNum type="arabicParenR"/>
-            </a:pPr>
-            <a:r>
-              <a:rPr lang="en-US" sz="1400" dirty="0">
-                <a:highlight>
-                  <a:srgbClr val="FFFF00"/>
-                </a:highlight>
-                <a:latin typeface="Calibri" panose="020F0502020204030204" pitchFamily="34" charset="0"/>
-                <a:ea typeface="Calibri" panose="020F0502020204030204" pitchFamily="34" charset="0"/>
-                <a:cs typeface="Arial" panose="020B0604020202020204" pitchFamily="34" charset="0"/>
-              </a:rPr>
-              <a:t>delete</a:t>
-            </a:r>
-            <a:endParaRPr lang="en-US" sz="1400" dirty="0">
-              <a:effectLst/>
-              <a:highlight>
-                <a:srgbClr val="FFFF00"/>
-              </a:highlight>
-              <a:latin typeface="Calibri" panose="020F0502020204030204" pitchFamily="34" charset="0"/>
-              <a:ea typeface="Calibri" panose="020F0502020204030204" pitchFamily="34" charset="0"/>
-              <a:cs typeface="Arial" panose="020B0604020202020204" pitchFamily="34" charset="0"/>
-            </a:endParaRPr>
-          </a:p>
-          <a:p>
-            <a:pPr marL="342900" marR="0" lvl="0" indent="-342900">
-              <a:lnSpc>
-                <a:spcPct val="107000"/>
-              </a:lnSpc>
-              <a:spcBef>
-                <a:spcPts val="0"/>
-              </a:spcBef>
-              <a:spcAft>
-                <a:spcPts val="800"/>
-              </a:spcAft>
-              <a:buFont typeface="+mj-lt"/>
-              <a:buAutoNum type="arabicParenR"/>
-            </a:pPr>
-            <a:r>
-              <a:rPr lang="en-US" sz="1800" dirty="0">
-                <a:effectLst/>
-                <a:latin typeface="Calibri" panose="020F0502020204030204" pitchFamily="34" charset="0"/>
-                <a:ea typeface="Calibri" panose="020F0502020204030204" pitchFamily="34" charset="0"/>
-                <a:cs typeface="Arial" panose="020B0604020202020204" pitchFamily="34" charset="0"/>
-              </a:rPr>
-              <a:t>redux</a:t>
+            <a:r>
+              <a:rPr lang="en-US" sz="1800" dirty="0"/>
+              <a:t>create page to display cards</a:t>
             </a:r>
           </a:p>
         </p:txBody>
@@ -10114,7 +9926,7 @@
     </p:spTree>
     <p:extLst>
       <p:ext uri="{BB962C8B-B14F-4D97-AF65-F5344CB8AC3E}">
-        <p14:creationId xmlns:p14="http://schemas.microsoft.com/office/powerpoint/2010/main" val="881673556"/>
+        <p14:creationId xmlns:p14="http://schemas.microsoft.com/office/powerpoint/2010/main" val="1180472159"/>
       </p:ext>
     </p:extLst>
   </p:cSld>
@@ -10163,10 +9975,9 @@
           <a:lstStyle/>
           <a:p>
             <a:r>
-              <a:rPr lang="en-US" dirty="0" err="1"/>
-              <a:t>useEffect</a:t>
-            </a:r>
-            <a:endParaRPr lang="en-US" dirty="0"/>
+              <a:rPr lang="en-US" dirty="0"/>
+              <a:t>04/07/2022</a:t>
+            </a:r>
           </a:p>
         </p:txBody>
       </p:sp>
@@ -10193,7 +10004,7 @@
           </a:bodyPr>
           <a:lstStyle/>
           <a:p>
-            <a:pPr marL="0" marR="0" lvl="0" indent="0" rtl="0">
+            <a:pPr marL="342900" marR="0" lvl="0" indent="-342900" rtl="0">
               <a:lnSpc>
                 <a:spcPct val="107000"/>
               </a:lnSpc>
@@ -10203,28 +10014,11 @@
               <a:spcAft>
                 <a:spcPts val="0"/>
               </a:spcAft>
-              <a:buNone/>
+              <a:buFont typeface="+mj-lt"/>
+              <a:buAutoNum type="arabicParenR"/>
             </a:pPr>
             <a:r>
               <a:rPr lang="en-US" sz="1800" dirty="0" err="1">
-                <a:effectLst/>
-                <a:latin typeface="Calibri" panose="020F0502020204030204" pitchFamily="34" charset="0"/>
-                <a:ea typeface="Calibri" panose="020F0502020204030204" pitchFamily="34" charset="0"/>
-                <a:cs typeface="Arial" panose="020B0604020202020204" pitchFamily="34" charset="0"/>
-              </a:rPr>
-              <a:t>useEffect</a:t>
-            </a:r>
-            <a:r>
-              <a:rPr lang="en-US" sz="1800" dirty="0">
-                <a:effectLst/>
-                <a:latin typeface="Calibri" panose="020F0502020204030204" pitchFamily="34" charset="0"/>
-                <a:ea typeface="Calibri" panose="020F0502020204030204" pitchFamily="34" charset="0"/>
-                <a:cs typeface="Arial" panose="020B0604020202020204" pitchFamily="34" charset="0"/>
-              </a:rPr>
-              <a:t> it a hook that wait for changes in </a:t>
-            </a:r>
-            <a:r>
-              <a:rPr lang="en-US" sz="1800" dirty="0">
                 <a:effectLst/>
                 <a:highlight>
                   <a:srgbClr val="FFFF00"/>
@@ -10233,20 +10027,20 @@
                 <a:ea typeface="Calibri" panose="020F0502020204030204" pitchFamily="34" charset="0"/>
                 <a:cs typeface="Arial" panose="020B0604020202020204" pitchFamily="34" charset="0"/>
               </a:rPr>
-              <a:t>dependency array</a:t>
-            </a:r>
-            <a:r>
-              <a:rPr lang="en-US" sz="1800" dirty="0">
-                <a:effectLst/>
-                <a:latin typeface="Calibri" panose="020F0502020204030204" pitchFamily="34" charset="0"/>
-                <a:ea typeface="Calibri" panose="020F0502020204030204" pitchFamily="34" charset="0"/>
-                <a:cs typeface="Arial" panose="020B0604020202020204" pitchFamily="34" charset="0"/>
-              </a:rPr>
-              <a:t>.</a:t>
-            </a:r>
-          </a:p>
-          <a:p>
-            <a:pPr marL="0" marR="0" lvl="0" indent="0" rtl="0">
+              <a:t>hw</a:t>
+            </a:r>
+            <a:endParaRPr lang="en-US" sz="1800" dirty="0">
+              <a:effectLst/>
+              <a:highlight>
+                <a:srgbClr val="FFFF00"/>
+              </a:highlight>
+              <a:latin typeface="Calibri" panose="020F0502020204030204" pitchFamily="34" charset="0"/>
+              <a:ea typeface="Calibri" panose="020F0502020204030204" pitchFamily="34" charset="0"/>
+              <a:cs typeface="Arial" panose="020B0604020202020204" pitchFamily="34" charset="0"/>
+            </a:endParaRPr>
+          </a:p>
+          <a:p>
+            <a:pPr marL="342900" marR="0" lvl="0" indent="-342900">
               <a:lnSpc>
                 <a:spcPct val="107000"/>
               </a:lnSpc>
@@ -10256,26 +10050,12 @@
               <a:spcAft>
                 <a:spcPts val="0"/>
               </a:spcAft>
-              <a:buNone/>
+              <a:buFont typeface="+mj-lt"/>
+              <a:buAutoNum type="arabicParenR"/>
             </a:pPr>
             <a:r>
               <a:rPr lang="en-US" sz="1800" dirty="0" err="1">
-                <a:latin typeface="Calibri" panose="020F0502020204030204" pitchFamily="34" charset="0"/>
-                <a:ea typeface="Calibri" panose="020F0502020204030204" pitchFamily="34" charset="0"/>
-                <a:cs typeface="Arial" panose="020B0604020202020204" pitchFamily="34" charset="0"/>
-              </a:rPr>
-              <a:t>useEffect</a:t>
-            </a:r>
-            <a:r>
-              <a:rPr lang="en-US" sz="1800" dirty="0">
-                <a:latin typeface="Calibri" panose="020F0502020204030204" pitchFamily="34" charset="0"/>
-                <a:ea typeface="Calibri" panose="020F0502020204030204" pitchFamily="34" charset="0"/>
-                <a:cs typeface="Arial" panose="020B0604020202020204" pitchFamily="34" charset="0"/>
-              </a:rPr>
-              <a:t>(()=&gt;{}, </a:t>
-            </a:r>
-            <a:r>
-              <a:rPr lang="en-US" sz="1800" dirty="0">
+                <a:effectLst/>
                 <a:highlight>
                   <a:srgbClr val="FFFF00"/>
                 </a:highlight>
@@ -10283,19 +10063,19 @@
                 <a:ea typeface="Calibri" panose="020F0502020204030204" pitchFamily="34" charset="0"/>
                 <a:cs typeface="Arial" panose="020B0604020202020204" pitchFamily="34" charset="0"/>
               </a:rPr>
-              <a:t>[variable]</a:t>
-            </a:r>
-            <a:r>
-              <a:rPr lang="en-US" sz="1800" dirty="0">
-                <a:latin typeface="Calibri" panose="020F0502020204030204" pitchFamily="34" charset="0"/>
-                <a:ea typeface="Calibri" panose="020F0502020204030204" pitchFamily="34" charset="0"/>
-                <a:cs typeface="Arial" panose="020B0604020202020204" pitchFamily="34" charset="0"/>
-              </a:rPr>
-              <a:t>)</a:t>
-            </a:r>
-          </a:p>
-          <a:p>
-            <a:pPr marL="0" marR="0" lvl="0" indent="0" rtl="0">
+              <a:t>useEffect</a:t>
+            </a:r>
+            <a:endParaRPr lang="en-US" sz="1800" dirty="0">
+              <a:highlight>
+                <a:srgbClr val="FFFF00"/>
+              </a:highlight>
+              <a:latin typeface="Calibri" panose="020F0502020204030204" pitchFamily="34" charset="0"/>
+              <a:ea typeface="Calibri" panose="020F0502020204030204" pitchFamily="34" charset="0"/>
+              <a:cs typeface="Arial" panose="020B0604020202020204" pitchFamily="34" charset="0"/>
+            </a:endParaRPr>
+          </a:p>
+          <a:p>
+            <a:pPr marL="342900" marR="0" lvl="0" indent="-342900">
               <a:lnSpc>
                 <a:spcPct val="107000"/>
               </a:lnSpc>
@@ -10305,17 +10085,105 @@
               <a:spcAft>
                 <a:spcPts val="0"/>
               </a:spcAft>
-              <a:buNone/>
+              <a:buFont typeface="+mj-lt"/>
+              <a:buAutoNum type="arabicParenR"/>
             </a:pPr>
-            <a:endParaRPr lang="en-US" sz="1800" dirty="0">
+            <a:r>
+              <a:rPr lang="en-US" sz="1600" dirty="0">
+                <a:effectLst/>
+                <a:latin typeface="Calibri" panose="020F0502020204030204" pitchFamily="34" charset="0"/>
+                <a:ea typeface="Calibri" panose="020F0502020204030204" pitchFamily="34" charset="0"/>
+                <a:cs typeface="Arial" panose="020B0604020202020204" pitchFamily="34" charset="0"/>
+              </a:rPr>
+              <a:t>cards panel</a:t>
+            </a:r>
+          </a:p>
+          <a:p>
+            <a:pPr marL="617220" lvl="1" indent="-342900">
+              <a:lnSpc>
+                <a:spcPct val="107000"/>
+              </a:lnSpc>
+              <a:spcBef>
+                <a:spcPts val="0"/>
+              </a:spcBef>
+              <a:buFont typeface="+mj-lt"/>
+              <a:buAutoNum type="arabicParenR"/>
+            </a:pPr>
+            <a:r>
+              <a:rPr lang="en-US" sz="1400" dirty="0">
+                <a:highlight>
+                  <a:srgbClr val="FFFF00"/>
+                </a:highlight>
+                <a:latin typeface="Calibri" panose="020F0502020204030204" pitchFamily="34" charset="0"/>
+                <a:ea typeface="Calibri" panose="020F0502020204030204" pitchFamily="34" charset="0"/>
+                <a:cs typeface="Arial" panose="020B0604020202020204" pitchFamily="34" charset="0"/>
+              </a:rPr>
+              <a:t>get</a:t>
+            </a:r>
+            <a:endParaRPr lang="en-US" sz="1400" dirty="0">
               <a:effectLst/>
+              <a:highlight>
+                <a:srgbClr val="FFFF00"/>
+              </a:highlight>
               <a:latin typeface="Calibri" panose="020F0502020204030204" pitchFamily="34" charset="0"/>
               <a:ea typeface="Calibri" panose="020F0502020204030204" pitchFamily="34" charset="0"/>
               <a:cs typeface="Arial" panose="020B0604020202020204" pitchFamily="34" charset="0"/>
             </a:endParaRPr>
           </a:p>
           <a:p>
-            <a:pPr marL="0" marR="0" lvl="0" indent="0" rtl="0">
+            <a:pPr marL="617220" lvl="1" indent="-342900">
+              <a:lnSpc>
+                <a:spcPct val="107000"/>
+              </a:lnSpc>
+              <a:spcBef>
+                <a:spcPts val="0"/>
+              </a:spcBef>
+              <a:buFont typeface="+mj-lt"/>
+              <a:buAutoNum type="arabicParenR"/>
+            </a:pPr>
+            <a:r>
+              <a:rPr lang="en-US" sz="1400" dirty="0">
+                <a:latin typeface="Calibri" panose="020F0502020204030204" pitchFamily="34" charset="0"/>
+                <a:ea typeface="Calibri" panose="020F0502020204030204" pitchFamily="34" charset="0"/>
+                <a:cs typeface="Arial" panose="020B0604020202020204" pitchFamily="34" charset="0"/>
+              </a:rPr>
+              <a:t>edit</a:t>
+            </a:r>
+          </a:p>
+          <a:p>
+            <a:pPr marL="617220" lvl="1" indent="-342900">
+              <a:lnSpc>
+                <a:spcPct val="107000"/>
+              </a:lnSpc>
+              <a:spcBef>
+                <a:spcPts val="0"/>
+              </a:spcBef>
+              <a:buFont typeface="+mj-lt"/>
+              <a:buAutoNum type="arabicParenR"/>
+            </a:pPr>
+            <a:r>
+              <a:rPr lang="en-US" sz="1400" dirty="0">
+                <a:highlight>
+                  <a:srgbClr val="FFFF00"/>
+                </a:highlight>
+                <a:latin typeface="Calibri" panose="020F0502020204030204" pitchFamily="34" charset="0"/>
+                <a:ea typeface="Calibri" panose="020F0502020204030204" pitchFamily="34" charset="0"/>
+                <a:cs typeface="Arial" panose="020B0604020202020204" pitchFamily="34" charset="0"/>
+              </a:rPr>
+              <a:t>delete</a:t>
+            </a:r>
+            <a:endParaRPr lang="en-US" sz="1400" dirty="0">
+              <a:effectLst/>
+              <a:highlight>
+                <a:srgbClr val="FFFF00"/>
+              </a:highlight>
+              <a:latin typeface="Calibri" panose="020F0502020204030204" pitchFamily="34" charset="0"/>
+              <a:ea typeface="Calibri" panose="020F0502020204030204" pitchFamily="34" charset="0"/>
+              <a:cs typeface="Arial" panose="020B0604020202020204" pitchFamily="34" charset="0"/>
+            </a:endParaRPr>
+          </a:p>
+          <a:p>
+            <a:pPr marL="342900" marR="0" lvl="0" indent="-342900">
               <a:lnSpc>
                 <a:spcPct val="107000"/>
               </a:lnSpc>
@@ -10323,88 +10191,11 @@
                 <a:spcPts val="0"/>
               </a:spcBef>
               <a:spcAft>
-                <a:spcPts val="0"/>
+                <a:spcPts val="800"/>
               </a:spcAft>
-              <a:buNone/>
+              <a:buFont typeface="+mj-lt"/>
+              <a:buAutoNum type="arabicParenR"/>
             </a:pPr>
-            <a:r>
-              <a:rPr lang="en-US" sz="1800" dirty="0">
-                <a:latin typeface="Calibri" panose="020F0502020204030204" pitchFamily="34" charset="0"/>
-                <a:ea typeface="Calibri" panose="020F0502020204030204" pitchFamily="34" charset="0"/>
-                <a:cs typeface="Arial" panose="020B0604020202020204" pitchFamily="34" charset="0"/>
-              </a:rPr>
-              <a:t>when variable will change then </a:t>
-            </a:r>
-            <a:r>
-              <a:rPr lang="en-US" sz="1800" dirty="0" err="1">
-                <a:latin typeface="Calibri" panose="020F0502020204030204" pitchFamily="34" charset="0"/>
-                <a:ea typeface="Calibri" panose="020F0502020204030204" pitchFamily="34" charset="0"/>
-                <a:cs typeface="Arial" panose="020B0604020202020204" pitchFamily="34" charset="0"/>
-              </a:rPr>
-              <a:t>useEffect</a:t>
-            </a:r>
-            <a:r>
-              <a:rPr lang="en-US" sz="1800" dirty="0">
-                <a:latin typeface="Calibri" panose="020F0502020204030204" pitchFamily="34" charset="0"/>
-                <a:ea typeface="Calibri" panose="020F0502020204030204" pitchFamily="34" charset="0"/>
-                <a:cs typeface="Arial" panose="020B0604020202020204" pitchFamily="34" charset="0"/>
-              </a:rPr>
-              <a:t> will call the inner function</a:t>
-            </a:r>
-          </a:p>
-          <a:p>
-            <a:pPr marL="0" marR="0" lvl="0" indent="0" rtl="0">
-              <a:lnSpc>
-                <a:spcPct val="107000"/>
-              </a:lnSpc>
-              <a:spcBef>
-                <a:spcPts val="0"/>
-              </a:spcBef>
-              <a:spcAft>
-                <a:spcPts val="0"/>
-              </a:spcAft>
-              <a:buNone/>
-            </a:pPr>
-            <a:endParaRPr lang="en-US" sz="1800" dirty="0">
-              <a:effectLst/>
-              <a:latin typeface="Calibri" panose="020F0502020204030204" pitchFamily="34" charset="0"/>
-              <a:ea typeface="Calibri" panose="020F0502020204030204" pitchFamily="34" charset="0"/>
-              <a:cs typeface="Arial" panose="020B0604020202020204" pitchFamily="34" charset="0"/>
-            </a:endParaRPr>
-          </a:p>
-          <a:p>
-            <a:pPr marL="0" marR="0" lvl="0" indent="0" rtl="0">
-              <a:lnSpc>
-                <a:spcPct val="107000"/>
-              </a:lnSpc>
-              <a:spcBef>
-                <a:spcPts val="0"/>
-              </a:spcBef>
-              <a:spcAft>
-                <a:spcPts val="0"/>
-              </a:spcAft>
-              <a:buNone/>
-            </a:pPr>
-            <a:r>
-              <a:rPr lang="en-US" sz="1800" dirty="0">
-                <a:latin typeface="Calibri" panose="020F0502020204030204" pitchFamily="34" charset="0"/>
-                <a:ea typeface="Calibri" panose="020F0502020204030204" pitchFamily="34" charset="0"/>
-                <a:cs typeface="Arial" panose="020B0604020202020204" pitchFamily="34" charset="0"/>
-              </a:rPr>
-              <a:t>!note if the </a:t>
-            </a:r>
-            <a:r>
-              <a:rPr lang="en-US" sz="1800" dirty="0">
-                <a:effectLst/>
-                <a:highlight>
-                  <a:srgbClr val="FFFF00"/>
-                </a:highlight>
-                <a:latin typeface="Calibri" panose="020F0502020204030204" pitchFamily="34" charset="0"/>
-                <a:ea typeface="Calibri" panose="020F0502020204030204" pitchFamily="34" charset="0"/>
-                <a:cs typeface="Arial" panose="020B0604020202020204" pitchFamily="34" charset="0"/>
-              </a:rPr>
-              <a:t>dependency array</a:t>
-            </a:r>
             <a:r>
               <a:rPr lang="en-US" sz="1800" dirty="0">
                 <a:effectLst/>
@@ -10412,7 +10203,7 @@
                 <a:ea typeface="Calibri" panose="020F0502020204030204" pitchFamily="34" charset="0"/>
                 <a:cs typeface="Arial" panose="020B0604020202020204" pitchFamily="34" charset="0"/>
               </a:rPr>
-              <a:t> is empty then it will run only once</a:t>
+              <a:t>redux</a:t>
             </a:r>
           </a:p>
         </p:txBody>
@@ -10420,7 +10211,7 @@
     </p:spTree>
     <p:extLst>
       <p:ext uri="{BB962C8B-B14F-4D97-AF65-F5344CB8AC3E}">
-        <p14:creationId xmlns:p14="http://schemas.microsoft.com/office/powerpoint/2010/main" val="3623219397"/>
+        <p14:creationId xmlns:p14="http://schemas.microsoft.com/office/powerpoint/2010/main" val="881673556"/>
       </p:ext>
     </p:extLst>
   </p:cSld>
@@ -10452,7 +10243,7 @@
           <p:cNvPr id="2" name="Title 1">
             <a:extLst>
               <a:ext uri="{FF2B5EF4-FFF2-40B4-BE49-F238E27FC236}">
-                <a16:creationId xmlns:a16="http://schemas.microsoft.com/office/drawing/2014/main" id="{6D0614FB-4E4D-BC2B-59E4-2CD35FA534DF}"/>
+                <a16:creationId xmlns:a16="http://schemas.microsoft.com/office/drawing/2014/main" id="{8A56E29C-09F7-B711-591E-BDC97066A449}"/>
               </a:ext>
             </a:extLst>
           </p:cNvPr>
@@ -10469,9 +10260,10 @@
           <a:lstStyle/>
           <a:p>
             <a:r>
-              <a:rPr lang="en-US" dirty="0"/>
-              <a:t>TK</a:t>
-            </a:r>
+              <a:rPr lang="en-US" dirty="0" err="1"/>
+              <a:t>useEffect</a:t>
+            </a:r>
+            <a:endParaRPr lang="en-US" dirty="0"/>
           </a:p>
         </p:txBody>
       </p:sp>
@@ -10480,7 +10272,7 @@
           <p:cNvPr id="3" name="Content Placeholder 2">
             <a:extLst>
               <a:ext uri="{FF2B5EF4-FFF2-40B4-BE49-F238E27FC236}">
-                <a16:creationId xmlns:a16="http://schemas.microsoft.com/office/drawing/2014/main" id="{80367F04-E0E7-C0EA-4356-032FA2198561}"/>
+                <a16:creationId xmlns:a16="http://schemas.microsoft.com/office/drawing/2014/main" id="{4D96329F-70CA-D930-B844-FB5264890AD1}"/>
               </a:ext>
             </a:extLst>
           </p:cNvPr>
@@ -10493,37 +10285,231 @@
         </p:nvSpPr>
         <p:spPr/>
         <p:txBody>
-          <a:bodyPr/>
-          <a:lstStyle/>
-          <a:p>
-            <a:r>
-              <a:rPr lang="en-US" dirty="0"/>
-              <a:t>create input and </a:t>
-            </a:r>
-            <a:r>
-              <a:rPr lang="en-US" dirty="0" err="1"/>
-              <a:t>btn</a:t>
-            </a:r>
-            <a:endParaRPr lang="en-US" dirty="0"/>
-          </a:p>
-          <a:p>
-            <a:r>
-              <a:rPr lang="en-US" dirty="0"/>
-              <a:t>when input has more then 3 chars then the </a:t>
-            </a:r>
-            <a:r>
-              <a:rPr lang="en-US" dirty="0" err="1"/>
-              <a:t>btn</a:t>
-            </a:r>
-            <a:r>
-              <a:rPr lang="en-US" dirty="0"/>
-              <a:t> will be displayed</a:t>
-            </a:r>
-          </a:p>
-          <a:p>
-            <a:r>
-              <a:rPr lang="en-US" dirty="0"/>
-              <a:t>use USEEFFECT</a:t>
+          <a:bodyPr>
+            <a:normAutofit/>
+          </a:bodyPr>
+          <a:lstStyle/>
+          <a:p>
+            <a:pPr marL="0" marR="0" lvl="0" indent="0" rtl="0">
+              <a:lnSpc>
+                <a:spcPct val="107000"/>
+              </a:lnSpc>
+              <a:spcBef>
+                <a:spcPts val="0"/>
+              </a:spcBef>
+              <a:spcAft>
+                <a:spcPts val="0"/>
+              </a:spcAft>
+              <a:buNone/>
+            </a:pPr>
+            <a:r>
+              <a:rPr lang="en-US" sz="1800" dirty="0" err="1">
+                <a:effectLst/>
+                <a:latin typeface="Calibri" panose="020F0502020204030204" pitchFamily="34" charset="0"/>
+                <a:ea typeface="Calibri" panose="020F0502020204030204" pitchFamily="34" charset="0"/>
+                <a:cs typeface="Arial" panose="020B0604020202020204" pitchFamily="34" charset="0"/>
+              </a:rPr>
+              <a:t>useEffect</a:t>
+            </a:r>
+            <a:r>
+              <a:rPr lang="en-US" sz="1800" dirty="0">
+                <a:effectLst/>
+                <a:latin typeface="Calibri" panose="020F0502020204030204" pitchFamily="34" charset="0"/>
+                <a:ea typeface="Calibri" panose="020F0502020204030204" pitchFamily="34" charset="0"/>
+                <a:cs typeface="Arial" panose="020B0604020202020204" pitchFamily="34" charset="0"/>
+              </a:rPr>
+              <a:t> it a hook that wait for changes in </a:t>
+            </a:r>
+            <a:r>
+              <a:rPr lang="en-US" sz="1800" dirty="0">
+                <a:effectLst/>
+                <a:highlight>
+                  <a:srgbClr val="FFFF00"/>
+                </a:highlight>
+                <a:latin typeface="Calibri" panose="020F0502020204030204" pitchFamily="34" charset="0"/>
+                <a:ea typeface="Calibri" panose="020F0502020204030204" pitchFamily="34" charset="0"/>
+                <a:cs typeface="Arial" panose="020B0604020202020204" pitchFamily="34" charset="0"/>
+              </a:rPr>
+              <a:t>dependency array</a:t>
+            </a:r>
+            <a:r>
+              <a:rPr lang="en-US" sz="1800" dirty="0">
+                <a:effectLst/>
+                <a:latin typeface="Calibri" panose="020F0502020204030204" pitchFamily="34" charset="0"/>
+                <a:ea typeface="Calibri" panose="020F0502020204030204" pitchFamily="34" charset="0"/>
+                <a:cs typeface="Arial" panose="020B0604020202020204" pitchFamily="34" charset="0"/>
+              </a:rPr>
+              <a:t>.</a:t>
+            </a:r>
+          </a:p>
+          <a:p>
+            <a:pPr marL="0" marR="0" lvl="0" indent="0" rtl="0">
+              <a:lnSpc>
+                <a:spcPct val="107000"/>
+              </a:lnSpc>
+              <a:spcBef>
+                <a:spcPts val="0"/>
+              </a:spcBef>
+              <a:spcAft>
+                <a:spcPts val="0"/>
+              </a:spcAft>
+              <a:buNone/>
+            </a:pPr>
+            <a:r>
+              <a:rPr lang="en-US" sz="1800" dirty="0" err="1">
+                <a:latin typeface="Calibri" panose="020F0502020204030204" pitchFamily="34" charset="0"/>
+                <a:ea typeface="Calibri" panose="020F0502020204030204" pitchFamily="34" charset="0"/>
+                <a:cs typeface="Arial" panose="020B0604020202020204" pitchFamily="34" charset="0"/>
+              </a:rPr>
+              <a:t>useEffect</a:t>
+            </a:r>
+            <a:r>
+              <a:rPr lang="en-US" sz="1800" dirty="0">
+                <a:latin typeface="Calibri" panose="020F0502020204030204" pitchFamily="34" charset="0"/>
+                <a:ea typeface="Calibri" panose="020F0502020204030204" pitchFamily="34" charset="0"/>
+                <a:cs typeface="Arial" panose="020B0604020202020204" pitchFamily="34" charset="0"/>
+              </a:rPr>
+              <a:t>(()=&gt;{}, </a:t>
+            </a:r>
+            <a:r>
+              <a:rPr lang="en-US" sz="1800" dirty="0">
+                <a:highlight>
+                  <a:srgbClr val="FFFF00"/>
+                </a:highlight>
+                <a:latin typeface="Calibri" panose="020F0502020204030204" pitchFamily="34" charset="0"/>
+                <a:ea typeface="Calibri" panose="020F0502020204030204" pitchFamily="34" charset="0"/>
+                <a:cs typeface="Arial" panose="020B0604020202020204" pitchFamily="34" charset="0"/>
+              </a:rPr>
+              <a:t>[variable]</a:t>
+            </a:r>
+            <a:r>
+              <a:rPr lang="en-US" sz="1800" dirty="0">
+                <a:latin typeface="Calibri" panose="020F0502020204030204" pitchFamily="34" charset="0"/>
+                <a:ea typeface="Calibri" panose="020F0502020204030204" pitchFamily="34" charset="0"/>
+                <a:cs typeface="Arial" panose="020B0604020202020204" pitchFamily="34" charset="0"/>
+              </a:rPr>
+              <a:t>)</a:t>
+            </a:r>
+          </a:p>
+          <a:p>
+            <a:pPr marL="0" marR="0" lvl="0" indent="0" rtl="0">
+              <a:lnSpc>
+                <a:spcPct val="107000"/>
+              </a:lnSpc>
+              <a:spcBef>
+                <a:spcPts val="0"/>
+              </a:spcBef>
+              <a:spcAft>
+                <a:spcPts val="0"/>
+              </a:spcAft>
+              <a:buNone/>
+            </a:pPr>
+            <a:endParaRPr lang="en-US" sz="1800" dirty="0">
+              <a:effectLst/>
+              <a:latin typeface="Calibri" panose="020F0502020204030204" pitchFamily="34" charset="0"/>
+              <a:ea typeface="Calibri" panose="020F0502020204030204" pitchFamily="34" charset="0"/>
+              <a:cs typeface="Arial" panose="020B0604020202020204" pitchFamily="34" charset="0"/>
+            </a:endParaRPr>
+          </a:p>
+          <a:p>
+            <a:pPr marL="0" marR="0" lvl="0" indent="0" rtl="0">
+              <a:lnSpc>
+                <a:spcPct val="107000"/>
+              </a:lnSpc>
+              <a:spcBef>
+                <a:spcPts val="0"/>
+              </a:spcBef>
+              <a:spcAft>
+                <a:spcPts val="0"/>
+              </a:spcAft>
+              <a:buNone/>
+            </a:pPr>
+            <a:r>
+              <a:rPr lang="en-US" sz="1800" dirty="0">
+                <a:latin typeface="Calibri" panose="020F0502020204030204" pitchFamily="34" charset="0"/>
+                <a:ea typeface="Calibri" panose="020F0502020204030204" pitchFamily="34" charset="0"/>
+                <a:cs typeface="Arial" panose="020B0604020202020204" pitchFamily="34" charset="0"/>
+              </a:rPr>
+              <a:t>when variable will change then </a:t>
+            </a:r>
+            <a:r>
+              <a:rPr lang="en-US" sz="1800" dirty="0" err="1">
+                <a:latin typeface="Calibri" panose="020F0502020204030204" pitchFamily="34" charset="0"/>
+                <a:ea typeface="Calibri" panose="020F0502020204030204" pitchFamily="34" charset="0"/>
+                <a:cs typeface="Arial" panose="020B0604020202020204" pitchFamily="34" charset="0"/>
+              </a:rPr>
+              <a:t>useEffect</a:t>
+            </a:r>
+            <a:r>
+              <a:rPr lang="en-US" sz="1800" dirty="0">
+                <a:latin typeface="Calibri" panose="020F0502020204030204" pitchFamily="34" charset="0"/>
+                <a:ea typeface="Calibri" panose="020F0502020204030204" pitchFamily="34" charset="0"/>
+                <a:cs typeface="Arial" panose="020B0604020202020204" pitchFamily="34" charset="0"/>
+              </a:rPr>
+              <a:t> will call the inner function</a:t>
+            </a:r>
+          </a:p>
+          <a:p>
+            <a:pPr marL="0" marR="0" lvl="0" indent="0" rtl="0">
+              <a:lnSpc>
+                <a:spcPct val="107000"/>
+              </a:lnSpc>
+              <a:spcBef>
+                <a:spcPts val="0"/>
+              </a:spcBef>
+              <a:spcAft>
+                <a:spcPts val="0"/>
+              </a:spcAft>
+              <a:buNone/>
+            </a:pPr>
+            <a:endParaRPr lang="en-US" sz="1800" dirty="0">
+              <a:effectLst/>
+              <a:latin typeface="Calibri" panose="020F0502020204030204" pitchFamily="34" charset="0"/>
+              <a:ea typeface="Calibri" panose="020F0502020204030204" pitchFamily="34" charset="0"/>
+              <a:cs typeface="Arial" panose="020B0604020202020204" pitchFamily="34" charset="0"/>
+            </a:endParaRPr>
+          </a:p>
+          <a:p>
+            <a:pPr marL="0" marR="0" lvl="0" indent="0" rtl="0">
+              <a:lnSpc>
+                <a:spcPct val="107000"/>
+              </a:lnSpc>
+              <a:spcBef>
+                <a:spcPts val="0"/>
+              </a:spcBef>
+              <a:spcAft>
+                <a:spcPts val="0"/>
+              </a:spcAft>
+              <a:buNone/>
+            </a:pPr>
+            <a:r>
+              <a:rPr lang="en-US" sz="1800" dirty="0">
+                <a:latin typeface="Calibri" panose="020F0502020204030204" pitchFamily="34" charset="0"/>
+                <a:ea typeface="Calibri" panose="020F0502020204030204" pitchFamily="34" charset="0"/>
+                <a:cs typeface="Arial" panose="020B0604020202020204" pitchFamily="34" charset="0"/>
+              </a:rPr>
+              <a:t>!note if the </a:t>
+            </a:r>
+            <a:r>
+              <a:rPr lang="en-US" sz="1800" dirty="0">
+                <a:effectLst/>
+                <a:highlight>
+                  <a:srgbClr val="FFFF00"/>
+                </a:highlight>
+                <a:latin typeface="Calibri" panose="020F0502020204030204" pitchFamily="34" charset="0"/>
+                <a:ea typeface="Calibri" panose="020F0502020204030204" pitchFamily="34" charset="0"/>
+                <a:cs typeface="Arial" panose="020B0604020202020204" pitchFamily="34" charset="0"/>
+              </a:rPr>
+              <a:t>dependency array</a:t>
+            </a:r>
+            <a:r>
+              <a:rPr lang="en-US" sz="1800" dirty="0">
+                <a:effectLst/>
+                <a:latin typeface="Calibri" panose="020F0502020204030204" pitchFamily="34" charset="0"/>
+                <a:ea typeface="Calibri" panose="020F0502020204030204" pitchFamily="34" charset="0"/>
+                <a:cs typeface="Arial" panose="020B0604020202020204" pitchFamily="34" charset="0"/>
+              </a:rPr>
+              <a:t> is empty then it will run only once</a:t>
             </a:r>
           </a:p>
         </p:txBody>
@@ -10531,7 +10517,7 @@
     </p:spTree>
     <p:extLst>
       <p:ext uri="{BB962C8B-B14F-4D97-AF65-F5344CB8AC3E}">
-        <p14:creationId xmlns:p14="http://schemas.microsoft.com/office/powerpoint/2010/main" val="236089455"/>
+        <p14:creationId xmlns:p14="http://schemas.microsoft.com/office/powerpoint/2010/main" val="3623219397"/>
       </p:ext>
     </p:extLst>
   </p:cSld>
@@ -10563,7 +10549,7 @@
           <p:cNvPr id="2" name="Title 1">
             <a:extLst>
               <a:ext uri="{FF2B5EF4-FFF2-40B4-BE49-F238E27FC236}">
-                <a16:creationId xmlns:a16="http://schemas.microsoft.com/office/drawing/2014/main" id="{8A56E29C-09F7-B711-591E-BDC97066A449}"/>
+                <a16:creationId xmlns:a16="http://schemas.microsoft.com/office/drawing/2014/main" id="{6D0614FB-4E4D-BC2B-59E4-2CD35FA534DF}"/>
               </a:ext>
             </a:extLst>
           </p:cNvPr>
@@ -10581,7 +10567,7 @@
           <a:p>
             <a:r>
               <a:rPr lang="en-US" dirty="0"/>
-              <a:t>HW</a:t>
+              <a:t>TK</a:t>
             </a:r>
           </a:p>
         </p:txBody>
@@ -10591,7 +10577,7 @@
           <p:cNvPr id="3" name="Content Placeholder 2">
             <a:extLst>
               <a:ext uri="{FF2B5EF4-FFF2-40B4-BE49-F238E27FC236}">
-                <a16:creationId xmlns:a16="http://schemas.microsoft.com/office/drawing/2014/main" id="{4D96329F-70CA-D930-B844-FB5264890AD1}"/>
+                <a16:creationId xmlns:a16="http://schemas.microsoft.com/office/drawing/2014/main" id="{80367F04-E0E7-C0EA-4356-032FA2198561}"/>
               </a:ext>
             </a:extLst>
           </p:cNvPr>
@@ -10604,14 +10590,37 @@
         </p:nvSpPr>
         <p:spPr/>
         <p:txBody>
-          <a:bodyPr>
-            <a:normAutofit/>
-          </a:bodyPr>
-          <a:lstStyle/>
-          <a:p>
-            <a:r>
-              <a:rPr lang="en-US" sz="1800" dirty="0"/>
-              <a:t>create edit card popup</a:t>
+          <a:bodyPr/>
+          <a:lstStyle/>
+          <a:p>
+            <a:r>
+              <a:rPr lang="en-US" dirty="0"/>
+              <a:t>create input and </a:t>
+            </a:r>
+            <a:r>
+              <a:rPr lang="en-US" dirty="0" err="1"/>
+              <a:t>btn</a:t>
+            </a:r>
+            <a:endParaRPr lang="en-US" dirty="0"/>
+          </a:p>
+          <a:p>
+            <a:r>
+              <a:rPr lang="en-US" dirty="0"/>
+              <a:t>when input has more then 3 chars then the </a:t>
+            </a:r>
+            <a:r>
+              <a:rPr lang="en-US" dirty="0" err="1"/>
+              <a:t>btn</a:t>
+            </a:r>
+            <a:r>
+              <a:rPr lang="en-US" dirty="0"/>
+              <a:t> will be displayed</a:t>
+            </a:r>
+          </a:p>
+          <a:p>
+            <a:r>
+              <a:rPr lang="en-US" dirty="0"/>
+              <a:t>use USEEFFECT</a:t>
             </a:r>
           </a:p>
         </p:txBody>
@@ -10619,7 +10628,7 @@
     </p:spTree>
     <p:extLst>
       <p:ext uri="{BB962C8B-B14F-4D97-AF65-F5344CB8AC3E}">
-        <p14:creationId xmlns:p14="http://schemas.microsoft.com/office/powerpoint/2010/main" val="1478011774"/>
+        <p14:creationId xmlns:p14="http://schemas.microsoft.com/office/powerpoint/2010/main" val="236089455"/>
       </p:ext>
     </p:extLst>
   </p:cSld>
@@ -10669,6 +10678,94 @@
           <a:p>
             <a:r>
               <a:rPr lang="en-US" dirty="0"/>
+              <a:t>HW</a:t>
+            </a:r>
+          </a:p>
+        </p:txBody>
+      </p:sp>
+      <p:sp>
+        <p:nvSpPr>
+          <p:cNvPr id="3" name="Content Placeholder 2">
+            <a:extLst>
+              <a:ext uri="{FF2B5EF4-FFF2-40B4-BE49-F238E27FC236}">
+                <a16:creationId xmlns:a16="http://schemas.microsoft.com/office/drawing/2014/main" id="{4D96329F-70CA-D930-B844-FB5264890AD1}"/>
+              </a:ext>
+            </a:extLst>
+          </p:cNvPr>
+          <p:cNvSpPr>
+            <a:spLocks noGrp="1"/>
+          </p:cNvSpPr>
+          <p:nvPr>
+            <p:ph idx="1"/>
+          </p:nvPr>
+        </p:nvSpPr>
+        <p:spPr/>
+        <p:txBody>
+          <a:bodyPr>
+            <a:normAutofit/>
+          </a:bodyPr>
+          <a:lstStyle/>
+          <a:p>
+            <a:r>
+              <a:rPr lang="en-US" sz="1800" dirty="0"/>
+              <a:t>create edit card popup</a:t>
+            </a:r>
+          </a:p>
+        </p:txBody>
+      </p:sp>
+    </p:spTree>
+    <p:extLst>
+      <p:ext uri="{BB962C8B-B14F-4D97-AF65-F5344CB8AC3E}">
+        <p14:creationId xmlns:p14="http://schemas.microsoft.com/office/powerpoint/2010/main" val="1478011774"/>
+      </p:ext>
+    </p:extLst>
+  </p:cSld>
+  <p:clrMapOvr>
+    <a:masterClrMapping/>
+  </p:clrMapOvr>
+</p:sld>
+</file>
+
+<file path=ppt/slides/slide46.xml><?xml version="1.0" encoding="utf-8"?>
+<p:sld xmlns:a="http://schemas.openxmlformats.org/drawingml/2006/main" xmlns:r="http://schemas.openxmlformats.org/officeDocument/2006/relationships" xmlns:p="http://schemas.openxmlformats.org/presentationml/2006/main">
+  <p:cSld>
+    <p:spTree>
+      <p:nvGrpSpPr>
+        <p:cNvPr id="1" name=""/>
+        <p:cNvGrpSpPr/>
+        <p:nvPr/>
+      </p:nvGrpSpPr>
+      <p:grpSpPr>
+        <a:xfrm>
+          <a:off x="0" y="0"/>
+          <a:ext cx="0" cy="0"/>
+          <a:chOff x="0" y="0"/>
+          <a:chExt cx="0" cy="0"/>
+        </a:xfrm>
+      </p:grpSpPr>
+      <p:sp>
+        <p:nvSpPr>
+          <p:cNvPr id="2" name="Title 1">
+            <a:extLst>
+              <a:ext uri="{FF2B5EF4-FFF2-40B4-BE49-F238E27FC236}">
+                <a16:creationId xmlns:a16="http://schemas.microsoft.com/office/drawing/2014/main" id="{8A56E29C-09F7-B711-591E-BDC97066A449}"/>
+              </a:ext>
+            </a:extLst>
+          </p:cNvPr>
+          <p:cNvSpPr>
+            <a:spLocks noGrp="1"/>
+          </p:cNvSpPr>
+          <p:nvPr>
+            <p:ph type="title"/>
+          </p:nvPr>
+        </p:nvSpPr>
+        <p:spPr/>
+        <p:txBody>
+          <a:bodyPr/>
+          <a:lstStyle/>
+          <a:p>
+            <a:r>
+              <a:rPr lang="en-US" dirty="0"/>
               <a:t>06/07/2022</a:t>
             </a:r>
           </a:p>
@@ -10875,7 +10972,7 @@
 </p:sld>
 </file>
 
-<file path=ppt/slides/slide46.xml><?xml version="1.0" encoding="utf-8"?>
+<file path=ppt/slides/slide47.xml><?xml version="1.0" encoding="utf-8"?>
 <p:sld xmlns:a="http://schemas.openxmlformats.org/drawingml/2006/main" xmlns:r="http://schemas.openxmlformats.org/officeDocument/2006/relationships" xmlns:p="http://schemas.openxmlformats.org/presentationml/2006/main">
   <p:cSld>
     <p:spTree>
@@ -11019,7 +11116,7 @@
 </p:sld>
 </file>
 
-<file path=ppt/slides/slide47.xml><?xml version="1.0" encoding="utf-8"?>
+<file path=ppt/slides/slide48.xml><?xml version="1.0" encoding="utf-8"?>
 <p:sld xmlns:a="http://schemas.openxmlformats.org/drawingml/2006/main" xmlns:r="http://schemas.openxmlformats.org/officeDocument/2006/relationships" xmlns:p="http://schemas.openxmlformats.org/presentationml/2006/main">
   <p:cSld>
     <p:spTree>
@@ -11166,319 +11263,6 @@
 </p:sld>
 </file>
 
-<file path=ppt/slides/slide48.xml><?xml version="1.0" encoding="utf-8"?>
-<p:sld xmlns:a="http://schemas.openxmlformats.org/drawingml/2006/main" xmlns:r="http://schemas.openxmlformats.org/officeDocument/2006/relationships" xmlns:p="http://schemas.openxmlformats.org/presentationml/2006/main">
-  <p:cSld>
-    <p:spTree>
-      <p:nvGrpSpPr>
-        <p:cNvPr id="1" name=""/>
-        <p:cNvGrpSpPr/>
-        <p:nvPr/>
-      </p:nvGrpSpPr>
-      <p:grpSpPr>
-        <a:xfrm>
-          <a:off x="0" y="0"/>
-          <a:ext cx="0" cy="0"/>
-          <a:chOff x="0" y="0"/>
-          <a:chExt cx="0" cy="0"/>
-        </a:xfrm>
-      </p:grpSpPr>
-      <p:sp>
-        <p:nvSpPr>
-          <p:cNvPr id="2" name="Title 1">
-            <a:extLst>
-              <a:ext uri="{FF2B5EF4-FFF2-40B4-BE49-F238E27FC236}">
-                <a16:creationId xmlns:a16="http://schemas.microsoft.com/office/drawing/2014/main" id="{8A56E29C-09F7-B711-591E-BDC97066A449}"/>
-              </a:ext>
-            </a:extLst>
-          </p:cNvPr>
-          <p:cNvSpPr>
-            <a:spLocks noGrp="1"/>
-          </p:cNvSpPr>
-          <p:nvPr>
-            <p:ph type="title"/>
-          </p:nvPr>
-        </p:nvSpPr>
-        <p:spPr/>
-        <p:txBody>
-          <a:bodyPr/>
-          <a:lstStyle/>
-          <a:p>
-            <a:r>
-              <a:rPr lang="en-US" dirty="0"/>
-              <a:t>bubbling - problem</a:t>
-            </a:r>
-          </a:p>
-        </p:txBody>
-      </p:sp>
-      <p:sp>
-        <p:nvSpPr>
-          <p:cNvPr id="3" name="Content Placeholder 2">
-            <a:extLst>
-              <a:ext uri="{FF2B5EF4-FFF2-40B4-BE49-F238E27FC236}">
-                <a16:creationId xmlns:a16="http://schemas.microsoft.com/office/drawing/2014/main" id="{4D96329F-70CA-D930-B844-FB5264890AD1}"/>
-              </a:ext>
-            </a:extLst>
-          </p:cNvPr>
-          <p:cNvSpPr>
-            <a:spLocks noGrp="1"/>
-          </p:cNvSpPr>
-          <p:nvPr>
-            <p:ph idx="1"/>
-          </p:nvPr>
-        </p:nvSpPr>
-        <p:spPr/>
-        <p:txBody>
-          <a:bodyPr>
-            <a:normAutofit lnSpcReduction="10000"/>
-          </a:bodyPr>
-          <a:lstStyle/>
-          <a:p>
-            <a:r>
-              <a:rPr lang="en-US" sz="2000" b="0" i="1" dirty="0">
-                <a:solidFill>
-                  <a:srgbClr val="848BBD"/>
-                </a:solidFill>
-                <a:effectLst/>
-                <a:latin typeface="Consolas" panose="020B0609020204030204" pitchFamily="49" charset="0"/>
-              </a:rPr>
-              <a:t>    because we use onclick of the div (parent)</a:t>
-            </a:r>
-            <a:endParaRPr lang="en-US" sz="2000" b="0" dirty="0">
-              <a:solidFill>
-                <a:srgbClr val="BBBBBB"/>
-              </a:solidFill>
-              <a:effectLst/>
-              <a:latin typeface="Consolas" panose="020B0609020204030204" pitchFamily="49" charset="0"/>
-            </a:endParaRPr>
-          </a:p>
-          <a:p>
-            <a:r>
-              <a:rPr lang="en-US" sz="2000" b="0" i="1" dirty="0">
-                <a:solidFill>
-                  <a:srgbClr val="848BBD"/>
-                </a:solidFill>
-                <a:effectLst/>
-                <a:latin typeface="Consolas" panose="020B0609020204030204" pitchFamily="49" charset="0"/>
-              </a:rPr>
-              <a:t>    when we click on elms inside this div</a:t>
-            </a:r>
-            <a:endParaRPr lang="en-US" sz="2000" b="0" dirty="0">
-              <a:solidFill>
-                <a:srgbClr val="BBBBBB"/>
-              </a:solidFill>
-              <a:effectLst/>
-              <a:latin typeface="Consolas" panose="020B0609020204030204" pitchFamily="49" charset="0"/>
-            </a:endParaRPr>
-          </a:p>
-          <a:p>
-            <a:r>
-              <a:rPr lang="en-US" sz="2000" b="0" i="1" dirty="0">
-                <a:solidFill>
-                  <a:srgbClr val="848BBD"/>
-                </a:solidFill>
-                <a:effectLst/>
-                <a:latin typeface="Consolas" panose="020B0609020204030204" pitchFamily="49" charset="0"/>
-              </a:rPr>
-              <a:t>    </a:t>
-            </a:r>
-            <a:r>
-              <a:rPr lang="en-US" sz="2000" b="0" i="1" dirty="0" err="1">
-                <a:solidFill>
-                  <a:srgbClr val="848BBD"/>
-                </a:solidFill>
-                <a:effectLst/>
-                <a:latin typeface="Consolas" panose="020B0609020204030204" pitchFamily="49" charset="0"/>
-              </a:rPr>
-              <a:t>js</a:t>
-            </a:r>
-            <a:r>
-              <a:rPr lang="en-US" sz="2000" b="0" i="1" dirty="0">
-                <a:solidFill>
-                  <a:srgbClr val="848BBD"/>
-                </a:solidFill>
-                <a:effectLst/>
-                <a:latin typeface="Consolas" panose="020B0609020204030204" pitchFamily="49" charset="0"/>
-              </a:rPr>
-              <a:t> activates the onclick of the div (parent)</a:t>
-            </a:r>
-            <a:endParaRPr lang="en-US" sz="2000" b="0" dirty="0">
-              <a:solidFill>
-                <a:srgbClr val="BBBBBB"/>
-              </a:solidFill>
-              <a:effectLst/>
-              <a:latin typeface="Consolas" panose="020B0609020204030204" pitchFamily="49" charset="0"/>
-            </a:endParaRPr>
-          </a:p>
-          <a:p>
-            <a:r>
-              <a:rPr lang="en-US" sz="2000" b="0" i="1" dirty="0">
-                <a:solidFill>
-                  <a:srgbClr val="848BBD"/>
-                </a:solidFill>
-                <a:effectLst/>
-                <a:latin typeface="Consolas" panose="020B0609020204030204" pitchFamily="49" charset="0"/>
-              </a:rPr>
-              <a:t>    as well, this cause a bug because each time</a:t>
-            </a:r>
-            <a:endParaRPr lang="en-US" sz="2000" b="0" dirty="0">
-              <a:solidFill>
-                <a:srgbClr val="BBBBBB"/>
-              </a:solidFill>
-              <a:effectLst/>
-              <a:latin typeface="Consolas" panose="020B0609020204030204" pitchFamily="49" charset="0"/>
-            </a:endParaRPr>
-          </a:p>
-          <a:p>
-            <a:r>
-              <a:rPr lang="en-US" sz="2000" b="0" i="1" dirty="0">
-                <a:solidFill>
-                  <a:srgbClr val="848BBD"/>
-                </a:solidFill>
-                <a:effectLst/>
-                <a:latin typeface="Consolas" panose="020B0609020204030204" pitchFamily="49" charset="0"/>
-              </a:rPr>
-              <a:t>    we will press on anything inside the form</a:t>
-            </a:r>
-            <a:endParaRPr lang="en-US" sz="2000" b="0" dirty="0">
-              <a:solidFill>
-                <a:srgbClr val="BBBBBB"/>
-              </a:solidFill>
-              <a:effectLst/>
-              <a:latin typeface="Consolas" panose="020B0609020204030204" pitchFamily="49" charset="0"/>
-            </a:endParaRPr>
-          </a:p>
-          <a:p>
-            <a:r>
-              <a:rPr lang="en-US" sz="2000" b="0" i="1" dirty="0">
-                <a:solidFill>
-                  <a:srgbClr val="848BBD"/>
-                </a:solidFill>
-                <a:effectLst/>
-                <a:latin typeface="Consolas" panose="020B0609020204030204" pitchFamily="49" charset="0"/>
-              </a:rPr>
-              <a:t>    it will hide the popup.</a:t>
-            </a:r>
-            <a:endParaRPr lang="en-US" sz="2000" b="0" dirty="0">
-              <a:solidFill>
-                <a:srgbClr val="BBBBBB"/>
-              </a:solidFill>
-              <a:effectLst/>
-              <a:latin typeface="Consolas" panose="020B0609020204030204" pitchFamily="49" charset="0"/>
-            </a:endParaRPr>
-          </a:p>
-          <a:p>
-            <a:r>
-              <a:rPr lang="en-US" sz="2000" b="0" i="1" dirty="0">
-                <a:solidFill>
-                  <a:srgbClr val="848BBD"/>
-                </a:solidFill>
-                <a:effectLst/>
-                <a:latin typeface="Consolas" panose="020B0609020204030204" pitchFamily="49" charset="0"/>
-              </a:rPr>
-              <a:t>    to stop this we must use onclick of the from</a:t>
-            </a:r>
-            <a:endParaRPr lang="en-US" sz="2000" b="0" dirty="0">
-              <a:solidFill>
-                <a:srgbClr val="BBBBBB"/>
-              </a:solidFill>
-              <a:effectLst/>
-              <a:latin typeface="Consolas" panose="020B0609020204030204" pitchFamily="49" charset="0"/>
-            </a:endParaRPr>
-          </a:p>
-          <a:p>
-            <a:r>
-              <a:rPr lang="en-US" sz="2000" b="0" i="1" dirty="0">
-                <a:solidFill>
-                  <a:srgbClr val="848BBD"/>
-                </a:solidFill>
-                <a:effectLst/>
-                <a:latin typeface="Consolas" panose="020B0609020204030204" pitchFamily="49" charset="0"/>
-              </a:rPr>
-              <a:t>    and use </a:t>
-            </a:r>
-            <a:r>
-              <a:rPr lang="en-US" sz="2000" b="0" i="1" dirty="0" err="1">
-                <a:solidFill>
-                  <a:srgbClr val="848BBD"/>
-                </a:solidFill>
-                <a:effectLst/>
-                <a:latin typeface="Consolas" panose="020B0609020204030204" pitchFamily="49" charset="0"/>
-              </a:rPr>
-              <a:t>ev.stopPropagation</a:t>
-            </a:r>
-            <a:r>
-              <a:rPr lang="en-US" sz="2000" b="0" i="1" dirty="0">
-                <a:solidFill>
-                  <a:srgbClr val="848BBD"/>
-                </a:solidFill>
-                <a:effectLst/>
-                <a:latin typeface="Consolas" panose="020B0609020204030204" pitchFamily="49" charset="0"/>
-              </a:rPr>
-              <a:t>(); command to tell</a:t>
-            </a:r>
-            <a:endParaRPr lang="en-US" sz="2000" b="0" dirty="0">
-              <a:solidFill>
-                <a:srgbClr val="BBBBBB"/>
-              </a:solidFill>
-              <a:effectLst/>
-              <a:latin typeface="Consolas" panose="020B0609020204030204" pitchFamily="49" charset="0"/>
-            </a:endParaRPr>
-          </a:p>
-          <a:p>
-            <a:r>
-              <a:rPr lang="en-US" sz="2000" b="0" i="1" dirty="0">
-                <a:solidFill>
-                  <a:srgbClr val="848BBD"/>
-                </a:solidFill>
-                <a:effectLst/>
-                <a:latin typeface="Consolas" panose="020B0609020204030204" pitchFamily="49" charset="0"/>
-              </a:rPr>
-              <a:t>    </a:t>
-            </a:r>
-            <a:r>
-              <a:rPr lang="en-US" sz="2000" b="0" i="1" dirty="0" err="1">
-                <a:solidFill>
-                  <a:srgbClr val="848BBD"/>
-                </a:solidFill>
-                <a:effectLst/>
-                <a:latin typeface="Consolas" panose="020B0609020204030204" pitchFamily="49" charset="0"/>
-              </a:rPr>
-              <a:t>js</a:t>
-            </a:r>
-            <a:r>
-              <a:rPr lang="en-US" sz="2000" b="0" i="1" dirty="0">
-                <a:solidFill>
-                  <a:srgbClr val="848BBD"/>
-                </a:solidFill>
-                <a:effectLst/>
-                <a:latin typeface="Consolas" panose="020B0609020204030204" pitchFamily="49" charset="0"/>
-              </a:rPr>
-              <a:t> don't use onclick of the div (parent)</a:t>
-            </a:r>
-            <a:endParaRPr lang="en-US" sz="2000" b="0" dirty="0">
-              <a:solidFill>
-                <a:srgbClr val="BBBBBB"/>
-              </a:solidFill>
-              <a:effectLst/>
-              <a:latin typeface="Consolas" panose="020B0609020204030204" pitchFamily="49" charset="0"/>
-            </a:endParaRPr>
-          </a:p>
-        </p:txBody>
-      </p:sp>
-    </p:spTree>
-    <p:extLst>
-      <p:ext uri="{BB962C8B-B14F-4D97-AF65-F5344CB8AC3E}">
-        <p14:creationId xmlns:p14="http://schemas.microsoft.com/office/powerpoint/2010/main" val="2868801317"/>
-      </p:ext>
-    </p:extLst>
-  </p:cSld>
-  <p:clrMapOvr>
-    <a:masterClrMapping/>
-  </p:clrMapOvr>
-</p:sld>
-</file>
-
 <file path=ppt/slides/slide49.xml><?xml version="1.0" encoding="utf-8"?>
 <p:sld xmlns:a="http://schemas.openxmlformats.org/drawingml/2006/main" xmlns:r="http://schemas.openxmlformats.org/officeDocument/2006/relationships" xmlns:p="http://schemas.openxmlformats.org/presentationml/2006/main">
   <p:cSld>
@@ -11501,7 +11285,7 @@
           <p:cNvPr id="2" name="Title 1">
             <a:extLst>
               <a:ext uri="{FF2B5EF4-FFF2-40B4-BE49-F238E27FC236}">
-                <a16:creationId xmlns:a16="http://schemas.microsoft.com/office/drawing/2014/main" id="{78E8ABDA-916E-AB3F-5616-E014AEDD3C2A}"/>
+                <a16:creationId xmlns:a16="http://schemas.microsoft.com/office/drawing/2014/main" id="{8A56E29C-09F7-B711-591E-BDC97066A449}"/>
               </a:ext>
             </a:extLst>
           </p:cNvPr>
@@ -11519,7 +11303,7 @@
           <a:p>
             <a:r>
               <a:rPr lang="en-US" dirty="0"/>
-              <a:t>redux</a:t>
+              <a:t>bubbling - problem</a:t>
             </a:r>
           </a:p>
         </p:txBody>
@@ -11529,7 +11313,7 @@
           <p:cNvPr id="3" name="Content Placeholder 2">
             <a:extLst>
               <a:ext uri="{FF2B5EF4-FFF2-40B4-BE49-F238E27FC236}">
-                <a16:creationId xmlns:a16="http://schemas.microsoft.com/office/drawing/2014/main" id="{4766888F-D215-2EE0-FF2C-6CEA4A1C33B0}"/>
+                <a16:creationId xmlns:a16="http://schemas.microsoft.com/office/drawing/2014/main" id="{4D96329F-70CA-D930-B844-FB5264890AD1}"/>
               </a:ext>
             </a:extLst>
           </p:cNvPr>
@@ -11542,62 +11326,247 @@
         </p:nvSpPr>
         <p:spPr/>
         <p:txBody>
-          <a:bodyPr/>
-          <a:lstStyle/>
-          <a:p>
-            <a:r>
-              <a:rPr lang="en-US" dirty="0"/>
-              <a:t>come to solve a big problem with passing data between components/pages</a:t>
-            </a:r>
-          </a:p>
-          <a:p>
-            <a:r>
-              <a:rPr lang="en-US" dirty="0"/>
-              <a:t>by creating global state accessible from all the components/pages</a:t>
-            </a:r>
-          </a:p>
-          <a:p>
-            <a:endParaRPr lang="en-US" dirty="0"/>
-          </a:p>
-          <a:p>
-            <a:r>
-              <a:rPr lang="en-US" dirty="0"/>
-              <a:t>to install redux use this commands</a:t>
-            </a:r>
-          </a:p>
-          <a:p>
-            <a:endParaRPr lang="en-US" dirty="0"/>
-          </a:p>
-          <a:p>
-            <a:r>
-              <a:rPr lang="en-US" dirty="0" err="1"/>
-              <a:t>npm</a:t>
-            </a:r>
-            <a:r>
-              <a:rPr lang="en-US" dirty="0"/>
-              <a:t> </a:t>
-            </a:r>
-            <a:r>
-              <a:rPr lang="en-US" dirty="0" err="1"/>
-              <a:t>i</a:t>
-            </a:r>
-            <a:r>
-              <a:rPr lang="en-US" dirty="0"/>
-              <a:t> redux react-redux @reduxjs/toolkit</a:t>
-            </a:r>
-          </a:p>
-          <a:p>
-            <a:endParaRPr lang="en-US" dirty="0"/>
-          </a:p>
-          <a:p>
-            <a:endParaRPr lang="en-US" dirty="0"/>
+          <a:bodyPr>
+            <a:normAutofit lnSpcReduction="10000"/>
+          </a:bodyPr>
+          <a:lstStyle/>
+          <a:p>
+            <a:r>
+              <a:rPr lang="en-US" sz="2000" b="0" i="1" dirty="0">
+                <a:solidFill>
+                  <a:srgbClr val="848BBD"/>
+                </a:solidFill>
+                <a:effectLst/>
+                <a:latin typeface="Consolas" panose="020B0609020204030204" pitchFamily="49" charset="0"/>
+              </a:rPr>
+              <a:t>    because we use onclick of the div (parent)</a:t>
+            </a:r>
+            <a:endParaRPr lang="en-US" sz="2000" b="0" dirty="0">
+              <a:solidFill>
+                <a:srgbClr val="BBBBBB"/>
+              </a:solidFill>
+              <a:effectLst/>
+              <a:latin typeface="Consolas" panose="020B0609020204030204" pitchFamily="49" charset="0"/>
+            </a:endParaRPr>
+          </a:p>
+          <a:p>
+            <a:r>
+              <a:rPr lang="en-US" sz="2000" b="0" i="1" dirty="0">
+                <a:solidFill>
+                  <a:srgbClr val="848BBD"/>
+                </a:solidFill>
+                <a:effectLst/>
+                <a:latin typeface="Consolas" panose="020B0609020204030204" pitchFamily="49" charset="0"/>
+              </a:rPr>
+              <a:t>    when we click on elms inside this div</a:t>
+            </a:r>
+            <a:endParaRPr lang="en-US" sz="2000" b="0" dirty="0">
+              <a:solidFill>
+                <a:srgbClr val="BBBBBB"/>
+              </a:solidFill>
+              <a:effectLst/>
+              <a:latin typeface="Consolas" panose="020B0609020204030204" pitchFamily="49" charset="0"/>
+            </a:endParaRPr>
+          </a:p>
+          <a:p>
+            <a:r>
+              <a:rPr lang="en-US" sz="2000" b="0" i="1" dirty="0">
+                <a:solidFill>
+                  <a:srgbClr val="848BBD"/>
+                </a:solidFill>
+                <a:effectLst/>
+                <a:latin typeface="Consolas" panose="020B0609020204030204" pitchFamily="49" charset="0"/>
+              </a:rPr>
+              <a:t>    </a:t>
+            </a:r>
+            <a:r>
+              <a:rPr lang="en-US" sz="2000" b="0" i="1" dirty="0" err="1">
+                <a:solidFill>
+                  <a:srgbClr val="848BBD"/>
+                </a:solidFill>
+                <a:effectLst/>
+                <a:latin typeface="Consolas" panose="020B0609020204030204" pitchFamily="49" charset="0"/>
+              </a:rPr>
+              <a:t>js</a:t>
+            </a:r>
+            <a:r>
+              <a:rPr lang="en-US" sz="2000" b="0" i="1" dirty="0">
+                <a:solidFill>
+                  <a:srgbClr val="848BBD"/>
+                </a:solidFill>
+                <a:effectLst/>
+                <a:latin typeface="Consolas" panose="020B0609020204030204" pitchFamily="49" charset="0"/>
+              </a:rPr>
+              <a:t> activates the onclick of the div (parent)</a:t>
+            </a:r>
+            <a:endParaRPr lang="en-US" sz="2000" b="0" dirty="0">
+              <a:solidFill>
+                <a:srgbClr val="BBBBBB"/>
+              </a:solidFill>
+              <a:effectLst/>
+              <a:latin typeface="Consolas" panose="020B0609020204030204" pitchFamily="49" charset="0"/>
+            </a:endParaRPr>
+          </a:p>
+          <a:p>
+            <a:r>
+              <a:rPr lang="en-US" sz="2000" b="0" i="1" dirty="0">
+                <a:solidFill>
+                  <a:srgbClr val="848BBD"/>
+                </a:solidFill>
+                <a:effectLst/>
+                <a:latin typeface="Consolas" panose="020B0609020204030204" pitchFamily="49" charset="0"/>
+              </a:rPr>
+              <a:t>    as well, this cause a bug because each time</a:t>
+            </a:r>
+            <a:endParaRPr lang="en-US" sz="2000" b="0" dirty="0">
+              <a:solidFill>
+                <a:srgbClr val="BBBBBB"/>
+              </a:solidFill>
+              <a:effectLst/>
+              <a:latin typeface="Consolas" panose="020B0609020204030204" pitchFamily="49" charset="0"/>
+            </a:endParaRPr>
+          </a:p>
+          <a:p>
+            <a:r>
+              <a:rPr lang="en-US" sz="2000" b="0" i="1" dirty="0">
+                <a:solidFill>
+                  <a:srgbClr val="848BBD"/>
+                </a:solidFill>
+                <a:effectLst/>
+                <a:latin typeface="Consolas" panose="020B0609020204030204" pitchFamily="49" charset="0"/>
+              </a:rPr>
+              <a:t>    we will press on anything inside the form</a:t>
+            </a:r>
+            <a:endParaRPr lang="en-US" sz="2000" b="0" dirty="0">
+              <a:solidFill>
+                <a:srgbClr val="BBBBBB"/>
+              </a:solidFill>
+              <a:effectLst/>
+              <a:latin typeface="Consolas" panose="020B0609020204030204" pitchFamily="49" charset="0"/>
+            </a:endParaRPr>
+          </a:p>
+          <a:p>
+            <a:r>
+              <a:rPr lang="en-US" sz="2000" b="0" i="1" dirty="0">
+                <a:solidFill>
+                  <a:srgbClr val="848BBD"/>
+                </a:solidFill>
+                <a:effectLst/>
+                <a:latin typeface="Consolas" panose="020B0609020204030204" pitchFamily="49" charset="0"/>
+              </a:rPr>
+              <a:t>    it will hide the popup.</a:t>
+            </a:r>
+            <a:endParaRPr lang="en-US" sz="2000" b="0" dirty="0">
+              <a:solidFill>
+                <a:srgbClr val="BBBBBB"/>
+              </a:solidFill>
+              <a:effectLst/>
+              <a:latin typeface="Consolas" panose="020B0609020204030204" pitchFamily="49" charset="0"/>
+            </a:endParaRPr>
+          </a:p>
+          <a:p>
+            <a:r>
+              <a:rPr lang="en-US" sz="2000" b="0" i="1" dirty="0">
+                <a:solidFill>
+                  <a:srgbClr val="848BBD"/>
+                </a:solidFill>
+                <a:effectLst/>
+                <a:latin typeface="Consolas" panose="020B0609020204030204" pitchFamily="49" charset="0"/>
+              </a:rPr>
+              <a:t>    to stop this we must use onclick of the from</a:t>
+            </a:r>
+            <a:endParaRPr lang="en-US" sz="2000" b="0" dirty="0">
+              <a:solidFill>
+                <a:srgbClr val="BBBBBB"/>
+              </a:solidFill>
+              <a:effectLst/>
+              <a:latin typeface="Consolas" panose="020B0609020204030204" pitchFamily="49" charset="0"/>
+            </a:endParaRPr>
+          </a:p>
+          <a:p>
+            <a:r>
+              <a:rPr lang="en-US" sz="2000" b="0" i="1" dirty="0">
+                <a:solidFill>
+                  <a:srgbClr val="848BBD"/>
+                </a:solidFill>
+                <a:effectLst/>
+                <a:latin typeface="Consolas" panose="020B0609020204030204" pitchFamily="49" charset="0"/>
+              </a:rPr>
+              <a:t>    and use </a:t>
+            </a:r>
+            <a:r>
+              <a:rPr lang="en-US" sz="2000" b="0" i="1" dirty="0" err="1">
+                <a:solidFill>
+                  <a:srgbClr val="848BBD"/>
+                </a:solidFill>
+                <a:effectLst/>
+                <a:latin typeface="Consolas" panose="020B0609020204030204" pitchFamily="49" charset="0"/>
+              </a:rPr>
+              <a:t>ev.stopPropagation</a:t>
+            </a:r>
+            <a:r>
+              <a:rPr lang="en-US" sz="2000" b="0" i="1" dirty="0">
+                <a:solidFill>
+                  <a:srgbClr val="848BBD"/>
+                </a:solidFill>
+                <a:effectLst/>
+                <a:latin typeface="Consolas" panose="020B0609020204030204" pitchFamily="49" charset="0"/>
+              </a:rPr>
+              <a:t>(); command to tell</a:t>
+            </a:r>
+            <a:endParaRPr lang="en-US" sz="2000" b="0" dirty="0">
+              <a:solidFill>
+                <a:srgbClr val="BBBBBB"/>
+              </a:solidFill>
+              <a:effectLst/>
+              <a:latin typeface="Consolas" panose="020B0609020204030204" pitchFamily="49" charset="0"/>
+            </a:endParaRPr>
+          </a:p>
+          <a:p>
+            <a:r>
+              <a:rPr lang="en-US" sz="2000" b="0" i="1" dirty="0">
+                <a:solidFill>
+                  <a:srgbClr val="848BBD"/>
+                </a:solidFill>
+                <a:effectLst/>
+                <a:latin typeface="Consolas" panose="020B0609020204030204" pitchFamily="49" charset="0"/>
+              </a:rPr>
+              <a:t>    </a:t>
+            </a:r>
+            <a:r>
+              <a:rPr lang="en-US" sz="2000" b="0" i="1" dirty="0" err="1">
+                <a:solidFill>
+                  <a:srgbClr val="848BBD"/>
+                </a:solidFill>
+                <a:effectLst/>
+                <a:latin typeface="Consolas" panose="020B0609020204030204" pitchFamily="49" charset="0"/>
+              </a:rPr>
+              <a:t>js</a:t>
+            </a:r>
+            <a:r>
+              <a:rPr lang="en-US" sz="2000" b="0" i="1" dirty="0">
+                <a:solidFill>
+                  <a:srgbClr val="848BBD"/>
+                </a:solidFill>
+                <a:effectLst/>
+                <a:latin typeface="Consolas" panose="020B0609020204030204" pitchFamily="49" charset="0"/>
+              </a:rPr>
+              <a:t> don't use onclick of the div (parent)</a:t>
+            </a:r>
+            <a:endParaRPr lang="en-US" sz="2000" b="0" dirty="0">
+              <a:solidFill>
+                <a:srgbClr val="BBBBBB"/>
+              </a:solidFill>
+              <a:effectLst/>
+              <a:latin typeface="Consolas" panose="020B0609020204030204" pitchFamily="49" charset="0"/>
+            </a:endParaRPr>
           </a:p>
         </p:txBody>
       </p:sp>
     </p:spTree>
     <p:extLst>
       <p:ext uri="{BB962C8B-B14F-4D97-AF65-F5344CB8AC3E}">
-        <p14:creationId xmlns:p14="http://schemas.microsoft.com/office/powerpoint/2010/main" val="2442028270"/>
+        <p14:creationId xmlns:p14="http://schemas.microsoft.com/office/powerpoint/2010/main" val="2868801317"/>
       </p:ext>
     </p:extLst>
   </p:cSld>
@@ -11746,6 +11715,134 @@
 </file>
 
 <file path=ppt/slides/slide50.xml><?xml version="1.0" encoding="utf-8"?>
+<p:sld xmlns:a="http://schemas.openxmlformats.org/drawingml/2006/main" xmlns:r="http://schemas.openxmlformats.org/officeDocument/2006/relationships" xmlns:p="http://schemas.openxmlformats.org/presentationml/2006/main">
+  <p:cSld>
+    <p:spTree>
+      <p:nvGrpSpPr>
+        <p:cNvPr id="1" name=""/>
+        <p:cNvGrpSpPr/>
+        <p:nvPr/>
+      </p:nvGrpSpPr>
+      <p:grpSpPr>
+        <a:xfrm>
+          <a:off x="0" y="0"/>
+          <a:ext cx="0" cy="0"/>
+          <a:chOff x="0" y="0"/>
+          <a:chExt cx="0" cy="0"/>
+        </a:xfrm>
+      </p:grpSpPr>
+      <p:sp>
+        <p:nvSpPr>
+          <p:cNvPr id="2" name="Title 1">
+            <a:extLst>
+              <a:ext uri="{FF2B5EF4-FFF2-40B4-BE49-F238E27FC236}">
+                <a16:creationId xmlns:a16="http://schemas.microsoft.com/office/drawing/2014/main" id="{78E8ABDA-916E-AB3F-5616-E014AEDD3C2A}"/>
+              </a:ext>
+            </a:extLst>
+          </p:cNvPr>
+          <p:cNvSpPr>
+            <a:spLocks noGrp="1"/>
+          </p:cNvSpPr>
+          <p:nvPr>
+            <p:ph type="title"/>
+          </p:nvPr>
+        </p:nvSpPr>
+        <p:spPr/>
+        <p:txBody>
+          <a:bodyPr/>
+          <a:lstStyle/>
+          <a:p>
+            <a:r>
+              <a:rPr lang="en-US" dirty="0"/>
+              <a:t>redux</a:t>
+            </a:r>
+          </a:p>
+        </p:txBody>
+      </p:sp>
+      <p:sp>
+        <p:nvSpPr>
+          <p:cNvPr id="3" name="Content Placeholder 2">
+            <a:extLst>
+              <a:ext uri="{FF2B5EF4-FFF2-40B4-BE49-F238E27FC236}">
+                <a16:creationId xmlns:a16="http://schemas.microsoft.com/office/drawing/2014/main" id="{4766888F-D215-2EE0-FF2C-6CEA4A1C33B0}"/>
+              </a:ext>
+            </a:extLst>
+          </p:cNvPr>
+          <p:cNvSpPr>
+            <a:spLocks noGrp="1"/>
+          </p:cNvSpPr>
+          <p:nvPr>
+            <p:ph idx="1"/>
+          </p:nvPr>
+        </p:nvSpPr>
+        <p:spPr/>
+        <p:txBody>
+          <a:bodyPr/>
+          <a:lstStyle/>
+          <a:p>
+            <a:r>
+              <a:rPr lang="en-US" dirty="0"/>
+              <a:t>come to solve a big problem with passing data between components/pages</a:t>
+            </a:r>
+          </a:p>
+          <a:p>
+            <a:r>
+              <a:rPr lang="en-US" dirty="0"/>
+              <a:t>by creating global state accessible from all the components/pages</a:t>
+            </a:r>
+          </a:p>
+          <a:p>
+            <a:endParaRPr lang="en-US" dirty="0"/>
+          </a:p>
+          <a:p>
+            <a:r>
+              <a:rPr lang="en-US" dirty="0"/>
+              <a:t>to install redux use this commands</a:t>
+            </a:r>
+          </a:p>
+          <a:p>
+            <a:endParaRPr lang="en-US" dirty="0"/>
+          </a:p>
+          <a:p>
+            <a:r>
+              <a:rPr lang="en-US" dirty="0" err="1"/>
+              <a:t>npm</a:t>
+            </a:r>
+            <a:r>
+              <a:rPr lang="en-US" dirty="0"/>
+              <a:t> </a:t>
+            </a:r>
+            <a:r>
+              <a:rPr lang="en-US" dirty="0" err="1"/>
+              <a:t>i</a:t>
+            </a:r>
+            <a:r>
+              <a:rPr lang="en-US" dirty="0"/>
+              <a:t> redux react-redux @reduxjs/toolkit</a:t>
+            </a:r>
+          </a:p>
+          <a:p>
+            <a:endParaRPr lang="en-US" dirty="0"/>
+          </a:p>
+          <a:p>
+            <a:endParaRPr lang="en-US" dirty="0"/>
+          </a:p>
+        </p:txBody>
+      </p:sp>
+    </p:spTree>
+    <p:extLst>
+      <p:ext uri="{BB962C8B-B14F-4D97-AF65-F5344CB8AC3E}">
+        <p14:creationId xmlns:p14="http://schemas.microsoft.com/office/powerpoint/2010/main" val="2442028270"/>
+      </p:ext>
+    </p:extLst>
+  </p:cSld>
+  <p:clrMapOvr>
+    <a:masterClrMapping/>
+  </p:clrMapOvr>
+</p:sld>
+</file>
+
+<file path=ppt/slides/slide51.xml><?xml version="1.0" encoding="utf-8"?>
 <p:sld xmlns:a="http://schemas.openxmlformats.org/drawingml/2006/main" xmlns:r="http://schemas.openxmlformats.org/officeDocument/2006/relationships" xmlns:p="http://schemas.openxmlformats.org/presentationml/2006/main">
   <p:cSld>
     <p:spTree>
@@ -11861,94 +11958,6 @@
 </p:sld>
 </file>
 
-<file path=ppt/slides/slide51.xml><?xml version="1.0" encoding="utf-8"?>
-<p:sld xmlns:a="http://schemas.openxmlformats.org/drawingml/2006/main" xmlns:r="http://schemas.openxmlformats.org/officeDocument/2006/relationships" xmlns:p="http://schemas.openxmlformats.org/presentationml/2006/main">
-  <p:cSld>
-    <p:spTree>
-      <p:nvGrpSpPr>
-        <p:cNvPr id="1" name=""/>
-        <p:cNvGrpSpPr/>
-        <p:nvPr/>
-      </p:nvGrpSpPr>
-      <p:grpSpPr>
-        <a:xfrm>
-          <a:off x="0" y="0"/>
-          <a:ext cx="0" cy="0"/>
-          <a:chOff x="0" y="0"/>
-          <a:chExt cx="0" cy="0"/>
-        </a:xfrm>
-      </p:grpSpPr>
-      <p:sp>
-        <p:nvSpPr>
-          <p:cNvPr id="2" name="Title 1">
-            <a:extLst>
-              <a:ext uri="{FF2B5EF4-FFF2-40B4-BE49-F238E27FC236}">
-                <a16:creationId xmlns:a16="http://schemas.microsoft.com/office/drawing/2014/main" id="{8A56E29C-09F7-B711-591E-BDC97066A449}"/>
-              </a:ext>
-            </a:extLst>
-          </p:cNvPr>
-          <p:cNvSpPr>
-            <a:spLocks noGrp="1"/>
-          </p:cNvSpPr>
-          <p:nvPr>
-            <p:ph type="title"/>
-          </p:nvPr>
-        </p:nvSpPr>
-        <p:spPr/>
-        <p:txBody>
-          <a:bodyPr/>
-          <a:lstStyle/>
-          <a:p>
-            <a:r>
-              <a:rPr lang="en-US" dirty="0"/>
-              <a:t>HW</a:t>
-            </a:r>
-          </a:p>
-        </p:txBody>
-      </p:sp>
-      <p:sp>
-        <p:nvSpPr>
-          <p:cNvPr id="3" name="Content Placeholder 2">
-            <a:extLst>
-              <a:ext uri="{FF2B5EF4-FFF2-40B4-BE49-F238E27FC236}">
-                <a16:creationId xmlns:a16="http://schemas.microsoft.com/office/drawing/2014/main" id="{4D96329F-70CA-D930-B844-FB5264890AD1}"/>
-              </a:ext>
-            </a:extLst>
-          </p:cNvPr>
-          <p:cNvSpPr>
-            <a:spLocks noGrp="1"/>
-          </p:cNvSpPr>
-          <p:nvPr>
-            <p:ph idx="1"/>
-          </p:nvPr>
-        </p:nvSpPr>
-        <p:spPr/>
-        <p:txBody>
-          <a:bodyPr>
-            <a:normAutofit/>
-          </a:bodyPr>
-          <a:lstStyle/>
-          <a:p>
-            <a:r>
-              <a:rPr lang="en-US" sz="1800" dirty="0"/>
-              <a:t>create edit card popup</a:t>
-            </a:r>
-          </a:p>
-        </p:txBody>
-      </p:sp>
-    </p:spTree>
-    <p:extLst>
-      <p:ext uri="{BB962C8B-B14F-4D97-AF65-F5344CB8AC3E}">
-        <p14:creationId xmlns:p14="http://schemas.microsoft.com/office/powerpoint/2010/main" val="2345773700"/>
-      </p:ext>
-    </p:extLst>
-  </p:cSld>
-  <p:clrMapOvr>
-    <a:masterClrMapping/>
-  </p:clrMapOvr>
-</p:sld>
-</file>
-
 <file path=ppt/slides/slide52.xml><?xml version="1.0" encoding="utf-8"?>
 <p:sld xmlns:a="http://schemas.openxmlformats.org/drawingml/2006/main" xmlns:r="http://schemas.openxmlformats.org/officeDocument/2006/relationships" xmlns:p="http://schemas.openxmlformats.org/presentationml/2006/main">
   <p:cSld>
@@ -11989,7 +11998,7 @@
           <a:p>
             <a:r>
               <a:rPr lang="en-US" dirty="0"/>
-              <a:t>11/07/2022</a:t>
+              <a:t>HW</a:t>
             </a:r>
           </a:p>
         </p:txBody>
@@ -12017,64 +12026,17 @@
           </a:bodyPr>
           <a:lstStyle/>
           <a:p>
-            <a:pPr marL="342900" marR="0" lvl="0" indent="-342900">
-              <a:lnSpc>
-                <a:spcPct val="107000"/>
-              </a:lnSpc>
-              <a:spcBef>
-                <a:spcPts val="0"/>
-              </a:spcBef>
-              <a:spcAft>
-                <a:spcPts val="800"/>
-              </a:spcAft>
-              <a:buFont typeface="+mj-lt"/>
-              <a:buAutoNum type="arabicParenR"/>
-            </a:pPr>
-            <a:r>
-              <a:rPr lang="en-US" sz="1800" dirty="0">
-                <a:effectLst/>
-                <a:latin typeface="Calibri" panose="020F0502020204030204" pitchFamily="34" charset="0"/>
-                <a:ea typeface="Calibri" panose="020F0502020204030204" pitchFamily="34" charset="0"/>
-                <a:cs typeface="Arial" panose="020B0604020202020204" pitchFamily="34" charset="0"/>
-              </a:rPr>
-              <a:t>redux</a:t>
-            </a:r>
-          </a:p>
-          <a:p>
-            <a:pPr marL="342900" marR="0" lvl="0" indent="-342900">
-              <a:lnSpc>
-                <a:spcPct val="107000"/>
-              </a:lnSpc>
-              <a:spcBef>
-                <a:spcPts val="0"/>
-              </a:spcBef>
-              <a:spcAft>
-                <a:spcPts val="800"/>
-              </a:spcAft>
-              <a:buFont typeface="+mj-lt"/>
-              <a:buAutoNum type="arabicParenR"/>
-            </a:pPr>
-            <a:r>
-              <a:rPr lang="en-US" sz="1800" dirty="0">
-                <a:latin typeface="Calibri" panose="020F0502020204030204" pitchFamily="34" charset="0"/>
-                <a:ea typeface="Calibri" panose="020F0502020204030204" pitchFamily="34" charset="0"/>
-                <a:cs typeface="Arial" panose="020B0604020202020204" pitchFamily="34" charset="0"/>
-              </a:rPr>
-              <a:t>router</a:t>
-            </a:r>
-            <a:endParaRPr lang="en-US" sz="1800" dirty="0">
-              <a:effectLst/>
-              <a:latin typeface="Calibri" panose="020F0502020204030204" pitchFamily="34" charset="0"/>
-              <a:ea typeface="Calibri" panose="020F0502020204030204" pitchFamily="34" charset="0"/>
-              <a:cs typeface="Arial" panose="020B0604020202020204" pitchFamily="34" charset="0"/>
-            </a:endParaRPr>
+            <a:r>
+              <a:rPr lang="en-US" sz="1800" dirty="0"/>
+              <a:t>create edit card popup</a:t>
+            </a:r>
           </a:p>
         </p:txBody>
       </p:sp>
     </p:spTree>
     <p:extLst>
       <p:ext uri="{BB962C8B-B14F-4D97-AF65-F5344CB8AC3E}">
-        <p14:creationId xmlns:p14="http://schemas.microsoft.com/office/powerpoint/2010/main" val="1137192420"/>
+        <p14:creationId xmlns:p14="http://schemas.microsoft.com/office/powerpoint/2010/main" val="2345773700"/>
       </p:ext>
     </p:extLst>
   </p:cSld>
@@ -12124,7 +12086,7 @@
           <a:p>
             <a:r>
               <a:rPr lang="en-US" dirty="0"/>
-              <a:t>TK</a:t>
+              <a:t>11/07/2022</a:t>
             </a:r>
           </a:p>
         </p:txBody>
@@ -12152,17 +12114,64 @@
           </a:bodyPr>
           <a:lstStyle/>
           <a:p>
-            <a:r>
-              <a:rPr lang="en-US" sz="1800" dirty="0"/>
-              <a:t>create redux slice that will store date</a:t>
-            </a:r>
+            <a:pPr marL="342900" marR="0" lvl="0" indent="-342900">
+              <a:lnSpc>
+                <a:spcPct val="107000"/>
+              </a:lnSpc>
+              <a:spcBef>
+                <a:spcPts val="0"/>
+              </a:spcBef>
+              <a:spcAft>
+                <a:spcPts val="800"/>
+              </a:spcAft>
+              <a:buFont typeface="+mj-lt"/>
+              <a:buAutoNum type="arabicParenR"/>
+            </a:pPr>
+            <a:r>
+              <a:rPr lang="en-US" sz="1800" dirty="0">
+                <a:effectLst/>
+                <a:latin typeface="Calibri" panose="020F0502020204030204" pitchFamily="34" charset="0"/>
+                <a:ea typeface="Calibri" panose="020F0502020204030204" pitchFamily="34" charset="0"/>
+                <a:cs typeface="Arial" panose="020B0604020202020204" pitchFamily="34" charset="0"/>
+              </a:rPr>
+              <a:t>redux</a:t>
+            </a:r>
+          </a:p>
+          <a:p>
+            <a:pPr marL="342900" marR="0" lvl="0" indent="-342900">
+              <a:lnSpc>
+                <a:spcPct val="107000"/>
+              </a:lnSpc>
+              <a:spcBef>
+                <a:spcPts val="0"/>
+              </a:spcBef>
+              <a:spcAft>
+                <a:spcPts val="800"/>
+              </a:spcAft>
+              <a:buFont typeface="+mj-lt"/>
+              <a:buAutoNum type="arabicParenR"/>
+            </a:pPr>
+            <a:r>
+              <a:rPr lang="en-US" sz="1800" dirty="0">
+                <a:latin typeface="Calibri" panose="020F0502020204030204" pitchFamily="34" charset="0"/>
+                <a:ea typeface="Calibri" panose="020F0502020204030204" pitchFamily="34" charset="0"/>
+                <a:cs typeface="Arial" panose="020B0604020202020204" pitchFamily="34" charset="0"/>
+              </a:rPr>
+              <a:t>router</a:t>
+            </a:r>
+            <a:endParaRPr lang="en-US" sz="1800" dirty="0">
+              <a:effectLst/>
+              <a:latin typeface="Calibri" panose="020F0502020204030204" pitchFamily="34" charset="0"/>
+              <a:ea typeface="Calibri" panose="020F0502020204030204" pitchFamily="34" charset="0"/>
+              <a:cs typeface="Arial" panose="020B0604020202020204" pitchFamily="34" charset="0"/>
+            </a:endParaRPr>
           </a:p>
         </p:txBody>
       </p:sp>
     </p:spTree>
     <p:extLst>
       <p:ext uri="{BB962C8B-B14F-4D97-AF65-F5344CB8AC3E}">
-        <p14:creationId xmlns:p14="http://schemas.microsoft.com/office/powerpoint/2010/main" val="178917785"/>
+        <p14:creationId xmlns:p14="http://schemas.microsoft.com/office/powerpoint/2010/main" val="1137192420"/>
       </p:ext>
     </p:extLst>
   </p:cSld>
@@ -12194,7 +12203,7 @@
           <p:cNvPr id="2" name="Title 1">
             <a:extLst>
               <a:ext uri="{FF2B5EF4-FFF2-40B4-BE49-F238E27FC236}">
-                <a16:creationId xmlns:a16="http://schemas.microsoft.com/office/drawing/2014/main" id="{78E8ABDA-916E-AB3F-5616-E014AEDD3C2A}"/>
+                <a16:creationId xmlns:a16="http://schemas.microsoft.com/office/drawing/2014/main" id="{8A56E29C-09F7-B711-591E-BDC97066A449}"/>
               </a:ext>
             </a:extLst>
           </p:cNvPr>
@@ -12212,13 +12221,8 @@
           <a:p>
             <a:r>
               <a:rPr lang="en-US" dirty="0"/>
-              <a:t>redux - </a:t>
-            </a:r>
-            <a:r>
-              <a:rPr lang="en-US" dirty="0" err="1"/>
-              <a:t>useSelector</a:t>
-            </a:r>
-            <a:endParaRPr lang="en-US" dirty="0"/>
+              <a:t>TK</a:t>
+            </a:r>
           </a:p>
         </p:txBody>
       </p:sp>
@@ -12227,7 +12231,7 @@
           <p:cNvPr id="3" name="Content Placeholder 2">
             <a:extLst>
               <a:ext uri="{FF2B5EF4-FFF2-40B4-BE49-F238E27FC236}">
-                <a16:creationId xmlns:a16="http://schemas.microsoft.com/office/drawing/2014/main" id="{4766888F-D215-2EE0-FF2C-6CEA4A1C33B0}"/>
+                <a16:creationId xmlns:a16="http://schemas.microsoft.com/office/drawing/2014/main" id="{4D96329F-70CA-D930-B844-FB5264890AD1}"/>
               </a:ext>
             </a:extLst>
           </p:cNvPr>
@@ -12240,95 +12244,14 @@
         </p:nvSpPr>
         <p:spPr/>
         <p:txBody>
-          <a:bodyPr/>
-          <a:lstStyle/>
-          <a:p>
-            <a:endParaRPr lang="en-US" dirty="0"/>
-          </a:p>
-          <a:p>
-            <a:r>
-              <a:rPr lang="en-US" dirty="0" err="1"/>
-              <a:t>useSelector</a:t>
-            </a:r>
-            <a:r>
-              <a:rPr lang="en-US" dirty="0"/>
-              <a:t> is a hook that allows us to get state from redux and use it in our components</a:t>
-            </a:r>
-          </a:p>
-          <a:p>
-            <a:endParaRPr lang="en-US" dirty="0"/>
-          </a:p>
-          <a:p>
-            <a:r>
-              <a:rPr lang="en-US" dirty="0"/>
-              <a:t>import { </a:t>
-            </a:r>
-            <a:r>
-              <a:rPr lang="en-US" dirty="0" err="1"/>
-              <a:t>useSelector</a:t>
-            </a:r>
-            <a:r>
-              <a:rPr lang="en-US" dirty="0"/>
-              <a:t> } from "react-redux";</a:t>
-            </a:r>
-          </a:p>
-          <a:p>
-            <a:r>
-              <a:rPr lang="en-US" dirty="0"/>
-              <a:t>const </a:t>
-            </a:r>
-            <a:r>
-              <a:rPr lang="en-US" dirty="0" err="1"/>
-              <a:t>loggedIn</a:t>
-            </a:r>
-            <a:r>
-              <a:rPr lang="en-US" dirty="0"/>
-              <a:t> = </a:t>
-            </a:r>
-            <a:r>
-              <a:rPr lang="en-US" dirty="0" err="1"/>
-              <a:t>useSelector</a:t>
-            </a:r>
-            <a:r>
-              <a:rPr lang="en-US" dirty="0"/>
-              <a:t>((state) =&gt; </a:t>
-            </a:r>
-            <a:r>
-              <a:rPr lang="en-US" dirty="0" err="1"/>
-              <a:t>state.auth.loggedIn</a:t>
-            </a:r>
-            <a:r>
-              <a:rPr lang="en-US" dirty="0"/>
-              <a:t>);</a:t>
-            </a:r>
-          </a:p>
-          <a:p>
-            <a:endParaRPr lang="en-US" dirty="0"/>
-          </a:p>
-          <a:p>
-            <a:r>
-              <a:rPr lang="en-US" dirty="0" err="1"/>
-              <a:t>loggedIn</a:t>
-            </a:r>
-            <a:r>
-              <a:rPr lang="en-US" dirty="0"/>
-              <a:t> ? "</a:t>
-            </a:r>
-            <a:r>
-              <a:rPr lang="en-US" dirty="0" err="1"/>
-              <a:t>bg</a:t>
-            </a:r>
-            <a:r>
-              <a:rPr lang="en-US" dirty="0"/>
-              <a:t>-success" : "</a:t>
-            </a:r>
-            <a:r>
-              <a:rPr lang="en-US" dirty="0" err="1"/>
-              <a:t>bg</a:t>
-            </a:r>
-            <a:r>
-              <a:rPr lang="en-US" dirty="0"/>
-              <a:t>-danger"</a:t>
+          <a:bodyPr>
+            <a:normAutofit/>
+          </a:bodyPr>
+          <a:lstStyle/>
+          <a:p>
+            <a:r>
+              <a:rPr lang="en-US" sz="1800" dirty="0"/>
+              <a:t>create redux slice that will store date</a:t>
             </a:r>
           </a:p>
         </p:txBody>
@@ -12336,7 +12259,7 @@
     </p:spTree>
     <p:extLst>
       <p:ext uri="{BB962C8B-B14F-4D97-AF65-F5344CB8AC3E}">
-        <p14:creationId xmlns:p14="http://schemas.microsoft.com/office/powerpoint/2010/main" val="7597072"/>
+        <p14:creationId xmlns:p14="http://schemas.microsoft.com/office/powerpoint/2010/main" val="178917785"/>
       </p:ext>
     </p:extLst>
   </p:cSld>
@@ -12385,13 +12308,14 @@
           <a:lstStyle/>
           <a:p>
             <a:r>
-              <a:rPr lang="en-US" b="1" dirty="0" err="1"/>
-              <a:t>jwt</a:t>
-            </a:r>
-            <a:r>
-              <a:rPr lang="en-US" b="1" dirty="0"/>
-              <a:t>-decode</a:t>
-            </a:r>
+              <a:rPr lang="en-US" dirty="0"/>
+              <a:t>redux - </a:t>
+            </a:r>
+            <a:r>
+              <a:rPr lang="en-US" dirty="0" err="1"/>
+              <a:t>useSelector</a:t>
+            </a:r>
+            <a:endParaRPr lang="en-US" dirty="0"/>
           </a:p>
         </p:txBody>
       </p:sp>
@@ -12413,34 +12337,66 @@
         </p:nvSpPr>
         <p:spPr/>
         <p:txBody>
-          <a:bodyPr>
-            <a:normAutofit/>
-          </a:bodyPr>
-          <a:lstStyle/>
+          <a:bodyPr/>
+          <a:lstStyle/>
+          <a:p>
+            <a:endParaRPr lang="en-US" dirty="0"/>
+          </a:p>
           <a:p>
             <a:r>
               <a:rPr lang="en-US" dirty="0" err="1"/>
-              <a:t>jwt</a:t>
+              <a:t>useSelector</a:t>
             </a:r>
             <a:r>
               <a:rPr lang="en-US" dirty="0"/>
-              <a:t>-decode its an </a:t>
+              <a:t> is a hook that allows us to get state from redux and use it in our components</a:t>
+            </a:r>
+          </a:p>
+          <a:p>
+            <a:endParaRPr lang="en-US" dirty="0"/>
+          </a:p>
+          <a:p>
+            <a:r>
+              <a:rPr lang="en-US" dirty="0"/>
+              <a:t>import { </a:t>
             </a:r>
             <a:r>
               <a:rPr lang="en-US" dirty="0" err="1"/>
-              <a:t>npm</a:t>
+              <a:t>useSelector</a:t>
             </a:r>
             <a:r>
               <a:rPr lang="en-US" dirty="0"/>
-              <a:t> package that allows us to get data stored in </a:t>
+              <a:t> } from "react-redux";</a:t>
+            </a:r>
+          </a:p>
+          <a:p>
+            <a:r>
+              <a:rPr lang="en-US" dirty="0"/>
+              <a:t>const </a:t>
             </a:r>
             <a:r>
               <a:rPr lang="en-US" dirty="0" err="1"/>
-              <a:t>jwt</a:t>
+              <a:t>loggedIn</a:t>
             </a:r>
             <a:r>
               <a:rPr lang="en-US" dirty="0"/>
-              <a:t> token</a:t>
+              <a:t> = </a:t>
+            </a:r>
+            <a:r>
+              <a:rPr lang="en-US" dirty="0" err="1"/>
+              <a:t>useSelector</a:t>
+            </a:r>
+            <a:r>
+              <a:rPr lang="en-US" dirty="0"/>
+              <a:t>((state) =&gt; </a:t>
+            </a:r>
+            <a:r>
+              <a:rPr lang="en-US" dirty="0" err="1"/>
+              <a:t>state.auth.loggedIn</a:t>
+            </a:r>
+            <a:r>
+              <a:rPr lang="en-US" dirty="0"/>
+              <a:t>);</a:t>
             </a:r>
           </a:p>
           <a:p>
@@ -12448,76 +12404,36 @@
           </a:p>
           <a:p>
             <a:r>
+              <a:rPr lang="en-US" dirty="0" err="1"/>
+              <a:t>loggedIn</a:t>
+            </a:r>
+            <a:r>
               <a:rPr lang="en-US" dirty="0"/>
-              <a:t>to install the package we will use </a:t>
-            </a:r>
-          </a:p>
-          <a:p>
+              <a:t> ? "</a:t>
+            </a:r>
             <a:r>
               <a:rPr lang="en-US" dirty="0" err="1"/>
-              <a:t>npm</a:t>
+              <a:t>bg</a:t>
             </a:r>
             <a:r>
               <a:rPr lang="en-US" dirty="0"/>
-              <a:t> </a:t>
+              <a:t>-success" : "</a:t>
             </a:r>
             <a:r>
               <a:rPr lang="en-US" dirty="0" err="1"/>
-              <a:t>i</a:t>
+              <a:t>bg</a:t>
             </a:r>
             <a:r>
               <a:rPr lang="en-US" dirty="0"/>
-              <a:t> </a:t>
-            </a:r>
-            <a:r>
-              <a:rPr lang="en-US" dirty="0" err="1"/>
-              <a:t>jwt</a:t>
-            </a:r>
-            <a:r>
-              <a:rPr lang="en-US" dirty="0"/>
-              <a:t>-decode</a:t>
-            </a:r>
-          </a:p>
-          <a:p>
-            <a:endParaRPr lang="en-US" dirty="0"/>
-          </a:p>
-          <a:p>
-            <a:r>
-              <a:rPr lang="en-US" dirty="0"/>
-              <a:t>to use it:</a:t>
-            </a:r>
-          </a:p>
-          <a:p>
-            <a:r>
-              <a:rPr lang="nl-NL" dirty="0"/>
-              <a:t>import jwt_decode from "jwt-decode";</a:t>
-            </a:r>
-          </a:p>
-          <a:p>
-            <a:r>
-              <a:rPr lang="nl-NL" dirty="0"/>
-              <a:t>let decoded = jwt_decode(token);</a:t>
-            </a:r>
-          </a:p>
-          <a:p>
-            <a:r>
-              <a:rPr lang="nl-NL" dirty="0"/>
-              <a:t> </a:t>
-            </a:r>
-          </a:p>
-          <a:p>
-            <a:r>
-              <a:rPr lang="nl-NL" dirty="0"/>
-              <a:t>console.log(decoded);</a:t>
-            </a:r>
-            <a:endParaRPr lang="en-US" dirty="0"/>
+              <a:t>-danger"</a:t>
+            </a:r>
           </a:p>
         </p:txBody>
       </p:sp>
     </p:spTree>
     <p:extLst>
       <p:ext uri="{BB962C8B-B14F-4D97-AF65-F5344CB8AC3E}">
-        <p14:creationId xmlns:p14="http://schemas.microsoft.com/office/powerpoint/2010/main" val="1257734113"/>
+        <p14:creationId xmlns:p14="http://schemas.microsoft.com/office/powerpoint/2010/main" val="7597072"/>
       </p:ext>
     </p:extLst>
   </p:cSld>
@@ -12549,7 +12465,7 @@
           <p:cNvPr id="2" name="Title 1">
             <a:extLst>
               <a:ext uri="{FF2B5EF4-FFF2-40B4-BE49-F238E27FC236}">
-                <a16:creationId xmlns:a16="http://schemas.microsoft.com/office/drawing/2014/main" id="{8A56E29C-09F7-B711-591E-BDC97066A449}"/>
+                <a16:creationId xmlns:a16="http://schemas.microsoft.com/office/drawing/2014/main" id="{78E8ABDA-916E-AB3F-5616-E014AEDD3C2A}"/>
               </a:ext>
             </a:extLst>
           </p:cNvPr>
@@ -12566,8 +12482,12 @@
           <a:lstStyle/>
           <a:p>
             <a:r>
-              <a:rPr lang="en-US" dirty="0"/>
-              <a:t>TK</a:t>
+              <a:rPr lang="en-US" b="1" dirty="0" err="1"/>
+              <a:t>jwt</a:t>
+            </a:r>
+            <a:r>
+              <a:rPr lang="en-US" b="1" dirty="0"/>
+              <a:t>-decode</a:t>
             </a:r>
           </a:p>
         </p:txBody>
@@ -12577,7 +12497,7 @@
           <p:cNvPr id="3" name="Content Placeholder 2">
             <a:extLst>
               <a:ext uri="{FF2B5EF4-FFF2-40B4-BE49-F238E27FC236}">
-                <a16:creationId xmlns:a16="http://schemas.microsoft.com/office/drawing/2014/main" id="{4D96329F-70CA-D930-B844-FB5264890AD1}"/>
+                <a16:creationId xmlns:a16="http://schemas.microsoft.com/office/drawing/2014/main" id="{4766888F-D215-2EE0-FF2C-6CEA4A1C33B0}"/>
               </a:ext>
             </a:extLst>
           </p:cNvPr>
@@ -12596,65 +12516,105 @@
           <a:lstStyle/>
           <a:p>
             <a:r>
-              <a:rPr lang="en-US" sz="1800" dirty="0"/>
-              <a:t>create counter page and display counter page</a:t>
-            </a:r>
-          </a:p>
-          <a:p>
-            <a:r>
-              <a:rPr lang="en-US" sz="1800" dirty="0"/>
-              <a:t>1) counter page:</a:t>
-            </a:r>
-          </a:p>
-          <a:p>
-            <a:pPr lvl="1"/>
-            <a:r>
-              <a:rPr lang="en-US" sz="1600" dirty="0"/>
-              <a:t>input</a:t>
-            </a:r>
-          </a:p>
-          <a:p>
-            <a:pPr lvl="1"/>
-            <a:r>
-              <a:rPr lang="en-US" sz="1600" dirty="0" err="1"/>
-              <a:t>btn</a:t>
-            </a:r>
-            <a:endParaRPr lang="en-US" sz="1600" dirty="0"/>
-          </a:p>
-          <a:p>
-            <a:pPr lvl="1"/>
-            <a:r>
-              <a:rPr lang="en-US" sz="1600" dirty="0"/>
-              <a:t>when user input a number and press on the </a:t>
-            </a:r>
-            <a:r>
-              <a:rPr lang="en-US" sz="1600" dirty="0" err="1"/>
-              <a:t>btn</a:t>
-            </a:r>
-            <a:r>
-              <a:rPr lang="en-US" sz="1600" dirty="0"/>
-              <a:t> it will add the number to redux state</a:t>
-            </a:r>
-          </a:p>
-          <a:p>
-            <a:r>
-              <a:rPr lang="en-US" sz="1800" dirty="0"/>
-              <a:t>2) display counter page:</a:t>
-            </a:r>
-          </a:p>
-          <a:p>
-            <a:pPr lvl="1"/>
-            <a:r>
-              <a:rPr lang="en-US" sz="1600" dirty="0"/>
-              <a:t>it will display in h1 the counter value from redux</a:t>
-            </a:r>
+              <a:rPr lang="en-US" dirty="0" err="1"/>
+              <a:t>jwt</a:t>
+            </a:r>
+            <a:r>
+              <a:rPr lang="en-US" dirty="0"/>
+              <a:t>-decode its an </a:t>
+            </a:r>
+            <a:r>
+              <a:rPr lang="en-US" dirty="0" err="1"/>
+              <a:t>npm</a:t>
+            </a:r>
+            <a:r>
+              <a:rPr lang="en-US" dirty="0"/>
+              <a:t> package that allows us to get data stored in </a:t>
+            </a:r>
+            <a:r>
+              <a:rPr lang="en-US" dirty="0" err="1"/>
+              <a:t>jwt</a:t>
+            </a:r>
+            <a:r>
+              <a:rPr lang="en-US" dirty="0"/>
+              <a:t> token</a:t>
+            </a:r>
+          </a:p>
+          <a:p>
+            <a:endParaRPr lang="en-US" dirty="0"/>
+          </a:p>
+          <a:p>
+            <a:r>
+              <a:rPr lang="en-US" dirty="0"/>
+              <a:t>to install the package we will use </a:t>
+            </a:r>
+          </a:p>
+          <a:p>
+            <a:r>
+              <a:rPr lang="en-US" dirty="0" err="1"/>
+              <a:t>npm</a:t>
+            </a:r>
+            <a:r>
+              <a:rPr lang="en-US" dirty="0"/>
+              <a:t> </a:t>
+            </a:r>
+            <a:r>
+              <a:rPr lang="en-US" dirty="0" err="1"/>
+              <a:t>i</a:t>
+            </a:r>
+            <a:r>
+              <a:rPr lang="en-US" dirty="0"/>
+              <a:t> </a:t>
+            </a:r>
+            <a:r>
+              <a:rPr lang="en-US" dirty="0" err="1"/>
+              <a:t>jwt</a:t>
+            </a:r>
+            <a:r>
+              <a:rPr lang="en-US" dirty="0"/>
+              <a:t>-decode</a:t>
+            </a:r>
+          </a:p>
+          <a:p>
+            <a:endParaRPr lang="en-US" dirty="0"/>
+          </a:p>
+          <a:p>
+            <a:r>
+              <a:rPr lang="en-US" dirty="0"/>
+              <a:t>to use it:</a:t>
+            </a:r>
+          </a:p>
+          <a:p>
+            <a:r>
+              <a:rPr lang="nl-NL" dirty="0"/>
+              <a:t>import jwt_decode from "jwt-decode";</a:t>
+            </a:r>
+          </a:p>
+          <a:p>
+            <a:r>
+              <a:rPr lang="nl-NL" dirty="0"/>
+              <a:t>let decoded = jwt_decode(token);</a:t>
+            </a:r>
+          </a:p>
+          <a:p>
+            <a:r>
+              <a:rPr lang="nl-NL" dirty="0"/>
+              <a:t> </a:t>
+            </a:r>
+          </a:p>
+          <a:p>
+            <a:r>
+              <a:rPr lang="nl-NL" dirty="0"/>
+              <a:t>console.log(decoded);</a:t>
+            </a:r>
+            <a:endParaRPr lang="en-US" dirty="0"/>
           </a:p>
         </p:txBody>
       </p:sp>
     </p:spTree>
     <p:extLst>
       <p:ext uri="{BB962C8B-B14F-4D97-AF65-F5344CB8AC3E}">
-        <p14:creationId xmlns:p14="http://schemas.microsoft.com/office/powerpoint/2010/main" val="31880345"/>
+        <p14:creationId xmlns:p14="http://schemas.microsoft.com/office/powerpoint/2010/main" val="1257734113"/>
       </p:ext>
     </p:extLst>
   </p:cSld>
@@ -12704,13 +12664,8 @@
           <a:p>
             <a:r>
               <a:rPr lang="en-US" dirty="0"/>
-              <a:t>React router </a:t>
-            </a:r>
-            <a:r>
-              <a:rPr lang="en-US" dirty="0" err="1"/>
-              <a:t>dom</a:t>
-            </a:r>
-            <a:endParaRPr lang="en-US" dirty="0"/>
+              <a:t>TK</a:t>
+            </a:r>
           </a:p>
         </p:txBody>
       </p:sp>
@@ -12738,80 +12693,57 @@
           <a:lstStyle/>
           <a:p>
             <a:r>
-              <a:rPr lang="en-US" sz="1800" dirty="0" err="1"/>
-              <a:t>rrd</a:t>
-            </a:r>
-            <a:r>
-              <a:rPr lang="en-US" sz="1800" dirty="0"/>
-              <a:t> is package that allows us to separate our project to pages</a:t>
-            </a:r>
-          </a:p>
-          <a:p>
+              <a:rPr lang="en-US" sz="1800" dirty="0"/>
+              <a:t>create counter page and display counter page</a:t>
+            </a:r>
+          </a:p>
+          <a:p>
+            <a:r>
+              <a:rPr lang="en-US" sz="1800" dirty="0"/>
+              <a:t>1) counter page:</a:t>
+            </a:r>
+          </a:p>
+          <a:p>
+            <a:pPr lvl="1"/>
             <a:r>
               <a:rPr lang="en-US" sz="1600" dirty="0"/>
-              <a:t>in our course we will use v5</a:t>
-            </a:r>
-          </a:p>
-          <a:p>
+              <a:t>input</a:t>
+            </a:r>
+          </a:p>
+          <a:p>
+            <a:pPr lvl="1"/>
+            <a:r>
+              <a:rPr lang="en-US" sz="1600" dirty="0" err="1"/>
+              <a:t>btn</a:t>
+            </a:r>
             <a:endParaRPr lang="en-US" sz="1600" dirty="0"/>
           </a:p>
           <a:p>
+            <a:pPr lvl="1"/>
             <a:r>
               <a:rPr lang="en-US" sz="1600" dirty="0"/>
-              <a:t>install: </a:t>
+              <a:t>when user input a number and press on the </a:t>
             </a:r>
             <a:r>
               <a:rPr lang="en-US" sz="1600" dirty="0" err="1"/>
-              <a:t>npm</a:t>
+              <a:t>btn</a:t>
             </a:r>
             <a:r>
               <a:rPr lang="en-US" sz="1600" dirty="0"/>
-              <a:t> </a:t>
-            </a:r>
-            <a:r>
-              <a:rPr lang="en-US" sz="1600" dirty="0" err="1"/>
-              <a:t>i</a:t>
-            </a:r>
+              <a:t> it will add the number to redux state</a:t>
+            </a:r>
+          </a:p>
+          <a:p>
+            <a:r>
+              <a:rPr lang="en-US" sz="1800" dirty="0"/>
+              <a:t>2) display counter page:</a:t>
+            </a:r>
+          </a:p>
+          <a:p>
+            <a:pPr lvl="1"/>
             <a:r>
               <a:rPr lang="en-US" sz="1600" dirty="0"/>
-              <a:t> react-router-dom@5</a:t>
-            </a:r>
-          </a:p>
-          <a:p>
-            <a:endParaRPr lang="en-US" sz="1600" dirty="0"/>
-          </a:p>
-          <a:p>
-            <a:r>
-              <a:rPr lang="en-US" sz="1600" dirty="0"/>
-              <a:t>index.js:</a:t>
-            </a:r>
-          </a:p>
-          <a:p>
-            <a:r>
-              <a:rPr lang="en-US" sz="1800" dirty="0"/>
-              <a:t>import { </a:t>
-            </a:r>
-            <a:r>
-              <a:rPr lang="en-US" sz="1800" dirty="0" err="1"/>
-              <a:t>BrowserRouter</a:t>
-            </a:r>
-            <a:r>
-              <a:rPr lang="en-US" sz="1800" dirty="0"/>
-              <a:t> } from "react-router-</a:t>
-            </a:r>
-            <a:r>
-              <a:rPr lang="en-US" sz="1800" dirty="0" err="1"/>
-              <a:t>dom</a:t>
-            </a:r>
-            <a:r>
-              <a:rPr lang="en-US" sz="1800" dirty="0"/>
-              <a:t>";</a:t>
-            </a:r>
-          </a:p>
-          <a:p>
-            <a:r>
-              <a:rPr lang="en-US" sz="1800" dirty="0"/>
-              <a:t>….</a:t>
+              <a:t>it will display in h1 the counter value from redux</a:t>
             </a:r>
           </a:p>
         </p:txBody>
@@ -12819,7 +12751,7 @@
     </p:spTree>
     <p:extLst>
       <p:ext uri="{BB962C8B-B14F-4D97-AF65-F5344CB8AC3E}">
-        <p14:creationId xmlns:p14="http://schemas.microsoft.com/office/powerpoint/2010/main" val="2988597490"/>
+        <p14:creationId xmlns:p14="http://schemas.microsoft.com/office/powerpoint/2010/main" val="31880345"/>
       </p:ext>
     </p:extLst>
   </p:cSld>
@@ -12903,28 +12835,58 @@
           <a:lstStyle/>
           <a:p>
             <a:r>
-              <a:rPr lang="en-US" sz="1800" dirty="0"/>
-              <a:t>in index.js setup the browser router to allow </a:t>
-            </a:r>
-            <a:r>
               <a:rPr lang="en-US" sz="1800" dirty="0" err="1"/>
               <a:t>rrd</a:t>
             </a:r>
             <a:r>
               <a:rPr lang="en-US" sz="1800" dirty="0"/>
-              <a:t> to split the project in to pages</a:t>
-            </a:r>
-          </a:p>
-          <a:p>
-            <a:r>
-              <a:rPr lang="en-US" sz="1800" dirty="0"/>
-              <a:t>&lt;Provider store={store}&gt;</a:t>
-            </a:r>
-          </a:p>
-          <a:p>
-            <a:r>
-              <a:rPr lang="en-US" sz="1800" dirty="0"/>
-              <a:t>      &lt;</a:t>
+              <a:t> is package that allows us to separate our project to pages</a:t>
+            </a:r>
+          </a:p>
+          <a:p>
+            <a:r>
+              <a:rPr lang="en-US" sz="1600" dirty="0"/>
+              <a:t>in our course we will use v5</a:t>
+            </a:r>
+          </a:p>
+          <a:p>
+            <a:endParaRPr lang="en-US" sz="1600" dirty="0"/>
+          </a:p>
+          <a:p>
+            <a:r>
+              <a:rPr lang="en-US" sz="1600" dirty="0"/>
+              <a:t>install: </a:t>
+            </a:r>
+            <a:r>
+              <a:rPr lang="en-US" sz="1600" dirty="0" err="1"/>
+              <a:t>npm</a:t>
+            </a:r>
+            <a:r>
+              <a:rPr lang="en-US" sz="1600" dirty="0"/>
+              <a:t> </a:t>
+            </a:r>
+            <a:r>
+              <a:rPr lang="en-US" sz="1600" dirty="0" err="1"/>
+              <a:t>i</a:t>
+            </a:r>
+            <a:r>
+              <a:rPr lang="en-US" sz="1600" dirty="0"/>
+              <a:t> react-router-dom@5</a:t>
+            </a:r>
+          </a:p>
+          <a:p>
+            <a:endParaRPr lang="en-US" sz="1600" dirty="0"/>
+          </a:p>
+          <a:p>
+            <a:r>
+              <a:rPr lang="en-US" sz="1600" dirty="0"/>
+              <a:t>index.js:</a:t>
+            </a:r>
+          </a:p>
+          <a:p>
+            <a:r>
+              <a:rPr lang="en-US" sz="1800" dirty="0"/>
+              <a:t>import { </a:t>
             </a:r>
             <a:r>
               <a:rPr lang="en-US" sz="1800" dirty="0" err="1"/>
@@ -12932,33 +12894,21 @@
             </a:r>
             <a:r>
               <a:rPr lang="en-US" sz="1800" dirty="0"/>
-              <a:t>&gt;</a:t>
-            </a:r>
-          </a:p>
-          <a:p>
-            <a:r>
-              <a:rPr lang="en-US" sz="1800" dirty="0"/>
-              <a:t>        &lt;App /&gt;</a:t>
-            </a:r>
-          </a:p>
-          <a:p>
-            <a:r>
-              <a:rPr lang="en-US" sz="1800" dirty="0"/>
-              <a:t>      &lt;/</a:t>
+              <a:t> } from "react-router-</a:t>
             </a:r>
             <a:r>
               <a:rPr lang="en-US" sz="1800" dirty="0" err="1"/>
-              <a:t>BrowserRouter</a:t>
-            </a:r>
-            <a:r>
-              <a:rPr lang="en-US" sz="1800" dirty="0"/>
-              <a:t>&gt;</a:t>
-            </a:r>
-          </a:p>
-          <a:p>
-            <a:r>
-              <a:rPr lang="en-US" sz="1800" dirty="0"/>
-              <a:t>    &lt;/Provider&gt;</a:t>
+              <a:t>dom</a:t>
+            </a:r>
+            <a:r>
+              <a:rPr lang="en-US" sz="1800" dirty="0"/>
+              <a:t>";</a:t>
+            </a:r>
+          </a:p>
+          <a:p>
+            <a:r>
+              <a:rPr lang="en-US" sz="1800" dirty="0"/>
+              <a:t>….</a:t>
             </a:r>
           </a:p>
         </p:txBody>
@@ -12966,7 +12916,7 @@
     </p:spTree>
     <p:extLst>
       <p:ext uri="{BB962C8B-B14F-4D97-AF65-F5344CB8AC3E}">
-        <p14:creationId xmlns:p14="http://schemas.microsoft.com/office/powerpoint/2010/main" val="505769909"/>
+        <p14:creationId xmlns:p14="http://schemas.microsoft.com/office/powerpoint/2010/main" val="2988597490"/>
       </p:ext>
     </p:extLst>
   </p:cSld>
@@ -13045,13 +12995,13 @@
         <p:spPr/>
         <p:txBody>
           <a:bodyPr>
-            <a:normAutofit fontScale="62500" lnSpcReduction="20000"/>
+            <a:normAutofit/>
           </a:bodyPr>
           <a:lstStyle/>
           <a:p>
             <a:r>
               <a:rPr lang="en-US" sz="1800" dirty="0"/>
-              <a:t>Route component that comes with </a:t>
+              <a:t>in index.js setup the browser router to allow </a:t>
             </a:r>
             <a:r>
               <a:rPr lang="en-US" sz="1800" dirty="0" err="1"/>
@@ -13059,117 +13009,53 @@
             </a:r>
             <a:r>
               <a:rPr lang="en-US" sz="1800" dirty="0"/>
-              <a:t> allow as to create routes</a:t>
-            </a:r>
-          </a:p>
-          <a:p>
-            <a:r>
-              <a:rPr lang="en-US" sz="1800" dirty="0"/>
-              <a:t>&lt;div </a:t>
+              <a:t> to split the project in to pages</a:t>
+            </a:r>
+          </a:p>
+          <a:p>
+            <a:r>
+              <a:rPr lang="en-US" sz="1800" dirty="0"/>
+              <a:t>&lt;Provider store={store}&gt;</a:t>
+            </a:r>
+          </a:p>
+          <a:p>
+            <a:r>
+              <a:rPr lang="en-US" sz="1800" dirty="0"/>
+              <a:t>      &lt;</a:t>
             </a:r>
             <a:r>
               <a:rPr lang="en-US" sz="1800" dirty="0" err="1"/>
-              <a:t>className</a:t>
-            </a:r>
-            <a:r>
-              <a:rPr lang="en-US" sz="1800" dirty="0"/>
-              <a:t>="container"&gt;</a:t>
-            </a:r>
-          </a:p>
-          <a:p>
-            <a:r>
-              <a:rPr lang="en-US" sz="1800" dirty="0"/>
-              <a:t>&lt;Switch&gt;</a:t>
-            </a:r>
-          </a:p>
-          <a:p>
-            <a:r>
-              <a:rPr lang="en-US" sz="1800" dirty="0"/>
-              <a:t>        &lt;Route path="/"&gt;</a:t>
-            </a:r>
-          </a:p>
-          <a:p>
-            <a:r>
-              <a:rPr lang="en-US" sz="1800" dirty="0"/>
-              <a:t>          &lt;</a:t>
+              <a:t>BrowserRouter</a:t>
+            </a:r>
+            <a:r>
+              <a:rPr lang="en-US" sz="1800" dirty="0"/>
+              <a:t>&gt;</a:t>
+            </a:r>
+          </a:p>
+          <a:p>
+            <a:r>
+              <a:rPr lang="en-US" sz="1800" dirty="0"/>
+              <a:t>        &lt;App /&gt;</a:t>
+            </a:r>
+          </a:p>
+          <a:p>
+            <a:r>
+              <a:rPr lang="en-US" sz="1800" dirty="0"/>
+              <a:t>      &lt;/</a:t>
             </a:r>
             <a:r>
               <a:rPr lang="en-US" sz="1800" dirty="0" err="1"/>
-              <a:t>HomePage</a:t>
-            </a:r>
-            <a:r>
-              <a:rPr lang="en-US" sz="1800" dirty="0"/>
-              <a:t> /&gt;</a:t>
-            </a:r>
-          </a:p>
-          <a:p>
-            <a:r>
-              <a:rPr lang="en-US" sz="1800" dirty="0"/>
-              <a:t>        &lt;/Route&gt;</a:t>
-            </a:r>
-          </a:p>
-          <a:p>
-            <a:r>
-              <a:rPr lang="en-US" sz="1800" dirty="0"/>
-              <a:t>        &lt;Route path="/login"&gt;</a:t>
-            </a:r>
-          </a:p>
-          <a:p>
-            <a:r>
-              <a:rPr lang="en-US" sz="1800" dirty="0"/>
-              <a:t>          &lt;</a:t>
-            </a:r>
-            <a:r>
-              <a:rPr lang="en-US" sz="1800" dirty="0" err="1"/>
-              <a:t>LoginPage</a:t>
-            </a:r>
-            <a:r>
-              <a:rPr lang="en-US" sz="1800" dirty="0"/>
-              <a:t> /&gt;</a:t>
-            </a:r>
-          </a:p>
-          <a:p>
-            <a:r>
-              <a:rPr lang="en-US" sz="1800" dirty="0"/>
-              <a:t>        &lt;/Route&gt;</a:t>
-            </a:r>
-          </a:p>
-          <a:p>
-            <a:r>
-              <a:rPr lang="en-US" sz="1800" dirty="0"/>
-              <a:t>        &lt;Route path="/register"&gt;</a:t>
-            </a:r>
-          </a:p>
-          <a:p>
-            <a:r>
-              <a:rPr lang="en-US" sz="1800" dirty="0"/>
-              <a:t>          &lt;</a:t>
-            </a:r>
-            <a:r>
-              <a:rPr lang="en-US" sz="1800" dirty="0" err="1"/>
-              <a:t>RegisterPage</a:t>
-            </a:r>
-            <a:r>
-              <a:rPr lang="en-US" sz="1800" dirty="0"/>
-              <a:t> /&gt;</a:t>
-            </a:r>
-          </a:p>
-          <a:p>
-            <a:r>
-              <a:rPr lang="en-US" sz="1800" dirty="0"/>
-              <a:t>        &lt;/Route&gt;</a:t>
-            </a:r>
-          </a:p>
-          <a:p>
-            <a:r>
-              <a:rPr lang="en-US" sz="1800" dirty="0"/>
-              <a:t>      &lt;/Switch&gt;</a:t>
-            </a:r>
-          </a:p>
-          <a:p>
-            <a:r>
-              <a:rPr lang="en-US" sz="1800" dirty="0"/>
-              <a:t>    &lt;/div&gt;</a:t>
+              <a:t>BrowserRouter</a:t>
+            </a:r>
+            <a:r>
+              <a:rPr lang="en-US" sz="1800" dirty="0"/>
+              <a:t>&gt;</a:t>
+            </a:r>
+          </a:p>
+          <a:p>
+            <a:r>
+              <a:rPr lang="en-US" sz="1800" dirty="0"/>
+              <a:t>    &lt;/Provider&gt;</a:t>
             </a:r>
           </a:p>
         </p:txBody>
@@ -13177,7 +13063,7 @@
     </p:spTree>
     <p:extLst>
       <p:ext uri="{BB962C8B-B14F-4D97-AF65-F5344CB8AC3E}">
-        <p14:creationId xmlns:p14="http://schemas.microsoft.com/office/powerpoint/2010/main" val="2669829318"/>
+        <p14:creationId xmlns:p14="http://schemas.microsoft.com/office/powerpoint/2010/main" val="505769909"/>
       </p:ext>
     </p:extLst>
   </p:cSld>
@@ -13227,7 +13113,7 @@
           <a:p>
             <a:r>
               <a:rPr lang="en-US" dirty="0"/>
-              <a:t>run the project</a:t>
+              <a:t>functional component</a:t>
             </a:r>
           </a:p>
         </p:txBody>
@@ -13257,35 +13143,38 @@
           <a:p>
             <a:r>
               <a:rPr lang="en-US" sz="2000" dirty="0"/>
-              <a:t>make sure we in the project folder</a:t>
-            </a:r>
+              <a:t>functional component is a component that we build with functions and not with classes</a:t>
+            </a:r>
+          </a:p>
+          <a:p>
+            <a:endParaRPr lang="en-US" sz="2000" dirty="0"/>
           </a:p>
           <a:p>
             <a:r>
               <a:rPr lang="en-US" sz="2000" dirty="0"/>
-              <a:t>in the terminal run the follow command</a:t>
-            </a:r>
-          </a:p>
-          <a:p>
-            <a:endParaRPr lang="en-US" sz="2000" dirty="0"/>
-          </a:p>
-          <a:p>
+              <a:t>if we do not use states in then component (like we did in </a:t>
+            </a:r>
             <a:r>
               <a:rPr lang="en-US" sz="2000" dirty="0" err="1"/>
-              <a:t>npm</a:t>
+              <a:t>ContactUsPage</a:t>
             </a:r>
             <a:r>
               <a:rPr lang="en-US" sz="2000" dirty="0"/>
-              <a:t> start</a:t>
-            </a:r>
-            <a:endParaRPr lang="en-US" sz="1800" dirty="0"/>
+              <a:t>)</a:t>
+            </a:r>
+          </a:p>
+          <a:p>
+            <a:r>
+              <a:rPr lang="en-US" sz="2000" dirty="0"/>
+              <a:t>then it called stateless functional component</a:t>
+            </a:r>
           </a:p>
         </p:txBody>
       </p:sp>
     </p:spTree>
     <p:extLst>
       <p:ext uri="{BB962C8B-B14F-4D97-AF65-F5344CB8AC3E}">
-        <p14:creationId xmlns:p14="http://schemas.microsoft.com/office/powerpoint/2010/main" val="2861264614"/>
+        <p14:creationId xmlns:p14="http://schemas.microsoft.com/office/powerpoint/2010/main" val="1831501059"/>
       </p:ext>
     </p:extLst>
   </p:cSld>
@@ -13341,10 +13230,7 @@
               <a:rPr lang="en-US" dirty="0" err="1"/>
               <a:t>dom</a:t>
             </a:r>
-            <a:r>
-              <a:rPr lang="en-US" dirty="0"/>
-              <a:t> - Link</a:t>
-            </a:r>
+            <a:endParaRPr lang="en-US" dirty="0"/>
           </a:p>
         </p:txBody>
       </p:sp>
@@ -13367,34 +13253,131 @@
         <p:spPr/>
         <p:txBody>
           <a:bodyPr>
-            <a:normAutofit/>
+            <a:normAutofit fontScale="62500" lnSpcReduction="20000"/>
           </a:bodyPr>
           <a:lstStyle/>
           <a:p>
             <a:r>
               <a:rPr lang="en-US" sz="1800" dirty="0"/>
-              <a:t>link component will replace a tag</a:t>
-            </a:r>
-          </a:p>
-          <a:p>
-            <a:r>
-              <a:rPr lang="en-US" sz="1800" dirty="0"/>
-              <a:t>when we use a tag to navigate in our website it will refresh the page which will cause to clear everything we store in JavaScript and redux</a:t>
-            </a:r>
-          </a:p>
-          <a:p>
-            <a:r>
-              <a:rPr lang="en-US" sz="1800" dirty="0"/>
-              <a:t>link will navigate in our website without refresh</a:t>
-            </a:r>
-          </a:p>
-          <a:p>
-            <a:endParaRPr lang="en-US" sz="1800" dirty="0"/>
-          </a:p>
-          <a:p>
-            <a:r>
-              <a:rPr lang="en-US" sz="1800" dirty="0"/>
-              <a:t>&lt;Link to=“/home” &gt;home &lt;/Link&gt;</a:t>
+              <a:t>Route component that comes with </a:t>
+            </a:r>
+            <a:r>
+              <a:rPr lang="en-US" sz="1800" dirty="0" err="1"/>
+              <a:t>rrd</a:t>
+            </a:r>
+            <a:r>
+              <a:rPr lang="en-US" sz="1800" dirty="0"/>
+              <a:t> allow as to create routes</a:t>
+            </a:r>
+          </a:p>
+          <a:p>
+            <a:r>
+              <a:rPr lang="en-US" sz="1800" dirty="0"/>
+              <a:t>&lt;div </a:t>
+            </a:r>
+            <a:r>
+              <a:rPr lang="en-US" sz="1800" dirty="0" err="1"/>
+              <a:t>className</a:t>
+            </a:r>
+            <a:r>
+              <a:rPr lang="en-US" sz="1800" dirty="0"/>
+              <a:t>="container"&gt;</a:t>
+            </a:r>
+          </a:p>
+          <a:p>
+            <a:r>
+              <a:rPr lang="en-US" sz="1800" dirty="0"/>
+              <a:t>&lt;Switch&gt;</a:t>
+            </a:r>
+          </a:p>
+          <a:p>
+            <a:r>
+              <a:rPr lang="en-US" sz="1800" dirty="0"/>
+              <a:t>        &lt;Route path="/"&gt;</a:t>
+            </a:r>
+          </a:p>
+          <a:p>
+            <a:r>
+              <a:rPr lang="en-US" sz="1800" dirty="0"/>
+              <a:t>          &lt;</a:t>
+            </a:r>
+            <a:r>
+              <a:rPr lang="en-US" sz="1800" dirty="0" err="1"/>
+              <a:t>HomePage</a:t>
+            </a:r>
+            <a:r>
+              <a:rPr lang="en-US" sz="1800" dirty="0"/>
+              <a:t> /&gt;</a:t>
+            </a:r>
+          </a:p>
+          <a:p>
+            <a:r>
+              <a:rPr lang="en-US" sz="1800" dirty="0"/>
+              <a:t>        &lt;/Route&gt;</a:t>
+            </a:r>
+          </a:p>
+          <a:p>
+            <a:r>
+              <a:rPr lang="en-US" sz="1800" dirty="0"/>
+              <a:t>        &lt;Route path="/login"&gt;</a:t>
+            </a:r>
+          </a:p>
+          <a:p>
+            <a:r>
+              <a:rPr lang="en-US" sz="1800" dirty="0"/>
+              <a:t>          &lt;</a:t>
+            </a:r>
+            <a:r>
+              <a:rPr lang="en-US" sz="1800" dirty="0" err="1"/>
+              <a:t>LoginPage</a:t>
+            </a:r>
+            <a:r>
+              <a:rPr lang="en-US" sz="1800" dirty="0"/>
+              <a:t> /&gt;</a:t>
+            </a:r>
+          </a:p>
+          <a:p>
+            <a:r>
+              <a:rPr lang="en-US" sz="1800" dirty="0"/>
+              <a:t>        &lt;/Route&gt;</a:t>
+            </a:r>
+          </a:p>
+          <a:p>
+            <a:r>
+              <a:rPr lang="en-US" sz="1800" dirty="0"/>
+              <a:t>        &lt;Route path="/register"&gt;</a:t>
+            </a:r>
+          </a:p>
+          <a:p>
+            <a:r>
+              <a:rPr lang="en-US" sz="1800" dirty="0"/>
+              <a:t>          &lt;</a:t>
+            </a:r>
+            <a:r>
+              <a:rPr lang="en-US" sz="1800" dirty="0" err="1"/>
+              <a:t>RegisterPage</a:t>
+            </a:r>
+            <a:r>
+              <a:rPr lang="en-US" sz="1800" dirty="0"/>
+              <a:t> /&gt;</a:t>
+            </a:r>
+          </a:p>
+          <a:p>
+            <a:r>
+              <a:rPr lang="en-US" sz="1800" dirty="0"/>
+              <a:t>        &lt;/Route&gt;</a:t>
+            </a:r>
+          </a:p>
+          <a:p>
+            <a:r>
+              <a:rPr lang="en-US" sz="1800" dirty="0"/>
+              <a:t>      &lt;/Switch&gt;</a:t>
+            </a:r>
+          </a:p>
+          <a:p>
+            <a:r>
+              <a:rPr lang="en-US" sz="1800" dirty="0"/>
+              <a:t>    &lt;/div&gt;</a:t>
             </a:r>
           </a:p>
         </p:txBody>
@@ -13402,7 +13385,7 @@
     </p:spTree>
     <p:extLst>
       <p:ext uri="{BB962C8B-B14F-4D97-AF65-F5344CB8AC3E}">
-        <p14:creationId xmlns:p14="http://schemas.microsoft.com/office/powerpoint/2010/main" val="3764742802"/>
+        <p14:creationId xmlns:p14="http://schemas.microsoft.com/office/powerpoint/2010/main" val="2669829318"/>
       </p:ext>
     </p:extLst>
   </p:cSld>
@@ -13460,13 +13443,8 @@
             </a:r>
             <a:r>
               <a:rPr lang="en-US" dirty="0"/>
-              <a:t> - </a:t>
-            </a:r>
-            <a:r>
-              <a:rPr lang="en-US" dirty="0" err="1"/>
-              <a:t>NavLink</a:t>
-            </a:r>
-            <a:endParaRPr lang="en-US" dirty="0"/>
+              <a:t> - Link</a:t>
+            </a:r>
           </a:p>
         </p:txBody>
       </p:sp>
@@ -13495,15 +13473,19 @@
           <a:p>
             <a:r>
               <a:rPr lang="en-US" sz="1800" dirty="0"/>
-              <a:t>same as Link but when react detect that the URL is the same as defined in </a:t>
-            </a:r>
-            <a:r>
-              <a:rPr lang="en-US" sz="1800" dirty="0" err="1"/>
-              <a:t>NavLink</a:t>
-            </a:r>
-            <a:r>
-              <a:rPr lang="en-US" sz="1800" dirty="0"/>
-              <a:t> it will add active class</a:t>
+              <a:t>link component will replace a tag</a:t>
+            </a:r>
+          </a:p>
+          <a:p>
+            <a:r>
+              <a:rPr lang="en-US" sz="1800" dirty="0"/>
+              <a:t>when we use a tag to navigate in our website it will refresh the page which will cause to clear everything we store in JavaScript and redux</a:t>
+            </a:r>
+          </a:p>
+          <a:p>
+            <a:r>
+              <a:rPr lang="en-US" sz="1800" dirty="0"/>
+              <a:t>link will navigate in our website without refresh</a:t>
             </a:r>
           </a:p>
           <a:p>
@@ -13520,7 +13502,7 @@
     </p:spTree>
     <p:extLst>
       <p:ext uri="{BB962C8B-B14F-4D97-AF65-F5344CB8AC3E}">
-        <p14:creationId xmlns:p14="http://schemas.microsoft.com/office/powerpoint/2010/main" val="2982890873"/>
+        <p14:creationId xmlns:p14="http://schemas.microsoft.com/office/powerpoint/2010/main" val="3764742802"/>
       </p:ext>
     </p:extLst>
   </p:cSld>
@@ -13570,8 +13552,21 @@
           <a:p>
             <a:r>
               <a:rPr lang="en-US" dirty="0"/>
-              <a:t>HW</a:t>
-            </a:r>
+              <a:t>React router </a:t>
+            </a:r>
+            <a:r>
+              <a:rPr lang="en-US" dirty="0" err="1"/>
+              <a:t>dom</a:t>
+            </a:r>
+            <a:r>
+              <a:rPr lang="en-US" dirty="0"/>
+              <a:t> - </a:t>
+            </a:r>
+            <a:r>
+              <a:rPr lang="en-US" dirty="0" err="1"/>
+              <a:t>NavLink</a:t>
+            </a:r>
+            <a:endParaRPr lang="en-US" dirty="0"/>
           </a:p>
         </p:txBody>
       </p:sp>
@@ -13600,20 +13595,32 @@
           <a:p>
             <a:r>
               <a:rPr lang="en-US" sz="1800" dirty="0"/>
-              <a:t>create new project with dashboard, login page, use redux and react router </a:t>
+              <a:t>same as Link but when react detect that the URL is the same as defined in </a:t>
             </a:r>
             <a:r>
               <a:rPr lang="en-US" sz="1800" dirty="0" err="1"/>
-              <a:t>dom</a:t>
-            </a:r>
+              <a:t>NavLink</a:t>
+            </a:r>
+            <a:r>
+              <a:rPr lang="en-US" sz="1800" dirty="0"/>
+              <a:t> it will add active class</a:t>
+            </a:r>
+          </a:p>
+          <a:p>
             <a:endParaRPr lang="en-US" sz="1800" dirty="0"/>
+          </a:p>
+          <a:p>
+            <a:r>
+              <a:rPr lang="en-US" sz="1800" dirty="0"/>
+              <a:t>&lt;Link to=“/home” &gt;home &lt;/Link&gt;</a:t>
+            </a:r>
           </a:p>
         </p:txBody>
       </p:sp>
     </p:spTree>
     <p:extLst>
       <p:ext uri="{BB962C8B-B14F-4D97-AF65-F5344CB8AC3E}">
-        <p14:creationId xmlns:p14="http://schemas.microsoft.com/office/powerpoint/2010/main" val="1615059727"/>
+        <p14:creationId xmlns:p14="http://schemas.microsoft.com/office/powerpoint/2010/main" val="2982890873"/>
       </p:ext>
     </p:extLst>
   </p:cSld>
@@ -13663,15 +13670,7 @@
           <a:p>
             <a:r>
               <a:rPr lang="en-US" dirty="0"/>
-              <a:t>React router </a:t>
-            </a:r>
-            <a:r>
-              <a:rPr lang="en-US" dirty="0" err="1"/>
-              <a:t>dom</a:t>
-            </a:r>
-            <a:r>
-              <a:rPr lang="en-US" dirty="0"/>
-              <a:t> - navigate</a:t>
+              <a:t>HW</a:t>
             </a:r>
           </a:p>
         </p:txBody>
@@ -13701,78 +13700,20 @@
           <a:p>
             <a:r>
               <a:rPr lang="en-US" sz="1800" dirty="0"/>
-              <a:t>To navigate between react pages we will use </a:t>
-            </a:r>
-            <a:r>
-              <a:rPr lang="en-US" sz="1800" dirty="0" err="1"/>
-              <a:t>useHistory</a:t>
-            </a:r>
-            <a:r>
-              <a:rPr lang="en-US" sz="1800" dirty="0"/>
-              <a:t> hook</a:t>
-            </a:r>
-          </a:p>
-          <a:p>
-            <a:endParaRPr lang="en-US" sz="1800" dirty="0"/>
-          </a:p>
-          <a:p>
-            <a:r>
-              <a:rPr lang="en-US" sz="1800" dirty="0"/>
-              <a:t>import { </a:t>
-            </a:r>
-            <a:r>
-              <a:rPr lang="en-US" sz="1800" dirty="0" err="1"/>
-              <a:t>useHistory</a:t>
-            </a:r>
-            <a:r>
-              <a:rPr lang="en-US" sz="1800" dirty="0"/>
-              <a:t> } from "react-router-</a:t>
+              <a:t>create new project with dashboard, login page, use redux and react router </a:t>
             </a:r>
             <a:r>
               <a:rPr lang="en-US" sz="1800" dirty="0" err="1"/>
               <a:t>dom</a:t>
             </a:r>
-            <a:r>
-              <a:rPr lang="en-US" sz="1800" dirty="0"/>
-              <a:t>";</a:t>
-            </a:r>
-          </a:p>
-          <a:p>
             <a:endParaRPr lang="en-US" sz="1800" dirty="0"/>
-          </a:p>
-          <a:p>
-            <a:r>
-              <a:rPr lang="en-US" sz="1800" dirty="0"/>
-              <a:t> const history = </a:t>
-            </a:r>
-            <a:r>
-              <a:rPr lang="en-US" sz="1800" dirty="0" err="1"/>
-              <a:t>useHistory</a:t>
-            </a:r>
-            <a:r>
-              <a:rPr lang="en-US" sz="1800" dirty="0"/>
-              <a:t>();</a:t>
-            </a:r>
-          </a:p>
-          <a:p>
-            <a:endParaRPr lang="en-US" sz="1800" dirty="0"/>
-          </a:p>
-          <a:p>
-            <a:r>
-              <a:rPr lang="en-US" sz="1800" dirty="0" err="1"/>
-              <a:t>history.push</a:t>
-            </a:r>
-            <a:r>
-              <a:rPr lang="en-US" sz="1800" dirty="0"/>
-              <a:t>("/dashboard"); //navigate to another page</a:t>
-            </a:r>
           </a:p>
         </p:txBody>
       </p:sp>
     </p:spTree>
     <p:extLst>
       <p:ext uri="{BB962C8B-B14F-4D97-AF65-F5344CB8AC3E}">
-        <p14:creationId xmlns:p14="http://schemas.microsoft.com/office/powerpoint/2010/main" val="451509929"/>
+        <p14:creationId xmlns:p14="http://schemas.microsoft.com/office/powerpoint/2010/main" val="1615059727"/>
       </p:ext>
     </p:extLst>
   </p:cSld>
@@ -13822,7 +13763,15 @@
           <a:p>
             <a:r>
               <a:rPr lang="en-US" dirty="0"/>
-              <a:t>TK</a:t>
+              <a:t>React router </a:t>
+            </a:r>
+            <a:r>
+              <a:rPr lang="en-US" dirty="0" err="1"/>
+              <a:t>dom</a:t>
+            </a:r>
+            <a:r>
+              <a:rPr lang="en-US" dirty="0"/>
+              <a:t> - navigate</a:t>
             </a:r>
           </a:p>
         </p:txBody>
@@ -13852,7 +13801,70 @@
           <a:p>
             <a:r>
               <a:rPr lang="en-US" sz="1800" dirty="0"/>
-              <a:t>when user done register navigate to login page</a:t>
+              <a:t>To navigate between react pages we will use </a:t>
+            </a:r>
+            <a:r>
+              <a:rPr lang="en-US" sz="1800" dirty="0" err="1"/>
+              <a:t>useHistory</a:t>
+            </a:r>
+            <a:r>
+              <a:rPr lang="en-US" sz="1800" dirty="0"/>
+              <a:t> hook</a:t>
+            </a:r>
+          </a:p>
+          <a:p>
+            <a:endParaRPr lang="en-US" sz="1800" dirty="0"/>
+          </a:p>
+          <a:p>
+            <a:r>
+              <a:rPr lang="en-US" sz="1800" dirty="0"/>
+              <a:t>import { </a:t>
+            </a:r>
+            <a:r>
+              <a:rPr lang="en-US" sz="1800" dirty="0" err="1"/>
+              <a:t>useHistory</a:t>
+            </a:r>
+            <a:r>
+              <a:rPr lang="en-US" sz="1800" dirty="0"/>
+              <a:t> } from "react-router-</a:t>
+            </a:r>
+            <a:r>
+              <a:rPr lang="en-US" sz="1800" dirty="0" err="1"/>
+              <a:t>dom</a:t>
+            </a:r>
+            <a:r>
+              <a:rPr lang="en-US" sz="1800" dirty="0"/>
+              <a:t>";</a:t>
+            </a:r>
+          </a:p>
+          <a:p>
+            <a:endParaRPr lang="en-US" sz="1800" dirty="0"/>
+          </a:p>
+          <a:p>
+            <a:r>
+              <a:rPr lang="en-US" sz="1800" dirty="0"/>
+              <a:t> const history = </a:t>
+            </a:r>
+            <a:r>
+              <a:rPr lang="en-US" sz="1800" dirty="0" err="1"/>
+              <a:t>useHistory</a:t>
+            </a:r>
+            <a:r>
+              <a:rPr lang="en-US" sz="1800" dirty="0"/>
+              <a:t>();</a:t>
+            </a:r>
+          </a:p>
+          <a:p>
+            <a:endParaRPr lang="en-US" sz="1800" dirty="0"/>
+          </a:p>
+          <a:p>
+            <a:r>
+              <a:rPr lang="en-US" sz="1800" dirty="0" err="1"/>
+              <a:t>history.push</a:t>
+            </a:r>
+            <a:r>
+              <a:rPr lang="en-US" sz="1800" dirty="0"/>
+              <a:t>("/dashboard"); //navigate to another page</a:t>
             </a:r>
           </a:p>
         </p:txBody>
@@ -13860,7 +13872,7 @@
     </p:spTree>
     <p:extLst>
       <p:ext uri="{BB962C8B-B14F-4D97-AF65-F5344CB8AC3E}">
-        <p14:creationId xmlns:p14="http://schemas.microsoft.com/office/powerpoint/2010/main" val="2422672828"/>
+        <p14:creationId xmlns:p14="http://schemas.microsoft.com/office/powerpoint/2010/main" val="451509929"/>
       </p:ext>
     </p:extLst>
   </p:cSld>
@@ -13910,13 +13922,8 @@
           <a:p>
             <a:r>
               <a:rPr lang="en-US" dirty="0"/>
-              <a:t>Deploy react to </a:t>
-            </a:r>
-            <a:r>
-              <a:rPr lang="en-US" dirty="0" err="1"/>
-              <a:t>nodejs</a:t>
-            </a:r>
-            <a:endParaRPr lang="en-US" dirty="0"/>
+              <a:t>TK</a:t>
+            </a:r>
           </a:p>
         </p:txBody>
       </p:sp>
@@ -13939,158 +13946,13 @@
         <p:spPr/>
         <p:txBody>
           <a:bodyPr>
-            <a:normAutofit fontScale="92500" lnSpcReduction="20000"/>
+            <a:normAutofit/>
           </a:bodyPr>
           <a:lstStyle/>
           <a:p>
             <a:r>
               <a:rPr lang="en-US" sz="1800" dirty="0"/>
-              <a:t>when we ready to deploy our website to the server</a:t>
-            </a:r>
-          </a:p>
-          <a:p>
-            <a:r>
-              <a:rPr lang="en-US" sz="1800" dirty="0"/>
-              <a:t>in our case is </a:t>
-            </a:r>
-            <a:r>
-              <a:rPr lang="en-US" sz="1800" dirty="0" err="1"/>
-              <a:t>nodejs</a:t>
-            </a:r>
-            <a:r>
-              <a:rPr lang="en-US" sz="1800" dirty="0"/>
-              <a:t> project</a:t>
-            </a:r>
-          </a:p>
-          <a:p>
-            <a:r>
-              <a:rPr lang="en-US" sz="1800" dirty="0"/>
-              <a:t>run </a:t>
-            </a:r>
-            <a:r>
-              <a:rPr lang="en-US" sz="1800" dirty="0" err="1"/>
-              <a:t>npm</a:t>
-            </a:r>
-            <a:r>
-              <a:rPr lang="en-US" sz="1800" dirty="0"/>
-              <a:t> run build (in react) to create the complied ver.</a:t>
-            </a:r>
-          </a:p>
-          <a:p>
-            <a:r>
-              <a:rPr lang="en-US" sz="1800" dirty="0"/>
-              <a:t>copy the build directory to </a:t>
-            </a:r>
-            <a:r>
-              <a:rPr lang="en-US" sz="1800" dirty="0" err="1"/>
-              <a:t>nodejs</a:t>
-            </a:r>
-            <a:endParaRPr lang="en-US" sz="1800" dirty="0"/>
-          </a:p>
-          <a:p>
-            <a:r>
-              <a:rPr lang="en-US" sz="1800" dirty="0"/>
-              <a:t>in </a:t>
-            </a:r>
-            <a:r>
-              <a:rPr lang="en-US" sz="1800" dirty="0" err="1"/>
-              <a:t>nodejs</a:t>
-            </a:r>
-            <a:r>
-              <a:rPr lang="en-US" sz="1800" dirty="0"/>
-              <a:t> in app.js:</a:t>
-            </a:r>
-          </a:p>
-          <a:p>
-            <a:r>
-              <a:rPr lang="en-US" sz="1800" dirty="0"/>
-              <a:t>const path = require("path");</a:t>
-            </a:r>
-          </a:p>
-          <a:p>
-            <a:r>
-              <a:rPr lang="en-US" sz="1800" dirty="0"/>
-              <a:t>/* react */</a:t>
-            </a:r>
-          </a:p>
-          <a:p>
-            <a:r>
-              <a:rPr lang="en-US" sz="1800" dirty="0" err="1"/>
-              <a:t>app.use</a:t>
-            </a:r>
-            <a:r>
-              <a:rPr lang="en-US" sz="1800" dirty="0"/>
-              <a:t>(</a:t>
-            </a:r>
-            <a:r>
-              <a:rPr lang="en-US" sz="1800" dirty="0" err="1"/>
-              <a:t>express.static</a:t>
-            </a:r>
-            <a:r>
-              <a:rPr lang="en-US" sz="1800" dirty="0"/>
-              <a:t>(</a:t>
-            </a:r>
-            <a:r>
-              <a:rPr lang="en-US" sz="1800" dirty="0" err="1"/>
-              <a:t>path.join</a:t>
-            </a:r>
-            <a:r>
-              <a:rPr lang="en-US" sz="1800" dirty="0"/>
-              <a:t>(__</a:t>
-            </a:r>
-            <a:r>
-              <a:rPr lang="en-US" sz="1800" dirty="0" err="1"/>
-              <a:t>dirname</a:t>
-            </a:r>
-            <a:r>
-              <a:rPr lang="en-US" sz="1800" dirty="0"/>
-              <a:t>, "build")));</a:t>
-            </a:r>
-          </a:p>
-          <a:p>
-            <a:r>
-              <a:rPr lang="en-US" sz="1800" dirty="0" err="1"/>
-              <a:t>app.get</a:t>
-            </a:r>
-            <a:r>
-              <a:rPr lang="en-US" sz="1800" dirty="0"/>
-              <a:t>("*", (req, res) =&gt; {</a:t>
-            </a:r>
-          </a:p>
-          <a:p>
-            <a:r>
-              <a:rPr lang="en-US" sz="1800" dirty="0"/>
-              <a:t>  </a:t>
-            </a:r>
-            <a:r>
-              <a:rPr lang="en-US" sz="1800" dirty="0" err="1"/>
-              <a:t>res.sendFile</a:t>
-            </a:r>
-            <a:r>
-              <a:rPr lang="en-US" sz="1800" dirty="0"/>
-              <a:t>(</a:t>
-            </a:r>
-            <a:r>
-              <a:rPr lang="en-US" sz="1800" dirty="0" err="1"/>
-              <a:t>path.join</a:t>
-            </a:r>
-            <a:r>
-              <a:rPr lang="en-US" sz="1800" dirty="0"/>
-              <a:t>(__</a:t>
-            </a:r>
-            <a:r>
-              <a:rPr lang="en-US" sz="1800" dirty="0" err="1"/>
-              <a:t>dirname</a:t>
-            </a:r>
-            <a:r>
-              <a:rPr lang="en-US" sz="1800" dirty="0"/>
-              <a:t>, "build", "index.html"));</a:t>
-            </a:r>
-          </a:p>
-          <a:p>
-            <a:r>
-              <a:rPr lang="en-US" sz="1800" dirty="0"/>
-              <a:t>});</a:t>
+              <a:t>when user done register navigate to login page</a:t>
             </a:r>
           </a:p>
         </p:txBody>
@@ -14098,7 +13960,7 @@
     </p:spTree>
     <p:extLst>
       <p:ext uri="{BB962C8B-B14F-4D97-AF65-F5344CB8AC3E}">
-        <p14:creationId xmlns:p14="http://schemas.microsoft.com/office/powerpoint/2010/main" val="3320882087"/>
+        <p14:creationId xmlns:p14="http://schemas.microsoft.com/office/powerpoint/2010/main" val="2422672828"/>
       </p:ext>
     </p:extLst>
   </p:cSld>
@@ -14148,8 +14010,13 @@
           <a:p>
             <a:r>
               <a:rPr lang="en-US" dirty="0"/>
-              <a:t>20/07/2022</a:t>
-            </a:r>
+              <a:t>Deploy react to </a:t>
+            </a:r>
+            <a:r>
+              <a:rPr lang="en-US" dirty="0" err="1"/>
+              <a:t>nodejs</a:t>
+            </a:r>
+            <a:endParaRPr lang="en-US" dirty="0"/>
           </a:p>
         </p:txBody>
       </p:sp>
@@ -14172,6 +14039,239 @@
         <p:spPr/>
         <p:txBody>
           <a:bodyPr>
+            <a:normAutofit fontScale="92500" lnSpcReduction="20000"/>
+          </a:bodyPr>
+          <a:lstStyle/>
+          <a:p>
+            <a:r>
+              <a:rPr lang="en-US" sz="1800" dirty="0"/>
+              <a:t>when we ready to deploy our website to the server</a:t>
+            </a:r>
+          </a:p>
+          <a:p>
+            <a:r>
+              <a:rPr lang="en-US" sz="1800" dirty="0"/>
+              <a:t>in our case is </a:t>
+            </a:r>
+            <a:r>
+              <a:rPr lang="en-US" sz="1800" dirty="0" err="1"/>
+              <a:t>nodejs</a:t>
+            </a:r>
+            <a:r>
+              <a:rPr lang="en-US" sz="1800" dirty="0"/>
+              <a:t> project</a:t>
+            </a:r>
+          </a:p>
+          <a:p>
+            <a:r>
+              <a:rPr lang="en-US" sz="1800" dirty="0"/>
+              <a:t>run </a:t>
+            </a:r>
+            <a:r>
+              <a:rPr lang="en-US" sz="1800" dirty="0" err="1"/>
+              <a:t>npm</a:t>
+            </a:r>
+            <a:r>
+              <a:rPr lang="en-US" sz="1800" dirty="0"/>
+              <a:t> run build (in react) to create the complied ver.</a:t>
+            </a:r>
+          </a:p>
+          <a:p>
+            <a:r>
+              <a:rPr lang="en-US" sz="1800" dirty="0"/>
+              <a:t>copy the build directory to </a:t>
+            </a:r>
+            <a:r>
+              <a:rPr lang="en-US" sz="1800" dirty="0" err="1"/>
+              <a:t>nodejs</a:t>
+            </a:r>
+            <a:endParaRPr lang="en-US" sz="1800" dirty="0"/>
+          </a:p>
+          <a:p>
+            <a:r>
+              <a:rPr lang="en-US" sz="1800" dirty="0"/>
+              <a:t>in </a:t>
+            </a:r>
+            <a:r>
+              <a:rPr lang="en-US" sz="1800" dirty="0" err="1"/>
+              <a:t>nodejs</a:t>
+            </a:r>
+            <a:r>
+              <a:rPr lang="en-US" sz="1800" dirty="0"/>
+              <a:t> in app.js:</a:t>
+            </a:r>
+          </a:p>
+          <a:p>
+            <a:r>
+              <a:rPr lang="en-US" sz="1800" dirty="0"/>
+              <a:t>const path = require("path");</a:t>
+            </a:r>
+          </a:p>
+          <a:p>
+            <a:r>
+              <a:rPr lang="en-US" sz="1800" dirty="0"/>
+              <a:t>/* react */</a:t>
+            </a:r>
+          </a:p>
+          <a:p>
+            <a:r>
+              <a:rPr lang="en-US" sz="1800" dirty="0" err="1"/>
+              <a:t>app.use</a:t>
+            </a:r>
+            <a:r>
+              <a:rPr lang="en-US" sz="1800" dirty="0"/>
+              <a:t>(</a:t>
+            </a:r>
+            <a:r>
+              <a:rPr lang="en-US" sz="1800" dirty="0" err="1"/>
+              <a:t>express.static</a:t>
+            </a:r>
+            <a:r>
+              <a:rPr lang="en-US" sz="1800" dirty="0"/>
+              <a:t>(</a:t>
+            </a:r>
+            <a:r>
+              <a:rPr lang="en-US" sz="1800" dirty="0" err="1"/>
+              <a:t>path.join</a:t>
+            </a:r>
+            <a:r>
+              <a:rPr lang="en-US" sz="1800" dirty="0"/>
+              <a:t>(__</a:t>
+            </a:r>
+            <a:r>
+              <a:rPr lang="en-US" sz="1800" dirty="0" err="1"/>
+              <a:t>dirname</a:t>
+            </a:r>
+            <a:r>
+              <a:rPr lang="en-US" sz="1800" dirty="0"/>
+              <a:t>, "build")));</a:t>
+            </a:r>
+          </a:p>
+          <a:p>
+            <a:r>
+              <a:rPr lang="en-US" sz="1800" dirty="0" err="1"/>
+              <a:t>app.get</a:t>
+            </a:r>
+            <a:r>
+              <a:rPr lang="en-US" sz="1800" dirty="0"/>
+              <a:t>("*", (req, res) =&gt; {</a:t>
+            </a:r>
+          </a:p>
+          <a:p>
+            <a:r>
+              <a:rPr lang="en-US" sz="1800" dirty="0"/>
+              <a:t>  </a:t>
+            </a:r>
+            <a:r>
+              <a:rPr lang="en-US" sz="1800" dirty="0" err="1"/>
+              <a:t>res.sendFile</a:t>
+            </a:r>
+            <a:r>
+              <a:rPr lang="en-US" sz="1800" dirty="0"/>
+              <a:t>(</a:t>
+            </a:r>
+            <a:r>
+              <a:rPr lang="en-US" sz="1800" dirty="0" err="1"/>
+              <a:t>path.join</a:t>
+            </a:r>
+            <a:r>
+              <a:rPr lang="en-US" sz="1800" dirty="0"/>
+              <a:t>(__</a:t>
+            </a:r>
+            <a:r>
+              <a:rPr lang="en-US" sz="1800" dirty="0" err="1"/>
+              <a:t>dirname</a:t>
+            </a:r>
+            <a:r>
+              <a:rPr lang="en-US" sz="1800" dirty="0"/>
+              <a:t>, "build", "index.html"));</a:t>
+            </a:r>
+          </a:p>
+          <a:p>
+            <a:r>
+              <a:rPr lang="en-US" sz="1800" dirty="0"/>
+              <a:t>});</a:t>
+            </a:r>
+          </a:p>
+        </p:txBody>
+      </p:sp>
+    </p:spTree>
+    <p:extLst>
+      <p:ext uri="{BB962C8B-B14F-4D97-AF65-F5344CB8AC3E}">
+        <p14:creationId xmlns:p14="http://schemas.microsoft.com/office/powerpoint/2010/main" val="3320882087"/>
+      </p:ext>
+    </p:extLst>
+  </p:cSld>
+  <p:clrMapOvr>
+    <a:masterClrMapping/>
+  </p:clrMapOvr>
+</p:sld>
+</file>
+
+<file path=ppt/slides/slide67.xml><?xml version="1.0" encoding="utf-8"?>
+<p:sld xmlns:a="http://schemas.openxmlformats.org/drawingml/2006/main" xmlns:r="http://schemas.openxmlformats.org/officeDocument/2006/relationships" xmlns:p="http://schemas.openxmlformats.org/presentationml/2006/main">
+  <p:cSld>
+    <p:spTree>
+      <p:nvGrpSpPr>
+        <p:cNvPr id="1" name=""/>
+        <p:cNvGrpSpPr/>
+        <p:nvPr/>
+      </p:nvGrpSpPr>
+      <p:grpSpPr>
+        <a:xfrm>
+          <a:off x="0" y="0"/>
+          <a:ext cx="0" cy="0"/>
+          <a:chOff x="0" y="0"/>
+          <a:chExt cx="0" cy="0"/>
+        </a:xfrm>
+      </p:grpSpPr>
+      <p:sp>
+        <p:nvSpPr>
+          <p:cNvPr id="2" name="Title 1">
+            <a:extLst>
+              <a:ext uri="{FF2B5EF4-FFF2-40B4-BE49-F238E27FC236}">
+                <a16:creationId xmlns:a16="http://schemas.microsoft.com/office/drawing/2014/main" id="{8A56E29C-09F7-B711-591E-BDC97066A449}"/>
+              </a:ext>
+            </a:extLst>
+          </p:cNvPr>
+          <p:cNvSpPr>
+            <a:spLocks noGrp="1"/>
+          </p:cNvSpPr>
+          <p:nvPr>
+            <p:ph type="title"/>
+          </p:nvPr>
+        </p:nvSpPr>
+        <p:spPr/>
+        <p:txBody>
+          <a:bodyPr/>
+          <a:lstStyle/>
+          <a:p>
+            <a:r>
+              <a:rPr lang="en-US" dirty="0"/>
+              <a:t>20/07/2022</a:t>
+            </a:r>
+          </a:p>
+        </p:txBody>
+      </p:sp>
+      <p:sp>
+        <p:nvSpPr>
+          <p:cNvPr id="3" name="Content Placeholder 2">
+            <a:extLst>
+              <a:ext uri="{FF2B5EF4-FFF2-40B4-BE49-F238E27FC236}">
+                <a16:creationId xmlns:a16="http://schemas.microsoft.com/office/drawing/2014/main" id="{4D96329F-70CA-D930-B844-FB5264890AD1}"/>
+              </a:ext>
+            </a:extLst>
+          </p:cNvPr>
+          <p:cNvSpPr>
+            <a:spLocks noGrp="1"/>
+          </p:cNvSpPr>
+          <p:nvPr>
+            <p:ph idx="1"/>
+          </p:nvPr>
+        </p:nvSpPr>
+        <p:spPr/>
+        <p:txBody>
+          <a:bodyPr>
             <a:normAutofit/>
           </a:bodyPr>
           <a:lstStyle/>
@@ -14195,7 +14295,7 @@
               <a:t>react </a:t>
             </a:r>
             <a:r>
-              <a:rPr lang="en-US" sz="1800"/>
+              <a:rPr lang="en-US" sz="1800" dirty="0" err="1"/>
               <a:t>ts</a:t>
             </a:r>
             <a:endParaRPr lang="en-US" sz="1800" dirty="0"/>
@@ -14206,6 +14306,130 @@
     <p:extLst>
       <p:ext uri="{BB962C8B-B14F-4D97-AF65-F5344CB8AC3E}">
         <p14:creationId xmlns:p14="http://schemas.microsoft.com/office/powerpoint/2010/main" val="3427568783"/>
+      </p:ext>
+    </p:extLst>
+  </p:cSld>
+  <p:clrMapOvr>
+    <a:masterClrMapping/>
+  </p:clrMapOvr>
+</p:sld>
+</file>
+
+<file path=ppt/slides/slide68.xml><?xml version="1.0" encoding="utf-8"?>
+<p:sld xmlns:a="http://schemas.openxmlformats.org/drawingml/2006/main" xmlns:r="http://schemas.openxmlformats.org/officeDocument/2006/relationships" xmlns:p="http://schemas.openxmlformats.org/presentationml/2006/main">
+  <p:cSld>
+    <p:spTree>
+      <p:nvGrpSpPr>
+        <p:cNvPr id="1" name=""/>
+        <p:cNvGrpSpPr/>
+        <p:nvPr/>
+      </p:nvGrpSpPr>
+      <p:grpSpPr>
+        <a:xfrm>
+          <a:off x="0" y="0"/>
+          <a:ext cx="0" cy="0"/>
+          <a:chOff x="0" y="0"/>
+          <a:chExt cx="0" cy="0"/>
+        </a:xfrm>
+      </p:grpSpPr>
+      <p:sp>
+        <p:nvSpPr>
+          <p:cNvPr id="2" name="Title 1">
+            <a:extLst>
+              <a:ext uri="{FF2B5EF4-FFF2-40B4-BE49-F238E27FC236}">
+                <a16:creationId xmlns:a16="http://schemas.microsoft.com/office/drawing/2014/main" id="{8A56E29C-09F7-B711-591E-BDC97066A449}"/>
+              </a:ext>
+            </a:extLst>
+          </p:cNvPr>
+          <p:cNvSpPr>
+            <a:spLocks noGrp="1"/>
+          </p:cNvSpPr>
+          <p:nvPr>
+            <p:ph type="title"/>
+          </p:nvPr>
+        </p:nvSpPr>
+        <p:spPr/>
+        <p:txBody>
+          <a:bodyPr/>
+          <a:lstStyle/>
+          <a:p>
+            <a:r>
+              <a:rPr lang="en-US" dirty="0"/>
+              <a:t>TK - </a:t>
+            </a:r>
+            <a:r>
+              <a:rPr lang="en-US" dirty="0" err="1"/>
+              <a:t>fcc</a:t>
+            </a:r>
+            <a:endParaRPr lang="en-US" dirty="0"/>
+          </a:p>
+        </p:txBody>
+      </p:sp>
+      <p:sp>
+        <p:nvSpPr>
+          <p:cNvPr id="3" name="Content Placeholder 2">
+            <a:extLst>
+              <a:ext uri="{FF2B5EF4-FFF2-40B4-BE49-F238E27FC236}">
+                <a16:creationId xmlns:a16="http://schemas.microsoft.com/office/drawing/2014/main" id="{4D96329F-70CA-D930-B844-FB5264890AD1}"/>
+              </a:ext>
+            </a:extLst>
+          </p:cNvPr>
+          <p:cNvSpPr>
+            <a:spLocks noGrp="1"/>
+          </p:cNvSpPr>
+          <p:nvPr>
+            <p:ph idx="1"/>
+          </p:nvPr>
+        </p:nvSpPr>
+        <p:spPr/>
+        <p:txBody>
+          <a:bodyPr>
+            <a:normAutofit/>
+          </a:bodyPr>
+          <a:lstStyle/>
+          <a:p>
+            <a:r>
+              <a:rPr lang="en-US" sz="1800" dirty="0"/>
+              <a:t>create father component with list of animals.</a:t>
+            </a:r>
+          </a:p>
+          <a:p>
+            <a:r>
+              <a:rPr lang="en-US" sz="1800" dirty="0"/>
+              <a:t>display each animal in a card as a child component.</a:t>
+            </a:r>
+          </a:p>
+          <a:p>
+            <a:r>
+              <a:rPr lang="en-US" sz="1800" dirty="0"/>
+              <a:t>when the user click on a </a:t>
+            </a:r>
+            <a:r>
+              <a:rPr lang="en-US" sz="1800" dirty="0" err="1"/>
+              <a:t>btn</a:t>
+            </a:r>
+            <a:r>
+              <a:rPr lang="en-US" sz="1800" dirty="0"/>
+              <a:t> inside </a:t>
+            </a:r>
+            <a:r>
+              <a:rPr lang="en-US" sz="1800"/>
+              <a:t>the card,</a:t>
+            </a:r>
+            <a:endParaRPr lang="en-US" sz="1800" dirty="0"/>
+          </a:p>
+          <a:p>
+            <a:r>
+              <a:rPr lang="en-US" sz="1800" dirty="0"/>
+              <a:t>it will delete the card</a:t>
+            </a:r>
+          </a:p>
+        </p:txBody>
+      </p:sp>
+    </p:spTree>
+    <p:extLst>
+      <p:ext uri="{BB962C8B-B14F-4D97-AF65-F5344CB8AC3E}">
+        <p14:creationId xmlns:p14="http://schemas.microsoft.com/office/powerpoint/2010/main" val="3931601647"/>
       </p:ext>
     </p:extLst>
   </p:cSld>
@@ -14237,7 +14461,7 @@
           <p:cNvPr id="2" name="Title 1">
             <a:extLst>
               <a:ext uri="{FF2B5EF4-FFF2-40B4-BE49-F238E27FC236}">
-                <a16:creationId xmlns:a16="http://schemas.microsoft.com/office/drawing/2014/main" id="{6A3AAEF6-5622-03B2-7ABC-B14B40ECB561}"/>
+                <a16:creationId xmlns:a16="http://schemas.microsoft.com/office/drawing/2014/main" id="{5C6557D3-8F8B-C2C0-B483-F856B03263F4}"/>
               </a:ext>
             </a:extLst>
           </p:cNvPr>
@@ -14255,7 +14479,7 @@
           <a:p>
             <a:r>
               <a:rPr lang="en-US" dirty="0"/>
-              <a:t>Bootstrap</a:t>
+              <a:t>run the project</a:t>
             </a:r>
           </a:p>
         </p:txBody>
@@ -14265,7 +14489,7 @@
           <p:cNvPr id="3" name="Content Placeholder 2">
             <a:extLst>
               <a:ext uri="{FF2B5EF4-FFF2-40B4-BE49-F238E27FC236}">
-                <a16:creationId xmlns:a16="http://schemas.microsoft.com/office/drawing/2014/main" id="{468948B7-81C3-4B58-A861-91318278E895}"/>
+                <a16:creationId xmlns:a16="http://schemas.microsoft.com/office/drawing/2014/main" id="{65FE14EE-97E5-364E-87BB-6E5F78292B11}"/>
               </a:ext>
             </a:extLst>
           </p:cNvPr>
@@ -14278,122 +14502,42 @@
         </p:nvSpPr>
         <p:spPr/>
         <p:txBody>
-          <a:bodyPr/>
-          <a:lstStyle/>
-          <a:p>
-            <a:r>
-              <a:rPr lang="en-US" dirty="0"/>
-              <a:t>to install bootstrap (the latest stable version) use </a:t>
-            </a:r>
-          </a:p>
-          <a:p>
-            <a:r>
-              <a:rPr lang="en-US" dirty="0" err="1"/>
+          <a:bodyPr>
+            <a:normAutofit/>
+          </a:bodyPr>
+          <a:lstStyle/>
+          <a:p>
+            <a:r>
+              <a:rPr lang="en-US" sz="2000" dirty="0"/>
+              <a:t>make sure we in the project folder</a:t>
+            </a:r>
+          </a:p>
+          <a:p>
+            <a:r>
+              <a:rPr lang="en-US" sz="2000" dirty="0"/>
+              <a:t>in the terminal run the follow command</a:t>
+            </a:r>
+          </a:p>
+          <a:p>
+            <a:endParaRPr lang="en-US" sz="2000" dirty="0"/>
+          </a:p>
+          <a:p>
+            <a:r>
+              <a:rPr lang="en-US" sz="2000" dirty="0" err="1"/>
               <a:t>npm</a:t>
             </a:r>
             <a:r>
-              <a:rPr lang="en-US" dirty="0"/>
-              <a:t> install bootstrap</a:t>
-            </a:r>
-          </a:p>
-          <a:p>
-            <a:endParaRPr lang="en-US" dirty="0"/>
-          </a:p>
-          <a:p>
-            <a:r>
-              <a:rPr lang="en-US" dirty="0"/>
-              <a:t>in </a:t>
-            </a:r>
-            <a:r>
-              <a:rPr lang="en-US" dirty="0" err="1"/>
-              <a:t>src</a:t>
-            </a:r>
-            <a:r>
-              <a:rPr lang="en-US" dirty="0"/>
-              <a:t>/index.js</a:t>
-            </a:r>
-          </a:p>
-          <a:p>
-            <a:r>
-              <a:rPr lang="en-US" dirty="0"/>
-              <a:t>add this 2 lines to add bootstrap to our react project</a:t>
-            </a:r>
-          </a:p>
-          <a:p>
-            <a:r>
-              <a:rPr lang="en-US" dirty="0"/>
-              <a:t>/* import bootstrap to react project */</a:t>
-            </a:r>
-          </a:p>
-          <a:p>
-            <a:r>
-              <a:rPr lang="en-US" dirty="0"/>
-              <a:t>import "../</a:t>
-            </a:r>
-            <a:r>
-              <a:rPr lang="en-US" dirty="0" err="1"/>
-              <a:t>node_modules</a:t>
-            </a:r>
-            <a:r>
-              <a:rPr lang="en-US" dirty="0"/>
-              <a:t>/bootstrap/</a:t>
-            </a:r>
-            <a:r>
-              <a:rPr lang="en-US" dirty="0" err="1"/>
-              <a:t>dist</a:t>
-            </a:r>
-            <a:r>
-              <a:rPr lang="en-US" dirty="0"/>
-              <a:t>/</a:t>
-            </a:r>
-            <a:r>
-              <a:rPr lang="en-US" dirty="0" err="1"/>
-              <a:t>css</a:t>
-            </a:r>
-            <a:r>
-              <a:rPr lang="en-US" dirty="0"/>
-              <a:t>/bootstrap.css";</a:t>
-            </a:r>
-          </a:p>
-          <a:p>
-            <a:r>
-              <a:rPr lang="en-US" dirty="0"/>
-              <a:t>import "../</a:t>
-            </a:r>
-            <a:r>
-              <a:rPr lang="en-US" dirty="0" err="1"/>
-              <a:t>node_modules</a:t>
-            </a:r>
-            <a:r>
-              <a:rPr lang="en-US" dirty="0"/>
-              <a:t>/bootstrap/</a:t>
-            </a:r>
-            <a:r>
-              <a:rPr lang="en-US" dirty="0" err="1"/>
-              <a:t>dist</a:t>
-            </a:r>
-            <a:r>
-              <a:rPr lang="en-US" dirty="0"/>
-              <a:t>/</a:t>
-            </a:r>
-            <a:r>
-              <a:rPr lang="en-US" dirty="0" err="1"/>
-              <a:t>js</a:t>
-            </a:r>
-            <a:r>
-              <a:rPr lang="en-US" dirty="0"/>
-              <a:t>/bootstrap.bundle.js";</a:t>
-            </a:r>
-          </a:p>
-          <a:p>
-            <a:endParaRPr lang="en-US" dirty="0"/>
+              <a:rPr lang="en-US" sz="2000" dirty="0"/>
+              <a:t> start</a:t>
+            </a:r>
+            <a:endParaRPr lang="en-US" sz="1800" dirty="0"/>
           </a:p>
         </p:txBody>
       </p:sp>
     </p:spTree>
     <p:extLst>
       <p:ext uri="{BB962C8B-B14F-4D97-AF65-F5344CB8AC3E}">
-        <p14:creationId xmlns:p14="http://schemas.microsoft.com/office/powerpoint/2010/main" val="3401138775"/>
+        <p14:creationId xmlns:p14="http://schemas.microsoft.com/office/powerpoint/2010/main" val="2861264614"/>
       </p:ext>
     </p:extLst>
   </p:cSld>
@@ -14443,7 +14587,7 @@
           <a:p>
             <a:r>
               <a:rPr lang="en-US" dirty="0"/>
-              <a:t>Component</a:t>
+              <a:t>Bootstrap</a:t>
             </a:r>
           </a:p>
         </p:txBody>
@@ -14471,67 +14615,109 @@
           <a:p>
             <a:r>
               <a:rPr lang="en-US" dirty="0"/>
-              <a:t>we will create components in components folder</a:t>
-            </a:r>
-          </a:p>
-          <a:p>
+              <a:t>to install bootstrap (the latest stable version) use </a:t>
+            </a:r>
+          </a:p>
+          <a:p>
+            <a:r>
+              <a:rPr lang="en-US" dirty="0" err="1"/>
+              <a:t>npm</a:t>
+            </a:r>
             <a:r>
               <a:rPr lang="en-US" dirty="0"/>
-              <a:t>the component </a:t>
+              <a:t> install bootstrap</a:t>
+            </a:r>
+          </a:p>
+          <a:p>
+            <a:endParaRPr lang="en-US" dirty="0"/>
+          </a:p>
+          <a:p>
+            <a:r>
+              <a:rPr lang="en-US" dirty="0"/>
+              <a:t>in </a:t>
             </a:r>
             <a:r>
               <a:rPr lang="en-US" dirty="0" err="1"/>
-              <a:t>jsx</a:t>
+              <a:t>src</a:t>
             </a:r>
             <a:r>
               <a:rPr lang="en-US" dirty="0"/>
-              <a:t> files will start with CAPITAL letter</a:t>
+              <a:t>/index.js</a:t>
             </a:r>
           </a:p>
           <a:p>
             <a:r>
               <a:rPr lang="en-US" dirty="0"/>
-              <a:t>the component will be function</a:t>
+              <a:t>add this 2 lines to add bootstrap to our react project</a:t>
             </a:r>
           </a:p>
           <a:p>
             <a:r>
               <a:rPr lang="en-US" dirty="0"/>
-              <a:t>the component will always return html tag</a:t>
+              <a:t>/* import bootstrap to react project */</a:t>
             </a:r>
           </a:p>
           <a:p>
             <a:r>
               <a:rPr lang="en-US" dirty="0"/>
-              <a:t>if we need to return more then one tag (</a:t>
+              <a:t>import "../</a:t>
             </a:r>
             <a:r>
               <a:rPr lang="en-US" dirty="0" err="1"/>
-              <a:t>Testcomponent</a:t>
+              <a:t>node_modules</a:t>
             </a:r>
             <a:r>
               <a:rPr lang="en-US" dirty="0"/>
-              <a:t>) we will use Fragment (don’t forget to import)</a:t>
-            </a:r>
-          </a:p>
-          <a:p>
-            <a:endParaRPr lang="en-US" dirty="0"/>
-          </a:p>
-          <a:p>
+              <a:t>/bootstrap/</a:t>
+            </a:r>
+            <a:r>
+              <a:rPr lang="en-US" dirty="0" err="1"/>
+              <a:t>dist</a:t>
+            </a:r>
             <a:r>
               <a:rPr lang="en-US" dirty="0"/>
-              <a:t>don’t forget to add</a:t>
-            </a:r>
-          </a:p>
-          <a:p>
+              <a:t>/</a:t>
+            </a:r>
+            <a:r>
+              <a:rPr lang="en-US" dirty="0" err="1"/>
+              <a:t>css</a:t>
+            </a:r>
             <a:r>
               <a:rPr lang="en-US" dirty="0"/>
-              <a:t>export default </a:t>
+              <a:t>/bootstrap.css";</a:t>
+            </a:r>
+          </a:p>
+          <a:p>
+            <a:r>
+              <a:rPr lang="en-US" dirty="0"/>
+              <a:t>import "../</a:t>
             </a:r>
             <a:r>
               <a:rPr lang="en-US" dirty="0" err="1"/>
-              <a:t>ComponentName</a:t>
-            </a:r>
+              <a:t>node_modules</a:t>
+            </a:r>
+            <a:r>
+              <a:rPr lang="en-US" dirty="0"/>
+              <a:t>/bootstrap/</a:t>
+            </a:r>
+            <a:r>
+              <a:rPr lang="en-US" dirty="0" err="1"/>
+              <a:t>dist</a:t>
+            </a:r>
+            <a:r>
+              <a:rPr lang="en-US" dirty="0"/>
+              <a:t>/</a:t>
+            </a:r>
+            <a:r>
+              <a:rPr lang="en-US" dirty="0" err="1"/>
+              <a:t>js</a:t>
+            </a:r>
+            <a:r>
+              <a:rPr lang="en-US" dirty="0"/>
+              <a:t>/bootstrap.bundle.js";</a:t>
+            </a:r>
+          </a:p>
+          <a:p>
             <a:endParaRPr lang="en-US" dirty="0"/>
           </a:p>
         </p:txBody>
@@ -14539,7 +14725,7 @@
     </p:spTree>
     <p:extLst>
       <p:ext uri="{BB962C8B-B14F-4D97-AF65-F5344CB8AC3E}">
-        <p14:creationId xmlns:p14="http://schemas.microsoft.com/office/powerpoint/2010/main" val="2301121601"/>
+        <p14:creationId xmlns:p14="http://schemas.microsoft.com/office/powerpoint/2010/main" val="3401138775"/>
       </p:ext>
     </p:extLst>
   </p:cSld>
@@ -14617,7 +14803,47 @@
           <a:p>
             <a:r>
               <a:rPr lang="en-US" dirty="0"/>
-              <a:t>components should be reusable</a:t>
+              <a:t>we will create components in components folder</a:t>
+            </a:r>
+          </a:p>
+          <a:p>
+            <a:r>
+              <a:rPr lang="en-US" dirty="0"/>
+              <a:t>the component </a:t>
+            </a:r>
+            <a:r>
+              <a:rPr lang="en-US" dirty="0" err="1"/>
+              <a:t>jsx</a:t>
+            </a:r>
+            <a:r>
+              <a:rPr lang="en-US" dirty="0"/>
+              <a:t> files will start with CAPITAL letter</a:t>
+            </a:r>
+          </a:p>
+          <a:p>
+            <a:r>
+              <a:rPr lang="en-US" dirty="0"/>
+              <a:t>the component will be function</a:t>
+            </a:r>
+          </a:p>
+          <a:p>
+            <a:r>
+              <a:rPr lang="en-US" dirty="0"/>
+              <a:t>the component will always return html tag</a:t>
+            </a:r>
+          </a:p>
+          <a:p>
+            <a:r>
+              <a:rPr lang="en-US" dirty="0"/>
+              <a:t>if we need to return more then one tag (</a:t>
+            </a:r>
+            <a:r>
+              <a:rPr lang="en-US" dirty="0" err="1"/>
+              <a:t>Testcomponent</a:t>
+            </a:r>
+            <a:r>
+              <a:rPr lang="en-US" dirty="0"/>
+              <a:t>) we will use Fragment (don’t forget to import)</a:t>
             </a:r>
           </a:p>
           <a:p>
@@ -14626,15 +14852,26 @@
           <a:p>
             <a:r>
               <a:rPr lang="en-US" dirty="0"/>
-              <a:t>build everything with components so the webapp will be more scalable </a:t>
-            </a:r>
+              <a:t>don’t forget to add</a:t>
+            </a:r>
+          </a:p>
+          <a:p>
+            <a:r>
+              <a:rPr lang="en-US" dirty="0"/>
+              <a:t>export default </a:t>
+            </a:r>
+            <a:r>
+              <a:rPr lang="en-US" dirty="0" err="1"/>
+              <a:t>ComponentName</a:t>
+            </a:r>
+            <a:endParaRPr lang="en-US" dirty="0"/>
           </a:p>
         </p:txBody>
       </p:sp>
     </p:spTree>
     <p:extLst>
       <p:ext uri="{BB962C8B-B14F-4D97-AF65-F5344CB8AC3E}">
-        <p14:creationId xmlns:p14="http://schemas.microsoft.com/office/powerpoint/2010/main" val="2285688007"/>
+        <p14:creationId xmlns:p14="http://schemas.microsoft.com/office/powerpoint/2010/main" val="2301121601"/>
       </p:ext>
     </p:extLst>
   </p:cSld>

--- a/docs/React.pptx
+++ b/docs/React.pptx
@@ -5,7 +5,7 @@
     <p:sldMasterId id="2147483660" r:id="rId4"/>
   </p:sldMasterIdLst>
   <p:notesMasterIdLst>
-    <p:notesMasterId r:id="rId73"/>
+    <p:notesMasterId r:id="rId75"/>
   </p:notesMasterIdLst>
   <p:sldIdLst>
     <p:sldId id="264" r:id="rId5"/>
@@ -76,6 +76,8 @@
     <p:sldId id="377" r:id="rId70"/>
     <p:sldId id="378" r:id="rId71"/>
     <p:sldId id="380" r:id="rId72"/>
+    <p:sldId id="381" r:id="rId73"/>
+    <p:sldId id="382" r:id="rId74"/>
   </p:sldIdLst>
   <p:sldSz cx="12192000" cy="6858000"/>
   <p:notesSz cx="6858000" cy="9144000"/>
@@ -14410,13 +14412,8 @@
             </a:r>
             <a:r>
               <a:rPr lang="en-US" sz="1800" dirty="0"/>
-              <a:t> inside </a:t>
-            </a:r>
-            <a:r>
-              <a:rPr lang="en-US" sz="1800"/>
-              <a:t>the card,</a:t>
-            </a:r>
-            <a:endParaRPr lang="en-US" sz="1800" dirty="0"/>
+              <a:t> inside the card,</a:t>
+            </a:r>
           </a:p>
           <a:p>
             <a:r>
@@ -14430,6 +14427,118 @@
     <p:extLst>
       <p:ext uri="{BB962C8B-B14F-4D97-AF65-F5344CB8AC3E}">
         <p14:creationId xmlns:p14="http://schemas.microsoft.com/office/powerpoint/2010/main" val="3931601647"/>
+      </p:ext>
+    </p:extLst>
+  </p:cSld>
+  <p:clrMapOvr>
+    <a:masterClrMapping/>
+  </p:clrMapOvr>
+</p:sld>
+</file>
+
+<file path=ppt/slides/slide69.xml><?xml version="1.0" encoding="utf-8"?>
+<p:sld xmlns:a="http://schemas.openxmlformats.org/drawingml/2006/main" xmlns:r="http://schemas.openxmlformats.org/officeDocument/2006/relationships" xmlns:p="http://schemas.openxmlformats.org/presentationml/2006/main">
+  <p:cSld>
+    <p:spTree>
+      <p:nvGrpSpPr>
+        <p:cNvPr id="1" name=""/>
+        <p:cNvGrpSpPr/>
+        <p:nvPr/>
+      </p:nvGrpSpPr>
+      <p:grpSpPr>
+        <a:xfrm>
+          <a:off x="0" y="0"/>
+          <a:ext cx="0" cy="0"/>
+          <a:chOff x="0" y="0"/>
+          <a:chExt cx="0" cy="0"/>
+        </a:xfrm>
+      </p:grpSpPr>
+      <p:sp>
+        <p:nvSpPr>
+          <p:cNvPr id="2" name="Title 1">
+            <a:extLst>
+              <a:ext uri="{FF2B5EF4-FFF2-40B4-BE49-F238E27FC236}">
+                <a16:creationId xmlns:a16="http://schemas.microsoft.com/office/drawing/2014/main" id="{8A56E29C-09F7-B711-591E-BDC97066A449}"/>
+              </a:ext>
+            </a:extLst>
+          </p:cNvPr>
+          <p:cNvSpPr>
+            <a:spLocks noGrp="1"/>
+          </p:cNvSpPr>
+          <p:nvPr>
+            <p:ph type="title"/>
+          </p:nvPr>
+        </p:nvSpPr>
+        <p:spPr/>
+        <p:txBody>
+          <a:bodyPr/>
+          <a:lstStyle/>
+          <a:p>
+            <a:r>
+              <a:rPr lang="en-US" dirty="0"/>
+              <a:t>Sass</a:t>
+            </a:r>
+          </a:p>
+        </p:txBody>
+      </p:sp>
+      <p:sp>
+        <p:nvSpPr>
+          <p:cNvPr id="3" name="Content Placeholder 2">
+            <a:extLst>
+              <a:ext uri="{FF2B5EF4-FFF2-40B4-BE49-F238E27FC236}">
+                <a16:creationId xmlns:a16="http://schemas.microsoft.com/office/drawing/2014/main" id="{4D96329F-70CA-D930-B844-FB5264890AD1}"/>
+              </a:ext>
+            </a:extLst>
+          </p:cNvPr>
+          <p:cNvSpPr>
+            <a:spLocks noGrp="1"/>
+          </p:cNvSpPr>
+          <p:nvPr>
+            <p:ph idx="1"/>
+          </p:nvPr>
+        </p:nvSpPr>
+        <p:spPr/>
+        <p:txBody>
+          <a:bodyPr>
+            <a:normAutofit/>
+          </a:bodyPr>
+          <a:lstStyle/>
+          <a:p>
+            <a:r>
+              <a:rPr lang="en-US" sz="1800" dirty="0"/>
+              <a:t>to make react work with sass you need to install sass</a:t>
+            </a:r>
+          </a:p>
+          <a:p>
+            <a:r>
+              <a:rPr lang="en-US" sz="1800" dirty="0" err="1"/>
+              <a:t>npm</a:t>
+            </a:r>
+            <a:r>
+              <a:rPr lang="en-US" sz="1800" dirty="0"/>
+              <a:t> </a:t>
+            </a:r>
+            <a:r>
+              <a:rPr lang="en-US" sz="1800" dirty="0" err="1"/>
+              <a:t>i</a:t>
+            </a:r>
+            <a:r>
+              <a:rPr lang="en-US" sz="1800" dirty="0"/>
+              <a:t> sass</a:t>
+            </a:r>
+          </a:p>
+          <a:p>
+            <a:r>
+              <a:rPr lang="en-US" sz="1800" dirty="0"/>
+              <a:t>then just import your sass files</a:t>
+            </a:r>
+          </a:p>
+        </p:txBody>
+      </p:sp>
+    </p:spTree>
+    <p:extLst>
+      <p:ext uri="{BB962C8B-B14F-4D97-AF65-F5344CB8AC3E}">
+        <p14:creationId xmlns:p14="http://schemas.microsoft.com/office/powerpoint/2010/main" val="577305049"/>
       </p:ext>
     </p:extLst>
   </p:cSld>
@@ -14538,6 +14647,118 @@
     <p:extLst>
       <p:ext uri="{BB962C8B-B14F-4D97-AF65-F5344CB8AC3E}">
         <p14:creationId xmlns:p14="http://schemas.microsoft.com/office/powerpoint/2010/main" val="2861264614"/>
+      </p:ext>
+    </p:extLst>
+  </p:cSld>
+  <p:clrMapOvr>
+    <a:masterClrMapping/>
+  </p:clrMapOvr>
+</p:sld>
+</file>
+
+<file path=ppt/slides/slide70.xml><?xml version="1.0" encoding="utf-8"?>
+<p:sld xmlns:a="http://schemas.openxmlformats.org/drawingml/2006/main" xmlns:r="http://schemas.openxmlformats.org/officeDocument/2006/relationships" xmlns:p="http://schemas.openxmlformats.org/presentationml/2006/main">
+  <p:cSld>
+    <p:spTree>
+      <p:nvGrpSpPr>
+        <p:cNvPr id="1" name=""/>
+        <p:cNvGrpSpPr/>
+        <p:nvPr/>
+      </p:nvGrpSpPr>
+      <p:grpSpPr>
+        <a:xfrm>
+          <a:off x="0" y="0"/>
+          <a:ext cx="0" cy="0"/>
+          <a:chOff x="0" y="0"/>
+          <a:chExt cx="0" cy="0"/>
+        </a:xfrm>
+      </p:grpSpPr>
+      <p:sp>
+        <p:nvSpPr>
+          <p:cNvPr id="2" name="Title 1">
+            <a:extLst>
+              <a:ext uri="{FF2B5EF4-FFF2-40B4-BE49-F238E27FC236}">
+                <a16:creationId xmlns:a16="http://schemas.microsoft.com/office/drawing/2014/main" id="{8A56E29C-09F7-B711-591E-BDC97066A449}"/>
+              </a:ext>
+            </a:extLst>
+          </p:cNvPr>
+          <p:cNvSpPr>
+            <a:spLocks noGrp="1"/>
+          </p:cNvSpPr>
+          <p:nvPr>
+            <p:ph type="title"/>
+          </p:nvPr>
+        </p:nvSpPr>
+        <p:spPr/>
+        <p:txBody>
+          <a:bodyPr/>
+          <a:lstStyle/>
+          <a:p>
+            <a:r>
+              <a:rPr lang="en-US" dirty="0"/>
+              <a:t>TK - </a:t>
+            </a:r>
+            <a:r>
+              <a:rPr lang="en-US" dirty="0" err="1"/>
+              <a:t>axios</a:t>
+            </a:r>
+            <a:endParaRPr lang="en-US" dirty="0"/>
+          </a:p>
+        </p:txBody>
+      </p:sp>
+      <p:sp>
+        <p:nvSpPr>
+          <p:cNvPr id="3" name="Content Placeholder 2">
+            <a:extLst>
+              <a:ext uri="{FF2B5EF4-FFF2-40B4-BE49-F238E27FC236}">
+                <a16:creationId xmlns:a16="http://schemas.microsoft.com/office/drawing/2014/main" id="{4D96329F-70CA-D930-B844-FB5264890AD1}"/>
+              </a:ext>
+            </a:extLst>
+          </p:cNvPr>
+          <p:cNvSpPr>
+            <a:spLocks noGrp="1"/>
+          </p:cNvSpPr>
+          <p:nvPr>
+            <p:ph idx="1"/>
+          </p:nvPr>
+        </p:nvSpPr>
+        <p:spPr/>
+        <p:txBody>
+          <a:bodyPr>
+            <a:normAutofit/>
+          </a:bodyPr>
+          <a:lstStyle/>
+          <a:p>
+            <a:r>
+              <a:rPr lang="en-US" sz="1800" dirty="0"/>
+              <a:t>create login form and show msg if the user is logged in or not</a:t>
+            </a:r>
+          </a:p>
+          <a:p>
+            <a:endParaRPr lang="en-US" sz="1800" dirty="0"/>
+          </a:p>
+          <a:p>
+            <a:r>
+              <a:rPr lang="en-US" sz="1800" dirty="0"/>
+              <a:t>if login success then navigate to dashboard</a:t>
+            </a:r>
+          </a:p>
+          <a:p>
+            <a:endParaRPr lang="en-US" sz="1800" dirty="0"/>
+          </a:p>
+          <a:p>
+            <a:r>
+              <a:rPr lang="en-US" sz="1800"/>
+              <a:t>create register page</a:t>
+            </a:r>
+            <a:endParaRPr lang="en-US" sz="1800" dirty="0"/>
+          </a:p>
+        </p:txBody>
+      </p:sp>
+    </p:spTree>
+    <p:extLst>
+      <p:ext uri="{BB962C8B-B14F-4D97-AF65-F5344CB8AC3E}">
+        <p14:creationId xmlns:p14="http://schemas.microsoft.com/office/powerpoint/2010/main" val="3637340026"/>
       </p:ext>
     </p:extLst>
   </p:cSld>
